--- a/IqHealth/Docs/HealthIQ-3.pptx
+++ b/IqHealth/Docs/HealthIQ-3.pptx
@@ -5,10 +5,10 @@
     <p:sldMasterId id="2147483648" r:id="rId4"/>
   </p:sldMasterIdLst>
   <p:notesMasterIdLst>
-    <p:notesMasterId r:id="rId28"/>
+    <p:notesMasterId r:id="rId31"/>
   </p:notesMasterIdLst>
   <p:handoutMasterIdLst>
-    <p:handoutMasterId r:id="rId29"/>
+    <p:handoutMasterId r:id="rId32"/>
   </p:handoutMasterIdLst>
   <p:sldIdLst>
     <p:sldId id="282" r:id="rId5"/>
@@ -28,12 +28,15 @@
     <p:sldId id="307" r:id="rId19"/>
     <p:sldId id="308" r:id="rId20"/>
     <p:sldId id="306" r:id="rId21"/>
-    <p:sldId id="304" r:id="rId22"/>
-    <p:sldId id="294" r:id="rId23"/>
-    <p:sldId id="295" r:id="rId24"/>
-    <p:sldId id="285" r:id="rId25"/>
-    <p:sldId id="296" r:id="rId26"/>
-    <p:sldId id="256" r:id="rId27"/>
+    <p:sldId id="285" r:id="rId22"/>
+    <p:sldId id="309" r:id="rId23"/>
+    <p:sldId id="304" r:id="rId24"/>
+    <p:sldId id="310" r:id="rId25"/>
+    <p:sldId id="311" r:id="rId26"/>
+    <p:sldId id="294" r:id="rId27"/>
+    <p:sldId id="295" r:id="rId28"/>
+    <p:sldId id="296" r:id="rId29"/>
+    <p:sldId id="256" r:id="rId30"/>
   </p:sldIdLst>
   <p:sldSz cx="12192000" cy="6858000"/>
   <p:notesSz cx="6858000" cy="9144000"/>
@@ -370,11 +373,11 @@
           <c:showBubbleSize val="0"/>
         </c:dLbls>
         <c:gapWidth val="25"/>
-        <c:axId val="641674672"/>
-        <c:axId val="641810032"/>
+        <c:axId val="1090211232"/>
+        <c:axId val="1090205792"/>
       </c:barChart>
       <c:catAx>
-        <c:axId val="641674672"/>
+        <c:axId val="1090211232"/>
         <c:scaling>
           <c:orientation val="minMax"/>
         </c:scaling>
@@ -417,7 +420,7 @@
             <a:endParaRPr lang="en-US"/>
           </a:p>
         </c:txPr>
-        <c:crossAx val="641810032"/>
+        <c:crossAx val="1090205792"/>
         <c:crosses val="autoZero"/>
         <c:auto val="1"/>
         <c:lblAlgn val="ctr"/>
@@ -425,7 +428,7 @@
         <c:noMultiLvlLbl val="0"/>
       </c:catAx>
       <c:valAx>
-        <c:axId val="641810032"/>
+        <c:axId val="1090205792"/>
         <c:scaling>
           <c:orientation val="minMax"/>
         </c:scaling>
@@ -476,7 +479,7 @@
             <a:endParaRPr lang="en-US"/>
           </a:p>
         </c:txPr>
-        <c:crossAx val="641674672"/>
+        <c:crossAx val="1090211232"/>
         <c:crosses val="autoZero"/>
         <c:crossBetween val="between"/>
       </c:valAx>
@@ -1243,11 +1246,11 @@
         </c:dLbls>
         <c:marker val="1"/>
         <c:smooth val="0"/>
-        <c:axId val="882526608"/>
-        <c:axId val="882520080"/>
+        <c:axId val="1335906608"/>
+        <c:axId val="1335908240"/>
       </c:lineChart>
       <c:catAx>
-        <c:axId val="882526608"/>
+        <c:axId val="1335906608"/>
         <c:scaling>
           <c:orientation val="minMax"/>
         </c:scaling>
@@ -1290,7 +1293,7 @@
             <a:endParaRPr lang="en-US"/>
           </a:p>
         </c:txPr>
-        <c:crossAx val="882520080"/>
+        <c:crossAx val="1335908240"/>
         <c:crosses val="autoZero"/>
         <c:auto val="1"/>
         <c:lblAlgn val="ctr"/>
@@ -1298,7 +1301,7 @@
         <c:noMultiLvlLbl val="0"/>
       </c:catAx>
       <c:valAx>
-        <c:axId val="882520080"/>
+        <c:axId val="1335908240"/>
         <c:scaling>
           <c:orientation val="minMax"/>
         </c:scaling>
@@ -1349,7 +1352,7 @@
             <a:endParaRPr lang="en-US"/>
           </a:p>
         </c:txPr>
-        <c:crossAx val="882526608"/>
+        <c:crossAx val="1335906608"/>
         <c:crosses val="autoZero"/>
         <c:crossBetween val="between"/>
       </c:valAx>
@@ -3051,7 +3054,7 @@
           <p:cNvPr id="2" name="Header Placeholder 1">
             <a:extLst>
               <a:ext uri="{FF2B5EF4-FFF2-40B4-BE49-F238E27FC236}">
-                <a16:creationId xmlns="" xmlns:a16="http://schemas.microsoft.com/office/drawing/2014/main" id="{B76F666D-E0C2-435B-BAA8-9287F9E5D38A}"/>
+                <a16:creationId xmlns:a16="http://schemas.microsoft.com/office/drawing/2014/main" xmlns="" id="{B76F666D-E0C2-435B-BAA8-9287F9E5D38A}"/>
               </a:ext>
             </a:extLst>
           </p:cNvPr>
@@ -3088,7 +3091,7 @@
           <p:cNvPr id="3" name="Date Placeholder 2">
             <a:extLst>
               <a:ext uri="{FF2B5EF4-FFF2-40B4-BE49-F238E27FC236}">
-                <a16:creationId xmlns="" xmlns:a16="http://schemas.microsoft.com/office/drawing/2014/main" id="{19FEBCAF-CB3F-4928-91AA-D61472F880C0}"/>
+                <a16:creationId xmlns:a16="http://schemas.microsoft.com/office/drawing/2014/main" xmlns="" id="{19FEBCAF-CB3F-4928-91AA-D61472F880C0}"/>
               </a:ext>
             </a:extLst>
           </p:cNvPr>
@@ -3118,7 +3121,7 @@
           <a:p>
             <a:fld id="{EF1077DB-935E-4A0A-947A-D283B9F9F452}" type="datetimeFigureOut">
               <a:rPr lang="en-US" smtClean="0"/>
-              <a:t>27-Apr-20</a:t>
+              <a:t>01-May-20</a:t>
             </a:fld>
             <a:endParaRPr lang="en-US"/>
           </a:p>
@@ -3129,7 +3132,7 @@
           <p:cNvPr id="4" name="Footer Placeholder 3">
             <a:extLst>
               <a:ext uri="{FF2B5EF4-FFF2-40B4-BE49-F238E27FC236}">
-                <a16:creationId xmlns="" xmlns:a16="http://schemas.microsoft.com/office/drawing/2014/main" id="{69256698-63C6-4CCC-81CB-EA5604C30F1E}"/>
+                <a16:creationId xmlns:a16="http://schemas.microsoft.com/office/drawing/2014/main" xmlns="" id="{69256698-63C6-4CCC-81CB-EA5604C30F1E}"/>
               </a:ext>
             </a:extLst>
           </p:cNvPr>
@@ -3166,7 +3169,7 @@
           <p:cNvPr id="5" name="Slide Number Placeholder 4">
             <a:extLst>
               <a:ext uri="{FF2B5EF4-FFF2-40B4-BE49-F238E27FC236}">
-                <a16:creationId xmlns="" xmlns:a16="http://schemas.microsoft.com/office/drawing/2014/main" id="{B2467FDA-05D7-4760-A373-5D6AEAAF4278}"/>
+                <a16:creationId xmlns:a16="http://schemas.microsoft.com/office/drawing/2014/main" xmlns="" id="{B2467FDA-05D7-4760-A373-5D6AEAAF4278}"/>
               </a:ext>
             </a:extLst>
           </p:cNvPr>
@@ -3295,7 +3298,7 @@
           <a:p>
             <a:fld id="{2D9EC30E-1A71-4188-9BE7-E2A64929A436}" type="datetimeFigureOut">
               <a:rPr lang="en-US" noProof="0" smtClean="0"/>
-              <a:t>27-Apr-20</a:t>
+              <a:t>01-May-20</a:t>
             </a:fld>
             <a:endParaRPr lang="en-US" noProof="0"/>
           </a:p>
@@ -3584,7 +3587,7 @@
           <p:cNvPr id="2" name="Title 1">
             <a:extLst>
               <a:ext uri="{FF2B5EF4-FFF2-40B4-BE49-F238E27FC236}">
-                <a16:creationId xmlns="" xmlns:a16="http://schemas.microsoft.com/office/drawing/2014/main" id="{5FC626A5-4FF6-42BD-858A-AE4B2C23A6BC}"/>
+                <a16:creationId xmlns:a16="http://schemas.microsoft.com/office/drawing/2014/main" xmlns="" id="{5FC626A5-4FF6-42BD-858A-AE4B2C23A6BC}"/>
               </a:ext>
             </a:extLst>
           </p:cNvPr>
@@ -3623,7 +3626,7 @@
           <p:cNvPr id="5" name="Subtitle 2">
             <a:extLst>
               <a:ext uri="{FF2B5EF4-FFF2-40B4-BE49-F238E27FC236}">
-                <a16:creationId xmlns="" xmlns:a16="http://schemas.microsoft.com/office/drawing/2014/main" id="{10727B06-56A8-44A2-B6C2-9ED183D107F3}"/>
+                <a16:creationId xmlns:a16="http://schemas.microsoft.com/office/drawing/2014/main" xmlns="" id="{10727B06-56A8-44A2-B6C2-9ED183D107F3}"/>
               </a:ext>
             </a:extLst>
           </p:cNvPr>
@@ -3678,7 +3681,7 @@
           <p:cNvPr id="6" name="Slide Number Placeholder 5">
             <a:extLst>
               <a:ext uri="{FF2B5EF4-FFF2-40B4-BE49-F238E27FC236}">
-                <a16:creationId xmlns="" xmlns:a16="http://schemas.microsoft.com/office/drawing/2014/main" id="{7A47F3D0-41FC-4430-9F9E-1F78A18D65FE}"/>
+                <a16:creationId xmlns:a16="http://schemas.microsoft.com/office/drawing/2014/main" xmlns="" id="{7A47F3D0-41FC-4430-9F9E-1F78A18D65FE}"/>
               </a:ext>
             </a:extLst>
           </p:cNvPr>
@@ -3708,7 +3711,7 @@
           <p:cNvPr id="7" name="Footer Placeholder 6">
             <a:extLst>
               <a:ext uri="{FF2B5EF4-FFF2-40B4-BE49-F238E27FC236}">
-                <a16:creationId xmlns="" xmlns:a16="http://schemas.microsoft.com/office/drawing/2014/main" id="{2ED798F6-1F12-46CE-9AFD-CC66555A191D}"/>
+                <a16:creationId xmlns:a16="http://schemas.microsoft.com/office/drawing/2014/main" xmlns="" id="{2ED798F6-1F12-46CE-9AFD-CC66555A191D}"/>
               </a:ext>
             </a:extLst>
           </p:cNvPr>
@@ -3766,7 +3769,7 @@
           <p:cNvPr id="13" name="Rectangle 12">
             <a:extLst>
               <a:ext uri="{FF2B5EF4-FFF2-40B4-BE49-F238E27FC236}">
-                <a16:creationId xmlns="" xmlns:a16="http://schemas.microsoft.com/office/drawing/2014/main" id="{DD31C544-1372-4B34-8149-B6058B8CC577}"/>
+                <a16:creationId xmlns:a16="http://schemas.microsoft.com/office/drawing/2014/main" xmlns="" id="{DD31C544-1372-4B34-8149-B6058B8CC577}"/>
               </a:ext>
             </a:extLst>
           </p:cNvPr>
@@ -3818,7 +3821,7 @@
           <p:cNvPr id="14" name="Rectangle 13">
             <a:extLst>
               <a:ext uri="{FF2B5EF4-FFF2-40B4-BE49-F238E27FC236}">
-                <a16:creationId xmlns="" xmlns:a16="http://schemas.microsoft.com/office/drawing/2014/main" id="{7B2598CA-3443-4098-80E7-1F16DC9A13CC}"/>
+                <a16:creationId xmlns:a16="http://schemas.microsoft.com/office/drawing/2014/main" xmlns="" id="{7B2598CA-3443-4098-80E7-1F16DC9A13CC}"/>
               </a:ext>
             </a:extLst>
           </p:cNvPr>
@@ -3870,7 +3873,7 @@
           <p:cNvPr id="12" name="Picture Placeholder 11">
             <a:extLst>
               <a:ext uri="{FF2B5EF4-FFF2-40B4-BE49-F238E27FC236}">
-                <a16:creationId xmlns="" xmlns:a16="http://schemas.microsoft.com/office/drawing/2014/main" id="{BE421EAA-68E8-4AED-BA2F-01A6AC66859D}"/>
+                <a16:creationId xmlns:a16="http://schemas.microsoft.com/office/drawing/2014/main" xmlns="" id="{BE421EAA-68E8-4AED-BA2F-01A6AC66859D}"/>
               </a:ext>
             </a:extLst>
           </p:cNvPr>
@@ -4853,7 +4856,7 @@
           <p:cNvPr id="2" name="Title 1">
             <a:extLst>
               <a:ext uri="{FF2B5EF4-FFF2-40B4-BE49-F238E27FC236}">
-                <a16:creationId xmlns="" xmlns:a16="http://schemas.microsoft.com/office/drawing/2014/main" id="{00F23EB7-E336-46EB-A4A0-3DB7A6BF4CE1}"/>
+                <a16:creationId xmlns:a16="http://schemas.microsoft.com/office/drawing/2014/main" xmlns="" id="{00F23EB7-E336-46EB-A4A0-3DB7A6BF4CE1}"/>
               </a:ext>
             </a:extLst>
           </p:cNvPr>
@@ -4928,7 +4931,7 @@
           <p:cNvPr id="7" name="Text Placeholder 5">
             <a:extLst>
               <a:ext uri="{FF2B5EF4-FFF2-40B4-BE49-F238E27FC236}">
-                <a16:creationId xmlns="" xmlns:a16="http://schemas.microsoft.com/office/drawing/2014/main" id="{D907C852-B0E0-4C2E-88CE-B543605961EE}"/>
+                <a16:creationId xmlns:a16="http://schemas.microsoft.com/office/drawing/2014/main" xmlns="" id="{D907C852-B0E0-4C2E-88CE-B543605961EE}"/>
               </a:ext>
             </a:extLst>
           </p:cNvPr>
@@ -4989,7 +4992,7 @@
           <p:cNvPr id="8" name="Text Placeholder 6">
             <a:extLst>
               <a:ext uri="{FF2B5EF4-FFF2-40B4-BE49-F238E27FC236}">
-                <a16:creationId xmlns="" xmlns:a16="http://schemas.microsoft.com/office/drawing/2014/main" id="{D84C0BEF-F601-4B10-8AEE-4859FE996B34}"/>
+                <a16:creationId xmlns:a16="http://schemas.microsoft.com/office/drawing/2014/main" xmlns="" id="{D84C0BEF-F601-4B10-8AEE-4859FE996B34}"/>
               </a:ext>
             </a:extLst>
           </p:cNvPr>
@@ -5050,7 +5053,7 @@
           <p:cNvPr id="9" name="Text Placeholder 7">
             <a:extLst>
               <a:ext uri="{FF2B5EF4-FFF2-40B4-BE49-F238E27FC236}">
-                <a16:creationId xmlns="" xmlns:a16="http://schemas.microsoft.com/office/drawing/2014/main" id="{83A6EF9B-EF2F-4949-9CC4-C16BF8DC85A0}"/>
+                <a16:creationId xmlns:a16="http://schemas.microsoft.com/office/drawing/2014/main" xmlns="" id="{83A6EF9B-EF2F-4949-9CC4-C16BF8DC85A0}"/>
               </a:ext>
             </a:extLst>
           </p:cNvPr>
@@ -5111,7 +5114,7 @@
           <p:cNvPr id="10" name="Text Placeholder 8">
             <a:extLst>
               <a:ext uri="{FF2B5EF4-FFF2-40B4-BE49-F238E27FC236}">
-                <a16:creationId xmlns="" xmlns:a16="http://schemas.microsoft.com/office/drawing/2014/main" id="{BE8CA170-9CA9-448E-B07A-E01AB84F7FD3}"/>
+                <a16:creationId xmlns:a16="http://schemas.microsoft.com/office/drawing/2014/main" xmlns="" id="{BE8CA170-9CA9-448E-B07A-E01AB84F7FD3}"/>
               </a:ext>
             </a:extLst>
           </p:cNvPr>
@@ -5202,7 +5205,7 @@
           <p:cNvPr id="2" name="Title 1">
             <a:extLst>
               <a:ext uri="{FF2B5EF4-FFF2-40B4-BE49-F238E27FC236}">
-                <a16:creationId xmlns="" xmlns:a16="http://schemas.microsoft.com/office/drawing/2014/main" id="{5CFF4C50-933F-41F9-AD11-BD02410AA7D5}"/>
+                <a16:creationId xmlns:a16="http://schemas.microsoft.com/office/drawing/2014/main" xmlns="" id="{5CFF4C50-933F-41F9-AD11-BD02410AA7D5}"/>
               </a:ext>
             </a:extLst>
           </p:cNvPr>
@@ -5246,7 +5249,7 @@
           <p:cNvPr id="9" name="Subtitle 2">
             <a:extLst>
               <a:ext uri="{FF2B5EF4-FFF2-40B4-BE49-F238E27FC236}">
-                <a16:creationId xmlns="" xmlns:a16="http://schemas.microsoft.com/office/drawing/2014/main" id="{F94EB5D3-F8CB-4E76-8D7E-FF441818EECB}"/>
+                <a16:creationId xmlns:a16="http://schemas.microsoft.com/office/drawing/2014/main" xmlns="" id="{F94EB5D3-F8CB-4E76-8D7E-FF441818EECB}"/>
               </a:ext>
             </a:extLst>
           </p:cNvPr>
@@ -5301,7 +5304,7 @@
           <p:cNvPr id="3" name="Content Placeholder 2">
             <a:extLst>
               <a:ext uri="{FF2B5EF4-FFF2-40B4-BE49-F238E27FC236}">
-                <a16:creationId xmlns="" xmlns:a16="http://schemas.microsoft.com/office/drawing/2014/main" id="{B1948E38-8FB0-4E51-A01C-C88794372E50}"/>
+                <a16:creationId xmlns:a16="http://schemas.microsoft.com/office/drawing/2014/main" xmlns="" id="{B1948E38-8FB0-4E51-A01C-C88794372E50}"/>
               </a:ext>
             </a:extLst>
           </p:cNvPr>
@@ -5415,7 +5418,7 @@
           <p:cNvPr id="4" name="Footer Placeholder 3">
             <a:extLst>
               <a:ext uri="{FF2B5EF4-FFF2-40B4-BE49-F238E27FC236}">
-                <a16:creationId xmlns="" xmlns:a16="http://schemas.microsoft.com/office/drawing/2014/main" id="{6D4BCA97-F31B-451D-82F8-6E000DF2118A}"/>
+                <a16:creationId xmlns:a16="http://schemas.microsoft.com/office/drawing/2014/main" xmlns="" id="{6D4BCA97-F31B-451D-82F8-6E000DF2118A}"/>
               </a:ext>
             </a:extLst>
           </p:cNvPr>
@@ -5443,7 +5446,7 @@
           <p:cNvPr id="6" name="Slide Number Placeholder 5">
             <a:extLst>
               <a:ext uri="{FF2B5EF4-FFF2-40B4-BE49-F238E27FC236}">
-                <a16:creationId xmlns="" xmlns:a16="http://schemas.microsoft.com/office/drawing/2014/main" id="{0817AAC4-A657-4D75-A527-0307AFF2B17B}"/>
+                <a16:creationId xmlns:a16="http://schemas.microsoft.com/office/drawing/2014/main" xmlns="" id="{0817AAC4-A657-4D75-A527-0307AFF2B17B}"/>
               </a:ext>
             </a:extLst>
           </p:cNvPr>
@@ -5473,7 +5476,7 @@
           <p:cNvPr id="10" name="Content Placeholder 2">
             <a:extLst>
               <a:ext uri="{FF2B5EF4-FFF2-40B4-BE49-F238E27FC236}">
-                <a16:creationId xmlns="" xmlns:a16="http://schemas.microsoft.com/office/drawing/2014/main" id="{AFA90A43-BEC4-4B20-96E2-797B03FB82F2}"/>
+                <a16:creationId xmlns:a16="http://schemas.microsoft.com/office/drawing/2014/main" xmlns="" id="{AFA90A43-BEC4-4B20-96E2-797B03FB82F2}"/>
               </a:ext>
             </a:extLst>
           </p:cNvPr>
@@ -5587,7 +5590,7 @@
           <p:cNvPr id="12" name="Content Placeholder 2">
             <a:extLst>
               <a:ext uri="{FF2B5EF4-FFF2-40B4-BE49-F238E27FC236}">
-                <a16:creationId xmlns="" xmlns:a16="http://schemas.microsoft.com/office/drawing/2014/main" id="{8A2C2023-6C37-4611-ACAF-5F2060202836}"/>
+                <a16:creationId xmlns:a16="http://schemas.microsoft.com/office/drawing/2014/main" xmlns="" id="{8A2C2023-6C37-4611-ACAF-5F2060202836}"/>
               </a:ext>
             </a:extLst>
           </p:cNvPr>
@@ -5731,7 +5734,7 @@
           <p:cNvPr id="2" name="Title 1">
             <a:extLst>
               <a:ext uri="{FF2B5EF4-FFF2-40B4-BE49-F238E27FC236}">
-                <a16:creationId xmlns="" xmlns:a16="http://schemas.microsoft.com/office/drawing/2014/main" id="{5CFF4C50-933F-41F9-AD11-BD02410AA7D5}"/>
+                <a16:creationId xmlns:a16="http://schemas.microsoft.com/office/drawing/2014/main" xmlns="" id="{5CFF4C50-933F-41F9-AD11-BD02410AA7D5}"/>
               </a:ext>
             </a:extLst>
           </p:cNvPr>
@@ -5775,7 +5778,7 @@
           <p:cNvPr id="10" name="Subtitle 2">
             <a:extLst>
               <a:ext uri="{FF2B5EF4-FFF2-40B4-BE49-F238E27FC236}">
-                <a16:creationId xmlns="" xmlns:a16="http://schemas.microsoft.com/office/drawing/2014/main" id="{9D7ACCB5-9A86-4F46-89E2-B79F48C9EC1D}"/>
+                <a16:creationId xmlns:a16="http://schemas.microsoft.com/office/drawing/2014/main" xmlns="" id="{9D7ACCB5-9A86-4F46-89E2-B79F48C9EC1D}"/>
               </a:ext>
             </a:extLst>
           </p:cNvPr>
@@ -5830,7 +5833,7 @@
           <p:cNvPr id="3" name="Content Placeholder 2">
             <a:extLst>
               <a:ext uri="{FF2B5EF4-FFF2-40B4-BE49-F238E27FC236}">
-                <a16:creationId xmlns="" xmlns:a16="http://schemas.microsoft.com/office/drawing/2014/main" id="{B1948E38-8FB0-4E51-A01C-C88794372E50}"/>
+                <a16:creationId xmlns:a16="http://schemas.microsoft.com/office/drawing/2014/main" xmlns="" id="{B1948E38-8FB0-4E51-A01C-C88794372E50}"/>
               </a:ext>
             </a:extLst>
           </p:cNvPr>
@@ -5944,7 +5947,7 @@
           <p:cNvPr id="5" name="Text Placeholder 4">
             <a:extLst>
               <a:ext uri="{FF2B5EF4-FFF2-40B4-BE49-F238E27FC236}">
-                <a16:creationId xmlns="" xmlns:a16="http://schemas.microsoft.com/office/drawing/2014/main" id="{1F5B3657-F2AE-455A-BF81-1A0C2ACECD20}"/>
+                <a16:creationId xmlns:a16="http://schemas.microsoft.com/office/drawing/2014/main" xmlns="" id="{1F5B3657-F2AE-455A-BF81-1A0C2ACECD20}"/>
               </a:ext>
             </a:extLst>
           </p:cNvPr>
@@ -6007,7 +6010,7 @@
           <p:cNvPr id="13" name="Text Placeholder 5">
             <a:extLst>
               <a:ext uri="{FF2B5EF4-FFF2-40B4-BE49-F238E27FC236}">
-                <a16:creationId xmlns="" xmlns:a16="http://schemas.microsoft.com/office/drawing/2014/main" id="{6A983D98-E0AB-429A-9EC2-B50D4216D691}"/>
+                <a16:creationId xmlns:a16="http://schemas.microsoft.com/office/drawing/2014/main" xmlns="" id="{6A983D98-E0AB-429A-9EC2-B50D4216D691}"/>
               </a:ext>
             </a:extLst>
           </p:cNvPr>
@@ -6070,7 +6073,7 @@
           <p:cNvPr id="15" name="Text Placeholder 6">
             <a:extLst>
               <a:ext uri="{FF2B5EF4-FFF2-40B4-BE49-F238E27FC236}">
-                <a16:creationId xmlns="" xmlns:a16="http://schemas.microsoft.com/office/drawing/2014/main" id="{755213BF-EF6D-45DC-A01B-DE6C2F23A6D2}"/>
+                <a16:creationId xmlns:a16="http://schemas.microsoft.com/office/drawing/2014/main" xmlns="" id="{755213BF-EF6D-45DC-A01B-DE6C2F23A6D2}"/>
               </a:ext>
             </a:extLst>
           </p:cNvPr>
@@ -6133,7 +6136,7 @@
           <p:cNvPr id="17" name="Text Placeholder 7">
             <a:extLst>
               <a:ext uri="{FF2B5EF4-FFF2-40B4-BE49-F238E27FC236}">
-                <a16:creationId xmlns="" xmlns:a16="http://schemas.microsoft.com/office/drawing/2014/main" id="{77D6BBBA-F4A3-45D4-91BC-A405FFDC7C3D}"/>
+                <a16:creationId xmlns:a16="http://schemas.microsoft.com/office/drawing/2014/main" xmlns="" id="{77D6BBBA-F4A3-45D4-91BC-A405FFDC7C3D}"/>
               </a:ext>
             </a:extLst>
           </p:cNvPr>
@@ -6196,7 +6199,7 @@
           <p:cNvPr id="4" name="Footer Placeholder 3">
             <a:extLst>
               <a:ext uri="{FF2B5EF4-FFF2-40B4-BE49-F238E27FC236}">
-                <a16:creationId xmlns="" xmlns:a16="http://schemas.microsoft.com/office/drawing/2014/main" id="{2D09234E-176D-4BBF-9391-7B6F018C51AB}"/>
+                <a16:creationId xmlns:a16="http://schemas.microsoft.com/office/drawing/2014/main" xmlns="" id="{2D09234E-176D-4BBF-9391-7B6F018C51AB}"/>
               </a:ext>
             </a:extLst>
           </p:cNvPr>
@@ -6224,7 +6227,7 @@
           <p:cNvPr id="6" name="Slide Number Placeholder 5">
             <a:extLst>
               <a:ext uri="{FF2B5EF4-FFF2-40B4-BE49-F238E27FC236}">
-                <a16:creationId xmlns="" xmlns:a16="http://schemas.microsoft.com/office/drawing/2014/main" id="{009ABD5E-B8F1-4246-B167-09138760AD7D}"/>
+                <a16:creationId xmlns:a16="http://schemas.microsoft.com/office/drawing/2014/main" xmlns="" id="{009ABD5E-B8F1-4246-B167-09138760AD7D}"/>
               </a:ext>
             </a:extLst>
           </p:cNvPr>
@@ -6284,7 +6287,7 @@
           <p:cNvPr id="5" name="Freeform 5">
             <a:extLst>
               <a:ext uri="{FF2B5EF4-FFF2-40B4-BE49-F238E27FC236}">
-                <a16:creationId xmlns="" xmlns:a16="http://schemas.microsoft.com/office/drawing/2014/main" id="{206C51E8-C5C0-4672-B456-F44C69B074DB}"/>
+                <a16:creationId xmlns:a16="http://schemas.microsoft.com/office/drawing/2014/main" xmlns="" id="{206C51E8-C5C0-4672-B456-F44C69B074DB}"/>
               </a:ext>
             </a:extLst>
           </p:cNvPr>
@@ -6468,7 +6471,7 @@
           <p:cNvPr id="6" name="Freeform 5">
             <a:extLst>
               <a:ext uri="{FF2B5EF4-FFF2-40B4-BE49-F238E27FC236}">
-                <a16:creationId xmlns="" xmlns:a16="http://schemas.microsoft.com/office/drawing/2014/main" id="{9DE9AE8C-7574-4D45-B521-6B18054DA7C5}"/>
+                <a16:creationId xmlns:a16="http://schemas.microsoft.com/office/drawing/2014/main" xmlns="" id="{9DE9AE8C-7574-4D45-B521-6B18054DA7C5}"/>
               </a:ext>
             </a:extLst>
           </p:cNvPr>
@@ -6652,7 +6655,7 @@
           <p:cNvPr id="7" name="Freeform 5">
             <a:extLst>
               <a:ext uri="{FF2B5EF4-FFF2-40B4-BE49-F238E27FC236}">
-                <a16:creationId xmlns="" xmlns:a16="http://schemas.microsoft.com/office/drawing/2014/main" id="{EF240172-5930-4717-A0CD-A151075277D6}"/>
+                <a16:creationId xmlns:a16="http://schemas.microsoft.com/office/drawing/2014/main" xmlns="" id="{EF240172-5930-4717-A0CD-A151075277D6}"/>
               </a:ext>
             </a:extLst>
           </p:cNvPr>
@@ -6836,7 +6839,7 @@
           <p:cNvPr id="8" name="Freeform 5">
             <a:extLst>
               <a:ext uri="{FF2B5EF4-FFF2-40B4-BE49-F238E27FC236}">
-                <a16:creationId xmlns="" xmlns:a16="http://schemas.microsoft.com/office/drawing/2014/main" id="{7B4A83CE-8643-4697-94A9-C9F587F46E23}"/>
+                <a16:creationId xmlns:a16="http://schemas.microsoft.com/office/drawing/2014/main" xmlns="" id="{7B4A83CE-8643-4697-94A9-C9F587F46E23}"/>
               </a:ext>
             </a:extLst>
           </p:cNvPr>
@@ -7020,7 +7023,7 @@
           <p:cNvPr id="9" name="Freeform 5">
             <a:extLst>
               <a:ext uri="{FF2B5EF4-FFF2-40B4-BE49-F238E27FC236}">
-                <a16:creationId xmlns="" xmlns:a16="http://schemas.microsoft.com/office/drawing/2014/main" id="{B0A765A5-BBCE-405E-A4B3-80A660118E84}"/>
+                <a16:creationId xmlns:a16="http://schemas.microsoft.com/office/drawing/2014/main" xmlns="" id="{B0A765A5-BBCE-405E-A4B3-80A660118E84}"/>
               </a:ext>
             </a:extLst>
           </p:cNvPr>
@@ -7204,7 +7207,7 @@
           <p:cNvPr id="2" name="Title 1">
             <a:extLst>
               <a:ext uri="{FF2B5EF4-FFF2-40B4-BE49-F238E27FC236}">
-                <a16:creationId xmlns="" xmlns:a16="http://schemas.microsoft.com/office/drawing/2014/main" id="{00F23EB7-E336-46EB-A4A0-3DB7A6BF4CE1}"/>
+                <a16:creationId xmlns:a16="http://schemas.microsoft.com/office/drawing/2014/main" xmlns="" id="{00F23EB7-E336-46EB-A4A0-3DB7A6BF4CE1}"/>
               </a:ext>
             </a:extLst>
           </p:cNvPr>
@@ -7279,7 +7282,7 @@
           <p:cNvPr id="3" name="Subtitle 2">
             <a:extLst>
               <a:ext uri="{FF2B5EF4-FFF2-40B4-BE49-F238E27FC236}">
-                <a16:creationId xmlns="" xmlns:a16="http://schemas.microsoft.com/office/drawing/2014/main" id="{C9980B88-3F4A-4688-9ED0-17EF37E62D93}"/>
+                <a16:creationId xmlns:a16="http://schemas.microsoft.com/office/drawing/2014/main" xmlns="" id="{C9980B88-3F4A-4688-9ED0-17EF37E62D93}"/>
               </a:ext>
             </a:extLst>
           </p:cNvPr>
@@ -7387,7 +7390,7 @@
           <p:cNvPr id="7" name="Freeform 5">
             <a:extLst>
               <a:ext uri="{FF2B5EF4-FFF2-40B4-BE49-F238E27FC236}">
-                <a16:creationId xmlns="" xmlns:a16="http://schemas.microsoft.com/office/drawing/2014/main" id="{12B8F0DB-CC25-4CE9-A68E-CAA2FD986AF3}"/>
+                <a16:creationId xmlns:a16="http://schemas.microsoft.com/office/drawing/2014/main" xmlns="" id="{12B8F0DB-CC25-4CE9-A68E-CAA2FD986AF3}"/>
               </a:ext>
             </a:extLst>
           </p:cNvPr>
@@ -7571,7 +7574,7 @@
           <p:cNvPr id="8" name="Freeform 5">
             <a:extLst>
               <a:ext uri="{FF2B5EF4-FFF2-40B4-BE49-F238E27FC236}">
-                <a16:creationId xmlns="" xmlns:a16="http://schemas.microsoft.com/office/drawing/2014/main" id="{8A058973-2DC9-4087-9D57-F1D779F56CC2}"/>
+                <a16:creationId xmlns:a16="http://schemas.microsoft.com/office/drawing/2014/main" xmlns="" id="{8A058973-2DC9-4087-9D57-F1D779F56CC2}"/>
               </a:ext>
             </a:extLst>
           </p:cNvPr>
@@ -7755,7 +7758,7 @@
           <p:cNvPr id="9" name="Freeform 5">
             <a:extLst>
               <a:ext uri="{FF2B5EF4-FFF2-40B4-BE49-F238E27FC236}">
-                <a16:creationId xmlns="" xmlns:a16="http://schemas.microsoft.com/office/drawing/2014/main" id="{B641062D-3CD4-49D1-A621-331E29333406}"/>
+                <a16:creationId xmlns:a16="http://schemas.microsoft.com/office/drawing/2014/main" xmlns="" id="{B641062D-3CD4-49D1-A621-331E29333406}"/>
               </a:ext>
             </a:extLst>
           </p:cNvPr>
@@ -7939,7 +7942,7 @@
           <p:cNvPr id="10" name="Freeform 5">
             <a:extLst>
               <a:ext uri="{FF2B5EF4-FFF2-40B4-BE49-F238E27FC236}">
-                <a16:creationId xmlns="" xmlns:a16="http://schemas.microsoft.com/office/drawing/2014/main" id="{9F2C1E7C-A088-4772-84B3-15309BEADF7D}"/>
+                <a16:creationId xmlns:a16="http://schemas.microsoft.com/office/drawing/2014/main" xmlns="" id="{9F2C1E7C-A088-4772-84B3-15309BEADF7D}"/>
               </a:ext>
             </a:extLst>
           </p:cNvPr>
@@ -8123,7 +8126,7 @@
           <p:cNvPr id="11" name="Freeform 5">
             <a:extLst>
               <a:ext uri="{FF2B5EF4-FFF2-40B4-BE49-F238E27FC236}">
-                <a16:creationId xmlns="" xmlns:a16="http://schemas.microsoft.com/office/drawing/2014/main" id="{CA52278A-6924-4F97-A196-AE30D3DACB7A}"/>
+                <a16:creationId xmlns:a16="http://schemas.microsoft.com/office/drawing/2014/main" xmlns="" id="{CA52278A-6924-4F97-A196-AE30D3DACB7A}"/>
               </a:ext>
             </a:extLst>
           </p:cNvPr>
@@ -8307,7 +8310,7 @@
           <p:cNvPr id="2" name="Title 1">
             <a:extLst>
               <a:ext uri="{FF2B5EF4-FFF2-40B4-BE49-F238E27FC236}">
-                <a16:creationId xmlns="" xmlns:a16="http://schemas.microsoft.com/office/drawing/2014/main" id="{00F23EB7-E336-46EB-A4A0-3DB7A6BF4CE1}"/>
+                <a16:creationId xmlns:a16="http://schemas.microsoft.com/office/drawing/2014/main" xmlns="" id="{00F23EB7-E336-46EB-A4A0-3DB7A6BF4CE1}"/>
               </a:ext>
             </a:extLst>
           </p:cNvPr>
@@ -8382,7 +8385,7 @@
           <p:cNvPr id="3" name="Subtitle 2">
             <a:extLst>
               <a:ext uri="{FF2B5EF4-FFF2-40B4-BE49-F238E27FC236}">
-                <a16:creationId xmlns="" xmlns:a16="http://schemas.microsoft.com/office/drawing/2014/main" id="{C9980B88-3F4A-4688-9ED0-17EF37E62D93}"/>
+                <a16:creationId xmlns:a16="http://schemas.microsoft.com/office/drawing/2014/main" xmlns="" id="{C9980B88-3F4A-4688-9ED0-17EF37E62D93}"/>
               </a:ext>
             </a:extLst>
           </p:cNvPr>
@@ -8460,7 +8463,7 @@
           <p:cNvPr id="4" name="Footer Placeholder 3">
             <a:extLst>
               <a:ext uri="{FF2B5EF4-FFF2-40B4-BE49-F238E27FC236}">
-                <a16:creationId xmlns="" xmlns:a16="http://schemas.microsoft.com/office/drawing/2014/main" id="{734B1E83-6080-4D35-A216-8E5C399023B2}"/>
+                <a16:creationId xmlns:a16="http://schemas.microsoft.com/office/drawing/2014/main" xmlns="" id="{734B1E83-6080-4D35-A216-8E5C399023B2}"/>
               </a:ext>
             </a:extLst>
           </p:cNvPr>
@@ -8488,7 +8491,7 @@
           <p:cNvPr id="5" name="Slide Number Placeholder 4">
             <a:extLst>
               <a:ext uri="{FF2B5EF4-FFF2-40B4-BE49-F238E27FC236}">
-                <a16:creationId xmlns="" xmlns:a16="http://schemas.microsoft.com/office/drawing/2014/main" id="{0DE95353-8EE1-49C9-ADAC-E76BD49D222D}"/>
+                <a16:creationId xmlns:a16="http://schemas.microsoft.com/office/drawing/2014/main" xmlns="" id="{0DE95353-8EE1-49C9-ADAC-E76BD49D222D}"/>
               </a:ext>
             </a:extLst>
           </p:cNvPr>
@@ -8548,7 +8551,7 @@
           <p:cNvPr id="8" name="Freeform 5">
             <a:extLst>
               <a:ext uri="{FF2B5EF4-FFF2-40B4-BE49-F238E27FC236}">
-                <a16:creationId xmlns="" xmlns:a16="http://schemas.microsoft.com/office/drawing/2014/main" id="{8663BD7B-5136-47ED-BE0A-C6C2F5622BDC}"/>
+                <a16:creationId xmlns:a16="http://schemas.microsoft.com/office/drawing/2014/main" xmlns="" id="{8663BD7B-5136-47ED-BE0A-C6C2F5622BDC}"/>
               </a:ext>
             </a:extLst>
           </p:cNvPr>
@@ -8732,7 +8735,7 @@
           <p:cNvPr id="9" name="Freeform 5">
             <a:extLst>
               <a:ext uri="{FF2B5EF4-FFF2-40B4-BE49-F238E27FC236}">
-                <a16:creationId xmlns="" xmlns:a16="http://schemas.microsoft.com/office/drawing/2014/main" id="{6ABA22C7-C35B-4EC0-B7CE-54F9EEFCB71D}"/>
+                <a16:creationId xmlns:a16="http://schemas.microsoft.com/office/drawing/2014/main" xmlns="" id="{6ABA22C7-C35B-4EC0-B7CE-54F9EEFCB71D}"/>
               </a:ext>
             </a:extLst>
           </p:cNvPr>
@@ -8916,7 +8919,7 @@
           <p:cNvPr id="10" name="Freeform 5">
             <a:extLst>
               <a:ext uri="{FF2B5EF4-FFF2-40B4-BE49-F238E27FC236}">
-                <a16:creationId xmlns="" xmlns:a16="http://schemas.microsoft.com/office/drawing/2014/main" id="{6DAE4BC9-9CFF-4522-8216-651498F7A167}"/>
+                <a16:creationId xmlns:a16="http://schemas.microsoft.com/office/drawing/2014/main" xmlns="" id="{6DAE4BC9-9CFF-4522-8216-651498F7A167}"/>
               </a:ext>
             </a:extLst>
           </p:cNvPr>
@@ -9100,7 +9103,7 @@
           <p:cNvPr id="11" name="Freeform 5">
             <a:extLst>
               <a:ext uri="{FF2B5EF4-FFF2-40B4-BE49-F238E27FC236}">
-                <a16:creationId xmlns="" xmlns:a16="http://schemas.microsoft.com/office/drawing/2014/main" id="{8E822AA0-FB3E-4051-AA1F-F51204BA02A9}"/>
+                <a16:creationId xmlns:a16="http://schemas.microsoft.com/office/drawing/2014/main" xmlns="" id="{8E822AA0-FB3E-4051-AA1F-F51204BA02A9}"/>
               </a:ext>
             </a:extLst>
           </p:cNvPr>
@@ -9284,7 +9287,7 @@
           <p:cNvPr id="12" name="Freeform 5">
             <a:extLst>
               <a:ext uri="{FF2B5EF4-FFF2-40B4-BE49-F238E27FC236}">
-                <a16:creationId xmlns="" xmlns:a16="http://schemas.microsoft.com/office/drawing/2014/main" id="{3445288A-D169-4374-BCFD-917DD04B2B1E}"/>
+                <a16:creationId xmlns:a16="http://schemas.microsoft.com/office/drawing/2014/main" xmlns="" id="{3445288A-D169-4374-BCFD-917DD04B2B1E}"/>
               </a:ext>
             </a:extLst>
           </p:cNvPr>
@@ -9468,7 +9471,7 @@
           <p:cNvPr id="2" name="Title 1">
             <a:extLst>
               <a:ext uri="{FF2B5EF4-FFF2-40B4-BE49-F238E27FC236}">
-                <a16:creationId xmlns="" xmlns:a16="http://schemas.microsoft.com/office/drawing/2014/main" id="{5CFF4C50-933F-41F9-AD11-BD02410AA7D5}"/>
+                <a16:creationId xmlns:a16="http://schemas.microsoft.com/office/drawing/2014/main" xmlns="" id="{5CFF4C50-933F-41F9-AD11-BD02410AA7D5}"/>
               </a:ext>
             </a:extLst>
           </p:cNvPr>
@@ -9507,7 +9510,7 @@
           <p:cNvPr id="3" name="Content Placeholder 2">
             <a:extLst>
               <a:ext uri="{FF2B5EF4-FFF2-40B4-BE49-F238E27FC236}">
-                <a16:creationId xmlns="" xmlns:a16="http://schemas.microsoft.com/office/drawing/2014/main" id="{B1948E38-8FB0-4E51-A01C-C88794372E50}"/>
+                <a16:creationId xmlns:a16="http://schemas.microsoft.com/office/drawing/2014/main" xmlns="" id="{B1948E38-8FB0-4E51-A01C-C88794372E50}"/>
               </a:ext>
             </a:extLst>
           </p:cNvPr>
@@ -9616,7 +9619,7 @@
           <p:cNvPr id="4" name="Footer Placeholder 3">
             <a:extLst>
               <a:ext uri="{FF2B5EF4-FFF2-40B4-BE49-F238E27FC236}">
-                <a16:creationId xmlns="" xmlns:a16="http://schemas.microsoft.com/office/drawing/2014/main" id="{E8FE0EB3-0FF4-4285-B9D3-90A5751B7BBF}"/>
+                <a16:creationId xmlns:a16="http://schemas.microsoft.com/office/drawing/2014/main" xmlns="" id="{E8FE0EB3-0FF4-4285-B9D3-90A5751B7BBF}"/>
               </a:ext>
             </a:extLst>
           </p:cNvPr>
@@ -9644,7 +9647,7 @@
           <p:cNvPr id="5" name="Slide Number Placeholder 4">
             <a:extLst>
               <a:ext uri="{FF2B5EF4-FFF2-40B4-BE49-F238E27FC236}">
-                <a16:creationId xmlns="" xmlns:a16="http://schemas.microsoft.com/office/drawing/2014/main" id="{C8DE0AAD-6FBD-416B-A91A-21F2B737919E}"/>
+                <a16:creationId xmlns:a16="http://schemas.microsoft.com/office/drawing/2014/main" xmlns="" id="{C8DE0AAD-6FBD-416B-A91A-21F2B737919E}"/>
               </a:ext>
             </a:extLst>
           </p:cNvPr>
@@ -9704,7 +9707,7 @@
           <p:cNvPr id="10" name="Freeform 5">
             <a:extLst>
               <a:ext uri="{FF2B5EF4-FFF2-40B4-BE49-F238E27FC236}">
-                <a16:creationId xmlns="" xmlns:a16="http://schemas.microsoft.com/office/drawing/2014/main" id="{B4B833F7-7F09-42C1-81DA-97CA9530D528}"/>
+                <a16:creationId xmlns:a16="http://schemas.microsoft.com/office/drawing/2014/main" xmlns="" id="{B4B833F7-7F09-42C1-81DA-97CA9530D528}"/>
               </a:ext>
             </a:extLst>
           </p:cNvPr>
@@ -9888,7 +9891,7 @@
           <p:cNvPr id="11" name="Freeform 5">
             <a:extLst>
               <a:ext uri="{FF2B5EF4-FFF2-40B4-BE49-F238E27FC236}">
-                <a16:creationId xmlns="" xmlns:a16="http://schemas.microsoft.com/office/drawing/2014/main" id="{F4AA9899-9E92-41B5-AFEF-5F6EAB9782D5}"/>
+                <a16:creationId xmlns:a16="http://schemas.microsoft.com/office/drawing/2014/main" xmlns="" id="{F4AA9899-9E92-41B5-AFEF-5F6EAB9782D5}"/>
               </a:ext>
             </a:extLst>
           </p:cNvPr>
@@ -10072,7 +10075,7 @@
           <p:cNvPr id="12" name="Freeform 5">
             <a:extLst>
               <a:ext uri="{FF2B5EF4-FFF2-40B4-BE49-F238E27FC236}">
-                <a16:creationId xmlns="" xmlns:a16="http://schemas.microsoft.com/office/drawing/2014/main" id="{8950958A-6460-4594-BEAB-C7444EC61299}"/>
+                <a16:creationId xmlns:a16="http://schemas.microsoft.com/office/drawing/2014/main" xmlns="" id="{8950958A-6460-4594-BEAB-C7444EC61299}"/>
               </a:ext>
             </a:extLst>
           </p:cNvPr>
@@ -10256,7 +10259,7 @@
           <p:cNvPr id="13" name="Freeform 5">
             <a:extLst>
               <a:ext uri="{FF2B5EF4-FFF2-40B4-BE49-F238E27FC236}">
-                <a16:creationId xmlns="" xmlns:a16="http://schemas.microsoft.com/office/drawing/2014/main" id="{A7E15F2A-61A0-4C11-8E47-4DF7051E91D1}"/>
+                <a16:creationId xmlns:a16="http://schemas.microsoft.com/office/drawing/2014/main" xmlns="" id="{A7E15F2A-61A0-4C11-8E47-4DF7051E91D1}"/>
               </a:ext>
             </a:extLst>
           </p:cNvPr>
@@ -10440,7 +10443,7 @@
           <p:cNvPr id="14" name="Freeform 5">
             <a:extLst>
               <a:ext uri="{FF2B5EF4-FFF2-40B4-BE49-F238E27FC236}">
-                <a16:creationId xmlns="" xmlns:a16="http://schemas.microsoft.com/office/drawing/2014/main" id="{B5FF0CC8-80F5-42C4-80EF-E32459238B71}"/>
+                <a16:creationId xmlns:a16="http://schemas.microsoft.com/office/drawing/2014/main" xmlns="" id="{B5FF0CC8-80F5-42C4-80EF-E32459238B71}"/>
               </a:ext>
             </a:extLst>
           </p:cNvPr>
@@ -10624,7 +10627,7 @@
           <p:cNvPr id="2" name="Title 1">
             <a:extLst>
               <a:ext uri="{FF2B5EF4-FFF2-40B4-BE49-F238E27FC236}">
-                <a16:creationId xmlns="" xmlns:a16="http://schemas.microsoft.com/office/drawing/2014/main" id="{40EE479C-D1F6-4BAC-80D2-90EF74E3261A}"/>
+                <a16:creationId xmlns:a16="http://schemas.microsoft.com/office/drawing/2014/main" xmlns="" id="{40EE479C-D1F6-4BAC-80D2-90EF74E3261A}"/>
               </a:ext>
             </a:extLst>
           </p:cNvPr>
@@ -10668,7 +10671,7 @@
           <p:cNvPr id="4" name="Footer Placeholder 3">
             <a:extLst>
               <a:ext uri="{FF2B5EF4-FFF2-40B4-BE49-F238E27FC236}">
-                <a16:creationId xmlns="" xmlns:a16="http://schemas.microsoft.com/office/drawing/2014/main" id="{57847F90-9DB6-4832-9EB7-393AADAE8B70}"/>
+                <a16:creationId xmlns:a16="http://schemas.microsoft.com/office/drawing/2014/main" xmlns="" id="{57847F90-9DB6-4832-9EB7-393AADAE8B70}"/>
               </a:ext>
             </a:extLst>
           </p:cNvPr>
@@ -10696,7 +10699,7 @@
           <p:cNvPr id="5" name="Slide Number Placeholder 4">
             <a:extLst>
               <a:ext uri="{FF2B5EF4-FFF2-40B4-BE49-F238E27FC236}">
-                <a16:creationId xmlns="" xmlns:a16="http://schemas.microsoft.com/office/drawing/2014/main" id="{F64CFC6C-1D8B-46C9-B0F7-A8BD88D8AB46}"/>
+                <a16:creationId xmlns:a16="http://schemas.microsoft.com/office/drawing/2014/main" xmlns="" id="{F64CFC6C-1D8B-46C9-B0F7-A8BD88D8AB46}"/>
               </a:ext>
             </a:extLst>
           </p:cNvPr>
@@ -10726,7 +10729,7 @@
           <p:cNvPr id="9" name="Content Placeholder 3">
             <a:extLst>
               <a:ext uri="{FF2B5EF4-FFF2-40B4-BE49-F238E27FC236}">
-                <a16:creationId xmlns="" xmlns:a16="http://schemas.microsoft.com/office/drawing/2014/main" id="{2CD5709C-84DE-45F3-AE9B-8B6FD7134AB5}"/>
+                <a16:creationId xmlns:a16="http://schemas.microsoft.com/office/drawing/2014/main" xmlns="" id="{2CD5709C-84DE-45F3-AE9B-8B6FD7134AB5}"/>
               </a:ext>
             </a:extLst>
           </p:cNvPr>
@@ -10789,7 +10792,7 @@
           <p:cNvPr id="15" name="Content Placeholder 2">
             <a:extLst>
               <a:ext uri="{FF2B5EF4-FFF2-40B4-BE49-F238E27FC236}">
-                <a16:creationId xmlns="" xmlns:a16="http://schemas.microsoft.com/office/drawing/2014/main" id="{36BB18B1-3B7F-4B18-A1C5-BB7DA443C63F}"/>
+                <a16:creationId xmlns:a16="http://schemas.microsoft.com/office/drawing/2014/main" xmlns="" id="{36BB18B1-3B7F-4B18-A1C5-BB7DA443C63F}"/>
               </a:ext>
             </a:extLst>
           </p:cNvPr>
@@ -10882,7 +10885,7 @@
           <p:cNvPr id="10" name="Freeform 5">
             <a:extLst>
               <a:ext uri="{FF2B5EF4-FFF2-40B4-BE49-F238E27FC236}">
-                <a16:creationId xmlns="" xmlns:a16="http://schemas.microsoft.com/office/drawing/2014/main" id="{B4B833F7-7F09-42C1-81DA-97CA9530D528}"/>
+                <a16:creationId xmlns:a16="http://schemas.microsoft.com/office/drawing/2014/main" xmlns="" id="{B4B833F7-7F09-42C1-81DA-97CA9530D528}"/>
               </a:ext>
             </a:extLst>
           </p:cNvPr>
@@ -11066,7 +11069,7 @@
           <p:cNvPr id="11" name="Freeform 5">
             <a:extLst>
               <a:ext uri="{FF2B5EF4-FFF2-40B4-BE49-F238E27FC236}">
-                <a16:creationId xmlns="" xmlns:a16="http://schemas.microsoft.com/office/drawing/2014/main" id="{F4AA9899-9E92-41B5-AFEF-5F6EAB9782D5}"/>
+                <a16:creationId xmlns:a16="http://schemas.microsoft.com/office/drawing/2014/main" xmlns="" id="{F4AA9899-9E92-41B5-AFEF-5F6EAB9782D5}"/>
               </a:ext>
             </a:extLst>
           </p:cNvPr>
@@ -11250,7 +11253,7 @@
           <p:cNvPr id="12" name="Freeform 5">
             <a:extLst>
               <a:ext uri="{FF2B5EF4-FFF2-40B4-BE49-F238E27FC236}">
-                <a16:creationId xmlns="" xmlns:a16="http://schemas.microsoft.com/office/drawing/2014/main" id="{8950958A-6460-4594-BEAB-C7444EC61299}"/>
+                <a16:creationId xmlns:a16="http://schemas.microsoft.com/office/drawing/2014/main" xmlns="" id="{8950958A-6460-4594-BEAB-C7444EC61299}"/>
               </a:ext>
             </a:extLst>
           </p:cNvPr>
@@ -11434,7 +11437,7 @@
           <p:cNvPr id="13" name="Freeform 5">
             <a:extLst>
               <a:ext uri="{FF2B5EF4-FFF2-40B4-BE49-F238E27FC236}">
-                <a16:creationId xmlns="" xmlns:a16="http://schemas.microsoft.com/office/drawing/2014/main" id="{A7E15F2A-61A0-4C11-8E47-4DF7051E91D1}"/>
+                <a16:creationId xmlns:a16="http://schemas.microsoft.com/office/drawing/2014/main" xmlns="" id="{A7E15F2A-61A0-4C11-8E47-4DF7051E91D1}"/>
               </a:ext>
             </a:extLst>
           </p:cNvPr>
@@ -11618,7 +11621,7 @@
           <p:cNvPr id="14" name="Freeform 5">
             <a:extLst>
               <a:ext uri="{FF2B5EF4-FFF2-40B4-BE49-F238E27FC236}">
-                <a16:creationId xmlns="" xmlns:a16="http://schemas.microsoft.com/office/drawing/2014/main" id="{B5FF0CC8-80F5-42C4-80EF-E32459238B71}"/>
+                <a16:creationId xmlns:a16="http://schemas.microsoft.com/office/drawing/2014/main" xmlns="" id="{B5FF0CC8-80F5-42C4-80EF-E32459238B71}"/>
               </a:ext>
             </a:extLst>
           </p:cNvPr>
@@ -11802,7 +11805,7 @@
           <p:cNvPr id="2" name="Title 1">
             <a:extLst>
               <a:ext uri="{FF2B5EF4-FFF2-40B4-BE49-F238E27FC236}">
-                <a16:creationId xmlns="" xmlns:a16="http://schemas.microsoft.com/office/drawing/2014/main" id="{40EE479C-D1F6-4BAC-80D2-90EF74E3261A}"/>
+                <a16:creationId xmlns:a16="http://schemas.microsoft.com/office/drawing/2014/main" xmlns="" id="{40EE479C-D1F6-4BAC-80D2-90EF74E3261A}"/>
               </a:ext>
             </a:extLst>
           </p:cNvPr>
@@ -11846,7 +11849,7 @@
           <p:cNvPr id="4" name="Footer Placeholder 3">
             <a:extLst>
               <a:ext uri="{FF2B5EF4-FFF2-40B4-BE49-F238E27FC236}">
-                <a16:creationId xmlns="" xmlns:a16="http://schemas.microsoft.com/office/drawing/2014/main" id="{57847F90-9DB6-4832-9EB7-393AADAE8B70}"/>
+                <a16:creationId xmlns:a16="http://schemas.microsoft.com/office/drawing/2014/main" xmlns="" id="{57847F90-9DB6-4832-9EB7-393AADAE8B70}"/>
               </a:ext>
             </a:extLst>
           </p:cNvPr>
@@ -11874,7 +11877,7 @@
           <p:cNvPr id="5" name="Slide Number Placeholder 4">
             <a:extLst>
               <a:ext uri="{FF2B5EF4-FFF2-40B4-BE49-F238E27FC236}">
-                <a16:creationId xmlns="" xmlns:a16="http://schemas.microsoft.com/office/drawing/2014/main" id="{F64CFC6C-1D8B-46C9-B0F7-A8BD88D8AB46}"/>
+                <a16:creationId xmlns:a16="http://schemas.microsoft.com/office/drawing/2014/main" xmlns="" id="{F64CFC6C-1D8B-46C9-B0F7-A8BD88D8AB46}"/>
               </a:ext>
             </a:extLst>
           </p:cNvPr>
@@ -11904,7 +11907,7 @@
           <p:cNvPr id="15" name="Text Placeholder 2">
             <a:extLst>
               <a:ext uri="{FF2B5EF4-FFF2-40B4-BE49-F238E27FC236}">
-                <a16:creationId xmlns="" xmlns:a16="http://schemas.microsoft.com/office/drawing/2014/main" id="{3419BDFB-8FC0-4B89-A29A-8EAC95E9AB99}"/>
+                <a16:creationId xmlns:a16="http://schemas.microsoft.com/office/drawing/2014/main" xmlns="" id="{3419BDFB-8FC0-4B89-A29A-8EAC95E9AB99}"/>
               </a:ext>
             </a:extLst>
           </p:cNvPr>
@@ -11975,7 +11978,7 @@
           <p:cNvPr id="18" name="Text Placeholder 4">
             <a:extLst>
               <a:ext uri="{FF2B5EF4-FFF2-40B4-BE49-F238E27FC236}">
-                <a16:creationId xmlns="" xmlns:a16="http://schemas.microsoft.com/office/drawing/2014/main" id="{8E6C2CC0-9AB0-46E9-977A-EF923DCE7FAF}"/>
+                <a16:creationId xmlns:a16="http://schemas.microsoft.com/office/drawing/2014/main" xmlns="" id="{8E6C2CC0-9AB0-46E9-977A-EF923DCE7FAF}"/>
               </a:ext>
             </a:extLst>
           </p:cNvPr>
@@ -12046,7 +12049,7 @@
           <p:cNvPr id="19" name="Content Placeholder 5">
             <a:extLst>
               <a:ext uri="{FF2B5EF4-FFF2-40B4-BE49-F238E27FC236}">
-                <a16:creationId xmlns="" xmlns:a16="http://schemas.microsoft.com/office/drawing/2014/main" id="{28DF954C-A51E-4242-B83E-A826008F5C67}"/>
+                <a16:creationId xmlns:a16="http://schemas.microsoft.com/office/drawing/2014/main" xmlns="" id="{28DF954C-A51E-4242-B83E-A826008F5C67}"/>
               </a:ext>
             </a:extLst>
           </p:cNvPr>
@@ -12109,7 +12112,7 @@
           <p:cNvPr id="20" name="Content Placeholder 3">
             <a:extLst>
               <a:ext uri="{FF2B5EF4-FFF2-40B4-BE49-F238E27FC236}">
-                <a16:creationId xmlns="" xmlns:a16="http://schemas.microsoft.com/office/drawing/2014/main" id="{600E416E-6162-484A-BA4D-640FA83078A9}"/>
+                <a16:creationId xmlns:a16="http://schemas.microsoft.com/office/drawing/2014/main" xmlns="" id="{600E416E-6162-484A-BA4D-640FA83078A9}"/>
               </a:ext>
             </a:extLst>
           </p:cNvPr>
@@ -12202,7 +12205,7 @@
           <p:cNvPr id="10" name="Freeform 5">
             <a:extLst>
               <a:ext uri="{FF2B5EF4-FFF2-40B4-BE49-F238E27FC236}">
-                <a16:creationId xmlns="" xmlns:a16="http://schemas.microsoft.com/office/drawing/2014/main" id="{B4B833F7-7F09-42C1-81DA-97CA9530D528}"/>
+                <a16:creationId xmlns:a16="http://schemas.microsoft.com/office/drawing/2014/main" xmlns="" id="{B4B833F7-7F09-42C1-81DA-97CA9530D528}"/>
               </a:ext>
             </a:extLst>
           </p:cNvPr>
@@ -12386,7 +12389,7 @@
           <p:cNvPr id="11" name="Freeform 5">
             <a:extLst>
               <a:ext uri="{FF2B5EF4-FFF2-40B4-BE49-F238E27FC236}">
-                <a16:creationId xmlns="" xmlns:a16="http://schemas.microsoft.com/office/drawing/2014/main" id="{F4AA9899-9E92-41B5-AFEF-5F6EAB9782D5}"/>
+                <a16:creationId xmlns:a16="http://schemas.microsoft.com/office/drawing/2014/main" xmlns="" id="{F4AA9899-9E92-41B5-AFEF-5F6EAB9782D5}"/>
               </a:ext>
             </a:extLst>
           </p:cNvPr>
@@ -12570,7 +12573,7 @@
           <p:cNvPr id="12" name="Freeform 5">
             <a:extLst>
               <a:ext uri="{FF2B5EF4-FFF2-40B4-BE49-F238E27FC236}">
-                <a16:creationId xmlns="" xmlns:a16="http://schemas.microsoft.com/office/drawing/2014/main" id="{8950958A-6460-4594-BEAB-C7444EC61299}"/>
+                <a16:creationId xmlns:a16="http://schemas.microsoft.com/office/drawing/2014/main" xmlns="" id="{8950958A-6460-4594-BEAB-C7444EC61299}"/>
               </a:ext>
             </a:extLst>
           </p:cNvPr>
@@ -12754,7 +12757,7 @@
           <p:cNvPr id="13" name="Freeform 5">
             <a:extLst>
               <a:ext uri="{FF2B5EF4-FFF2-40B4-BE49-F238E27FC236}">
-                <a16:creationId xmlns="" xmlns:a16="http://schemas.microsoft.com/office/drawing/2014/main" id="{A7E15F2A-61A0-4C11-8E47-4DF7051E91D1}"/>
+                <a16:creationId xmlns:a16="http://schemas.microsoft.com/office/drawing/2014/main" xmlns="" id="{A7E15F2A-61A0-4C11-8E47-4DF7051E91D1}"/>
               </a:ext>
             </a:extLst>
           </p:cNvPr>
@@ -12938,7 +12941,7 @@
           <p:cNvPr id="14" name="Freeform 5">
             <a:extLst>
               <a:ext uri="{FF2B5EF4-FFF2-40B4-BE49-F238E27FC236}">
-                <a16:creationId xmlns="" xmlns:a16="http://schemas.microsoft.com/office/drawing/2014/main" id="{B5FF0CC8-80F5-42C4-80EF-E32459238B71}"/>
+                <a16:creationId xmlns:a16="http://schemas.microsoft.com/office/drawing/2014/main" xmlns="" id="{B5FF0CC8-80F5-42C4-80EF-E32459238B71}"/>
               </a:ext>
             </a:extLst>
           </p:cNvPr>
@@ -13122,7 +13125,7 @@
           <p:cNvPr id="2" name="Title 1">
             <a:extLst>
               <a:ext uri="{FF2B5EF4-FFF2-40B4-BE49-F238E27FC236}">
-                <a16:creationId xmlns="" xmlns:a16="http://schemas.microsoft.com/office/drawing/2014/main" id="{40EE479C-D1F6-4BAC-80D2-90EF74E3261A}"/>
+                <a16:creationId xmlns:a16="http://schemas.microsoft.com/office/drawing/2014/main" xmlns="" id="{40EE479C-D1F6-4BAC-80D2-90EF74E3261A}"/>
               </a:ext>
             </a:extLst>
           </p:cNvPr>
@@ -13162,7 +13165,7 @@
           <p:cNvPr id="4" name="Footer Placeholder 3">
             <a:extLst>
               <a:ext uri="{FF2B5EF4-FFF2-40B4-BE49-F238E27FC236}">
-                <a16:creationId xmlns="" xmlns:a16="http://schemas.microsoft.com/office/drawing/2014/main" id="{57847F90-9DB6-4832-9EB7-393AADAE8B70}"/>
+                <a16:creationId xmlns:a16="http://schemas.microsoft.com/office/drawing/2014/main" xmlns="" id="{57847F90-9DB6-4832-9EB7-393AADAE8B70}"/>
               </a:ext>
             </a:extLst>
           </p:cNvPr>
@@ -13190,7 +13193,7 @@
           <p:cNvPr id="5" name="Slide Number Placeholder 4">
             <a:extLst>
               <a:ext uri="{FF2B5EF4-FFF2-40B4-BE49-F238E27FC236}">
-                <a16:creationId xmlns="" xmlns:a16="http://schemas.microsoft.com/office/drawing/2014/main" id="{F64CFC6C-1D8B-46C9-B0F7-A8BD88D8AB46}"/>
+                <a16:creationId xmlns:a16="http://schemas.microsoft.com/office/drawing/2014/main" xmlns="" id="{F64CFC6C-1D8B-46C9-B0F7-A8BD88D8AB46}"/>
               </a:ext>
             </a:extLst>
           </p:cNvPr>
@@ -13220,7 +13223,7 @@
           <p:cNvPr id="20" name="Text Placeholder 3">
             <a:extLst>
               <a:ext uri="{FF2B5EF4-FFF2-40B4-BE49-F238E27FC236}">
-                <a16:creationId xmlns="" xmlns:a16="http://schemas.microsoft.com/office/drawing/2014/main" id="{C49FB4A2-B750-422F-96D2-A7C264295779}"/>
+                <a16:creationId xmlns:a16="http://schemas.microsoft.com/office/drawing/2014/main" xmlns="" id="{C49FB4A2-B750-422F-96D2-A7C264295779}"/>
               </a:ext>
             </a:extLst>
           </p:cNvPr>
@@ -13291,7 +13294,7 @@
           <p:cNvPr id="21" name="Content Placeholder 2">
             <a:extLst>
               <a:ext uri="{FF2B5EF4-FFF2-40B4-BE49-F238E27FC236}">
-                <a16:creationId xmlns="" xmlns:a16="http://schemas.microsoft.com/office/drawing/2014/main" id="{A8B59DDF-F2BC-491E-92E0-9D2C1398ECE5}"/>
+                <a16:creationId xmlns:a16="http://schemas.microsoft.com/office/drawing/2014/main" xmlns="" id="{A8B59DDF-F2BC-491E-92E0-9D2C1398ECE5}"/>
               </a:ext>
             </a:extLst>
           </p:cNvPr>
@@ -13412,7 +13415,7 @@
           <p:cNvPr id="10" name="Freeform 5">
             <a:extLst>
               <a:ext uri="{FF2B5EF4-FFF2-40B4-BE49-F238E27FC236}">
-                <a16:creationId xmlns="" xmlns:a16="http://schemas.microsoft.com/office/drawing/2014/main" id="{B4B833F7-7F09-42C1-81DA-97CA9530D528}"/>
+                <a16:creationId xmlns:a16="http://schemas.microsoft.com/office/drawing/2014/main" xmlns="" id="{B4B833F7-7F09-42C1-81DA-97CA9530D528}"/>
               </a:ext>
             </a:extLst>
           </p:cNvPr>
@@ -13596,7 +13599,7 @@
           <p:cNvPr id="11" name="Freeform 5">
             <a:extLst>
               <a:ext uri="{FF2B5EF4-FFF2-40B4-BE49-F238E27FC236}">
-                <a16:creationId xmlns="" xmlns:a16="http://schemas.microsoft.com/office/drawing/2014/main" id="{F4AA9899-9E92-41B5-AFEF-5F6EAB9782D5}"/>
+                <a16:creationId xmlns:a16="http://schemas.microsoft.com/office/drawing/2014/main" xmlns="" id="{F4AA9899-9E92-41B5-AFEF-5F6EAB9782D5}"/>
               </a:ext>
             </a:extLst>
           </p:cNvPr>
@@ -13780,7 +13783,7 @@
           <p:cNvPr id="12" name="Freeform 5">
             <a:extLst>
               <a:ext uri="{FF2B5EF4-FFF2-40B4-BE49-F238E27FC236}">
-                <a16:creationId xmlns="" xmlns:a16="http://schemas.microsoft.com/office/drawing/2014/main" id="{8950958A-6460-4594-BEAB-C7444EC61299}"/>
+                <a16:creationId xmlns:a16="http://schemas.microsoft.com/office/drawing/2014/main" xmlns="" id="{8950958A-6460-4594-BEAB-C7444EC61299}"/>
               </a:ext>
             </a:extLst>
           </p:cNvPr>
@@ -13964,7 +13967,7 @@
           <p:cNvPr id="13" name="Freeform 5">
             <a:extLst>
               <a:ext uri="{FF2B5EF4-FFF2-40B4-BE49-F238E27FC236}">
-                <a16:creationId xmlns="" xmlns:a16="http://schemas.microsoft.com/office/drawing/2014/main" id="{A7E15F2A-61A0-4C11-8E47-4DF7051E91D1}"/>
+                <a16:creationId xmlns:a16="http://schemas.microsoft.com/office/drawing/2014/main" xmlns="" id="{A7E15F2A-61A0-4C11-8E47-4DF7051E91D1}"/>
               </a:ext>
             </a:extLst>
           </p:cNvPr>
@@ -14148,7 +14151,7 @@
           <p:cNvPr id="14" name="Freeform 5">
             <a:extLst>
               <a:ext uri="{FF2B5EF4-FFF2-40B4-BE49-F238E27FC236}">
-                <a16:creationId xmlns="" xmlns:a16="http://schemas.microsoft.com/office/drawing/2014/main" id="{B5FF0CC8-80F5-42C4-80EF-E32459238B71}"/>
+                <a16:creationId xmlns:a16="http://schemas.microsoft.com/office/drawing/2014/main" xmlns="" id="{B5FF0CC8-80F5-42C4-80EF-E32459238B71}"/>
               </a:ext>
             </a:extLst>
           </p:cNvPr>
@@ -14332,7 +14335,7 @@
           <p:cNvPr id="2" name="Title 1">
             <a:extLst>
               <a:ext uri="{FF2B5EF4-FFF2-40B4-BE49-F238E27FC236}">
-                <a16:creationId xmlns="" xmlns:a16="http://schemas.microsoft.com/office/drawing/2014/main" id="{40EE479C-D1F6-4BAC-80D2-90EF74E3261A}"/>
+                <a16:creationId xmlns:a16="http://schemas.microsoft.com/office/drawing/2014/main" xmlns="" id="{40EE479C-D1F6-4BAC-80D2-90EF74E3261A}"/>
               </a:ext>
             </a:extLst>
           </p:cNvPr>
@@ -14372,7 +14375,7 @@
           <p:cNvPr id="4" name="Footer Placeholder 3">
             <a:extLst>
               <a:ext uri="{FF2B5EF4-FFF2-40B4-BE49-F238E27FC236}">
-                <a16:creationId xmlns="" xmlns:a16="http://schemas.microsoft.com/office/drawing/2014/main" id="{57847F90-9DB6-4832-9EB7-393AADAE8B70}"/>
+                <a16:creationId xmlns:a16="http://schemas.microsoft.com/office/drawing/2014/main" xmlns="" id="{57847F90-9DB6-4832-9EB7-393AADAE8B70}"/>
               </a:ext>
             </a:extLst>
           </p:cNvPr>
@@ -14400,7 +14403,7 @@
           <p:cNvPr id="5" name="Slide Number Placeholder 4">
             <a:extLst>
               <a:ext uri="{FF2B5EF4-FFF2-40B4-BE49-F238E27FC236}">
-                <a16:creationId xmlns="" xmlns:a16="http://schemas.microsoft.com/office/drawing/2014/main" id="{F64CFC6C-1D8B-46C9-B0F7-A8BD88D8AB46}"/>
+                <a16:creationId xmlns:a16="http://schemas.microsoft.com/office/drawing/2014/main" xmlns="" id="{F64CFC6C-1D8B-46C9-B0F7-A8BD88D8AB46}"/>
               </a:ext>
             </a:extLst>
           </p:cNvPr>
@@ -14430,7 +14433,7 @@
           <p:cNvPr id="20" name="Text Placeholder 3">
             <a:extLst>
               <a:ext uri="{FF2B5EF4-FFF2-40B4-BE49-F238E27FC236}">
-                <a16:creationId xmlns="" xmlns:a16="http://schemas.microsoft.com/office/drawing/2014/main" id="{C49FB4A2-B750-422F-96D2-A7C264295779}"/>
+                <a16:creationId xmlns:a16="http://schemas.microsoft.com/office/drawing/2014/main" xmlns="" id="{C49FB4A2-B750-422F-96D2-A7C264295779}"/>
               </a:ext>
             </a:extLst>
           </p:cNvPr>
@@ -14501,7 +14504,7 @@
           <p:cNvPr id="16" name="Picture Placeholder 2">
             <a:extLst>
               <a:ext uri="{FF2B5EF4-FFF2-40B4-BE49-F238E27FC236}">
-                <a16:creationId xmlns="" xmlns:a16="http://schemas.microsoft.com/office/drawing/2014/main" id="{0110E46C-B434-49FA-AA0E-D64E5786D280}"/>
+                <a16:creationId xmlns:a16="http://schemas.microsoft.com/office/drawing/2014/main" xmlns="" id="{0110E46C-B434-49FA-AA0E-D64E5786D280}"/>
               </a:ext>
             </a:extLst>
           </p:cNvPr>
@@ -14582,7 +14585,7 @@
           <p:cNvPr id="21" name="Picture Placeholder 20">
             <a:extLst>
               <a:ext uri="{FF2B5EF4-FFF2-40B4-BE49-F238E27FC236}">
-                <a16:creationId xmlns="" xmlns:a16="http://schemas.microsoft.com/office/drawing/2014/main" id="{9A70B137-2503-4803-9F56-620A586FA494}"/>
+                <a16:creationId xmlns:a16="http://schemas.microsoft.com/office/drawing/2014/main" xmlns="" id="{9A70B137-2503-4803-9F56-620A586FA494}"/>
               </a:ext>
             </a:extLst>
           </p:cNvPr>
@@ -15565,7 +15568,7 @@
           <p:cNvPr id="2" name="Title 1">
             <a:extLst>
               <a:ext uri="{FF2B5EF4-FFF2-40B4-BE49-F238E27FC236}">
-                <a16:creationId xmlns="" xmlns:a16="http://schemas.microsoft.com/office/drawing/2014/main" id="{00F23EB7-E336-46EB-A4A0-3DB7A6BF4CE1}"/>
+                <a16:creationId xmlns:a16="http://schemas.microsoft.com/office/drawing/2014/main" xmlns="" id="{00F23EB7-E336-46EB-A4A0-3DB7A6BF4CE1}"/>
               </a:ext>
             </a:extLst>
           </p:cNvPr>
@@ -15640,7 +15643,7 @@
           <p:cNvPr id="3" name="Subtitle 2">
             <a:extLst>
               <a:ext uri="{FF2B5EF4-FFF2-40B4-BE49-F238E27FC236}">
-                <a16:creationId xmlns="" xmlns:a16="http://schemas.microsoft.com/office/drawing/2014/main" id="{C9980B88-3F4A-4688-9ED0-17EF37E62D93}"/>
+                <a16:creationId xmlns:a16="http://schemas.microsoft.com/office/drawing/2014/main" xmlns="" id="{C9980B88-3F4A-4688-9ED0-17EF37E62D93}"/>
               </a:ext>
             </a:extLst>
           </p:cNvPr>
@@ -15748,7 +15751,7 @@
           <p:cNvPr id="4" name="Freeform 5">
             <a:extLst>
               <a:ext uri="{FF2B5EF4-FFF2-40B4-BE49-F238E27FC236}">
-                <a16:creationId xmlns="" xmlns:a16="http://schemas.microsoft.com/office/drawing/2014/main" id="{B0FE1C0F-474B-4310-A4A5-1EB4321DE50B}"/>
+                <a16:creationId xmlns:a16="http://schemas.microsoft.com/office/drawing/2014/main" xmlns="" id="{B0FE1C0F-474B-4310-A4A5-1EB4321DE50B}"/>
               </a:ext>
             </a:extLst>
           </p:cNvPr>
@@ -15932,7 +15935,7 @@
           <p:cNvPr id="5" name="Freeform 5">
             <a:extLst>
               <a:ext uri="{FF2B5EF4-FFF2-40B4-BE49-F238E27FC236}">
-                <a16:creationId xmlns="" xmlns:a16="http://schemas.microsoft.com/office/drawing/2014/main" id="{673FA99E-5E31-474E-8818-615B453CD89C}"/>
+                <a16:creationId xmlns:a16="http://schemas.microsoft.com/office/drawing/2014/main" xmlns="" id="{673FA99E-5E31-474E-8818-615B453CD89C}"/>
               </a:ext>
             </a:extLst>
           </p:cNvPr>
@@ -16116,7 +16119,7 @@
           <p:cNvPr id="6" name="Freeform 5">
             <a:extLst>
               <a:ext uri="{FF2B5EF4-FFF2-40B4-BE49-F238E27FC236}">
-                <a16:creationId xmlns="" xmlns:a16="http://schemas.microsoft.com/office/drawing/2014/main" id="{BA0EE7FC-884E-43B5-B6D6-9156FBE9AB59}"/>
+                <a16:creationId xmlns:a16="http://schemas.microsoft.com/office/drawing/2014/main" xmlns="" id="{BA0EE7FC-884E-43B5-B6D6-9156FBE9AB59}"/>
               </a:ext>
             </a:extLst>
           </p:cNvPr>
@@ -16300,7 +16303,7 @@
           <p:cNvPr id="7" name="Freeform 5">
             <a:extLst>
               <a:ext uri="{FF2B5EF4-FFF2-40B4-BE49-F238E27FC236}">
-                <a16:creationId xmlns="" xmlns:a16="http://schemas.microsoft.com/office/drawing/2014/main" id="{858C6DC6-901F-4F3E-97A4-1B55324C068B}"/>
+                <a16:creationId xmlns:a16="http://schemas.microsoft.com/office/drawing/2014/main" xmlns="" id="{858C6DC6-901F-4F3E-97A4-1B55324C068B}"/>
               </a:ext>
             </a:extLst>
           </p:cNvPr>
@@ -16484,7 +16487,7 @@
           <p:cNvPr id="8" name="Freeform 5">
             <a:extLst>
               <a:ext uri="{FF2B5EF4-FFF2-40B4-BE49-F238E27FC236}">
-                <a16:creationId xmlns="" xmlns:a16="http://schemas.microsoft.com/office/drawing/2014/main" id="{1041B359-9F78-4782-9C50-0B1DED37AD2C}"/>
+                <a16:creationId xmlns:a16="http://schemas.microsoft.com/office/drawing/2014/main" xmlns="" id="{1041B359-9F78-4782-9C50-0B1DED37AD2C}"/>
               </a:ext>
             </a:extLst>
           </p:cNvPr>
@@ -16668,7 +16671,7 @@
           <p:cNvPr id="2" name="Footer Placeholder 1">
             <a:extLst>
               <a:ext uri="{FF2B5EF4-FFF2-40B4-BE49-F238E27FC236}">
-                <a16:creationId xmlns="" xmlns:a16="http://schemas.microsoft.com/office/drawing/2014/main" id="{16D0504D-4610-4E9E-A2DB-8B701F044BBC}"/>
+                <a16:creationId xmlns:a16="http://schemas.microsoft.com/office/drawing/2014/main" xmlns="" id="{16D0504D-4610-4E9E-A2DB-8B701F044BBC}"/>
               </a:ext>
             </a:extLst>
           </p:cNvPr>
@@ -16696,7 +16699,7 @@
           <p:cNvPr id="3" name="Slide Number Placeholder 2">
             <a:extLst>
               <a:ext uri="{FF2B5EF4-FFF2-40B4-BE49-F238E27FC236}">
-                <a16:creationId xmlns="" xmlns:a16="http://schemas.microsoft.com/office/drawing/2014/main" id="{A95CDFA7-DEA3-4BBE-8D70-0AF654A1E6FF}"/>
+                <a16:creationId xmlns:a16="http://schemas.microsoft.com/office/drawing/2014/main" xmlns="" id="{A95CDFA7-DEA3-4BBE-8D70-0AF654A1E6FF}"/>
               </a:ext>
             </a:extLst>
           </p:cNvPr>
@@ -16731,7 +16734,7 @@
           <p:cNvPr id="9" name="Title 8">
             <a:extLst>
               <a:ext uri="{FF2B5EF4-FFF2-40B4-BE49-F238E27FC236}">
-                <a16:creationId xmlns="" xmlns:a16="http://schemas.microsoft.com/office/drawing/2014/main" id="{790C5B8B-2AF3-42F3-B4F8-A806BB98ACA8}"/>
+                <a16:creationId xmlns:a16="http://schemas.microsoft.com/office/drawing/2014/main" xmlns="" id="{790C5B8B-2AF3-42F3-B4F8-A806BB98ACA8}"/>
               </a:ext>
             </a:extLst>
           </p:cNvPr>
@@ -16790,7 +16793,7 @@
           <p:cNvPr id="4" name="Freeform 5">
             <a:extLst>
               <a:ext uri="{FF2B5EF4-FFF2-40B4-BE49-F238E27FC236}">
-                <a16:creationId xmlns="" xmlns:a16="http://schemas.microsoft.com/office/drawing/2014/main" id="{B0FE1C0F-474B-4310-A4A5-1EB4321DE50B}"/>
+                <a16:creationId xmlns:a16="http://schemas.microsoft.com/office/drawing/2014/main" xmlns="" id="{B0FE1C0F-474B-4310-A4A5-1EB4321DE50B}"/>
               </a:ext>
             </a:extLst>
           </p:cNvPr>
@@ -16974,7 +16977,7 @@
           <p:cNvPr id="5" name="Freeform 5">
             <a:extLst>
               <a:ext uri="{FF2B5EF4-FFF2-40B4-BE49-F238E27FC236}">
-                <a16:creationId xmlns="" xmlns:a16="http://schemas.microsoft.com/office/drawing/2014/main" id="{673FA99E-5E31-474E-8818-615B453CD89C}"/>
+                <a16:creationId xmlns:a16="http://schemas.microsoft.com/office/drawing/2014/main" xmlns="" id="{673FA99E-5E31-474E-8818-615B453CD89C}"/>
               </a:ext>
             </a:extLst>
           </p:cNvPr>
@@ -17158,7 +17161,7 @@
           <p:cNvPr id="6" name="Freeform 5">
             <a:extLst>
               <a:ext uri="{FF2B5EF4-FFF2-40B4-BE49-F238E27FC236}">
-                <a16:creationId xmlns="" xmlns:a16="http://schemas.microsoft.com/office/drawing/2014/main" id="{BA0EE7FC-884E-43B5-B6D6-9156FBE9AB59}"/>
+                <a16:creationId xmlns:a16="http://schemas.microsoft.com/office/drawing/2014/main" xmlns="" id="{BA0EE7FC-884E-43B5-B6D6-9156FBE9AB59}"/>
               </a:ext>
             </a:extLst>
           </p:cNvPr>
@@ -17342,7 +17345,7 @@
           <p:cNvPr id="7" name="Freeform 5">
             <a:extLst>
               <a:ext uri="{FF2B5EF4-FFF2-40B4-BE49-F238E27FC236}">
-                <a16:creationId xmlns="" xmlns:a16="http://schemas.microsoft.com/office/drawing/2014/main" id="{858C6DC6-901F-4F3E-97A4-1B55324C068B}"/>
+                <a16:creationId xmlns:a16="http://schemas.microsoft.com/office/drawing/2014/main" xmlns="" id="{858C6DC6-901F-4F3E-97A4-1B55324C068B}"/>
               </a:ext>
             </a:extLst>
           </p:cNvPr>
@@ -17526,7 +17529,7 @@
           <p:cNvPr id="8" name="Freeform 5">
             <a:extLst>
               <a:ext uri="{FF2B5EF4-FFF2-40B4-BE49-F238E27FC236}">
-                <a16:creationId xmlns="" xmlns:a16="http://schemas.microsoft.com/office/drawing/2014/main" id="{1041B359-9F78-4782-9C50-0B1DED37AD2C}"/>
+                <a16:creationId xmlns:a16="http://schemas.microsoft.com/office/drawing/2014/main" xmlns="" id="{1041B359-9F78-4782-9C50-0B1DED37AD2C}"/>
               </a:ext>
             </a:extLst>
           </p:cNvPr>
@@ -17710,7 +17713,7 @@
           <p:cNvPr id="2" name="Footer Placeholder 1">
             <a:extLst>
               <a:ext uri="{FF2B5EF4-FFF2-40B4-BE49-F238E27FC236}">
-                <a16:creationId xmlns="" xmlns:a16="http://schemas.microsoft.com/office/drawing/2014/main" id="{16D0504D-4610-4E9E-A2DB-8B701F044BBC}"/>
+                <a16:creationId xmlns:a16="http://schemas.microsoft.com/office/drawing/2014/main" xmlns="" id="{16D0504D-4610-4E9E-A2DB-8B701F044BBC}"/>
               </a:ext>
             </a:extLst>
           </p:cNvPr>
@@ -17738,7 +17741,7 @@
           <p:cNvPr id="3" name="Slide Number Placeholder 2">
             <a:extLst>
               <a:ext uri="{FF2B5EF4-FFF2-40B4-BE49-F238E27FC236}">
-                <a16:creationId xmlns="" xmlns:a16="http://schemas.microsoft.com/office/drawing/2014/main" id="{A95CDFA7-DEA3-4BBE-8D70-0AF654A1E6FF}"/>
+                <a16:creationId xmlns:a16="http://schemas.microsoft.com/office/drawing/2014/main" xmlns="" id="{A95CDFA7-DEA3-4BBE-8D70-0AF654A1E6FF}"/>
               </a:ext>
             </a:extLst>
           </p:cNvPr>
@@ -17773,7 +17776,7 @@
           <p:cNvPr id="9" name="Title 8">
             <a:extLst>
               <a:ext uri="{FF2B5EF4-FFF2-40B4-BE49-F238E27FC236}">
-                <a16:creationId xmlns="" xmlns:a16="http://schemas.microsoft.com/office/drawing/2014/main" id="{790C5B8B-2AF3-42F3-B4F8-A806BB98ACA8}"/>
+                <a16:creationId xmlns:a16="http://schemas.microsoft.com/office/drawing/2014/main" xmlns="" id="{790C5B8B-2AF3-42F3-B4F8-A806BB98ACA8}"/>
               </a:ext>
             </a:extLst>
           </p:cNvPr>
@@ -17802,7 +17805,7 @@
           <p:cNvPr id="11" name="Text Placeholder 10">
             <a:extLst>
               <a:ext uri="{FF2B5EF4-FFF2-40B4-BE49-F238E27FC236}">
-                <a16:creationId xmlns="" xmlns:a16="http://schemas.microsoft.com/office/drawing/2014/main" id="{1B3B1662-8902-44D0-A545-5008B483D16F}"/>
+                <a16:creationId xmlns:a16="http://schemas.microsoft.com/office/drawing/2014/main" xmlns="" id="{1B3B1662-8902-44D0-A545-5008B483D16F}"/>
               </a:ext>
             </a:extLst>
           </p:cNvPr>
@@ -17875,7 +17878,7 @@
           <p:cNvPr id="4" name="Freeform 5">
             <a:extLst>
               <a:ext uri="{FF2B5EF4-FFF2-40B4-BE49-F238E27FC236}">
-                <a16:creationId xmlns="" xmlns:a16="http://schemas.microsoft.com/office/drawing/2014/main" id="{B0FE1C0F-474B-4310-A4A5-1EB4321DE50B}"/>
+                <a16:creationId xmlns:a16="http://schemas.microsoft.com/office/drawing/2014/main" xmlns="" id="{B0FE1C0F-474B-4310-A4A5-1EB4321DE50B}"/>
               </a:ext>
             </a:extLst>
           </p:cNvPr>
@@ -18059,7 +18062,7 @@
           <p:cNvPr id="5" name="Freeform 5">
             <a:extLst>
               <a:ext uri="{FF2B5EF4-FFF2-40B4-BE49-F238E27FC236}">
-                <a16:creationId xmlns="" xmlns:a16="http://schemas.microsoft.com/office/drawing/2014/main" id="{673FA99E-5E31-474E-8818-615B453CD89C}"/>
+                <a16:creationId xmlns:a16="http://schemas.microsoft.com/office/drawing/2014/main" xmlns="" id="{673FA99E-5E31-474E-8818-615B453CD89C}"/>
               </a:ext>
             </a:extLst>
           </p:cNvPr>
@@ -18243,7 +18246,7 @@
           <p:cNvPr id="6" name="Freeform 5">
             <a:extLst>
               <a:ext uri="{FF2B5EF4-FFF2-40B4-BE49-F238E27FC236}">
-                <a16:creationId xmlns="" xmlns:a16="http://schemas.microsoft.com/office/drawing/2014/main" id="{BA0EE7FC-884E-43B5-B6D6-9156FBE9AB59}"/>
+                <a16:creationId xmlns:a16="http://schemas.microsoft.com/office/drawing/2014/main" xmlns="" id="{BA0EE7FC-884E-43B5-B6D6-9156FBE9AB59}"/>
               </a:ext>
             </a:extLst>
           </p:cNvPr>
@@ -18427,7 +18430,7 @@
           <p:cNvPr id="7" name="Freeform 5">
             <a:extLst>
               <a:ext uri="{FF2B5EF4-FFF2-40B4-BE49-F238E27FC236}">
-                <a16:creationId xmlns="" xmlns:a16="http://schemas.microsoft.com/office/drawing/2014/main" id="{858C6DC6-901F-4F3E-97A4-1B55324C068B}"/>
+                <a16:creationId xmlns:a16="http://schemas.microsoft.com/office/drawing/2014/main" xmlns="" id="{858C6DC6-901F-4F3E-97A4-1B55324C068B}"/>
               </a:ext>
             </a:extLst>
           </p:cNvPr>
@@ -18611,7 +18614,7 @@
           <p:cNvPr id="8" name="Freeform 5">
             <a:extLst>
               <a:ext uri="{FF2B5EF4-FFF2-40B4-BE49-F238E27FC236}">
-                <a16:creationId xmlns="" xmlns:a16="http://schemas.microsoft.com/office/drawing/2014/main" id="{1041B359-9F78-4782-9C50-0B1DED37AD2C}"/>
+                <a16:creationId xmlns:a16="http://schemas.microsoft.com/office/drawing/2014/main" xmlns="" id="{1041B359-9F78-4782-9C50-0B1DED37AD2C}"/>
               </a:ext>
             </a:extLst>
           </p:cNvPr>
@@ -18795,7 +18798,7 @@
           <p:cNvPr id="2" name="Footer Placeholder 1">
             <a:extLst>
               <a:ext uri="{FF2B5EF4-FFF2-40B4-BE49-F238E27FC236}">
-                <a16:creationId xmlns="" xmlns:a16="http://schemas.microsoft.com/office/drawing/2014/main" id="{16D0504D-4610-4E9E-A2DB-8B701F044BBC}"/>
+                <a16:creationId xmlns:a16="http://schemas.microsoft.com/office/drawing/2014/main" xmlns="" id="{16D0504D-4610-4E9E-A2DB-8B701F044BBC}"/>
               </a:ext>
             </a:extLst>
           </p:cNvPr>
@@ -18823,7 +18826,7 @@
           <p:cNvPr id="3" name="Slide Number Placeholder 2">
             <a:extLst>
               <a:ext uri="{FF2B5EF4-FFF2-40B4-BE49-F238E27FC236}">
-                <a16:creationId xmlns="" xmlns:a16="http://schemas.microsoft.com/office/drawing/2014/main" id="{A95CDFA7-DEA3-4BBE-8D70-0AF654A1E6FF}"/>
+                <a16:creationId xmlns:a16="http://schemas.microsoft.com/office/drawing/2014/main" xmlns="" id="{A95CDFA7-DEA3-4BBE-8D70-0AF654A1E6FF}"/>
               </a:ext>
             </a:extLst>
           </p:cNvPr>
@@ -18888,7 +18891,7 @@
           <p:cNvPr id="11" name="Picture Placeholder 10">
             <a:extLst>
               <a:ext uri="{FF2B5EF4-FFF2-40B4-BE49-F238E27FC236}">
-                <a16:creationId xmlns="" xmlns:a16="http://schemas.microsoft.com/office/drawing/2014/main" id="{7CE129D0-CB7B-444C-AF89-B1CB663E3679}"/>
+                <a16:creationId xmlns:a16="http://schemas.microsoft.com/office/drawing/2014/main" xmlns="" id="{7CE129D0-CB7B-444C-AF89-B1CB663E3679}"/>
               </a:ext>
             </a:extLst>
           </p:cNvPr>
@@ -19909,7 +19912,7 @@
           <p:cNvPr id="2" name="Title 1">
             <a:extLst>
               <a:ext uri="{FF2B5EF4-FFF2-40B4-BE49-F238E27FC236}">
-                <a16:creationId xmlns="" xmlns:a16="http://schemas.microsoft.com/office/drawing/2014/main" id="{00F23EB7-E336-46EB-A4A0-3DB7A6BF4CE1}"/>
+                <a16:creationId xmlns:a16="http://schemas.microsoft.com/office/drawing/2014/main" xmlns="" id="{00F23EB7-E336-46EB-A4A0-3DB7A6BF4CE1}"/>
               </a:ext>
             </a:extLst>
           </p:cNvPr>
@@ -19984,7 +19987,7 @@
           <p:cNvPr id="3" name="Subtitle 2">
             <a:extLst>
               <a:ext uri="{FF2B5EF4-FFF2-40B4-BE49-F238E27FC236}">
-                <a16:creationId xmlns="" xmlns:a16="http://schemas.microsoft.com/office/drawing/2014/main" id="{C9980B88-3F4A-4688-9ED0-17EF37E62D93}"/>
+                <a16:creationId xmlns:a16="http://schemas.microsoft.com/office/drawing/2014/main" xmlns="" id="{C9980B88-3F4A-4688-9ED0-17EF37E62D93}"/>
               </a:ext>
             </a:extLst>
           </p:cNvPr>
@@ -20062,7 +20065,7 @@
           <p:cNvPr id="4" name="Footer Placeholder 3">
             <a:extLst>
               <a:ext uri="{FF2B5EF4-FFF2-40B4-BE49-F238E27FC236}">
-                <a16:creationId xmlns="" xmlns:a16="http://schemas.microsoft.com/office/drawing/2014/main" id="{734B1E83-6080-4D35-A216-8E5C399023B2}"/>
+                <a16:creationId xmlns:a16="http://schemas.microsoft.com/office/drawing/2014/main" xmlns="" id="{734B1E83-6080-4D35-A216-8E5C399023B2}"/>
               </a:ext>
             </a:extLst>
           </p:cNvPr>
@@ -20090,7 +20093,7 @@
           <p:cNvPr id="5" name="Slide Number Placeholder 4">
             <a:extLst>
               <a:ext uri="{FF2B5EF4-FFF2-40B4-BE49-F238E27FC236}">
-                <a16:creationId xmlns="" xmlns:a16="http://schemas.microsoft.com/office/drawing/2014/main" id="{0DE95353-8EE1-49C9-ADAC-E76BD49D222D}"/>
+                <a16:creationId xmlns:a16="http://schemas.microsoft.com/office/drawing/2014/main" xmlns="" id="{0DE95353-8EE1-49C9-ADAC-E76BD49D222D}"/>
               </a:ext>
             </a:extLst>
           </p:cNvPr>
@@ -20150,7 +20153,7 @@
           <p:cNvPr id="12" name="Picture Placeholder 11">
             <a:extLst>
               <a:ext uri="{FF2B5EF4-FFF2-40B4-BE49-F238E27FC236}">
-                <a16:creationId xmlns="" xmlns:a16="http://schemas.microsoft.com/office/drawing/2014/main" id="{7B7C90C9-77F3-4C3C-97F8-425EF81FB7A7}"/>
+                <a16:creationId xmlns:a16="http://schemas.microsoft.com/office/drawing/2014/main" xmlns="" id="{7B7C90C9-77F3-4C3C-97F8-425EF81FB7A7}"/>
               </a:ext>
             </a:extLst>
           </p:cNvPr>
@@ -21307,7 +21310,7 @@
           <p:cNvPr id="2" name="Title 1">
             <a:extLst>
               <a:ext uri="{FF2B5EF4-FFF2-40B4-BE49-F238E27FC236}">
-                <a16:creationId xmlns="" xmlns:a16="http://schemas.microsoft.com/office/drawing/2014/main" id="{00F23EB7-E336-46EB-A4A0-3DB7A6BF4CE1}"/>
+                <a16:creationId xmlns:a16="http://schemas.microsoft.com/office/drawing/2014/main" xmlns="" id="{00F23EB7-E336-46EB-A4A0-3DB7A6BF4CE1}"/>
               </a:ext>
             </a:extLst>
           </p:cNvPr>
@@ -21382,7 +21385,7 @@
           <p:cNvPr id="3" name="Subtitle 2">
             <a:extLst>
               <a:ext uri="{FF2B5EF4-FFF2-40B4-BE49-F238E27FC236}">
-                <a16:creationId xmlns="" xmlns:a16="http://schemas.microsoft.com/office/drawing/2014/main" id="{C9980B88-3F4A-4688-9ED0-17EF37E62D93}"/>
+                <a16:creationId xmlns:a16="http://schemas.microsoft.com/office/drawing/2014/main" xmlns="" id="{C9980B88-3F4A-4688-9ED0-17EF37E62D93}"/>
               </a:ext>
             </a:extLst>
           </p:cNvPr>
@@ -21460,7 +21463,7 @@
           <p:cNvPr id="4" name="Footer Placeholder 3">
             <a:extLst>
               <a:ext uri="{FF2B5EF4-FFF2-40B4-BE49-F238E27FC236}">
-                <a16:creationId xmlns="" xmlns:a16="http://schemas.microsoft.com/office/drawing/2014/main" id="{734B1E83-6080-4D35-A216-8E5C399023B2}"/>
+                <a16:creationId xmlns:a16="http://schemas.microsoft.com/office/drawing/2014/main" xmlns="" id="{734B1E83-6080-4D35-A216-8E5C399023B2}"/>
               </a:ext>
             </a:extLst>
           </p:cNvPr>
@@ -21488,7 +21491,7 @@
           <p:cNvPr id="5" name="Slide Number Placeholder 4">
             <a:extLst>
               <a:ext uri="{FF2B5EF4-FFF2-40B4-BE49-F238E27FC236}">
-                <a16:creationId xmlns="" xmlns:a16="http://schemas.microsoft.com/office/drawing/2014/main" id="{0DE95353-8EE1-49C9-ADAC-E76BD49D222D}"/>
+                <a16:creationId xmlns:a16="http://schemas.microsoft.com/office/drawing/2014/main" xmlns="" id="{0DE95353-8EE1-49C9-ADAC-E76BD49D222D}"/>
               </a:ext>
             </a:extLst>
           </p:cNvPr>
@@ -21548,7 +21551,7 @@
           <p:cNvPr id="11" name="Picture Placeholder 10">
             <a:extLst>
               <a:ext uri="{FF2B5EF4-FFF2-40B4-BE49-F238E27FC236}">
-                <a16:creationId xmlns="" xmlns:a16="http://schemas.microsoft.com/office/drawing/2014/main" id="{A7D77123-FDC4-48FD-9EFB-8A84F6069060}"/>
+                <a16:creationId xmlns:a16="http://schemas.microsoft.com/office/drawing/2014/main" xmlns="" id="{A7D77123-FDC4-48FD-9EFB-8A84F6069060}"/>
               </a:ext>
             </a:extLst>
           </p:cNvPr>
@@ -21738,7 +21741,7 @@
           <p:cNvPr id="2" name="Title 1">
             <a:extLst>
               <a:ext uri="{FF2B5EF4-FFF2-40B4-BE49-F238E27FC236}">
-                <a16:creationId xmlns="" xmlns:a16="http://schemas.microsoft.com/office/drawing/2014/main" id="{40EE479C-D1F6-4BAC-80D2-90EF74E3261A}"/>
+                <a16:creationId xmlns:a16="http://schemas.microsoft.com/office/drawing/2014/main" xmlns="" id="{40EE479C-D1F6-4BAC-80D2-90EF74E3261A}"/>
               </a:ext>
             </a:extLst>
           </p:cNvPr>
@@ -21782,7 +21785,7 @@
           <p:cNvPr id="10" name="Subtitle 2">
             <a:extLst>
               <a:ext uri="{FF2B5EF4-FFF2-40B4-BE49-F238E27FC236}">
-                <a16:creationId xmlns="" xmlns:a16="http://schemas.microsoft.com/office/drawing/2014/main" id="{3FAEED1D-0E66-4F74-9455-675F5CB7EAD4}"/>
+                <a16:creationId xmlns:a16="http://schemas.microsoft.com/office/drawing/2014/main" xmlns="" id="{3FAEED1D-0E66-4F74-9455-675F5CB7EAD4}"/>
               </a:ext>
             </a:extLst>
           </p:cNvPr>
@@ -21837,7 +21840,7 @@
           <p:cNvPr id="3" name="Content Placeholder 2">
             <a:extLst>
               <a:ext uri="{FF2B5EF4-FFF2-40B4-BE49-F238E27FC236}">
-                <a16:creationId xmlns="" xmlns:a16="http://schemas.microsoft.com/office/drawing/2014/main" id="{A22238F2-C6EC-476F-8371-119AECBA5622}"/>
+                <a16:creationId xmlns:a16="http://schemas.microsoft.com/office/drawing/2014/main" xmlns="" id="{A22238F2-C6EC-476F-8371-119AECBA5622}"/>
               </a:ext>
             </a:extLst>
           </p:cNvPr>
@@ -21951,7 +21954,7 @@
           <p:cNvPr id="4" name="Footer Placeholder 3">
             <a:extLst>
               <a:ext uri="{FF2B5EF4-FFF2-40B4-BE49-F238E27FC236}">
-                <a16:creationId xmlns="" xmlns:a16="http://schemas.microsoft.com/office/drawing/2014/main" id="{57847F90-9DB6-4832-9EB7-393AADAE8B70}"/>
+                <a16:creationId xmlns:a16="http://schemas.microsoft.com/office/drawing/2014/main" xmlns="" id="{57847F90-9DB6-4832-9EB7-393AADAE8B70}"/>
               </a:ext>
             </a:extLst>
           </p:cNvPr>
@@ -21979,7 +21982,7 @@
           <p:cNvPr id="5" name="Slide Number Placeholder 4">
             <a:extLst>
               <a:ext uri="{FF2B5EF4-FFF2-40B4-BE49-F238E27FC236}">
-                <a16:creationId xmlns="" xmlns:a16="http://schemas.microsoft.com/office/drawing/2014/main" id="{0505ED12-A431-4761-87A4-F05164BE0221}"/>
+                <a16:creationId xmlns:a16="http://schemas.microsoft.com/office/drawing/2014/main" xmlns="" id="{0505ED12-A431-4761-87A4-F05164BE0221}"/>
               </a:ext>
             </a:extLst>
           </p:cNvPr>
@@ -22039,7 +22042,7 @@
           <p:cNvPr id="13" name="Picture Placeholder 12">
             <a:extLst>
               <a:ext uri="{FF2B5EF4-FFF2-40B4-BE49-F238E27FC236}">
-                <a16:creationId xmlns="" xmlns:a16="http://schemas.microsoft.com/office/drawing/2014/main" id="{C64B33BB-8F3A-42CE-BBDA-D08AA3266737}"/>
+                <a16:creationId xmlns:a16="http://schemas.microsoft.com/office/drawing/2014/main" xmlns="" id="{C64B33BB-8F3A-42CE-BBDA-D08AA3266737}"/>
               </a:ext>
             </a:extLst>
           </p:cNvPr>
@@ -22172,7 +22175,7 @@
           <p:cNvPr id="2" name="Title 1">
             <a:extLst>
               <a:ext uri="{FF2B5EF4-FFF2-40B4-BE49-F238E27FC236}">
-                <a16:creationId xmlns="" xmlns:a16="http://schemas.microsoft.com/office/drawing/2014/main" id="{40EE479C-D1F6-4BAC-80D2-90EF74E3261A}"/>
+                <a16:creationId xmlns:a16="http://schemas.microsoft.com/office/drawing/2014/main" xmlns="" id="{40EE479C-D1F6-4BAC-80D2-90EF74E3261A}"/>
               </a:ext>
             </a:extLst>
           </p:cNvPr>
@@ -22216,7 +22219,7 @@
           <p:cNvPr id="10" name="Subtitle 2">
             <a:extLst>
               <a:ext uri="{FF2B5EF4-FFF2-40B4-BE49-F238E27FC236}">
-                <a16:creationId xmlns="" xmlns:a16="http://schemas.microsoft.com/office/drawing/2014/main" id="{3FAEED1D-0E66-4F74-9455-675F5CB7EAD4}"/>
+                <a16:creationId xmlns:a16="http://schemas.microsoft.com/office/drawing/2014/main" xmlns="" id="{3FAEED1D-0E66-4F74-9455-675F5CB7EAD4}"/>
               </a:ext>
             </a:extLst>
           </p:cNvPr>
@@ -22271,7 +22274,7 @@
           <p:cNvPr id="3" name="Content Placeholder 2">
             <a:extLst>
               <a:ext uri="{FF2B5EF4-FFF2-40B4-BE49-F238E27FC236}">
-                <a16:creationId xmlns="" xmlns:a16="http://schemas.microsoft.com/office/drawing/2014/main" id="{A22238F2-C6EC-476F-8371-119AECBA5622}"/>
+                <a16:creationId xmlns:a16="http://schemas.microsoft.com/office/drawing/2014/main" xmlns="" id="{A22238F2-C6EC-476F-8371-119AECBA5622}"/>
               </a:ext>
             </a:extLst>
           </p:cNvPr>
@@ -22385,7 +22388,7 @@
           <p:cNvPr id="4" name="Footer Placeholder 3">
             <a:extLst>
               <a:ext uri="{FF2B5EF4-FFF2-40B4-BE49-F238E27FC236}">
-                <a16:creationId xmlns="" xmlns:a16="http://schemas.microsoft.com/office/drawing/2014/main" id="{57847F90-9DB6-4832-9EB7-393AADAE8B70}"/>
+                <a16:creationId xmlns:a16="http://schemas.microsoft.com/office/drawing/2014/main" xmlns="" id="{57847F90-9DB6-4832-9EB7-393AADAE8B70}"/>
               </a:ext>
             </a:extLst>
           </p:cNvPr>
@@ -22413,7 +22416,7 @@
           <p:cNvPr id="5" name="Slide Number Placeholder 4">
             <a:extLst>
               <a:ext uri="{FF2B5EF4-FFF2-40B4-BE49-F238E27FC236}">
-                <a16:creationId xmlns="" xmlns:a16="http://schemas.microsoft.com/office/drawing/2014/main" id="{0505ED12-A431-4761-87A4-F05164BE0221}"/>
+                <a16:creationId xmlns:a16="http://schemas.microsoft.com/office/drawing/2014/main" xmlns="" id="{0505ED12-A431-4761-87A4-F05164BE0221}"/>
               </a:ext>
             </a:extLst>
           </p:cNvPr>
@@ -22473,7 +22476,7 @@
           <p:cNvPr id="11" name="Picture Placeholder 10">
             <a:extLst>
               <a:ext uri="{FF2B5EF4-FFF2-40B4-BE49-F238E27FC236}">
-                <a16:creationId xmlns="" xmlns:a16="http://schemas.microsoft.com/office/drawing/2014/main" id="{A7D77123-FDC4-48FD-9EFB-8A84F6069060}"/>
+                <a16:creationId xmlns:a16="http://schemas.microsoft.com/office/drawing/2014/main" xmlns="" id="{A7D77123-FDC4-48FD-9EFB-8A84F6069060}"/>
               </a:ext>
             </a:extLst>
           </p:cNvPr>
@@ -22663,7 +22666,7 @@
           <p:cNvPr id="2" name="Title 1">
             <a:extLst>
               <a:ext uri="{FF2B5EF4-FFF2-40B4-BE49-F238E27FC236}">
-                <a16:creationId xmlns="" xmlns:a16="http://schemas.microsoft.com/office/drawing/2014/main" id="{40EE479C-D1F6-4BAC-80D2-90EF74E3261A}"/>
+                <a16:creationId xmlns:a16="http://schemas.microsoft.com/office/drawing/2014/main" xmlns="" id="{40EE479C-D1F6-4BAC-80D2-90EF74E3261A}"/>
               </a:ext>
             </a:extLst>
           </p:cNvPr>
@@ -22707,7 +22710,7 @@
           <p:cNvPr id="10" name="Subtitle 2">
             <a:extLst>
               <a:ext uri="{FF2B5EF4-FFF2-40B4-BE49-F238E27FC236}">
-                <a16:creationId xmlns="" xmlns:a16="http://schemas.microsoft.com/office/drawing/2014/main" id="{3FAEED1D-0E66-4F74-9455-675F5CB7EAD4}"/>
+                <a16:creationId xmlns:a16="http://schemas.microsoft.com/office/drawing/2014/main" xmlns="" id="{3FAEED1D-0E66-4F74-9455-675F5CB7EAD4}"/>
               </a:ext>
             </a:extLst>
           </p:cNvPr>
@@ -22762,7 +22765,7 @@
           <p:cNvPr id="3" name="Content Placeholder 2">
             <a:extLst>
               <a:ext uri="{FF2B5EF4-FFF2-40B4-BE49-F238E27FC236}">
-                <a16:creationId xmlns="" xmlns:a16="http://schemas.microsoft.com/office/drawing/2014/main" id="{A22238F2-C6EC-476F-8371-119AECBA5622}"/>
+                <a16:creationId xmlns:a16="http://schemas.microsoft.com/office/drawing/2014/main" xmlns="" id="{A22238F2-C6EC-476F-8371-119AECBA5622}"/>
               </a:ext>
             </a:extLst>
           </p:cNvPr>
@@ -22876,7 +22879,7 @@
           <p:cNvPr id="4" name="Footer Placeholder 3">
             <a:extLst>
               <a:ext uri="{FF2B5EF4-FFF2-40B4-BE49-F238E27FC236}">
-                <a16:creationId xmlns="" xmlns:a16="http://schemas.microsoft.com/office/drawing/2014/main" id="{57847F90-9DB6-4832-9EB7-393AADAE8B70}"/>
+                <a16:creationId xmlns:a16="http://schemas.microsoft.com/office/drawing/2014/main" xmlns="" id="{57847F90-9DB6-4832-9EB7-393AADAE8B70}"/>
               </a:ext>
             </a:extLst>
           </p:cNvPr>
@@ -22904,7 +22907,7 @@
           <p:cNvPr id="5" name="Slide Number Placeholder 4">
             <a:extLst>
               <a:ext uri="{FF2B5EF4-FFF2-40B4-BE49-F238E27FC236}">
-                <a16:creationId xmlns="" xmlns:a16="http://schemas.microsoft.com/office/drawing/2014/main" id="{0505ED12-A431-4761-87A4-F05164BE0221}"/>
+                <a16:creationId xmlns:a16="http://schemas.microsoft.com/office/drawing/2014/main" xmlns="" id="{0505ED12-A431-4761-87A4-F05164BE0221}"/>
               </a:ext>
             </a:extLst>
           </p:cNvPr>
@@ -22934,7 +22937,7 @@
           <p:cNvPr id="8" name="Picture Placeholder 7">
             <a:extLst>
               <a:ext uri="{FF2B5EF4-FFF2-40B4-BE49-F238E27FC236}">
-                <a16:creationId xmlns="" xmlns:a16="http://schemas.microsoft.com/office/drawing/2014/main" id="{01317B12-44C8-4227-9EB8-973D2226E63F}"/>
+                <a16:creationId xmlns:a16="http://schemas.microsoft.com/office/drawing/2014/main" xmlns="" id="{01317B12-44C8-4227-9EB8-973D2226E63F}"/>
               </a:ext>
             </a:extLst>
           </p:cNvPr>
@@ -23124,7 +23127,7 @@
           <p:cNvPr id="9" name="Picture Placeholder 8">
             <a:extLst>
               <a:ext uri="{FF2B5EF4-FFF2-40B4-BE49-F238E27FC236}">
-                <a16:creationId xmlns="" xmlns:a16="http://schemas.microsoft.com/office/drawing/2014/main" id="{1AD2255F-36DA-4BDE-B54D-F94F14B68B6C}"/>
+                <a16:creationId xmlns:a16="http://schemas.microsoft.com/office/drawing/2014/main" xmlns="" id="{1AD2255F-36DA-4BDE-B54D-F94F14B68B6C}"/>
               </a:ext>
             </a:extLst>
           </p:cNvPr>
@@ -23344,7 +23347,7 @@
           <p:cNvPr id="10" name="Freeform 5">
             <a:extLst>
               <a:ext uri="{FF2B5EF4-FFF2-40B4-BE49-F238E27FC236}">
-                <a16:creationId xmlns="" xmlns:a16="http://schemas.microsoft.com/office/drawing/2014/main" id="{CD92D281-07CD-478F-9BF5-BA7D43439A3D}"/>
+                <a16:creationId xmlns:a16="http://schemas.microsoft.com/office/drawing/2014/main" xmlns="" id="{CD92D281-07CD-478F-9BF5-BA7D43439A3D}"/>
               </a:ext>
             </a:extLst>
           </p:cNvPr>
@@ -23528,7 +23531,7 @@
           <p:cNvPr id="11" name="Freeform 5">
             <a:extLst>
               <a:ext uri="{FF2B5EF4-FFF2-40B4-BE49-F238E27FC236}">
-                <a16:creationId xmlns="" xmlns:a16="http://schemas.microsoft.com/office/drawing/2014/main" id="{B2C53265-8805-42B3-82B4-151EFBC42731}"/>
+                <a16:creationId xmlns:a16="http://schemas.microsoft.com/office/drawing/2014/main" xmlns="" id="{B2C53265-8805-42B3-82B4-151EFBC42731}"/>
               </a:ext>
             </a:extLst>
           </p:cNvPr>
@@ -23712,7 +23715,7 @@
           <p:cNvPr id="13" name="Freeform 5">
             <a:extLst>
               <a:ext uri="{FF2B5EF4-FFF2-40B4-BE49-F238E27FC236}">
-                <a16:creationId xmlns="" xmlns:a16="http://schemas.microsoft.com/office/drawing/2014/main" id="{D0111EB4-98AF-4EB7-878B-31FD32A95141}"/>
+                <a16:creationId xmlns:a16="http://schemas.microsoft.com/office/drawing/2014/main" xmlns="" id="{D0111EB4-98AF-4EB7-878B-31FD32A95141}"/>
               </a:ext>
             </a:extLst>
           </p:cNvPr>
@@ -23896,7 +23899,7 @@
           <p:cNvPr id="14" name="Freeform 5">
             <a:extLst>
               <a:ext uri="{FF2B5EF4-FFF2-40B4-BE49-F238E27FC236}">
-                <a16:creationId xmlns="" xmlns:a16="http://schemas.microsoft.com/office/drawing/2014/main" id="{33809002-30A9-49C0-BE36-B14DD1E4D872}"/>
+                <a16:creationId xmlns:a16="http://schemas.microsoft.com/office/drawing/2014/main" xmlns="" id="{33809002-30A9-49C0-BE36-B14DD1E4D872}"/>
               </a:ext>
             </a:extLst>
           </p:cNvPr>
@@ -24080,7 +24083,7 @@
           <p:cNvPr id="15" name="Freeform 5">
             <a:extLst>
               <a:ext uri="{FF2B5EF4-FFF2-40B4-BE49-F238E27FC236}">
-                <a16:creationId xmlns="" xmlns:a16="http://schemas.microsoft.com/office/drawing/2014/main" id="{FFD5C582-B212-4ADA-AB1B-0481AA39C3A9}"/>
+                <a16:creationId xmlns:a16="http://schemas.microsoft.com/office/drawing/2014/main" xmlns="" id="{FFD5C582-B212-4ADA-AB1B-0481AA39C3A9}"/>
               </a:ext>
             </a:extLst>
           </p:cNvPr>
@@ -24264,7 +24267,7 @@
           <p:cNvPr id="2" name="Title 1">
             <a:extLst>
               <a:ext uri="{FF2B5EF4-FFF2-40B4-BE49-F238E27FC236}">
-                <a16:creationId xmlns="" xmlns:a16="http://schemas.microsoft.com/office/drawing/2014/main" id="{3F288DD7-6DAF-436D-B04A-EBCCAA36917C}"/>
+                <a16:creationId xmlns:a16="http://schemas.microsoft.com/office/drawing/2014/main" xmlns="" id="{3F288DD7-6DAF-436D-B04A-EBCCAA36917C}"/>
               </a:ext>
             </a:extLst>
           </p:cNvPr>
@@ -24308,7 +24311,7 @@
           <p:cNvPr id="9" name="Subtitle 2">
             <a:extLst>
               <a:ext uri="{FF2B5EF4-FFF2-40B4-BE49-F238E27FC236}">
-                <a16:creationId xmlns="" xmlns:a16="http://schemas.microsoft.com/office/drawing/2014/main" id="{E4633398-8EC3-417B-BEA6-101D8F224678}"/>
+                <a16:creationId xmlns:a16="http://schemas.microsoft.com/office/drawing/2014/main" xmlns="" id="{E4633398-8EC3-417B-BEA6-101D8F224678}"/>
               </a:ext>
             </a:extLst>
           </p:cNvPr>
@@ -24363,7 +24366,7 @@
           <p:cNvPr id="3" name="Comparison Left Placeholder 1">
             <a:extLst>
               <a:ext uri="{FF2B5EF4-FFF2-40B4-BE49-F238E27FC236}">
-                <a16:creationId xmlns="" xmlns:a16="http://schemas.microsoft.com/office/drawing/2014/main" id="{9322B50D-6A7D-41C6-BA57-613BC231DF36}"/>
+                <a16:creationId xmlns:a16="http://schemas.microsoft.com/office/drawing/2014/main" xmlns="" id="{9322B50D-6A7D-41C6-BA57-613BC231DF36}"/>
               </a:ext>
             </a:extLst>
           </p:cNvPr>
@@ -24441,7 +24444,7 @@
           <p:cNvPr id="4" name="Content Placeholder 2">
             <a:extLst>
               <a:ext uri="{FF2B5EF4-FFF2-40B4-BE49-F238E27FC236}">
-                <a16:creationId xmlns="" xmlns:a16="http://schemas.microsoft.com/office/drawing/2014/main" id="{9FD584DA-F775-47B8-A1D7-6556AD5FCBD2}"/>
+                <a16:creationId xmlns:a16="http://schemas.microsoft.com/office/drawing/2014/main" xmlns="" id="{9FD584DA-F775-47B8-A1D7-6556AD5FCBD2}"/>
               </a:ext>
             </a:extLst>
           </p:cNvPr>
@@ -24555,7 +24558,7 @@
           <p:cNvPr id="12" name="Comparison Left Placeholder 2">
             <a:extLst>
               <a:ext uri="{FF2B5EF4-FFF2-40B4-BE49-F238E27FC236}">
-                <a16:creationId xmlns="" xmlns:a16="http://schemas.microsoft.com/office/drawing/2014/main" id="{78A963F8-6F6E-440E-B3B3-DDE13C083A36}"/>
+                <a16:creationId xmlns:a16="http://schemas.microsoft.com/office/drawing/2014/main" xmlns="" id="{78A963F8-6F6E-440E-B3B3-DDE13C083A36}"/>
               </a:ext>
             </a:extLst>
           </p:cNvPr>
@@ -24594,7 +24597,7 @@
           <p:cNvPr id="8" name="Text Placeholder 4">
             <a:extLst>
               <a:ext uri="{FF2B5EF4-FFF2-40B4-BE49-F238E27FC236}">
-                <a16:creationId xmlns="" xmlns:a16="http://schemas.microsoft.com/office/drawing/2014/main" id="{DF0A5256-B267-47DA-858A-0F3867CB6139}"/>
+                <a16:creationId xmlns:a16="http://schemas.microsoft.com/office/drawing/2014/main" xmlns="" id="{DF0A5256-B267-47DA-858A-0F3867CB6139}"/>
               </a:ext>
             </a:extLst>
           </p:cNvPr>
@@ -24657,7 +24660,7 @@
           <p:cNvPr id="5" name="Footer Placeholder 4">
             <a:extLst>
               <a:ext uri="{FF2B5EF4-FFF2-40B4-BE49-F238E27FC236}">
-                <a16:creationId xmlns="" xmlns:a16="http://schemas.microsoft.com/office/drawing/2014/main" id="{646B8F99-FAB0-4B33-87ED-9FF46D11A907}"/>
+                <a16:creationId xmlns:a16="http://schemas.microsoft.com/office/drawing/2014/main" xmlns="" id="{646B8F99-FAB0-4B33-87ED-9FF46D11A907}"/>
               </a:ext>
             </a:extLst>
           </p:cNvPr>
@@ -24685,7 +24688,7 @@
           <p:cNvPr id="6" name="Slide Number Placeholder 5">
             <a:extLst>
               <a:ext uri="{FF2B5EF4-FFF2-40B4-BE49-F238E27FC236}">
-                <a16:creationId xmlns="" xmlns:a16="http://schemas.microsoft.com/office/drawing/2014/main" id="{18733E7E-50D2-4F6C-9DF2-CF4C98C4B847}"/>
+                <a16:creationId xmlns:a16="http://schemas.microsoft.com/office/drawing/2014/main" xmlns="" id="{18733E7E-50D2-4F6C-9DF2-CF4C98C4B847}"/>
               </a:ext>
             </a:extLst>
           </p:cNvPr>
@@ -24745,7 +24748,7 @@
           <p:cNvPr id="7" name="Picture Placeholder 6">
             <a:extLst>
               <a:ext uri="{FF2B5EF4-FFF2-40B4-BE49-F238E27FC236}">
-                <a16:creationId xmlns="" xmlns:a16="http://schemas.microsoft.com/office/drawing/2014/main" id="{890ED7CE-A9D2-4D19-B978-56BFB74E657C}"/>
+                <a16:creationId xmlns:a16="http://schemas.microsoft.com/office/drawing/2014/main" xmlns="" id="{890ED7CE-A9D2-4D19-B978-56BFB74E657C}"/>
               </a:ext>
             </a:extLst>
           </p:cNvPr>
@@ -24791,7 +24794,7 @@
           <p:cNvPr id="4" name="Footer Placeholder 3">
             <a:extLst>
               <a:ext uri="{FF2B5EF4-FFF2-40B4-BE49-F238E27FC236}">
-                <a16:creationId xmlns="" xmlns:a16="http://schemas.microsoft.com/office/drawing/2014/main" id="{57847F90-9DB6-4832-9EB7-393AADAE8B70}"/>
+                <a16:creationId xmlns:a16="http://schemas.microsoft.com/office/drawing/2014/main" xmlns="" id="{57847F90-9DB6-4832-9EB7-393AADAE8B70}"/>
               </a:ext>
             </a:extLst>
           </p:cNvPr>
@@ -24819,7 +24822,7 @@
           <p:cNvPr id="2" name="Slide Number Placeholder 1">
             <a:extLst>
               <a:ext uri="{FF2B5EF4-FFF2-40B4-BE49-F238E27FC236}">
-                <a16:creationId xmlns="" xmlns:a16="http://schemas.microsoft.com/office/drawing/2014/main" id="{8B3D119C-DBF5-4B4F-BE38-7BD7B5C8A5D0}"/>
+                <a16:creationId xmlns:a16="http://schemas.microsoft.com/office/drawing/2014/main" xmlns="" id="{8B3D119C-DBF5-4B4F-BE38-7BD7B5C8A5D0}"/>
               </a:ext>
             </a:extLst>
           </p:cNvPr>
@@ -24849,7 +24852,7 @@
           <p:cNvPr id="6" name="Title 1">
             <a:extLst>
               <a:ext uri="{FF2B5EF4-FFF2-40B4-BE49-F238E27FC236}">
-                <a16:creationId xmlns="" xmlns:a16="http://schemas.microsoft.com/office/drawing/2014/main" id="{BBC3BEE7-44AC-45BC-B4E7-93E3454EB83C}"/>
+                <a16:creationId xmlns:a16="http://schemas.microsoft.com/office/drawing/2014/main" xmlns="" id="{BBC3BEE7-44AC-45BC-B4E7-93E3454EB83C}"/>
               </a:ext>
             </a:extLst>
           </p:cNvPr>
@@ -24965,7 +24968,7 @@
           <p:cNvPr id="7" name="Rectangle 6">
             <a:extLst>
               <a:ext uri="{FF2B5EF4-FFF2-40B4-BE49-F238E27FC236}">
-                <a16:creationId xmlns="" xmlns:a16="http://schemas.microsoft.com/office/drawing/2014/main" id="{70E81F30-8FC8-4841-8404-4DC79218B945}"/>
+                <a16:creationId xmlns:a16="http://schemas.microsoft.com/office/drawing/2014/main" xmlns="" id="{70E81F30-8FC8-4841-8404-4DC79218B945}"/>
               </a:ext>
             </a:extLst>
           </p:cNvPr>
@@ -25017,7 +25020,7 @@
           <p:cNvPr id="25" name="Rectangle: Rounded Corners 24">
             <a:extLst>
               <a:ext uri="{FF2B5EF4-FFF2-40B4-BE49-F238E27FC236}">
-                <a16:creationId xmlns="" xmlns:a16="http://schemas.microsoft.com/office/drawing/2014/main" id="{83D29F65-481C-4C80-BB65-121E5AED26B5}"/>
+                <a16:creationId xmlns:a16="http://schemas.microsoft.com/office/drawing/2014/main" xmlns="" id="{83D29F65-481C-4C80-BB65-121E5AED26B5}"/>
               </a:ext>
             </a:extLst>
           </p:cNvPr>
@@ -25071,7 +25074,7 @@
           <p:cNvPr id="9" name="Rectangle 8">
             <a:extLst>
               <a:ext uri="{FF2B5EF4-FFF2-40B4-BE49-F238E27FC236}">
-                <a16:creationId xmlns="" xmlns:a16="http://schemas.microsoft.com/office/drawing/2014/main" id="{4BC39664-EB8B-4A32-915A-D4308F792772}"/>
+                <a16:creationId xmlns:a16="http://schemas.microsoft.com/office/drawing/2014/main" xmlns="" id="{4BC39664-EB8B-4A32-915A-D4308F792772}"/>
               </a:ext>
             </a:extLst>
           </p:cNvPr>
@@ -25123,7 +25126,7 @@
           <p:cNvPr id="15" name="Rectangle 14">
             <a:extLst>
               <a:ext uri="{FF2B5EF4-FFF2-40B4-BE49-F238E27FC236}">
-                <a16:creationId xmlns="" xmlns:a16="http://schemas.microsoft.com/office/drawing/2014/main" id="{AC6C03AE-289A-4BCC-971C-3400028C8764}"/>
+                <a16:creationId xmlns:a16="http://schemas.microsoft.com/office/drawing/2014/main" xmlns="" id="{AC6C03AE-289A-4BCC-971C-3400028C8764}"/>
               </a:ext>
             </a:extLst>
           </p:cNvPr>
@@ -25189,7 +25192,7 @@
           <p:cNvPr id="2" name="Title Placeholder 1">
             <a:extLst>
               <a:ext uri="{FF2B5EF4-FFF2-40B4-BE49-F238E27FC236}">
-                <a16:creationId xmlns="" xmlns:a16="http://schemas.microsoft.com/office/drawing/2014/main" id="{090F41A2-6535-4CA6-81E4-026A5B56D9D7}"/>
+                <a16:creationId xmlns:a16="http://schemas.microsoft.com/office/drawing/2014/main" xmlns="" id="{090F41A2-6535-4CA6-81E4-026A5B56D9D7}"/>
               </a:ext>
             </a:extLst>
           </p:cNvPr>
@@ -25227,7 +25230,7 @@
           <p:cNvPr id="3" name="Text Placeholder 2">
             <a:extLst>
               <a:ext uri="{FF2B5EF4-FFF2-40B4-BE49-F238E27FC236}">
-                <a16:creationId xmlns="" xmlns:a16="http://schemas.microsoft.com/office/drawing/2014/main" id="{213AB95C-7DD4-4796-80E4-1B7466A2A037}"/>
+                <a16:creationId xmlns:a16="http://schemas.microsoft.com/office/drawing/2014/main" xmlns="" id="{213AB95C-7DD4-4796-80E4-1B7466A2A037}"/>
               </a:ext>
             </a:extLst>
           </p:cNvPr>
@@ -25295,7 +25298,7 @@
           <p:cNvPr id="5" name="Footer Placeholder 4">
             <a:extLst>
               <a:ext uri="{FF2B5EF4-FFF2-40B4-BE49-F238E27FC236}">
-                <a16:creationId xmlns="" xmlns:a16="http://schemas.microsoft.com/office/drawing/2014/main" id="{58879C91-B77F-4273-9A27-A3535FB889DB}"/>
+                <a16:creationId xmlns:a16="http://schemas.microsoft.com/office/drawing/2014/main" xmlns="" id="{58879C91-B77F-4273-9A27-A3535FB889DB}"/>
               </a:ext>
             </a:extLst>
           </p:cNvPr>
@@ -25343,7 +25346,7 @@
           <p:cNvPr id="6" name="Slide Number Placeholder 5">
             <a:extLst>
               <a:ext uri="{FF2B5EF4-FFF2-40B4-BE49-F238E27FC236}">
-                <a16:creationId xmlns="" xmlns:a16="http://schemas.microsoft.com/office/drawing/2014/main" id="{5ECA3099-A94F-4C3E-BC29-780EDD38F722}"/>
+                <a16:creationId xmlns:a16="http://schemas.microsoft.com/office/drawing/2014/main" xmlns="" id="{5ECA3099-A94F-4C3E-BC29-780EDD38F722}"/>
               </a:ext>
             </a:extLst>
           </p:cNvPr>
@@ -25773,7 +25776,7 @@
           <p:cNvPr id="7" name="Picture Placeholder 6" descr="Slide image">
             <a:extLst>
               <a:ext uri="{FF2B5EF4-FFF2-40B4-BE49-F238E27FC236}">
-                <a16:creationId xmlns="" xmlns:a16="http://schemas.microsoft.com/office/drawing/2014/main" id="{FE5D908F-BAEF-2843-BC2F-691696E72E11}"/>
+                <a16:creationId xmlns:a16="http://schemas.microsoft.com/office/drawing/2014/main" xmlns="" id="{FE5D908F-BAEF-2843-BC2F-691696E72E11}"/>
               </a:ext>
             </a:extLst>
           </p:cNvPr>
@@ -25804,10 +25807,10 @@
           <p:cNvPr id="25" name="TextBox 24">
             <a:extLst>
               <a:ext uri="{FF2B5EF4-FFF2-40B4-BE49-F238E27FC236}">
-                <a16:creationId xmlns="" xmlns:a16="http://schemas.microsoft.com/office/drawing/2014/main" id="{7EF238CB-AB58-4787-8F9C-A1C16929A2FA}"/>
+                <a16:creationId xmlns:a16="http://schemas.microsoft.com/office/drawing/2014/main" xmlns="" id="{7EF238CB-AB58-4787-8F9C-A1C16929A2FA}"/>
               </a:ext>
               <a:ext uri="{C183D7F6-B498-43B3-948B-1728B52AA6E4}">
-                <adec:decorative xmlns="" xmlns:adec="http://schemas.microsoft.com/office/drawing/2017/decorative" val="1"/>
+                <adec:decorative xmlns:adec="http://schemas.microsoft.com/office/drawing/2017/decorative" xmlns="" val="1"/>
               </a:ext>
             </a:extLst>
           </p:cNvPr>
@@ -25945,7 +25948,7 @@
           <p:cNvPr id="3" name="Title 2">
             <a:extLst>
               <a:ext uri="{FF2B5EF4-FFF2-40B4-BE49-F238E27FC236}">
-                <a16:creationId xmlns="" xmlns:a16="http://schemas.microsoft.com/office/drawing/2014/main" id="{200B3D2B-613A-41BE-987D-E6A1324B456D}"/>
+                <a16:creationId xmlns:a16="http://schemas.microsoft.com/office/drawing/2014/main" xmlns="" id="{200B3D2B-613A-41BE-987D-E6A1324B456D}"/>
               </a:ext>
             </a:extLst>
           </p:cNvPr>
@@ -26001,7 +26004,7 @@
           <p:cNvPr id="4" name="Subtitle 3">
             <a:extLst>
               <a:ext uri="{FF2B5EF4-FFF2-40B4-BE49-F238E27FC236}">
-                <a16:creationId xmlns="" xmlns:a16="http://schemas.microsoft.com/office/drawing/2014/main" id="{4772945D-CA91-4CFE-8EB7-941C7618C994}"/>
+                <a16:creationId xmlns:a16="http://schemas.microsoft.com/office/drawing/2014/main" xmlns="" id="{4772945D-CA91-4CFE-8EB7-941C7618C994}"/>
               </a:ext>
             </a:extLst>
           </p:cNvPr>
@@ -26034,10 +26037,10 @@
           <p:cNvPr id="20" name="Isosceles Triangle 19">
             <a:extLst>
               <a:ext uri="{FF2B5EF4-FFF2-40B4-BE49-F238E27FC236}">
-                <a16:creationId xmlns="" xmlns:a16="http://schemas.microsoft.com/office/drawing/2014/main" id="{545D50A1-D634-4325-B06C-5450FDF7B818}"/>
+                <a16:creationId xmlns:a16="http://schemas.microsoft.com/office/drawing/2014/main" xmlns="" id="{545D50A1-D634-4325-B06C-5450FDF7B818}"/>
               </a:ext>
               <a:ext uri="{C183D7F6-B498-43B3-948B-1728B52AA6E4}">
-                <adec:decorative xmlns="" xmlns:adec="http://schemas.microsoft.com/office/drawing/2017/decorative" val="1"/>
+                <adec:decorative xmlns:adec="http://schemas.microsoft.com/office/drawing/2017/decorative" xmlns="" val="1"/>
               </a:ext>
             </a:extLst>
           </p:cNvPr>
@@ -26178,7 +26181,7 @@
           <p:cNvPr id="17" name="Picture Placeholder 16">
             <a:extLst>
               <a:ext uri="{FF2B5EF4-FFF2-40B4-BE49-F238E27FC236}">
-                <a16:creationId xmlns="" xmlns:a16="http://schemas.microsoft.com/office/drawing/2014/main" id="{893F9275-F9D8-C846-B8BE-3571B6BA9792}"/>
+                <a16:creationId xmlns:a16="http://schemas.microsoft.com/office/drawing/2014/main" xmlns="" id="{893F9275-F9D8-C846-B8BE-3571B6BA9792}"/>
               </a:ext>
             </a:extLst>
           </p:cNvPr>
@@ -26395,7 +26398,7 @@
           <p:cNvPr id="17" name="Picture Placeholder 16">
             <a:extLst>
               <a:ext uri="{FF2B5EF4-FFF2-40B4-BE49-F238E27FC236}">
-                <a16:creationId xmlns="" xmlns:a16="http://schemas.microsoft.com/office/drawing/2014/main" id="{893F9275-F9D8-C846-B8BE-3571B6BA9792}"/>
+                <a16:creationId xmlns:a16="http://schemas.microsoft.com/office/drawing/2014/main" xmlns="" id="{893F9275-F9D8-C846-B8BE-3571B6BA9792}"/>
               </a:ext>
             </a:extLst>
           </p:cNvPr>
@@ -26567,7 +26570,7 @@
           <p:cNvPr id="2" name="Title 1">
             <a:extLst>
               <a:ext uri="{FF2B5EF4-FFF2-40B4-BE49-F238E27FC236}">
-                <a16:creationId xmlns="" xmlns:a16="http://schemas.microsoft.com/office/drawing/2014/main" id="{19304E83-A4F0-49C5-BB01-F5773509A2B3}"/>
+                <a16:creationId xmlns:a16="http://schemas.microsoft.com/office/drawing/2014/main" xmlns="" id="{19304E83-A4F0-49C5-BB01-F5773509A2B3}"/>
               </a:ext>
             </a:extLst>
           </p:cNvPr>
@@ -26595,7 +26598,7 @@
           <p:cNvPr id="3" name="Text Placeholder 2">
             <a:extLst>
               <a:ext uri="{FF2B5EF4-FFF2-40B4-BE49-F238E27FC236}">
-                <a16:creationId xmlns="" xmlns:a16="http://schemas.microsoft.com/office/drawing/2014/main" id="{7CA42D59-EAD6-4F95-84F1-32A30F057856}"/>
+                <a16:creationId xmlns:a16="http://schemas.microsoft.com/office/drawing/2014/main" xmlns="" id="{7CA42D59-EAD6-4F95-84F1-32A30F057856}"/>
               </a:ext>
             </a:extLst>
           </p:cNvPr>
@@ -26623,7 +26626,7 @@
           <p:cNvPr id="4" name="Text Placeholder 3">
             <a:extLst>
               <a:ext uri="{FF2B5EF4-FFF2-40B4-BE49-F238E27FC236}">
-                <a16:creationId xmlns="" xmlns:a16="http://schemas.microsoft.com/office/drawing/2014/main" id="{6AB259A0-0017-492F-A0DC-4B70C7052AE0}"/>
+                <a16:creationId xmlns:a16="http://schemas.microsoft.com/office/drawing/2014/main" xmlns="" id="{6AB259A0-0017-492F-A0DC-4B70C7052AE0}"/>
               </a:ext>
             </a:extLst>
           </p:cNvPr>
@@ -26656,7 +26659,7 @@
           <p:cNvPr id="6" name="Text Placeholder 5">
             <a:extLst>
               <a:ext uri="{FF2B5EF4-FFF2-40B4-BE49-F238E27FC236}">
-                <a16:creationId xmlns="" xmlns:a16="http://schemas.microsoft.com/office/drawing/2014/main" id="{B237D1CA-B91A-410E-A968-D017BBE99F99}"/>
+                <a16:creationId xmlns:a16="http://schemas.microsoft.com/office/drawing/2014/main" xmlns="" id="{B237D1CA-B91A-410E-A968-D017BBE99F99}"/>
               </a:ext>
             </a:extLst>
           </p:cNvPr>
@@ -26689,7 +26692,7 @@
           <p:cNvPr id="7" name="Text Placeholder 6">
             <a:extLst>
               <a:ext uri="{FF2B5EF4-FFF2-40B4-BE49-F238E27FC236}">
-                <a16:creationId xmlns="" xmlns:a16="http://schemas.microsoft.com/office/drawing/2014/main" id="{26A87885-D672-4CF9-A78D-CFE98385B03A}"/>
+                <a16:creationId xmlns:a16="http://schemas.microsoft.com/office/drawing/2014/main" xmlns="" id="{26A87885-D672-4CF9-A78D-CFE98385B03A}"/>
               </a:ext>
             </a:extLst>
           </p:cNvPr>
@@ -26736,7 +26739,7 @@
           <p:cNvPr id="8" name="Slide Number Placeholder 7">
             <a:extLst>
               <a:ext uri="{FF2B5EF4-FFF2-40B4-BE49-F238E27FC236}">
-                <a16:creationId xmlns="" xmlns:a16="http://schemas.microsoft.com/office/drawing/2014/main" id="{E6AC9832-FB01-464A-9824-61887B77997E}"/>
+                <a16:creationId xmlns:a16="http://schemas.microsoft.com/office/drawing/2014/main" xmlns="" id="{E6AC9832-FB01-464A-9824-61887B77997E}"/>
               </a:ext>
             </a:extLst>
           </p:cNvPr>
@@ -26963,7 +26966,7 @@
           <p:cNvPr id="2" name="Title 1">
             <a:extLst>
               <a:ext uri="{FF2B5EF4-FFF2-40B4-BE49-F238E27FC236}">
-                <a16:creationId xmlns="" xmlns:a16="http://schemas.microsoft.com/office/drawing/2014/main" id="{19304E83-A4F0-49C5-BB01-F5773509A2B3}"/>
+                <a16:creationId xmlns:a16="http://schemas.microsoft.com/office/drawing/2014/main" xmlns="" id="{19304E83-A4F0-49C5-BB01-F5773509A2B3}"/>
               </a:ext>
             </a:extLst>
           </p:cNvPr>
@@ -26991,7 +26994,7 @@
           <p:cNvPr id="3" name="Text Placeholder 2">
             <a:extLst>
               <a:ext uri="{FF2B5EF4-FFF2-40B4-BE49-F238E27FC236}">
-                <a16:creationId xmlns="" xmlns:a16="http://schemas.microsoft.com/office/drawing/2014/main" id="{7CA42D59-EAD6-4F95-84F1-32A30F057856}"/>
+                <a16:creationId xmlns:a16="http://schemas.microsoft.com/office/drawing/2014/main" xmlns="" id="{7CA42D59-EAD6-4F95-84F1-32A30F057856}"/>
               </a:ext>
             </a:extLst>
           </p:cNvPr>
@@ -27019,7 +27022,7 @@
           <p:cNvPr id="4" name="Text Placeholder 3">
             <a:extLst>
               <a:ext uri="{FF2B5EF4-FFF2-40B4-BE49-F238E27FC236}">
-                <a16:creationId xmlns="" xmlns:a16="http://schemas.microsoft.com/office/drawing/2014/main" id="{6AB259A0-0017-492F-A0DC-4B70C7052AE0}"/>
+                <a16:creationId xmlns:a16="http://schemas.microsoft.com/office/drawing/2014/main" xmlns="" id="{6AB259A0-0017-492F-A0DC-4B70C7052AE0}"/>
               </a:ext>
             </a:extLst>
           </p:cNvPr>
@@ -27052,7 +27055,7 @@
           <p:cNvPr id="6" name="Text Placeholder 5">
             <a:extLst>
               <a:ext uri="{FF2B5EF4-FFF2-40B4-BE49-F238E27FC236}">
-                <a16:creationId xmlns="" xmlns:a16="http://schemas.microsoft.com/office/drawing/2014/main" id="{B237D1CA-B91A-410E-A968-D017BBE99F99}"/>
+                <a16:creationId xmlns:a16="http://schemas.microsoft.com/office/drawing/2014/main" xmlns="" id="{B237D1CA-B91A-410E-A968-D017BBE99F99}"/>
               </a:ext>
             </a:extLst>
           </p:cNvPr>
@@ -27085,7 +27088,7 @@
           <p:cNvPr id="7" name="Text Placeholder 6">
             <a:extLst>
               <a:ext uri="{FF2B5EF4-FFF2-40B4-BE49-F238E27FC236}">
-                <a16:creationId xmlns="" xmlns:a16="http://schemas.microsoft.com/office/drawing/2014/main" id="{26A87885-D672-4CF9-A78D-CFE98385B03A}"/>
+                <a16:creationId xmlns:a16="http://schemas.microsoft.com/office/drawing/2014/main" xmlns="" id="{26A87885-D672-4CF9-A78D-CFE98385B03A}"/>
               </a:ext>
             </a:extLst>
           </p:cNvPr>
@@ -27132,7 +27135,7 @@
           <p:cNvPr id="8" name="Slide Number Placeholder 7">
             <a:extLst>
               <a:ext uri="{FF2B5EF4-FFF2-40B4-BE49-F238E27FC236}">
-                <a16:creationId xmlns="" xmlns:a16="http://schemas.microsoft.com/office/drawing/2014/main" id="{E6AC9832-FB01-464A-9824-61887B77997E}"/>
+                <a16:creationId xmlns:a16="http://schemas.microsoft.com/office/drawing/2014/main" xmlns="" id="{E6AC9832-FB01-464A-9824-61887B77997E}"/>
               </a:ext>
             </a:extLst>
           </p:cNvPr>
@@ -27371,7 +27374,7 @@
           <p:cNvPr id="2" name="Title 1">
             <a:extLst>
               <a:ext uri="{FF2B5EF4-FFF2-40B4-BE49-F238E27FC236}">
-                <a16:creationId xmlns="" xmlns:a16="http://schemas.microsoft.com/office/drawing/2014/main" id="{19304E83-A4F0-49C5-BB01-F5773509A2B3}"/>
+                <a16:creationId xmlns:a16="http://schemas.microsoft.com/office/drawing/2014/main" xmlns="" id="{19304E83-A4F0-49C5-BB01-F5773509A2B3}"/>
               </a:ext>
             </a:extLst>
           </p:cNvPr>
@@ -27399,7 +27402,7 @@
           <p:cNvPr id="3" name="Text Placeholder 2">
             <a:extLst>
               <a:ext uri="{FF2B5EF4-FFF2-40B4-BE49-F238E27FC236}">
-                <a16:creationId xmlns="" xmlns:a16="http://schemas.microsoft.com/office/drawing/2014/main" id="{7CA42D59-EAD6-4F95-84F1-32A30F057856}"/>
+                <a16:creationId xmlns:a16="http://schemas.microsoft.com/office/drawing/2014/main" xmlns="" id="{7CA42D59-EAD6-4F95-84F1-32A30F057856}"/>
               </a:ext>
             </a:extLst>
           </p:cNvPr>
@@ -27427,7 +27430,7 @@
           <p:cNvPr id="4" name="Text Placeholder 3">
             <a:extLst>
               <a:ext uri="{FF2B5EF4-FFF2-40B4-BE49-F238E27FC236}">
-                <a16:creationId xmlns="" xmlns:a16="http://schemas.microsoft.com/office/drawing/2014/main" id="{6AB259A0-0017-492F-A0DC-4B70C7052AE0}"/>
+                <a16:creationId xmlns:a16="http://schemas.microsoft.com/office/drawing/2014/main" xmlns="" id="{6AB259A0-0017-492F-A0DC-4B70C7052AE0}"/>
               </a:ext>
             </a:extLst>
           </p:cNvPr>
@@ -27460,7 +27463,7 @@
           <p:cNvPr id="6" name="Text Placeholder 5">
             <a:extLst>
               <a:ext uri="{FF2B5EF4-FFF2-40B4-BE49-F238E27FC236}">
-                <a16:creationId xmlns="" xmlns:a16="http://schemas.microsoft.com/office/drawing/2014/main" id="{B237D1CA-B91A-410E-A968-D017BBE99F99}"/>
+                <a16:creationId xmlns:a16="http://schemas.microsoft.com/office/drawing/2014/main" xmlns="" id="{B237D1CA-B91A-410E-A968-D017BBE99F99}"/>
               </a:ext>
             </a:extLst>
           </p:cNvPr>
@@ -27493,7 +27496,7 @@
           <p:cNvPr id="7" name="Text Placeholder 6">
             <a:extLst>
               <a:ext uri="{FF2B5EF4-FFF2-40B4-BE49-F238E27FC236}">
-                <a16:creationId xmlns="" xmlns:a16="http://schemas.microsoft.com/office/drawing/2014/main" id="{26A87885-D672-4CF9-A78D-CFE98385B03A}"/>
+                <a16:creationId xmlns:a16="http://schemas.microsoft.com/office/drawing/2014/main" xmlns="" id="{26A87885-D672-4CF9-A78D-CFE98385B03A}"/>
               </a:ext>
             </a:extLst>
           </p:cNvPr>
@@ -27540,7 +27543,7 @@
           <p:cNvPr id="8" name="Slide Number Placeholder 7">
             <a:extLst>
               <a:ext uri="{FF2B5EF4-FFF2-40B4-BE49-F238E27FC236}">
-                <a16:creationId xmlns="" xmlns:a16="http://schemas.microsoft.com/office/drawing/2014/main" id="{E6AC9832-FB01-464A-9824-61887B77997E}"/>
+                <a16:creationId xmlns:a16="http://schemas.microsoft.com/office/drawing/2014/main" xmlns="" id="{E6AC9832-FB01-464A-9824-61887B77997E}"/>
               </a:ext>
             </a:extLst>
           </p:cNvPr>
@@ -27667,7 +27670,7 @@
           <p:cNvPr id="3" name="Text Placeholder 2">
             <a:extLst>
               <a:ext uri="{FF2B5EF4-FFF2-40B4-BE49-F238E27FC236}">
-                <a16:creationId xmlns="" xmlns:a16="http://schemas.microsoft.com/office/drawing/2014/main" id="{7CA42D59-EAD6-4F95-84F1-32A30F057856}"/>
+                <a16:creationId xmlns:a16="http://schemas.microsoft.com/office/drawing/2014/main" xmlns="" id="{7CA42D59-EAD6-4F95-84F1-32A30F057856}"/>
               </a:ext>
             </a:extLst>
           </p:cNvPr>
@@ -27695,7 +27698,7 @@
           <p:cNvPr id="4" name="Text Placeholder 3">
             <a:extLst>
               <a:ext uri="{FF2B5EF4-FFF2-40B4-BE49-F238E27FC236}">
-                <a16:creationId xmlns="" xmlns:a16="http://schemas.microsoft.com/office/drawing/2014/main" id="{6AB259A0-0017-492F-A0DC-4B70C7052AE0}"/>
+                <a16:creationId xmlns:a16="http://schemas.microsoft.com/office/drawing/2014/main" xmlns="" id="{6AB259A0-0017-492F-A0DC-4B70C7052AE0}"/>
               </a:ext>
             </a:extLst>
           </p:cNvPr>
@@ -27728,7 +27731,7 @@
           <p:cNvPr id="6" name="Text Placeholder 5">
             <a:extLst>
               <a:ext uri="{FF2B5EF4-FFF2-40B4-BE49-F238E27FC236}">
-                <a16:creationId xmlns="" xmlns:a16="http://schemas.microsoft.com/office/drawing/2014/main" id="{B237D1CA-B91A-410E-A968-D017BBE99F99}"/>
+                <a16:creationId xmlns:a16="http://schemas.microsoft.com/office/drawing/2014/main" xmlns="" id="{B237D1CA-B91A-410E-A968-D017BBE99F99}"/>
               </a:ext>
             </a:extLst>
           </p:cNvPr>
@@ -27761,7 +27764,7 @@
           <p:cNvPr id="7" name="Text Placeholder 6">
             <a:extLst>
               <a:ext uri="{FF2B5EF4-FFF2-40B4-BE49-F238E27FC236}">
-                <a16:creationId xmlns="" xmlns:a16="http://schemas.microsoft.com/office/drawing/2014/main" id="{26A87885-D672-4CF9-A78D-CFE98385B03A}"/>
+                <a16:creationId xmlns:a16="http://schemas.microsoft.com/office/drawing/2014/main" xmlns="" id="{26A87885-D672-4CF9-A78D-CFE98385B03A}"/>
               </a:ext>
             </a:extLst>
           </p:cNvPr>
@@ -27808,7 +27811,7 @@
           <p:cNvPr id="8" name="Slide Number Placeholder 7">
             <a:extLst>
               <a:ext uri="{FF2B5EF4-FFF2-40B4-BE49-F238E27FC236}">
-                <a16:creationId xmlns="" xmlns:a16="http://schemas.microsoft.com/office/drawing/2014/main" id="{E6AC9832-FB01-464A-9824-61887B77997E}"/>
+                <a16:creationId xmlns:a16="http://schemas.microsoft.com/office/drawing/2014/main" xmlns="" id="{E6AC9832-FB01-464A-9824-61887B77997E}"/>
               </a:ext>
             </a:extLst>
           </p:cNvPr>
@@ -27898,7 +27901,7 @@
           <p:cNvPr id="2" name="Title 1">
             <a:extLst>
               <a:ext uri="{FF2B5EF4-FFF2-40B4-BE49-F238E27FC236}">
-                <a16:creationId xmlns="" xmlns:a16="http://schemas.microsoft.com/office/drawing/2014/main" id="{19304E83-A4F0-49C5-BB01-F5773509A2B3}"/>
+                <a16:creationId xmlns:a16="http://schemas.microsoft.com/office/drawing/2014/main" xmlns="" id="{19304E83-A4F0-49C5-BB01-F5773509A2B3}"/>
               </a:ext>
             </a:extLst>
           </p:cNvPr>
@@ -28024,7 +28027,7 @@
           <p:cNvPr id="3" name="Text Placeholder 2">
             <a:extLst>
               <a:ext uri="{FF2B5EF4-FFF2-40B4-BE49-F238E27FC236}">
-                <a16:creationId xmlns="" xmlns:a16="http://schemas.microsoft.com/office/drawing/2014/main" id="{7CA42D59-EAD6-4F95-84F1-32A30F057856}"/>
+                <a16:creationId xmlns:a16="http://schemas.microsoft.com/office/drawing/2014/main" xmlns="" id="{7CA42D59-EAD6-4F95-84F1-32A30F057856}"/>
               </a:ext>
             </a:extLst>
           </p:cNvPr>
@@ -28052,7 +28055,7 @@
           <p:cNvPr id="4" name="Text Placeholder 3">
             <a:extLst>
               <a:ext uri="{FF2B5EF4-FFF2-40B4-BE49-F238E27FC236}">
-                <a16:creationId xmlns="" xmlns:a16="http://schemas.microsoft.com/office/drawing/2014/main" id="{6AB259A0-0017-492F-A0DC-4B70C7052AE0}"/>
+                <a16:creationId xmlns:a16="http://schemas.microsoft.com/office/drawing/2014/main" xmlns="" id="{6AB259A0-0017-492F-A0DC-4B70C7052AE0}"/>
               </a:ext>
             </a:extLst>
           </p:cNvPr>
@@ -28085,7 +28088,7 @@
           <p:cNvPr id="6" name="Text Placeholder 5">
             <a:extLst>
               <a:ext uri="{FF2B5EF4-FFF2-40B4-BE49-F238E27FC236}">
-                <a16:creationId xmlns="" xmlns:a16="http://schemas.microsoft.com/office/drawing/2014/main" id="{B237D1CA-B91A-410E-A968-D017BBE99F99}"/>
+                <a16:creationId xmlns:a16="http://schemas.microsoft.com/office/drawing/2014/main" xmlns="" id="{B237D1CA-B91A-410E-A968-D017BBE99F99}"/>
               </a:ext>
             </a:extLst>
           </p:cNvPr>
@@ -28118,7 +28121,7 @@
           <p:cNvPr id="7" name="Text Placeholder 6">
             <a:extLst>
               <a:ext uri="{FF2B5EF4-FFF2-40B4-BE49-F238E27FC236}">
-                <a16:creationId xmlns="" xmlns:a16="http://schemas.microsoft.com/office/drawing/2014/main" id="{26A87885-D672-4CF9-A78D-CFE98385B03A}"/>
+                <a16:creationId xmlns:a16="http://schemas.microsoft.com/office/drawing/2014/main" xmlns="" id="{26A87885-D672-4CF9-A78D-CFE98385B03A}"/>
               </a:ext>
             </a:extLst>
           </p:cNvPr>
@@ -28165,7 +28168,7 @@
           <p:cNvPr id="8" name="Slide Number Placeholder 7">
             <a:extLst>
               <a:ext uri="{FF2B5EF4-FFF2-40B4-BE49-F238E27FC236}">
-                <a16:creationId xmlns="" xmlns:a16="http://schemas.microsoft.com/office/drawing/2014/main" id="{E6AC9832-FB01-464A-9824-61887B77997E}"/>
+                <a16:creationId xmlns:a16="http://schemas.microsoft.com/office/drawing/2014/main" xmlns="" id="{E6AC9832-FB01-464A-9824-61887B77997E}"/>
               </a:ext>
             </a:extLst>
           </p:cNvPr>
@@ -28225,7 +28228,7 @@
           <p:cNvPr id="2" name="Title 1">
             <a:extLst>
               <a:ext uri="{FF2B5EF4-FFF2-40B4-BE49-F238E27FC236}">
-                <a16:creationId xmlns="" xmlns:a16="http://schemas.microsoft.com/office/drawing/2014/main" id="{19304E83-A4F0-49C5-BB01-F5773509A2B3}"/>
+                <a16:creationId xmlns:a16="http://schemas.microsoft.com/office/drawing/2014/main" xmlns="" id="{19304E83-A4F0-49C5-BB01-F5773509A2B3}"/>
               </a:ext>
             </a:extLst>
           </p:cNvPr>
@@ -28381,7 +28384,7 @@
           <p:cNvPr id="2" name="Title 1">
             <a:extLst>
               <a:ext uri="{FF2B5EF4-FFF2-40B4-BE49-F238E27FC236}">
-                <a16:creationId xmlns="" xmlns:a16="http://schemas.microsoft.com/office/drawing/2014/main" id="{19304E83-A4F0-49C5-BB01-F5773509A2B3}"/>
+                <a16:creationId xmlns:a16="http://schemas.microsoft.com/office/drawing/2014/main" xmlns="" id="{19304E83-A4F0-49C5-BB01-F5773509A2B3}"/>
               </a:ext>
             </a:extLst>
           </p:cNvPr>
@@ -28409,7 +28412,7 @@
           <p:cNvPr id="3" name="Text Placeholder 2">
             <a:extLst>
               <a:ext uri="{FF2B5EF4-FFF2-40B4-BE49-F238E27FC236}">
-                <a16:creationId xmlns="" xmlns:a16="http://schemas.microsoft.com/office/drawing/2014/main" id="{7CA42D59-EAD6-4F95-84F1-32A30F057856}"/>
+                <a16:creationId xmlns:a16="http://schemas.microsoft.com/office/drawing/2014/main" xmlns="" id="{7CA42D59-EAD6-4F95-84F1-32A30F057856}"/>
               </a:ext>
             </a:extLst>
           </p:cNvPr>
@@ -28437,7 +28440,7 @@
           <p:cNvPr id="4" name="Text Placeholder 3">
             <a:extLst>
               <a:ext uri="{FF2B5EF4-FFF2-40B4-BE49-F238E27FC236}">
-                <a16:creationId xmlns="" xmlns:a16="http://schemas.microsoft.com/office/drawing/2014/main" id="{6AB259A0-0017-492F-A0DC-4B70C7052AE0}"/>
+                <a16:creationId xmlns:a16="http://schemas.microsoft.com/office/drawing/2014/main" xmlns="" id="{6AB259A0-0017-492F-A0DC-4B70C7052AE0}"/>
               </a:ext>
             </a:extLst>
           </p:cNvPr>
@@ -28470,7 +28473,7 @@
           <p:cNvPr id="6" name="Text Placeholder 5">
             <a:extLst>
               <a:ext uri="{FF2B5EF4-FFF2-40B4-BE49-F238E27FC236}">
-                <a16:creationId xmlns="" xmlns:a16="http://schemas.microsoft.com/office/drawing/2014/main" id="{B237D1CA-B91A-410E-A968-D017BBE99F99}"/>
+                <a16:creationId xmlns:a16="http://schemas.microsoft.com/office/drawing/2014/main" xmlns="" id="{B237D1CA-B91A-410E-A968-D017BBE99F99}"/>
               </a:ext>
             </a:extLst>
           </p:cNvPr>
@@ -28503,7 +28506,7 @@
           <p:cNvPr id="7" name="Text Placeholder 6">
             <a:extLst>
               <a:ext uri="{FF2B5EF4-FFF2-40B4-BE49-F238E27FC236}">
-                <a16:creationId xmlns="" xmlns:a16="http://schemas.microsoft.com/office/drawing/2014/main" id="{26A87885-D672-4CF9-A78D-CFE98385B03A}"/>
+                <a16:creationId xmlns:a16="http://schemas.microsoft.com/office/drawing/2014/main" xmlns="" id="{26A87885-D672-4CF9-A78D-CFE98385B03A}"/>
               </a:ext>
             </a:extLst>
           </p:cNvPr>
@@ -28550,7 +28553,7 @@
           <p:cNvPr id="8" name="Slide Number Placeholder 7">
             <a:extLst>
               <a:ext uri="{FF2B5EF4-FFF2-40B4-BE49-F238E27FC236}">
-                <a16:creationId xmlns="" xmlns:a16="http://schemas.microsoft.com/office/drawing/2014/main" id="{E6AC9832-FB01-464A-9824-61887B77997E}"/>
+                <a16:creationId xmlns:a16="http://schemas.microsoft.com/office/drawing/2014/main" xmlns="" id="{E6AC9832-FB01-464A-9824-61887B77997E}"/>
               </a:ext>
             </a:extLst>
           </p:cNvPr>
@@ -28672,12 +28675,2261 @@
           <a:chExt cx="0" cy="0"/>
         </a:xfrm>
       </p:grpSpPr>
+      <p:pic>
+        <p:nvPicPr>
+          <p:cNvPr id="1026" name="Picture 2" descr="Mixed Race woman sitting on bed meditating"/>
+          <p:cNvPicPr>
+            <a:picLocks noChangeAspect="1" noChangeArrowheads="1"/>
+          </p:cNvPicPr>
+          <p:nvPr/>
+        </p:nvPicPr>
+        <p:blipFill>
+          <a:blip r:embed="rId2">
+            <a:extLst>
+              <a:ext uri="{28A0092B-C50C-407E-A947-70E740481C1C}">
+                <a14:useLocalDpi xmlns:a14="http://schemas.microsoft.com/office/drawing/2010/main" val="0"/>
+              </a:ext>
+            </a:extLst>
+          </a:blip>
+          <a:srcRect/>
+          <a:stretch>
+            <a:fillRect/>
+          </a:stretch>
+        </p:blipFill>
+        <p:spPr bwMode="auto">
+          <a:xfrm>
+            <a:off x="-1" y="10757"/>
+            <a:ext cx="12371294" cy="6847243"/>
+          </a:xfrm>
+          <a:prstGeom prst="rect">
+            <a:avLst/>
+          </a:prstGeom>
+          <a:noFill/>
+          <a:extLst>
+            <a:ext uri="{909E8E84-426E-40DD-AFC4-6F175D3DCCD1}">
+              <a14:hiddenFill xmlns:a14="http://schemas.microsoft.com/office/drawing/2010/main">
+                <a:solidFill>
+                  <a:srgbClr val="FFFFFF"/>
+                </a:solidFill>
+              </a14:hiddenFill>
+            </a:ext>
+          </a:extLst>
+        </p:spPr>
+      </p:pic>
+      <p:sp>
+        <p:nvSpPr>
+          <p:cNvPr id="12" name="Title 11">
+            <a:extLst>
+              <a:ext uri="{FF2B5EF4-FFF2-40B4-BE49-F238E27FC236}">
+                <a16:creationId xmlns:a16="http://schemas.microsoft.com/office/drawing/2014/main" xmlns="" id="{D8744987-7958-44D9-AE6F-009CA4C08875}"/>
+              </a:ext>
+            </a:extLst>
+          </p:cNvPr>
+          <p:cNvSpPr>
+            <a:spLocks noGrp="1"/>
+          </p:cNvSpPr>
+          <p:nvPr>
+            <p:ph type="ctrTitle"/>
+          </p:nvPr>
+        </p:nvSpPr>
+        <p:spPr>
+          <a:xfrm>
+            <a:off x="635389" y="5927482"/>
+            <a:ext cx="11100513" cy="616619"/>
+          </a:xfrm>
+          <a:gradFill flip="none" rotWithShape="1">
+            <a:gsLst>
+              <a:gs pos="0">
+                <a:schemeClr val="accent6">
+                  <a:lumMod val="67000"/>
+                </a:schemeClr>
+              </a:gs>
+              <a:gs pos="32000">
+                <a:schemeClr val="accent6">
+                  <a:lumMod val="97000"/>
+                  <a:lumOff val="3000"/>
+                </a:schemeClr>
+              </a:gs>
+              <a:gs pos="97000">
+                <a:schemeClr val="accent6">
+                  <a:lumMod val="60000"/>
+                  <a:lumOff val="40000"/>
+                  <a:alpha val="66000"/>
+                </a:schemeClr>
+              </a:gs>
+            </a:gsLst>
+            <a:lin ang="16200000" scaled="1"/>
+            <a:tileRect/>
+          </a:gradFill>
+          <a:ln>
+            <a:noFill/>
+          </a:ln>
+          <a:effectLst>
+            <a:outerShdw blurRad="50800" dist="25400" dir="8340000" sx="1000" sy="1000" algn="ctr" rotWithShape="0">
+              <a:srgbClr val="000000">
+                <a:alpha val="62000"/>
+              </a:srgbClr>
+            </a:outerShdw>
+          </a:effectLst>
+        </p:spPr>
+        <p:txBody>
+          <a:bodyPr/>
+          <a:lstStyle/>
+          <a:p>
+            <a:r>
+              <a:rPr lang="en-US" sz="2000" dirty="0"/>
+              <a:t>Studies show that meditating on gratitude can impact the pathways in our brains that promote positivity.</a:t>
+            </a:r>
+          </a:p>
+        </p:txBody>
+      </p:sp>
+      <p:sp>
+        <p:nvSpPr>
+          <p:cNvPr id="10" name="Title 11">
+            <a:extLst>
+              <a:ext uri="{FF2B5EF4-FFF2-40B4-BE49-F238E27FC236}">
+                <a16:creationId xmlns:a16="http://schemas.microsoft.com/office/drawing/2014/main" xmlns="" id="{D8744987-7958-44D9-AE6F-009CA4C08875}"/>
+              </a:ext>
+            </a:extLst>
+          </p:cNvPr>
+          <p:cNvSpPr txBox="1">
+            <a:spLocks/>
+          </p:cNvSpPr>
+          <p:nvPr/>
+        </p:nvSpPr>
+        <p:spPr>
+          <a:xfrm>
+            <a:off x="-124891" y="1265597"/>
+            <a:ext cx="4643103" cy="616619"/>
+          </a:xfrm>
+          <a:prstGeom prst="roundRect">
+            <a:avLst>
+              <a:gd name="adj" fmla="val 10086"/>
+            </a:avLst>
+          </a:prstGeom>
+          <a:gradFill flip="none" rotWithShape="1">
+            <a:gsLst>
+              <a:gs pos="53000">
+                <a:schemeClr val="tx1">
+                  <a:lumMod val="68000"/>
+                  <a:lumOff val="32000"/>
+                  <a:alpha val="40000"/>
+                </a:schemeClr>
+              </a:gs>
+              <a:gs pos="28000">
+                <a:schemeClr val="tx1">
+                  <a:lumMod val="75000"/>
+                  <a:lumOff val="25000"/>
+                </a:schemeClr>
+              </a:gs>
+            </a:gsLst>
+            <a:lin ang="0" scaled="1"/>
+            <a:tileRect/>
+          </a:gradFill>
+          <a:ln>
+            <a:noFill/>
+          </a:ln>
+          <a:effectLst>
+            <a:outerShdw blurRad="50800" dist="25400" dir="8340000" sx="1000" sy="1000" algn="ctr" rotWithShape="0">
+              <a:srgbClr val="000000">
+                <a:alpha val="62000"/>
+              </a:srgbClr>
+            </a:outerShdw>
+          </a:effectLst>
+        </p:spPr>
+        <p:txBody>
+          <a:bodyPr vert="horz" lIns="180000" tIns="108000" rIns="180000" bIns="0" rtlCol="0" anchor="t">
+            <a:noAutofit/>
+          </a:bodyPr>
+          <a:lstStyle>
+            <a:lvl1pPr algn="l" defTabSz="914400" rtl="0" eaLnBrk="1" latinLnBrk="0" hangingPunct="1">
+              <a:lnSpc>
+                <a:spcPct val="100000"/>
+              </a:lnSpc>
+              <a:spcBef>
+                <a:spcPct val="0"/>
+              </a:spcBef>
+              <a:buNone/>
+              <a:defRPr sz="1800" b="0" kern="1200" spc="0">
+                <a:solidFill>
+                  <a:schemeClr val="bg1">
+                    <a:lumMod val="95000"/>
+                  </a:schemeClr>
+                </a:solidFill>
+                <a:latin typeface="+mn-lt"/>
+                <a:ea typeface="+mj-ea"/>
+                <a:cs typeface="+mj-cs"/>
+              </a:defRPr>
+            </a:lvl1pPr>
+          </a:lstStyle>
+          <a:p>
+            <a:r>
+              <a:rPr lang="en-US" sz="2000" dirty="0"/>
+              <a:t>Get motivation from a voice </a:t>
+            </a:r>
+            <a:r>
+              <a:rPr lang="en-US" sz="2000" dirty="0" smtClean="0"/>
+              <a:t>assistant</a:t>
+            </a:r>
+            <a:endParaRPr lang="en-US" sz="2000" dirty="0"/>
+          </a:p>
+        </p:txBody>
+      </p:sp>
+      <p:sp>
+        <p:nvSpPr>
+          <p:cNvPr id="11" name="Title 11">
+            <a:extLst>
+              <a:ext uri="{FF2B5EF4-FFF2-40B4-BE49-F238E27FC236}">
+                <a16:creationId xmlns:a16="http://schemas.microsoft.com/office/drawing/2014/main" xmlns="" id="{D8744987-7958-44D9-AE6F-009CA4C08875}"/>
+              </a:ext>
+            </a:extLst>
+          </p:cNvPr>
+          <p:cNvSpPr txBox="1">
+            <a:spLocks/>
+          </p:cNvSpPr>
+          <p:nvPr/>
+        </p:nvSpPr>
+        <p:spPr>
+          <a:xfrm>
+            <a:off x="-124891" y="2596189"/>
+            <a:ext cx="3930409" cy="616619"/>
+          </a:xfrm>
+          <a:prstGeom prst="roundRect">
+            <a:avLst>
+              <a:gd name="adj" fmla="val 10086"/>
+            </a:avLst>
+          </a:prstGeom>
+          <a:gradFill flip="none" rotWithShape="1">
+            <a:gsLst>
+              <a:gs pos="53000">
+                <a:schemeClr val="tx1">
+                  <a:lumMod val="68000"/>
+                  <a:lumOff val="32000"/>
+                  <a:alpha val="40000"/>
+                </a:schemeClr>
+              </a:gs>
+              <a:gs pos="28000">
+                <a:schemeClr val="tx1">
+                  <a:lumMod val="75000"/>
+                  <a:lumOff val="25000"/>
+                </a:schemeClr>
+              </a:gs>
+            </a:gsLst>
+            <a:lin ang="0" scaled="1"/>
+            <a:tileRect/>
+          </a:gradFill>
+          <a:ln>
+            <a:noFill/>
+          </a:ln>
+          <a:effectLst>
+            <a:outerShdw blurRad="50800" dist="25400" dir="8340000" sx="1000" sy="1000" algn="ctr" rotWithShape="0">
+              <a:srgbClr val="000000">
+                <a:alpha val="62000"/>
+              </a:srgbClr>
+            </a:outerShdw>
+          </a:effectLst>
+        </p:spPr>
+        <p:txBody>
+          <a:bodyPr vert="horz" lIns="180000" tIns="108000" rIns="180000" bIns="0" rtlCol="0" anchor="t">
+            <a:noAutofit/>
+          </a:bodyPr>
+          <a:lstStyle>
+            <a:defPPr>
+              <a:defRPr lang="en-US"/>
+            </a:defPPr>
+            <a:lvl1pPr>
+              <a:lnSpc>
+                <a:spcPct val="100000"/>
+              </a:lnSpc>
+              <a:spcBef>
+                <a:spcPct val="0"/>
+              </a:spcBef>
+              <a:buNone/>
+              <a:defRPr sz="2000" b="0" spc="0">
+                <a:solidFill>
+                  <a:schemeClr val="bg1">
+                    <a:lumMod val="95000"/>
+                  </a:schemeClr>
+                </a:solidFill>
+                <a:ea typeface="+mj-ea"/>
+                <a:cs typeface="+mj-cs"/>
+              </a:defRPr>
+            </a:lvl1pPr>
+          </a:lstStyle>
+          <a:p>
+            <a:r>
+              <a:rPr lang="en-US" dirty="0"/>
+              <a:t>Set step-tracking goals</a:t>
+            </a:r>
+          </a:p>
+        </p:txBody>
+      </p:sp>
+      <p:sp>
+        <p:nvSpPr>
+          <p:cNvPr id="13" name="Title 11">
+            <a:extLst>
+              <a:ext uri="{FF2B5EF4-FFF2-40B4-BE49-F238E27FC236}">
+                <a16:creationId xmlns:a16="http://schemas.microsoft.com/office/drawing/2014/main" xmlns="" id="{D8744987-7958-44D9-AE6F-009CA4C08875}"/>
+              </a:ext>
+            </a:extLst>
+          </p:cNvPr>
+          <p:cNvSpPr txBox="1">
+            <a:spLocks/>
+          </p:cNvSpPr>
+          <p:nvPr/>
+        </p:nvSpPr>
+        <p:spPr>
+          <a:xfrm>
+            <a:off x="-124891" y="3926781"/>
+            <a:ext cx="4643104" cy="616619"/>
+          </a:xfrm>
+          <a:prstGeom prst="roundRect">
+            <a:avLst>
+              <a:gd name="adj" fmla="val 10086"/>
+            </a:avLst>
+          </a:prstGeom>
+          <a:gradFill flip="none" rotWithShape="1">
+            <a:gsLst>
+              <a:gs pos="53000">
+                <a:schemeClr val="tx1">
+                  <a:lumMod val="68000"/>
+                  <a:lumOff val="32000"/>
+                  <a:alpha val="40000"/>
+                </a:schemeClr>
+              </a:gs>
+              <a:gs pos="28000">
+                <a:schemeClr val="tx1">
+                  <a:lumMod val="75000"/>
+                  <a:lumOff val="25000"/>
+                </a:schemeClr>
+              </a:gs>
+            </a:gsLst>
+            <a:lin ang="0" scaled="1"/>
+            <a:tileRect/>
+          </a:gradFill>
+          <a:ln>
+            <a:noFill/>
+          </a:ln>
+          <a:effectLst>
+            <a:outerShdw blurRad="50800" dist="25400" dir="8340000" sx="1000" sy="1000" algn="ctr" rotWithShape="0">
+              <a:srgbClr val="000000">
+                <a:alpha val="62000"/>
+              </a:srgbClr>
+            </a:outerShdw>
+          </a:effectLst>
+        </p:spPr>
+        <p:txBody>
+          <a:bodyPr vert="horz" lIns="180000" tIns="108000" rIns="180000" bIns="0" rtlCol="0" anchor="t">
+            <a:noAutofit/>
+          </a:bodyPr>
+          <a:lstStyle>
+            <a:defPPr>
+              <a:defRPr lang="en-US"/>
+            </a:defPPr>
+            <a:lvl1pPr>
+              <a:lnSpc>
+                <a:spcPct val="100000"/>
+              </a:lnSpc>
+              <a:spcBef>
+                <a:spcPct val="0"/>
+              </a:spcBef>
+              <a:buNone/>
+              <a:defRPr sz="2000" b="0" spc="0">
+                <a:solidFill>
+                  <a:schemeClr val="bg1">
+                    <a:lumMod val="95000"/>
+                  </a:schemeClr>
+                </a:solidFill>
+                <a:ea typeface="+mj-ea"/>
+                <a:cs typeface="+mj-cs"/>
+              </a:defRPr>
+            </a:lvl1pPr>
+          </a:lstStyle>
+          <a:p>
+            <a:r>
+              <a:rPr lang="en-US" dirty="0"/>
+              <a:t>Studies show that meditating on.</a:t>
+            </a:r>
+          </a:p>
+        </p:txBody>
+      </p:sp>
+      <p:sp>
+        <p:nvSpPr>
+          <p:cNvPr id="14" name="Title 11">
+            <a:extLst>
+              <a:ext uri="{FF2B5EF4-FFF2-40B4-BE49-F238E27FC236}">
+                <a16:creationId xmlns:a16="http://schemas.microsoft.com/office/drawing/2014/main" xmlns="" id="{D8744987-7958-44D9-AE6F-009CA4C08875}"/>
+              </a:ext>
+            </a:extLst>
+          </p:cNvPr>
+          <p:cNvSpPr txBox="1">
+            <a:spLocks/>
+          </p:cNvSpPr>
+          <p:nvPr/>
+        </p:nvSpPr>
+        <p:spPr>
+          <a:xfrm>
+            <a:off x="7853079" y="1265597"/>
+            <a:ext cx="4643103" cy="616619"/>
+          </a:xfrm>
+          <a:prstGeom prst="roundRect">
+            <a:avLst>
+              <a:gd name="adj" fmla="val 10086"/>
+            </a:avLst>
+          </a:prstGeom>
+          <a:gradFill flip="none" rotWithShape="1">
+            <a:gsLst>
+              <a:gs pos="53000">
+                <a:schemeClr val="tx1">
+                  <a:lumMod val="68000"/>
+                  <a:lumOff val="32000"/>
+                  <a:alpha val="40000"/>
+                </a:schemeClr>
+              </a:gs>
+              <a:gs pos="28000">
+                <a:schemeClr val="tx1">
+                  <a:lumMod val="75000"/>
+                  <a:lumOff val="25000"/>
+                </a:schemeClr>
+              </a:gs>
+            </a:gsLst>
+            <a:lin ang="10800000" scaled="1"/>
+            <a:tileRect/>
+          </a:gradFill>
+          <a:ln>
+            <a:noFill/>
+          </a:ln>
+          <a:effectLst>
+            <a:outerShdw blurRad="50800" dist="25400" dir="8340000" sx="1000" sy="1000" algn="ctr" rotWithShape="0">
+              <a:srgbClr val="000000">
+                <a:alpha val="62000"/>
+              </a:srgbClr>
+            </a:outerShdw>
+          </a:effectLst>
+        </p:spPr>
+        <p:txBody>
+          <a:bodyPr vert="horz" lIns="180000" tIns="108000" rIns="180000" bIns="0" rtlCol="0" anchor="t">
+            <a:noAutofit/>
+          </a:bodyPr>
+          <a:lstStyle>
+            <a:lvl1pPr algn="l" defTabSz="914400" rtl="0" eaLnBrk="1" latinLnBrk="0" hangingPunct="1">
+              <a:lnSpc>
+                <a:spcPct val="100000"/>
+              </a:lnSpc>
+              <a:spcBef>
+                <a:spcPct val="0"/>
+              </a:spcBef>
+              <a:buNone/>
+              <a:defRPr sz="1800" b="0" kern="1200" spc="0">
+                <a:solidFill>
+                  <a:schemeClr val="bg1">
+                    <a:lumMod val="95000"/>
+                  </a:schemeClr>
+                </a:solidFill>
+                <a:latin typeface="+mn-lt"/>
+                <a:ea typeface="+mj-ea"/>
+                <a:cs typeface="+mj-cs"/>
+              </a:defRPr>
+            </a:lvl1pPr>
+          </a:lstStyle>
+          <a:p>
+            <a:r>
+              <a:rPr lang="en-US" sz="2000" dirty="0" smtClean="0"/>
+              <a:t>Watch favorite </a:t>
+            </a:r>
+            <a:r>
+              <a:rPr lang="en-US" sz="2000" dirty="0"/>
+              <a:t>home workout </a:t>
+            </a:r>
+            <a:r>
+              <a:rPr lang="en-US" sz="2000" dirty="0" smtClean="0"/>
+              <a:t>videos</a:t>
+            </a:r>
+            <a:endParaRPr lang="en-US" sz="2000" dirty="0"/>
+          </a:p>
+        </p:txBody>
+      </p:sp>
+      <p:sp>
+        <p:nvSpPr>
+          <p:cNvPr id="15" name="Title 11">
+            <a:extLst>
+              <a:ext uri="{FF2B5EF4-FFF2-40B4-BE49-F238E27FC236}">
+                <a16:creationId xmlns:a16="http://schemas.microsoft.com/office/drawing/2014/main" xmlns="" id="{D8744987-7958-44D9-AE6F-009CA4C08875}"/>
+              </a:ext>
+            </a:extLst>
+          </p:cNvPr>
+          <p:cNvSpPr txBox="1">
+            <a:spLocks/>
+          </p:cNvSpPr>
+          <p:nvPr/>
+        </p:nvSpPr>
+        <p:spPr>
+          <a:xfrm>
+            <a:off x="8565773" y="2583649"/>
+            <a:ext cx="3930409" cy="616619"/>
+          </a:xfrm>
+          <a:prstGeom prst="roundRect">
+            <a:avLst>
+              <a:gd name="adj" fmla="val 10086"/>
+            </a:avLst>
+          </a:prstGeom>
+          <a:gradFill flip="none" rotWithShape="1">
+            <a:gsLst>
+              <a:gs pos="53000">
+                <a:schemeClr val="tx1">
+                  <a:lumMod val="68000"/>
+                  <a:lumOff val="32000"/>
+                  <a:alpha val="40000"/>
+                </a:schemeClr>
+              </a:gs>
+              <a:gs pos="28000">
+                <a:schemeClr val="tx1">
+                  <a:lumMod val="75000"/>
+                  <a:lumOff val="25000"/>
+                </a:schemeClr>
+              </a:gs>
+            </a:gsLst>
+            <a:lin ang="10800000" scaled="1"/>
+            <a:tileRect/>
+          </a:gradFill>
+          <a:ln>
+            <a:noFill/>
+          </a:ln>
+          <a:effectLst>
+            <a:outerShdw blurRad="50800" dist="25400" dir="8340000" sx="1000" sy="1000" algn="ctr" rotWithShape="0">
+              <a:srgbClr val="000000">
+                <a:alpha val="62000"/>
+              </a:srgbClr>
+            </a:outerShdw>
+          </a:effectLst>
+        </p:spPr>
+        <p:txBody>
+          <a:bodyPr vert="horz" lIns="180000" tIns="108000" rIns="180000" bIns="0" rtlCol="0" anchor="t">
+            <a:noAutofit/>
+          </a:bodyPr>
+          <a:lstStyle>
+            <a:defPPr>
+              <a:defRPr lang="en-US"/>
+            </a:defPPr>
+            <a:lvl1pPr>
+              <a:lnSpc>
+                <a:spcPct val="100000"/>
+              </a:lnSpc>
+              <a:spcBef>
+                <a:spcPct val="0"/>
+              </a:spcBef>
+              <a:buNone/>
+              <a:defRPr sz="2000" b="0" spc="0">
+                <a:solidFill>
+                  <a:schemeClr val="bg1">
+                    <a:lumMod val="95000"/>
+                  </a:schemeClr>
+                </a:solidFill>
+                <a:ea typeface="+mj-ea"/>
+                <a:cs typeface="+mj-cs"/>
+              </a:defRPr>
+            </a:lvl1pPr>
+          </a:lstStyle>
+          <a:p>
+            <a:r>
+              <a:rPr lang="en-US" dirty="0"/>
+              <a:t>Learn </a:t>
+            </a:r>
+            <a:r>
+              <a:rPr lang="en-US" dirty="0" smtClean="0"/>
+              <a:t>Yoga </a:t>
+            </a:r>
+            <a:r>
+              <a:rPr lang="en-US" dirty="0"/>
+              <a:t>or </a:t>
+            </a:r>
+            <a:r>
+              <a:rPr lang="en-US" dirty="0" smtClean="0"/>
+              <a:t>Pilates</a:t>
+            </a:r>
+            <a:endParaRPr lang="en-US" dirty="0"/>
+          </a:p>
+        </p:txBody>
+      </p:sp>
+      <p:sp>
+        <p:nvSpPr>
+          <p:cNvPr id="18" name="Title 11">
+            <a:extLst>
+              <a:ext uri="{FF2B5EF4-FFF2-40B4-BE49-F238E27FC236}">
+                <a16:creationId xmlns:a16="http://schemas.microsoft.com/office/drawing/2014/main" xmlns="" id="{D8744987-7958-44D9-AE6F-009CA4C08875}"/>
+              </a:ext>
+            </a:extLst>
+          </p:cNvPr>
+          <p:cNvSpPr txBox="1">
+            <a:spLocks/>
+          </p:cNvSpPr>
+          <p:nvPr/>
+        </p:nvSpPr>
+        <p:spPr>
+          <a:xfrm>
+            <a:off x="7853079" y="3926781"/>
+            <a:ext cx="4643104" cy="616619"/>
+          </a:xfrm>
+          <a:prstGeom prst="roundRect">
+            <a:avLst>
+              <a:gd name="adj" fmla="val 10086"/>
+            </a:avLst>
+          </a:prstGeom>
+          <a:gradFill flip="none" rotWithShape="1">
+            <a:gsLst>
+              <a:gs pos="53000">
+                <a:schemeClr val="tx1">
+                  <a:lumMod val="68000"/>
+                  <a:lumOff val="32000"/>
+                  <a:alpha val="40000"/>
+                </a:schemeClr>
+              </a:gs>
+              <a:gs pos="28000">
+                <a:schemeClr val="tx1">
+                  <a:lumMod val="75000"/>
+                  <a:lumOff val="25000"/>
+                </a:schemeClr>
+              </a:gs>
+            </a:gsLst>
+            <a:lin ang="10800000" scaled="1"/>
+            <a:tileRect/>
+          </a:gradFill>
+          <a:ln>
+            <a:noFill/>
+          </a:ln>
+          <a:effectLst>
+            <a:outerShdw blurRad="50800" dist="25400" dir="8340000" sx="1000" sy="1000" algn="ctr" rotWithShape="0">
+              <a:srgbClr val="000000">
+                <a:alpha val="62000"/>
+              </a:srgbClr>
+            </a:outerShdw>
+          </a:effectLst>
+        </p:spPr>
+        <p:txBody>
+          <a:bodyPr vert="horz" lIns="180000" tIns="108000" rIns="180000" bIns="0" rtlCol="0" anchor="t">
+            <a:noAutofit/>
+          </a:bodyPr>
+          <a:lstStyle>
+            <a:defPPr>
+              <a:defRPr lang="en-US"/>
+            </a:defPPr>
+            <a:lvl1pPr>
+              <a:lnSpc>
+                <a:spcPct val="100000"/>
+              </a:lnSpc>
+              <a:spcBef>
+                <a:spcPct val="0"/>
+              </a:spcBef>
+              <a:buNone/>
+              <a:defRPr sz="2000" b="0" spc="0">
+                <a:solidFill>
+                  <a:schemeClr val="bg1">
+                    <a:lumMod val="95000"/>
+                  </a:schemeClr>
+                </a:solidFill>
+                <a:ea typeface="+mj-ea"/>
+                <a:cs typeface="+mj-cs"/>
+              </a:defRPr>
+            </a:lvl1pPr>
+          </a:lstStyle>
+          <a:p>
+            <a:r>
+              <a:rPr lang="en-US" dirty="0"/>
+              <a:t>Use smartphone apps to track progress</a:t>
+            </a:r>
+          </a:p>
+        </p:txBody>
+      </p:sp>
+      <p:pic>
+        <p:nvPicPr>
+          <p:cNvPr id="20" name="Picture 19"/>
+          <p:cNvPicPr>
+            <a:picLocks noChangeAspect="1"/>
+          </p:cNvPicPr>
+          <p:nvPr/>
+        </p:nvPicPr>
+        <p:blipFill>
+          <a:blip r:embed="rId3">
+            <a:extLst>
+              <a:ext uri="{28A0092B-C50C-407E-A947-70E740481C1C}">
+                <a14:useLocalDpi xmlns:a14="http://schemas.microsoft.com/office/drawing/2010/main" val="0"/>
+              </a:ext>
+            </a:extLst>
+          </a:blip>
+          <a:stretch>
+            <a:fillRect/>
+          </a:stretch>
+        </p:blipFill>
+        <p:spPr>
+          <a:xfrm>
+            <a:off x="10926079" y="233902"/>
+            <a:ext cx="952364" cy="717796"/>
+          </a:xfrm>
+          <a:prstGeom prst="rect">
+            <a:avLst/>
+          </a:prstGeom>
+        </p:spPr>
+      </p:pic>
+    </p:spTree>
+    <p:extLst>
+      <p:ext uri="{BB962C8B-B14F-4D97-AF65-F5344CB8AC3E}">
+        <p14:creationId xmlns:p14="http://schemas.microsoft.com/office/powerpoint/2010/main" val="665219316"/>
+      </p:ext>
+    </p:extLst>
+  </p:cSld>
+  <p:clrMapOvr>
+    <a:masterClrMapping/>
+  </p:clrMapOvr>
+  <p:timing>
+    <p:tnLst>
+      <p:par>
+        <p:cTn id="1" dur="indefinite" restart="never" nodeType="tmRoot"/>
+      </p:par>
+    </p:tnLst>
+  </p:timing>
+</p:sld>
+</file>
+
+<file path=ppt/slides/slide19.xml><?xml version="1.0" encoding="utf-8"?>
+<p:sld xmlns:a="http://schemas.openxmlformats.org/drawingml/2006/main" xmlns:r="http://schemas.openxmlformats.org/officeDocument/2006/relationships" xmlns:p="http://schemas.openxmlformats.org/presentationml/2006/main">
+  <p:cSld>
+    <p:spTree>
+      <p:nvGrpSpPr>
+        <p:cNvPr id="1" name=""/>
+        <p:cNvGrpSpPr/>
+        <p:nvPr/>
+      </p:nvGrpSpPr>
+      <p:grpSpPr>
+        <a:xfrm>
+          <a:off x="0" y="0"/>
+          <a:ext cx="0" cy="0"/>
+          <a:chOff x="0" y="0"/>
+          <a:chExt cx="0" cy="0"/>
+        </a:xfrm>
+      </p:grpSpPr>
+      <p:pic>
+        <p:nvPicPr>
+          <p:cNvPr id="1026" name="Picture 2" descr="Mixed Race woman sitting on bed meditating"/>
+          <p:cNvPicPr>
+            <a:picLocks noChangeAspect="1" noChangeArrowheads="1"/>
+          </p:cNvPicPr>
+          <p:nvPr/>
+        </p:nvPicPr>
+        <p:blipFill>
+          <a:blip r:embed="rId2">
+            <a:extLst>
+              <a:ext uri="{28A0092B-C50C-407E-A947-70E740481C1C}">
+                <a14:useLocalDpi xmlns:a14="http://schemas.microsoft.com/office/drawing/2010/main" val="0"/>
+              </a:ext>
+            </a:extLst>
+          </a:blip>
+          <a:srcRect/>
+          <a:stretch>
+            <a:fillRect/>
+          </a:stretch>
+        </p:blipFill>
+        <p:spPr bwMode="auto">
+          <a:xfrm>
+            <a:off x="-1" y="10757"/>
+            <a:ext cx="12371294" cy="6847243"/>
+          </a:xfrm>
+          <a:prstGeom prst="rect">
+            <a:avLst/>
+          </a:prstGeom>
+          <a:noFill/>
+          <a:extLst>
+            <a:ext uri="{909E8E84-426E-40DD-AFC4-6F175D3DCCD1}">
+              <a14:hiddenFill xmlns:a14="http://schemas.microsoft.com/office/drawing/2010/main">
+                <a:solidFill>
+                  <a:srgbClr val="FFFFFF"/>
+                </a:solidFill>
+              </a14:hiddenFill>
+            </a:ext>
+          </a:extLst>
+        </p:spPr>
+      </p:pic>
+      <p:sp>
+        <p:nvSpPr>
+          <p:cNvPr id="12" name="Title 11">
+            <a:extLst>
+              <a:ext uri="{FF2B5EF4-FFF2-40B4-BE49-F238E27FC236}">
+                <a16:creationId xmlns:a16="http://schemas.microsoft.com/office/drawing/2014/main" xmlns="" id="{D8744987-7958-44D9-AE6F-009CA4C08875}"/>
+              </a:ext>
+            </a:extLst>
+          </p:cNvPr>
+          <p:cNvSpPr>
+            <a:spLocks noGrp="1"/>
+          </p:cNvSpPr>
+          <p:nvPr>
+            <p:ph type="ctrTitle"/>
+          </p:nvPr>
+        </p:nvSpPr>
+        <p:spPr>
+          <a:xfrm>
+            <a:off x="635389" y="5927482"/>
+            <a:ext cx="11100513" cy="616619"/>
+          </a:xfrm>
+          <a:gradFill flip="none" rotWithShape="1">
+            <a:gsLst>
+              <a:gs pos="0">
+                <a:schemeClr val="accent6">
+                  <a:lumMod val="67000"/>
+                </a:schemeClr>
+              </a:gs>
+              <a:gs pos="32000">
+                <a:schemeClr val="accent6">
+                  <a:lumMod val="97000"/>
+                  <a:lumOff val="3000"/>
+                </a:schemeClr>
+              </a:gs>
+              <a:gs pos="97000">
+                <a:schemeClr val="accent6">
+                  <a:lumMod val="60000"/>
+                  <a:lumOff val="40000"/>
+                  <a:alpha val="66000"/>
+                </a:schemeClr>
+              </a:gs>
+            </a:gsLst>
+            <a:lin ang="16200000" scaled="1"/>
+            <a:tileRect/>
+          </a:gradFill>
+          <a:ln>
+            <a:noFill/>
+          </a:ln>
+          <a:effectLst>
+            <a:outerShdw blurRad="50800" dist="25400" dir="8340000" sx="1000" sy="1000" algn="ctr" rotWithShape="0">
+              <a:srgbClr val="000000">
+                <a:alpha val="62000"/>
+              </a:srgbClr>
+            </a:outerShdw>
+          </a:effectLst>
+        </p:spPr>
+        <p:txBody>
+          <a:bodyPr/>
+          <a:lstStyle/>
+          <a:p>
+            <a:r>
+              <a:rPr lang="en-US" sz="2000" b="1" dirty="0">
+                <a:solidFill>
+                  <a:schemeClr val="tx1"/>
+                </a:solidFill>
+              </a:rPr>
+              <a:t>Studies show that meditating on gratitude can impact the pathways in our brains that promote positivity.</a:t>
+            </a:r>
+          </a:p>
+        </p:txBody>
+      </p:sp>
+      <p:sp>
+        <p:nvSpPr>
+          <p:cNvPr id="10" name="Title 11">
+            <a:extLst>
+              <a:ext uri="{FF2B5EF4-FFF2-40B4-BE49-F238E27FC236}">
+                <a16:creationId xmlns:a16="http://schemas.microsoft.com/office/drawing/2014/main" xmlns="" id="{D8744987-7958-44D9-AE6F-009CA4C08875}"/>
+              </a:ext>
+            </a:extLst>
+          </p:cNvPr>
+          <p:cNvSpPr txBox="1">
+            <a:spLocks/>
+          </p:cNvSpPr>
+          <p:nvPr/>
+        </p:nvSpPr>
+        <p:spPr>
+          <a:xfrm>
+            <a:off x="-124891" y="1265597"/>
+            <a:ext cx="4643103" cy="616619"/>
+          </a:xfrm>
+          <a:prstGeom prst="roundRect">
+            <a:avLst>
+              <a:gd name="adj" fmla="val 10086"/>
+            </a:avLst>
+          </a:prstGeom>
+          <a:gradFill flip="none" rotWithShape="1">
+            <a:gsLst>
+              <a:gs pos="53000">
+                <a:schemeClr val="tx1">
+                  <a:lumMod val="68000"/>
+                  <a:lumOff val="32000"/>
+                  <a:alpha val="40000"/>
+                </a:schemeClr>
+              </a:gs>
+              <a:gs pos="28000">
+                <a:schemeClr val="tx1">
+                  <a:lumMod val="75000"/>
+                  <a:lumOff val="25000"/>
+                </a:schemeClr>
+              </a:gs>
+            </a:gsLst>
+            <a:lin ang="0" scaled="1"/>
+            <a:tileRect/>
+          </a:gradFill>
+          <a:ln>
+            <a:noFill/>
+          </a:ln>
+          <a:effectLst>
+            <a:outerShdw blurRad="50800" dist="25400" dir="8340000" sx="1000" sy="1000" algn="ctr" rotWithShape="0">
+              <a:srgbClr val="000000">
+                <a:alpha val="62000"/>
+              </a:srgbClr>
+            </a:outerShdw>
+          </a:effectLst>
+        </p:spPr>
+        <p:txBody>
+          <a:bodyPr vert="horz" lIns="180000" tIns="108000" rIns="180000" bIns="0" rtlCol="0" anchor="t">
+            <a:noAutofit/>
+          </a:bodyPr>
+          <a:lstStyle>
+            <a:lvl1pPr algn="l" defTabSz="914400" rtl="0" eaLnBrk="1" latinLnBrk="0" hangingPunct="1">
+              <a:lnSpc>
+                <a:spcPct val="100000"/>
+              </a:lnSpc>
+              <a:spcBef>
+                <a:spcPct val="0"/>
+              </a:spcBef>
+              <a:buNone/>
+              <a:defRPr sz="1800" b="0" kern="1200" spc="0">
+                <a:solidFill>
+                  <a:schemeClr val="bg1">
+                    <a:lumMod val="95000"/>
+                  </a:schemeClr>
+                </a:solidFill>
+                <a:latin typeface="+mn-lt"/>
+                <a:ea typeface="+mj-ea"/>
+                <a:cs typeface="+mj-cs"/>
+              </a:defRPr>
+            </a:lvl1pPr>
+          </a:lstStyle>
+          <a:p>
+            <a:r>
+              <a:rPr lang="en-US" sz="2000" dirty="0"/>
+              <a:t>Get motivation from a voice </a:t>
+            </a:r>
+            <a:r>
+              <a:rPr lang="en-US" sz="2000" dirty="0" smtClean="0"/>
+              <a:t>assistant</a:t>
+            </a:r>
+            <a:endParaRPr lang="en-US" sz="2000" dirty="0"/>
+          </a:p>
+        </p:txBody>
+      </p:sp>
+      <p:sp>
+        <p:nvSpPr>
+          <p:cNvPr id="11" name="Title 11">
+            <a:extLst>
+              <a:ext uri="{FF2B5EF4-FFF2-40B4-BE49-F238E27FC236}">
+                <a16:creationId xmlns:a16="http://schemas.microsoft.com/office/drawing/2014/main" xmlns="" id="{D8744987-7958-44D9-AE6F-009CA4C08875}"/>
+              </a:ext>
+            </a:extLst>
+          </p:cNvPr>
+          <p:cNvSpPr txBox="1">
+            <a:spLocks/>
+          </p:cNvSpPr>
+          <p:nvPr/>
+        </p:nvSpPr>
+        <p:spPr>
+          <a:xfrm>
+            <a:off x="-124891" y="2596189"/>
+            <a:ext cx="3930409" cy="616619"/>
+          </a:xfrm>
+          <a:prstGeom prst="roundRect">
+            <a:avLst>
+              <a:gd name="adj" fmla="val 10086"/>
+            </a:avLst>
+          </a:prstGeom>
+          <a:gradFill flip="none" rotWithShape="1">
+            <a:gsLst>
+              <a:gs pos="53000">
+                <a:schemeClr val="tx1">
+                  <a:lumMod val="68000"/>
+                  <a:lumOff val="32000"/>
+                  <a:alpha val="40000"/>
+                </a:schemeClr>
+              </a:gs>
+              <a:gs pos="28000">
+                <a:schemeClr val="tx1">
+                  <a:lumMod val="75000"/>
+                  <a:lumOff val="25000"/>
+                </a:schemeClr>
+              </a:gs>
+            </a:gsLst>
+            <a:lin ang="0" scaled="1"/>
+            <a:tileRect/>
+          </a:gradFill>
+          <a:ln>
+            <a:noFill/>
+          </a:ln>
+          <a:effectLst>
+            <a:outerShdw blurRad="50800" dist="25400" dir="8340000" sx="1000" sy="1000" algn="ctr" rotWithShape="0">
+              <a:srgbClr val="000000">
+                <a:alpha val="62000"/>
+              </a:srgbClr>
+            </a:outerShdw>
+          </a:effectLst>
+        </p:spPr>
+        <p:txBody>
+          <a:bodyPr vert="horz" lIns="180000" tIns="108000" rIns="180000" bIns="0" rtlCol="0" anchor="t">
+            <a:noAutofit/>
+          </a:bodyPr>
+          <a:lstStyle>
+            <a:defPPr>
+              <a:defRPr lang="en-US"/>
+            </a:defPPr>
+            <a:lvl1pPr>
+              <a:lnSpc>
+                <a:spcPct val="100000"/>
+              </a:lnSpc>
+              <a:spcBef>
+                <a:spcPct val="0"/>
+              </a:spcBef>
+              <a:buNone/>
+              <a:defRPr sz="2000" b="0" spc="0">
+                <a:solidFill>
+                  <a:schemeClr val="bg1">
+                    <a:lumMod val="95000"/>
+                  </a:schemeClr>
+                </a:solidFill>
+                <a:ea typeface="+mj-ea"/>
+                <a:cs typeface="+mj-cs"/>
+              </a:defRPr>
+            </a:lvl1pPr>
+          </a:lstStyle>
+          <a:p>
+            <a:r>
+              <a:rPr lang="en-US" dirty="0"/>
+              <a:t>Set step-tracking goals</a:t>
+            </a:r>
+          </a:p>
+        </p:txBody>
+      </p:sp>
+      <p:sp>
+        <p:nvSpPr>
+          <p:cNvPr id="13" name="Title 11">
+            <a:extLst>
+              <a:ext uri="{FF2B5EF4-FFF2-40B4-BE49-F238E27FC236}">
+                <a16:creationId xmlns:a16="http://schemas.microsoft.com/office/drawing/2014/main" xmlns="" id="{D8744987-7958-44D9-AE6F-009CA4C08875}"/>
+              </a:ext>
+            </a:extLst>
+          </p:cNvPr>
+          <p:cNvSpPr txBox="1">
+            <a:spLocks/>
+          </p:cNvSpPr>
+          <p:nvPr/>
+        </p:nvSpPr>
+        <p:spPr>
+          <a:xfrm>
+            <a:off x="-124891" y="3926781"/>
+            <a:ext cx="4643104" cy="616619"/>
+          </a:xfrm>
+          <a:prstGeom prst="roundRect">
+            <a:avLst>
+              <a:gd name="adj" fmla="val 10086"/>
+            </a:avLst>
+          </a:prstGeom>
+          <a:gradFill flip="none" rotWithShape="1">
+            <a:gsLst>
+              <a:gs pos="53000">
+                <a:schemeClr val="tx1">
+                  <a:lumMod val="68000"/>
+                  <a:lumOff val="32000"/>
+                  <a:alpha val="40000"/>
+                </a:schemeClr>
+              </a:gs>
+              <a:gs pos="28000">
+                <a:schemeClr val="tx1">
+                  <a:lumMod val="75000"/>
+                  <a:lumOff val="25000"/>
+                </a:schemeClr>
+              </a:gs>
+            </a:gsLst>
+            <a:lin ang="0" scaled="1"/>
+            <a:tileRect/>
+          </a:gradFill>
+          <a:ln>
+            <a:noFill/>
+          </a:ln>
+          <a:effectLst>
+            <a:outerShdw blurRad="50800" dist="25400" dir="8340000" sx="1000" sy="1000" algn="ctr" rotWithShape="0">
+              <a:srgbClr val="000000">
+                <a:alpha val="62000"/>
+              </a:srgbClr>
+            </a:outerShdw>
+          </a:effectLst>
+        </p:spPr>
+        <p:txBody>
+          <a:bodyPr vert="horz" lIns="180000" tIns="108000" rIns="180000" bIns="0" rtlCol="0" anchor="t">
+            <a:noAutofit/>
+          </a:bodyPr>
+          <a:lstStyle>
+            <a:defPPr>
+              <a:defRPr lang="en-US"/>
+            </a:defPPr>
+            <a:lvl1pPr>
+              <a:lnSpc>
+                <a:spcPct val="100000"/>
+              </a:lnSpc>
+              <a:spcBef>
+                <a:spcPct val="0"/>
+              </a:spcBef>
+              <a:buNone/>
+              <a:defRPr sz="2000" b="0" spc="0">
+                <a:solidFill>
+                  <a:schemeClr val="bg1">
+                    <a:lumMod val="95000"/>
+                  </a:schemeClr>
+                </a:solidFill>
+                <a:ea typeface="+mj-ea"/>
+                <a:cs typeface="+mj-cs"/>
+              </a:defRPr>
+            </a:lvl1pPr>
+          </a:lstStyle>
+          <a:p>
+            <a:r>
+              <a:rPr lang="en-US" dirty="0"/>
+              <a:t>Studies show that meditating on.</a:t>
+            </a:r>
+          </a:p>
+        </p:txBody>
+      </p:sp>
+      <p:sp>
+        <p:nvSpPr>
+          <p:cNvPr id="14" name="Title 11">
+            <a:extLst>
+              <a:ext uri="{FF2B5EF4-FFF2-40B4-BE49-F238E27FC236}">
+                <a16:creationId xmlns:a16="http://schemas.microsoft.com/office/drawing/2014/main" xmlns="" id="{D8744987-7958-44D9-AE6F-009CA4C08875}"/>
+              </a:ext>
+            </a:extLst>
+          </p:cNvPr>
+          <p:cNvSpPr txBox="1">
+            <a:spLocks/>
+          </p:cNvSpPr>
+          <p:nvPr/>
+        </p:nvSpPr>
+        <p:spPr>
+          <a:xfrm>
+            <a:off x="7853079" y="1265597"/>
+            <a:ext cx="4643103" cy="616619"/>
+          </a:xfrm>
+          <a:prstGeom prst="roundRect">
+            <a:avLst>
+              <a:gd name="adj" fmla="val 10086"/>
+            </a:avLst>
+          </a:prstGeom>
+          <a:gradFill flip="none" rotWithShape="1">
+            <a:gsLst>
+              <a:gs pos="53000">
+                <a:schemeClr val="tx1">
+                  <a:lumMod val="68000"/>
+                  <a:lumOff val="32000"/>
+                  <a:alpha val="40000"/>
+                </a:schemeClr>
+              </a:gs>
+              <a:gs pos="28000">
+                <a:schemeClr val="tx1">
+                  <a:lumMod val="75000"/>
+                  <a:lumOff val="25000"/>
+                </a:schemeClr>
+              </a:gs>
+            </a:gsLst>
+            <a:lin ang="10800000" scaled="1"/>
+            <a:tileRect/>
+          </a:gradFill>
+          <a:ln>
+            <a:noFill/>
+          </a:ln>
+          <a:effectLst>
+            <a:outerShdw blurRad="50800" dist="25400" dir="8340000" sx="1000" sy="1000" algn="ctr" rotWithShape="0">
+              <a:srgbClr val="000000">
+                <a:alpha val="62000"/>
+              </a:srgbClr>
+            </a:outerShdw>
+          </a:effectLst>
+        </p:spPr>
+        <p:txBody>
+          <a:bodyPr vert="horz" lIns="180000" tIns="108000" rIns="180000" bIns="0" rtlCol="0" anchor="t">
+            <a:noAutofit/>
+          </a:bodyPr>
+          <a:lstStyle>
+            <a:lvl1pPr algn="l" defTabSz="914400" rtl="0" eaLnBrk="1" latinLnBrk="0" hangingPunct="1">
+              <a:lnSpc>
+                <a:spcPct val="100000"/>
+              </a:lnSpc>
+              <a:spcBef>
+                <a:spcPct val="0"/>
+              </a:spcBef>
+              <a:buNone/>
+              <a:defRPr sz="1800" b="0" kern="1200" spc="0">
+                <a:solidFill>
+                  <a:schemeClr val="bg1">
+                    <a:lumMod val="95000"/>
+                  </a:schemeClr>
+                </a:solidFill>
+                <a:latin typeface="+mn-lt"/>
+                <a:ea typeface="+mj-ea"/>
+                <a:cs typeface="+mj-cs"/>
+              </a:defRPr>
+            </a:lvl1pPr>
+          </a:lstStyle>
+          <a:p>
+            <a:r>
+              <a:rPr lang="en-US" sz="2000" dirty="0" smtClean="0"/>
+              <a:t>Watch favorite </a:t>
+            </a:r>
+            <a:r>
+              <a:rPr lang="en-US" sz="2000" dirty="0"/>
+              <a:t>home workout </a:t>
+            </a:r>
+            <a:r>
+              <a:rPr lang="en-US" sz="2000" dirty="0" smtClean="0"/>
+              <a:t>videos</a:t>
+            </a:r>
+            <a:endParaRPr lang="en-US" sz="2000" dirty="0"/>
+          </a:p>
+        </p:txBody>
+      </p:sp>
+      <p:sp>
+        <p:nvSpPr>
+          <p:cNvPr id="15" name="Title 11">
+            <a:extLst>
+              <a:ext uri="{FF2B5EF4-FFF2-40B4-BE49-F238E27FC236}">
+                <a16:creationId xmlns:a16="http://schemas.microsoft.com/office/drawing/2014/main" xmlns="" id="{D8744987-7958-44D9-AE6F-009CA4C08875}"/>
+              </a:ext>
+            </a:extLst>
+          </p:cNvPr>
+          <p:cNvSpPr txBox="1">
+            <a:spLocks/>
+          </p:cNvSpPr>
+          <p:nvPr/>
+        </p:nvSpPr>
+        <p:spPr>
+          <a:xfrm>
+            <a:off x="8565773" y="2583649"/>
+            <a:ext cx="3930409" cy="616619"/>
+          </a:xfrm>
+          <a:prstGeom prst="roundRect">
+            <a:avLst>
+              <a:gd name="adj" fmla="val 10086"/>
+            </a:avLst>
+          </a:prstGeom>
+          <a:gradFill flip="none" rotWithShape="1">
+            <a:gsLst>
+              <a:gs pos="53000">
+                <a:schemeClr val="tx1">
+                  <a:lumMod val="68000"/>
+                  <a:lumOff val="32000"/>
+                  <a:alpha val="40000"/>
+                </a:schemeClr>
+              </a:gs>
+              <a:gs pos="28000">
+                <a:schemeClr val="tx1">
+                  <a:lumMod val="75000"/>
+                  <a:lumOff val="25000"/>
+                </a:schemeClr>
+              </a:gs>
+            </a:gsLst>
+            <a:lin ang="10800000" scaled="1"/>
+            <a:tileRect/>
+          </a:gradFill>
+          <a:ln>
+            <a:noFill/>
+          </a:ln>
+          <a:effectLst>
+            <a:outerShdw blurRad="50800" dist="25400" dir="8340000" sx="1000" sy="1000" algn="ctr" rotWithShape="0">
+              <a:srgbClr val="000000">
+                <a:alpha val="62000"/>
+              </a:srgbClr>
+            </a:outerShdw>
+          </a:effectLst>
+        </p:spPr>
+        <p:txBody>
+          <a:bodyPr vert="horz" lIns="180000" tIns="108000" rIns="180000" bIns="0" rtlCol="0" anchor="t">
+            <a:noAutofit/>
+          </a:bodyPr>
+          <a:lstStyle>
+            <a:defPPr>
+              <a:defRPr lang="en-US"/>
+            </a:defPPr>
+            <a:lvl1pPr>
+              <a:lnSpc>
+                <a:spcPct val="100000"/>
+              </a:lnSpc>
+              <a:spcBef>
+                <a:spcPct val="0"/>
+              </a:spcBef>
+              <a:buNone/>
+              <a:defRPr sz="2000" b="0" spc="0">
+                <a:solidFill>
+                  <a:schemeClr val="bg1">
+                    <a:lumMod val="95000"/>
+                  </a:schemeClr>
+                </a:solidFill>
+                <a:ea typeface="+mj-ea"/>
+                <a:cs typeface="+mj-cs"/>
+              </a:defRPr>
+            </a:lvl1pPr>
+          </a:lstStyle>
+          <a:p>
+            <a:r>
+              <a:rPr lang="en-US" dirty="0"/>
+              <a:t>Learn </a:t>
+            </a:r>
+            <a:r>
+              <a:rPr lang="en-US" dirty="0" smtClean="0"/>
+              <a:t>Yoga </a:t>
+            </a:r>
+            <a:r>
+              <a:rPr lang="en-US" dirty="0"/>
+              <a:t>or </a:t>
+            </a:r>
+            <a:r>
+              <a:rPr lang="en-US" dirty="0" smtClean="0"/>
+              <a:t>Pilates</a:t>
+            </a:r>
+            <a:endParaRPr lang="en-US" dirty="0"/>
+          </a:p>
+        </p:txBody>
+      </p:sp>
+      <p:sp>
+        <p:nvSpPr>
+          <p:cNvPr id="18" name="Title 11">
+            <a:extLst>
+              <a:ext uri="{FF2B5EF4-FFF2-40B4-BE49-F238E27FC236}">
+                <a16:creationId xmlns:a16="http://schemas.microsoft.com/office/drawing/2014/main" xmlns="" id="{D8744987-7958-44D9-AE6F-009CA4C08875}"/>
+              </a:ext>
+            </a:extLst>
+          </p:cNvPr>
+          <p:cNvSpPr txBox="1">
+            <a:spLocks/>
+          </p:cNvSpPr>
+          <p:nvPr/>
+        </p:nvSpPr>
+        <p:spPr>
+          <a:xfrm>
+            <a:off x="7853079" y="3926781"/>
+            <a:ext cx="4643104" cy="616619"/>
+          </a:xfrm>
+          <a:prstGeom prst="roundRect">
+            <a:avLst>
+              <a:gd name="adj" fmla="val 10086"/>
+            </a:avLst>
+          </a:prstGeom>
+          <a:gradFill flip="none" rotWithShape="1">
+            <a:gsLst>
+              <a:gs pos="53000">
+                <a:schemeClr val="tx1">
+                  <a:lumMod val="68000"/>
+                  <a:lumOff val="32000"/>
+                  <a:alpha val="40000"/>
+                </a:schemeClr>
+              </a:gs>
+              <a:gs pos="28000">
+                <a:schemeClr val="tx1">
+                  <a:lumMod val="75000"/>
+                  <a:lumOff val="25000"/>
+                </a:schemeClr>
+              </a:gs>
+            </a:gsLst>
+            <a:lin ang="10800000" scaled="1"/>
+            <a:tileRect/>
+          </a:gradFill>
+          <a:ln>
+            <a:noFill/>
+          </a:ln>
+          <a:effectLst>
+            <a:outerShdw blurRad="50800" dist="25400" dir="8340000" sx="1000" sy="1000" algn="ctr" rotWithShape="0">
+              <a:srgbClr val="000000">
+                <a:alpha val="62000"/>
+              </a:srgbClr>
+            </a:outerShdw>
+          </a:effectLst>
+        </p:spPr>
+        <p:txBody>
+          <a:bodyPr vert="horz" lIns="180000" tIns="108000" rIns="180000" bIns="0" rtlCol="0" anchor="t">
+            <a:noAutofit/>
+          </a:bodyPr>
+          <a:lstStyle>
+            <a:defPPr>
+              <a:defRPr lang="en-US"/>
+            </a:defPPr>
+            <a:lvl1pPr>
+              <a:lnSpc>
+                <a:spcPct val="100000"/>
+              </a:lnSpc>
+              <a:spcBef>
+                <a:spcPct val="0"/>
+              </a:spcBef>
+              <a:buNone/>
+              <a:defRPr sz="2000" b="0" spc="0">
+                <a:solidFill>
+                  <a:schemeClr val="bg1">
+                    <a:lumMod val="95000"/>
+                  </a:schemeClr>
+                </a:solidFill>
+                <a:ea typeface="+mj-ea"/>
+                <a:cs typeface="+mj-cs"/>
+              </a:defRPr>
+            </a:lvl1pPr>
+          </a:lstStyle>
+          <a:p>
+            <a:r>
+              <a:rPr lang="en-US" dirty="0"/>
+              <a:t>Use smartphone apps to track progress</a:t>
+            </a:r>
+          </a:p>
+        </p:txBody>
+      </p:sp>
+      <p:pic>
+        <p:nvPicPr>
+          <p:cNvPr id="16" name="Picture 15"/>
+          <p:cNvPicPr>
+            <a:picLocks noChangeAspect="1"/>
+          </p:cNvPicPr>
+          <p:nvPr/>
+        </p:nvPicPr>
+        <p:blipFill>
+          <a:blip r:embed="rId3">
+            <a:extLst>
+              <a:ext uri="{28A0092B-C50C-407E-A947-70E740481C1C}">
+                <a14:useLocalDpi xmlns:a14="http://schemas.microsoft.com/office/drawing/2010/main" val="0"/>
+              </a:ext>
+            </a:extLst>
+          </a:blip>
+          <a:stretch>
+            <a:fillRect/>
+          </a:stretch>
+        </p:blipFill>
+        <p:spPr>
+          <a:xfrm>
+            <a:off x="183031" y="254082"/>
+            <a:ext cx="1551640" cy="508346"/>
+          </a:xfrm>
+          <a:prstGeom prst="rect">
+            <a:avLst/>
+          </a:prstGeom>
+        </p:spPr>
+      </p:pic>
+    </p:spTree>
+    <p:extLst>
+      <p:ext uri="{BB962C8B-B14F-4D97-AF65-F5344CB8AC3E}">
+        <p14:creationId xmlns:p14="http://schemas.microsoft.com/office/powerpoint/2010/main" val="4142518349"/>
+      </p:ext>
+    </p:extLst>
+  </p:cSld>
+  <p:clrMapOvr>
+    <a:masterClrMapping/>
+  </p:clrMapOvr>
+  <p:timing>
+    <p:tnLst>
+      <p:par>
+        <p:cTn id="1" dur="indefinite" restart="never" nodeType="tmRoot"/>
+      </p:par>
+    </p:tnLst>
+  </p:timing>
+</p:sld>
+</file>
+
+<file path=ppt/slides/slide2.xml><?xml version="1.0" encoding="utf-8"?>
+<p:sld xmlns:a="http://schemas.openxmlformats.org/drawingml/2006/main" xmlns:r="http://schemas.openxmlformats.org/officeDocument/2006/relationships" xmlns:p="http://schemas.openxmlformats.org/presentationml/2006/main">
+  <p:cSld>
+    <p:spTree>
+      <p:nvGrpSpPr>
+        <p:cNvPr id="1" name=""/>
+        <p:cNvGrpSpPr/>
+        <p:nvPr/>
+      </p:nvGrpSpPr>
+      <p:grpSpPr>
+        <a:xfrm>
+          <a:off x="0" y="0"/>
+          <a:ext cx="0" cy="0"/>
+          <a:chOff x="0" y="0"/>
+          <a:chExt cx="0" cy="0"/>
+        </a:xfrm>
+      </p:grpSpPr>
+      <p:pic>
+        <p:nvPicPr>
+          <p:cNvPr id="8" name="Picture Placeholder 7" descr="Divider slide image">
+            <a:extLst>
+              <a:ext uri="{FF2B5EF4-FFF2-40B4-BE49-F238E27FC236}">
+                <a16:creationId xmlns:a16="http://schemas.microsoft.com/office/drawing/2014/main" xmlns="" id="{177FEC3E-B2FE-9045-8D49-89B1E3D20CB1}"/>
+              </a:ext>
+            </a:extLst>
+          </p:cNvPr>
+          <p:cNvPicPr>
+            <a:picLocks noGrp="1" noChangeAspect="1"/>
+          </p:cNvPicPr>
+          <p:nvPr>
+            <p:ph type="pic" sz="quarter" idx="13"/>
+          </p:nvPr>
+        </p:nvPicPr>
+        <p:blipFill>
+          <a:blip r:embed="rId2" cstate="screen">
+            <a:extLst>
+              <a:ext uri="{28A0092B-C50C-407E-A947-70E740481C1C}">
+                <a14:useLocalDpi xmlns:a14="http://schemas.microsoft.com/office/drawing/2010/main"/>
+              </a:ext>
+            </a:extLst>
+          </a:blip>
+          <a:srcRect/>
+          <a:stretch>
+            <a:fillRect/>
+          </a:stretch>
+        </p:blipFill>
+        <p:spPr/>
+      </p:pic>
+      <p:sp>
+        <p:nvSpPr>
+          <p:cNvPr id="24" name="TextBox 23">
+            <a:extLst>
+              <a:ext uri="{FF2B5EF4-FFF2-40B4-BE49-F238E27FC236}">
+                <a16:creationId xmlns:a16="http://schemas.microsoft.com/office/drawing/2014/main" xmlns="" id="{993B1474-02E3-4509-B5C5-84427653BA68}"/>
+              </a:ext>
+              <a:ext uri="{C183D7F6-B498-43B3-948B-1728B52AA6E4}">
+                <adec:decorative xmlns:adec="http://schemas.microsoft.com/office/drawing/2017/decorative" xmlns="" val="1"/>
+              </a:ext>
+            </a:extLst>
+          </p:cNvPr>
+          <p:cNvSpPr txBox="1">
+            <a:spLocks/>
+          </p:cNvSpPr>
+          <p:nvPr/>
+        </p:nvSpPr>
+        <p:spPr>
+          <a:xfrm>
+            <a:off x="11387102" y="2928857"/>
+            <a:ext cx="804898" cy="3140150"/>
+          </a:xfrm>
+          <a:custGeom>
+            <a:avLst/>
+            <a:gdLst>
+              <a:gd name="connsiteX0" fmla="*/ 99480 w 804898"/>
+              <a:gd name="connsiteY0" fmla="*/ 0 h 3140150"/>
+              <a:gd name="connsiteX1" fmla="*/ 804898 w 804898"/>
+              <a:gd name="connsiteY1" fmla="*/ 0 h 3140150"/>
+              <a:gd name="connsiteX2" fmla="*/ 804898 w 804898"/>
+              <a:gd name="connsiteY2" fmla="*/ 357262 h 3140150"/>
+              <a:gd name="connsiteX3" fmla="*/ 804898 w 804898"/>
+              <a:gd name="connsiteY3" fmla="*/ 2782888 h 3140150"/>
+              <a:gd name="connsiteX4" fmla="*/ 804898 w 804898"/>
+              <a:gd name="connsiteY4" fmla="*/ 3140150 h 3140150"/>
+              <a:gd name="connsiteX5" fmla="*/ 99480 w 804898"/>
+              <a:gd name="connsiteY5" fmla="*/ 3140150 h 3140150"/>
+              <a:gd name="connsiteX6" fmla="*/ 0 w 804898"/>
+              <a:gd name="connsiteY6" fmla="*/ 3013250 h 3140150"/>
+              <a:gd name="connsiteX7" fmla="*/ 0 w 804898"/>
+              <a:gd name="connsiteY7" fmla="*/ 2655988 h 3140150"/>
+              <a:gd name="connsiteX8" fmla="*/ 0 w 804898"/>
+              <a:gd name="connsiteY8" fmla="*/ 484162 h 3140150"/>
+              <a:gd name="connsiteX9" fmla="*/ 0 w 804898"/>
+              <a:gd name="connsiteY9" fmla="*/ 126900 h 3140150"/>
+              <a:gd name="connsiteX10" fmla="*/ 99480 w 804898"/>
+              <a:gd name="connsiteY10" fmla="*/ 0 h 3140150"/>
+            </a:gdLst>
+            <a:ahLst/>
+            <a:cxnLst>
+              <a:cxn ang="0">
+                <a:pos x="connsiteX0" y="connsiteY0"/>
+              </a:cxn>
+              <a:cxn ang="0">
+                <a:pos x="connsiteX1" y="connsiteY1"/>
+              </a:cxn>
+              <a:cxn ang="0">
+                <a:pos x="connsiteX2" y="connsiteY2"/>
+              </a:cxn>
+              <a:cxn ang="0">
+                <a:pos x="connsiteX3" y="connsiteY3"/>
+              </a:cxn>
+              <a:cxn ang="0">
+                <a:pos x="connsiteX4" y="connsiteY4"/>
+              </a:cxn>
+              <a:cxn ang="0">
+                <a:pos x="connsiteX5" y="connsiteY5"/>
+              </a:cxn>
+              <a:cxn ang="0">
+                <a:pos x="connsiteX6" y="connsiteY6"/>
+              </a:cxn>
+              <a:cxn ang="0">
+                <a:pos x="connsiteX7" y="connsiteY7"/>
+              </a:cxn>
+              <a:cxn ang="0">
+                <a:pos x="connsiteX8" y="connsiteY8"/>
+              </a:cxn>
+              <a:cxn ang="0">
+                <a:pos x="connsiteX9" y="connsiteY9"/>
+              </a:cxn>
+              <a:cxn ang="0">
+                <a:pos x="connsiteX10" y="connsiteY10"/>
+              </a:cxn>
+            </a:cxnLst>
+            <a:rect l="l" t="t" r="r" b="b"/>
+            <a:pathLst>
+              <a:path w="804898" h="3140150">
+                <a:moveTo>
+                  <a:pt x="99480" y="0"/>
+                </a:moveTo>
+                <a:lnTo>
+                  <a:pt x="804898" y="0"/>
+                </a:lnTo>
+                <a:lnTo>
+                  <a:pt x="804898" y="357262"/>
+                </a:lnTo>
+                <a:lnTo>
+                  <a:pt x="804898" y="2782888"/>
+                </a:lnTo>
+                <a:lnTo>
+                  <a:pt x="804898" y="3140150"/>
+                </a:lnTo>
+                <a:lnTo>
+                  <a:pt x="99480" y="3140150"/>
+                </a:lnTo>
+                <a:cubicBezTo>
+                  <a:pt x="44539" y="3140150"/>
+                  <a:pt x="0" y="3083334"/>
+                  <a:pt x="0" y="3013250"/>
+                </a:cubicBezTo>
+                <a:lnTo>
+                  <a:pt x="0" y="2655988"/>
+                </a:lnTo>
+                <a:lnTo>
+                  <a:pt x="0" y="484162"/>
+                </a:lnTo>
+                <a:lnTo>
+                  <a:pt x="0" y="126900"/>
+                </a:lnTo>
+                <a:cubicBezTo>
+                  <a:pt x="0" y="56816"/>
+                  <a:pt x="44539" y="0"/>
+                  <a:pt x="99480" y="0"/>
+                </a:cubicBezTo>
+                <a:close/>
+              </a:path>
+            </a:pathLst>
+          </a:custGeom>
+          <a:gradFill>
+            <a:gsLst>
+              <a:gs pos="100000">
+                <a:schemeClr val="tx1">
+                  <a:lumMod val="75000"/>
+                  <a:lumOff val="25000"/>
+                </a:schemeClr>
+              </a:gs>
+              <a:gs pos="0">
+                <a:schemeClr val="tx1"/>
+              </a:gs>
+            </a:gsLst>
+            <a:lin ang="0" scaled="0"/>
+          </a:gradFill>
+          <a:ln w="3175">
+            <a:solidFill>
+              <a:schemeClr val="tx1">
+                <a:lumMod val="85000"/>
+                <a:lumOff val="15000"/>
+              </a:schemeClr>
+            </a:solidFill>
+          </a:ln>
+        </p:spPr>
+        <p:txBody>
+          <a:bodyPr vert="horz" wrap="square" lIns="180000" tIns="288000" rIns="180000" bIns="180000" rtlCol="0" anchor="t">
+            <a:noAutofit/>
+          </a:bodyPr>
+          <a:lstStyle>
+            <a:lvl1pPr algn="l" defTabSz="914400" rtl="0" eaLnBrk="1" latinLnBrk="0" hangingPunct="1">
+              <a:lnSpc>
+                <a:spcPts val="4000"/>
+              </a:lnSpc>
+              <a:spcBef>
+                <a:spcPct val="0"/>
+              </a:spcBef>
+              <a:buNone/>
+              <a:defRPr sz="5000" b="1" kern="1200" spc="-300">
+                <a:solidFill>
+                  <a:schemeClr val="bg1">
+                    <a:lumMod val="95000"/>
+                  </a:schemeClr>
+                </a:solidFill>
+                <a:latin typeface="+mj-lt"/>
+                <a:ea typeface="+mj-ea"/>
+                <a:cs typeface="+mj-cs"/>
+              </a:defRPr>
+            </a:lvl1pPr>
+          </a:lstStyle>
+          <a:p>
+            <a:endParaRPr lang="en-US" dirty="0"/>
+          </a:p>
+        </p:txBody>
+      </p:sp>
+      <p:sp>
+        <p:nvSpPr>
+          <p:cNvPr id="18" name="Isosceles Triangle 17">
+            <a:extLst>
+              <a:ext uri="{FF2B5EF4-FFF2-40B4-BE49-F238E27FC236}">
+                <a16:creationId xmlns:a16="http://schemas.microsoft.com/office/drawing/2014/main" xmlns="" id="{FAB4748B-F532-4C70-827A-5FEA8C084327}"/>
+              </a:ext>
+              <a:ext uri="{C183D7F6-B498-43B3-948B-1728B52AA6E4}">
+                <adec:decorative xmlns:adec="http://schemas.microsoft.com/office/drawing/2017/decorative" xmlns="" val="1"/>
+              </a:ext>
+            </a:extLst>
+          </p:cNvPr>
+          <p:cNvSpPr/>
+          <p:nvPr/>
+        </p:nvSpPr>
+        <p:spPr>
+          <a:xfrm rot="10800000">
+            <a:off x="11391864" y="5548307"/>
+            <a:ext cx="450092" cy="424971"/>
+          </a:xfrm>
+          <a:prstGeom prst="triangle">
+            <a:avLst>
+              <a:gd name="adj" fmla="val 100000"/>
+            </a:avLst>
+          </a:prstGeom>
+          <a:solidFill>
+            <a:schemeClr val="accent1"/>
+          </a:solidFill>
+          <a:ln w="3175">
+            <a:solidFill>
+              <a:schemeClr val="tx1">
+                <a:lumMod val="65000"/>
+                <a:lumOff val="35000"/>
+              </a:schemeClr>
+            </a:solidFill>
+          </a:ln>
+        </p:spPr>
+        <p:style>
+          <a:lnRef idx="2">
+            <a:schemeClr val="accent1">
+              <a:shade val="50000"/>
+            </a:schemeClr>
+          </a:lnRef>
+          <a:fillRef idx="1">
+            <a:schemeClr val="accent1"/>
+          </a:fillRef>
+          <a:effectRef idx="0">
+            <a:schemeClr val="accent1"/>
+          </a:effectRef>
+          <a:fontRef idx="minor">
+            <a:schemeClr val="lt1"/>
+          </a:fontRef>
+        </p:style>
+        <p:txBody>
+          <a:bodyPr rtlCol="0" anchor="ctr"/>
+          <a:lstStyle/>
+          <a:p>
+            <a:pPr algn="ctr"/>
+            <a:endParaRPr lang="en-US" dirty="0"/>
+          </a:p>
+        </p:txBody>
+      </p:sp>
+      <p:sp>
+        <p:nvSpPr>
+          <p:cNvPr id="3" name="Title 2">
+            <a:extLst>
+              <a:ext uri="{FF2B5EF4-FFF2-40B4-BE49-F238E27FC236}">
+                <a16:creationId xmlns:a16="http://schemas.microsoft.com/office/drawing/2014/main" xmlns="" id="{200B3D2B-613A-41BE-987D-E6A1324B456D}"/>
+              </a:ext>
+            </a:extLst>
+          </p:cNvPr>
+          <p:cNvSpPr>
+            <a:spLocks noGrp="1"/>
+          </p:cNvSpPr>
+          <p:nvPr>
+            <p:ph type="ctrTitle"/>
+          </p:nvPr>
+        </p:nvSpPr>
+        <p:spPr>
+          <a:xfrm>
+            <a:off x="7425293" y="2408157"/>
+            <a:ext cx="4459766" cy="3146839"/>
+          </a:xfrm>
+        </p:spPr>
+        <p:txBody>
+          <a:bodyPr/>
+          <a:lstStyle/>
+          <a:p>
+            <a:r>
+              <a:rPr lang="en-US" dirty="0"/>
+              <a:t>Section Divider Option 1</a:t>
+            </a:r>
+          </a:p>
+        </p:txBody>
+      </p:sp>
+      <p:sp>
+        <p:nvSpPr>
+          <p:cNvPr id="4" name="Subtitle 3">
+            <a:extLst>
+              <a:ext uri="{FF2B5EF4-FFF2-40B4-BE49-F238E27FC236}">
+                <a16:creationId xmlns:a16="http://schemas.microsoft.com/office/drawing/2014/main" xmlns="" id="{4772945D-CA91-4CFE-8EB7-941C7618C994}"/>
+              </a:ext>
+            </a:extLst>
+          </p:cNvPr>
+          <p:cNvSpPr>
+            <a:spLocks noGrp="1"/>
+          </p:cNvSpPr>
+          <p:nvPr>
+            <p:ph type="subTitle" idx="1"/>
+          </p:nvPr>
+        </p:nvSpPr>
+        <p:spPr/>
+        <p:txBody>
+          <a:bodyPr/>
+          <a:lstStyle/>
+          <a:p>
+            <a:r>
+              <a:rPr lang="en-US" dirty="0"/>
+              <a:t>Lorem ipsum dolor sit amet, consectetur adipiscing elit</a:t>
+            </a:r>
+          </a:p>
+        </p:txBody>
+      </p:sp>
+      <p:sp>
+        <p:nvSpPr>
+          <p:cNvPr id="15" name="Freeform 5">
+            <a:extLst>
+              <a:ext uri="{FF2B5EF4-FFF2-40B4-BE49-F238E27FC236}">
+                <a16:creationId xmlns:a16="http://schemas.microsoft.com/office/drawing/2014/main" xmlns="" id="{7746F873-A4ED-4E4C-BB89-CA0FBB9E9582}"/>
+              </a:ext>
+              <a:ext uri="{C183D7F6-B498-43B3-948B-1728B52AA6E4}">
+                <adec:decorative xmlns:adec="http://schemas.microsoft.com/office/drawing/2017/decorative" xmlns="" val="1"/>
+              </a:ext>
+            </a:extLst>
+          </p:cNvPr>
+          <p:cNvSpPr>
+            <a:spLocks noChangeAspect="1"/>
+          </p:cNvSpPr>
+          <p:nvPr/>
+        </p:nvSpPr>
+        <p:spPr bwMode="auto">
+          <a:xfrm>
+            <a:off x="456656" y="5118766"/>
+            <a:ext cx="751030" cy="659065"/>
+          </a:xfrm>
+          <a:custGeom>
+            <a:avLst/>
+            <a:gdLst>
+              <a:gd name="T0" fmla="*/ 781 w 1099"/>
+              <a:gd name="T1" fmla="*/ 0 h 968"/>
+              <a:gd name="T2" fmla="*/ 318 w 1099"/>
+              <a:gd name="T3" fmla="*/ 0 h 968"/>
+              <a:gd name="T4" fmla="*/ 246 w 1099"/>
+              <a:gd name="T5" fmla="*/ 42 h 968"/>
+              <a:gd name="T6" fmla="*/ 15 w 1099"/>
+              <a:gd name="T7" fmla="*/ 443 h 968"/>
+              <a:gd name="T8" fmla="*/ 15 w 1099"/>
+              <a:gd name="T9" fmla="*/ 525 h 968"/>
+              <a:gd name="T10" fmla="*/ 246 w 1099"/>
+              <a:gd name="T11" fmla="*/ 926 h 968"/>
+              <a:gd name="T12" fmla="*/ 318 w 1099"/>
+              <a:gd name="T13" fmla="*/ 968 h 968"/>
+              <a:gd name="T14" fmla="*/ 781 w 1099"/>
+              <a:gd name="T15" fmla="*/ 968 h 968"/>
+              <a:gd name="T16" fmla="*/ 852 w 1099"/>
+              <a:gd name="T17" fmla="*/ 926 h 968"/>
+              <a:gd name="T18" fmla="*/ 1084 w 1099"/>
+              <a:gd name="T19" fmla="*/ 525 h 968"/>
+              <a:gd name="T20" fmla="*/ 1084 w 1099"/>
+              <a:gd name="T21" fmla="*/ 443 h 968"/>
+              <a:gd name="T22" fmla="*/ 852 w 1099"/>
+              <a:gd name="T23" fmla="*/ 42 h 968"/>
+              <a:gd name="T24" fmla="*/ 781 w 1099"/>
+              <a:gd name="T25" fmla="*/ 0 h 968"/>
+            </a:gdLst>
+            <a:ahLst/>
+            <a:cxnLst>
+              <a:cxn ang="0">
+                <a:pos x="T0" y="T1"/>
+              </a:cxn>
+              <a:cxn ang="0">
+                <a:pos x="T2" y="T3"/>
+              </a:cxn>
+              <a:cxn ang="0">
+                <a:pos x="T4" y="T5"/>
+              </a:cxn>
+              <a:cxn ang="0">
+                <a:pos x="T6" y="T7"/>
+              </a:cxn>
+              <a:cxn ang="0">
+                <a:pos x="T8" y="T9"/>
+              </a:cxn>
+              <a:cxn ang="0">
+                <a:pos x="T10" y="T11"/>
+              </a:cxn>
+              <a:cxn ang="0">
+                <a:pos x="T12" y="T13"/>
+              </a:cxn>
+              <a:cxn ang="0">
+                <a:pos x="T14" y="T15"/>
+              </a:cxn>
+              <a:cxn ang="0">
+                <a:pos x="T16" y="T17"/>
+              </a:cxn>
+              <a:cxn ang="0">
+                <a:pos x="T18" y="T19"/>
+              </a:cxn>
+              <a:cxn ang="0">
+                <a:pos x="T20" y="T21"/>
+              </a:cxn>
+              <a:cxn ang="0">
+                <a:pos x="T22" y="T23"/>
+              </a:cxn>
+              <a:cxn ang="0">
+                <a:pos x="T24" y="T25"/>
+              </a:cxn>
+            </a:cxnLst>
+            <a:rect l="0" t="0" r="r" b="b"/>
+            <a:pathLst>
+              <a:path w="1099" h="968">
+                <a:moveTo>
+                  <a:pt x="781" y="0"/>
+                </a:moveTo>
+                <a:cubicBezTo>
+                  <a:pt x="318" y="0"/>
+                  <a:pt x="318" y="0"/>
+                  <a:pt x="318" y="0"/>
+                </a:cubicBezTo>
+                <a:cubicBezTo>
+                  <a:pt x="288" y="0"/>
+                  <a:pt x="261" y="16"/>
+                  <a:pt x="246" y="42"/>
+                </a:cubicBezTo>
+                <a:cubicBezTo>
+                  <a:pt x="15" y="443"/>
+                  <a:pt x="15" y="443"/>
+                  <a:pt x="15" y="443"/>
+                </a:cubicBezTo>
+                <a:cubicBezTo>
+                  <a:pt x="0" y="468"/>
+                  <a:pt x="0" y="500"/>
+                  <a:pt x="15" y="525"/>
+                </a:cubicBezTo>
+                <a:cubicBezTo>
+                  <a:pt x="246" y="926"/>
+                  <a:pt x="246" y="926"/>
+                  <a:pt x="246" y="926"/>
+                </a:cubicBezTo>
+                <a:cubicBezTo>
+                  <a:pt x="261" y="952"/>
+                  <a:pt x="288" y="968"/>
+                  <a:pt x="318" y="968"/>
+                </a:cubicBezTo>
+                <a:cubicBezTo>
+                  <a:pt x="781" y="968"/>
+                  <a:pt x="781" y="968"/>
+                  <a:pt x="781" y="968"/>
+                </a:cubicBezTo>
+                <a:cubicBezTo>
+                  <a:pt x="810" y="968"/>
+                  <a:pt x="838" y="952"/>
+                  <a:pt x="852" y="926"/>
+                </a:cubicBezTo>
+                <a:cubicBezTo>
+                  <a:pt x="1084" y="525"/>
+                  <a:pt x="1084" y="525"/>
+                  <a:pt x="1084" y="525"/>
+                </a:cubicBezTo>
+                <a:cubicBezTo>
+                  <a:pt x="1099" y="500"/>
+                  <a:pt x="1099" y="468"/>
+                  <a:pt x="1084" y="443"/>
+                </a:cubicBezTo>
+                <a:cubicBezTo>
+                  <a:pt x="852" y="42"/>
+                  <a:pt x="852" y="42"/>
+                  <a:pt x="852" y="42"/>
+                </a:cubicBezTo>
+                <a:cubicBezTo>
+                  <a:pt x="838" y="16"/>
+                  <a:pt x="810" y="0"/>
+                  <a:pt x="781" y="0"/>
+                </a:cubicBezTo>
+                <a:close/>
+              </a:path>
+            </a:pathLst>
+          </a:custGeom>
+          <a:solidFill>
+            <a:schemeClr val="bg1">
+              <a:lumMod val="95000"/>
+            </a:schemeClr>
+          </a:solidFill>
+          <a:ln w="63500" cap="flat">
+            <a:noFill/>
+            <a:prstDash val="solid"/>
+            <a:miter lim="800000"/>
+            <a:headEnd/>
+            <a:tailEnd/>
+          </a:ln>
+        </p:spPr>
+        <p:txBody>
+          <a:bodyPr vert="horz" wrap="square" lIns="91440" tIns="45720" rIns="91440" bIns="45720" numCol="1" anchor="t" anchorCtr="0" compatLnSpc="1">
+            <a:prstTxWarp prst="textNoShape">
+              <a:avLst/>
+            </a:prstTxWarp>
+          </a:bodyPr>
+          <a:lstStyle/>
+          <a:p>
+            <a:endParaRPr lang="en-US" dirty="0"/>
+          </a:p>
+        </p:txBody>
+      </p:sp>
+      <p:sp>
+        <p:nvSpPr>
+          <p:cNvPr id="16" name="Freeform 5" descr="Hollow accent block">
+            <a:extLst>
+              <a:ext uri="{FF2B5EF4-FFF2-40B4-BE49-F238E27FC236}">
+                <a16:creationId xmlns:a16="http://schemas.microsoft.com/office/drawing/2014/main" xmlns="" id="{E0D7A780-33BC-4E68-9763-AB62376D5024}"/>
+              </a:ext>
+              <a:ext uri="{C183D7F6-B498-43B3-948B-1728B52AA6E4}">
+                <adec:decorative xmlns:adec="http://schemas.microsoft.com/office/drawing/2017/decorative" xmlns="" val="1"/>
+              </a:ext>
+            </a:extLst>
+          </p:cNvPr>
+          <p:cNvSpPr>
+            <a:spLocks noChangeAspect="1"/>
+          </p:cNvSpPr>
+          <p:nvPr/>
+        </p:nvSpPr>
+        <p:spPr bwMode="auto">
+          <a:xfrm>
+            <a:off x="1779027" y="1160174"/>
+            <a:ext cx="1838651" cy="1613506"/>
+          </a:xfrm>
+          <a:custGeom>
+            <a:avLst/>
+            <a:gdLst>
+              <a:gd name="T0" fmla="*/ 781 w 1099"/>
+              <a:gd name="T1" fmla="*/ 0 h 968"/>
+              <a:gd name="T2" fmla="*/ 318 w 1099"/>
+              <a:gd name="T3" fmla="*/ 0 h 968"/>
+              <a:gd name="T4" fmla="*/ 246 w 1099"/>
+              <a:gd name="T5" fmla="*/ 42 h 968"/>
+              <a:gd name="T6" fmla="*/ 15 w 1099"/>
+              <a:gd name="T7" fmla="*/ 443 h 968"/>
+              <a:gd name="T8" fmla="*/ 15 w 1099"/>
+              <a:gd name="T9" fmla="*/ 525 h 968"/>
+              <a:gd name="T10" fmla="*/ 246 w 1099"/>
+              <a:gd name="T11" fmla="*/ 926 h 968"/>
+              <a:gd name="T12" fmla="*/ 318 w 1099"/>
+              <a:gd name="T13" fmla="*/ 968 h 968"/>
+              <a:gd name="T14" fmla="*/ 781 w 1099"/>
+              <a:gd name="T15" fmla="*/ 968 h 968"/>
+              <a:gd name="T16" fmla="*/ 852 w 1099"/>
+              <a:gd name="T17" fmla="*/ 926 h 968"/>
+              <a:gd name="T18" fmla="*/ 1084 w 1099"/>
+              <a:gd name="T19" fmla="*/ 525 h 968"/>
+              <a:gd name="T20" fmla="*/ 1084 w 1099"/>
+              <a:gd name="T21" fmla="*/ 443 h 968"/>
+              <a:gd name="T22" fmla="*/ 852 w 1099"/>
+              <a:gd name="T23" fmla="*/ 42 h 968"/>
+              <a:gd name="T24" fmla="*/ 781 w 1099"/>
+              <a:gd name="T25" fmla="*/ 0 h 968"/>
+            </a:gdLst>
+            <a:ahLst/>
+            <a:cxnLst>
+              <a:cxn ang="0">
+                <a:pos x="T0" y="T1"/>
+              </a:cxn>
+              <a:cxn ang="0">
+                <a:pos x="T2" y="T3"/>
+              </a:cxn>
+              <a:cxn ang="0">
+                <a:pos x="T4" y="T5"/>
+              </a:cxn>
+              <a:cxn ang="0">
+                <a:pos x="T6" y="T7"/>
+              </a:cxn>
+              <a:cxn ang="0">
+                <a:pos x="T8" y="T9"/>
+              </a:cxn>
+              <a:cxn ang="0">
+                <a:pos x="T10" y="T11"/>
+              </a:cxn>
+              <a:cxn ang="0">
+                <a:pos x="T12" y="T13"/>
+              </a:cxn>
+              <a:cxn ang="0">
+                <a:pos x="T14" y="T15"/>
+              </a:cxn>
+              <a:cxn ang="0">
+                <a:pos x="T16" y="T17"/>
+              </a:cxn>
+              <a:cxn ang="0">
+                <a:pos x="T18" y="T19"/>
+              </a:cxn>
+              <a:cxn ang="0">
+                <a:pos x="T20" y="T21"/>
+              </a:cxn>
+              <a:cxn ang="0">
+                <a:pos x="T22" y="T23"/>
+              </a:cxn>
+              <a:cxn ang="0">
+                <a:pos x="T24" y="T25"/>
+              </a:cxn>
+            </a:cxnLst>
+            <a:rect l="0" t="0" r="r" b="b"/>
+            <a:pathLst>
+              <a:path w="1099" h="968">
+                <a:moveTo>
+                  <a:pt x="781" y="0"/>
+                </a:moveTo>
+                <a:cubicBezTo>
+                  <a:pt x="318" y="0"/>
+                  <a:pt x="318" y="0"/>
+                  <a:pt x="318" y="0"/>
+                </a:cubicBezTo>
+                <a:cubicBezTo>
+                  <a:pt x="288" y="0"/>
+                  <a:pt x="261" y="16"/>
+                  <a:pt x="246" y="42"/>
+                </a:cubicBezTo>
+                <a:cubicBezTo>
+                  <a:pt x="15" y="443"/>
+                  <a:pt x="15" y="443"/>
+                  <a:pt x="15" y="443"/>
+                </a:cubicBezTo>
+                <a:cubicBezTo>
+                  <a:pt x="0" y="468"/>
+                  <a:pt x="0" y="500"/>
+                  <a:pt x="15" y="525"/>
+                </a:cubicBezTo>
+                <a:cubicBezTo>
+                  <a:pt x="246" y="926"/>
+                  <a:pt x="246" y="926"/>
+                  <a:pt x="246" y="926"/>
+                </a:cubicBezTo>
+                <a:cubicBezTo>
+                  <a:pt x="261" y="952"/>
+                  <a:pt x="288" y="968"/>
+                  <a:pt x="318" y="968"/>
+                </a:cubicBezTo>
+                <a:cubicBezTo>
+                  <a:pt x="781" y="968"/>
+                  <a:pt x="781" y="968"/>
+                  <a:pt x="781" y="968"/>
+                </a:cubicBezTo>
+                <a:cubicBezTo>
+                  <a:pt x="810" y="968"/>
+                  <a:pt x="838" y="952"/>
+                  <a:pt x="852" y="926"/>
+                </a:cubicBezTo>
+                <a:cubicBezTo>
+                  <a:pt x="1084" y="525"/>
+                  <a:pt x="1084" y="525"/>
+                  <a:pt x="1084" y="525"/>
+                </a:cubicBezTo>
+                <a:cubicBezTo>
+                  <a:pt x="1099" y="500"/>
+                  <a:pt x="1099" y="468"/>
+                  <a:pt x="1084" y="443"/>
+                </a:cubicBezTo>
+                <a:cubicBezTo>
+                  <a:pt x="852" y="42"/>
+                  <a:pt x="852" y="42"/>
+                  <a:pt x="852" y="42"/>
+                </a:cubicBezTo>
+                <a:cubicBezTo>
+                  <a:pt x="838" y="16"/>
+                  <a:pt x="810" y="0"/>
+                  <a:pt x="781" y="0"/>
+                </a:cubicBezTo>
+                <a:close/>
+              </a:path>
+            </a:pathLst>
+          </a:custGeom>
+          <a:noFill/>
+          <a:ln w="63500" cap="flat">
+            <a:solidFill>
+              <a:schemeClr val="tx1">
+                <a:lumMod val="75000"/>
+                <a:lumOff val="25000"/>
+              </a:schemeClr>
+            </a:solidFill>
+            <a:prstDash val="solid"/>
+            <a:miter lim="800000"/>
+            <a:headEnd/>
+            <a:tailEnd/>
+          </a:ln>
+        </p:spPr>
+        <p:txBody>
+          <a:bodyPr vert="horz" wrap="square" lIns="91440" tIns="45720" rIns="91440" bIns="45720" numCol="1" anchor="t" anchorCtr="0" compatLnSpc="1">
+            <a:prstTxWarp prst="textNoShape">
+              <a:avLst/>
+            </a:prstTxWarp>
+          </a:bodyPr>
+          <a:lstStyle/>
+          <a:p>
+            <a:endParaRPr lang="en-US" dirty="0"/>
+          </a:p>
+        </p:txBody>
+      </p:sp>
+      <p:sp>
+        <p:nvSpPr>
+          <p:cNvPr id="5" name="Slide Number Placeholder 4">
+            <a:extLst>
+              <a:ext uri="{FF2B5EF4-FFF2-40B4-BE49-F238E27FC236}">
+                <a16:creationId xmlns:a16="http://schemas.microsoft.com/office/drawing/2014/main" xmlns="" id="{BDD5A594-D852-43BB-B591-E9D9027253BD}"/>
+              </a:ext>
+            </a:extLst>
+          </p:cNvPr>
+          <p:cNvSpPr>
+            <a:spLocks noGrp="1"/>
+          </p:cNvSpPr>
+          <p:nvPr>
+            <p:ph type="sldNum" sz="quarter" idx="12"/>
+          </p:nvPr>
+        </p:nvSpPr>
+        <p:spPr/>
+        <p:txBody>
+          <a:bodyPr/>
+          <a:lstStyle/>
+          <a:p>
+            <a:fld id="{19B51A1E-902D-48AF-9020-955120F399B6}" type="slidenum">
+              <a:rPr lang="en-US" smtClean="0"/>
+              <a:pPr/>
+              <a:t>2</a:t>
+            </a:fld>
+            <a:endParaRPr lang="en-US" dirty="0"/>
+          </a:p>
+        </p:txBody>
+      </p:sp>
+    </p:spTree>
+    <p:extLst>
+      <p:ext uri="{BB962C8B-B14F-4D97-AF65-F5344CB8AC3E}">
+        <p14:creationId xmlns:p14="http://schemas.microsoft.com/office/powerpoint/2010/main" val="4091674644"/>
+      </p:ext>
+    </p:extLst>
+  </p:cSld>
+  <p:clrMapOvr>
+    <a:masterClrMapping/>
+  </p:clrMapOvr>
+  <p:timing>
+    <p:tnLst>
+      <p:par>
+        <p:cTn id="1" dur="indefinite" restart="never" nodeType="tmRoot"/>
+      </p:par>
+    </p:tnLst>
+  </p:timing>
+</p:sld>
+</file>
+
+<file path=ppt/slides/slide20.xml><?xml version="1.0" encoding="utf-8"?>
+<p:sld xmlns:a="http://schemas.openxmlformats.org/drawingml/2006/main" xmlns:r="http://schemas.openxmlformats.org/officeDocument/2006/relationships" xmlns:p="http://schemas.openxmlformats.org/presentationml/2006/main">
+  <p:cSld>
+    <p:spTree>
+      <p:nvGrpSpPr>
+        <p:cNvPr id="1" name=""/>
+        <p:cNvGrpSpPr/>
+        <p:nvPr/>
+      </p:nvGrpSpPr>
+      <p:grpSpPr>
+        <a:xfrm>
+          <a:off x="0" y="0"/>
+          <a:ext cx="0" cy="0"/>
+          <a:chOff x="0" y="0"/>
+          <a:chExt cx="0" cy="0"/>
+        </a:xfrm>
+      </p:grpSpPr>
       <p:sp>
         <p:nvSpPr>
           <p:cNvPr id="2" name="Title 1">
             <a:extLst>
               <a:ext uri="{FF2B5EF4-FFF2-40B4-BE49-F238E27FC236}">
-                <a16:creationId xmlns="" xmlns:a16="http://schemas.microsoft.com/office/drawing/2014/main" id="{19304E83-A4F0-49C5-BB01-F5773509A2B3}"/>
+                <a16:creationId xmlns:a16="http://schemas.microsoft.com/office/drawing/2014/main" xmlns="" id="{19304E83-A4F0-49C5-BB01-F5773509A2B3}"/>
               </a:ext>
             </a:extLst>
           </p:cNvPr>
@@ -28705,7 +30957,7 @@
           <p:cNvPr id="3" name="Text Placeholder 2">
             <a:extLst>
               <a:ext uri="{FF2B5EF4-FFF2-40B4-BE49-F238E27FC236}">
-                <a16:creationId xmlns="" xmlns:a16="http://schemas.microsoft.com/office/drawing/2014/main" id="{7CA42D59-EAD6-4F95-84F1-32A30F057856}"/>
+                <a16:creationId xmlns:a16="http://schemas.microsoft.com/office/drawing/2014/main" xmlns="" id="{7CA42D59-EAD6-4F95-84F1-32A30F057856}"/>
               </a:ext>
             </a:extLst>
           </p:cNvPr>
@@ -28733,7 +30985,7 @@
           <p:cNvPr id="4" name="Text Placeholder 3">
             <a:extLst>
               <a:ext uri="{FF2B5EF4-FFF2-40B4-BE49-F238E27FC236}">
-                <a16:creationId xmlns="" xmlns:a16="http://schemas.microsoft.com/office/drawing/2014/main" id="{6AB259A0-0017-492F-A0DC-4B70C7052AE0}"/>
+                <a16:creationId xmlns:a16="http://schemas.microsoft.com/office/drawing/2014/main" xmlns="" id="{6AB259A0-0017-492F-A0DC-4B70C7052AE0}"/>
               </a:ext>
             </a:extLst>
           </p:cNvPr>
@@ -28766,7 +31018,7 @@
           <p:cNvPr id="6" name="Text Placeholder 5">
             <a:extLst>
               <a:ext uri="{FF2B5EF4-FFF2-40B4-BE49-F238E27FC236}">
-                <a16:creationId xmlns="" xmlns:a16="http://schemas.microsoft.com/office/drawing/2014/main" id="{B237D1CA-B91A-410E-A968-D017BBE99F99}"/>
+                <a16:creationId xmlns:a16="http://schemas.microsoft.com/office/drawing/2014/main" xmlns="" id="{B237D1CA-B91A-410E-A968-D017BBE99F99}"/>
               </a:ext>
             </a:extLst>
           </p:cNvPr>
@@ -28799,7 +31051,7 @@
           <p:cNvPr id="7" name="Text Placeholder 6">
             <a:extLst>
               <a:ext uri="{FF2B5EF4-FFF2-40B4-BE49-F238E27FC236}">
-                <a16:creationId xmlns="" xmlns:a16="http://schemas.microsoft.com/office/drawing/2014/main" id="{26A87885-D672-4CF9-A78D-CFE98385B03A}"/>
+                <a16:creationId xmlns:a16="http://schemas.microsoft.com/office/drawing/2014/main" xmlns="" id="{26A87885-D672-4CF9-A78D-CFE98385B03A}"/>
               </a:ext>
             </a:extLst>
           </p:cNvPr>
@@ -28846,7 +31098,7 @@
           <p:cNvPr id="8" name="Slide Number Placeholder 7">
             <a:extLst>
               <a:ext uri="{FF2B5EF4-FFF2-40B4-BE49-F238E27FC236}">
-                <a16:creationId xmlns="" xmlns:a16="http://schemas.microsoft.com/office/drawing/2014/main" id="{E6AC9832-FB01-464A-9824-61887B77997E}"/>
+                <a16:creationId xmlns:a16="http://schemas.microsoft.com/office/drawing/2014/main" xmlns="" id="{E6AC9832-FB01-464A-9824-61887B77997E}"/>
               </a:ext>
             </a:extLst>
           </p:cNvPr>
@@ -28865,7 +31117,7 @@
             <a:fld id="{19B51A1E-902D-48AF-9020-955120F399B6}" type="slidenum">
               <a:rPr lang="en-US" smtClean="0"/>
               <a:pPr/>
-              <a:t>18</a:t>
+              <a:t>20</a:t>
             </a:fld>
             <a:endParaRPr lang="en-US" dirty="0"/>
           </a:p>
@@ -29063,7 +31315,726 @@
 </p:sld>
 </file>
 
-<file path=ppt/slides/slide19.xml><?xml version="1.0" encoding="utf-8"?>
+<file path=ppt/slides/slide21.xml><?xml version="1.0" encoding="utf-8"?>
+<p:sld xmlns:a="http://schemas.openxmlformats.org/drawingml/2006/main" xmlns:r="http://schemas.openxmlformats.org/officeDocument/2006/relationships" xmlns:p="http://schemas.openxmlformats.org/presentationml/2006/main">
+  <p:cSld>
+    <p:spTree>
+      <p:nvGrpSpPr>
+        <p:cNvPr id="1" name=""/>
+        <p:cNvGrpSpPr/>
+        <p:nvPr/>
+      </p:nvGrpSpPr>
+      <p:grpSpPr>
+        <a:xfrm>
+          <a:off x="0" y="0"/>
+          <a:ext cx="0" cy="0"/>
+          <a:chOff x="0" y="0"/>
+          <a:chExt cx="0" cy="0"/>
+        </a:xfrm>
+      </p:grpSpPr>
+      <p:sp>
+        <p:nvSpPr>
+          <p:cNvPr id="3" name="Text Placeholder 2"/>
+          <p:cNvSpPr>
+            <a:spLocks noGrp="1"/>
+          </p:cNvSpPr>
+          <p:nvPr>
+            <p:ph type="body" sz="quarter" idx="32"/>
+          </p:nvPr>
+        </p:nvSpPr>
+        <p:spPr/>
+        <p:txBody>
+          <a:bodyPr/>
+          <a:lstStyle/>
+          <a:p>
+            <a:endParaRPr lang="en-US"/>
+          </a:p>
+        </p:txBody>
+      </p:sp>
+      <p:sp>
+        <p:nvSpPr>
+          <p:cNvPr id="4" name="Text Placeholder 3"/>
+          <p:cNvSpPr>
+            <a:spLocks noGrp="1"/>
+          </p:cNvSpPr>
+          <p:nvPr>
+            <p:ph type="body" idx="1"/>
+          </p:nvPr>
+        </p:nvSpPr>
+        <p:spPr/>
+        <p:txBody>
+          <a:bodyPr/>
+          <a:lstStyle/>
+          <a:p>
+            <a:endParaRPr lang="en-US"/>
+          </a:p>
+        </p:txBody>
+      </p:sp>
+      <p:sp>
+        <p:nvSpPr>
+          <p:cNvPr id="5" name="Content Placeholder 4"/>
+          <p:cNvSpPr>
+            <a:spLocks noGrp="1"/>
+          </p:cNvSpPr>
+          <p:nvPr>
+            <p:ph sz="half" idx="2"/>
+          </p:nvPr>
+        </p:nvSpPr>
+        <p:spPr/>
+        <p:txBody>
+          <a:bodyPr/>
+          <a:lstStyle/>
+          <a:p>
+            <a:endParaRPr lang="en-US"/>
+          </a:p>
+        </p:txBody>
+      </p:sp>
+      <p:sp>
+        <p:nvSpPr>
+          <p:cNvPr id="6" name="Text Placeholder 5"/>
+          <p:cNvSpPr>
+            <a:spLocks noGrp="1"/>
+          </p:cNvSpPr>
+          <p:nvPr>
+            <p:ph type="body" sz="quarter" idx="13"/>
+          </p:nvPr>
+        </p:nvSpPr>
+        <p:spPr/>
+        <p:txBody>
+          <a:bodyPr/>
+          <a:lstStyle/>
+          <a:p>
+            <a:endParaRPr lang="en-US"/>
+          </a:p>
+        </p:txBody>
+      </p:sp>
+      <p:sp>
+        <p:nvSpPr>
+          <p:cNvPr id="7" name="Text Placeholder 6"/>
+          <p:cNvSpPr>
+            <a:spLocks noGrp="1"/>
+          </p:cNvSpPr>
+          <p:nvPr>
+            <p:ph type="body" sz="quarter" idx="12"/>
+          </p:nvPr>
+        </p:nvSpPr>
+        <p:spPr/>
+        <p:txBody>
+          <a:bodyPr/>
+          <a:lstStyle/>
+          <a:p>
+            <a:endParaRPr lang="en-US" dirty="0"/>
+          </a:p>
+        </p:txBody>
+      </p:sp>
+      <p:sp>
+        <p:nvSpPr>
+          <p:cNvPr id="8" name="Slide Number Placeholder 7"/>
+          <p:cNvSpPr>
+            <a:spLocks noGrp="1"/>
+          </p:cNvSpPr>
+          <p:nvPr>
+            <p:ph type="sldNum" sz="quarter" idx="33"/>
+          </p:nvPr>
+        </p:nvSpPr>
+        <p:spPr/>
+        <p:txBody>
+          <a:bodyPr/>
+          <a:lstStyle/>
+          <a:p>
+            <a:fld id="{19B51A1E-902D-48AF-9020-955120F399B6}" type="slidenum">
+              <a:rPr lang="en-US" noProof="0" smtClean="0"/>
+              <a:pPr/>
+              <a:t>21</a:t>
+            </a:fld>
+            <a:endParaRPr lang="en-US" noProof="0" dirty="0"/>
+          </a:p>
+        </p:txBody>
+      </p:sp>
+      <p:pic>
+        <p:nvPicPr>
+          <p:cNvPr id="2050" name="Picture 2" descr="An ailing Irrfan Khan sends emotional letter from London ..."/>
+          <p:cNvPicPr>
+            <a:picLocks noChangeAspect="1" noChangeArrowheads="1"/>
+          </p:cNvPicPr>
+          <p:nvPr/>
+        </p:nvPicPr>
+        <p:blipFill>
+          <a:blip r:embed="rId2">
+            <a:extLst>
+              <a:ext uri="{28A0092B-C50C-407E-A947-70E740481C1C}">
+                <a14:useLocalDpi xmlns:a14="http://schemas.microsoft.com/office/drawing/2010/main" val="0"/>
+              </a:ext>
+            </a:extLst>
+          </a:blip>
+          <a:srcRect/>
+          <a:stretch>
+            <a:fillRect/>
+          </a:stretch>
+        </p:blipFill>
+        <p:spPr bwMode="auto">
+          <a:xfrm>
+            <a:off x="0" y="13447"/>
+            <a:ext cx="10394576" cy="6826290"/>
+          </a:xfrm>
+          <a:prstGeom prst="rect">
+            <a:avLst/>
+          </a:prstGeom>
+          <a:noFill/>
+          <a:extLst>
+            <a:ext uri="{909E8E84-426E-40DD-AFC4-6F175D3DCCD1}">
+              <a14:hiddenFill xmlns:a14="http://schemas.microsoft.com/office/drawing/2010/main">
+                <a:solidFill>
+                  <a:srgbClr val="FFFFFF"/>
+                </a:solidFill>
+              </a14:hiddenFill>
+            </a:ext>
+          </a:extLst>
+        </p:spPr>
+      </p:pic>
+      <p:sp>
+        <p:nvSpPr>
+          <p:cNvPr id="2" name="Title 1"/>
+          <p:cNvSpPr>
+            <a:spLocks noGrp="1"/>
+          </p:cNvSpPr>
+          <p:nvPr>
+            <p:ph type="title"/>
+          </p:nvPr>
+        </p:nvSpPr>
+        <p:spPr>
+          <a:xfrm>
+            <a:off x="6929772" y="813498"/>
+            <a:ext cx="3047946" cy="1109003"/>
+          </a:xfrm>
+        </p:spPr>
+        <p:txBody>
+          <a:bodyPr/>
+          <a:lstStyle/>
+          <a:p>
+            <a:pPr algn="ctr"/>
+            <a:r>
+              <a:rPr lang="en-US" b="1" dirty="0" smtClean="0">
+                <a:solidFill>
+                  <a:schemeClr val="accent6"/>
+                </a:solidFill>
+              </a:rPr>
+              <a:t>WE LOVE YOU </a:t>
+            </a:r>
+            <a:r>
+              <a:rPr lang="en-US" b="1" dirty="0" smtClean="0">
+                <a:solidFill>
+                  <a:schemeClr val="bg1"/>
+                </a:solidFill>
+              </a:rPr>
+              <a:t/>
+            </a:r>
+            <a:br>
+              <a:rPr lang="en-US" b="1" dirty="0" smtClean="0">
+                <a:solidFill>
+                  <a:schemeClr val="bg1"/>
+                </a:solidFill>
+              </a:rPr>
+            </a:br>
+            <a:r>
+              <a:rPr lang="en-US" sz="4000" b="1" dirty="0" smtClean="0">
+                <a:solidFill>
+                  <a:schemeClr val="bg1"/>
+                </a:solidFill>
+              </a:rPr>
+              <a:t>IRFAN KHAN</a:t>
+            </a:r>
+            <a:endParaRPr lang="en-US" sz="4000" b="1" dirty="0">
+              <a:solidFill>
+                <a:schemeClr val="bg1"/>
+              </a:solidFill>
+            </a:endParaRPr>
+          </a:p>
+        </p:txBody>
+      </p:sp>
+      <p:sp>
+        <p:nvSpPr>
+          <p:cNvPr id="10" name="Title 1"/>
+          <p:cNvSpPr txBox="1">
+            <a:spLocks/>
+          </p:cNvSpPr>
+          <p:nvPr/>
+        </p:nvSpPr>
+        <p:spPr>
+          <a:xfrm>
+            <a:off x="654450" y="6137462"/>
+            <a:ext cx="9085675" cy="554501"/>
+          </a:xfrm>
+          <a:prstGeom prst="rect">
+            <a:avLst/>
+          </a:prstGeom>
+        </p:spPr>
+        <p:txBody>
+          <a:bodyPr vert="horz" lIns="0" tIns="0" rIns="0" bIns="0" rtlCol="0" anchor="ctr">
+            <a:noAutofit/>
+          </a:bodyPr>
+          <a:lstStyle>
+            <a:lvl1pPr algn="l" defTabSz="914400" rtl="0" eaLnBrk="1" latinLnBrk="0" hangingPunct="1">
+              <a:lnSpc>
+                <a:spcPct val="90000"/>
+              </a:lnSpc>
+              <a:spcBef>
+                <a:spcPct val="0"/>
+              </a:spcBef>
+              <a:buNone/>
+              <a:defRPr sz="3200" kern="1200">
+                <a:solidFill>
+                  <a:schemeClr val="tx1">
+                    <a:lumMod val="75000"/>
+                    <a:lumOff val="25000"/>
+                  </a:schemeClr>
+                </a:solidFill>
+                <a:latin typeface="+mj-lt"/>
+                <a:ea typeface="+mj-ea"/>
+                <a:cs typeface="+mj-cs"/>
+              </a:defRPr>
+            </a:lvl1pPr>
+          </a:lstStyle>
+          <a:p>
+            <a:pPr algn="ctr"/>
+            <a:r>
+              <a:rPr lang="en-US" b="1" dirty="0" smtClean="0">
+                <a:solidFill>
+                  <a:schemeClr val="tx1"/>
+                </a:solidFill>
+                <a:effectLst>
+                  <a:outerShdw blurRad="38100" dist="38100" dir="2700000" algn="tl">
+                    <a:srgbClr val="000000">
+                      <a:alpha val="43137"/>
+                    </a:srgbClr>
+                  </a:outerShdw>
+                </a:effectLst>
+              </a:rPr>
+              <a:t>IRFAN KHAN Dies Today with </a:t>
+            </a:r>
+            <a:r>
+              <a:rPr lang="en-US" sz="4000" b="1" dirty="0">
+                <a:solidFill>
+                  <a:schemeClr val="tx1"/>
+                </a:solidFill>
+                <a:effectLst>
+                  <a:outerShdw blurRad="38100" dist="38100" dir="2700000" algn="tl">
+                    <a:srgbClr val="000000">
+                      <a:alpha val="43137"/>
+                    </a:srgbClr>
+                  </a:outerShdw>
+                </a:effectLst>
+              </a:rPr>
+              <a:t>C</a:t>
+            </a:r>
+            <a:r>
+              <a:rPr lang="en-US" sz="4000" b="1" dirty="0" smtClean="0">
+                <a:solidFill>
+                  <a:schemeClr val="tx1"/>
+                </a:solidFill>
+                <a:effectLst>
+                  <a:outerShdw blurRad="38100" dist="38100" dir="2700000" algn="tl">
+                    <a:srgbClr val="000000">
+                      <a:alpha val="43137"/>
+                    </a:srgbClr>
+                  </a:outerShdw>
+                </a:effectLst>
+              </a:rPr>
+              <a:t>olon </a:t>
+            </a:r>
+            <a:r>
+              <a:rPr lang="en-US" sz="4000" b="1" dirty="0">
+                <a:solidFill>
+                  <a:schemeClr val="tx1"/>
+                </a:solidFill>
+                <a:effectLst>
+                  <a:outerShdw blurRad="38100" dist="38100" dir="2700000" algn="tl">
+                    <a:srgbClr val="000000">
+                      <a:alpha val="43137"/>
+                    </a:srgbClr>
+                  </a:outerShdw>
+                </a:effectLst>
+              </a:rPr>
+              <a:t>I</a:t>
+            </a:r>
+            <a:r>
+              <a:rPr lang="en-US" sz="4000" b="1" dirty="0" smtClean="0">
+                <a:solidFill>
+                  <a:schemeClr val="tx1"/>
+                </a:solidFill>
+                <a:effectLst>
+                  <a:outerShdw blurRad="38100" dist="38100" dir="2700000" algn="tl">
+                    <a:srgbClr val="000000">
+                      <a:alpha val="43137"/>
+                    </a:srgbClr>
+                  </a:outerShdw>
+                </a:effectLst>
+              </a:rPr>
+              <a:t>nfection</a:t>
+            </a:r>
+            <a:endParaRPr lang="en-US" sz="4000" b="1" dirty="0">
+              <a:solidFill>
+                <a:schemeClr val="tx1"/>
+              </a:solidFill>
+              <a:effectLst>
+                <a:outerShdw blurRad="38100" dist="38100" dir="2700000" algn="tl">
+                  <a:srgbClr val="000000">
+                    <a:alpha val="43137"/>
+                  </a:srgbClr>
+                </a:outerShdw>
+              </a:effectLst>
+            </a:endParaRPr>
+          </a:p>
+        </p:txBody>
+      </p:sp>
+    </p:spTree>
+    <p:extLst>
+      <p:ext uri="{BB962C8B-B14F-4D97-AF65-F5344CB8AC3E}">
+        <p14:creationId xmlns:p14="http://schemas.microsoft.com/office/powerpoint/2010/main" val="1804184851"/>
+      </p:ext>
+    </p:extLst>
+  </p:cSld>
+  <p:clrMapOvr>
+    <a:masterClrMapping/>
+  </p:clrMapOvr>
+  <p:timing>
+    <p:tnLst>
+      <p:par>
+        <p:cTn id="1" dur="indefinite" restart="never" nodeType="tmRoot"/>
+      </p:par>
+    </p:tnLst>
+  </p:timing>
+</p:sld>
+</file>
+
+<file path=ppt/slides/slide22.xml><?xml version="1.0" encoding="utf-8"?>
+<p:sld xmlns:a="http://schemas.openxmlformats.org/drawingml/2006/main" xmlns:r="http://schemas.openxmlformats.org/officeDocument/2006/relationships" xmlns:p="http://schemas.openxmlformats.org/presentationml/2006/main">
+  <p:cSld>
+    <p:spTree>
+      <p:nvGrpSpPr>
+        <p:cNvPr id="1" name=""/>
+        <p:cNvGrpSpPr/>
+        <p:nvPr/>
+      </p:nvGrpSpPr>
+      <p:grpSpPr>
+        <a:xfrm>
+          <a:off x="0" y="0"/>
+          <a:ext cx="0" cy="0"/>
+          <a:chOff x="0" y="0"/>
+          <a:chExt cx="0" cy="0"/>
+        </a:xfrm>
+      </p:grpSpPr>
+      <p:sp>
+        <p:nvSpPr>
+          <p:cNvPr id="3" name="Text Placeholder 2"/>
+          <p:cNvSpPr>
+            <a:spLocks noGrp="1"/>
+          </p:cNvSpPr>
+          <p:nvPr>
+            <p:ph type="body" sz="quarter" idx="32"/>
+          </p:nvPr>
+        </p:nvSpPr>
+        <p:spPr/>
+        <p:txBody>
+          <a:bodyPr/>
+          <a:lstStyle/>
+          <a:p>
+            <a:endParaRPr lang="en-US"/>
+          </a:p>
+        </p:txBody>
+      </p:sp>
+      <p:sp>
+        <p:nvSpPr>
+          <p:cNvPr id="4" name="Text Placeholder 3"/>
+          <p:cNvSpPr>
+            <a:spLocks noGrp="1"/>
+          </p:cNvSpPr>
+          <p:nvPr>
+            <p:ph type="body" idx="1"/>
+          </p:nvPr>
+        </p:nvSpPr>
+        <p:spPr/>
+        <p:txBody>
+          <a:bodyPr/>
+          <a:lstStyle/>
+          <a:p>
+            <a:endParaRPr lang="en-US"/>
+          </a:p>
+        </p:txBody>
+      </p:sp>
+      <p:sp>
+        <p:nvSpPr>
+          <p:cNvPr id="5" name="Content Placeholder 4"/>
+          <p:cNvSpPr>
+            <a:spLocks noGrp="1"/>
+          </p:cNvSpPr>
+          <p:nvPr>
+            <p:ph sz="half" idx="2"/>
+          </p:nvPr>
+        </p:nvSpPr>
+        <p:spPr/>
+        <p:txBody>
+          <a:bodyPr/>
+          <a:lstStyle/>
+          <a:p>
+            <a:endParaRPr lang="en-US"/>
+          </a:p>
+        </p:txBody>
+      </p:sp>
+      <p:sp>
+        <p:nvSpPr>
+          <p:cNvPr id="6" name="Text Placeholder 5"/>
+          <p:cNvSpPr>
+            <a:spLocks noGrp="1"/>
+          </p:cNvSpPr>
+          <p:nvPr>
+            <p:ph type="body" sz="quarter" idx="13"/>
+          </p:nvPr>
+        </p:nvSpPr>
+        <p:spPr/>
+        <p:txBody>
+          <a:bodyPr/>
+          <a:lstStyle/>
+          <a:p>
+            <a:endParaRPr lang="en-US"/>
+          </a:p>
+        </p:txBody>
+      </p:sp>
+      <p:sp>
+        <p:nvSpPr>
+          <p:cNvPr id="7" name="Text Placeholder 6"/>
+          <p:cNvSpPr>
+            <a:spLocks noGrp="1"/>
+          </p:cNvSpPr>
+          <p:nvPr>
+            <p:ph type="body" sz="quarter" idx="12"/>
+          </p:nvPr>
+        </p:nvSpPr>
+        <p:spPr/>
+        <p:txBody>
+          <a:bodyPr/>
+          <a:lstStyle/>
+          <a:p>
+            <a:endParaRPr lang="en-US" dirty="0"/>
+          </a:p>
+        </p:txBody>
+      </p:sp>
+      <p:sp>
+        <p:nvSpPr>
+          <p:cNvPr id="8" name="Slide Number Placeholder 7"/>
+          <p:cNvSpPr>
+            <a:spLocks noGrp="1"/>
+          </p:cNvSpPr>
+          <p:nvPr>
+            <p:ph type="sldNum" sz="quarter" idx="33"/>
+          </p:nvPr>
+        </p:nvSpPr>
+        <p:spPr/>
+        <p:txBody>
+          <a:bodyPr/>
+          <a:lstStyle/>
+          <a:p>
+            <a:fld id="{19B51A1E-902D-48AF-9020-955120F399B6}" type="slidenum">
+              <a:rPr lang="en-US" noProof="0" smtClean="0"/>
+              <a:pPr/>
+              <a:t>22</a:t>
+            </a:fld>
+            <a:endParaRPr lang="en-US" noProof="0" dirty="0"/>
+          </a:p>
+        </p:txBody>
+      </p:sp>
+      <p:pic>
+        <p:nvPicPr>
+          <p:cNvPr id="1026" name="Picture 2" descr="7 Tweets That Prove Rishi Kapoor Is Awesome At Twitter | HuffPost ..."/>
+          <p:cNvPicPr>
+            <a:picLocks noChangeAspect="1" noChangeArrowheads="1"/>
+          </p:cNvPicPr>
+          <p:nvPr/>
+        </p:nvPicPr>
+        <p:blipFill>
+          <a:blip r:embed="rId2">
+            <a:extLst>
+              <a:ext uri="{28A0092B-C50C-407E-A947-70E740481C1C}">
+                <a14:useLocalDpi xmlns:a14="http://schemas.microsoft.com/office/drawing/2010/main" val="0"/>
+              </a:ext>
+            </a:extLst>
+          </a:blip>
+          <a:srcRect/>
+          <a:stretch>
+            <a:fillRect/>
+          </a:stretch>
+        </p:blipFill>
+        <p:spPr bwMode="auto">
+          <a:xfrm>
+            <a:off x="0" y="-1"/>
+            <a:ext cx="12102934" cy="6051469"/>
+          </a:xfrm>
+          <a:prstGeom prst="rect">
+            <a:avLst/>
+          </a:prstGeom>
+          <a:noFill/>
+          <a:extLst>
+            <a:ext uri="{909E8E84-426E-40DD-AFC4-6F175D3DCCD1}">
+              <a14:hiddenFill xmlns:a14="http://schemas.microsoft.com/office/drawing/2010/main">
+                <a:solidFill>
+                  <a:srgbClr val="FFFFFF"/>
+                </a:solidFill>
+              </a14:hiddenFill>
+            </a:ext>
+          </a:extLst>
+        </p:spPr>
+      </p:pic>
+      <p:sp>
+        <p:nvSpPr>
+          <p:cNvPr id="2" name="Title 1"/>
+          <p:cNvSpPr>
+            <a:spLocks noGrp="1"/>
+          </p:cNvSpPr>
+          <p:nvPr>
+            <p:ph type="title"/>
+          </p:nvPr>
+        </p:nvSpPr>
+        <p:spPr>
+          <a:xfrm>
+            <a:off x="120054" y="363834"/>
+            <a:ext cx="6463626" cy="1109003"/>
+          </a:xfrm>
+        </p:spPr>
+        <p:txBody>
+          <a:bodyPr/>
+          <a:lstStyle/>
+          <a:p>
+            <a:pPr algn="ctr"/>
+            <a:r>
+              <a:rPr lang="en-US" b="1" dirty="0" smtClean="0">
+                <a:solidFill>
+                  <a:srgbClr val="FF0000"/>
+                </a:solidFill>
+              </a:rPr>
+              <a:t>Your life is an Inspiration to many.</a:t>
+            </a:r>
+            <a:endParaRPr lang="en-US" sz="4000" b="1" dirty="0">
+              <a:solidFill>
+                <a:srgbClr val="FF0000"/>
+              </a:solidFill>
+            </a:endParaRPr>
+          </a:p>
+        </p:txBody>
+      </p:sp>
+      <p:sp>
+        <p:nvSpPr>
+          <p:cNvPr id="10" name="Title 1"/>
+          <p:cNvSpPr txBox="1">
+            <a:spLocks/>
+          </p:cNvSpPr>
+          <p:nvPr/>
+        </p:nvSpPr>
+        <p:spPr>
+          <a:xfrm>
+            <a:off x="217995" y="1780248"/>
+            <a:ext cx="6365685" cy="554501"/>
+          </a:xfrm>
+          <a:prstGeom prst="rect">
+            <a:avLst/>
+          </a:prstGeom>
+        </p:spPr>
+        <p:txBody>
+          <a:bodyPr vert="horz" lIns="0" tIns="0" rIns="0" bIns="0" rtlCol="0" anchor="ctr">
+            <a:noAutofit/>
+          </a:bodyPr>
+          <a:lstStyle>
+            <a:lvl1pPr algn="l" defTabSz="914400" rtl="0" eaLnBrk="1" latinLnBrk="0" hangingPunct="1">
+              <a:lnSpc>
+                <a:spcPct val="90000"/>
+              </a:lnSpc>
+              <a:spcBef>
+                <a:spcPct val="0"/>
+              </a:spcBef>
+              <a:buNone/>
+              <a:defRPr sz="3200" kern="1200">
+                <a:solidFill>
+                  <a:schemeClr val="tx1">
+                    <a:lumMod val="75000"/>
+                    <a:lumOff val="25000"/>
+                  </a:schemeClr>
+                </a:solidFill>
+                <a:latin typeface="+mj-lt"/>
+                <a:ea typeface="+mj-ea"/>
+                <a:cs typeface="+mj-cs"/>
+              </a:defRPr>
+            </a:lvl1pPr>
+          </a:lstStyle>
+          <a:p>
+            <a:pPr algn="ctr"/>
+            <a:r>
+              <a:rPr lang="en-US" sz="4000" b="1" dirty="0" smtClean="0">
+                <a:solidFill>
+                  <a:schemeClr val="tx1"/>
+                </a:solidFill>
+                <a:effectLst>
+                  <a:outerShdw blurRad="38100" dist="38100" dir="2700000" algn="tl">
+                    <a:srgbClr val="000000">
+                      <a:alpha val="43137"/>
+                    </a:srgbClr>
+                  </a:outerShdw>
+                </a:effectLst>
+              </a:rPr>
+              <a:t>Today Bollywood lost </a:t>
+            </a:r>
+          </a:p>
+          <a:p>
+            <a:pPr algn="ctr"/>
+            <a:r>
+              <a:rPr lang="en-US" sz="4000" b="1" dirty="0" smtClean="0">
+                <a:solidFill>
+                  <a:srgbClr val="FF0000"/>
+                </a:solidFill>
+                <a:effectLst>
+                  <a:outerShdw blurRad="38100" dist="38100" dir="2700000" algn="tl">
+                    <a:srgbClr val="000000">
+                      <a:alpha val="43137"/>
+                    </a:srgbClr>
+                  </a:outerShdw>
+                </a:effectLst>
+              </a:rPr>
+              <a:t>RISHI KAPOOR</a:t>
+            </a:r>
+            <a:endParaRPr lang="en-US" sz="4800" b="1" dirty="0">
+              <a:solidFill>
+                <a:schemeClr val="tx1"/>
+              </a:solidFill>
+              <a:effectLst>
+                <a:outerShdw blurRad="38100" dist="38100" dir="2700000" algn="tl">
+                  <a:srgbClr val="000000">
+                    <a:alpha val="43137"/>
+                  </a:srgbClr>
+                </a:outerShdw>
+              </a:effectLst>
+            </a:endParaRPr>
+          </a:p>
+        </p:txBody>
+      </p:sp>
+    </p:spTree>
+    <p:extLst>
+      <p:ext uri="{BB962C8B-B14F-4D97-AF65-F5344CB8AC3E}">
+        <p14:creationId xmlns:p14="http://schemas.microsoft.com/office/powerpoint/2010/main" val="3644608314"/>
+      </p:ext>
+    </p:extLst>
+  </p:cSld>
+  <p:clrMapOvr>
+    <a:masterClrMapping/>
+  </p:clrMapOvr>
+  <p:timing>
+    <p:tnLst>
+      <p:par>
+        <p:cTn id="1" dur="indefinite" restart="never" nodeType="tmRoot"/>
+      </p:par>
+    </p:tnLst>
+  </p:timing>
+</p:sld>
+</file>
+
+<file path=ppt/slides/slide23.xml><?xml version="1.0" encoding="utf-8"?>
 <p:sld xmlns:a="http://schemas.openxmlformats.org/drawingml/2006/main" xmlns:r="http://schemas.openxmlformats.org/officeDocument/2006/relationships" xmlns:p="http://schemas.openxmlformats.org/presentationml/2006/main">
   <p:cSld>
     <p:spTree>
@@ -29085,7 +32056,7 @@
           <p:cNvPr id="2" name="Title 1">
             <a:extLst>
               <a:ext uri="{FF2B5EF4-FFF2-40B4-BE49-F238E27FC236}">
-                <a16:creationId xmlns="" xmlns:a16="http://schemas.microsoft.com/office/drawing/2014/main" id="{623FB4D5-DA14-4F29-9320-2DE0A6B571B9}"/>
+                <a16:creationId xmlns:a16="http://schemas.microsoft.com/office/drawing/2014/main" xmlns="" id="{623FB4D5-DA14-4F29-9320-2DE0A6B571B9}"/>
               </a:ext>
             </a:extLst>
           </p:cNvPr>
@@ -29113,7 +32084,7 @@
           <p:cNvPr id="3" name="Text Placeholder 2">
             <a:extLst>
               <a:ext uri="{FF2B5EF4-FFF2-40B4-BE49-F238E27FC236}">
-                <a16:creationId xmlns="" xmlns:a16="http://schemas.microsoft.com/office/drawing/2014/main" id="{DE9D0F75-42B5-4960-8C3A-291285872DAF}"/>
+                <a16:creationId xmlns:a16="http://schemas.microsoft.com/office/drawing/2014/main" xmlns="" id="{DE9D0F75-42B5-4960-8C3A-291285872DAF}"/>
               </a:ext>
             </a:extLst>
           </p:cNvPr>
@@ -29141,7 +32112,7 @@
           <p:cNvPr id="9" name="Slide Number Placeholder 8">
             <a:extLst>
               <a:ext uri="{FF2B5EF4-FFF2-40B4-BE49-F238E27FC236}">
-                <a16:creationId xmlns="" xmlns:a16="http://schemas.microsoft.com/office/drawing/2014/main" id="{00A34EBD-7DEA-4599-A81B-0A363A0E17FC}"/>
+                <a16:creationId xmlns:a16="http://schemas.microsoft.com/office/drawing/2014/main" xmlns="" id="{00A34EBD-7DEA-4599-A81B-0A363A0E17FC}"/>
               </a:ext>
             </a:extLst>
           </p:cNvPr>
@@ -29160,7 +32131,7 @@
             <a:fld id="{19B51A1E-902D-48AF-9020-955120F399B6}" type="slidenum">
               <a:rPr lang="en-US" smtClean="0"/>
               <a:pPr/>
-              <a:t>19</a:t>
+              <a:t>23</a:t>
             </a:fld>
             <a:endParaRPr lang="en-US" dirty="0"/>
           </a:p>
@@ -29171,7 +32142,7 @@
           <p:cNvPr id="11" name="Content Placeholder 10" title="Gross Revenue Placeholder Chart">
             <a:extLst>
               <a:ext uri="{FF2B5EF4-FFF2-40B4-BE49-F238E27FC236}">
-                <a16:creationId xmlns="" xmlns:a16="http://schemas.microsoft.com/office/drawing/2014/main" id="{1F685447-B604-40DF-90C6-AC58E2F6E16A}"/>
+                <a16:creationId xmlns:a16="http://schemas.microsoft.com/office/drawing/2014/main" xmlns="" id="{1F685447-B604-40DF-90C6-AC58E2F6E16A}"/>
               </a:ext>
             </a:extLst>
           </p:cNvPr>
@@ -29202,7 +32173,7 @@
           <p:cNvPr id="12" name="Content Placeholder 11" title="Gross Revenue Placeholder Chart">
             <a:extLst>
               <a:ext uri="{FF2B5EF4-FFF2-40B4-BE49-F238E27FC236}">
-                <a16:creationId xmlns="" xmlns:a16="http://schemas.microsoft.com/office/drawing/2014/main" id="{A0F4BB4A-48F2-43F4-A168-9FECE898C93D}"/>
+                <a16:creationId xmlns:a16="http://schemas.microsoft.com/office/drawing/2014/main" xmlns="" id="{A0F4BB4A-48F2-43F4-A168-9FECE898C93D}"/>
               </a:ext>
             </a:extLst>
           </p:cNvPr>
@@ -29233,7 +32204,7 @@
           <p:cNvPr id="13" name="Content Placeholder 12" title="Gross Revenue Placeholder Chart">
             <a:extLst>
               <a:ext uri="{FF2B5EF4-FFF2-40B4-BE49-F238E27FC236}">
-                <a16:creationId xmlns="" xmlns:a16="http://schemas.microsoft.com/office/drawing/2014/main" id="{D4063C29-62FA-4587-B743-C298C5AA2962}"/>
+                <a16:creationId xmlns:a16="http://schemas.microsoft.com/office/drawing/2014/main" xmlns="" id="{D4063C29-62FA-4587-B743-C298C5AA2962}"/>
               </a:ext>
             </a:extLst>
           </p:cNvPr>
@@ -29279,788 +32250,7 @@
 </p:sld>
 </file>
 
-<file path=ppt/slides/slide2.xml><?xml version="1.0" encoding="utf-8"?>
-<p:sld xmlns:a="http://schemas.openxmlformats.org/drawingml/2006/main" xmlns:r="http://schemas.openxmlformats.org/officeDocument/2006/relationships" xmlns:p="http://schemas.openxmlformats.org/presentationml/2006/main">
-  <p:cSld>
-    <p:spTree>
-      <p:nvGrpSpPr>
-        <p:cNvPr id="1" name=""/>
-        <p:cNvGrpSpPr/>
-        <p:nvPr/>
-      </p:nvGrpSpPr>
-      <p:grpSpPr>
-        <a:xfrm>
-          <a:off x="0" y="0"/>
-          <a:ext cx="0" cy="0"/>
-          <a:chOff x="0" y="0"/>
-          <a:chExt cx="0" cy="0"/>
-        </a:xfrm>
-      </p:grpSpPr>
-      <p:pic>
-        <p:nvPicPr>
-          <p:cNvPr id="8" name="Picture Placeholder 7" descr="Divider slide image">
-            <a:extLst>
-              <a:ext uri="{FF2B5EF4-FFF2-40B4-BE49-F238E27FC236}">
-                <a16:creationId xmlns="" xmlns:a16="http://schemas.microsoft.com/office/drawing/2014/main" id="{177FEC3E-B2FE-9045-8D49-89B1E3D20CB1}"/>
-              </a:ext>
-            </a:extLst>
-          </p:cNvPr>
-          <p:cNvPicPr>
-            <a:picLocks noGrp="1" noChangeAspect="1"/>
-          </p:cNvPicPr>
-          <p:nvPr>
-            <p:ph type="pic" sz="quarter" idx="13"/>
-          </p:nvPr>
-        </p:nvPicPr>
-        <p:blipFill>
-          <a:blip r:embed="rId2" cstate="screen">
-            <a:extLst>
-              <a:ext uri="{28A0092B-C50C-407E-A947-70E740481C1C}">
-                <a14:useLocalDpi xmlns:a14="http://schemas.microsoft.com/office/drawing/2010/main"/>
-              </a:ext>
-            </a:extLst>
-          </a:blip>
-          <a:srcRect/>
-          <a:stretch>
-            <a:fillRect/>
-          </a:stretch>
-        </p:blipFill>
-        <p:spPr/>
-      </p:pic>
-      <p:sp>
-        <p:nvSpPr>
-          <p:cNvPr id="24" name="TextBox 23">
-            <a:extLst>
-              <a:ext uri="{FF2B5EF4-FFF2-40B4-BE49-F238E27FC236}">
-                <a16:creationId xmlns="" xmlns:a16="http://schemas.microsoft.com/office/drawing/2014/main" id="{993B1474-02E3-4509-B5C5-84427653BA68}"/>
-              </a:ext>
-              <a:ext uri="{C183D7F6-B498-43B3-948B-1728B52AA6E4}">
-                <adec:decorative xmlns="" xmlns:adec="http://schemas.microsoft.com/office/drawing/2017/decorative" val="1"/>
-              </a:ext>
-            </a:extLst>
-          </p:cNvPr>
-          <p:cNvSpPr txBox="1">
-            <a:spLocks/>
-          </p:cNvSpPr>
-          <p:nvPr/>
-        </p:nvSpPr>
-        <p:spPr>
-          <a:xfrm>
-            <a:off x="11387102" y="2928857"/>
-            <a:ext cx="804898" cy="3140150"/>
-          </a:xfrm>
-          <a:custGeom>
-            <a:avLst/>
-            <a:gdLst>
-              <a:gd name="connsiteX0" fmla="*/ 99480 w 804898"/>
-              <a:gd name="connsiteY0" fmla="*/ 0 h 3140150"/>
-              <a:gd name="connsiteX1" fmla="*/ 804898 w 804898"/>
-              <a:gd name="connsiteY1" fmla="*/ 0 h 3140150"/>
-              <a:gd name="connsiteX2" fmla="*/ 804898 w 804898"/>
-              <a:gd name="connsiteY2" fmla="*/ 357262 h 3140150"/>
-              <a:gd name="connsiteX3" fmla="*/ 804898 w 804898"/>
-              <a:gd name="connsiteY3" fmla="*/ 2782888 h 3140150"/>
-              <a:gd name="connsiteX4" fmla="*/ 804898 w 804898"/>
-              <a:gd name="connsiteY4" fmla="*/ 3140150 h 3140150"/>
-              <a:gd name="connsiteX5" fmla="*/ 99480 w 804898"/>
-              <a:gd name="connsiteY5" fmla="*/ 3140150 h 3140150"/>
-              <a:gd name="connsiteX6" fmla="*/ 0 w 804898"/>
-              <a:gd name="connsiteY6" fmla="*/ 3013250 h 3140150"/>
-              <a:gd name="connsiteX7" fmla="*/ 0 w 804898"/>
-              <a:gd name="connsiteY7" fmla="*/ 2655988 h 3140150"/>
-              <a:gd name="connsiteX8" fmla="*/ 0 w 804898"/>
-              <a:gd name="connsiteY8" fmla="*/ 484162 h 3140150"/>
-              <a:gd name="connsiteX9" fmla="*/ 0 w 804898"/>
-              <a:gd name="connsiteY9" fmla="*/ 126900 h 3140150"/>
-              <a:gd name="connsiteX10" fmla="*/ 99480 w 804898"/>
-              <a:gd name="connsiteY10" fmla="*/ 0 h 3140150"/>
-            </a:gdLst>
-            <a:ahLst/>
-            <a:cxnLst>
-              <a:cxn ang="0">
-                <a:pos x="connsiteX0" y="connsiteY0"/>
-              </a:cxn>
-              <a:cxn ang="0">
-                <a:pos x="connsiteX1" y="connsiteY1"/>
-              </a:cxn>
-              <a:cxn ang="0">
-                <a:pos x="connsiteX2" y="connsiteY2"/>
-              </a:cxn>
-              <a:cxn ang="0">
-                <a:pos x="connsiteX3" y="connsiteY3"/>
-              </a:cxn>
-              <a:cxn ang="0">
-                <a:pos x="connsiteX4" y="connsiteY4"/>
-              </a:cxn>
-              <a:cxn ang="0">
-                <a:pos x="connsiteX5" y="connsiteY5"/>
-              </a:cxn>
-              <a:cxn ang="0">
-                <a:pos x="connsiteX6" y="connsiteY6"/>
-              </a:cxn>
-              <a:cxn ang="0">
-                <a:pos x="connsiteX7" y="connsiteY7"/>
-              </a:cxn>
-              <a:cxn ang="0">
-                <a:pos x="connsiteX8" y="connsiteY8"/>
-              </a:cxn>
-              <a:cxn ang="0">
-                <a:pos x="connsiteX9" y="connsiteY9"/>
-              </a:cxn>
-              <a:cxn ang="0">
-                <a:pos x="connsiteX10" y="connsiteY10"/>
-              </a:cxn>
-            </a:cxnLst>
-            <a:rect l="l" t="t" r="r" b="b"/>
-            <a:pathLst>
-              <a:path w="804898" h="3140150">
-                <a:moveTo>
-                  <a:pt x="99480" y="0"/>
-                </a:moveTo>
-                <a:lnTo>
-                  <a:pt x="804898" y="0"/>
-                </a:lnTo>
-                <a:lnTo>
-                  <a:pt x="804898" y="357262"/>
-                </a:lnTo>
-                <a:lnTo>
-                  <a:pt x="804898" y="2782888"/>
-                </a:lnTo>
-                <a:lnTo>
-                  <a:pt x="804898" y="3140150"/>
-                </a:lnTo>
-                <a:lnTo>
-                  <a:pt x="99480" y="3140150"/>
-                </a:lnTo>
-                <a:cubicBezTo>
-                  <a:pt x="44539" y="3140150"/>
-                  <a:pt x="0" y="3083334"/>
-                  <a:pt x="0" y="3013250"/>
-                </a:cubicBezTo>
-                <a:lnTo>
-                  <a:pt x="0" y="2655988"/>
-                </a:lnTo>
-                <a:lnTo>
-                  <a:pt x="0" y="484162"/>
-                </a:lnTo>
-                <a:lnTo>
-                  <a:pt x="0" y="126900"/>
-                </a:lnTo>
-                <a:cubicBezTo>
-                  <a:pt x="0" y="56816"/>
-                  <a:pt x="44539" y="0"/>
-                  <a:pt x="99480" y="0"/>
-                </a:cubicBezTo>
-                <a:close/>
-              </a:path>
-            </a:pathLst>
-          </a:custGeom>
-          <a:gradFill>
-            <a:gsLst>
-              <a:gs pos="100000">
-                <a:schemeClr val="tx1">
-                  <a:lumMod val="75000"/>
-                  <a:lumOff val="25000"/>
-                </a:schemeClr>
-              </a:gs>
-              <a:gs pos="0">
-                <a:schemeClr val="tx1"/>
-              </a:gs>
-            </a:gsLst>
-            <a:lin ang="0" scaled="0"/>
-          </a:gradFill>
-          <a:ln w="3175">
-            <a:solidFill>
-              <a:schemeClr val="tx1">
-                <a:lumMod val="85000"/>
-                <a:lumOff val="15000"/>
-              </a:schemeClr>
-            </a:solidFill>
-          </a:ln>
-        </p:spPr>
-        <p:txBody>
-          <a:bodyPr vert="horz" wrap="square" lIns="180000" tIns="288000" rIns="180000" bIns="180000" rtlCol="0" anchor="t">
-            <a:noAutofit/>
-          </a:bodyPr>
-          <a:lstStyle>
-            <a:lvl1pPr algn="l" defTabSz="914400" rtl="0" eaLnBrk="1" latinLnBrk="0" hangingPunct="1">
-              <a:lnSpc>
-                <a:spcPts val="4000"/>
-              </a:lnSpc>
-              <a:spcBef>
-                <a:spcPct val="0"/>
-              </a:spcBef>
-              <a:buNone/>
-              <a:defRPr sz="5000" b="1" kern="1200" spc="-300">
-                <a:solidFill>
-                  <a:schemeClr val="bg1">
-                    <a:lumMod val="95000"/>
-                  </a:schemeClr>
-                </a:solidFill>
-                <a:latin typeface="+mj-lt"/>
-                <a:ea typeface="+mj-ea"/>
-                <a:cs typeface="+mj-cs"/>
-              </a:defRPr>
-            </a:lvl1pPr>
-          </a:lstStyle>
-          <a:p>
-            <a:endParaRPr lang="en-US" dirty="0"/>
-          </a:p>
-        </p:txBody>
-      </p:sp>
-      <p:sp>
-        <p:nvSpPr>
-          <p:cNvPr id="18" name="Isosceles Triangle 17">
-            <a:extLst>
-              <a:ext uri="{FF2B5EF4-FFF2-40B4-BE49-F238E27FC236}">
-                <a16:creationId xmlns="" xmlns:a16="http://schemas.microsoft.com/office/drawing/2014/main" id="{FAB4748B-F532-4C70-827A-5FEA8C084327}"/>
-              </a:ext>
-              <a:ext uri="{C183D7F6-B498-43B3-948B-1728B52AA6E4}">
-                <adec:decorative xmlns="" xmlns:adec="http://schemas.microsoft.com/office/drawing/2017/decorative" val="1"/>
-              </a:ext>
-            </a:extLst>
-          </p:cNvPr>
-          <p:cNvSpPr/>
-          <p:nvPr/>
-        </p:nvSpPr>
-        <p:spPr>
-          <a:xfrm rot="10800000">
-            <a:off x="11391864" y="5548307"/>
-            <a:ext cx="450092" cy="424971"/>
-          </a:xfrm>
-          <a:prstGeom prst="triangle">
-            <a:avLst>
-              <a:gd name="adj" fmla="val 100000"/>
-            </a:avLst>
-          </a:prstGeom>
-          <a:solidFill>
-            <a:schemeClr val="accent1"/>
-          </a:solidFill>
-          <a:ln w="3175">
-            <a:solidFill>
-              <a:schemeClr val="tx1">
-                <a:lumMod val="65000"/>
-                <a:lumOff val="35000"/>
-              </a:schemeClr>
-            </a:solidFill>
-          </a:ln>
-        </p:spPr>
-        <p:style>
-          <a:lnRef idx="2">
-            <a:schemeClr val="accent1">
-              <a:shade val="50000"/>
-            </a:schemeClr>
-          </a:lnRef>
-          <a:fillRef idx="1">
-            <a:schemeClr val="accent1"/>
-          </a:fillRef>
-          <a:effectRef idx="0">
-            <a:schemeClr val="accent1"/>
-          </a:effectRef>
-          <a:fontRef idx="minor">
-            <a:schemeClr val="lt1"/>
-          </a:fontRef>
-        </p:style>
-        <p:txBody>
-          <a:bodyPr rtlCol="0" anchor="ctr"/>
-          <a:lstStyle/>
-          <a:p>
-            <a:pPr algn="ctr"/>
-            <a:endParaRPr lang="en-US" dirty="0"/>
-          </a:p>
-        </p:txBody>
-      </p:sp>
-      <p:sp>
-        <p:nvSpPr>
-          <p:cNvPr id="3" name="Title 2">
-            <a:extLst>
-              <a:ext uri="{FF2B5EF4-FFF2-40B4-BE49-F238E27FC236}">
-                <a16:creationId xmlns="" xmlns:a16="http://schemas.microsoft.com/office/drawing/2014/main" id="{200B3D2B-613A-41BE-987D-E6A1324B456D}"/>
-              </a:ext>
-            </a:extLst>
-          </p:cNvPr>
-          <p:cNvSpPr>
-            <a:spLocks noGrp="1"/>
-          </p:cNvSpPr>
-          <p:nvPr>
-            <p:ph type="ctrTitle"/>
-          </p:nvPr>
-        </p:nvSpPr>
-        <p:spPr>
-          <a:xfrm>
-            <a:off x="7425293" y="2408157"/>
-            <a:ext cx="4459766" cy="3146839"/>
-          </a:xfrm>
-        </p:spPr>
-        <p:txBody>
-          <a:bodyPr/>
-          <a:lstStyle/>
-          <a:p>
-            <a:r>
-              <a:rPr lang="en-US" dirty="0"/>
-              <a:t>Section Divider Option 1</a:t>
-            </a:r>
-          </a:p>
-        </p:txBody>
-      </p:sp>
-      <p:sp>
-        <p:nvSpPr>
-          <p:cNvPr id="4" name="Subtitle 3">
-            <a:extLst>
-              <a:ext uri="{FF2B5EF4-FFF2-40B4-BE49-F238E27FC236}">
-                <a16:creationId xmlns="" xmlns:a16="http://schemas.microsoft.com/office/drawing/2014/main" id="{4772945D-CA91-4CFE-8EB7-941C7618C994}"/>
-              </a:ext>
-            </a:extLst>
-          </p:cNvPr>
-          <p:cNvSpPr>
-            <a:spLocks noGrp="1"/>
-          </p:cNvSpPr>
-          <p:nvPr>
-            <p:ph type="subTitle" idx="1"/>
-          </p:nvPr>
-        </p:nvSpPr>
-        <p:spPr/>
-        <p:txBody>
-          <a:bodyPr/>
-          <a:lstStyle/>
-          <a:p>
-            <a:r>
-              <a:rPr lang="en-US" dirty="0"/>
-              <a:t>Lorem ipsum dolor sit amet, consectetur adipiscing elit</a:t>
-            </a:r>
-          </a:p>
-        </p:txBody>
-      </p:sp>
-      <p:sp>
-        <p:nvSpPr>
-          <p:cNvPr id="15" name="Freeform 5">
-            <a:extLst>
-              <a:ext uri="{FF2B5EF4-FFF2-40B4-BE49-F238E27FC236}">
-                <a16:creationId xmlns="" xmlns:a16="http://schemas.microsoft.com/office/drawing/2014/main" id="{7746F873-A4ED-4E4C-BB89-CA0FBB9E9582}"/>
-              </a:ext>
-              <a:ext uri="{C183D7F6-B498-43B3-948B-1728B52AA6E4}">
-                <adec:decorative xmlns="" xmlns:adec="http://schemas.microsoft.com/office/drawing/2017/decorative" val="1"/>
-              </a:ext>
-            </a:extLst>
-          </p:cNvPr>
-          <p:cNvSpPr>
-            <a:spLocks noChangeAspect="1"/>
-          </p:cNvSpPr>
-          <p:nvPr/>
-        </p:nvSpPr>
-        <p:spPr bwMode="auto">
-          <a:xfrm>
-            <a:off x="456656" y="5118766"/>
-            <a:ext cx="751030" cy="659065"/>
-          </a:xfrm>
-          <a:custGeom>
-            <a:avLst/>
-            <a:gdLst>
-              <a:gd name="T0" fmla="*/ 781 w 1099"/>
-              <a:gd name="T1" fmla="*/ 0 h 968"/>
-              <a:gd name="T2" fmla="*/ 318 w 1099"/>
-              <a:gd name="T3" fmla="*/ 0 h 968"/>
-              <a:gd name="T4" fmla="*/ 246 w 1099"/>
-              <a:gd name="T5" fmla="*/ 42 h 968"/>
-              <a:gd name="T6" fmla="*/ 15 w 1099"/>
-              <a:gd name="T7" fmla="*/ 443 h 968"/>
-              <a:gd name="T8" fmla="*/ 15 w 1099"/>
-              <a:gd name="T9" fmla="*/ 525 h 968"/>
-              <a:gd name="T10" fmla="*/ 246 w 1099"/>
-              <a:gd name="T11" fmla="*/ 926 h 968"/>
-              <a:gd name="T12" fmla="*/ 318 w 1099"/>
-              <a:gd name="T13" fmla="*/ 968 h 968"/>
-              <a:gd name="T14" fmla="*/ 781 w 1099"/>
-              <a:gd name="T15" fmla="*/ 968 h 968"/>
-              <a:gd name="T16" fmla="*/ 852 w 1099"/>
-              <a:gd name="T17" fmla="*/ 926 h 968"/>
-              <a:gd name="T18" fmla="*/ 1084 w 1099"/>
-              <a:gd name="T19" fmla="*/ 525 h 968"/>
-              <a:gd name="T20" fmla="*/ 1084 w 1099"/>
-              <a:gd name="T21" fmla="*/ 443 h 968"/>
-              <a:gd name="T22" fmla="*/ 852 w 1099"/>
-              <a:gd name="T23" fmla="*/ 42 h 968"/>
-              <a:gd name="T24" fmla="*/ 781 w 1099"/>
-              <a:gd name="T25" fmla="*/ 0 h 968"/>
-            </a:gdLst>
-            <a:ahLst/>
-            <a:cxnLst>
-              <a:cxn ang="0">
-                <a:pos x="T0" y="T1"/>
-              </a:cxn>
-              <a:cxn ang="0">
-                <a:pos x="T2" y="T3"/>
-              </a:cxn>
-              <a:cxn ang="0">
-                <a:pos x="T4" y="T5"/>
-              </a:cxn>
-              <a:cxn ang="0">
-                <a:pos x="T6" y="T7"/>
-              </a:cxn>
-              <a:cxn ang="0">
-                <a:pos x="T8" y="T9"/>
-              </a:cxn>
-              <a:cxn ang="0">
-                <a:pos x="T10" y="T11"/>
-              </a:cxn>
-              <a:cxn ang="0">
-                <a:pos x="T12" y="T13"/>
-              </a:cxn>
-              <a:cxn ang="0">
-                <a:pos x="T14" y="T15"/>
-              </a:cxn>
-              <a:cxn ang="0">
-                <a:pos x="T16" y="T17"/>
-              </a:cxn>
-              <a:cxn ang="0">
-                <a:pos x="T18" y="T19"/>
-              </a:cxn>
-              <a:cxn ang="0">
-                <a:pos x="T20" y="T21"/>
-              </a:cxn>
-              <a:cxn ang="0">
-                <a:pos x="T22" y="T23"/>
-              </a:cxn>
-              <a:cxn ang="0">
-                <a:pos x="T24" y="T25"/>
-              </a:cxn>
-            </a:cxnLst>
-            <a:rect l="0" t="0" r="r" b="b"/>
-            <a:pathLst>
-              <a:path w="1099" h="968">
-                <a:moveTo>
-                  <a:pt x="781" y="0"/>
-                </a:moveTo>
-                <a:cubicBezTo>
-                  <a:pt x="318" y="0"/>
-                  <a:pt x="318" y="0"/>
-                  <a:pt x="318" y="0"/>
-                </a:cubicBezTo>
-                <a:cubicBezTo>
-                  <a:pt x="288" y="0"/>
-                  <a:pt x="261" y="16"/>
-                  <a:pt x="246" y="42"/>
-                </a:cubicBezTo>
-                <a:cubicBezTo>
-                  <a:pt x="15" y="443"/>
-                  <a:pt x="15" y="443"/>
-                  <a:pt x="15" y="443"/>
-                </a:cubicBezTo>
-                <a:cubicBezTo>
-                  <a:pt x="0" y="468"/>
-                  <a:pt x="0" y="500"/>
-                  <a:pt x="15" y="525"/>
-                </a:cubicBezTo>
-                <a:cubicBezTo>
-                  <a:pt x="246" y="926"/>
-                  <a:pt x="246" y="926"/>
-                  <a:pt x="246" y="926"/>
-                </a:cubicBezTo>
-                <a:cubicBezTo>
-                  <a:pt x="261" y="952"/>
-                  <a:pt x="288" y="968"/>
-                  <a:pt x="318" y="968"/>
-                </a:cubicBezTo>
-                <a:cubicBezTo>
-                  <a:pt x="781" y="968"/>
-                  <a:pt x="781" y="968"/>
-                  <a:pt x="781" y="968"/>
-                </a:cubicBezTo>
-                <a:cubicBezTo>
-                  <a:pt x="810" y="968"/>
-                  <a:pt x="838" y="952"/>
-                  <a:pt x="852" y="926"/>
-                </a:cubicBezTo>
-                <a:cubicBezTo>
-                  <a:pt x="1084" y="525"/>
-                  <a:pt x="1084" y="525"/>
-                  <a:pt x="1084" y="525"/>
-                </a:cubicBezTo>
-                <a:cubicBezTo>
-                  <a:pt x="1099" y="500"/>
-                  <a:pt x="1099" y="468"/>
-                  <a:pt x="1084" y="443"/>
-                </a:cubicBezTo>
-                <a:cubicBezTo>
-                  <a:pt x="852" y="42"/>
-                  <a:pt x="852" y="42"/>
-                  <a:pt x="852" y="42"/>
-                </a:cubicBezTo>
-                <a:cubicBezTo>
-                  <a:pt x="838" y="16"/>
-                  <a:pt x="810" y="0"/>
-                  <a:pt x="781" y="0"/>
-                </a:cubicBezTo>
-                <a:close/>
-              </a:path>
-            </a:pathLst>
-          </a:custGeom>
-          <a:solidFill>
-            <a:schemeClr val="bg1">
-              <a:lumMod val="95000"/>
-            </a:schemeClr>
-          </a:solidFill>
-          <a:ln w="63500" cap="flat">
-            <a:noFill/>
-            <a:prstDash val="solid"/>
-            <a:miter lim="800000"/>
-            <a:headEnd/>
-            <a:tailEnd/>
-          </a:ln>
-        </p:spPr>
-        <p:txBody>
-          <a:bodyPr vert="horz" wrap="square" lIns="91440" tIns="45720" rIns="91440" bIns="45720" numCol="1" anchor="t" anchorCtr="0" compatLnSpc="1">
-            <a:prstTxWarp prst="textNoShape">
-              <a:avLst/>
-            </a:prstTxWarp>
-          </a:bodyPr>
-          <a:lstStyle/>
-          <a:p>
-            <a:endParaRPr lang="en-US" dirty="0"/>
-          </a:p>
-        </p:txBody>
-      </p:sp>
-      <p:sp>
-        <p:nvSpPr>
-          <p:cNvPr id="16" name="Freeform 5" descr="Hollow accent block">
-            <a:extLst>
-              <a:ext uri="{FF2B5EF4-FFF2-40B4-BE49-F238E27FC236}">
-                <a16:creationId xmlns="" xmlns:a16="http://schemas.microsoft.com/office/drawing/2014/main" id="{E0D7A780-33BC-4E68-9763-AB62376D5024}"/>
-              </a:ext>
-              <a:ext uri="{C183D7F6-B498-43B3-948B-1728B52AA6E4}">
-                <adec:decorative xmlns="" xmlns:adec="http://schemas.microsoft.com/office/drawing/2017/decorative" val="1"/>
-              </a:ext>
-            </a:extLst>
-          </p:cNvPr>
-          <p:cNvSpPr>
-            <a:spLocks noChangeAspect="1"/>
-          </p:cNvSpPr>
-          <p:nvPr/>
-        </p:nvSpPr>
-        <p:spPr bwMode="auto">
-          <a:xfrm>
-            <a:off x="1779027" y="1160174"/>
-            <a:ext cx="1838651" cy="1613506"/>
-          </a:xfrm>
-          <a:custGeom>
-            <a:avLst/>
-            <a:gdLst>
-              <a:gd name="T0" fmla="*/ 781 w 1099"/>
-              <a:gd name="T1" fmla="*/ 0 h 968"/>
-              <a:gd name="T2" fmla="*/ 318 w 1099"/>
-              <a:gd name="T3" fmla="*/ 0 h 968"/>
-              <a:gd name="T4" fmla="*/ 246 w 1099"/>
-              <a:gd name="T5" fmla="*/ 42 h 968"/>
-              <a:gd name="T6" fmla="*/ 15 w 1099"/>
-              <a:gd name="T7" fmla="*/ 443 h 968"/>
-              <a:gd name="T8" fmla="*/ 15 w 1099"/>
-              <a:gd name="T9" fmla="*/ 525 h 968"/>
-              <a:gd name="T10" fmla="*/ 246 w 1099"/>
-              <a:gd name="T11" fmla="*/ 926 h 968"/>
-              <a:gd name="T12" fmla="*/ 318 w 1099"/>
-              <a:gd name="T13" fmla="*/ 968 h 968"/>
-              <a:gd name="T14" fmla="*/ 781 w 1099"/>
-              <a:gd name="T15" fmla="*/ 968 h 968"/>
-              <a:gd name="T16" fmla="*/ 852 w 1099"/>
-              <a:gd name="T17" fmla="*/ 926 h 968"/>
-              <a:gd name="T18" fmla="*/ 1084 w 1099"/>
-              <a:gd name="T19" fmla="*/ 525 h 968"/>
-              <a:gd name="T20" fmla="*/ 1084 w 1099"/>
-              <a:gd name="T21" fmla="*/ 443 h 968"/>
-              <a:gd name="T22" fmla="*/ 852 w 1099"/>
-              <a:gd name="T23" fmla="*/ 42 h 968"/>
-              <a:gd name="T24" fmla="*/ 781 w 1099"/>
-              <a:gd name="T25" fmla="*/ 0 h 968"/>
-            </a:gdLst>
-            <a:ahLst/>
-            <a:cxnLst>
-              <a:cxn ang="0">
-                <a:pos x="T0" y="T1"/>
-              </a:cxn>
-              <a:cxn ang="0">
-                <a:pos x="T2" y="T3"/>
-              </a:cxn>
-              <a:cxn ang="0">
-                <a:pos x="T4" y="T5"/>
-              </a:cxn>
-              <a:cxn ang="0">
-                <a:pos x="T6" y="T7"/>
-              </a:cxn>
-              <a:cxn ang="0">
-                <a:pos x="T8" y="T9"/>
-              </a:cxn>
-              <a:cxn ang="0">
-                <a:pos x="T10" y="T11"/>
-              </a:cxn>
-              <a:cxn ang="0">
-                <a:pos x="T12" y="T13"/>
-              </a:cxn>
-              <a:cxn ang="0">
-                <a:pos x="T14" y="T15"/>
-              </a:cxn>
-              <a:cxn ang="0">
-                <a:pos x="T16" y="T17"/>
-              </a:cxn>
-              <a:cxn ang="0">
-                <a:pos x="T18" y="T19"/>
-              </a:cxn>
-              <a:cxn ang="0">
-                <a:pos x="T20" y="T21"/>
-              </a:cxn>
-              <a:cxn ang="0">
-                <a:pos x="T22" y="T23"/>
-              </a:cxn>
-              <a:cxn ang="0">
-                <a:pos x="T24" y="T25"/>
-              </a:cxn>
-            </a:cxnLst>
-            <a:rect l="0" t="0" r="r" b="b"/>
-            <a:pathLst>
-              <a:path w="1099" h="968">
-                <a:moveTo>
-                  <a:pt x="781" y="0"/>
-                </a:moveTo>
-                <a:cubicBezTo>
-                  <a:pt x="318" y="0"/>
-                  <a:pt x="318" y="0"/>
-                  <a:pt x="318" y="0"/>
-                </a:cubicBezTo>
-                <a:cubicBezTo>
-                  <a:pt x="288" y="0"/>
-                  <a:pt x="261" y="16"/>
-                  <a:pt x="246" y="42"/>
-                </a:cubicBezTo>
-                <a:cubicBezTo>
-                  <a:pt x="15" y="443"/>
-                  <a:pt x="15" y="443"/>
-                  <a:pt x="15" y="443"/>
-                </a:cubicBezTo>
-                <a:cubicBezTo>
-                  <a:pt x="0" y="468"/>
-                  <a:pt x="0" y="500"/>
-                  <a:pt x="15" y="525"/>
-                </a:cubicBezTo>
-                <a:cubicBezTo>
-                  <a:pt x="246" y="926"/>
-                  <a:pt x="246" y="926"/>
-                  <a:pt x="246" y="926"/>
-                </a:cubicBezTo>
-                <a:cubicBezTo>
-                  <a:pt x="261" y="952"/>
-                  <a:pt x="288" y="968"/>
-                  <a:pt x="318" y="968"/>
-                </a:cubicBezTo>
-                <a:cubicBezTo>
-                  <a:pt x="781" y="968"/>
-                  <a:pt x="781" y="968"/>
-                  <a:pt x="781" y="968"/>
-                </a:cubicBezTo>
-                <a:cubicBezTo>
-                  <a:pt x="810" y="968"/>
-                  <a:pt x="838" y="952"/>
-                  <a:pt x="852" y="926"/>
-                </a:cubicBezTo>
-                <a:cubicBezTo>
-                  <a:pt x="1084" y="525"/>
-                  <a:pt x="1084" y="525"/>
-                  <a:pt x="1084" y="525"/>
-                </a:cubicBezTo>
-                <a:cubicBezTo>
-                  <a:pt x="1099" y="500"/>
-                  <a:pt x="1099" y="468"/>
-                  <a:pt x="1084" y="443"/>
-                </a:cubicBezTo>
-                <a:cubicBezTo>
-                  <a:pt x="852" y="42"/>
-                  <a:pt x="852" y="42"/>
-                  <a:pt x="852" y="42"/>
-                </a:cubicBezTo>
-                <a:cubicBezTo>
-                  <a:pt x="838" y="16"/>
-                  <a:pt x="810" y="0"/>
-                  <a:pt x="781" y="0"/>
-                </a:cubicBezTo>
-                <a:close/>
-              </a:path>
-            </a:pathLst>
-          </a:custGeom>
-          <a:noFill/>
-          <a:ln w="63500" cap="flat">
-            <a:solidFill>
-              <a:schemeClr val="tx1">
-                <a:lumMod val="75000"/>
-                <a:lumOff val="25000"/>
-              </a:schemeClr>
-            </a:solidFill>
-            <a:prstDash val="solid"/>
-            <a:miter lim="800000"/>
-            <a:headEnd/>
-            <a:tailEnd/>
-          </a:ln>
-        </p:spPr>
-        <p:txBody>
-          <a:bodyPr vert="horz" wrap="square" lIns="91440" tIns="45720" rIns="91440" bIns="45720" numCol="1" anchor="t" anchorCtr="0" compatLnSpc="1">
-            <a:prstTxWarp prst="textNoShape">
-              <a:avLst/>
-            </a:prstTxWarp>
-          </a:bodyPr>
-          <a:lstStyle/>
-          <a:p>
-            <a:endParaRPr lang="en-US" dirty="0"/>
-          </a:p>
-        </p:txBody>
-      </p:sp>
-      <p:sp>
-        <p:nvSpPr>
-          <p:cNvPr id="5" name="Slide Number Placeholder 4">
-            <a:extLst>
-              <a:ext uri="{FF2B5EF4-FFF2-40B4-BE49-F238E27FC236}">
-                <a16:creationId xmlns="" xmlns:a16="http://schemas.microsoft.com/office/drawing/2014/main" id="{BDD5A594-D852-43BB-B591-E9D9027253BD}"/>
-              </a:ext>
-            </a:extLst>
-          </p:cNvPr>
-          <p:cNvSpPr>
-            <a:spLocks noGrp="1"/>
-          </p:cNvSpPr>
-          <p:nvPr>
-            <p:ph type="sldNum" sz="quarter" idx="12"/>
-          </p:nvPr>
-        </p:nvSpPr>
-        <p:spPr/>
-        <p:txBody>
-          <a:bodyPr/>
-          <a:lstStyle/>
-          <a:p>
-            <a:fld id="{19B51A1E-902D-48AF-9020-955120F399B6}" type="slidenum">
-              <a:rPr lang="en-US" smtClean="0"/>
-              <a:pPr/>
-              <a:t>2</a:t>
-            </a:fld>
-            <a:endParaRPr lang="en-US" dirty="0"/>
-          </a:p>
-        </p:txBody>
-      </p:sp>
-    </p:spTree>
-    <p:extLst>
-      <p:ext uri="{BB962C8B-B14F-4D97-AF65-F5344CB8AC3E}">
-        <p14:creationId xmlns:p14="http://schemas.microsoft.com/office/powerpoint/2010/main" val="4091674644"/>
-      </p:ext>
-    </p:extLst>
-  </p:cSld>
-  <p:clrMapOvr>
-    <a:masterClrMapping/>
-  </p:clrMapOvr>
-  <p:timing>
-    <p:tnLst>
-      <p:par>
-        <p:cTn id="1" dur="indefinite" restart="never" nodeType="tmRoot"/>
-      </p:par>
-    </p:tnLst>
-  </p:timing>
-</p:sld>
-</file>
-
-<file path=ppt/slides/slide20.xml><?xml version="1.0" encoding="utf-8"?>
+<file path=ppt/slides/slide24.xml><?xml version="1.0" encoding="utf-8"?>
 <p:sld xmlns:a="http://schemas.openxmlformats.org/drawingml/2006/main" xmlns:r="http://schemas.openxmlformats.org/officeDocument/2006/relationships" xmlns:p="http://schemas.openxmlformats.org/presentationml/2006/main">
   <p:cSld>
     <p:spTree>
@@ -30082,7 +32272,7 @@
           <p:cNvPr id="2" name="Title 1">
             <a:extLst>
               <a:ext uri="{FF2B5EF4-FFF2-40B4-BE49-F238E27FC236}">
-                <a16:creationId xmlns="" xmlns:a16="http://schemas.microsoft.com/office/drawing/2014/main" id="{E7267129-D582-495A-8F4B-6B9075899DD6}"/>
+                <a16:creationId xmlns:a16="http://schemas.microsoft.com/office/drawing/2014/main" xmlns="" id="{E7267129-D582-495A-8F4B-6B9075899DD6}"/>
               </a:ext>
             </a:extLst>
           </p:cNvPr>
@@ -30110,7 +32300,7 @@
           <p:cNvPr id="3" name="Text Placeholder 2">
             <a:extLst>
               <a:ext uri="{FF2B5EF4-FFF2-40B4-BE49-F238E27FC236}">
-                <a16:creationId xmlns="" xmlns:a16="http://schemas.microsoft.com/office/drawing/2014/main" id="{F204AFD2-303D-4B48-AA3E-C96B74D8127A}"/>
+                <a16:creationId xmlns:a16="http://schemas.microsoft.com/office/drawing/2014/main" xmlns="" id="{F204AFD2-303D-4B48-AA3E-C96B74D8127A}"/>
               </a:ext>
             </a:extLst>
           </p:cNvPr>
@@ -30138,7 +32328,7 @@
           <p:cNvPr id="4" name="Table 3">
             <a:extLst>
               <a:ext uri="{FF2B5EF4-FFF2-40B4-BE49-F238E27FC236}">
-                <a16:creationId xmlns="" xmlns:a16="http://schemas.microsoft.com/office/drawing/2014/main" id="{BEE0921D-4C1D-4106-9AC0-F73F30E8DA3C}"/>
+                <a16:creationId xmlns:a16="http://schemas.microsoft.com/office/drawing/2014/main" xmlns="" id="{BEE0921D-4C1D-4106-9AC0-F73F30E8DA3C}"/>
               </a:ext>
             </a:extLst>
           </p:cNvPr>
@@ -30167,49 +32357,49 @@
                 <a:gridCol w="1618343">
                   <a:extLst>
                     <a:ext uri="{9D8B030D-6E8A-4147-A177-3AD203B41FA5}">
-                      <a16:colId xmlns="" xmlns:a16="http://schemas.microsoft.com/office/drawing/2014/main" val="1173992025"/>
+                      <a16:colId xmlns:a16="http://schemas.microsoft.com/office/drawing/2014/main" xmlns="" val="1173992025"/>
                     </a:ext>
                   </a:extLst>
                 </a:gridCol>
                 <a:gridCol w="1618343">
                   <a:extLst>
                     <a:ext uri="{9D8B030D-6E8A-4147-A177-3AD203B41FA5}">
-                      <a16:colId xmlns="" xmlns:a16="http://schemas.microsoft.com/office/drawing/2014/main" val="115202853"/>
+                      <a16:colId xmlns:a16="http://schemas.microsoft.com/office/drawing/2014/main" xmlns="" val="115202853"/>
                     </a:ext>
                   </a:extLst>
                 </a:gridCol>
                 <a:gridCol w="1618343">
                   <a:extLst>
                     <a:ext uri="{9D8B030D-6E8A-4147-A177-3AD203B41FA5}">
-                      <a16:colId xmlns="" xmlns:a16="http://schemas.microsoft.com/office/drawing/2014/main" val="1010693434"/>
+                      <a16:colId xmlns:a16="http://schemas.microsoft.com/office/drawing/2014/main" xmlns="" val="1010693434"/>
                     </a:ext>
                   </a:extLst>
                 </a:gridCol>
                 <a:gridCol w="1618343">
                   <a:extLst>
                     <a:ext uri="{9D8B030D-6E8A-4147-A177-3AD203B41FA5}">
-                      <a16:colId xmlns="" xmlns:a16="http://schemas.microsoft.com/office/drawing/2014/main" val="608292439"/>
+                      <a16:colId xmlns:a16="http://schemas.microsoft.com/office/drawing/2014/main" xmlns="" val="608292439"/>
                     </a:ext>
                   </a:extLst>
                 </a:gridCol>
                 <a:gridCol w="1618343">
                   <a:extLst>
                     <a:ext uri="{9D8B030D-6E8A-4147-A177-3AD203B41FA5}">
-                      <a16:colId xmlns="" xmlns:a16="http://schemas.microsoft.com/office/drawing/2014/main" val="1007882540"/>
+                      <a16:colId xmlns:a16="http://schemas.microsoft.com/office/drawing/2014/main" xmlns="" val="1007882540"/>
                     </a:ext>
                   </a:extLst>
                 </a:gridCol>
                 <a:gridCol w="1618343">
                   <a:extLst>
                     <a:ext uri="{9D8B030D-6E8A-4147-A177-3AD203B41FA5}">
-                      <a16:colId xmlns="" xmlns:a16="http://schemas.microsoft.com/office/drawing/2014/main" val="3778082769"/>
+                      <a16:colId xmlns:a16="http://schemas.microsoft.com/office/drawing/2014/main" xmlns="" val="3778082769"/>
                     </a:ext>
                   </a:extLst>
                 </a:gridCol>
                 <a:gridCol w="1618343">
                   <a:extLst>
                     <a:ext uri="{9D8B030D-6E8A-4147-A177-3AD203B41FA5}">
-                      <a16:colId xmlns="" xmlns:a16="http://schemas.microsoft.com/office/drawing/2014/main" val="1136644251"/>
+                      <a16:colId xmlns:a16="http://schemas.microsoft.com/office/drawing/2014/main" xmlns="" val="1136644251"/>
                     </a:ext>
                   </a:extLst>
                 </a:gridCol>
@@ -30664,7 +32854,7 @@
                 </a:tc>
                 <a:extLst>
                   <a:ext uri="{0D108BD9-81ED-4DB2-BD59-A6C34878D82A}">
-                    <a16:rowId xmlns="" xmlns:a16="http://schemas.microsoft.com/office/drawing/2014/main" val="1007223600"/>
+                    <a16:rowId xmlns:a16="http://schemas.microsoft.com/office/drawing/2014/main" xmlns="" val="1007223600"/>
                   </a:ext>
                 </a:extLst>
               </a:tr>
@@ -31172,7 +33362,7 @@
                 </a:tc>
                 <a:extLst>
                   <a:ext uri="{0D108BD9-81ED-4DB2-BD59-A6C34878D82A}">
-                    <a16:rowId xmlns="" xmlns:a16="http://schemas.microsoft.com/office/drawing/2014/main" val="3583495943"/>
+                    <a16:rowId xmlns:a16="http://schemas.microsoft.com/office/drawing/2014/main" xmlns="" val="3583495943"/>
                   </a:ext>
                 </a:extLst>
               </a:tr>
@@ -31706,7 +33896,7 @@
                 </a:tc>
                 <a:extLst>
                   <a:ext uri="{0D108BD9-81ED-4DB2-BD59-A6C34878D82A}">
-                    <a16:rowId xmlns="" xmlns:a16="http://schemas.microsoft.com/office/drawing/2014/main" val="2912132828"/>
+                    <a16:rowId xmlns:a16="http://schemas.microsoft.com/office/drawing/2014/main" xmlns="" val="2912132828"/>
                   </a:ext>
                 </a:extLst>
               </a:tr>
@@ -32240,7 +34430,7 @@
                 </a:tc>
                 <a:extLst>
                   <a:ext uri="{0D108BD9-81ED-4DB2-BD59-A6C34878D82A}">
-                    <a16:rowId xmlns="" xmlns:a16="http://schemas.microsoft.com/office/drawing/2014/main" val="1094300830"/>
+                    <a16:rowId xmlns:a16="http://schemas.microsoft.com/office/drawing/2014/main" xmlns="" val="1094300830"/>
                   </a:ext>
                 </a:extLst>
               </a:tr>
@@ -32774,7 +34964,7 @@
                 </a:tc>
                 <a:extLst>
                   <a:ext uri="{0D108BD9-81ED-4DB2-BD59-A6C34878D82A}">
-                    <a16:rowId xmlns="" xmlns:a16="http://schemas.microsoft.com/office/drawing/2014/main" val="1687728417"/>
+                    <a16:rowId xmlns:a16="http://schemas.microsoft.com/office/drawing/2014/main" xmlns="" val="1687728417"/>
                   </a:ext>
                 </a:extLst>
               </a:tr>
@@ -33310,7 +35500,7 @@
                 </a:tc>
                 <a:extLst>
                   <a:ext uri="{0D108BD9-81ED-4DB2-BD59-A6C34878D82A}">
-                    <a16:rowId xmlns="" xmlns:a16="http://schemas.microsoft.com/office/drawing/2014/main" val="3857078208"/>
+                    <a16:rowId xmlns:a16="http://schemas.microsoft.com/office/drawing/2014/main" xmlns="" val="3857078208"/>
                   </a:ext>
                 </a:extLst>
               </a:tr>
@@ -33323,7 +35513,7 @@
           <p:cNvPr id="6" name="Slide Number Placeholder 5">
             <a:extLst>
               <a:ext uri="{FF2B5EF4-FFF2-40B4-BE49-F238E27FC236}">
-                <a16:creationId xmlns="" xmlns:a16="http://schemas.microsoft.com/office/drawing/2014/main" id="{4B379698-AB4C-493D-BF95-F5781FDF2AC5}"/>
+                <a16:creationId xmlns:a16="http://schemas.microsoft.com/office/drawing/2014/main" xmlns="" id="{4B379698-AB4C-493D-BF95-F5781FDF2AC5}"/>
               </a:ext>
             </a:extLst>
           </p:cNvPr>
@@ -33342,7 +35532,7 @@
             <a:fld id="{19B51A1E-902D-48AF-9020-955120F399B6}" type="slidenum">
               <a:rPr lang="en-US" smtClean="0"/>
               <a:pPr/>
-              <a:t>20</a:t>
+              <a:t>24</a:t>
             </a:fld>
             <a:endParaRPr lang="en-US" dirty="0"/>
           </a:p>
@@ -33368,7 +35558,7 @@
 </p:sld>
 </file>
 
-<file path=ppt/slides/slide21.xml><?xml version="1.0" encoding="utf-8"?>
+<file path=ppt/slides/slide25.xml><?xml version="1.0" encoding="utf-8"?>
 <p:sld xmlns:a="http://schemas.openxmlformats.org/drawingml/2006/main" xmlns:r="http://schemas.openxmlformats.org/officeDocument/2006/relationships" xmlns:p="http://schemas.openxmlformats.org/presentationml/2006/main">
   <p:cSld>
     <p:spTree>
@@ -33387,10 +35577,10 @@
       </p:grpSpPr>
       <p:pic>
         <p:nvPicPr>
-          <p:cNvPr id="5" name="Picture Placeholder 4" descr="Large image placeholder">
+          <p:cNvPr id="12" name="Picture Placeholder 11" descr="Image placeholder">
             <a:extLst>
               <a:ext uri="{FF2B5EF4-FFF2-40B4-BE49-F238E27FC236}">
-                <a16:creationId xmlns="" xmlns:a16="http://schemas.microsoft.com/office/drawing/2014/main" id="{FB15BC12-29C3-3D4B-805A-8A860D70CA67}"/>
+                <a16:creationId xmlns:a16="http://schemas.microsoft.com/office/drawing/2014/main" xmlns="" id="{C4330FBA-FEA8-B941-8864-B3DEDDE80404}"/>
               </a:ext>
             </a:extLst>
           </p:cNvPr>
@@ -33398,7 +35588,7 @@
             <a:picLocks noGrp="1" noChangeAspect="1"/>
           </p:cNvPicPr>
           <p:nvPr>
-            <p:ph type="pic" sz="quarter" idx="14"/>
+            <p:ph type="pic" sz="quarter" idx="10"/>
           </p:nvPr>
         </p:nvPicPr>
         <p:blipFill>
@@ -33418,13 +35608,13 @@
       </p:pic>
       <p:sp>
         <p:nvSpPr>
-          <p:cNvPr id="16" name="TextBox 15">
+          <p:cNvPr id="38" name="TextBox 37">
             <a:extLst>
               <a:ext uri="{FF2B5EF4-FFF2-40B4-BE49-F238E27FC236}">
-                <a16:creationId xmlns="" xmlns:a16="http://schemas.microsoft.com/office/drawing/2014/main" id="{03888866-542D-43D4-BFE1-045D36351922}"/>
+                <a16:creationId xmlns:a16="http://schemas.microsoft.com/office/drawing/2014/main" xmlns="" id="{B231FB9C-F234-41D0-A4CE-8C29A5F2F553}"/>
               </a:ext>
               <a:ext uri="{C183D7F6-B498-43B3-948B-1728B52AA6E4}">
-                <adec:decorative xmlns="" xmlns:adec="http://schemas.microsoft.com/office/drawing/2017/decorative" val="1"/>
+                <adec:decorative xmlns:adec="http://schemas.microsoft.com/office/drawing/2017/decorative" xmlns="" val="1"/>
               </a:ext>
             </a:extLst>
           </p:cNvPr>
@@ -33434,25 +35624,27 @@
           <p:nvPr/>
         </p:nvSpPr>
         <p:spPr>
-          <a:xfrm flipH="1">
-            <a:off x="-1" y="4813138"/>
-            <a:ext cx="691517" cy="1026777"/>
+          <a:xfrm>
+            <a:off x="11354303" y="3842399"/>
+            <a:ext cx="846997" cy="2200275"/>
           </a:xfrm>
           <a:custGeom>
             <a:avLst/>
             <a:gdLst>
-              <a:gd name="connsiteX0" fmla="*/ 1494549 w 1494549"/>
+              <a:gd name="connsiteX0" fmla="*/ 99480 w 846997"/>
               <a:gd name="connsiteY0" fmla="*/ 0 h 2200275"/>
-              <a:gd name="connsiteX1" fmla="*/ 100333 w 1494549"/>
+              <a:gd name="connsiteX1" fmla="*/ 846997 w 846997"/>
               <a:gd name="connsiteY1" fmla="*/ 0 h 2200275"/>
-              <a:gd name="connsiteX2" fmla="*/ 0 w 1494549"/>
-              <a:gd name="connsiteY2" fmla="*/ 100333 h 2200275"/>
-              <a:gd name="connsiteX3" fmla="*/ 0 w 1494549"/>
-              <a:gd name="connsiteY3" fmla="*/ 2099942 h 2200275"/>
-              <a:gd name="connsiteX4" fmla="*/ 100333 w 1494549"/>
-              <a:gd name="connsiteY4" fmla="*/ 2200275 h 2200275"/>
-              <a:gd name="connsiteX5" fmla="*/ 1494549 w 1494549"/>
-              <a:gd name="connsiteY5" fmla="*/ 2200275 h 2200275"/>
+              <a:gd name="connsiteX2" fmla="*/ 846997 w 846997"/>
+              <a:gd name="connsiteY2" fmla="*/ 2200275 h 2200275"/>
+              <a:gd name="connsiteX3" fmla="*/ 99480 w 846997"/>
+              <a:gd name="connsiteY3" fmla="*/ 2200275 h 2200275"/>
+              <a:gd name="connsiteX4" fmla="*/ 0 w 846997"/>
+              <a:gd name="connsiteY4" fmla="*/ 2099942 h 2200275"/>
+              <a:gd name="connsiteX5" fmla="*/ 0 w 846997"/>
+              <a:gd name="connsiteY5" fmla="*/ 100333 h 2200275"/>
+              <a:gd name="connsiteX6" fmla="*/ 99480 w 846997"/>
+              <a:gd name="connsiteY6" fmla="*/ 0 h 2200275"/>
             </a:gdLst>
             <a:ahLst/>
             <a:cxnLst>
@@ -33474,32 +35666,38 @@
               <a:cxn ang="0">
                 <a:pos x="connsiteX5" y="connsiteY5"/>
               </a:cxn>
+              <a:cxn ang="0">
+                <a:pos x="connsiteX6" y="connsiteY6"/>
+              </a:cxn>
             </a:cxnLst>
             <a:rect l="l" t="t" r="r" b="b"/>
             <a:pathLst>
-              <a:path w="1494549" h="2200275">
+              <a:path w="846997" h="2200275">
                 <a:moveTo>
-                  <a:pt x="1494549" y="0"/>
+                  <a:pt x="99480" y="0"/>
                 </a:moveTo>
                 <a:lnTo>
-                  <a:pt x="100333" y="0"/>
+                  <a:pt x="846997" y="0"/>
                 </a:lnTo>
-                <a:cubicBezTo>
-                  <a:pt x="44921" y="0"/>
+                <a:lnTo>
+                  <a:pt x="846997" y="2200275"/>
+                </a:lnTo>
+                <a:lnTo>
+                  <a:pt x="99480" y="2200275"/>
+                </a:lnTo>
+                <a:cubicBezTo>
+                  <a:pt x="44539" y="2200275"/>
+                  <a:pt x="0" y="2155354"/>
+                  <a:pt x="0" y="2099942"/>
+                </a:cubicBezTo>
+                <a:lnTo>
+                  <a:pt x="0" y="100333"/>
+                </a:lnTo>
+                <a:cubicBezTo>
                   <a:pt x="0" y="44921"/>
-                  <a:pt x="0" y="100333"/>
-                </a:cubicBezTo>
-                <a:lnTo>
-                  <a:pt x="0" y="2099942"/>
-                </a:lnTo>
-                <a:cubicBezTo>
-                  <a:pt x="0" y="2155354"/>
-                  <a:pt x="44921" y="2200275"/>
-                  <a:pt x="100333" y="2200275"/>
-                </a:cubicBezTo>
-                <a:lnTo>
-                  <a:pt x="1494549" y="2200275"/>
-                </a:lnTo>
+                  <a:pt x="44539" y="0"/>
+                  <a:pt x="99480" y="0"/>
+                </a:cubicBezTo>
                 <a:close/>
               </a:path>
             </a:pathLst>
@@ -33559,410 +35757,13 @@
       </p:sp>
       <p:sp>
         <p:nvSpPr>
-          <p:cNvPr id="17" name="Isosceles Triangle 16">
-            <a:extLst>
-              <a:ext uri="{FF2B5EF4-FFF2-40B4-BE49-F238E27FC236}">
-                <a16:creationId xmlns="" xmlns:a16="http://schemas.microsoft.com/office/drawing/2014/main" id="{667AA2A8-C66E-4F4C-A6E7-E7ABCE7E9EC3}"/>
-              </a:ext>
-              <a:ext uri="{C183D7F6-B498-43B3-948B-1728B52AA6E4}">
-                <adec:decorative xmlns="" xmlns:adec="http://schemas.microsoft.com/office/drawing/2017/decorative" val="1"/>
-              </a:ext>
-            </a:extLst>
-          </p:cNvPr>
-          <p:cNvSpPr/>
-          <p:nvPr/>
-        </p:nvSpPr>
-        <p:spPr>
-          <a:xfrm rot="10800000" flipH="1">
-            <a:off x="463958" y="5610101"/>
-            <a:ext cx="225306" cy="201048"/>
-          </a:xfrm>
-          <a:prstGeom prst="triangle">
-            <a:avLst>
-              <a:gd name="adj" fmla="val 100000"/>
-            </a:avLst>
-          </a:prstGeom>
-          <a:solidFill>
-            <a:schemeClr val="accent1"/>
-          </a:solidFill>
-          <a:ln w="3175">
-            <a:solidFill>
-              <a:schemeClr val="tx1">
-                <a:lumMod val="65000"/>
-                <a:lumOff val="35000"/>
-              </a:schemeClr>
-            </a:solidFill>
-          </a:ln>
-        </p:spPr>
-        <p:style>
-          <a:lnRef idx="2">
-            <a:schemeClr val="accent1">
-              <a:shade val="50000"/>
-            </a:schemeClr>
-          </a:lnRef>
-          <a:fillRef idx="1">
-            <a:schemeClr val="accent1"/>
-          </a:fillRef>
-          <a:effectRef idx="0">
-            <a:schemeClr val="accent1"/>
-          </a:effectRef>
-          <a:fontRef idx="minor">
-            <a:schemeClr val="lt1"/>
-          </a:fontRef>
-        </p:style>
-        <p:txBody>
-          <a:bodyPr rtlCol="0" anchor="ctr"/>
-          <a:lstStyle/>
-          <a:p>
-            <a:pPr algn="ctr"/>
-            <a:endParaRPr lang="en-US" dirty="0"/>
-          </a:p>
-        </p:txBody>
-      </p:sp>
-      <p:sp>
-        <p:nvSpPr>
-          <p:cNvPr id="12" name="Title 11">
-            <a:extLst>
-              <a:ext uri="{FF2B5EF4-FFF2-40B4-BE49-F238E27FC236}">
-                <a16:creationId xmlns="" xmlns:a16="http://schemas.microsoft.com/office/drawing/2014/main" id="{D8744987-7958-44D9-AE6F-009CA4C08875}"/>
-              </a:ext>
-            </a:extLst>
-          </p:cNvPr>
-          <p:cNvSpPr>
-            <a:spLocks noGrp="1"/>
-          </p:cNvSpPr>
-          <p:nvPr>
-            <p:ph type="ctrTitle"/>
-          </p:nvPr>
-        </p:nvSpPr>
-        <p:spPr>
-          <a:xfrm>
-            <a:off x="420686" y="5066452"/>
-            <a:ext cx="5675313" cy="539345"/>
-          </a:xfrm>
-        </p:spPr>
-        <p:txBody>
-          <a:bodyPr/>
-          <a:lstStyle/>
-          <a:p>
-            <a:r>
-              <a:rPr lang="en-US" dirty="0"/>
-              <a:t>Lorem ipsum dolor sit amet, consectetur adipiscing elit. </a:t>
-            </a:r>
-          </a:p>
-        </p:txBody>
-      </p:sp>
-      <p:sp>
-        <p:nvSpPr>
-          <p:cNvPr id="19" name="Isosceles Triangle 18">
-            <a:extLst>
-              <a:ext uri="{FF2B5EF4-FFF2-40B4-BE49-F238E27FC236}">
-                <a16:creationId xmlns="" xmlns:a16="http://schemas.microsoft.com/office/drawing/2014/main" id="{ABF5B12D-6F10-4377-9094-B3E79ECB1B94}"/>
-              </a:ext>
-              <a:ext uri="{C183D7F6-B498-43B3-948B-1728B52AA6E4}">
-                <adec:decorative xmlns="" xmlns:adec="http://schemas.microsoft.com/office/drawing/2017/decorative" val="1"/>
-              </a:ext>
-            </a:extLst>
-          </p:cNvPr>
-          <p:cNvSpPr/>
-          <p:nvPr/>
-        </p:nvSpPr>
-        <p:spPr>
-          <a:xfrm rot="10800000" flipH="1" flipV="1">
-            <a:off x="463958" y="4860371"/>
-            <a:ext cx="225306" cy="201048"/>
-          </a:xfrm>
-          <a:prstGeom prst="triangle">
-            <a:avLst>
-              <a:gd name="adj" fmla="val 100000"/>
-            </a:avLst>
-          </a:prstGeom>
-          <a:solidFill>
-            <a:schemeClr val="accent1"/>
-          </a:solidFill>
-          <a:ln w="3175">
-            <a:solidFill>
-              <a:schemeClr val="tx1">
-                <a:lumMod val="65000"/>
-                <a:lumOff val="35000"/>
-              </a:schemeClr>
-            </a:solidFill>
-          </a:ln>
-        </p:spPr>
-        <p:style>
-          <a:lnRef idx="2">
-            <a:schemeClr val="accent1">
-              <a:shade val="50000"/>
-            </a:schemeClr>
-          </a:lnRef>
-          <a:fillRef idx="1">
-            <a:schemeClr val="accent1"/>
-          </a:fillRef>
-          <a:effectRef idx="0">
-            <a:schemeClr val="accent1"/>
-          </a:effectRef>
-          <a:fontRef idx="minor">
-            <a:schemeClr val="lt1"/>
-          </a:fontRef>
-        </p:style>
-        <p:txBody>
-          <a:bodyPr rtlCol="0" anchor="ctr"/>
-          <a:lstStyle/>
-          <a:p>
-            <a:pPr algn="ctr"/>
-            <a:endParaRPr lang="en-US" dirty="0"/>
-          </a:p>
-        </p:txBody>
-      </p:sp>
-      <p:sp>
-        <p:nvSpPr>
-          <p:cNvPr id="6" name="Slide Number Placeholder 5">
-            <a:extLst>
-              <a:ext uri="{FF2B5EF4-FFF2-40B4-BE49-F238E27FC236}">
-                <a16:creationId xmlns="" xmlns:a16="http://schemas.microsoft.com/office/drawing/2014/main" id="{70202D98-AA1E-41BB-B94E-180311759C13}"/>
-              </a:ext>
-            </a:extLst>
-          </p:cNvPr>
-          <p:cNvSpPr>
-            <a:spLocks noGrp="1"/>
-          </p:cNvSpPr>
-          <p:nvPr>
-            <p:ph type="sldNum" sz="quarter" idx="15"/>
-          </p:nvPr>
-        </p:nvSpPr>
-        <p:spPr/>
-        <p:txBody>
-          <a:bodyPr/>
-          <a:lstStyle/>
-          <a:p>
-            <a:fld id="{19B51A1E-902D-48AF-9020-955120F399B6}" type="slidenum">
-              <a:rPr lang="en-US" smtClean="0"/>
-              <a:pPr/>
-              <a:t>21</a:t>
-            </a:fld>
-            <a:endParaRPr lang="en-US" dirty="0"/>
-          </a:p>
-        </p:txBody>
-      </p:sp>
-    </p:spTree>
-    <p:extLst>
-      <p:ext uri="{BB962C8B-B14F-4D97-AF65-F5344CB8AC3E}">
-        <p14:creationId xmlns:p14="http://schemas.microsoft.com/office/powerpoint/2010/main" val="665219316"/>
-      </p:ext>
-    </p:extLst>
-  </p:cSld>
-  <p:clrMapOvr>
-    <a:masterClrMapping/>
-  </p:clrMapOvr>
-</p:sld>
-</file>
-
-<file path=ppt/slides/slide22.xml><?xml version="1.0" encoding="utf-8"?>
-<p:sld xmlns:a="http://schemas.openxmlformats.org/drawingml/2006/main" xmlns:r="http://schemas.openxmlformats.org/officeDocument/2006/relationships" xmlns:p="http://schemas.openxmlformats.org/presentationml/2006/main">
-  <p:cSld>
-    <p:spTree>
-      <p:nvGrpSpPr>
-        <p:cNvPr id="1" name=""/>
-        <p:cNvGrpSpPr/>
-        <p:nvPr/>
-      </p:nvGrpSpPr>
-      <p:grpSpPr>
-        <a:xfrm>
-          <a:off x="0" y="0"/>
-          <a:ext cx="0" cy="0"/>
-          <a:chOff x="0" y="0"/>
-          <a:chExt cx="0" cy="0"/>
-        </a:xfrm>
-      </p:grpSpPr>
-      <p:pic>
-        <p:nvPicPr>
-          <p:cNvPr id="12" name="Picture Placeholder 11" descr="Image placeholder">
-            <a:extLst>
-              <a:ext uri="{FF2B5EF4-FFF2-40B4-BE49-F238E27FC236}">
-                <a16:creationId xmlns="" xmlns:a16="http://schemas.microsoft.com/office/drawing/2014/main" id="{C4330FBA-FEA8-B941-8864-B3DEDDE80404}"/>
-              </a:ext>
-            </a:extLst>
-          </p:cNvPr>
-          <p:cNvPicPr>
-            <a:picLocks noGrp="1" noChangeAspect="1"/>
-          </p:cNvPicPr>
-          <p:nvPr>
-            <p:ph type="pic" sz="quarter" idx="10"/>
-          </p:nvPr>
-        </p:nvPicPr>
-        <p:blipFill>
-          <a:blip r:embed="rId2" cstate="screen">
-            <a:extLst>
-              <a:ext uri="{28A0092B-C50C-407E-A947-70E740481C1C}">
-                <a14:useLocalDpi xmlns:a14="http://schemas.microsoft.com/office/drawing/2010/main"/>
-              </a:ext>
-            </a:extLst>
-          </a:blip>
-          <a:srcRect/>
-          <a:stretch>
-            <a:fillRect/>
-          </a:stretch>
-        </p:blipFill>
-        <p:spPr/>
-      </p:pic>
-      <p:sp>
-        <p:nvSpPr>
-          <p:cNvPr id="38" name="TextBox 37">
-            <a:extLst>
-              <a:ext uri="{FF2B5EF4-FFF2-40B4-BE49-F238E27FC236}">
-                <a16:creationId xmlns="" xmlns:a16="http://schemas.microsoft.com/office/drawing/2014/main" id="{B231FB9C-F234-41D0-A4CE-8C29A5F2F553}"/>
-              </a:ext>
-              <a:ext uri="{C183D7F6-B498-43B3-948B-1728B52AA6E4}">
-                <adec:decorative xmlns="" xmlns:adec="http://schemas.microsoft.com/office/drawing/2017/decorative" val="1"/>
-              </a:ext>
-            </a:extLst>
-          </p:cNvPr>
-          <p:cNvSpPr txBox="1">
-            <a:spLocks/>
-          </p:cNvSpPr>
-          <p:nvPr/>
-        </p:nvSpPr>
-        <p:spPr>
-          <a:xfrm>
-            <a:off x="11354303" y="3842399"/>
-            <a:ext cx="846997" cy="2200275"/>
-          </a:xfrm>
-          <a:custGeom>
-            <a:avLst/>
-            <a:gdLst>
-              <a:gd name="connsiteX0" fmla="*/ 99480 w 846997"/>
-              <a:gd name="connsiteY0" fmla="*/ 0 h 2200275"/>
-              <a:gd name="connsiteX1" fmla="*/ 846997 w 846997"/>
-              <a:gd name="connsiteY1" fmla="*/ 0 h 2200275"/>
-              <a:gd name="connsiteX2" fmla="*/ 846997 w 846997"/>
-              <a:gd name="connsiteY2" fmla="*/ 2200275 h 2200275"/>
-              <a:gd name="connsiteX3" fmla="*/ 99480 w 846997"/>
-              <a:gd name="connsiteY3" fmla="*/ 2200275 h 2200275"/>
-              <a:gd name="connsiteX4" fmla="*/ 0 w 846997"/>
-              <a:gd name="connsiteY4" fmla="*/ 2099942 h 2200275"/>
-              <a:gd name="connsiteX5" fmla="*/ 0 w 846997"/>
-              <a:gd name="connsiteY5" fmla="*/ 100333 h 2200275"/>
-              <a:gd name="connsiteX6" fmla="*/ 99480 w 846997"/>
-              <a:gd name="connsiteY6" fmla="*/ 0 h 2200275"/>
-            </a:gdLst>
-            <a:ahLst/>
-            <a:cxnLst>
-              <a:cxn ang="0">
-                <a:pos x="connsiteX0" y="connsiteY0"/>
-              </a:cxn>
-              <a:cxn ang="0">
-                <a:pos x="connsiteX1" y="connsiteY1"/>
-              </a:cxn>
-              <a:cxn ang="0">
-                <a:pos x="connsiteX2" y="connsiteY2"/>
-              </a:cxn>
-              <a:cxn ang="0">
-                <a:pos x="connsiteX3" y="connsiteY3"/>
-              </a:cxn>
-              <a:cxn ang="0">
-                <a:pos x="connsiteX4" y="connsiteY4"/>
-              </a:cxn>
-              <a:cxn ang="0">
-                <a:pos x="connsiteX5" y="connsiteY5"/>
-              </a:cxn>
-              <a:cxn ang="0">
-                <a:pos x="connsiteX6" y="connsiteY6"/>
-              </a:cxn>
-            </a:cxnLst>
-            <a:rect l="l" t="t" r="r" b="b"/>
-            <a:pathLst>
-              <a:path w="846997" h="2200275">
-                <a:moveTo>
-                  <a:pt x="99480" y="0"/>
-                </a:moveTo>
-                <a:lnTo>
-                  <a:pt x="846997" y="0"/>
-                </a:lnTo>
-                <a:lnTo>
-                  <a:pt x="846997" y="2200275"/>
-                </a:lnTo>
-                <a:lnTo>
-                  <a:pt x="99480" y="2200275"/>
-                </a:lnTo>
-                <a:cubicBezTo>
-                  <a:pt x="44539" y="2200275"/>
-                  <a:pt x="0" y="2155354"/>
-                  <a:pt x="0" y="2099942"/>
-                </a:cubicBezTo>
-                <a:lnTo>
-                  <a:pt x="0" y="100333"/>
-                </a:lnTo>
-                <a:cubicBezTo>
-                  <a:pt x="0" y="44921"/>
-                  <a:pt x="44539" y="0"/>
-                  <a:pt x="99480" y="0"/>
-                </a:cubicBezTo>
-                <a:close/>
-              </a:path>
-            </a:pathLst>
-          </a:custGeom>
-          <a:gradFill>
-            <a:gsLst>
-              <a:gs pos="100000">
-                <a:schemeClr val="tx1">
-                  <a:lumMod val="75000"/>
-                  <a:lumOff val="25000"/>
-                </a:schemeClr>
-              </a:gs>
-              <a:gs pos="0">
-                <a:schemeClr val="tx1"/>
-              </a:gs>
-            </a:gsLst>
-            <a:lin ang="0" scaled="0"/>
-          </a:gradFill>
-          <a:ln w="3175">
-            <a:solidFill>
-              <a:schemeClr val="tx1">
-                <a:lumMod val="85000"/>
-                <a:lumOff val="15000"/>
-              </a:schemeClr>
-            </a:solidFill>
-          </a:ln>
-        </p:spPr>
-        <p:txBody>
-          <a:bodyPr vert="horz" wrap="square" lIns="180000" tIns="288000" rIns="180000" bIns="180000" rtlCol="0" anchor="t">
-            <a:noAutofit/>
-          </a:bodyPr>
-          <a:lstStyle>
-            <a:lvl1pPr algn="l" defTabSz="914400" rtl="0" eaLnBrk="1" latinLnBrk="0" hangingPunct="1">
-              <a:lnSpc>
-                <a:spcPts val="4000"/>
-              </a:lnSpc>
-              <a:spcBef>
-                <a:spcPct val="0"/>
-              </a:spcBef>
-              <a:buNone/>
-              <a:defRPr sz="5000" b="1" kern="1200" spc="-300">
-                <a:solidFill>
-                  <a:schemeClr val="bg1">
-                    <a:lumMod val="95000"/>
-                  </a:schemeClr>
-                </a:solidFill>
-                <a:latin typeface="+mj-lt"/>
-                <a:ea typeface="+mj-ea"/>
-                <a:cs typeface="+mj-cs"/>
-              </a:defRPr>
-            </a:lvl1pPr>
-          </a:lstStyle>
-          <a:p>
-            <a:endParaRPr lang="en-US" dirty="0"/>
-          </a:p>
-        </p:txBody>
-      </p:sp>
-      <p:sp>
-        <p:nvSpPr>
           <p:cNvPr id="35" name="Isosceles Triangle 34">
             <a:extLst>
               <a:ext uri="{FF2B5EF4-FFF2-40B4-BE49-F238E27FC236}">
-                <a16:creationId xmlns="" xmlns:a16="http://schemas.microsoft.com/office/drawing/2014/main" id="{FE193317-B8BD-46CA-B0A6-8A7511B086D9}"/>
+                <a16:creationId xmlns:a16="http://schemas.microsoft.com/office/drawing/2014/main" xmlns="" id="{FE193317-B8BD-46CA-B0A6-8A7511B086D9}"/>
               </a:ext>
               <a:ext uri="{C183D7F6-B498-43B3-948B-1728B52AA6E4}">
-                <adec:decorative xmlns="" xmlns:adec="http://schemas.microsoft.com/office/drawing/2017/decorative" val="1"/>
+                <adec:decorative xmlns:adec="http://schemas.microsoft.com/office/drawing/2017/decorative" xmlns="" val="1"/>
               </a:ext>
             </a:extLst>
           </p:cNvPr>
@@ -34021,10 +35822,10 @@
           <p:cNvPr id="32" name="Freeform 5">
             <a:extLst>
               <a:ext uri="{FF2B5EF4-FFF2-40B4-BE49-F238E27FC236}">
-                <a16:creationId xmlns="" xmlns:a16="http://schemas.microsoft.com/office/drawing/2014/main" id="{85E0D4E1-E389-4671-B0E7-165A10A05425}"/>
+                <a16:creationId xmlns:a16="http://schemas.microsoft.com/office/drawing/2014/main" xmlns="" id="{85E0D4E1-E389-4671-B0E7-165A10A05425}"/>
               </a:ext>
               <a:ext uri="{C183D7F6-B498-43B3-948B-1728B52AA6E4}">
-                <adec:decorative xmlns="" xmlns:adec="http://schemas.microsoft.com/office/drawing/2017/decorative" val="1"/>
+                <adec:decorative xmlns:adec="http://schemas.microsoft.com/office/drawing/2017/decorative" xmlns="" val="1"/>
               </a:ext>
             </a:extLst>
           </p:cNvPr>
@@ -34210,10 +36011,10 @@
           <p:cNvPr id="33" name="Freeform 5">
             <a:extLst>
               <a:ext uri="{FF2B5EF4-FFF2-40B4-BE49-F238E27FC236}">
-                <a16:creationId xmlns="" xmlns:a16="http://schemas.microsoft.com/office/drawing/2014/main" id="{8186FEAF-6E1E-4258-94C3-5C589D4B5ADE}"/>
+                <a16:creationId xmlns:a16="http://schemas.microsoft.com/office/drawing/2014/main" xmlns="" id="{8186FEAF-6E1E-4258-94C3-5C589D4B5ADE}"/>
               </a:ext>
               <a:ext uri="{C183D7F6-B498-43B3-948B-1728B52AA6E4}">
-                <adec:decorative xmlns="" xmlns:adec="http://schemas.microsoft.com/office/drawing/2017/decorative" val="1"/>
+                <adec:decorative xmlns:adec="http://schemas.microsoft.com/office/drawing/2017/decorative" xmlns="" val="1"/>
               </a:ext>
             </a:extLst>
           </p:cNvPr>
@@ -34399,7 +36200,7 @@
           <p:cNvPr id="20" name="Title 19">
             <a:extLst>
               <a:ext uri="{FF2B5EF4-FFF2-40B4-BE49-F238E27FC236}">
-                <a16:creationId xmlns="" xmlns:a16="http://schemas.microsoft.com/office/drawing/2014/main" id="{7C11A64B-7EA5-442C-8405-73273A5331D1}"/>
+                <a16:creationId xmlns:a16="http://schemas.microsoft.com/office/drawing/2014/main" xmlns="" id="{7C11A64B-7EA5-442C-8405-73273A5331D1}"/>
               </a:ext>
             </a:extLst>
           </p:cNvPr>
@@ -34427,7 +36228,7 @@
           <p:cNvPr id="8" name="Graphic 7" descr="User" title="Icon - Presenter Name">
             <a:extLst>
               <a:ext uri="{FF2B5EF4-FFF2-40B4-BE49-F238E27FC236}">
-                <a16:creationId xmlns="" xmlns:a16="http://schemas.microsoft.com/office/drawing/2014/main" id="{111541C4-DB03-4E53-994D-499C7D73C4DF}"/>
+                <a16:creationId xmlns:a16="http://schemas.microsoft.com/office/drawing/2014/main" xmlns="" id="{111541C4-DB03-4E53-994D-499C7D73C4DF}"/>
               </a:ext>
             </a:extLst>
           </p:cNvPr>
@@ -34443,7 +36244,7 @@
                 <a14:useLocalDpi xmlns:a14="http://schemas.microsoft.com/office/drawing/2010/main"/>
               </a:ext>
               <a:ext uri="{96DAC541-7B7A-43D3-8B79-37D633B846F1}">
-                <asvg:svgBlip xmlns="" xmlns:asvg="http://schemas.microsoft.com/office/drawing/2016/SVG/main" r:embed="rId4"/>
+                <asvg:svgBlip xmlns:asvg="http://schemas.microsoft.com/office/drawing/2016/SVG/main" xmlns="" r:embed="rId4"/>
               </a:ext>
             </a:extLst>
           </a:blip>
@@ -34466,7 +36267,7 @@
           <p:cNvPr id="4" name="Text Placeholder 3">
             <a:extLst>
               <a:ext uri="{FF2B5EF4-FFF2-40B4-BE49-F238E27FC236}">
-                <a16:creationId xmlns="" xmlns:a16="http://schemas.microsoft.com/office/drawing/2014/main" id="{60828E04-9C2A-4859-8050-C2DF67A249CB}"/>
+                <a16:creationId xmlns:a16="http://schemas.microsoft.com/office/drawing/2014/main" xmlns="" id="{60828E04-9C2A-4859-8050-C2DF67A249CB}"/>
               </a:ext>
             </a:extLst>
           </p:cNvPr>
@@ -34494,7 +36295,7 @@
           <p:cNvPr id="10" name="Graphic 9" descr="Smart Phone" title="Icon - Presenter Phone Number">
             <a:extLst>
               <a:ext uri="{FF2B5EF4-FFF2-40B4-BE49-F238E27FC236}">
-                <a16:creationId xmlns="" xmlns:a16="http://schemas.microsoft.com/office/drawing/2014/main" id="{A29DE31C-E099-4579-BB03-675E0A40C5F2}"/>
+                <a16:creationId xmlns:a16="http://schemas.microsoft.com/office/drawing/2014/main" xmlns="" id="{A29DE31C-E099-4579-BB03-675E0A40C5F2}"/>
               </a:ext>
             </a:extLst>
           </p:cNvPr>
@@ -34510,7 +36311,7 @@
                 <a14:useLocalDpi xmlns:a14="http://schemas.microsoft.com/office/drawing/2010/main"/>
               </a:ext>
               <a:ext uri="{96DAC541-7B7A-43D3-8B79-37D633B846F1}">
-                <asvg:svgBlip xmlns="" xmlns:asvg="http://schemas.microsoft.com/office/drawing/2016/SVG/main" r:embed="rId6"/>
+                <asvg:svgBlip xmlns:asvg="http://schemas.microsoft.com/office/drawing/2016/SVG/main" xmlns="" r:embed="rId6"/>
               </a:ext>
             </a:extLst>
           </a:blip>
@@ -34533,7 +36334,7 @@
           <p:cNvPr id="5" name="Text Placeholder 4">
             <a:extLst>
               <a:ext uri="{FF2B5EF4-FFF2-40B4-BE49-F238E27FC236}">
-                <a16:creationId xmlns="" xmlns:a16="http://schemas.microsoft.com/office/drawing/2014/main" id="{11265965-2271-4C1C-BD0A-6F85F80FF9A6}"/>
+                <a16:creationId xmlns:a16="http://schemas.microsoft.com/office/drawing/2014/main" xmlns="" id="{11265965-2271-4C1C-BD0A-6F85F80FF9A6}"/>
               </a:ext>
             </a:extLst>
           </p:cNvPr>
@@ -34561,7 +36362,7 @@
           <p:cNvPr id="9" name="Graphic 8" descr="Envelope" title="Icon Presenter Email">
             <a:extLst>
               <a:ext uri="{FF2B5EF4-FFF2-40B4-BE49-F238E27FC236}">
-                <a16:creationId xmlns="" xmlns:a16="http://schemas.microsoft.com/office/drawing/2014/main" id="{773C1382-ACE1-460F-A1B6-AB761A7D2E6B}"/>
+                <a16:creationId xmlns:a16="http://schemas.microsoft.com/office/drawing/2014/main" xmlns="" id="{773C1382-ACE1-460F-A1B6-AB761A7D2E6B}"/>
               </a:ext>
             </a:extLst>
           </p:cNvPr>
@@ -34577,7 +36378,7 @@
                 <a14:useLocalDpi xmlns:a14="http://schemas.microsoft.com/office/drawing/2010/main"/>
               </a:ext>
               <a:ext uri="{96DAC541-7B7A-43D3-8B79-37D633B846F1}">
-                <asvg:svgBlip xmlns="" xmlns:asvg="http://schemas.microsoft.com/office/drawing/2016/SVG/main" r:embed="rId8"/>
+                <asvg:svgBlip xmlns:asvg="http://schemas.microsoft.com/office/drawing/2016/SVG/main" xmlns="" r:embed="rId8"/>
               </a:ext>
             </a:extLst>
           </a:blip>
@@ -34600,7 +36401,7 @@
           <p:cNvPr id="6" name="Text Placeholder 5">
             <a:extLst>
               <a:ext uri="{FF2B5EF4-FFF2-40B4-BE49-F238E27FC236}">
-                <a16:creationId xmlns="" xmlns:a16="http://schemas.microsoft.com/office/drawing/2014/main" id="{50A3BCC3-A277-4C0B-9EBA-EB53990D8EBD}"/>
+                <a16:creationId xmlns:a16="http://schemas.microsoft.com/office/drawing/2014/main" xmlns="" id="{50A3BCC3-A277-4C0B-9EBA-EB53990D8EBD}"/>
               </a:ext>
             </a:extLst>
           </p:cNvPr>
@@ -34628,7 +36429,7 @@
           <p:cNvPr id="11" name="Graphic 10" descr="Link">
             <a:extLst>
               <a:ext uri="{FF2B5EF4-FFF2-40B4-BE49-F238E27FC236}">
-                <a16:creationId xmlns="" xmlns:a16="http://schemas.microsoft.com/office/drawing/2014/main" id="{0718E6E0-05A2-479C-AEA8-1A385EB73474}"/>
+                <a16:creationId xmlns:a16="http://schemas.microsoft.com/office/drawing/2014/main" xmlns="" id="{0718E6E0-05A2-479C-AEA8-1A385EB73474}"/>
               </a:ext>
             </a:extLst>
           </p:cNvPr>
@@ -34644,7 +36445,7 @@
                 <a14:useLocalDpi xmlns:a14="http://schemas.microsoft.com/office/drawing/2010/main"/>
               </a:ext>
               <a:ext uri="{96DAC541-7B7A-43D3-8B79-37D633B846F1}">
-                <asvg:svgBlip xmlns="" xmlns:asvg="http://schemas.microsoft.com/office/drawing/2016/SVG/main" r:embed="rId10"/>
+                <asvg:svgBlip xmlns:asvg="http://schemas.microsoft.com/office/drawing/2016/SVG/main" xmlns="" r:embed="rId10"/>
               </a:ext>
             </a:extLst>
           </a:blip>
@@ -34667,7 +36468,7 @@
           <p:cNvPr id="22" name="Text Placeholder 21">
             <a:extLst>
               <a:ext uri="{FF2B5EF4-FFF2-40B4-BE49-F238E27FC236}">
-                <a16:creationId xmlns="" xmlns:a16="http://schemas.microsoft.com/office/drawing/2014/main" id="{43DBE4D9-1044-49A3-ABD5-477041FF2B63}"/>
+                <a16:creationId xmlns:a16="http://schemas.microsoft.com/office/drawing/2014/main" xmlns="" id="{43DBE4D9-1044-49A3-ABD5-477041FF2B63}"/>
               </a:ext>
             </a:extLst>
           </p:cNvPr>
@@ -34700,10 +36501,17 @@
   <p:clrMapOvr>
     <a:masterClrMapping/>
   </p:clrMapOvr>
+  <p:timing>
+    <p:tnLst>
+      <p:par>
+        <p:cTn id="1" dur="indefinite" restart="never" nodeType="tmRoot"/>
+      </p:par>
+    </p:tnLst>
+  </p:timing>
 </p:sld>
 </file>
 
-<file path=ppt/slides/slide23.xml><?xml version="1.0" encoding="utf-8"?>
+<file path=ppt/slides/slide26.xml><?xml version="1.0" encoding="utf-8"?>
 <p:sld xmlns:a="http://schemas.openxmlformats.org/drawingml/2006/main" xmlns:r="http://schemas.openxmlformats.org/officeDocument/2006/relationships" xmlns:p="http://schemas.openxmlformats.org/presentationml/2006/main">
   <p:cSld>
     <p:spTree>
@@ -34725,7 +36533,7 @@
           <p:cNvPr id="4" name="Title 3">
             <a:extLst>
               <a:ext uri="{FF2B5EF4-FFF2-40B4-BE49-F238E27FC236}">
-                <a16:creationId xmlns="" xmlns:a16="http://schemas.microsoft.com/office/drawing/2014/main" id="{E98DCA46-603B-4178-8707-30E192CE6B8D}"/>
+                <a16:creationId xmlns:a16="http://schemas.microsoft.com/office/drawing/2014/main" xmlns="" id="{E98DCA46-603B-4178-8707-30E192CE6B8D}"/>
               </a:ext>
             </a:extLst>
           </p:cNvPr>
@@ -34753,7 +36561,7 @@
           <p:cNvPr id="3" name="Text Placeholder 2">
             <a:extLst>
               <a:ext uri="{FF2B5EF4-FFF2-40B4-BE49-F238E27FC236}">
-                <a16:creationId xmlns="" xmlns:a16="http://schemas.microsoft.com/office/drawing/2014/main" id="{44C11960-E298-40D1-BBD6-3E621842A017}"/>
+                <a16:creationId xmlns:a16="http://schemas.microsoft.com/office/drawing/2014/main" xmlns="" id="{44C11960-E298-40D1-BBD6-3E621842A017}"/>
               </a:ext>
             </a:extLst>
           </p:cNvPr>
@@ -34782,7 +36590,7 @@
                 <a:hlinkClick r:id="rId2">
                   <a:extLst>
                     <a:ext uri="{A12FA001-AC4F-418D-AE19-62706E023703}">
-                      <ahyp:hlinkClr xmlns="" xmlns:ahyp="http://schemas.microsoft.com/office/drawing/2018/hyperlinkcolor" val="tx"/>
+                      <ahyp:hlinkClr xmlns:ahyp="http://schemas.microsoft.com/office/drawing/2018/hyperlinkcolor" xmlns="" val="tx"/>
                     </a:ext>
                   </a:extLst>
                 </a:hlinkClick>
@@ -34802,7 +36610,7 @@
           <p:cNvPr id="2" name="Slide Number Placeholder 1">
             <a:extLst>
               <a:ext uri="{FF2B5EF4-FFF2-40B4-BE49-F238E27FC236}">
-                <a16:creationId xmlns="" xmlns:a16="http://schemas.microsoft.com/office/drawing/2014/main" id="{5E0A2811-986E-4EBF-9612-8E79971C972D}"/>
+                <a16:creationId xmlns:a16="http://schemas.microsoft.com/office/drawing/2014/main" xmlns="" id="{5E0A2811-986E-4EBF-9612-8E79971C972D}"/>
               </a:ext>
             </a:extLst>
           </p:cNvPr>
@@ -34821,7 +36629,7 @@
             <a:fld id="{19B51A1E-902D-48AF-9020-955120F399B6}" type="slidenum">
               <a:rPr lang="en-US" smtClean="0"/>
               <a:pPr/>
-              <a:t>23</a:t>
+              <a:t>26</a:t>
             </a:fld>
             <a:endParaRPr lang="en-US" dirty="0"/>
           </a:p>
@@ -34837,6 +36645,13 @@
   <p:clrMapOvr>
     <a:masterClrMapping/>
   </p:clrMapOvr>
+  <p:timing>
+    <p:tnLst>
+      <p:par>
+        <p:cTn id="1" dur="indefinite" restart="never" nodeType="tmRoot"/>
+      </p:par>
+    </p:tnLst>
+  </p:timing>
 </p:sld>
 </file>
 
@@ -34862,7 +36677,7 @@
           <p:cNvPr id="13" name="Picture Placeholder 12" descr="Picture placeholder">
             <a:extLst>
               <a:ext uri="{FF2B5EF4-FFF2-40B4-BE49-F238E27FC236}">
-                <a16:creationId xmlns="" xmlns:a16="http://schemas.microsoft.com/office/drawing/2014/main" id="{588C9C3E-7C4B-EA46-9848-A17249AC33B1}"/>
+                <a16:creationId xmlns:a16="http://schemas.microsoft.com/office/drawing/2014/main" xmlns="" id="{588C9C3E-7C4B-EA46-9848-A17249AC33B1}"/>
               </a:ext>
             </a:extLst>
           </p:cNvPr>
@@ -34893,10 +36708,10 @@
           <p:cNvPr id="15" name="Freeform 5">
             <a:extLst>
               <a:ext uri="{FF2B5EF4-FFF2-40B4-BE49-F238E27FC236}">
-                <a16:creationId xmlns="" xmlns:a16="http://schemas.microsoft.com/office/drawing/2014/main" id="{10117390-DCFE-4FAE-B3FD-DAECFE779A27}"/>
+                <a16:creationId xmlns:a16="http://schemas.microsoft.com/office/drawing/2014/main" xmlns="" id="{10117390-DCFE-4FAE-B3FD-DAECFE779A27}"/>
               </a:ext>
               <a:ext uri="{C183D7F6-B498-43B3-948B-1728B52AA6E4}">
-                <adec:decorative xmlns="" xmlns:adec="http://schemas.microsoft.com/office/drawing/2017/decorative" val="1"/>
+                <adec:decorative xmlns:adec="http://schemas.microsoft.com/office/drawing/2017/decorative" xmlns="" val="1"/>
               </a:ext>
             </a:extLst>
           </p:cNvPr>
@@ -35082,10 +36897,10 @@
           <p:cNvPr id="31" name="TextBox 30">
             <a:extLst>
               <a:ext uri="{FF2B5EF4-FFF2-40B4-BE49-F238E27FC236}">
-                <a16:creationId xmlns="" xmlns:a16="http://schemas.microsoft.com/office/drawing/2014/main" id="{8FC2E368-898A-440B-A15C-4C5FB13C57D2}"/>
+                <a16:creationId xmlns:a16="http://schemas.microsoft.com/office/drawing/2014/main" xmlns="" id="{8FC2E368-898A-440B-A15C-4C5FB13C57D2}"/>
               </a:ext>
               <a:ext uri="{C183D7F6-B498-43B3-948B-1728B52AA6E4}">
-                <adec:decorative xmlns="" xmlns:adec="http://schemas.microsoft.com/office/drawing/2017/decorative" val="1"/>
+                <adec:decorative xmlns:adec="http://schemas.microsoft.com/office/drawing/2017/decorative" xmlns="" val="1"/>
               </a:ext>
             </a:extLst>
           </p:cNvPr>
@@ -35458,10 +37273,10 @@
           <p:cNvPr id="21" name="Isosceles Triangle 20">
             <a:extLst>
               <a:ext uri="{FF2B5EF4-FFF2-40B4-BE49-F238E27FC236}">
-                <a16:creationId xmlns="" xmlns:a16="http://schemas.microsoft.com/office/drawing/2014/main" id="{59A98ED3-718C-409B-BC1D-07842F9F58EB}"/>
+                <a16:creationId xmlns:a16="http://schemas.microsoft.com/office/drawing/2014/main" xmlns="" id="{59A98ED3-718C-409B-BC1D-07842F9F58EB}"/>
               </a:ext>
               <a:ext uri="{C183D7F6-B498-43B3-948B-1728B52AA6E4}">
-                <adec:decorative xmlns="" xmlns:adec="http://schemas.microsoft.com/office/drawing/2017/decorative" val="1"/>
+                <adec:decorative xmlns:adec="http://schemas.microsoft.com/office/drawing/2017/decorative" xmlns="" val="1"/>
               </a:ext>
             </a:extLst>
           </p:cNvPr>
@@ -35520,7 +37335,7 @@
           <p:cNvPr id="3" name="Title 2">
             <a:extLst>
               <a:ext uri="{FF2B5EF4-FFF2-40B4-BE49-F238E27FC236}">
-                <a16:creationId xmlns="" xmlns:a16="http://schemas.microsoft.com/office/drawing/2014/main" id="{200B3D2B-613A-41BE-987D-E6A1324B456D}"/>
+                <a16:creationId xmlns:a16="http://schemas.microsoft.com/office/drawing/2014/main" xmlns="" id="{200B3D2B-613A-41BE-987D-E6A1324B456D}"/>
               </a:ext>
             </a:extLst>
           </p:cNvPr>
@@ -35553,7 +37368,7 @@
           <p:cNvPr id="4" name="Subtitle 3">
             <a:extLst>
               <a:ext uri="{FF2B5EF4-FFF2-40B4-BE49-F238E27FC236}">
-                <a16:creationId xmlns="" xmlns:a16="http://schemas.microsoft.com/office/drawing/2014/main" id="{4772945D-CA91-4CFE-8EB7-941C7618C994}"/>
+                <a16:creationId xmlns:a16="http://schemas.microsoft.com/office/drawing/2014/main" xmlns="" id="{4772945D-CA91-4CFE-8EB7-941C7618C994}"/>
               </a:ext>
             </a:extLst>
           </p:cNvPr>
@@ -35586,7 +37401,7 @@
           <p:cNvPr id="5" name="Slide Number Placeholder 4">
             <a:extLst>
               <a:ext uri="{FF2B5EF4-FFF2-40B4-BE49-F238E27FC236}">
-                <a16:creationId xmlns="" xmlns:a16="http://schemas.microsoft.com/office/drawing/2014/main" id="{F6964141-6F81-4947-A236-746D94ED3F6F}"/>
+                <a16:creationId xmlns:a16="http://schemas.microsoft.com/office/drawing/2014/main" xmlns="" id="{F6964141-6F81-4947-A236-746D94ED3F6F}"/>
               </a:ext>
             </a:extLst>
           </p:cNvPr>
@@ -35688,7 +37503,7 @@
           <p:cNvPr id="4" name="Content Placeholder 3">
             <a:extLst>
               <a:ext uri="{FF2B5EF4-FFF2-40B4-BE49-F238E27FC236}">
-                <a16:creationId xmlns="" xmlns:a16="http://schemas.microsoft.com/office/drawing/2014/main" id="{D355C61F-C8F1-4977-8E1F-F16C0D9EA88C}"/>
+                <a16:creationId xmlns:a16="http://schemas.microsoft.com/office/drawing/2014/main" xmlns="" id="{D355C61F-C8F1-4977-8E1F-F16C0D9EA88C}"/>
               </a:ext>
             </a:extLst>
           </p:cNvPr>
@@ -35767,7 +37582,7 @@
           <p:cNvPr id="9" name="Picture Placeholder 8">
             <a:extLst>
               <a:ext uri="{FF2B5EF4-FFF2-40B4-BE49-F238E27FC236}">
-                <a16:creationId xmlns="" xmlns:a16="http://schemas.microsoft.com/office/drawing/2014/main" id="{52FD3342-E198-5348-9EE9-579E8FFF9DDC}"/>
+                <a16:creationId xmlns:a16="http://schemas.microsoft.com/office/drawing/2014/main" xmlns="" id="{52FD3342-E198-5348-9EE9-579E8FFF9DDC}"/>
               </a:ext>
             </a:extLst>
           </p:cNvPr>
@@ -35802,10 +37617,10 @@
           <p:cNvPr id="15" name="Freeform 5">
             <a:extLst>
               <a:ext uri="{FF2B5EF4-FFF2-40B4-BE49-F238E27FC236}">
-                <a16:creationId xmlns="" xmlns:a16="http://schemas.microsoft.com/office/drawing/2014/main" id="{764DA446-807B-4C83-BB5A-59E3FABC93F3}"/>
+                <a16:creationId xmlns:a16="http://schemas.microsoft.com/office/drawing/2014/main" xmlns="" id="{764DA446-807B-4C83-BB5A-59E3FABC93F3}"/>
               </a:ext>
               <a:ext uri="{C183D7F6-B498-43B3-948B-1728B52AA6E4}">
-                <adec:decorative xmlns="" xmlns:adec="http://schemas.microsoft.com/office/drawing/2017/decorative" val="1"/>
+                <adec:decorative xmlns:adec="http://schemas.microsoft.com/office/drawing/2017/decorative" xmlns="" val="1"/>
               </a:ext>
             </a:extLst>
           </p:cNvPr>
@@ -35992,7 +37807,7 @@
           <p:cNvPr id="6" name="Slide Number Placeholder 5">
             <a:extLst>
               <a:ext uri="{FF2B5EF4-FFF2-40B4-BE49-F238E27FC236}">
-                <a16:creationId xmlns="" xmlns:a16="http://schemas.microsoft.com/office/drawing/2014/main" id="{1C554D9F-1895-486E-BFBA-905BB2D29E08}"/>
+                <a16:creationId xmlns:a16="http://schemas.microsoft.com/office/drawing/2014/main" xmlns="" id="{1C554D9F-1895-486E-BFBA-905BB2D29E08}"/>
               </a:ext>
             </a:extLst>
           </p:cNvPr>
@@ -36094,7 +37909,7 @@
           <p:cNvPr id="14" name="Content Placeholder 3">
             <a:extLst>
               <a:ext uri="{FF2B5EF4-FFF2-40B4-BE49-F238E27FC236}">
-                <a16:creationId xmlns="" xmlns:a16="http://schemas.microsoft.com/office/drawing/2014/main" id="{D355C61F-C8F1-4977-8E1F-F16C0D9EA88C}"/>
+                <a16:creationId xmlns:a16="http://schemas.microsoft.com/office/drawing/2014/main" xmlns="" id="{D355C61F-C8F1-4977-8E1F-F16C0D9EA88C}"/>
               </a:ext>
             </a:extLst>
           </p:cNvPr>
@@ -36268,7 +38083,7 @@
           <p:cNvPr id="17" name="Content Placeholder 3">
             <a:extLst>
               <a:ext uri="{FF2B5EF4-FFF2-40B4-BE49-F238E27FC236}">
-                <a16:creationId xmlns="" xmlns:a16="http://schemas.microsoft.com/office/drawing/2014/main" id="{D355C61F-C8F1-4977-8E1F-F16C0D9EA88C}"/>
+                <a16:creationId xmlns:a16="http://schemas.microsoft.com/office/drawing/2014/main" xmlns="" id="{D355C61F-C8F1-4977-8E1F-F16C0D9EA88C}"/>
               </a:ext>
             </a:extLst>
           </p:cNvPr>
@@ -36445,7 +38260,7 @@
           <p:cNvPr id="18" name="Content Placeholder 3">
             <a:extLst>
               <a:ext uri="{FF2B5EF4-FFF2-40B4-BE49-F238E27FC236}">
-                <a16:creationId xmlns="" xmlns:a16="http://schemas.microsoft.com/office/drawing/2014/main" id="{D355C61F-C8F1-4977-8E1F-F16C0D9EA88C}"/>
+                <a16:creationId xmlns:a16="http://schemas.microsoft.com/office/drawing/2014/main" xmlns="" id="{D355C61F-C8F1-4977-8E1F-F16C0D9EA88C}"/>
               </a:ext>
             </a:extLst>
           </p:cNvPr>
@@ -36719,7 +38534,7 @@
           <p:cNvPr id="4" name="Content Placeholder 3">
             <a:extLst>
               <a:ext uri="{FF2B5EF4-FFF2-40B4-BE49-F238E27FC236}">
-                <a16:creationId xmlns="" xmlns:a16="http://schemas.microsoft.com/office/drawing/2014/main" id="{D355C61F-C8F1-4977-8E1F-F16C0D9EA88C}"/>
+                <a16:creationId xmlns:a16="http://schemas.microsoft.com/office/drawing/2014/main" xmlns="" id="{D355C61F-C8F1-4977-8E1F-F16C0D9EA88C}"/>
               </a:ext>
             </a:extLst>
           </p:cNvPr>
@@ -36798,7 +38613,7 @@
           <p:cNvPr id="9" name="Picture Placeholder 8">
             <a:extLst>
               <a:ext uri="{FF2B5EF4-FFF2-40B4-BE49-F238E27FC236}">
-                <a16:creationId xmlns="" xmlns:a16="http://schemas.microsoft.com/office/drawing/2014/main" id="{52FD3342-E198-5348-9EE9-579E8FFF9DDC}"/>
+                <a16:creationId xmlns:a16="http://schemas.microsoft.com/office/drawing/2014/main" xmlns="" id="{52FD3342-E198-5348-9EE9-579E8FFF9DDC}"/>
               </a:ext>
             </a:extLst>
           </p:cNvPr>
@@ -36833,10 +38648,10 @@
           <p:cNvPr id="15" name="Freeform 5">
             <a:extLst>
               <a:ext uri="{FF2B5EF4-FFF2-40B4-BE49-F238E27FC236}">
-                <a16:creationId xmlns="" xmlns:a16="http://schemas.microsoft.com/office/drawing/2014/main" id="{764DA446-807B-4C83-BB5A-59E3FABC93F3}"/>
+                <a16:creationId xmlns:a16="http://schemas.microsoft.com/office/drawing/2014/main" xmlns="" id="{764DA446-807B-4C83-BB5A-59E3FABC93F3}"/>
               </a:ext>
               <a:ext uri="{C183D7F6-B498-43B3-948B-1728B52AA6E4}">
-                <adec:decorative xmlns="" xmlns:adec="http://schemas.microsoft.com/office/drawing/2017/decorative" val="1"/>
+                <adec:decorative xmlns:adec="http://schemas.microsoft.com/office/drawing/2017/decorative" xmlns="" val="1"/>
               </a:ext>
             </a:extLst>
           </p:cNvPr>
@@ -37023,7 +38838,7 @@
           <p:cNvPr id="6" name="Slide Number Placeholder 5">
             <a:extLst>
               <a:ext uri="{FF2B5EF4-FFF2-40B4-BE49-F238E27FC236}">
-                <a16:creationId xmlns="" xmlns:a16="http://schemas.microsoft.com/office/drawing/2014/main" id="{1C554D9F-1895-486E-BFBA-905BB2D29E08}"/>
+                <a16:creationId xmlns:a16="http://schemas.microsoft.com/office/drawing/2014/main" xmlns="" id="{1C554D9F-1895-486E-BFBA-905BB2D29E08}"/>
               </a:ext>
             </a:extLst>
           </p:cNvPr>
@@ -37125,7 +38940,7 @@
           <p:cNvPr id="14" name="Content Placeholder 3">
             <a:extLst>
               <a:ext uri="{FF2B5EF4-FFF2-40B4-BE49-F238E27FC236}">
-                <a16:creationId xmlns="" xmlns:a16="http://schemas.microsoft.com/office/drawing/2014/main" id="{D355C61F-C8F1-4977-8E1F-F16C0D9EA88C}"/>
+                <a16:creationId xmlns:a16="http://schemas.microsoft.com/office/drawing/2014/main" xmlns="" id="{D355C61F-C8F1-4977-8E1F-F16C0D9EA88C}"/>
               </a:ext>
             </a:extLst>
           </p:cNvPr>
@@ -37299,7 +39114,7 @@
           <p:cNvPr id="17" name="Content Placeholder 3">
             <a:extLst>
               <a:ext uri="{FF2B5EF4-FFF2-40B4-BE49-F238E27FC236}">
-                <a16:creationId xmlns="" xmlns:a16="http://schemas.microsoft.com/office/drawing/2014/main" id="{D355C61F-C8F1-4977-8E1F-F16C0D9EA88C}"/>
+                <a16:creationId xmlns:a16="http://schemas.microsoft.com/office/drawing/2014/main" xmlns="" id="{D355C61F-C8F1-4977-8E1F-F16C0D9EA88C}"/>
               </a:ext>
             </a:extLst>
           </p:cNvPr>
@@ -37476,7 +39291,7 @@
           <p:cNvPr id="18" name="Content Placeholder 3">
             <a:extLst>
               <a:ext uri="{FF2B5EF4-FFF2-40B4-BE49-F238E27FC236}">
-                <a16:creationId xmlns="" xmlns:a16="http://schemas.microsoft.com/office/drawing/2014/main" id="{D355C61F-C8F1-4977-8E1F-F16C0D9EA88C}"/>
+                <a16:creationId xmlns:a16="http://schemas.microsoft.com/office/drawing/2014/main" xmlns="" id="{D355C61F-C8F1-4977-8E1F-F16C0D9EA88C}"/>
               </a:ext>
             </a:extLst>
           </p:cNvPr>
@@ -37729,7 +39544,7 @@
           <p:cNvPr id="2" name="Title 1">
             <a:extLst>
               <a:ext uri="{FF2B5EF4-FFF2-40B4-BE49-F238E27FC236}">
-                <a16:creationId xmlns="" xmlns:a16="http://schemas.microsoft.com/office/drawing/2014/main" id="{AEA5083B-CC27-4F1C-AD03-E3DBEC1C9E78}"/>
+                <a16:creationId xmlns:a16="http://schemas.microsoft.com/office/drawing/2014/main" xmlns="" id="{AEA5083B-CC27-4F1C-AD03-E3DBEC1C9E78}"/>
               </a:ext>
             </a:extLst>
           </p:cNvPr>
@@ -37757,7 +39572,7 @@
           <p:cNvPr id="3" name="Text Placeholder 2">
             <a:extLst>
               <a:ext uri="{FF2B5EF4-FFF2-40B4-BE49-F238E27FC236}">
-                <a16:creationId xmlns="" xmlns:a16="http://schemas.microsoft.com/office/drawing/2014/main" id="{97C06D93-65F2-4552-88CF-83318CBE2CFC}"/>
+                <a16:creationId xmlns:a16="http://schemas.microsoft.com/office/drawing/2014/main" xmlns="" id="{97C06D93-65F2-4552-88CF-83318CBE2CFC}"/>
               </a:ext>
             </a:extLst>
           </p:cNvPr>
@@ -37785,7 +39600,7 @@
           <p:cNvPr id="29" name="Content Placeholder 28">
             <a:extLst>
               <a:ext uri="{FF2B5EF4-FFF2-40B4-BE49-F238E27FC236}">
-                <a16:creationId xmlns="" xmlns:a16="http://schemas.microsoft.com/office/drawing/2014/main" id="{07FF37F8-D747-444C-8664-2DF836965C77}"/>
+                <a16:creationId xmlns:a16="http://schemas.microsoft.com/office/drawing/2014/main" xmlns="" id="{07FF37F8-D747-444C-8664-2DF836965C77}"/>
               </a:ext>
             </a:extLst>
           </p:cNvPr>
@@ -37836,10 +39651,10 @@
       </p:sp>
       <p:pic>
         <p:nvPicPr>
-          <p:cNvPr id="8" name="Picture Placeholder 7" descr="Slide image">
+          <p:cNvPr id="8" name="Picture Placeholder 7">
             <a:extLst>
               <a:ext uri="{FF2B5EF4-FFF2-40B4-BE49-F238E27FC236}">
-                <a16:creationId xmlns="" xmlns:a16="http://schemas.microsoft.com/office/drawing/2014/main" id="{C6CDA85C-88C0-6444-B1E8-D661956A20E8}"/>
+                <a16:creationId xmlns:a16="http://schemas.microsoft.com/office/drawing/2014/main" xmlns="" id="{C6CDA85C-88C0-6444-B1E8-D661956A20E8}"/>
               </a:ext>
             </a:extLst>
           </p:cNvPr>
@@ -37851,29 +39666,33 @@
           </p:nvPr>
         </p:nvPicPr>
         <p:blipFill>
-          <a:blip r:embed="rId2" cstate="screen">
+          <a:blip r:embed="rId2">
             <a:extLst>
               <a:ext uri="{28A0092B-C50C-407E-A947-70E740481C1C}">
-                <a14:useLocalDpi xmlns:a14="http://schemas.microsoft.com/office/drawing/2010/main"/>
+                <a14:useLocalDpi xmlns:a14="http://schemas.microsoft.com/office/drawing/2010/main" val="0"/>
               </a:ext>
             </a:extLst>
           </a:blip>
-          <a:srcRect/>
           <a:stretch>
             <a:fillRect/>
           </a:stretch>
         </p:blipFill>
-        <p:spPr/>
+        <p:spPr>
+          <a:xfrm>
+            <a:off x="-104962" y="10758"/>
+            <a:ext cx="12017525" cy="6858000"/>
+          </a:xfrm>
+        </p:spPr>
       </p:pic>
       <p:sp>
         <p:nvSpPr>
           <p:cNvPr id="66" name="Freeform 5">
             <a:extLst>
               <a:ext uri="{FF2B5EF4-FFF2-40B4-BE49-F238E27FC236}">
-                <a16:creationId xmlns="" xmlns:a16="http://schemas.microsoft.com/office/drawing/2014/main" id="{3EEE5409-3F6C-485D-B4C2-5247917F1018}"/>
+                <a16:creationId xmlns:a16="http://schemas.microsoft.com/office/drawing/2014/main" xmlns="" id="{3EEE5409-3F6C-485D-B4C2-5247917F1018}"/>
               </a:ext>
               <a:ext uri="{C183D7F6-B498-43B3-948B-1728B52AA6E4}">
-                <adec:decorative xmlns="" xmlns:adec="http://schemas.microsoft.com/office/drawing/2017/decorative" val="1"/>
+                <adec:decorative xmlns:adec="http://schemas.microsoft.com/office/drawing/2017/decorative" xmlns="" val="1"/>
               </a:ext>
             </a:extLst>
           </p:cNvPr>
@@ -38057,10 +39876,10 @@
           <p:cNvPr id="67" name="Freeform 5">
             <a:extLst>
               <a:ext uri="{FF2B5EF4-FFF2-40B4-BE49-F238E27FC236}">
-                <a16:creationId xmlns="" xmlns:a16="http://schemas.microsoft.com/office/drawing/2014/main" id="{0D74D4D5-6A4C-4248-8A92-B8CA1C918EB6}"/>
+                <a16:creationId xmlns:a16="http://schemas.microsoft.com/office/drawing/2014/main" xmlns="" id="{0D74D4D5-6A4C-4248-8A92-B8CA1C918EB6}"/>
               </a:ext>
               <a:ext uri="{C183D7F6-B498-43B3-948B-1728B52AA6E4}">
-                <adec:decorative xmlns="" xmlns:adec="http://schemas.microsoft.com/office/drawing/2017/decorative" val="1"/>
+                <adec:decorative xmlns:adec="http://schemas.microsoft.com/office/drawing/2017/decorative" xmlns="" val="1"/>
               </a:ext>
             </a:extLst>
           </p:cNvPr>
@@ -38244,7 +40063,7 @@
           <p:cNvPr id="6" name="Slide Number Placeholder 5">
             <a:extLst>
               <a:ext uri="{FF2B5EF4-FFF2-40B4-BE49-F238E27FC236}">
-                <a16:creationId xmlns="" xmlns:a16="http://schemas.microsoft.com/office/drawing/2014/main" id="{46D051DA-5DAD-43A7-A238-51C63BA59FEC}"/>
+                <a16:creationId xmlns:a16="http://schemas.microsoft.com/office/drawing/2014/main" xmlns="" id="{46D051DA-5DAD-43A7-A238-51C63BA59FEC}"/>
               </a:ext>
             </a:extLst>
           </p:cNvPr>
@@ -38269,6 +40088,481 @@
           </a:p>
         </p:txBody>
       </p:sp>
+      <p:sp>
+        <p:nvSpPr>
+          <p:cNvPr id="10" name="Freeform 5" descr="Hollow accent block">
+            <a:extLst>
+              <a:ext uri="{FF2B5EF4-FFF2-40B4-BE49-F238E27FC236}">
+                <a16:creationId xmlns:a16="http://schemas.microsoft.com/office/drawing/2014/main" xmlns="" id="{E0D7A780-33BC-4E68-9763-AB62376D5024}"/>
+              </a:ext>
+              <a:ext uri="{C183D7F6-B498-43B3-948B-1728B52AA6E4}">
+                <adec:decorative xmlns:adec="http://schemas.microsoft.com/office/drawing/2017/decorative" xmlns="" val="1"/>
+              </a:ext>
+            </a:extLst>
+          </p:cNvPr>
+          <p:cNvSpPr>
+            <a:spLocks noChangeAspect="1"/>
+          </p:cNvSpPr>
+          <p:nvPr/>
+        </p:nvSpPr>
+        <p:spPr bwMode="auto">
+          <a:xfrm>
+            <a:off x="366382" y="2556000"/>
+            <a:ext cx="5468329" cy="4126822"/>
+          </a:xfrm>
+          <a:custGeom>
+            <a:avLst/>
+            <a:gdLst>
+              <a:gd name="T0" fmla="*/ 781 w 1099"/>
+              <a:gd name="T1" fmla="*/ 0 h 968"/>
+              <a:gd name="T2" fmla="*/ 318 w 1099"/>
+              <a:gd name="T3" fmla="*/ 0 h 968"/>
+              <a:gd name="T4" fmla="*/ 246 w 1099"/>
+              <a:gd name="T5" fmla="*/ 42 h 968"/>
+              <a:gd name="T6" fmla="*/ 15 w 1099"/>
+              <a:gd name="T7" fmla="*/ 443 h 968"/>
+              <a:gd name="T8" fmla="*/ 15 w 1099"/>
+              <a:gd name="T9" fmla="*/ 525 h 968"/>
+              <a:gd name="T10" fmla="*/ 246 w 1099"/>
+              <a:gd name="T11" fmla="*/ 926 h 968"/>
+              <a:gd name="T12" fmla="*/ 318 w 1099"/>
+              <a:gd name="T13" fmla="*/ 968 h 968"/>
+              <a:gd name="T14" fmla="*/ 781 w 1099"/>
+              <a:gd name="T15" fmla="*/ 968 h 968"/>
+              <a:gd name="T16" fmla="*/ 852 w 1099"/>
+              <a:gd name="T17" fmla="*/ 926 h 968"/>
+              <a:gd name="T18" fmla="*/ 1084 w 1099"/>
+              <a:gd name="T19" fmla="*/ 525 h 968"/>
+              <a:gd name="T20" fmla="*/ 1084 w 1099"/>
+              <a:gd name="T21" fmla="*/ 443 h 968"/>
+              <a:gd name="T22" fmla="*/ 852 w 1099"/>
+              <a:gd name="T23" fmla="*/ 42 h 968"/>
+              <a:gd name="T24" fmla="*/ 781 w 1099"/>
+              <a:gd name="T25" fmla="*/ 0 h 968"/>
+            </a:gdLst>
+            <a:ahLst/>
+            <a:cxnLst>
+              <a:cxn ang="0">
+                <a:pos x="T0" y="T1"/>
+              </a:cxn>
+              <a:cxn ang="0">
+                <a:pos x="T2" y="T3"/>
+              </a:cxn>
+              <a:cxn ang="0">
+                <a:pos x="T4" y="T5"/>
+              </a:cxn>
+              <a:cxn ang="0">
+                <a:pos x="T6" y="T7"/>
+              </a:cxn>
+              <a:cxn ang="0">
+                <a:pos x="T8" y="T9"/>
+              </a:cxn>
+              <a:cxn ang="0">
+                <a:pos x="T10" y="T11"/>
+              </a:cxn>
+              <a:cxn ang="0">
+                <a:pos x="T12" y="T13"/>
+              </a:cxn>
+              <a:cxn ang="0">
+                <a:pos x="T14" y="T15"/>
+              </a:cxn>
+              <a:cxn ang="0">
+                <a:pos x="T16" y="T17"/>
+              </a:cxn>
+              <a:cxn ang="0">
+                <a:pos x="T18" y="T19"/>
+              </a:cxn>
+              <a:cxn ang="0">
+                <a:pos x="T20" y="T21"/>
+              </a:cxn>
+              <a:cxn ang="0">
+                <a:pos x="T22" y="T23"/>
+              </a:cxn>
+              <a:cxn ang="0">
+                <a:pos x="T24" y="T25"/>
+              </a:cxn>
+            </a:cxnLst>
+            <a:rect l="0" t="0" r="r" b="b"/>
+            <a:pathLst>
+              <a:path w="1099" h="968">
+                <a:moveTo>
+                  <a:pt x="781" y="0"/>
+                </a:moveTo>
+                <a:cubicBezTo>
+                  <a:pt x="318" y="0"/>
+                  <a:pt x="318" y="0"/>
+                  <a:pt x="318" y="0"/>
+                </a:cubicBezTo>
+                <a:cubicBezTo>
+                  <a:pt x="288" y="0"/>
+                  <a:pt x="261" y="16"/>
+                  <a:pt x="246" y="42"/>
+                </a:cubicBezTo>
+                <a:cubicBezTo>
+                  <a:pt x="15" y="443"/>
+                  <a:pt x="15" y="443"/>
+                  <a:pt x="15" y="443"/>
+                </a:cubicBezTo>
+                <a:cubicBezTo>
+                  <a:pt x="0" y="468"/>
+                  <a:pt x="0" y="500"/>
+                  <a:pt x="15" y="525"/>
+                </a:cubicBezTo>
+                <a:cubicBezTo>
+                  <a:pt x="246" y="926"/>
+                  <a:pt x="246" y="926"/>
+                  <a:pt x="246" y="926"/>
+                </a:cubicBezTo>
+                <a:cubicBezTo>
+                  <a:pt x="261" y="952"/>
+                  <a:pt x="288" y="968"/>
+                  <a:pt x="318" y="968"/>
+                </a:cubicBezTo>
+                <a:cubicBezTo>
+                  <a:pt x="781" y="968"/>
+                  <a:pt x="781" y="968"/>
+                  <a:pt x="781" y="968"/>
+                </a:cubicBezTo>
+                <a:cubicBezTo>
+                  <a:pt x="810" y="968"/>
+                  <a:pt x="838" y="952"/>
+                  <a:pt x="852" y="926"/>
+                </a:cubicBezTo>
+                <a:cubicBezTo>
+                  <a:pt x="1084" y="525"/>
+                  <a:pt x="1084" y="525"/>
+                  <a:pt x="1084" y="525"/>
+                </a:cubicBezTo>
+                <a:cubicBezTo>
+                  <a:pt x="1099" y="500"/>
+                  <a:pt x="1099" y="468"/>
+                  <a:pt x="1084" y="443"/>
+                </a:cubicBezTo>
+                <a:cubicBezTo>
+                  <a:pt x="852" y="42"/>
+                  <a:pt x="852" y="42"/>
+                  <a:pt x="852" y="42"/>
+                </a:cubicBezTo>
+                <a:cubicBezTo>
+                  <a:pt x="838" y="16"/>
+                  <a:pt x="810" y="0"/>
+                  <a:pt x="781" y="0"/>
+                </a:cubicBezTo>
+                <a:close/>
+              </a:path>
+            </a:pathLst>
+          </a:custGeom>
+          <a:gradFill>
+            <a:gsLst>
+              <a:gs pos="0">
+                <a:schemeClr val="accent1">
+                  <a:lumMod val="67000"/>
+                  <a:alpha val="34000"/>
+                </a:schemeClr>
+              </a:gs>
+              <a:gs pos="48000">
+                <a:schemeClr val="accent1">
+                  <a:lumMod val="97000"/>
+                  <a:lumOff val="3000"/>
+                  <a:alpha val="30000"/>
+                </a:schemeClr>
+              </a:gs>
+              <a:gs pos="100000">
+                <a:schemeClr val="accent1">
+                  <a:lumMod val="60000"/>
+                  <a:lumOff val="40000"/>
+                  <a:alpha val="48000"/>
+                </a:schemeClr>
+              </a:gs>
+            </a:gsLst>
+            <a:lin ang="16200000" scaled="1"/>
+          </a:gradFill>
+          <a:ln>
+            <a:noFill/>
+            <a:headEnd/>
+            <a:tailEnd/>
+          </a:ln>
+        </p:spPr>
+        <p:style>
+          <a:lnRef idx="2">
+            <a:schemeClr val="accent1"/>
+          </a:lnRef>
+          <a:fillRef idx="1">
+            <a:schemeClr val="lt1"/>
+          </a:fillRef>
+          <a:effectRef idx="0">
+            <a:schemeClr val="accent1"/>
+          </a:effectRef>
+          <a:fontRef idx="minor">
+            <a:schemeClr val="dk1"/>
+          </a:fontRef>
+        </p:style>
+        <p:txBody>
+          <a:bodyPr vert="horz" wrap="square" lIns="91440" tIns="45720" rIns="91440" bIns="45720" numCol="1" anchor="t" anchorCtr="0" compatLnSpc="1">
+            <a:prstTxWarp prst="textNoShape">
+              <a:avLst/>
+            </a:prstTxWarp>
+          </a:bodyPr>
+          <a:lstStyle/>
+          <a:p>
+            <a:endParaRPr lang="en-US" dirty="0"/>
+          </a:p>
+        </p:txBody>
+      </p:sp>
+      <p:sp>
+        <p:nvSpPr>
+          <p:cNvPr id="4" name="Rectangle 3"/>
+          <p:cNvSpPr/>
+          <p:nvPr/>
+        </p:nvSpPr>
+        <p:spPr>
+          <a:xfrm>
+            <a:off x="502135" y="3786898"/>
+            <a:ext cx="5331332" cy="1077218"/>
+          </a:xfrm>
+          <a:prstGeom prst="rect">
+            <a:avLst/>
+          </a:prstGeom>
+          <a:noFill/>
+        </p:spPr>
+        <p:txBody>
+          <a:bodyPr wrap="none" lIns="91440" tIns="45720" rIns="91440" bIns="45720">
+            <a:spAutoFit/>
+          </a:bodyPr>
+          <a:lstStyle/>
+          <a:p>
+            <a:pPr algn="ctr"/>
+            <a:r>
+              <a:rPr lang="en-US" sz="2800" cap="none" spc="0" dirty="0" smtClean="0">
+                <a:ln w="0"/>
+                <a:solidFill>
+                  <a:schemeClr val="tx1">
+                    <a:lumMod val="75000"/>
+                    <a:lumOff val="25000"/>
+                  </a:schemeClr>
+                </a:solidFill>
+                <a:effectLst>
+                  <a:outerShdw blurRad="38100" dist="19050" dir="2700000" algn="tl" rotWithShape="0">
+                    <a:schemeClr val="dk1">
+                      <a:alpha val="40000"/>
+                    </a:schemeClr>
+                  </a:outerShdw>
+                </a:effectLst>
+                <a:latin typeface="Arial" panose="020B0604020202020204" pitchFamily="34" charset="0"/>
+                <a:cs typeface="Arial" panose="020B0604020202020204" pitchFamily="34" charset="0"/>
+              </a:rPr>
+              <a:t>Build your career </a:t>
+            </a:r>
+            <a:r>
+              <a:rPr lang="en-US" sz="2800" dirty="0">
+                <a:ln w="0"/>
+                <a:solidFill>
+                  <a:schemeClr val="tx1">
+                    <a:lumMod val="75000"/>
+                    <a:lumOff val="25000"/>
+                  </a:schemeClr>
+                </a:solidFill>
+                <a:effectLst>
+                  <a:outerShdw blurRad="38100" dist="19050" dir="2700000" algn="tl" rotWithShape="0">
+                    <a:schemeClr val="dk1">
+                      <a:alpha val="40000"/>
+                    </a:schemeClr>
+                  </a:outerShdw>
+                </a:effectLst>
+                <a:latin typeface="Arial" panose="020B0604020202020204" pitchFamily="34" charset="0"/>
+                <a:cs typeface="Arial" panose="020B0604020202020204" pitchFamily="34" charset="0"/>
+              </a:rPr>
+              <a:t>a</a:t>
+            </a:r>
+            <a:r>
+              <a:rPr lang="en-US" sz="2800" dirty="0" smtClean="0">
+                <a:ln w="0"/>
+                <a:solidFill>
+                  <a:schemeClr val="tx1">
+                    <a:lumMod val="75000"/>
+                    <a:lumOff val="25000"/>
+                  </a:schemeClr>
+                </a:solidFill>
+                <a:effectLst>
+                  <a:outerShdw blurRad="38100" dist="19050" dir="2700000" algn="tl" rotWithShape="0">
+                    <a:schemeClr val="dk1">
+                      <a:alpha val="40000"/>
+                    </a:schemeClr>
+                  </a:outerShdw>
+                </a:effectLst>
+                <a:latin typeface="Arial" panose="020B0604020202020204" pitchFamily="34" charset="0"/>
+                <a:cs typeface="Arial" panose="020B0604020202020204" pitchFamily="34" charset="0"/>
+              </a:rPr>
+              <a:t>s </a:t>
+            </a:r>
+            <a:br>
+              <a:rPr lang="en-US" sz="2800" dirty="0" smtClean="0">
+                <a:ln w="0"/>
+                <a:solidFill>
+                  <a:schemeClr val="tx1">
+                    <a:lumMod val="75000"/>
+                    <a:lumOff val="25000"/>
+                  </a:schemeClr>
+                </a:solidFill>
+                <a:effectLst>
+                  <a:outerShdw blurRad="38100" dist="19050" dir="2700000" algn="tl" rotWithShape="0">
+                    <a:schemeClr val="dk1">
+                      <a:alpha val="40000"/>
+                    </a:schemeClr>
+                  </a:outerShdw>
+                </a:effectLst>
+                <a:latin typeface="Arial" panose="020B0604020202020204" pitchFamily="34" charset="0"/>
+                <a:cs typeface="Arial" panose="020B0604020202020204" pitchFamily="34" charset="0"/>
+              </a:rPr>
+            </a:br>
+            <a:r>
+              <a:rPr lang="en-US" sz="3600" b="1" dirty="0" smtClean="0">
+                <a:ln w="0"/>
+                <a:effectLst>
+                  <a:outerShdw blurRad="38100" dist="19050" dir="2700000" algn="tl" rotWithShape="0">
+                    <a:schemeClr val="dk1">
+                      <a:alpha val="40000"/>
+                    </a:schemeClr>
+                  </a:outerShdw>
+                </a:effectLst>
+                <a:latin typeface="Arial" panose="020B0604020202020204" pitchFamily="34" charset="0"/>
+                <a:cs typeface="Arial" panose="020B0604020202020204" pitchFamily="34" charset="0"/>
+              </a:rPr>
+              <a:t>Medical Lab Technician</a:t>
+            </a:r>
+            <a:endParaRPr lang="en-US" sz="3600" b="1" cap="none" spc="0" dirty="0">
+              <a:ln w="0"/>
+              <a:solidFill>
+                <a:schemeClr val="tx1"/>
+              </a:solidFill>
+              <a:effectLst>
+                <a:outerShdw blurRad="38100" dist="19050" dir="2700000" algn="tl" rotWithShape="0">
+                  <a:schemeClr val="dk1">
+                    <a:alpha val="40000"/>
+                  </a:schemeClr>
+                </a:outerShdw>
+              </a:effectLst>
+              <a:latin typeface="Arial" panose="020B0604020202020204" pitchFamily="34" charset="0"/>
+              <a:cs typeface="Arial" panose="020B0604020202020204" pitchFamily="34" charset="0"/>
+            </a:endParaRPr>
+          </a:p>
+        </p:txBody>
+      </p:sp>
+      <p:sp>
+        <p:nvSpPr>
+          <p:cNvPr id="12" name="Rectangle 11"/>
+          <p:cNvSpPr/>
+          <p:nvPr/>
+        </p:nvSpPr>
+        <p:spPr>
+          <a:xfrm>
+            <a:off x="766261" y="4944180"/>
+            <a:ext cx="4668570" cy="954107"/>
+          </a:xfrm>
+          <a:prstGeom prst="rect">
+            <a:avLst/>
+          </a:prstGeom>
+          <a:noFill/>
+        </p:spPr>
+        <p:txBody>
+          <a:bodyPr wrap="square" lIns="91440" tIns="45720" rIns="91440" bIns="45720">
+            <a:spAutoFit/>
+          </a:bodyPr>
+          <a:lstStyle/>
+          <a:p>
+            <a:pPr algn="ctr"/>
+            <a:r>
+              <a:rPr lang="en-US" sz="2800" cap="none" spc="0" dirty="0" smtClean="0">
+                <a:ln w="0"/>
+                <a:solidFill>
+                  <a:schemeClr val="tx1">
+                    <a:lumMod val="75000"/>
+                    <a:lumOff val="25000"/>
+                  </a:schemeClr>
+                </a:solidFill>
+                <a:latin typeface="Arial" panose="020B0604020202020204" pitchFamily="34" charset="0"/>
+                <a:cs typeface="Arial" panose="020B0604020202020204" pitchFamily="34" charset="0"/>
+              </a:rPr>
+              <a:t>Best courses available with us after 12th</a:t>
+            </a:r>
+            <a:endParaRPr lang="en-US" sz="4000" cap="none" spc="0" dirty="0">
+              <a:ln w="0"/>
+              <a:latin typeface="Arial" panose="020B0604020202020204" pitchFamily="34" charset="0"/>
+              <a:cs typeface="Arial" panose="020B0604020202020204" pitchFamily="34" charset="0"/>
+            </a:endParaRPr>
+          </a:p>
+        </p:txBody>
+      </p:sp>
+      <p:cxnSp>
+        <p:nvCxnSpPr>
+          <p:cNvPr id="7" name="Straight Connector 6"/>
+          <p:cNvCxnSpPr/>
+          <p:nvPr/>
+        </p:nvCxnSpPr>
+        <p:spPr>
+          <a:xfrm>
+            <a:off x="920377" y="4810191"/>
+            <a:ext cx="4360338" cy="0"/>
+          </a:xfrm>
+          <a:prstGeom prst="line">
+            <a:avLst/>
+          </a:prstGeom>
+          <a:ln w="19050"/>
+        </p:spPr>
+        <p:style>
+          <a:lnRef idx="2">
+            <a:schemeClr val="accent6"/>
+          </a:lnRef>
+          <a:fillRef idx="0">
+            <a:schemeClr val="accent6"/>
+          </a:fillRef>
+          <a:effectRef idx="1">
+            <a:schemeClr val="accent6"/>
+          </a:effectRef>
+          <a:fontRef idx="minor">
+            <a:schemeClr val="tx1"/>
+          </a:fontRef>
+        </p:style>
+      </p:cxnSp>
+      <p:pic>
+        <p:nvPicPr>
+          <p:cNvPr id="15" name="Picture 14"/>
+          <p:cNvPicPr>
+            <a:picLocks noChangeAspect="1"/>
+          </p:cNvPicPr>
+          <p:nvPr/>
+        </p:nvPicPr>
+        <p:blipFill>
+          <a:blip r:embed="rId3">
+            <a:extLst>
+              <a:ext uri="{BEBA8EAE-BF5A-486C-A8C5-ECC9F3942E4B}">
+                <a14:imgProps xmlns:a14="http://schemas.microsoft.com/office/drawing/2010/main">
+                  <a14:imgLayer r:embed="rId4">
+                    <a14:imgEffect>
+                      <a14:sharpenSoften amount="50000"/>
+                    </a14:imgEffect>
+                  </a14:imgLayer>
+                </a14:imgProps>
+              </a:ext>
+              <a:ext uri="{28A0092B-C50C-407E-A947-70E740481C1C}">
+                <a14:useLocalDpi xmlns:a14="http://schemas.microsoft.com/office/drawing/2010/main" val="0"/>
+              </a:ext>
+            </a:extLst>
+          </a:blip>
+          <a:stretch>
+            <a:fillRect/>
+          </a:stretch>
+        </p:blipFill>
+        <p:spPr>
+          <a:xfrm>
+            <a:off x="1947304" y="2989698"/>
+            <a:ext cx="2306484" cy="755647"/>
+          </a:xfrm>
+          <a:prstGeom prst="rect">
+            <a:avLst/>
+          </a:prstGeom>
+        </p:spPr>
+      </p:pic>
     </p:spTree>
     <p:extLst>
       <p:ext uri="{BB962C8B-B14F-4D97-AF65-F5344CB8AC3E}">
@@ -38352,7 +40646,7 @@
           <p:cNvPr id="17" name="Picture Placeholder 16">
             <a:extLst>
               <a:ext uri="{FF2B5EF4-FFF2-40B4-BE49-F238E27FC236}">
-                <a16:creationId xmlns="" xmlns:a16="http://schemas.microsoft.com/office/drawing/2014/main" id="{893F9275-F9D8-C846-B8BE-3571B6BA9792}"/>
+                <a16:creationId xmlns:a16="http://schemas.microsoft.com/office/drawing/2014/main" xmlns="" id="{893F9275-F9D8-C846-B8BE-3571B6BA9792}"/>
               </a:ext>
             </a:extLst>
           </p:cNvPr>
@@ -38532,7 +40826,7 @@
           <p:cNvPr id="17" name="Picture Placeholder 16">
             <a:extLst>
               <a:ext uri="{FF2B5EF4-FFF2-40B4-BE49-F238E27FC236}">
-                <a16:creationId xmlns="" xmlns:a16="http://schemas.microsoft.com/office/drawing/2014/main" id="{893F9275-F9D8-C846-B8BE-3571B6BA9792}"/>
+                <a16:creationId xmlns:a16="http://schemas.microsoft.com/office/drawing/2014/main" xmlns="" id="{893F9275-F9D8-C846-B8BE-3571B6BA9792}"/>
               </a:ext>
             </a:extLst>
           </p:cNvPr>
@@ -38722,7 +41016,7 @@
           <p:cNvPr id="17" name="Picture Placeholder 16">
             <a:extLst>
               <a:ext uri="{FF2B5EF4-FFF2-40B4-BE49-F238E27FC236}">
-                <a16:creationId xmlns="" xmlns:a16="http://schemas.microsoft.com/office/drawing/2014/main" id="{893F9275-F9D8-C846-B8BE-3571B6BA9792}"/>
+                <a16:creationId xmlns:a16="http://schemas.microsoft.com/office/drawing/2014/main" xmlns="" id="{893F9275-F9D8-C846-B8BE-3571B6BA9792}"/>
               </a:ext>
             </a:extLst>
           </p:cNvPr>
@@ -39663,6 +41957,15 @@
 </file>
 
 <file path=customXml/item1.xml><?xml version="1.0" encoding="utf-8"?>
+<?mso-contentType ?>
+<FormTemplates xmlns="http://schemas.microsoft.com/sharepoint/v3/contenttype/forms">
+  <Display>DocumentLibraryForm</Display>
+  <Edit>DocumentLibraryForm</Edit>
+  <New>DocumentLibraryForm</New>
+</FormTemplates>
+</file>
+
+<file path=customXml/item2.xml><?xml version="1.0" encoding="utf-8"?>
 <ct:contentTypeSchema xmlns:ct="http://schemas.microsoft.com/office/2006/metadata/contentType" xmlns:ma="http://schemas.microsoft.com/office/2006/metadata/properties/metaAttributes" ct:_="" ma:_="" ma:contentTypeName="Document" ma:contentTypeID="0x01010079F111ED35F8CC479449609E8A0923A6" ma:contentTypeVersion="11" ma:contentTypeDescription="Create a new document." ma:contentTypeScope="" ma:versionID="96291512c1ee715ab617f4c07df79fc1">
   <xsd:schema xmlns:xsd="http://www.w3.org/2001/XMLSchema" xmlns:xs="http://www.w3.org/2001/XMLSchema" xmlns:p="http://schemas.microsoft.com/office/2006/metadata/properties" xmlns:ns2="71af3243-3dd4-4a8d-8c0d-dd76da1f02a5" xmlns:ns3="16c05727-aa75-4e4a-9b5f-8a80a1165891" targetNamespace="http://schemas.microsoft.com/office/2006/metadata/properties" ma:root="true" ma:fieldsID="8256c27c40ca5c40ce1cf6c44f0205df" ns2:_="" ns3:_="">
     <xsd:import namespace="71af3243-3dd4-4a8d-8c0d-dd76da1f02a5"/>
@@ -39873,15 +42176,6 @@
 </ct:contentTypeSchema>
 </file>
 
-<file path=customXml/item2.xml><?xml version="1.0" encoding="utf-8"?>
-<?mso-contentType ?>
-<FormTemplates xmlns="http://schemas.microsoft.com/sharepoint/v3/contenttype/forms">
-  <Display>DocumentLibraryForm</Display>
-  <Edit>DocumentLibraryForm</Edit>
-  <New>DocumentLibraryForm</New>
-</FormTemplates>
-</file>
-
 <file path=customXml/item3.xml><?xml version="1.0" encoding="utf-8"?>
 <p:properties xmlns:p="http://schemas.microsoft.com/office/2006/metadata/properties" xmlns:xsi="http://www.w3.org/2001/XMLSchema-instance" xmlns:pc="http://schemas.microsoft.com/office/infopath/2007/PartnerControls">
   <documentManagement>
@@ -39891,6 +42185,14 @@
 </file>
 
 <file path=customXml/itemProps1.xml><?xml version="1.0" encoding="utf-8"?>
+<ds:datastoreItem xmlns:ds="http://schemas.openxmlformats.org/officeDocument/2006/customXml" ds:itemID="{8A930687-51F2-44C8-9CE6-D1B3D6E17522}">
+  <ds:schemaRefs>
+    <ds:schemaRef ds:uri="http://schemas.microsoft.com/sharepoint/v3/contenttype/forms"/>
+  </ds:schemaRefs>
+</ds:datastoreItem>
+</file>
+
+<file path=customXml/itemProps2.xml><?xml version="1.0" encoding="utf-8"?>
 <ds:datastoreItem xmlns:ds="http://schemas.openxmlformats.org/officeDocument/2006/customXml" ds:itemID="{29AE7CBC-C35C-4FA9-B339-59E31F30C6AC}">
   <ds:schemaRefs>
     <ds:schemaRef ds:uri="http://schemas.microsoft.com/office/2006/metadata/contentType"/>
@@ -39909,14 +42211,6 @@
 </ds:datastoreItem>
 </file>
 
-<file path=customXml/itemProps2.xml><?xml version="1.0" encoding="utf-8"?>
-<ds:datastoreItem xmlns:ds="http://schemas.openxmlformats.org/officeDocument/2006/customXml" ds:itemID="{8A930687-51F2-44C8-9CE6-D1B3D6E17522}">
-  <ds:schemaRefs>
-    <ds:schemaRef ds:uri="http://schemas.microsoft.com/sharepoint/v3/contenttype/forms"/>
-  </ds:schemaRefs>
-</ds:datastoreItem>
-</file>
-
 <file path=customXml/itemProps3.xml><?xml version="1.0" encoding="utf-8"?>
 <ds:datastoreItem xmlns:ds="http://schemas.openxmlformats.org/officeDocument/2006/customXml" ds:itemID="{A861FE8A-8F15-409F-AF62-619C69C0D537}">
   <ds:schemaRefs>

--- a/IqHealth/Docs/HealthIQ-3.pptx
+++ b/IqHealth/Docs/HealthIQ-3.pptx
@@ -5,38 +5,42 @@
     <p:sldMasterId id="2147483648" r:id="rId4"/>
   </p:sldMasterIdLst>
   <p:notesMasterIdLst>
-    <p:notesMasterId r:id="rId31"/>
+    <p:notesMasterId r:id="rId35"/>
   </p:notesMasterIdLst>
   <p:handoutMasterIdLst>
-    <p:handoutMasterId r:id="rId32"/>
+    <p:handoutMasterId r:id="rId36"/>
   </p:handoutMasterIdLst>
   <p:sldIdLst>
     <p:sldId id="282" r:id="rId5"/>
-    <p:sldId id="292" r:id="rId6"/>
-    <p:sldId id="293" r:id="rId7"/>
-    <p:sldId id="283" r:id="rId8"/>
-    <p:sldId id="298" r:id="rId9"/>
-    <p:sldId id="291" r:id="rId10"/>
-    <p:sldId id="297" r:id="rId11"/>
-    <p:sldId id="299" r:id="rId12"/>
-    <p:sldId id="300" r:id="rId13"/>
-    <p:sldId id="301" r:id="rId14"/>
-    <p:sldId id="302" r:id="rId15"/>
-    <p:sldId id="284" r:id="rId16"/>
-    <p:sldId id="303" r:id="rId17"/>
-    <p:sldId id="305" r:id="rId18"/>
-    <p:sldId id="307" r:id="rId19"/>
-    <p:sldId id="308" r:id="rId20"/>
-    <p:sldId id="306" r:id="rId21"/>
-    <p:sldId id="285" r:id="rId22"/>
-    <p:sldId id="309" r:id="rId23"/>
-    <p:sldId id="304" r:id="rId24"/>
-    <p:sldId id="310" r:id="rId25"/>
-    <p:sldId id="311" r:id="rId26"/>
-    <p:sldId id="294" r:id="rId27"/>
-    <p:sldId id="295" r:id="rId28"/>
-    <p:sldId id="296" r:id="rId29"/>
-    <p:sldId id="256" r:id="rId30"/>
+    <p:sldId id="314" r:id="rId6"/>
+    <p:sldId id="292" r:id="rId7"/>
+    <p:sldId id="312" r:id="rId8"/>
+    <p:sldId id="315" r:id="rId9"/>
+    <p:sldId id="313" r:id="rId10"/>
+    <p:sldId id="293" r:id="rId11"/>
+    <p:sldId id="283" r:id="rId12"/>
+    <p:sldId id="298" r:id="rId13"/>
+    <p:sldId id="291" r:id="rId14"/>
+    <p:sldId id="297" r:id="rId15"/>
+    <p:sldId id="299" r:id="rId16"/>
+    <p:sldId id="300" r:id="rId17"/>
+    <p:sldId id="301" r:id="rId18"/>
+    <p:sldId id="302" r:id="rId19"/>
+    <p:sldId id="284" r:id="rId20"/>
+    <p:sldId id="303" r:id="rId21"/>
+    <p:sldId id="305" r:id="rId22"/>
+    <p:sldId id="307" r:id="rId23"/>
+    <p:sldId id="308" r:id="rId24"/>
+    <p:sldId id="306" r:id="rId25"/>
+    <p:sldId id="285" r:id="rId26"/>
+    <p:sldId id="309" r:id="rId27"/>
+    <p:sldId id="304" r:id="rId28"/>
+    <p:sldId id="310" r:id="rId29"/>
+    <p:sldId id="311" r:id="rId30"/>
+    <p:sldId id="294" r:id="rId31"/>
+    <p:sldId id="295" r:id="rId32"/>
+    <p:sldId id="296" r:id="rId33"/>
+    <p:sldId id="256" r:id="rId34"/>
   </p:sldIdLst>
   <p:sldSz cx="12192000" cy="6858000"/>
   <p:notesSz cx="6858000" cy="9144000"/>
@@ -373,11 +377,11 @@
           <c:showBubbleSize val="0"/>
         </c:dLbls>
         <c:gapWidth val="25"/>
-        <c:axId val="1090211232"/>
-        <c:axId val="1090205792"/>
+        <c:axId val="1974252704"/>
+        <c:axId val="1974253248"/>
       </c:barChart>
       <c:catAx>
-        <c:axId val="1090211232"/>
+        <c:axId val="1974252704"/>
         <c:scaling>
           <c:orientation val="minMax"/>
         </c:scaling>
@@ -420,7 +424,7 @@
             <a:endParaRPr lang="en-US"/>
           </a:p>
         </c:txPr>
-        <c:crossAx val="1090205792"/>
+        <c:crossAx val="1974253248"/>
         <c:crosses val="autoZero"/>
         <c:auto val="1"/>
         <c:lblAlgn val="ctr"/>
@@ -428,7 +432,7 @@
         <c:noMultiLvlLbl val="0"/>
       </c:catAx>
       <c:valAx>
-        <c:axId val="1090205792"/>
+        <c:axId val="1974253248"/>
         <c:scaling>
           <c:orientation val="minMax"/>
         </c:scaling>
@@ -479,7 +483,7 @@
             <a:endParaRPr lang="en-US"/>
           </a:p>
         </c:txPr>
-        <c:crossAx val="1090211232"/>
+        <c:crossAx val="1974252704"/>
         <c:crosses val="autoZero"/>
         <c:crossBetween val="between"/>
       </c:valAx>
@@ -1246,11 +1250,11 @@
         </c:dLbls>
         <c:marker val="1"/>
         <c:smooth val="0"/>
-        <c:axId val="1335906608"/>
-        <c:axId val="1335908240"/>
+        <c:axId val="1974254880"/>
+        <c:axId val="1974241824"/>
       </c:lineChart>
       <c:catAx>
-        <c:axId val="1335906608"/>
+        <c:axId val="1974254880"/>
         <c:scaling>
           <c:orientation val="minMax"/>
         </c:scaling>
@@ -1293,7 +1297,7 @@
             <a:endParaRPr lang="en-US"/>
           </a:p>
         </c:txPr>
-        <c:crossAx val="1335908240"/>
+        <c:crossAx val="1974241824"/>
         <c:crosses val="autoZero"/>
         <c:auto val="1"/>
         <c:lblAlgn val="ctr"/>
@@ -1301,7 +1305,7 @@
         <c:noMultiLvlLbl val="0"/>
       </c:catAx>
       <c:valAx>
-        <c:axId val="1335908240"/>
+        <c:axId val="1974241824"/>
         <c:scaling>
           <c:orientation val="minMax"/>
         </c:scaling>
@@ -1352,7 +1356,7 @@
             <a:endParaRPr lang="en-US"/>
           </a:p>
         </c:txPr>
-        <c:crossAx val="1335906608"/>
+        <c:crossAx val="1974254880"/>
         <c:crosses val="autoZero"/>
         <c:crossBetween val="between"/>
       </c:valAx>
@@ -3054,7 +3058,7 @@
           <p:cNvPr id="2" name="Header Placeholder 1">
             <a:extLst>
               <a:ext uri="{FF2B5EF4-FFF2-40B4-BE49-F238E27FC236}">
-                <a16:creationId xmlns:a16="http://schemas.microsoft.com/office/drawing/2014/main" xmlns="" id="{B76F666D-E0C2-435B-BAA8-9287F9E5D38A}"/>
+                <a16:creationId xmlns="" xmlns:a16="http://schemas.microsoft.com/office/drawing/2014/main" id="{B76F666D-E0C2-435B-BAA8-9287F9E5D38A}"/>
               </a:ext>
             </a:extLst>
           </p:cNvPr>
@@ -3091,7 +3095,7 @@
           <p:cNvPr id="3" name="Date Placeholder 2">
             <a:extLst>
               <a:ext uri="{FF2B5EF4-FFF2-40B4-BE49-F238E27FC236}">
-                <a16:creationId xmlns:a16="http://schemas.microsoft.com/office/drawing/2014/main" xmlns="" id="{19FEBCAF-CB3F-4928-91AA-D61472F880C0}"/>
+                <a16:creationId xmlns="" xmlns:a16="http://schemas.microsoft.com/office/drawing/2014/main" id="{19FEBCAF-CB3F-4928-91AA-D61472F880C0}"/>
               </a:ext>
             </a:extLst>
           </p:cNvPr>
@@ -3121,7 +3125,7 @@
           <a:p>
             <a:fld id="{EF1077DB-935E-4A0A-947A-D283B9F9F452}" type="datetimeFigureOut">
               <a:rPr lang="en-US" smtClean="0"/>
-              <a:t>01-May-20</a:t>
+              <a:t>08-May-20</a:t>
             </a:fld>
             <a:endParaRPr lang="en-US"/>
           </a:p>
@@ -3132,7 +3136,7 @@
           <p:cNvPr id="4" name="Footer Placeholder 3">
             <a:extLst>
               <a:ext uri="{FF2B5EF4-FFF2-40B4-BE49-F238E27FC236}">
-                <a16:creationId xmlns:a16="http://schemas.microsoft.com/office/drawing/2014/main" xmlns="" id="{69256698-63C6-4CCC-81CB-EA5604C30F1E}"/>
+                <a16:creationId xmlns="" xmlns:a16="http://schemas.microsoft.com/office/drawing/2014/main" id="{69256698-63C6-4CCC-81CB-EA5604C30F1E}"/>
               </a:ext>
             </a:extLst>
           </p:cNvPr>
@@ -3169,7 +3173,7 @@
           <p:cNvPr id="5" name="Slide Number Placeholder 4">
             <a:extLst>
               <a:ext uri="{FF2B5EF4-FFF2-40B4-BE49-F238E27FC236}">
-                <a16:creationId xmlns:a16="http://schemas.microsoft.com/office/drawing/2014/main" xmlns="" id="{B2467FDA-05D7-4760-A373-5D6AEAAF4278}"/>
+                <a16:creationId xmlns="" xmlns:a16="http://schemas.microsoft.com/office/drawing/2014/main" id="{B2467FDA-05D7-4760-A373-5D6AEAAF4278}"/>
               </a:ext>
             </a:extLst>
           </p:cNvPr>
@@ -3298,7 +3302,7 @@
           <a:p>
             <a:fld id="{2D9EC30E-1A71-4188-9BE7-E2A64929A436}" type="datetimeFigureOut">
               <a:rPr lang="en-US" noProof="0" smtClean="0"/>
-              <a:t>01-May-20</a:t>
+              <a:t>08-May-20</a:t>
             </a:fld>
             <a:endParaRPr lang="en-US" noProof="0"/>
           </a:p>
@@ -3587,7 +3591,7 @@
           <p:cNvPr id="2" name="Title 1">
             <a:extLst>
               <a:ext uri="{FF2B5EF4-FFF2-40B4-BE49-F238E27FC236}">
-                <a16:creationId xmlns:a16="http://schemas.microsoft.com/office/drawing/2014/main" xmlns="" id="{5FC626A5-4FF6-42BD-858A-AE4B2C23A6BC}"/>
+                <a16:creationId xmlns="" xmlns:a16="http://schemas.microsoft.com/office/drawing/2014/main" id="{5FC626A5-4FF6-42BD-858A-AE4B2C23A6BC}"/>
               </a:ext>
             </a:extLst>
           </p:cNvPr>
@@ -3626,7 +3630,7 @@
           <p:cNvPr id="5" name="Subtitle 2">
             <a:extLst>
               <a:ext uri="{FF2B5EF4-FFF2-40B4-BE49-F238E27FC236}">
-                <a16:creationId xmlns:a16="http://schemas.microsoft.com/office/drawing/2014/main" xmlns="" id="{10727B06-56A8-44A2-B6C2-9ED183D107F3}"/>
+                <a16:creationId xmlns="" xmlns:a16="http://schemas.microsoft.com/office/drawing/2014/main" id="{10727B06-56A8-44A2-B6C2-9ED183D107F3}"/>
               </a:ext>
             </a:extLst>
           </p:cNvPr>
@@ -3681,7 +3685,7 @@
           <p:cNvPr id="6" name="Slide Number Placeholder 5">
             <a:extLst>
               <a:ext uri="{FF2B5EF4-FFF2-40B4-BE49-F238E27FC236}">
-                <a16:creationId xmlns:a16="http://schemas.microsoft.com/office/drawing/2014/main" xmlns="" id="{7A47F3D0-41FC-4430-9F9E-1F78A18D65FE}"/>
+                <a16:creationId xmlns="" xmlns:a16="http://schemas.microsoft.com/office/drawing/2014/main" id="{7A47F3D0-41FC-4430-9F9E-1F78A18D65FE}"/>
               </a:ext>
             </a:extLst>
           </p:cNvPr>
@@ -3711,7 +3715,7 @@
           <p:cNvPr id="7" name="Footer Placeholder 6">
             <a:extLst>
               <a:ext uri="{FF2B5EF4-FFF2-40B4-BE49-F238E27FC236}">
-                <a16:creationId xmlns:a16="http://schemas.microsoft.com/office/drawing/2014/main" xmlns="" id="{2ED798F6-1F12-46CE-9AFD-CC66555A191D}"/>
+                <a16:creationId xmlns="" xmlns:a16="http://schemas.microsoft.com/office/drawing/2014/main" id="{2ED798F6-1F12-46CE-9AFD-CC66555A191D}"/>
               </a:ext>
             </a:extLst>
           </p:cNvPr>
@@ -3769,7 +3773,7 @@
           <p:cNvPr id="13" name="Rectangle 12">
             <a:extLst>
               <a:ext uri="{FF2B5EF4-FFF2-40B4-BE49-F238E27FC236}">
-                <a16:creationId xmlns:a16="http://schemas.microsoft.com/office/drawing/2014/main" xmlns="" id="{DD31C544-1372-4B34-8149-B6058B8CC577}"/>
+                <a16:creationId xmlns="" xmlns:a16="http://schemas.microsoft.com/office/drawing/2014/main" id="{DD31C544-1372-4B34-8149-B6058B8CC577}"/>
               </a:ext>
             </a:extLst>
           </p:cNvPr>
@@ -3821,7 +3825,7 @@
           <p:cNvPr id="14" name="Rectangle 13">
             <a:extLst>
               <a:ext uri="{FF2B5EF4-FFF2-40B4-BE49-F238E27FC236}">
-                <a16:creationId xmlns:a16="http://schemas.microsoft.com/office/drawing/2014/main" xmlns="" id="{7B2598CA-3443-4098-80E7-1F16DC9A13CC}"/>
+                <a16:creationId xmlns="" xmlns:a16="http://schemas.microsoft.com/office/drawing/2014/main" id="{7B2598CA-3443-4098-80E7-1F16DC9A13CC}"/>
               </a:ext>
             </a:extLst>
           </p:cNvPr>
@@ -3873,7 +3877,7 @@
           <p:cNvPr id="12" name="Picture Placeholder 11">
             <a:extLst>
               <a:ext uri="{FF2B5EF4-FFF2-40B4-BE49-F238E27FC236}">
-                <a16:creationId xmlns:a16="http://schemas.microsoft.com/office/drawing/2014/main" xmlns="" id="{BE421EAA-68E8-4AED-BA2F-01A6AC66859D}"/>
+                <a16:creationId xmlns="" xmlns:a16="http://schemas.microsoft.com/office/drawing/2014/main" id="{BE421EAA-68E8-4AED-BA2F-01A6AC66859D}"/>
               </a:ext>
             </a:extLst>
           </p:cNvPr>
@@ -4856,7 +4860,7 @@
           <p:cNvPr id="2" name="Title 1">
             <a:extLst>
               <a:ext uri="{FF2B5EF4-FFF2-40B4-BE49-F238E27FC236}">
-                <a16:creationId xmlns:a16="http://schemas.microsoft.com/office/drawing/2014/main" xmlns="" id="{00F23EB7-E336-46EB-A4A0-3DB7A6BF4CE1}"/>
+                <a16:creationId xmlns="" xmlns:a16="http://schemas.microsoft.com/office/drawing/2014/main" id="{00F23EB7-E336-46EB-A4A0-3DB7A6BF4CE1}"/>
               </a:ext>
             </a:extLst>
           </p:cNvPr>
@@ -4931,7 +4935,7 @@
           <p:cNvPr id="7" name="Text Placeholder 5">
             <a:extLst>
               <a:ext uri="{FF2B5EF4-FFF2-40B4-BE49-F238E27FC236}">
-                <a16:creationId xmlns:a16="http://schemas.microsoft.com/office/drawing/2014/main" xmlns="" id="{D907C852-B0E0-4C2E-88CE-B543605961EE}"/>
+                <a16:creationId xmlns="" xmlns:a16="http://schemas.microsoft.com/office/drawing/2014/main" id="{D907C852-B0E0-4C2E-88CE-B543605961EE}"/>
               </a:ext>
             </a:extLst>
           </p:cNvPr>
@@ -4992,7 +4996,7 @@
           <p:cNvPr id="8" name="Text Placeholder 6">
             <a:extLst>
               <a:ext uri="{FF2B5EF4-FFF2-40B4-BE49-F238E27FC236}">
-                <a16:creationId xmlns:a16="http://schemas.microsoft.com/office/drawing/2014/main" xmlns="" id="{D84C0BEF-F601-4B10-8AEE-4859FE996B34}"/>
+                <a16:creationId xmlns="" xmlns:a16="http://schemas.microsoft.com/office/drawing/2014/main" id="{D84C0BEF-F601-4B10-8AEE-4859FE996B34}"/>
               </a:ext>
             </a:extLst>
           </p:cNvPr>
@@ -5053,7 +5057,7 @@
           <p:cNvPr id="9" name="Text Placeholder 7">
             <a:extLst>
               <a:ext uri="{FF2B5EF4-FFF2-40B4-BE49-F238E27FC236}">
-                <a16:creationId xmlns:a16="http://schemas.microsoft.com/office/drawing/2014/main" xmlns="" id="{83A6EF9B-EF2F-4949-9CC4-C16BF8DC85A0}"/>
+                <a16:creationId xmlns="" xmlns:a16="http://schemas.microsoft.com/office/drawing/2014/main" id="{83A6EF9B-EF2F-4949-9CC4-C16BF8DC85A0}"/>
               </a:ext>
             </a:extLst>
           </p:cNvPr>
@@ -5114,7 +5118,7 @@
           <p:cNvPr id="10" name="Text Placeholder 8">
             <a:extLst>
               <a:ext uri="{FF2B5EF4-FFF2-40B4-BE49-F238E27FC236}">
-                <a16:creationId xmlns:a16="http://schemas.microsoft.com/office/drawing/2014/main" xmlns="" id="{BE8CA170-9CA9-448E-B07A-E01AB84F7FD3}"/>
+                <a16:creationId xmlns="" xmlns:a16="http://schemas.microsoft.com/office/drawing/2014/main" id="{BE8CA170-9CA9-448E-B07A-E01AB84F7FD3}"/>
               </a:ext>
             </a:extLst>
           </p:cNvPr>
@@ -5205,7 +5209,7 @@
           <p:cNvPr id="2" name="Title 1">
             <a:extLst>
               <a:ext uri="{FF2B5EF4-FFF2-40B4-BE49-F238E27FC236}">
-                <a16:creationId xmlns:a16="http://schemas.microsoft.com/office/drawing/2014/main" xmlns="" id="{5CFF4C50-933F-41F9-AD11-BD02410AA7D5}"/>
+                <a16:creationId xmlns="" xmlns:a16="http://schemas.microsoft.com/office/drawing/2014/main" id="{5CFF4C50-933F-41F9-AD11-BD02410AA7D5}"/>
               </a:ext>
             </a:extLst>
           </p:cNvPr>
@@ -5249,7 +5253,7 @@
           <p:cNvPr id="9" name="Subtitle 2">
             <a:extLst>
               <a:ext uri="{FF2B5EF4-FFF2-40B4-BE49-F238E27FC236}">
-                <a16:creationId xmlns:a16="http://schemas.microsoft.com/office/drawing/2014/main" xmlns="" id="{F94EB5D3-F8CB-4E76-8D7E-FF441818EECB}"/>
+                <a16:creationId xmlns="" xmlns:a16="http://schemas.microsoft.com/office/drawing/2014/main" id="{F94EB5D3-F8CB-4E76-8D7E-FF441818EECB}"/>
               </a:ext>
             </a:extLst>
           </p:cNvPr>
@@ -5304,7 +5308,7 @@
           <p:cNvPr id="3" name="Content Placeholder 2">
             <a:extLst>
               <a:ext uri="{FF2B5EF4-FFF2-40B4-BE49-F238E27FC236}">
-                <a16:creationId xmlns:a16="http://schemas.microsoft.com/office/drawing/2014/main" xmlns="" id="{B1948E38-8FB0-4E51-A01C-C88794372E50}"/>
+                <a16:creationId xmlns="" xmlns:a16="http://schemas.microsoft.com/office/drawing/2014/main" id="{B1948E38-8FB0-4E51-A01C-C88794372E50}"/>
               </a:ext>
             </a:extLst>
           </p:cNvPr>
@@ -5418,7 +5422,7 @@
           <p:cNvPr id="4" name="Footer Placeholder 3">
             <a:extLst>
               <a:ext uri="{FF2B5EF4-FFF2-40B4-BE49-F238E27FC236}">
-                <a16:creationId xmlns:a16="http://schemas.microsoft.com/office/drawing/2014/main" xmlns="" id="{6D4BCA97-F31B-451D-82F8-6E000DF2118A}"/>
+                <a16:creationId xmlns="" xmlns:a16="http://schemas.microsoft.com/office/drawing/2014/main" id="{6D4BCA97-F31B-451D-82F8-6E000DF2118A}"/>
               </a:ext>
             </a:extLst>
           </p:cNvPr>
@@ -5446,7 +5450,7 @@
           <p:cNvPr id="6" name="Slide Number Placeholder 5">
             <a:extLst>
               <a:ext uri="{FF2B5EF4-FFF2-40B4-BE49-F238E27FC236}">
-                <a16:creationId xmlns:a16="http://schemas.microsoft.com/office/drawing/2014/main" xmlns="" id="{0817AAC4-A657-4D75-A527-0307AFF2B17B}"/>
+                <a16:creationId xmlns="" xmlns:a16="http://schemas.microsoft.com/office/drawing/2014/main" id="{0817AAC4-A657-4D75-A527-0307AFF2B17B}"/>
               </a:ext>
             </a:extLst>
           </p:cNvPr>
@@ -5476,7 +5480,7 @@
           <p:cNvPr id="10" name="Content Placeholder 2">
             <a:extLst>
               <a:ext uri="{FF2B5EF4-FFF2-40B4-BE49-F238E27FC236}">
-                <a16:creationId xmlns:a16="http://schemas.microsoft.com/office/drawing/2014/main" xmlns="" id="{AFA90A43-BEC4-4B20-96E2-797B03FB82F2}"/>
+                <a16:creationId xmlns="" xmlns:a16="http://schemas.microsoft.com/office/drawing/2014/main" id="{AFA90A43-BEC4-4B20-96E2-797B03FB82F2}"/>
               </a:ext>
             </a:extLst>
           </p:cNvPr>
@@ -5590,7 +5594,7 @@
           <p:cNvPr id="12" name="Content Placeholder 2">
             <a:extLst>
               <a:ext uri="{FF2B5EF4-FFF2-40B4-BE49-F238E27FC236}">
-                <a16:creationId xmlns:a16="http://schemas.microsoft.com/office/drawing/2014/main" xmlns="" id="{8A2C2023-6C37-4611-ACAF-5F2060202836}"/>
+                <a16:creationId xmlns="" xmlns:a16="http://schemas.microsoft.com/office/drawing/2014/main" id="{8A2C2023-6C37-4611-ACAF-5F2060202836}"/>
               </a:ext>
             </a:extLst>
           </p:cNvPr>
@@ -5734,7 +5738,7 @@
           <p:cNvPr id="2" name="Title 1">
             <a:extLst>
               <a:ext uri="{FF2B5EF4-FFF2-40B4-BE49-F238E27FC236}">
-                <a16:creationId xmlns:a16="http://schemas.microsoft.com/office/drawing/2014/main" xmlns="" id="{5CFF4C50-933F-41F9-AD11-BD02410AA7D5}"/>
+                <a16:creationId xmlns="" xmlns:a16="http://schemas.microsoft.com/office/drawing/2014/main" id="{5CFF4C50-933F-41F9-AD11-BD02410AA7D5}"/>
               </a:ext>
             </a:extLst>
           </p:cNvPr>
@@ -5778,7 +5782,7 @@
           <p:cNvPr id="10" name="Subtitle 2">
             <a:extLst>
               <a:ext uri="{FF2B5EF4-FFF2-40B4-BE49-F238E27FC236}">
-                <a16:creationId xmlns:a16="http://schemas.microsoft.com/office/drawing/2014/main" xmlns="" id="{9D7ACCB5-9A86-4F46-89E2-B79F48C9EC1D}"/>
+                <a16:creationId xmlns="" xmlns:a16="http://schemas.microsoft.com/office/drawing/2014/main" id="{9D7ACCB5-9A86-4F46-89E2-B79F48C9EC1D}"/>
               </a:ext>
             </a:extLst>
           </p:cNvPr>
@@ -5833,7 +5837,7 @@
           <p:cNvPr id="3" name="Content Placeholder 2">
             <a:extLst>
               <a:ext uri="{FF2B5EF4-FFF2-40B4-BE49-F238E27FC236}">
-                <a16:creationId xmlns:a16="http://schemas.microsoft.com/office/drawing/2014/main" xmlns="" id="{B1948E38-8FB0-4E51-A01C-C88794372E50}"/>
+                <a16:creationId xmlns="" xmlns:a16="http://schemas.microsoft.com/office/drawing/2014/main" id="{B1948E38-8FB0-4E51-A01C-C88794372E50}"/>
               </a:ext>
             </a:extLst>
           </p:cNvPr>
@@ -5947,7 +5951,7 @@
           <p:cNvPr id="5" name="Text Placeholder 4">
             <a:extLst>
               <a:ext uri="{FF2B5EF4-FFF2-40B4-BE49-F238E27FC236}">
-                <a16:creationId xmlns:a16="http://schemas.microsoft.com/office/drawing/2014/main" xmlns="" id="{1F5B3657-F2AE-455A-BF81-1A0C2ACECD20}"/>
+                <a16:creationId xmlns="" xmlns:a16="http://schemas.microsoft.com/office/drawing/2014/main" id="{1F5B3657-F2AE-455A-BF81-1A0C2ACECD20}"/>
               </a:ext>
             </a:extLst>
           </p:cNvPr>
@@ -6010,7 +6014,7 @@
           <p:cNvPr id="13" name="Text Placeholder 5">
             <a:extLst>
               <a:ext uri="{FF2B5EF4-FFF2-40B4-BE49-F238E27FC236}">
-                <a16:creationId xmlns:a16="http://schemas.microsoft.com/office/drawing/2014/main" xmlns="" id="{6A983D98-E0AB-429A-9EC2-B50D4216D691}"/>
+                <a16:creationId xmlns="" xmlns:a16="http://schemas.microsoft.com/office/drawing/2014/main" id="{6A983D98-E0AB-429A-9EC2-B50D4216D691}"/>
               </a:ext>
             </a:extLst>
           </p:cNvPr>
@@ -6073,7 +6077,7 @@
           <p:cNvPr id="15" name="Text Placeholder 6">
             <a:extLst>
               <a:ext uri="{FF2B5EF4-FFF2-40B4-BE49-F238E27FC236}">
-                <a16:creationId xmlns:a16="http://schemas.microsoft.com/office/drawing/2014/main" xmlns="" id="{755213BF-EF6D-45DC-A01B-DE6C2F23A6D2}"/>
+                <a16:creationId xmlns="" xmlns:a16="http://schemas.microsoft.com/office/drawing/2014/main" id="{755213BF-EF6D-45DC-A01B-DE6C2F23A6D2}"/>
               </a:ext>
             </a:extLst>
           </p:cNvPr>
@@ -6136,7 +6140,7 @@
           <p:cNvPr id="17" name="Text Placeholder 7">
             <a:extLst>
               <a:ext uri="{FF2B5EF4-FFF2-40B4-BE49-F238E27FC236}">
-                <a16:creationId xmlns:a16="http://schemas.microsoft.com/office/drawing/2014/main" xmlns="" id="{77D6BBBA-F4A3-45D4-91BC-A405FFDC7C3D}"/>
+                <a16:creationId xmlns="" xmlns:a16="http://schemas.microsoft.com/office/drawing/2014/main" id="{77D6BBBA-F4A3-45D4-91BC-A405FFDC7C3D}"/>
               </a:ext>
             </a:extLst>
           </p:cNvPr>
@@ -6199,7 +6203,7 @@
           <p:cNvPr id="4" name="Footer Placeholder 3">
             <a:extLst>
               <a:ext uri="{FF2B5EF4-FFF2-40B4-BE49-F238E27FC236}">
-                <a16:creationId xmlns:a16="http://schemas.microsoft.com/office/drawing/2014/main" xmlns="" id="{2D09234E-176D-4BBF-9391-7B6F018C51AB}"/>
+                <a16:creationId xmlns="" xmlns:a16="http://schemas.microsoft.com/office/drawing/2014/main" id="{2D09234E-176D-4BBF-9391-7B6F018C51AB}"/>
               </a:ext>
             </a:extLst>
           </p:cNvPr>
@@ -6227,7 +6231,7 @@
           <p:cNvPr id="6" name="Slide Number Placeholder 5">
             <a:extLst>
               <a:ext uri="{FF2B5EF4-FFF2-40B4-BE49-F238E27FC236}">
-                <a16:creationId xmlns:a16="http://schemas.microsoft.com/office/drawing/2014/main" xmlns="" id="{009ABD5E-B8F1-4246-B167-09138760AD7D}"/>
+                <a16:creationId xmlns="" xmlns:a16="http://schemas.microsoft.com/office/drawing/2014/main" id="{009ABD5E-B8F1-4246-B167-09138760AD7D}"/>
               </a:ext>
             </a:extLst>
           </p:cNvPr>
@@ -6287,7 +6291,7 @@
           <p:cNvPr id="5" name="Freeform 5">
             <a:extLst>
               <a:ext uri="{FF2B5EF4-FFF2-40B4-BE49-F238E27FC236}">
-                <a16:creationId xmlns:a16="http://schemas.microsoft.com/office/drawing/2014/main" xmlns="" id="{206C51E8-C5C0-4672-B456-F44C69B074DB}"/>
+                <a16:creationId xmlns="" xmlns:a16="http://schemas.microsoft.com/office/drawing/2014/main" id="{206C51E8-C5C0-4672-B456-F44C69B074DB}"/>
               </a:ext>
             </a:extLst>
           </p:cNvPr>
@@ -6471,7 +6475,7 @@
           <p:cNvPr id="6" name="Freeform 5">
             <a:extLst>
               <a:ext uri="{FF2B5EF4-FFF2-40B4-BE49-F238E27FC236}">
-                <a16:creationId xmlns:a16="http://schemas.microsoft.com/office/drawing/2014/main" xmlns="" id="{9DE9AE8C-7574-4D45-B521-6B18054DA7C5}"/>
+                <a16:creationId xmlns="" xmlns:a16="http://schemas.microsoft.com/office/drawing/2014/main" id="{9DE9AE8C-7574-4D45-B521-6B18054DA7C5}"/>
               </a:ext>
             </a:extLst>
           </p:cNvPr>
@@ -6655,7 +6659,7 @@
           <p:cNvPr id="7" name="Freeform 5">
             <a:extLst>
               <a:ext uri="{FF2B5EF4-FFF2-40B4-BE49-F238E27FC236}">
-                <a16:creationId xmlns:a16="http://schemas.microsoft.com/office/drawing/2014/main" xmlns="" id="{EF240172-5930-4717-A0CD-A151075277D6}"/>
+                <a16:creationId xmlns="" xmlns:a16="http://schemas.microsoft.com/office/drawing/2014/main" id="{EF240172-5930-4717-A0CD-A151075277D6}"/>
               </a:ext>
             </a:extLst>
           </p:cNvPr>
@@ -6839,7 +6843,7 @@
           <p:cNvPr id="8" name="Freeform 5">
             <a:extLst>
               <a:ext uri="{FF2B5EF4-FFF2-40B4-BE49-F238E27FC236}">
-                <a16:creationId xmlns:a16="http://schemas.microsoft.com/office/drawing/2014/main" xmlns="" id="{7B4A83CE-8643-4697-94A9-C9F587F46E23}"/>
+                <a16:creationId xmlns="" xmlns:a16="http://schemas.microsoft.com/office/drawing/2014/main" id="{7B4A83CE-8643-4697-94A9-C9F587F46E23}"/>
               </a:ext>
             </a:extLst>
           </p:cNvPr>
@@ -7023,7 +7027,7 @@
           <p:cNvPr id="9" name="Freeform 5">
             <a:extLst>
               <a:ext uri="{FF2B5EF4-FFF2-40B4-BE49-F238E27FC236}">
-                <a16:creationId xmlns:a16="http://schemas.microsoft.com/office/drawing/2014/main" xmlns="" id="{B0A765A5-BBCE-405E-A4B3-80A660118E84}"/>
+                <a16:creationId xmlns="" xmlns:a16="http://schemas.microsoft.com/office/drawing/2014/main" id="{B0A765A5-BBCE-405E-A4B3-80A660118E84}"/>
               </a:ext>
             </a:extLst>
           </p:cNvPr>
@@ -7207,7 +7211,7 @@
           <p:cNvPr id="2" name="Title 1">
             <a:extLst>
               <a:ext uri="{FF2B5EF4-FFF2-40B4-BE49-F238E27FC236}">
-                <a16:creationId xmlns:a16="http://schemas.microsoft.com/office/drawing/2014/main" xmlns="" id="{00F23EB7-E336-46EB-A4A0-3DB7A6BF4CE1}"/>
+                <a16:creationId xmlns="" xmlns:a16="http://schemas.microsoft.com/office/drawing/2014/main" id="{00F23EB7-E336-46EB-A4A0-3DB7A6BF4CE1}"/>
               </a:ext>
             </a:extLst>
           </p:cNvPr>
@@ -7282,7 +7286,7 @@
           <p:cNvPr id="3" name="Subtitle 2">
             <a:extLst>
               <a:ext uri="{FF2B5EF4-FFF2-40B4-BE49-F238E27FC236}">
-                <a16:creationId xmlns:a16="http://schemas.microsoft.com/office/drawing/2014/main" xmlns="" id="{C9980B88-3F4A-4688-9ED0-17EF37E62D93}"/>
+                <a16:creationId xmlns="" xmlns:a16="http://schemas.microsoft.com/office/drawing/2014/main" id="{C9980B88-3F4A-4688-9ED0-17EF37E62D93}"/>
               </a:ext>
             </a:extLst>
           </p:cNvPr>
@@ -7390,7 +7394,7 @@
           <p:cNvPr id="7" name="Freeform 5">
             <a:extLst>
               <a:ext uri="{FF2B5EF4-FFF2-40B4-BE49-F238E27FC236}">
-                <a16:creationId xmlns:a16="http://schemas.microsoft.com/office/drawing/2014/main" xmlns="" id="{12B8F0DB-CC25-4CE9-A68E-CAA2FD986AF3}"/>
+                <a16:creationId xmlns="" xmlns:a16="http://schemas.microsoft.com/office/drawing/2014/main" id="{12B8F0DB-CC25-4CE9-A68E-CAA2FD986AF3}"/>
               </a:ext>
             </a:extLst>
           </p:cNvPr>
@@ -7574,7 +7578,7 @@
           <p:cNvPr id="8" name="Freeform 5">
             <a:extLst>
               <a:ext uri="{FF2B5EF4-FFF2-40B4-BE49-F238E27FC236}">
-                <a16:creationId xmlns:a16="http://schemas.microsoft.com/office/drawing/2014/main" xmlns="" id="{8A058973-2DC9-4087-9D57-F1D779F56CC2}"/>
+                <a16:creationId xmlns="" xmlns:a16="http://schemas.microsoft.com/office/drawing/2014/main" id="{8A058973-2DC9-4087-9D57-F1D779F56CC2}"/>
               </a:ext>
             </a:extLst>
           </p:cNvPr>
@@ -7758,7 +7762,7 @@
           <p:cNvPr id="9" name="Freeform 5">
             <a:extLst>
               <a:ext uri="{FF2B5EF4-FFF2-40B4-BE49-F238E27FC236}">
-                <a16:creationId xmlns:a16="http://schemas.microsoft.com/office/drawing/2014/main" xmlns="" id="{B641062D-3CD4-49D1-A621-331E29333406}"/>
+                <a16:creationId xmlns="" xmlns:a16="http://schemas.microsoft.com/office/drawing/2014/main" id="{B641062D-3CD4-49D1-A621-331E29333406}"/>
               </a:ext>
             </a:extLst>
           </p:cNvPr>
@@ -7942,7 +7946,7 @@
           <p:cNvPr id="10" name="Freeform 5">
             <a:extLst>
               <a:ext uri="{FF2B5EF4-FFF2-40B4-BE49-F238E27FC236}">
-                <a16:creationId xmlns:a16="http://schemas.microsoft.com/office/drawing/2014/main" xmlns="" id="{9F2C1E7C-A088-4772-84B3-15309BEADF7D}"/>
+                <a16:creationId xmlns="" xmlns:a16="http://schemas.microsoft.com/office/drawing/2014/main" id="{9F2C1E7C-A088-4772-84B3-15309BEADF7D}"/>
               </a:ext>
             </a:extLst>
           </p:cNvPr>
@@ -8126,7 +8130,7 @@
           <p:cNvPr id="11" name="Freeform 5">
             <a:extLst>
               <a:ext uri="{FF2B5EF4-FFF2-40B4-BE49-F238E27FC236}">
-                <a16:creationId xmlns:a16="http://schemas.microsoft.com/office/drawing/2014/main" xmlns="" id="{CA52278A-6924-4F97-A196-AE30D3DACB7A}"/>
+                <a16:creationId xmlns="" xmlns:a16="http://schemas.microsoft.com/office/drawing/2014/main" id="{CA52278A-6924-4F97-A196-AE30D3DACB7A}"/>
               </a:ext>
             </a:extLst>
           </p:cNvPr>
@@ -8310,7 +8314,7 @@
           <p:cNvPr id="2" name="Title 1">
             <a:extLst>
               <a:ext uri="{FF2B5EF4-FFF2-40B4-BE49-F238E27FC236}">
-                <a16:creationId xmlns:a16="http://schemas.microsoft.com/office/drawing/2014/main" xmlns="" id="{00F23EB7-E336-46EB-A4A0-3DB7A6BF4CE1}"/>
+                <a16:creationId xmlns="" xmlns:a16="http://schemas.microsoft.com/office/drawing/2014/main" id="{00F23EB7-E336-46EB-A4A0-3DB7A6BF4CE1}"/>
               </a:ext>
             </a:extLst>
           </p:cNvPr>
@@ -8385,7 +8389,7 @@
           <p:cNvPr id="3" name="Subtitle 2">
             <a:extLst>
               <a:ext uri="{FF2B5EF4-FFF2-40B4-BE49-F238E27FC236}">
-                <a16:creationId xmlns:a16="http://schemas.microsoft.com/office/drawing/2014/main" xmlns="" id="{C9980B88-3F4A-4688-9ED0-17EF37E62D93}"/>
+                <a16:creationId xmlns="" xmlns:a16="http://schemas.microsoft.com/office/drawing/2014/main" id="{C9980B88-3F4A-4688-9ED0-17EF37E62D93}"/>
               </a:ext>
             </a:extLst>
           </p:cNvPr>
@@ -8463,7 +8467,7 @@
           <p:cNvPr id="4" name="Footer Placeholder 3">
             <a:extLst>
               <a:ext uri="{FF2B5EF4-FFF2-40B4-BE49-F238E27FC236}">
-                <a16:creationId xmlns:a16="http://schemas.microsoft.com/office/drawing/2014/main" xmlns="" id="{734B1E83-6080-4D35-A216-8E5C399023B2}"/>
+                <a16:creationId xmlns="" xmlns:a16="http://schemas.microsoft.com/office/drawing/2014/main" id="{734B1E83-6080-4D35-A216-8E5C399023B2}"/>
               </a:ext>
             </a:extLst>
           </p:cNvPr>
@@ -8491,7 +8495,7 @@
           <p:cNvPr id="5" name="Slide Number Placeholder 4">
             <a:extLst>
               <a:ext uri="{FF2B5EF4-FFF2-40B4-BE49-F238E27FC236}">
-                <a16:creationId xmlns:a16="http://schemas.microsoft.com/office/drawing/2014/main" xmlns="" id="{0DE95353-8EE1-49C9-ADAC-E76BD49D222D}"/>
+                <a16:creationId xmlns="" xmlns:a16="http://schemas.microsoft.com/office/drawing/2014/main" id="{0DE95353-8EE1-49C9-ADAC-E76BD49D222D}"/>
               </a:ext>
             </a:extLst>
           </p:cNvPr>
@@ -8551,7 +8555,7 @@
           <p:cNvPr id="8" name="Freeform 5">
             <a:extLst>
               <a:ext uri="{FF2B5EF4-FFF2-40B4-BE49-F238E27FC236}">
-                <a16:creationId xmlns:a16="http://schemas.microsoft.com/office/drawing/2014/main" xmlns="" id="{8663BD7B-5136-47ED-BE0A-C6C2F5622BDC}"/>
+                <a16:creationId xmlns="" xmlns:a16="http://schemas.microsoft.com/office/drawing/2014/main" id="{8663BD7B-5136-47ED-BE0A-C6C2F5622BDC}"/>
               </a:ext>
             </a:extLst>
           </p:cNvPr>
@@ -8735,7 +8739,7 @@
           <p:cNvPr id="9" name="Freeform 5">
             <a:extLst>
               <a:ext uri="{FF2B5EF4-FFF2-40B4-BE49-F238E27FC236}">
-                <a16:creationId xmlns:a16="http://schemas.microsoft.com/office/drawing/2014/main" xmlns="" id="{6ABA22C7-C35B-4EC0-B7CE-54F9EEFCB71D}"/>
+                <a16:creationId xmlns="" xmlns:a16="http://schemas.microsoft.com/office/drawing/2014/main" id="{6ABA22C7-C35B-4EC0-B7CE-54F9EEFCB71D}"/>
               </a:ext>
             </a:extLst>
           </p:cNvPr>
@@ -8919,7 +8923,7 @@
           <p:cNvPr id="10" name="Freeform 5">
             <a:extLst>
               <a:ext uri="{FF2B5EF4-FFF2-40B4-BE49-F238E27FC236}">
-                <a16:creationId xmlns:a16="http://schemas.microsoft.com/office/drawing/2014/main" xmlns="" id="{6DAE4BC9-9CFF-4522-8216-651498F7A167}"/>
+                <a16:creationId xmlns="" xmlns:a16="http://schemas.microsoft.com/office/drawing/2014/main" id="{6DAE4BC9-9CFF-4522-8216-651498F7A167}"/>
               </a:ext>
             </a:extLst>
           </p:cNvPr>
@@ -9103,7 +9107,7 @@
           <p:cNvPr id="11" name="Freeform 5">
             <a:extLst>
               <a:ext uri="{FF2B5EF4-FFF2-40B4-BE49-F238E27FC236}">
-                <a16:creationId xmlns:a16="http://schemas.microsoft.com/office/drawing/2014/main" xmlns="" id="{8E822AA0-FB3E-4051-AA1F-F51204BA02A9}"/>
+                <a16:creationId xmlns="" xmlns:a16="http://schemas.microsoft.com/office/drawing/2014/main" id="{8E822AA0-FB3E-4051-AA1F-F51204BA02A9}"/>
               </a:ext>
             </a:extLst>
           </p:cNvPr>
@@ -9287,7 +9291,7 @@
           <p:cNvPr id="12" name="Freeform 5">
             <a:extLst>
               <a:ext uri="{FF2B5EF4-FFF2-40B4-BE49-F238E27FC236}">
-                <a16:creationId xmlns:a16="http://schemas.microsoft.com/office/drawing/2014/main" xmlns="" id="{3445288A-D169-4374-BCFD-917DD04B2B1E}"/>
+                <a16:creationId xmlns="" xmlns:a16="http://schemas.microsoft.com/office/drawing/2014/main" id="{3445288A-D169-4374-BCFD-917DD04B2B1E}"/>
               </a:ext>
             </a:extLst>
           </p:cNvPr>
@@ -9471,7 +9475,7 @@
           <p:cNvPr id="2" name="Title 1">
             <a:extLst>
               <a:ext uri="{FF2B5EF4-FFF2-40B4-BE49-F238E27FC236}">
-                <a16:creationId xmlns:a16="http://schemas.microsoft.com/office/drawing/2014/main" xmlns="" id="{5CFF4C50-933F-41F9-AD11-BD02410AA7D5}"/>
+                <a16:creationId xmlns="" xmlns:a16="http://schemas.microsoft.com/office/drawing/2014/main" id="{5CFF4C50-933F-41F9-AD11-BD02410AA7D5}"/>
               </a:ext>
             </a:extLst>
           </p:cNvPr>
@@ -9510,7 +9514,7 @@
           <p:cNvPr id="3" name="Content Placeholder 2">
             <a:extLst>
               <a:ext uri="{FF2B5EF4-FFF2-40B4-BE49-F238E27FC236}">
-                <a16:creationId xmlns:a16="http://schemas.microsoft.com/office/drawing/2014/main" xmlns="" id="{B1948E38-8FB0-4E51-A01C-C88794372E50}"/>
+                <a16:creationId xmlns="" xmlns:a16="http://schemas.microsoft.com/office/drawing/2014/main" id="{B1948E38-8FB0-4E51-A01C-C88794372E50}"/>
               </a:ext>
             </a:extLst>
           </p:cNvPr>
@@ -9619,7 +9623,7 @@
           <p:cNvPr id="4" name="Footer Placeholder 3">
             <a:extLst>
               <a:ext uri="{FF2B5EF4-FFF2-40B4-BE49-F238E27FC236}">
-                <a16:creationId xmlns:a16="http://schemas.microsoft.com/office/drawing/2014/main" xmlns="" id="{E8FE0EB3-0FF4-4285-B9D3-90A5751B7BBF}"/>
+                <a16:creationId xmlns="" xmlns:a16="http://schemas.microsoft.com/office/drawing/2014/main" id="{E8FE0EB3-0FF4-4285-B9D3-90A5751B7BBF}"/>
               </a:ext>
             </a:extLst>
           </p:cNvPr>
@@ -9647,7 +9651,7 @@
           <p:cNvPr id="5" name="Slide Number Placeholder 4">
             <a:extLst>
               <a:ext uri="{FF2B5EF4-FFF2-40B4-BE49-F238E27FC236}">
-                <a16:creationId xmlns:a16="http://schemas.microsoft.com/office/drawing/2014/main" xmlns="" id="{C8DE0AAD-6FBD-416B-A91A-21F2B737919E}"/>
+                <a16:creationId xmlns="" xmlns:a16="http://schemas.microsoft.com/office/drawing/2014/main" id="{C8DE0AAD-6FBD-416B-A91A-21F2B737919E}"/>
               </a:ext>
             </a:extLst>
           </p:cNvPr>
@@ -9707,7 +9711,7 @@
           <p:cNvPr id="10" name="Freeform 5">
             <a:extLst>
               <a:ext uri="{FF2B5EF4-FFF2-40B4-BE49-F238E27FC236}">
-                <a16:creationId xmlns:a16="http://schemas.microsoft.com/office/drawing/2014/main" xmlns="" id="{B4B833F7-7F09-42C1-81DA-97CA9530D528}"/>
+                <a16:creationId xmlns="" xmlns:a16="http://schemas.microsoft.com/office/drawing/2014/main" id="{B4B833F7-7F09-42C1-81DA-97CA9530D528}"/>
               </a:ext>
             </a:extLst>
           </p:cNvPr>
@@ -9891,7 +9895,7 @@
           <p:cNvPr id="11" name="Freeform 5">
             <a:extLst>
               <a:ext uri="{FF2B5EF4-FFF2-40B4-BE49-F238E27FC236}">
-                <a16:creationId xmlns:a16="http://schemas.microsoft.com/office/drawing/2014/main" xmlns="" id="{F4AA9899-9E92-41B5-AFEF-5F6EAB9782D5}"/>
+                <a16:creationId xmlns="" xmlns:a16="http://schemas.microsoft.com/office/drawing/2014/main" id="{F4AA9899-9E92-41B5-AFEF-5F6EAB9782D5}"/>
               </a:ext>
             </a:extLst>
           </p:cNvPr>
@@ -10075,7 +10079,7 @@
           <p:cNvPr id="12" name="Freeform 5">
             <a:extLst>
               <a:ext uri="{FF2B5EF4-FFF2-40B4-BE49-F238E27FC236}">
-                <a16:creationId xmlns:a16="http://schemas.microsoft.com/office/drawing/2014/main" xmlns="" id="{8950958A-6460-4594-BEAB-C7444EC61299}"/>
+                <a16:creationId xmlns="" xmlns:a16="http://schemas.microsoft.com/office/drawing/2014/main" id="{8950958A-6460-4594-BEAB-C7444EC61299}"/>
               </a:ext>
             </a:extLst>
           </p:cNvPr>
@@ -10259,7 +10263,7 @@
           <p:cNvPr id="13" name="Freeform 5">
             <a:extLst>
               <a:ext uri="{FF2B5EF4-FFF2-40B4-BE49-F238E27FC236}">
-                <a16:creationId xmlns:a16="http://schemas.microsoft.com/office/drawing/2014/main" xmlns="" id="{A7E15F2A-61A0-4C11-8E47-4DF7051E91D1}"/>
+                <a16:creationId xmlns="" xmlns:a16="http://schemas.microsoft.com/office/drawing/2014/main" id="{A7E15F2A-61A0-4C11-8E47-4DF7051E91D1}"/>
               </a:ext>
             </a:extLst>
           </p:cNvPr>
@@ -10443,7 +10447,7 @@
           <p:cNvPr id="14" name="Freeform 5">
             <a:extLst>
               <a:ext uri="{FF2B5EF4-FFF2-40B4-BE49-F238E27FC236}">
-                <a16:creationId xmlns:a16="http://schemas.microsoft.com/office/drawing/2014/main" xmlns="" id="{B5FF0CC8-80F5-42C4-80EF-E32459238B71}"/>
+                <a16:creationId xmlns="" xmlns:a16="http://schemas.microsoft.com/office/drawing/2014/main" id="{B5FF0CC8-80F5-42C4-80EF-E32459238B71}"/>
               </a:ext>
             </a:extLst>
           </p:cNvPr>
@@ -10627,7 +10631,7 @@
           <p:cNvPr id="2" name="Title 1">
             <a:extLst>
               <a:ext uri="{FF2B5EF4-FFF2-40B4-BE49-F238E27FC236}">
-                <a16:creationId xmlns:a16="http://schemas.microsoft.com/office/drawing/2014/main" xmlns="" id="{40EE479C-D1F6-4BAC-80D2-90EF74E3261A}"/>
+                <a16:creationId xmlns="" xmlns:a16="http://schemas.microsoft.com/office/drawing/2014/main" id="{40EE479C-D1F6-4BAC-80D2-90EF74E3261A}"/>
               </a:ext>
             </a:extLst>
           </p:cNvPr>
@@ -10671,7 +10675,7 @@
           <p:cNvPr id="4" name="Footer Placeholder 3">
             <a:extLst>
               <a:ext uri="{FF2B5EF4-FFF2-40B4-BE49-F238E27FC236}">
-                <a16:creationId xmlns:a16="http://schemas.microsoft.com/office/drawing/2014/main" xmlns="" id="{57847F90-9DB6-4832-9EB7-393AADAE8B70}"/>
+                <a16:creationId xmlns="" xmlns:a16="http://schemas.microsoft.com/office/drawing/2014/main" id="{57847F90-9DB6-4832-9EB7-393AADAE8B70}"/>
               </a:ext>
             </a:extLst>
           </p:cNvPr>
@@ -10699,7 +10703,7 @@
           <p:cNvPr id="5" name="Slide Number Placeholder 4">
             <a:extLst>
               <a:ext uri="{FF2B5EF4-FFF2-40B4-BE49-F238E27FC236}">
-                <a16:creationId xmlns:a16="http://schemas.microsoft.com/office/drawing/2014/main" xmlns="" id="{F64CFC6C-1D8B-46C9-B0F7-A8BD88D8AB46}"/>
+                <a16:creationId xmlns="" xmlns:a16="http://schemas.microsoft.com/office/drawing/2014/main" id="{F64CFC6C-1D8B-46C9-B0F7-A8BD88D8AB46}"/>
               </a:ext>
             </a:extLst>
           </p:cNvPr>
@@ -10729,7 +10733,7 @@
           <p:cNvPr id="9" name="Content Placeholder 3">
             <a:extLst>
               <a:ext uri="{FF2B5EF4-FFF2-40B4-BE49-F238E27FC236}">
-                <a16:creationId xmlns:a16="http://schemas.microsoft.com/office/drawing/2014/main" xmlns="" id="{2CD5709C-84DE-45F3-AE9B-8B6FD7134AB5}"/>
+                <a16:creationId xmlns="" xmlns:a16="http://schemas.microsoft.com/office/drawing/2014/main" id="{2CD5709C-84DE-45F3-AE9B-8B6FD7134AB5}"/>
               </a:ext>
             </a:extLst>
           </p:cNvPr>
@@ -10792,7 +10796,7 @@
           <p:cNvPr id="15" name="Content Placeholder 2">
             <a:extLst>
               <a:ext uri="{FF2B5EF4-FFF2-40B4-BE49-F238E27FC236}">
-                <a16:creationId xmlns:a16="http://schemas.microsoft.com/office/drawing/2014/main" xmlns="" id="{36BB18B1-3B7F-4B18-A1C5-BB7DA443C63F}"/>
+                <a16:creationId xmlns="" xmlns:a16="http://schemas.microsoft.com/office/drawing/2014/main" id="{36BB18B1-3B7F-4B18-A1C5-BB7DA443C63F}"/>
               </a:ext>
             </a:extLst>
           </p:cNvPr>
@@ -10885,7 +10889,7 @@
           <p:cNvPr id="10" name="Freeform 5">
             <a:extLst>
               <a:ext uri="{FF2B5EF4-FFF2-40B4-BE49-F238E27FC236}">
-                <a16:creationId xmlns:a16="http://schemas.microsoft.com/office/drawing/2014/main" xmlns="" id="{B4B833F7-7F09-42C1-81DA-97CA9530D528}"/>
+                <a16:creationId xmlns="" xmlns:a16="http://schemas.microsoft.com/office/drawing/2014/main" id="{B4B833F7-7F09-42C1-81DA-97CA9530D528}"/>
               </a:ext>
             </a:extLst>
           </p:cNvPr>
@@ -11069,7 +11073,7 @@
           <p:cNvPr id="11" name="Freeform 5">
             <a:extLst>
               <a:ext uri="{FF2B5EF4-FFF2-40B4-BE49-F238E27FC236}">
-                <a16:creationId xmlns:a16="http://schemas.microsoft.com/office/drawing/2014/main" xmlns="" id="{F4AA9899-9E92-41B5-AFEF-5F6EAB9782D5}"/>
+                <a16:creationId xmlns="" xmlns:a16="http://schemas.microsoft.com/office/drawing/2014/main" id="{F4AA9899-9E92-41B5-AFEF-5F6EAB9782D5}"/>
               </a:ext>
             </a:extLst>
           </p:cNvPr>
@@ -11253,7 +11257,7 @@
           <p:cNvPr id="12" name="Freeform 5">
             <a:extLst>
               <a:ext uri="{FF2B5EF4-FFF2-40B4-BE49-F238E27FC236}">
-                <a16:creationId xmlns:a16="http://schemas.microsoft.com/office/drawing/2014/main" xmlns="" id="{8950958A-6460-4594-BEAB-C7444EC61299}"/>
+                <a16:creationId xmlns="" xmlns:a16="http://schemas.microsoft.com/office/drawing/2014/main" id="{8950958A-6460-4594-BEAB-C7444EC61299}"/>
               </a:ext>
             </a:extLst>
           </p:cNvPr>
@@ -11437,7 +11441,7 @@
           <p:cNvPr id="13" name="Freeform 5">
             <a:extLst>
               <a:ext uri="{FF2B5EF4-FFF2-40B4-BE49-F238E27FC236}">
-                <a16:creationId xmlns:a16="http://schemas.microsoft.com/office/drawing/2014/main" xmlns="" id="{A7E15F2A-61A0-4C11-8E47-4DF7051E91D1}"/>
+                <a16:creationId xmlns="" xmlns:a16="http://schemas.microsoft.com/office/drawing/2014/main" id="{A7E15F2A-61A0-4C11-8E47-4DF7051E91D1}"/>
               </a:ext>
             </a:extLst>
           </p:cNvPr>
@@ -11621,7 +11625,7 @@
           <p:cNvPr id="14" name="Freeform 5">
             <a:extLst>
               <a:ext uri="{FF2B5EF4-FFF2-40B4-BE49-F238E27FC236}">
-                <a16:creationId xmlns:a16="http://schemas.microsoft.com/office/drawing/2014/main" xmlns="" id="{B5FF0CC8-80F5-42C4-80EF-E32459238B71}"/>
+                <a16:creationId xmlns="" xmlns:a16="http://schemas.microsoft.com/office/drawing/2014/main" id="{B5FF0CC8-80F5-42C4-80EF-E32459238B71}"/>
               </a:ext>
             </a:extLst>
           </p:cNvPr>
@@ -11805,7 +11809,7 @@
           <p:cNvPr id="2" name="Title 1">
             <a:extLst>
               <a:ext uri="{FF2B5EF4-FFF2-40B4-BE49-F238E27FC236}">
-                <a16:creationId xmlns:a16="http://schemas.microsoft.com/office/drawing/2014/main" xmlns="" id="{40EE479C-D1F6-4BAC-80D2-90EF74E3261A}"/>
+                <a16:creationId xmlns="" xmlns:a16="http://schemas.microsoft.com/office/drawing/2014/main" id="{40EE479C-D1F6-4BAC-80D2-90EF74E3261A}"/>
               </a:ext>
             </a:extLst>
           </p:cNvPr>
@@ -11849,7 +11853,7 @@
           <p:cNvPr id="4" name="Footer Placeholder 3">
             <a:extLst>
               <a:ext uri="{FF2B5EF4-FFF2-40B4-BE49-F238E27FC236}">
-                <a16:creationId xmlns:a16="http://schemas.microsoft.com/office/drawing/2014/main" xmlns="" id="{57847F90-9DB6-4832-9EB7-393AADAE8B70}"/>
+                <a16:creationId xmlns="" xmlns:a16="http://schemas.microsoft.com/office/drawing/2014/main" id="{57847F90-9DB6-4832-9EB7-393AADAE8B70}"/>
               </a:ext>
             </a:extLst>
           </p:cNvPr>
@@ -11877,7 +11881,7 @@
           <p:cNvPr id="5" name="Slide Number Placeholder 4">
             <a:extLst>
               <a:ext uri="{FF2B5EF4-FFF2-40B4-BE49-F238E27FC236}">
-                <a16:creationId xmlns:a16="http://schemas.microsoft.com/office/drawing/2014/main" xmlns="" id="{F64CFC6C-1D8B-46C9-B0F7-A8BD88D8AB46}"/>
+                <a16:creationId xmlns="" xmlns:a16="http://schemas.microsoft.com/office/drawing/2014/main" id="{F64CFC6C-1D8B-46C9-B0F7-A8BD88D8AB46}"/>
               </a:ext>
             </a:extLst>
           </p:cNvPr>
@@ -11907,7 +11911,7 @@
           <p:cNvPr id="15" name="Text Placeholder 2">
             <a:extLst>
               <a:ext uri="{FF2B5EF4-FFF2-40B4-BE49-F238E27FC236}">
-                <a16:creationId xmlns:a16="http://schemas.microsoft.com/office/drawing/2014/main" xmlns="" id="{3419BDFB-8FC0-4B89-A29A-8EAC95E9AB99}"/>
+                <a16:creationId xmlns="" xmlns:a16="http://schemas.microsoft.com/office/drawing/2014/main" id="{3419BDFB-8FC0-4B89-A29A-8EAC95E9AB99}"/>
               </a:ext>
             </a:extLst>
           </p:cNvPr>
@@ -11978,7 +11982,7 @@
           <p:cNvPr id="18" name="Text Placeholder 4">
             <a:extLst>
               <a:ext uri="{FF2B5EF4-FFF2-40B4-BE49-F238E27FC236}">
-                <a16:creationId xmlns:a16="http://schemas.microsoft.com/office/drawing/2014/main" xmlns="" id="{8E6C2CC0-9AB0-46E9-977A-EF923DCE7FAF}"/>
+                <a16:creationId xmlns="" xmlns:a16="http://schemas.microsoft.com/office/drawing/2014/main" id="{8E6C2CC0-9AB0-46E9-977A-EF923DCE7FAF}"/>
               </a:ext>
             </a:extLst>
           </p:cNvPr>
@@ -12049,7 +12053,7 @@
           <p:cNvPr id="19" name="Content Placeholder 5">
             <a:extLst>
               <a:ext uri="{FF2B5EF4-FFF2-40B4-BE49-F238E27FC236}">
-                <a16:creationId xmlns:a16="http://schemas.microsoft.com/office/drawing/2014/main" xmlns="" id="{28DF954C-A51E-4242-B83E-A826008F5C67}"/>
+                <a16:creationId xmlns="" xmlns:a16="http://schemas.microsoft.com/office/drawing/2014/main" id="{28DF954C-A51E-4242-B83E-A826008F5C67}"/>
               </a:ext>
             </a:extLst>
           </p:cNvPr>
@@ -12112,7 +12116,7 @@
           <p:cNvPr id="20" name="Content Placeholder 3">
             <a:extLst>
               <a:ext uri="{FF2B5EF4-FFF2-40B4-BE49-F238E27FC236}">
-                <a16:creationId xmlns:a16="http://schemas.microsoft.com/office/drawing/2014/main" xmlns="" id="{600E416E-6162-484A-BA4D-640FA83078A9}"/>
+                <a16:creationId xmlns="" xmlns:a16="http://schemas.microsoft.com/office/drawing/2014/main" id="{600E416E-6162-484A-BA4D-640FA83078A9}"/>
               </a:ext>
             </a:extLst>
           </p:cNvPr>
@@ -12205,7 +12209,7 @@
           <p:cNvPr id="10" name="Freeform 5">
             <a:extLst>
               <a:ext uri="{FF2B5EF4-FFF2-40B4-BE49-F238E27FC236}">
-                <a16:creationId xmlns:a16="http://schemas.microsoft.com/office/drawing/2014/main" xmlns="" id="{B4B833F7-7F09-42C1-81DA-97CA9530D528}"/>
+                <a16:creationId xmlns="" xmlns:a16="http://schemas.microsoft.com/office/drawing/2014/main" id="{B4B833F7-7F09-42C1-81DA-97CA9530D528}"/>
               </a:ext>
             </a:extLst>
           </p:cNvPr>
@@ -12389,7 +12393,7 @@
           <p:cNvPr id="11" name="Freeform 5">
             <a:extLst>
               <a:ext uri="{FF2B5EF4-FFF2-40B4-BE49-F238E27FC236}">
-                <a16:creationId xmlns:a16="http://schemas.microsoft.com/office/drawing/2014/main" xmlns="" id="{F4AA9899-9E92-41B5-AFEF-5F6EAB9782D5}"/>
+                <a16:creationId xmlns="" xmlns:a16="http://schemas.microsoft.com/office/drawing/2014/main" id="{F4AA9899-9E92-41B5-AFEF-5F6EAB9782D5}"/>
               </a:ext>
             </a:extLst>
           </p:cNvPr>
@@ -12573,7 +12577,7 @@
           <p:cNvPr id="12" name="Freeform 5">
             <a:extLst>
               <a:ext uri="{FF2B5EF4-FFF2-40B4-BE49-F238E27FC236}">
-                <a16:creationId xmlns:a16="http://schemas.microsoft.com/office/drawing/2014/main" xmlns="" id="{8950958A-6460-4594-BEAB-C7444EC61299}"/>
+                <a16:creationId xmlns="" xmlns:a16="http://schemas.microsoft.com/office/drawing/2014/main" id="{8950958A-6460-4594-BEAB-C7444EC61299}"/>
               </a:ext>
             </a:extLst>
           </p:cNvPr>
@@ -12757,7 +12761,7 @@
           <p:cNvPr id="13" name="Freeform 5">
             <a:extLst>
               <a:ext uri="{FF2B5EF4-FFF2-40B4-BE49-F238E27FC236}">
-                <a16:creationId xmlns:a16="http://schemas.microsoft.com/office/drawing/2014/main" xmlns="" id="{A7E15F2A-61A0-4C11-8E47-4DF7051E91D1}"/>
+                <a16:creationId xmlns="" xmlns:a16="http://schemas.microsoft.com/office/drawing/2014/main" id="{A7E15F2A-61A0-4C11-8E47-4DF7051E91D1}"/>
               </a:ext>
             </a:extLst>
           </p:cNvPr>
@@ -12941,7 +12945,7 @@
           <p:cNvPr id="14" name="Freeform 5">
             <a:extLst>
               <a:ext uri="{FF2B5EF4-FFF2-40B4-BE49-F238E27FC236}">
-                <a16:creationId xmlns:a16="http://schemas.microsoft.com/office/drawing/2014/main" xmlns="" id="{B5FF0CC8-80F5-42C4-80EF-E32459238B71}"/>
+                <a16:creationId xmlns="" xmlns:a16="http://schemas.microsoft.com/office/drawing/2014/main" id="{B5FF0CC8-80F5-42C4-80EF-E32459238B71}"/>
               </a:ext>
             </a:extLst>
           </p:cNvPr>
@@ -13125,7 +13129,7 @@
           <p:cNvPr id="2" name="Title 1">
             <a:extLst>
               <a:ext uri="{FF2B5EF4-FFF2-40B4-BE49-F238E27FC236}">
-                <a16:creationId xmlns:a16="http://schemas.microsoft.com/office/drawing/2014/main" xmlns="" id="{40EE479C-D1F6-4BAC-80D2-90EF74E3261A}"/>
+                <a16:creationId xmlns="" xmlns:a16="http://schemas.microsoft.com/office/drawing/2014/main" id="{40EE479C-D1F6-4BAC-80D2-90EF74E3261A}"/>
               </a:ext>
             </a:extLst>
           </p:cNvPr>
@@ -13165,7 +13169,7 @@
           <p:cNvPr id="4" name="Footer Placeholder 3">
             <a:extLst>
               <a:ext uri="{FF2B5EF4-FFF2-40B4-BE49-F238E27FC236}">
-                <a16:creationId xmlns:a16="http://schemas.microsoft.com/office/drawing/2014/main" xmlns="" id="{57847F90-9DB6-4832-9EB7-393AADAE8B70}"/>
+                <a16:creationId xmlns="" xmlns:a16="http://schemas.microsoft.com/office/drawing/2014/main" id="{57847F90-9DB6-4832-9EB7-393AADAE8B70}"/>
               </a:ext>
             </a:extLst>
           </p:cNvPr>
@@ -13193,7 +13197,7 @@
           <p:cNvPr id="5" name="Slide Number Placeholder 4">
             <a:extLst>
               <a:ext uri="{FF2B5EF4-FFF2-40B4-BE49-F238E27FC236}">
-                <a16:creationId xmlns:a16="http://schemas.microsoft.com/office/drawing/2014/main" xmlns="" id="{F64CFC6C-1D8B-46C9-B0F7-A8BD88D8AB46}"/>
+                <a16:creationId xmlns="" xmlns:a16="http://schemas.microsoft.com/office/drawing/2014/main" id="{F64CFC6C-1D8B-46C9-B0F7-A8BD88D8AB46}"/>
               </a:ext>
             </a:extLst>
           </p:cNvPr>
@@ -13223,7 +13227,7 @@
           <p:cNvPr id="20" name="Text Placeholder 3">
             <a:extLst>
               <a:ext uri="{FF2B5EF4-FFF2-40B4-BE49-F238E27FC236}">
-                <a16:creationId xmlns:a16="http://schemas.microsoft.com/office/drawing/2014/main" xmlns="" id="{C49FB4A2-B750-422F-96D2-A7C264295779}"/>
+                <a16:creationId xmlns="" xmlns:a16="http://schemas.microsoft.com/office/drawing/2014/main" id="{C49FB4A2-B750-422F-96D2-A7C264295779}"/>
               </a:ext>
             </a:extLst>
           </p:cNvPr>
@@ -13294,7 +13298,7 @@
           <p:cNvPr id="21" name="Content Placeholder 2">
             <a:extLst>
               <a:ext uri="{FF2B5EF4-FFF2-40B4-BE49-F238E27FC236}">
-                <a16:creationId xmlns:a16="http://schemas.microsoft.com/office/drawing/2014/main" xmlns="" id="{A8B59DDF-F2BC-491E-92E0-9D2C1398ECE5}"/>
+                <a16:creationId xmlns="" xmlns:a16="http://schemas.microsoft.com/office/drawing/2014/main" id="{A8B59DDF-F2BC-491E-92E0-9D2C1398ECE5}"/>
               </a:ext>
             </a:extLst>
           </p:cNvPr>
@@ -13415,7 +13419,7 @@
           <p:cNvPr id="10" name="Freeform 5">
             <a:extLst>
               <a:ext uri="{FF2B5EF4-FFF2-40B4-BE49-F238E27FC236}">
-                <a16:creationId xmlns:a16="http://schemas.microsoft.com/office/drawing/2014/main" xmlns="" id="{B4B833F7-7F09-42C1-81DA-97CA9530D528}"/>
+                <a16:creationId xmlns="" xmlns:a16="http://schemas.microsoft.com/office/drawing/2014/main" id="{B4B833F7-7F09-42C1-81DA-97CA9530D528}"/>
               </a:ext>
             </a:extLst>
           </p:cNvPr>
@@ -13599,7 +13603,7 @@
           <p:cNvPr id="11" name="Freeform 5">
             <a:extLst>
               <a:ext uri="{FF2B5EF4-FFF2-40B4-BE49-F238E27FC236}">
-                <a16:creationId xmlns:a16="http://schemas.microsoft.com/office/drawing/2014/main" xmlns="" id="{F4AA9899-9E92-41B5-AFEF-5F6EAB9782D5}"/>
+                <a16:creationId xmlns="" xmlns:a16="http://schemas.microsoft.com/office/drawing/2014/main" id="{F4AA9899-9E92-41B5-AFEF-5F6EAB9782D5}"/>
               </a:ext>
             </a:extLst>
           </p:cNvPr>
@@ -13783,7 +13787,7 @@
           <p:cNvPr id="12" name="Freeform 5">
             <a:extLst>
               <a:ext uri="{FF2B5EF4-FFF2-40B4-BE49-F238E27FC236}">
-                <a16:creationId xmlns:a16="http://schemas.microsoft.com/office/drawing/2014/main" xmlns="" id="{8950958A-6460-4594-BEAB-C7444EC61299}"/>
+                <a16:creationId xmlns="" xmlns:a16="http://schemas.microsoft.com/office/drawing/2014/main" id="{8950958A-6460-4594-BEAB-C7444EC61299}"/>
               </a:ext>
             </a:extLst>
           </p:cNvPr>
@@ -13967,7 +13971,7 @@
           <p:cNvPr id="13" name="Freeform 5">
             <a:extLst>
               <a:ext uri="{FF2B5EF4-FFF2-40B4-BE49-F238E27FC236}">
-                <a16:creationId xmlns:a16="http://schemas.microsoft.com/office/drawing/2014/main" xmlns="" id="{A7E15F2A-61A0-4C11-8E47-4DF7051E91D1}"/>
+                <a16:creationId xmlns="" xmlns:a16="http://schemas.microsoft.com/office/drawing/2014/main" id="{A7E15F2A-61A0-4C11-8E47-4DF7051E91D1}"/>
               </a:ext>
             </a:extLst>
           </p:cNvPr>
@@ -14151,7 +14155,7 @@
           <p:cNvPr id="14" name="Freeform 5">
             <a:extLst>
               <a:ext uri="{FF2B5EF4-FFF2-40B4-BE49-F238E27FC236}">
-                <a16:creationId xmlns:a16="http://schemas.microsoft.com/office/drawing/2014/main" xmlns="" id="{B5FF0CC8-80F5-42C4-80EF-E32459238B71}"/>
+                <a16:creationId xmlns="" xmlns:a16="http://schemas.microsoft.com/office/drawing/2014/main" id="{B5FF0CC8-80F5-42C4-80EF-E32459238B71}"/>
               </a:ext>
             </a:extLst>
           </p:cNvPr>
@@ -14335,7 +14339,7 @@
           <p:cNvPr id="2" name="Title 1">
             <a:extLst>
               <a:ext uri="{FF2B5EF4-FFF2-40B4-BE49-F238E27FC236}">
-                <a16:creationId xmlns:a16="http://schemas.microsoft.com/office/drawing/2014/main" xmlns="" id="{40EE479C-D1F6-4BAC-80D2-90EF74E3261A}"/>
+                <a16:creationId xmlns="" xmlns:a16="http://schemas.microsoft.com/office/drawing/2014/main" id="{40EE479C-D1F6-4BAC-80D2-90EF74E3261A}"/>
               </a:ext>
             </a:extLst>
           </p:cNvPr>
@@ -14375,7 +14379,7 @@
           <p:cNvPr id="4" name="Footer Placeholder 3">
             <a:extLst>
               <a:ext uri="{FF2B5EF4-FFF2-40B4-BE49-F238E27FC236}">
-                <a16:creationId xmlns:a16="http://schemas.microsoft.com/office/drawing/2014/main" xmlns="" id="{57847F90-9DB6-4832-9EB7-393AADAE8B70}"/>
+                <a16:creationId xmlns="" xmlns:a16="http://schemas.microsoft.com/office/drawing/2014/main" id="{57847F90-9DB6-4832-9EB7-393AADAE8B70}"/>
               </a:ext>
             </a:extLst>
           </p:cNvPr>
@@ -14403,7 +14407,7 @@
           <p:cNvPr id="5" name="Slide Number Placeholder 4">
             <a:extLst>
               <a:ext uri="{FF2B5EF4-FFF2-40B4-BE49-F238E27FC236}">
-                <a16:creationId xmlns:a16="http://schemas.microsoft.com/office/drawing/2014/main" xmlns="" id="{F64CFC6C-1D8B-46C9-B0F7-A8BD88D8AB46}"/>
+                <a16:creationId xmlns="" xmlns:a16="http://schemas.microsoft.com/office/drawing/2014/main" id="{F64CFC6C-1D8B-46C9-B0F7-A8BD88D8AB46}"/>
               </a:ext>
             </a:extLst>
           </p:cNvPr>
@@ -14433,7 +14437,7 @@
           <p:cNvPr id="20" name="Text Placeholder 3">
             <a:extLst>
               <a:ext uri="{FF2B5EF4-FFF2-40B4-BE49-F238E27FC236}">
-                <a16:creationId xmlns:a16="http://schemas.microsoft.com/office/drawing/2014/main" xmlns="" id="{C49FB4A2-B750-422F-96D2-A7C264295779}"/>
+                <a16:creationId xmlns="" xmlns:a16="http://schemas.microsoft.com/office/drawing/2014/main" id="{C49FB4A2-B750-422F-96D2-A7C264295779}"/>
               </a:ext>
             </a:extLst>
           </p:cNvPr>
@@ -14504,7 +14508,7 @@
           <p:cNvPr id="16" name="Picture Placeholder 2">
             <a:extLst>
               <a:ext uri="{FF2B5EF4-FFF2-40B4-BE49-F238E27FC236}">
-                <a16:creationId xmlns:a16="http://schemas.microsoft.com/office/drawing/2014/main" xmlns="" id="{0110E46C-B434-49FA-AA0E-D64E5786D280}"/>
+                <a16:creationId xmlns="" xmlns:a16="http://schemas.microsoft.com/office/drawing/2014/main" id="{0110E46C-B434-49FA-AA0E-D64E5786D280}"/>
               </a:ext>
             </a:extLst>
           </p:cNvPr>
@@ -14585,7 +14589,7 @@
           <p:cNvPr id="21" name="Picture Placeholder 20">
             <a:extLst>
               <a:ext uri="{FF2B5EF4-FFF2-40B4-BE49-F238E27FC236}">
-                <a16:creationId xmlns:a16="http://schemas.microsoft.com/office/drawing/2014/main" xmlns="" id="{9A70B137-2503-4803-9F56-620A586FA494}"/>
+                <a16:creationId xmlns="" xmlns:a16="http://schemas.microsoft.com/office/drawing/2014/main" id="{9A70B137-2503-4803-9F56-620A586FA494}"/>
               </a:ext>
             </a:extLst>
           </p:cNvPr>
@@ -15568,7 +15572,7 @@
           <p:cNvPr id="2" name="Title 1">
             <a:extLst>
               <a:ext uri="{FF2B5EF4-FFF2-40B4-BE49-F238E27FC236}">
-                <a16:creationId xmlns:a16="http://schemas.microsoft.com/office/drawing/2014/main" xmlns="" id="{00F23EB7-E336-46EB-A4A0-3DB7A6BF4CE1}"/>
+                <a16:creationId xmlns="" xmlns:a16="http://schemas.microsoft.com/office/drawing/2014/main" id="{00F23EB7-E336-46EB-A4A0-3DB7A6BF4CE1}"/>
               </a:ext>
             </a:extLst>
           </p:cNvPr>
@@ -15643,7 +15647,7 @@
           <p:cNvPr id="3" name="Subtitle 2">
             <a:extLst>
               <a:ext uri="{FF2B5EF4-FFF2-40B4-BE49-F238E27FC236}">
-                <a16:creationId xmlns:a16="http://schemas.microsoft.com/office/drawing/2014/main" xmlns="" id="{C9980B88-3F4A-4688-9ED0-17EF37E62D93}"/>
+                <a16:creationId xmlns="" xmlns:a16="http://schemas.microsoft.com/office/drawing/2014/main" id="{C9980B88-3F4A-4688-9ED0-17EF37E62D93}"/>
               </a:ext>
             </a:extLst>
           </p:cNvPr>
@@ -15751,7 +15755,7 @@
           <p:cNvPr id="4" name="Freeform 5">
             <a:extLst>
               <a:ext uri="{FF2B5EF4-FFF2-40B4-BE49-F238E27FC236}">
-                <a16:creationId xmlns:a16="http://schemas.microsoft.com/office/drawing/2014/main" xmlns="" id="{B0FE1C0F-474B-4310-A4A5-1EB4321DE50B}"/>
+                <a16:creationId xmlns="" xmlns:a16="http://schemas.microsoft.com/office/drawing/2014/main" id="{B0FE1C0F-474B-4310-A4A5-1EB4321DE50B}"/>
               </a:ext>
             </a:extLst>
           </p:cNvPr>
@@ -15935,7 +15939,7 @@
           <p:cNvPr id="5" name="Freeform 5">
             <a:extLst>
               <a:ext uri="{FF2B5EF4-FFF2-40B4-BE49-F238E27FC236}">
-                <a16:creationId xmlns:a16="http://schemas.microsoft.com/office/drawing/2014/main" xmlns="" id="{673FA99E-5E31-474E-8818-615B453CD89C}"/>
+                <a16:creationId xmlns="" xmlns:a16="http://schemas.microsoft.com/office/drawing/2014/main" id="{673FA99E-5E31-474E-8818-615B453CD89C}"/>
               </a:ext>
             </a:extLst>
           </p:cNvPr>
@@ -16119,7 +16123,7 @@
           <p:cNvPr id="6" name="Freeform 5">
             <a:extLst>
               <a:ext uri="{FF2B5EF4-FFF2-40B4-BE49-F238E27FC236}">
-                <a16:creationId xmlns:a16="http://schemas.microsoft.com/office/drawing/2014/main" xmlns="" id="{BA0EE7FC-884E-43B5-B6D6-9156FBE9AB59}"/>
+                <a16:creationId xmlns="" xmlns:a16="http://schemas.microsoft.com/office/drawing/2014/main" id="{BA0EE7FC-884E-43B5-B6D6-9156FBE9AB59}"/>
               </a:ext>
             </a:extLst>
           </p:cNvPr>
@@ -16303,7 +16307,7 @@
           <p:cNvPr id="7" name="Freeform 5">
             <a:extLst>
               <a:ext uri="{FF2B5EF4-FFF2-40B4-BE49-F238E27FC236}">
-                <a16:creationId xmlns:a16="http://schemas.microsoft.com/office/drawing/2014/main" xmlns="" id="{858C6DC6-901F-4F3E-97A4-1B55324C068B}"/>
+                <a16:creationId xmlns="" xmlns:a16="http://schemas.microsoft.com/office/drawing/2014/main" id="{858C6DC6-901F-4F3E-97A4-1B55324C068B}"/>
               </a:ext>
             </a:extLst>
           </p:cNvPr>
@@ -16487,7 +16491,7 @@
           <p:cNvPr id="8" name="Freeform 5">
             <a:extLst>
               <a:ext uri="{FF2B5EF4-FFF2-40B4-BE49-F238E27FC236}">
-                <a16:creationId xmlns:a16="http://schemas.microsoft.com/office/drawing/2014/main" xmlns="" id="{1041B359-9F78-4782-9C50-0B1DED37AD2C}"/>
+                <a16:creationId xmlns="" xmlns:a16="http://schemas.microsoft.com/office/drawing/2014/main" id="{1041B359-9F78-4782-9C50-0B1DED37AD2C}"/>
               </a:ext>
             </a:extLst>
           </p:cNvPr>
@@ -16671,7 +16675,7 @@
           <p:cNvPr id="2" name="Footer Placeholder 1">
             <a:extLst>
               <a:ext uri="{FF2B5EF4-FFF2-40B4-BE49-F238E27FC236}">
-                <a16:creationId xmlns:a16="http://schemas.microsoft.com/office/drawing/2014/main" xmlns="" id="{16D0504D-4610-4E9E-A2DB-8B701F044BBC}"/>
+                <a16:creationId xmlns="" xmlns:a16="http://schemas.microsoft.com/office/drawing/2014/main" id="{16D0504D-4610-4E9E-A2DB-8B701F044BBC}"/>
               </a:ext>
             </a:extLst>
           </p:cNvPr>
@@ -16699,7 +16703,7 @@
           <p:cNvPr id="3" name="Slide Number Placeholder 2">
             <a:extLst>
               <a:ext uri="{FF2B5EF4-FFF2-40B4-BE49-F238E27FC236}">
-                <a16:creationId xmlns:a16="http://schemas.microsoft.com/office/drawing/2014/main" xmlns="" id="{A95CDFA7-DEA3-4BBE-8D70-0AF654A1E6FF}"/>
+                <a16:creationId xmlns="" xmlns:a16="http://schemas.microsoft.com/office/drawing/2014/main" id="{A95CDFA7-DEA3-4BBE-8D70-0AF654A1E6FF}"/>
               </a:ext>
             </a:extLst>
           </p:cNvPr>
@@ -16734,7 +16738,7 @@
           <p:cNvPr id="9" name="Title 8">
             <a:extLst>
               <a:ext uri="{FF2B5EF4-FFF2-40B4-BE49-F238E27FC236}">
-                <a16:creationId xmlns:a16="http://schemas.microsoft.com/office/drawing/2014/main" xmlns="" id="{790C5B8B-2AF3-42F3-B4F8-A806BB98ACA8}"/>
+                <a16:creationId xmlns="" xmlns:a16="http://schemas.microsoft.com/office/drawing/2014/main" id="{790C5B8B-2AF3-42F3-B4F8-A806BB98ACA8}"/>
               </a:ext>
             </a:extLst>
           </p:cNvPr>
@@ -16793,7 +16797,7 @@
           <p:cNvPr id="4" name="Freeform 5">
             <a:extLst>
               <a:ext uri="{FF2B5EF4-FFF2-40B4-BE49-F238E27FC236}">
-                <a16:creationId xmlns:a16="http://schemas.microsoft.com/office/drawing/2014/main" xmlns="" id="{B0FE1C0F-474B-4310-A4A5-1EB4321DE50B}"/>
+                <a16:creationId xmlns="" xmlns:a16="http://schemas.microsoft.com/office/drawing/2014/main" id="{B0FE1C0F-474B-4310-A4A5-1EB4321DE50B}"/>
               </a:ext>
             </a:extLst>
           </p:cNvPr>
@@ -16977,7 +16981,7 @@
           <p:cNvPr id="5" name="Freeform 5">
             <a:extLst>
               <a:ext uri="{FF2B5EF4-FFF2-40B4-BE49-F238E27FC236}">
-                <a16:creationId xmlns:a16="http://schemas.microsoft.com/office/drawing/2014/main" xmlns="" id="{673FA99E-5E31-474E-8818-615B453CD89C}"/>
+                <a16:creationId xmlns="" xmlns:a16="http://schemas.microsoft.com/office/drawing/2014/main" id="{673FA99E-5E31-474E-8818-615B453CD89C}"/>
               </a:ext>
             </a:extLst>
           </p:cNvPr>
@@ -17161,7 +17165,7 @@
           <p:cNvPr id="6" name="Freeform 5">
             <a:extLst>
               <a:ext uri="{FF2B5EF4-FFF2-40B4-BE49-F238E27FC236}">
-                <a16:creationId xmlns:a16="http://schemas.microsoft.com/office/drawing/2014/main" xmlns="" id="{BA0EE7FC-884E-43B5-B6D6-9156FBE9AB59}"/>
+                <a16:creationId xmlns="" xmlns:a16="http://schemas.microsoft.com/office/drawing/2014/main" id="{BA0EE7FC-884E-43B5-B6D6-9156FBE9AB59}"/>
               </a:ext>
             </a:extLst>
           </p:cNvPr>
@@ -17345,7 +17349,7 @@
           <p:cNvPr id="7" name="Freeform 5">
             <a:extLst>
               <a:ext uri="{FF2B5EF4-FFF2-40B4-BE49-F238E27FC236}">
-                <a16:creationId xmlns:a16="http://schemas.microsoft.com/office/drawing/2014/main" xmlns="" id="{858C6DC6-901F-4F3E-97A4-1B55324C068B}"/>
+                <a16:creationId xmlns="" xmlns:a16="http://schemas.microsoft.com/office/drawing/2014/main" id="{858C6DC6-901F-4F3E-97A4-1B55324C068B}"/>
               </a:ext>
             </a:extLst>
           </p:cNvPr>
@@ -17529,7 +17533,7 @@
           <p:cNvPr id="8" name="Freeform 5">
             <a:extLst>
               <a:ext uri="{FF2B5EF4-FFF2-40B4-BE49-F238E27FC236}">
-                <a16:creationId xmlns:a16="http://schemas.microsoft.com/office/drawing/2014/main" xmlns="" id="{1041B359-9F78-4782-9C50-0B1DED37AD2C}"/>
+                <a16:creationId xmlns="" xmlns:a16="http://schemas.microsoft.com/office/drawing/2014/main" id="{1041B359-9F78-4782-9C50-0B1DED37AD2C}"/>
               </a:ext>
             </a:extLst>
           </p:cNvPr>
@@ -17713,7 +17717,7 @@
           <p:cNvPr id="2" name="Footer Placeholder 1">
             <a:extLst>
               <a:ext uri="{FF2B5EF4-FFF2-40B4-BE49-F238E27FC236}">
-                <a16:creationId xmlns:a16="http://schemas.microsoft.com/office/drawing/2014/main" xmlns="" id="{16D0504D-4610-4E9E-A2DB-8B701F044BBC}"/>
+                <a16:creationId xmlns="" xmlns:a16="http://schemas.microsoft.com/office/drawing/2014/main" id="{16D0504D-4610-4E9E-A2DB-8B701F044BBC}"/>
               </a:ext>
             </a:extLst>
           </p:cNvPr>
@@ -17741,7 +17745,7 @@
           <p:cNvPr id="3" name="Slide Number Placeholder 2">
             <a:extLst>
               <a:ext uri="{FF2B5EF4-FFF2-40B4-BE49-F238E27FC236}">
-                <a16:creationId xmlns:a16="http://schemas.microsoft.com/office/drawing/2014/main" xmlns="" id="{A95CDFA7-DEA3-4BBE-8D70-0AF654A1E6FF}"/>
+                <a16:creationId xmlns="" xmlns:a16="http://schemas.microsoft.com/office/drawing/2014/main" id="{A95CDFA7-DEA3-4BBE-8D70-0AF654A1E6FF}"/>
               </a:ext>
             </a:extLst>
           </p:cNvPr>
@@ -17776,7 +17780,7 @@
           <p:cNvPr id="9" name="Title 8">
             <a:extLst>
               <a:ext uri="{FF2B5EF4-FFF2-40B4-BE49-F238E27FC236}">
-                <a16:creationId xmlns:a16="http://schemas.microsoft.com/office/drawing/2014/main" xmlns="" id="{790C5B8B-2AF3-42F3-B4F8-A806BB98ACA8}"/>
+                <a16:creationId xmlns="" xmlns:a16="http://schemas.microsoft.com/office/drawing/2014/main" id="{790C5B8B-2AF3-42F3-B4F8-A806BB98ACA8}"/>
               </a:ext>
             </a:extLst>
           </p:cNvPr>
@@ -17805,7 +17809,7 @@
           <p:cNvPr id="11" name="Text Placeholder 10">
             <a:extLst>
               <a:ext uri="{FF2B5EF4-FFF2-40B4-BE49-F238E27FC236}">
-                <a16:creationId xmlns:a16="http://schemas.microsoft.com/office/drawing/2014/main" xmlns="" id="{1B3B1662-8902-44D0-A545-5008B483D16F}"/>
+                <a16:creationId xmlns="" xmlns:a16="http://schemas.microsoft.com/office/drawing/2014/main" id="{1B3B1662-8902-44D0-A545-5008B483D16F}"/>
               </a:ext>
             </a:extLst>
           </p:cNvPr>
@@ -17878,7 +17882,7 @@
           <p:cNvPr id="4" name="Freeform 5">
             <a:extLst>
               <a:ext uri="{FF2B5EF4-FFF2-40B4-BE49-F238E27FC236}">
-                <a16:creationId xmlns:a16="http://schemas.microsoft.com/office/drawing/2014/main" xmlns="" id="{B0FE1C0F-474B-4310-A4A5-1EB4321DE50B}"/>
+                <a16:creationId xmlns="" xmlns:a16="http://schemas.microsoft.com/office/drawing/2014/main" id="{B0FE1C0F-474B-4310-A4A5-1EB4321DE50B}"/>
               </a:ext>
             </a:extLst>
           </p:cNvPr>
@@ -18062,7 +18066,7 @@
           <p:cNvPr id="5" name="Freeform 5">
             <a:extLst>
               <a:ext uri="{FF2B5EF4-FFF2-40B4-BE49-F238E27FC236}">
-                <a16:creationId xmlns:a16="http://schemas.microsoft.com/office/drawing/2014/main" xmlns="" id="{673FA99E-5E31-474E-8818-615B453CD89C}"/>
+                <a16:creationId xmlns="" xmlns:a16="http://schemas.microsoft.com/office/drawing/2014/main" id="{673FA99E-5E31-474E-8818-615B453CD89C}"/>
               </a:ext>
             </a:extLst>
           </p:cNvPr>
@@ -18246,7 +18250,7 @@
           <p:cNvPr id="6" name="Freeform 5">
             <a:extLst>
               <a:ext uri="{FF2B5EF4-FFF2-40B4-BE49-F238E27FC236}">
-                <a16:creationId xmlns:a16="http://schemas.microsoft.com/office/drawing/2014/main" xmlns="" id="{BA0EE7FC-884E-43B5-B6D6-9156FBE9AB59}"/>
+                <a16:creationId xmlns="" xmlns:a16="http://schemas.microsoft.com/office/drawing/2014/main" id="{BA0EE7FC-884E-43B5-B6D6-9156FBE9AB59}"/>
               </a:ext>
             </a:extLst>
           </p:cNvPr>
@@ -18430,7 +18434,7 @@
           <p:cNvPr id="7" name="Freeform 5">
             <a:extLst>
               <a:ext uri="{FF2B5EF4-FFF2-40B4-BE49-F238E27FC236}">
-                <a16:creationId xmlns:a16="http://schemas.microsoft.com/office/drawing/2014/main" xmlns="" id="{858C6DC6-901F-4F3E-97A4-1B55324C068B}"/>
+                <a16:creationId xmlns="" xmlns:a16="http://schemas.microsoft.com/office/drawing/2014/main" id="{858C6DC6-901F-4F3E-97A4-1B55324C068B}"/>
               </a:ext>
             </a:extLst>
           </p:cNvPr>
@@ -18614,7 +18618,7 @@
           <p:cNvPr id="8" name="Freeform 5">
             <a:extLst>
               <a:ext uri="{FF2B5EF4-FFF2-40B4-BE49-F238E27FC236}">
-                <a16:creationId xmlns:a16="http://schemas.microsoft.com/office/drawing/2014/main" xmlns="" id="{1041B359-9F78-4782-9C50-0B1DED37AD2C}"/>
+                <a16:creationId xmlns="" xmlns:a16="http://schemas.microsoft.com/office/drawing/2014/main" id="{1041B359-9F78-4782-9C50-0B1DED37AD2C}"/>
               </a:ext>
             </a:extLst>
           </p:cNvPr>
@@ -18798,7 +18802,7 @@
           <p:cNvPr id="2" name="Footer Placeholder 1">
             <a:extLst>
               <a:ext uri="{FF2B5EF4-FFF2-40B4-BE49-F238E27FC236}">
-                <a16:creationId xmlns:a16="http://schemas.microsoft.com/office/drawing/2014/main" xmlns="" id="{16D0504D-4610-4E9E-A2DB-8B701F044BBC}"/>
+                <a16:creationId xmlns="" xmlns:a16="http://schemas.microsoft.com/office/drawing/2014/main" id="{16D0504D-4610-4E9E-A2DB-8B701F044BBC}"/>
               </a:ext>
             </a:extLst>
           </p:cNvPr>
@@ -18826,7 +18830,7 @@
           <p:cNvPr id="3" name="Slide Number Placeholder 2">
             <a:extLst>
               <a:ext uri="{FF2B5EF4-FFF2-40B4-BE49-F238E27FC236}">
-                <a16:creationId xmlns:a16="http://schemas.microsoft.com/office/drawing/2014/main" xmlns="" id="{A95CDFA7-DEA3-4BBE-8D70-0AF654A1E6FF}"/>
+                <a16:creationId xmlns="" xmlns:a16="http://schemas.microsoft.com/office/drawing/2014/main" id="{A95CDFA7-DEA3-4BBE-8D70-0AF654A1E6FF}"/>
               </a:ext>
             </a:extLst>
           </p:cNvPr>
@@ -18891,7 +18895,7 @@
           <p:cNvPr id="11" name="Picture Placeholder 10">
             <a:extLst>
               <a:ext uri="{FF2B5EF4-FFF2-40B4-BE49-F238E27FC236}">
-                <a16:creationId xmlns:a16="http://schemas.microsoft.com/office/drawing/2014/main" xmlns="" id="{7CE129D0-CB7B-444C-AF89-B1CB663E3679}"/>
+                <a16:creationId xmlns="" xmlns:a16="http://schemas.microsoft.com/office/drawing/2014/main" id="{7CE129D0-CB7B-444C-AF89-B1CB663E3679}"/>
               </a:ext>
             </a:extLst>
           </p:cNvPr>
@@ -19912,7 +19916,7 @@
           <p:cNvPr id="2" name="Title 1">
             <a:extLst>
               <a:ext uri="{FF2B5EF4-FFF2-40B4-BE49-F238E27FC236}">
-                <a16:creationId xmlns:a16="http://schemas.microsoft.com/office/drawing/2014/main" xmlns="" id="{00F23EB7-E336-46EB-A4A0-3DB7A6BF4CE1}"/>
+                <a16:creationId xmlns="" xmlns:a16="http://schemas.microsoft.com/office/drawing/2014/main" id="{00F23EB7-E336-46EB-A4A0-3DB7A6BF4CE1}"/>
               </a:ext>
             </a:extLst>
           </p:cNvPr>
@@ -19987,7 +19991,7 @@
           <p:cNvPr id="3" name="Subtitle 2">
             <a:extLst>
               <a:ext uri="{FF2B5EF4-FFF2-40B4-BE49-F238E27FC236}">
-                <a16:creationId xmlns:a16="http://schemas.microsoft.com/office/drawing/2014/main" xmlns="" id="{C9980B88-3F4A-4688-9ED0-17EF37E62D93}"/>
+                <a16:creationId xmlns="" xmlns:a16="http://schemas.microsoft.com/office/drawing/2014/main" id="{C9980B88-3F4A-4688-9ED0-17EF37E62D93}"/>
               </a:ext>
             </a:extLst>
           </p:cNvPr>
@@ -20065,7 +20069,7 @@
           <p:cNvPr id="4" name="Footer Placeholder 3">
             <a:extLst>
               <a:ext uri="{FF2B5EF4-FFF2-40B4-BE49-F238E27FC236}">
-                <a16:creationId xmlns:a16="http://schemas.microsoft.com/office/drawing/2014/main" xmlns="" id="{734B1E83-6080-4D35-A216-8E5C399023B2}"/>
+                <a16:creationId xmlns="" xmlns:a16="http://schemas.microsoft.com/office/drawing/2014/main" id="{734B1E83-6080-4D35-A216-8E5C399023B2}"/>
               </a:ext>
             </a:extLst>
           </p:cNvPr>
@@ -20093,7 +20097,7 @@
           <p:cNvPr id="5" name="Slide Number Placeholder 4">
             <a:extLst>
               <a:ext uri="{FF2B5EF4-FFF2-40B4-BE49-F238E27FC236}">
-                <a16:creationId xmlns:a16="http://schemas.microsoft.com/office/drawing/2014/main" xmlns="" id="{0DE95353-8EE1-49C9-ADAC-E76BD49D222D}"/>
+                <a16:creationId xmlns="" xmlns:a16="http://schemas.microsoft.com/office/drawing/2014/main" id="{0DE95353-8EE1-49C9-ADAC-E76BD49D222D}"/>
               </a:ext>
             </a:extLst>
           </p:cNvPr>
@@ -20153,7 +20157,7 @@
           <p:cNvPr id="12" name="Picture Placeholder 11">
             <a:extLst>
               <a:ext uri="{FF2B5EF4-FFF2-40B4-BE49-F238E27FC236}">
-                <a16:creationId xmlns:a16="http://schemas.microsoft.com/office/drawing/2014/main" xmlns="" id="{7B7C90C9-77F3-4C3C-97F8-425EF81FB7A7}"/>
+                <a16:creationId xmlns="" xmlns:a16="http://schemas.microsoft.com/office/drawing/2014/main" id="{7B7C90C9-77F3-4C3C-97F8-425EF81FB7A7}"/>
               </a:ext>
             </a:extLst>
           </p:cNvPr>
@@ -21310,7 +21314,7 @@
           <p:cNvPr id="2" name="Title 1">
             <a:extLst>
               <a:ext uri="{FF2B5EF4-FFF2-40B4-BE49-F238E27FC236}">
-                <a16:creationId xmlns:a16="http://schemas.microsoft.com/office/drawing/2014/main" xmlns="" id="{00F23EB7-E336-46EB-A4A0-3DB7A6BF4CE1}"/>
+                <a16:creationId xmlns="" xmlns:a16="http://schemas.microsoft.com/office/drawing/2014/main" id="{00F23EB7-E336-46EB-A4A0-3DB7A6BF4CE1}"/>
               </a:ext>
             </a:extLst>
           </p:cNvPr>
@@ -21385,7 +21389,7 @@
           <p:cNvPr id="3" name="Subtitle 2">
             <a:extLst>
               <a:ext uri="{FF2B5EF4-FFF2-40B4-BE49-F238E27FC236}">
-                <a16:creationId xmlns:a16="http://schemas.microsoft.com/office/drawing/2014/main" xmlns="" id="{C9980B88-3F4A-4688-9ED0-17EF37E62D93}"/>
+                <a16:creationId xmlns="" xmlns:a16="http://schemas.microsoft.com/office/drawing/2014/main" id="{C9980B88-3F4A-4688-9ED0-17EF37E62D93}"/>
               </a:ext>
             </a:extLst>
           </p:cNvPr>
@@ -21463,7 +21467,7 @@
           <p:cNvPr id="4" name="Footer Placeholder 3">
             <a:extLst>
               <a:ext uri="{FF2B5EF4-FFF2-40B4-BE49-F238E27FC236}">
-                <a16:creationId xmlns:a16="http://schemas.microsoft.com/office/drawing/2014/main" xmlns="" id="{734B1E83-6080-4D35-A216-8E5C399023B2}"/>
+                <a16:creationId xmlns="" xmlns:a16="http://schemas.microsoft.com/office/drawing/2014/main" id="{734B1E83-6080-4D35-A216-8E5C399023B2}"/>
               </a:ext>
             </a:extLst>
           </p:cNvPr>
@@ -21491,7 +21495,7 @@
           <p:cNvPr id="5" name="Slide Number Placeholder 4">
             <a:extLst>
               <a:ext uri="{FF2B5EF4-FFF2-40B4-BE49-F238E27FC236}">
-                <a16:creationId xmlns:a16="http://schemas.microsoft.com/office/drawing/2014/main" xmlns="" id="{0DE95353-8EE1-49C9-ADAC-E76BD49D222D}"/>
+                <a16:creationId xmlns="" xmlns:a16="http://schemas.microsoft.com/office/drawing/2014/main" id="{0DE95353-8EE1-49C9-ADAC-E76BD49D222D}"/>
               </a:ext>
             </a:extLst>
           </p:cNvPr>
@@ -21551,7 +21555,7 @@
           <p:cNvPr id="11" name="Picture Placeholder 10">
             <a:extLst>
               <a:ext uri="{FF2B5EF4-FFF2-40B4-BE49-F238E27FC236}">
-                <a16:creationId xmlns:a16="http://schemas.microsoft.com/office/drawing/2014/main" xmlns="" id="{A7D77123-FDC4-48FD-9EFB-8A84F6069060}"/>
+                <a16:creationId xmlns="" xmlns:a16="http://schemas.microsoft.com/office/drawing/2014/main" id="{A7D77123-FDC4-48FD-9EFB-8A84F6069060}"/>
               </a:ext>
             </a:extLst>
           </p:cNvPr>
@@ -21741,7 +21745,7 @@
           <p:cNvPr id="2" name="Title 1">
             <a:extLst>
               <a:ext uri="{FF2B5EF4-FFF2-40B4-BE49-F238E27FC236}">
-                <a16:creationId xmlns:a16="http://schemas.microsoft.com/office/drawing/2014/main" xmlns="" id="{40EE479C-D1F6-4BAC-80D2-90EF74E3261A}"/>
+                <a16:creationId xmlns="" xmlns:a16="http://schemas.microsoft.com/office/drawing/2014/main" id="{40EE479C-D1F6-4BAC-80D2-90EF74E3261A}"/>
               </a:ext>
             </a:extLst>
           </p:cNvPr>
@@ -21785,7 +21789,7 @@
           <p:cNvPr id="10" name="Subtitle 2">
             <a:extLst>
               <a:ext uri="{FF2B5EF4-FFF2-40B4-BE49-F238E27FC236}">
-                <a16:creationId xmlns:a16="http://schemas.microsoft.com/office/drawing/2014/main" xmlns="" id="{3FAEED1D-0E66-4F74-9455-675F5CB7EAD4}"/>
+                <a16:creationId xmlns="" xmlns:a16="http://schemas.microsoft.com/office/drawing/2014/main" id="{3FAEED1D-0E66-4F74-9455-675F5CB7EAD4}"/>
               </a:ext>
             </a:extLst>
           </p:cNvPr>
@@ -21840,7 +21844,7 @@
           <p:cNvPr id="3" name="Content Placeholder 2">
             <a:extLst>
               <a:ext uri="{FF2B5EF4-FFF2-40B4-BE49-F238E27FC236}">
-                <a16:creationId xmlns:a16="http://schemas.microsoft.com/office/drawing/2014/main" xmlns="" id="{A22238F2-C6EC-476F-8371-119AECBA5622}"/>
+                <a16:creationId xmlns="" xmlns:a16="http://schemas.microsoft.com/office/drawing/2014/main" id="{A22238F2-C6EC-476F-8371-119AECBA5622}"/>
               </a:ext>
             </a:extLst>
           </p:cNvPr>
@@ -21954,7 +21958,7 @@
           <p:cNvPr id="4" name="Footer Placeholder 3">
             <a:extLst>
               <a:ext uri="{FF2B5EF4-FFF2-40B4-BE49-F238E27FC236}">
-                <a16:creationId xmlns:a16="http://schemas.microsoft.com/office/drawing/2014/main" xmlns="" id="{57847F90-9DB6-4832-9EB7-393AADAE8B70}"/>
+                <a16:creationId xmlns="" xmlns:a16="http://schemas.microsoft.com/office/drawing/2014/main" id="{57847F90-9DB6-4832-9EB7-393AADAE8B70}"/>
               </a:ext>
             </a:extLst>
           </p:cNvPr>
@@ -21982,7 +21986,7 @@
           <p:cNvPr id="5" name="Slide Number Placeholder 4">
             <a:extLst>
               <a:ext uri="{FF2B5EF4-FFF2-40B4-BE49-F238E27FC236}">
-                <a16:creationId xmlns:a16="http://schemas.microsoft.com/office/drawing/2014/main" xmlns="" id="{0505ED12-A431-4761-87A4-F05164BE0221}"/>
+                <a16:creationId xmlns="" xmlns:a16="http://schemas.microsoft.com/office/drawing/2014/main" id="{0505ED12-A431-4761-87A4-F05164BE0221}"/>
               </a:ext>
             </a:extLst>
           </p:cNvPr>
@@ -22042,7 +22046,7 @@
           <p:cNvPr id="13" name="Picture Placeholder 12">
             <a:extLst>
               <a:ext uri="{FF2B5EF4-FFF2-40B4-BE49-F238E27FC236}">
-                <a16:creationId xmlns:a16="http://schemas.microsoft.com/office/drawing/2014/main" xmlns="" id="{C64B33BB-8F3A-42CE-BBDA-D08AA3266737}"/>
+                <a16:creationId xmlns="" xmlns:a16="http://schemas.microsoft.com/office/drawing/2014/main" id="{C64B33BB-8F3A-42CE-BBDA-D08AA3266737}"/>
               </a:ext>
             </a:extLst>
           </p:cNvPr>
@@ -22175,7 +22179,7 @@
           <p:cNvPr id="2" name="Title 1">
             <a:extLst>
               <a:ext uri="{FF2B5EF4-FFF2-40B4-BE49-F238E27FC236}">
-                <a16:creationId xmlns:a16="http://schemas.microsoft.com/office/drawing/2014/main" xmlns="" id="{40EE479C-D1F6-4BAC-80D2-90EF74E3261A}"/>
+                <a16:creationId xmlns="" xmlns:a16="http://schemas.microsoft.com/office/drawing/2014/main" id="{40EE479C-D1F6-4BAC-80D2-90EF74E3261A}"/>
               </a:ext>
             </a:extLst>
           </p:cNvPr>
@@ -22219,7 +22223,7 @@
           <p:cNvPr id="10" name="Subtitle 2">
             <a:extLst>
               <a:ext uri="{FF2B5EF4-FFF2-40B4-BE49-F238E27FC236}">
-                <a16:creationId xmlns:a16="http://schemas.microsoft.com/office/drawing/2014/main" xmlns="" id="{3FAEED1D-0E66-4F74-9455-675F5CB7EAD4}"/>
+                <a16:creationId xmlns="" xmlns:a16="http://schemas.microsoft.com/office/drawing/2014/main" id="{3FAEED1D-0E66-4F74-9455-675F5CB7EAD4}"/>
               </a:ext>
             </a:extLst>
           </p:cNvPr>
@@ -22274,7 +22278,7 @@
           <p:cNvPr id="3" name="Content Placeholder 2">
             <a:extLst>
               <a:ext uri="{FF2B5EF4-FFF2-40B4-BE49-F238E27FC236}">
-                <a16:creationId xmlns:a16="http://schemas.microsoft.com/office/drawing/2014/main" xmlns="" id="{A22238F2-C6EC-476F-8371-119AECBA5622}"/>
+                <a16:creationId xmlns="" xmlns:a16="http://schemas.microsoft.com/office/drawing/2014/main" id="{A22238F2-C6EC-476F-8371-119AECBA5622}"/>
               </a:ext>
             </a:extLst>
           </p:cNvPr>
@@ -22388,7 +22392,7 @@
           <p:cNvPr id="4" name="Footer Placeholder 3">
             <a:extLst>
               <a:ext uri="{FF2B5EF4-FFF2-40B4-BE49-F238E27FC236}">
-                <a16:creationId xmlns:a16="http://schemas.microsoft.com/office/drawing/2014/main" xmlns="" id="{57847F90-9DB6-4832-9EB7-393AADAE8B70}"/>
+                <a16:creationId xmlns="" xmlns:a16="http://schemas.microsoft.com/office/drawing/2014/main" id="{57847F90-9DB6-4832-9EB7-393AADAE8B70}"/>
               </a:ext>
             </a:extLst>
           </p:cNvPr>
@@ -22416,7 +22420,7 @@
           <p:cNvPr id="5" name="Slide Number Placeholder 4">
             <a:extLst>
               <a:ext uri="{FF2B5EF4-FFF2-40B4-BE49-F238E27FC236}">
-                <a16:creationId xmlns:a16="http://schemas.microsoft.com/office/drawing/2014/main" xmlns="" id="{0505ED12-A431-4761-87A4-F05164BE0221}"/>
+                <a16:creationId xmlns="" xmlns:a16="http://schemas.microsoft.com/office/drawing/2014/main" id="{0505ED12-A431-4761-87A4-F05164BE0221}"/>
               </a:ext>
             </a:extLst>
           </p:cNvPr>
@@ -22476,7 +22480,7 @@
           <p:cNvPr id="11" name="Picture Placeholder 10">
             <a:extLst>
               <a:ext uri="{FF2B5EF4-FFF2-40B4-BE49-F238E27FC236}">
-                <a16:creationId xmlns:a16="http://schemas.microsoft.com/office/drawing/2014/main" xmlns="" id="{A7D77123-FDC4-48FD-9EFB-8A84F6069060}"/>
+                <a16:creationId xmlns="" xmlns:a16="http://schemas.microsoft.com/office/drawing/2014/main" id="{A7D77123-FDC4-48FD-9EFB-8A84F6069060}"/>
               </a:ext>
             </a:extLst>
           </p:cNvPr>
@@ -22666,7 +22670,7 @@
           <p:cNvPr id="2" name="Title 1">
             <a:extLst>
               <a:ext uri="{FF2B5EF4-FFF2-40B4-BE49-F238E27FC236}">
-                <a16:creationId xmlns:a16="http://schemas.microsoft.com/office/drawing/2014/main" xmlns="" id="{40EE479C-D1F6-4BAC-80D2-90EF74E3261A}"/>
+                <a16:creationId xmlns="" xmlns:a16="http://schemas.microsoft.com/office/drawing/2014/main" id="{40EE479C-D1F6-4BAC-80D2-90EF74E3261A}"/>
               </a:ext>
             </a:extLst>
           </p:cNvPr>
@@ -22710,7 +22714,7 @@
           <p:cNvPr id="10" name="Subtitle 2">
             <a:extLst>
               <a:ext uri="{FF2B5EF4-FFF2-40B4-BE49-F238E27FC236}">
-                <a16:creationId xmlns:a16="http://schemas.microsoft.com/office/drawing/2014/main" xmlns="" id="{3FAEED1D-0E66-4F74-9455-675F5CB7EAD4}"/>
+                <a16:creationId xmlns="" xmlns:a16="http://schemas.microsoft.com/office/drawing/2014/main" id="{3FAEED1D-0E66-4F74-9455-675F5CB7EAD4}"/>
               </a:ext>
             </a:extLst>
           </p:cNvPr>
@@ -22765,7 +22769,7 @@
           <p:cNvPr id="3" name="Content Placeholder 2">
             <a:extLst>
               <a:ext uri="{FF2B5EF4-FFF2-40B4-BE49-F238E27FC236}">
-                <a16:creationId xmlns:a16="http://schemas.microsoft.com/office/drawing/2014/main" xmlns="" id="{A22238F2-C6EC-476F-8371-119AECBA5622}"/>
+                <a16:creationId xmlns="" xmlns:a16="http://schemas.microsoft.com/office/drawing/2014/main" id="{A22238F2-C6EC-476F-8371-119AECBA5622}"/>
               </a:ext>
             </a:extLst>
           </p:cNvPr>
@@ -22879,7 +22883,7 @@
           <p:cNvPr id="4" name="Footer Placeholder 3">
             <a:extLst>
               <a:ext uri="{FF2B5EF4-FFF2-40B4-BE49-F238E27FC236}">
-                <a16:creationId xmlns:a16="http://schemas.microsoft.com/office/drawing/2014/main" xmlns="" id="{57847F90-9DB6-4832-9EB7-393AADAE8B70}"/>
+                <a16:creationId xmlns="" xmlns:a16="http://schemas.microsoft.com/office/drawing/2014/main" id="{57847F90-9DB6-4832-9EB7-393AADAE8B70}"/>
               </a:ext>
             </a:extLst>
           </p:cNvPr>
@@ -22907,7 +22911,7 @@
           <p:cNvPr id="5" name="Slide Number Placeholder 4">
             <a:extLst>
               <a:ext uri="{FF2B5EF4-FFF2-40B4-BE49-F238E27FC236}">
-                <a16:creationId xmlns:a16="http://schemas.microsoft.com/office/drawing/2014/main" xmlns="" id="{0505ED12-A431-4761-87A4-F05164BE0221}"/>
+                <a16:creationId xmlns="" xmlns:a16="http://schemas.microsoft.com/office/drawing/2014/main" id="{0505ED12-A431-4761-87A4-F05164BE0221}"/>
               </a:ext>
             </a:extLst>
           </p:cNvPr>
@@ -22937,7 +22941,7 @@
           <p:cNvPr id="8" name="Picture Placeholder 7">
             <a:extLst>
               <a:ext uri="{FF2B5EF4-FFF2-40B4-BE49-F238E27FC236}">
-                <a16:creationId xmlns:a16="http://schemas.microsoft.com/office/drawing/2014/main" xmlns="" id="{01317B12-44C8-4227-9EB8-973D2226E63F}"/>
+                <a16:creationId xmlns="" xmlns:a16="http://schemas.microsoft.com/office/drawing/2014/main" id="{01317B12-44C8-4227-9EB8-973D2226E63F}"/>
               </a:ext>
             </a:extLst>
           </p:cNvPr>
@@ -23127,7 +23131,7 @@
           <p:cNvPr id="9" name="Picture Placeholder 8">
             <a:extLst>
               <a:ext uri="{FF2B5EF4-FFF2-40B4-BE49-F238E27FC236}">
-                <a16:creationId xmlns:a16="http://schemas.microsoft.com/office/drawing/2014/main" xmlns="" id="{1AD2255F-36DA-4BDE-B54D-F94F14B68B6C}"/>
+                <a16:creationId xmlns="" xmlns:a16="http://schemas.microsoft.com/office/drawing/2014/main" id="{1AD2255F-36DA-4BDE-B54D-F94F14B68B6C}"/>
               </a:ext>
             </a:extLst>
           </p:cNvPr>
@@ -23347,7 +23351,7 @@
           <p:cNvPr id="10" name="Freeform 5">
             <a:extLst>
               <a:ext uri="{FF2B5EF4-FFF2-40B4-BE49-F238E27FC236}">
-                <a16:creationId xmlns:a16="http://schemas.microsoft.com/office/drawing/2014/main" xmlns="" id="{CD92D281-07CD-478F-9BF5-BA7D43439A3D}"/>
+                <a16:creationId xmlns="" xmlns:a16="http://schemas.microsoft.com/office/drawing/2014/main" id="{CD92D281-07CD-478F-9BF5-BA7D43439A3D}"/>
               </a:ext>
             </a:extLst>
           </p:cNvPr>
@@ -23531,7 +23535,7 @@
           <p:cNvPr id="11" name="Freeform 5">
             <a:extLst>
               <a:ext uri="{FF2B5EF4-FFF2-40B4-BE49-F238E27FC236}">
-                <a16:creationId xmlns:a16="http://schemas.microsoft.com/office/drawing/2014/main" xmlns="" id="{B2C53265-8805-42B3-82B4-151EFBC42731}"/>
+                <a16:creationId xmlns="" xmlns:a16="http://schemas.microsoft.com/office/drawing/2014/main" id="{B2C53265-8805-42B3-82B4-151EFBC42731}"/>
               </a:ext>
             </a:extLst>
           </p:cNvPr>
@@ -23715,7 +23719,7 @@
           <p:cNvPr id="13" name="Freeform 5">
             <a:extLst>
               <a:ext uri="{FF2B5EF4-FFF2-40B4-BE49-F238E27FC236}">
-                <a16:creationId xmlns:a16="http://schemas.microsoft.com/office/drawing/2014/main" xmlns="" id="{D0111EB4-98AF-4EB7-878B-31FD32A95141}"/>
+                <a16:creationId xmlns="" xmlns:a16="http://schemas.microsoft.com/office/drawing/2014/main" id="{D0111EB4-98AF-4EB7-878B-31FD32A95141}"/>
               </a:ext>
             </a:extLst>
           </p:cNvPr>
@@ -23899,7 +23903,7 @@
           <p:cNvPr id="14" name="Freeform 5">
             <a:extLst>
               <a:ext uri="{FF2B5EF4-FFF2-40B4-BE49-F238E27FC236}">
-                <a16:creationId xmlns:a16="http://schemas.microsoft.com/office/drawing/2014/main" xmlns="" id="{33809002-30A9-49C0-BE36-B14DD1E4D872}"/>
+                <a16:creationId xmlns="" xmlns:a16="http://schemas.microsoft.com/office/drawing/2014/main" id="{33809002-30A9-49C0-BE36-B14DD1E4D872}"/>
               </a:ext>
             </a:extLst>
           </p:cNvPr>
@@ -24083,7 +24087,7 @@
           <p:cNvPr id="15" name="Freeform 5">
             <a:extLst>
               <a:ext uri="{FF2B5EF4-FFF2-40B4-BE49-F238E27FC236}">
-                <a16:creationId xmlns:a16="http://schemas.microsoft.com/office/drawing/2014/main" xmlns="" id="{FFD5C582-B212-4ADA-AB1B-0481AA39C3A9}"/>
+                <a16:creationId xmlns="" xmlns:a16="http://schemas.microsoft.com/office/drawing/2014/main" id="{FFD5C582-B212-4ADA-AB1B-0481AA39C3A9}"/>
               </a:ext>
             </a:extLst>
           </p:cNvPr>
@@ -24267,7 +24271,7 @@
           <p:cNvPr id="2" name="Title 1">
             <a:extLst>
               <a:ext uri="{FF2B5EF4-FFF2-40B4-BE49-F238E27FC236}">
-                <a16:creationId xmlns:a16="http://schemas.microsoft.com/office/drawing/2014/main" xmlns="" id="{3F288DD7-6DAF-436D-B04A-EBCCAA36917C}"/>
+                <a16:creationId xmlns="" xmlns:a16="http://schemas.microsoft.com/office/drawing/2014/main" id="{3F288DD7-6DAF-436D-B04A-EBCCAA36917C}"/>
               </a:ext>
             </a:extLst>
           </p:cNvPr>
@@ -24311,7 +24315,7 @@
           <p:cNvPr id="9" name="Subtitle 2">
             <a:extLst>
               <a:ext uri="{FF2B5EF4-FFF2-40B4-BE49-F238E27FC236}">
-                <a16:creationId xmlns:a16="http://schemas.microsoft.com/office/drawing/2014/main" xmlns="" id="{E4633398-8EC3-417B-BEA6-101D8F224678}"/>
+                <a16:creationId xmlns="" xmlns:a16="http://schemas.microsoft.com/office/drawing/2014/main" id="{E4633398-8EC3-417B-BEA6-101D8F224678}"/>
               </a:ext>
             </a:extLst>
           </p:cNvPr>
@@ -24366,7 +24370,7 @@
           <p:cNvPr id="3" name="Comparison Left Placeholder 1">
             <a:extLst>
               <a:ext uri="{FF2B5EF4-FFF2-40B4-BE49-F238E27FC236}">
-                <a16:creationId xmlns:a16="http://schemas.microsoft.com/office/drawing/2014/main" xmlns="" id="{9322B50D-6A7D-41C6-BA57-613BC231DF36}"/>
+                <a16:creationId xmlns="" xmlns:a16="http://schemas.microsoft.com/office/drawing/2014/main" id="{9322B50D-6A7D-41C6-BA57-613BC231DF36}"/>
               </a:ext>
             </a:extLst>
           </p:cNvPr>
@@ -24444,7 +24448,7 @@
           <p:cNvPr id="4" name="Content Placeholder 2">
             <a:extLst>
               <a:ext uri="{FF2B5EF4-FFF2-40B4-BE49-F238E27FC236}">
-                <a16:creationId xmlns:a16="http://schemas.microsoft.com/office/drawing/2014/main" xmlns="" id="{9FD584DA-F775-47B8-A1D7-6556AD5FCBD2}"/>
+                <a16:creationId xmlns="" xmlns:a16="http://schemas.microsoft.com/office/drawing/2014/main" id="{9FD584DA-F775-47B8-A1D7-6556AD5FCBD2}"/>
               </a:ext>
             </a:extLst>
           </p:cNvPr>
@@ -24558,7 +24562,7 @@
           <p:cNvPr id="12" name="Comparison Left Placeholder 2">
             <a:extLst>
               <a:ext uri="{FF2B5EF4-FFF2-40B4-BE49-F238E27FC236}">
-                <a16:creationId xmlns:a16="http://schemas.microsoft.com/office/drawing/2014/main" xmlns="" id="{78A963F8-6F6E-440E-B3B3-DDE13C083A36}"/>
+                <a16:creationId xmlns="" xmlns:a16="http://schemas.microsoft.com/office/drawing/2014/main" id="{78A963F8-6F6E-440E-B3B3-DDE13C083A36}"/>
               </a:ext>
             </a:extLst>
           </p:cNvPr>
@@ -24597,7 +24601,7 @@
           <p:cNvPr id="8" name="Text Placeholder 4">
             <a:extLst>
               <a:ext uri="{FF2B5EF4-FFF2-40B4-BE49-F238E27FC236}">
-                <a16:creationId xmlns:a16="http://schemas.microsoft.com/office/drawing/2014/main" xmlns="" id="{DF0A5256-B267-47DA-858A-0F3867CB6139}"/>
+                <a16:creationId xmlns="" xmlns:a16="http://schemas.microsoft.com/office/drawing/2014/main" id="{DF0A5256-B267-47DA-858A-0F3867CB6139}"/>
               </a:ext>
             </a:extLst>
           </p:cNvPr>
@@ -24660,7 +24664,7 @@
           <p:cNvPr id="5" name="Footer Placeholder 4">
             <a:extLst>
               <a:ext uri="{FF2B5EF4-FFF2-40B4-BE49-F238E27FC236}">
-                <a16:creationId xmlns:a16="http://schemas.microsoft.com/office/drawing/2014/main" xmlns="" id="{646B8F99-FAB0-4B33-87ED-9FF46D11A907}"/>
+                <a16:creationId xmlns="" xmlns:a16="http://schemas.microsoft.com/office/drawing/2014/main" id="{646B8F99-FAB0-4B33-87ED-9FF46D11A907}"/>
               </a:ext>
             </a:extLst>
           </p:cNvPr>
@@ -24688,7 +24692,7 @@
           <p:cNvPr id="6" name="Slide Number Placeholder 5">
             <a:extLst>
               <a:ext uri="{FF2B5EF4-FFF2-40B4-BE49-F238E27FC236}">
-                <a16:creationId xmlns:a16="http://schemas.microsoft.com/office/drawing/2014/main" xmlns="" id="{18733E7E-50D2-4F6C-9DF2-CF4C98C4B847}"/>
+                <a16:creationId xmlns="" xmlns:a16="http://schemas.microsoft.com/office/drawing/2014/main" id="{18733E7E-50D2-4F6C-9DF2-CF4C98C4B847}"/>
               </a:ext>
             </a:extLst>
           </p:cNvPr>
@@ -24748,7 +24752,7 @@
           <p:cNvPr id="7" name="Picture Placeholder 6">
             <a:extLst>
               <a:ext uri="{FF2B5EF4-FFF2-40B4-BE49-F238E27FC236}">
-                <a16:creationId xmlns:a16="http://schemas.microsoft.com/office/drawing/2014/main" xmlns="" id="{890ED7CE-A9D2-4D19-B978-56BFB74E657C}"/>
+                <a16:creationId xmlns="" xmlns:a16="http://schemas.microsoft.com/office/drawing/2014/main" id="{890ED7CE-A9D2-4D19-B978-56BFB74E657C}"/>
               </a:ext>
             </a:extLst>
           </p:cNvPr>
@@ -24794,7 +24798,7 @@
           <p:cNvPr id="4" name="Footer Placeholder 3">
             <a:extLst>
               <a:ext uri="{FF2B5EF4-FFF2-40B4-BE49-F238E27FC236}">
-                <a16:creationId xmlns:a16="http://schemas.microsoft.com/office/drawing/2014/main" xmlns="" id="{57847F90-9DB6-4832-9EB7-393AADAE8B70}"/>
+                <a16:creationId xmlns="" xmlns:a16="http://schemas.microsoft.com/office/drawing/2014/main" id="{57847F90-9DB6-4832-9EB7-393AADAE8B70}"/>
               </a:ext>
             </a:extLst>
           </p:cNvPr>
@@ -24822,7 +24826,7 @@
           <p:cNvPr id="2" name="Slide Number Placeholder 1">
             <a:extLst>
               <a:ext uri="{FF2B5EF4-FFF2-40B4-BE49-F238E27FC236}">
-                <a16:creationId xmlns:a16="http://schemas.microsoft.com/office/drawing/2014/main" xmlns="" id="{8B3D119C-DBF5-4B4F-BE38-7BD7B5C8A5D0}"/>
+                <a16:creationId xmlns="" xmlns:a16="http://schemas.microsoft.com/office/drawing/2014/main" id="{8B3D119C-DBF5-4B4F-BE38-7BD7B5C8A5D0}"/>
               </a:ext>
             </a:extLst>
           </p:cNvPr>
@@ -24852,7 +24856,7 @@
           <p:cNvPr id="6" name="Title 1">
             <a:extLst>
               <a:ext uri="{FF2B5EF4-FFF2-40B4-BE49-F238E27FC236}">
-                <a16:creationId xmlns:a16="http://schemas.microsoft.com/office/drawing/2014/main" xmlns="" id="{BBC3BEE7-44AC-45BC-B4E7-93E3454EB83C}"/>
+                <a16:creationId xmlns="" xmlns:a16="http://schemas.microsoft.com/office/drawing/2014/main" id="{BBC3BEE7-44AC-45BC-B4E7-93E3454EB83C}"/>
               </a:ext>
             </a:extLst>
           </p:cNvPr>
@@ -24968,7 +24972,7 @@
           <p:cNvPr id="7" name="Rectangle 6">
             <a:extLst>
               <a:ext uri="{FF2B5EF4-FFF2-40B4-BE49-F238E27FC236}">
-                <a16:creationId xmlns:a16="http://schemas.microsoft.com/office/drawing/2014/main" xmlns="" id="{70E81F30-8FC8-4841-8404-4DC79218B945}"/>
+                <a16:creationId xmlns="" xmlns:a16="http://schemas.microsoft.com/office/drawing/2014/main" id="{70E81F30-8FC8-4841-8404-4DC79218B945}"/>
               </a:ext>
             </a:extLst>
           </p:cNvPr>
@@ -25020,7 +25024,7 @@
           <p:cNvPr id="25" name="Rectangle: Rounded Corners 24">
             <a:extLst>
               <a:ext uri="{FF2B5EF4-FFF2-40B4-BE49-F238E27FC236}">
-                <a16:creationId xmlns:a16="http://schemas.microsoft.com/office/drawing/2014/main" xmlns="" id="{83D29F65-481C-4C80-BB65-121E5AED26B5}"/>
+                <a16:creationId xmlns="" xmlns:a16="http://schemas.microsoft.com/office/drawing/2014/main" id="{83D29F65-481C-4C80-BB65-121E5AED26B5}"/>
               </a:ext>
             </a:extLst>
           </p:cNvPr>
@@ -25074,7 +25078,7 @@
           <p:cNvPr id="9" name="Rectangle 8">
             <a:extLst>
               <a:ext uri="{FF2B5EF4-FFF2-40B4-BE49-F238E27FC236}">
-                <a16:creationId xmlns:a16="http://schemas.microsoft.com/office/drawing/2014/main" xmlns="" id="{4BC39664-EB8B-4A32-915A-D4308F792772}"/>
+                <a16:creationId xmlns="" xmlns:a16="http://schemas.microsoft.com/office/drawing/2014/main" id="{4BC39664-EB8B-4A32-915A-D4308F792772}"/>
               </a:ext>
             </a:extLst>
           </p:cNvPr>
@@ -25126,7 +25130,7 @@
           <p:cNvPr id="15" name="Rectangle 14">
             <a:extLst>
               <a:ext uri="{FF2B5EF4-FFF2-40B4-BE49-F238E27FC236}">
-                <a16:creationId xmlns:a16="http://schemas.microsoft.com/office/drawing/2014/main" xmlns="" id="{AC6C03AE-289A-4BCC-971C-3400028C8764}"/>
+                <a16:creationId xmlns="" xmlns:a16="http://schemas.microsoft.com/office/drawing/2014/main" id="{AC6C03AE-289A-4BCC-971C-3400028C8764}"/>
               </a:ext>
             </a:extLst>
           </p:cNvPr>
@@ -25192,7 +25196,7 @@
           <p:cNvPr id="2" name="Title Placeholder 1">
             <a:extLst>
               <a:ext uri="{FF2B5EF4-FFF2-40B4-BE49-F238E27FC236}">
-                <a16:creationId xmlns:a16="http://schemas.microsoft.com/office/drawing/2014/main" xmlns="" id="{090F41A2-6535-4CA6-81E4-026A5B56D9D7}"/>
+                <a16:creationId xmlns="" xmlns:a16="http://schemas.microsoft.com/office/drawing/2014/main" id="{090F41A2-6535-4CA6-81E4-026A5B56D9D7}"/>
               </a:ext>
             </a:extLst>
           </p:cNvPr>
@@ -25230,7 +25234,7 @@
           <p:cNvPr id="3" name="Text Placeholder 2">
             <a:extLst>
               <a:ext uri="{FF2B5EF4-FFF2-40B4-BE49-F238E27FC236}">
-                <a16:creationId xmlns:a16="http://schemas.microsoft.com/office/drawing/2014/main" xmlns="" id="{213AB95C-7DD4-4796-80E4-1B7466A2A037}"/>
+                <a16:creationId xmlns="" xmlns:a16="http://schemas.microsoft.com/office/drawing/2014/main" id="{213AB95C-7DD4-4796-80E4-1B7466A2A037}"/>
               </a:ext>
             </a:extLst>
           </p:cNvPr>
@@ -25298,7 +25302,7 @@
           <p:cNvPr id="5" name="Footer Placeholder 4">
             <a:extLst>
               <a:ext uri="{FF2B5EF4-FFF2-40B4-BE49-F238E27FC236}">
-                <a16:creationId xmlns:a16="http://schemas.microsoft.com/office/drawing/2014/main" xmlns="" id="{58879C91-B77F-4273-9A27-A3535FB889DB}"/>
+                <a16:creationId xmlns="" xmlns:a16="http://schemas.microsoft.com/office/drawing/2014/main" id="{58879C91-B77F-4273-9A27-A3535FB889DB}"/>
               </a:ext>
             </a:extLst>
           </p:cNvPr>
@@ -25346,7 +25350,7 @@
           <p:cNvPr id="6" name="Slide Number Placeholder 5">
             <a:extLst>
               <a:ext uri="{FF2B5EF4-FFF2-40B4-BE49-F238E27FC236}">
-                <a16:creationId xmlns:a16="http://schemas.microsoft.com/office/drawing/2014/main" xmlns="" id="{5ECA3099-A94F-4C3E-BC29-780EDD38F722}"/>
+                <a16:creationId xmlns="" xmlns:a16="http://schemas.microsoft.com/office/drawing/2014/main" id="{5ECA3099-A94F-4C3E-BC29-780EDD38F722}"/>
               </a:ext>
             </a:extLst>
           </p:cNvPr>
@@ -25776,7 +25780,7 @@
           <p:cNvPr id="7" name="Picture Placeholder 6" descr="Slide image">
             <a:extLst>
               <a:ext uri="{FF2B5EF4-FFF2-40B4-BE49-F238E27FC236}">
-                <a16:creationId xmlns:a16="http://schemas.microsoft.com/office/drawing/2014/main" xmlns="" id="{FE5D908F-BAEF-2843-BC2F-691696E72E11}"/>
+                <a16:creationId xmlns="" xmlns:a16="http://schemas.microsoft.com/office/drawing/2014/main" id="{FE5D908F-BAEF-2843-BC2F-691696E72E11}"/>
               </a:ext>
             </a:extLst>
           </p:cNvPr>
@@ -25807,10 +25811,10 @@
           <p:cNvPr id="25" name="TextBox 24">
             <a:extLst>
               <a:ext uri="{FF2B5EF4-FFF2-40B4-BE49-F238E27FC236}">
-                <a16:creationId xmlns:a16="http://schemas.microsoft.com/office/drawing/2014/main" xmlns="" id="{7EF238CB-AB58-4787-8F9C-A1C16929A2FA}"/>
+                <a16:creationId xmlns="" xmlns:a16="http://schemas.microsoft.com/office/drawing/2014/main" id="{7EF238CB-AB58-4787-8F9C-A1C16929A2FA}"/>
               </a:ext>
               <a:ext uri="{C183D7F6-B498-43B3-948B-1728B52AA6E4}">
-                <adec:decorative xmlns:adec="http://schemas.microsoft.com/office/drawing/2017/decorative" xmlns="" val="1"/>
+                <adec:decorative xmlns="" xmlns:adec="http://schemas.microsoft.com/office/drawing/2017/decorative" val="1"/>
               </a:ext>
             </a:extLst>
           </p:cNvPr>
@@ -25948,7 +25952,7 @@
           <p:cNvPr id="3" name="Title 2">
             <a:extLst>
               <a:ext uri="{FF2B5EF4-FFF2-40B4-BE49-F238E27FC236}">
-                <a16:creationId xmlns:a16="http://schemas.microsoft.com/office/drawing/2014/main" xmlns="" id="{200B3D2B-613A-41BE-987D-E6A1324B456D}"/>
+                <a16:creationId xmlns="" xmlns:a16="http://schemas.microsoft.com/office/drawing/2014/main" id="{200B3D2B-613A-41BE-987D-E6A1324B456D}"/>
               </a:ext>
             </a:extLst>
           </p:cNvPr>
@@ -26004,7 +26008,7 @@
           <p:cNvPr id="4" name="Subtitle 3">
             <a:extLst>
               <a:ext uri="{FF2B5EF4-FFF2-40B4-BE49-F238E27FC236}">
-                <a16:creationId xmlns:a16="http://schemas.microsoft.com/office/drawing/2014/main" xmlns="" id="{4772945D-CA91-4CFE-8EB7-941C7618C994}"/>
+                <a16:creationId xmlns="" xmlns:a16="http://schemas.microsoft.com/office/drawing/2014/main" id="{4772945D-CA91-4CFE-8EB7-941C7618C994}"/>
               </a:ext>
             </a:extLst>
           </p:cNvPr>
@@ -26037,10 +26041,10 @@
           <p:cNvPr id="20" name="Isosceles Triangle 19">
             <a:extLst>
               <a:ext uri="{FF2B5EF4-FFF2-40B4-BE49-F238E27FC236}">
-                <a16:creationId xmlns:a16="http://schemas.microsoft.com/office/drawing/2014/main" xmlns="" id="{545D50A1-D634-4325-B06C-5450FDF7B818}"/>
+                <a16:creationId xmlns="" xmlns:a16="http://schemas.microsoft.com/office/drawing/2014/main" id="{545D50A1-D634-4325-B06C-5450FDF7B818}"/>
               </a:ext>
               <a:ext uri="{C183D7F6-B498-43B3-948B-1728B52AA6E4}">
-                <adec:decorative xmlns:adec="http://schemas.microsoft.com/office/drawing/2017/decorative" xmlns="" val="1"/>
+                <adec:decorative xmlns="" xmlns:adec="http://schemas.microsoft.com/office/drawing/2017/decorative" val="1"/>
               </a:ext>
             </a:extLst>
           </p:cNvPr>
@@ -26115,6 +26119,1619 @@
 </file>
 
 <file path=ppt/slides/slide10.xml><?xml version="1.0" encoding="utf-8"?>
+<p:sld xmlns:a="http://schemas.openxmlformats.org/drawingml/2006/main" xmlns:r="http://schemas.openxmlformats.org/officeDocument/2006/relationships" xmlns:p="http://schemas.openxmlformats.org/presentationml/2006/main">
+  <p:cSld>
+    <p:spTree>
+      <p:nvGrpSpPr>
+        <p:cNvPr id="1" name=""/>
+        <p:cNvGrpSpPr/>
+        <p:nvPr/>
+      </p:nvGrpSpPr>
+      <p:grpSpPr>
+        <a:xfrm>
+          <a:off x="0" y="0"/>
+          <a:ext cx="0" cy="0"/>
+          <a:chOff x="0" y="0"/>
+          <a:chExt cx="0" cy="0"/>
+        </a:xfrm>
+      </p:grpSpPr>
+      <p:sp>
+        <p:nvSpPr>
+          <p:cNvPr id="2" name="Title 1">
+            <a:extLst>
+              <a:ext uri="{FF2B5EF4-FFF2-40B4-BE49-F238E27FC236}">
+                <a16:creationId xmlns="" xmlns:a16="http://schemas.microsoft.com/office/drawing/2014/main" id="{AEA5083B-CC27-4F1C-AD03-E3DBEC1C9E78}"/>
+              </a:ext>
+            </a:extLst>
+          </p:cNvPr>
+          <p:cNvSpPr>
+            <a:spLocks noGrp="1"/>
+          </p:cNvSpPr>
+          <p:nvPr>
+            <p:ph type="title"/>
+          </p:nvPr>
+        </p:nvSpPr>
+        <p:spPr/>
+        <p:txBody>
+          <a:bodyPr/>
+          <a:lstStyle/>
+          <a:p>
+            <a:r>
+              <a:rPr lang="en-US" dirty="0"/>
+              <a:t>Our Promise</a:t>
+            </a:r>
+          </a:p>
+        </p:txBody>
+      </p:sp>
+      <p:sp>
+        <p:nvSpPr>
+          <p:cNvPr id="3" name="Text Placeholder 2">
+            <a:extLst>
+              <a:ext uri="{FF2B5EF4-FFF2-40B4-BE49-F238E27FC236}">
+                <a16:creationId xmlns="" xmlns:a16="http://schemas.microsoft.com/office/drawing/2014/main" id="{97C06D93-65F2-4552-88CF-83318CBE2CFC}"/>
+              </a:ext>
+            </a:extLst>
+          </p:cNvPr>
+          <p:cNvSpPr>
+            <a:spLocks noGrp="1"/>
+          </p:cNvSpPr>
+          <p:nvPr>
+            <p:ph type="body" sz="quarter" idx="32"/>
+          </p:nvPr>
+        </p:nvSpPr>
+        <p:spPr/>
+        <p:txBody>
+          <a:bodyPr/>
+          <a:lstStyle/>
+          <a:p>
+            <a:r>
+              <a:rPr lang="en-US" dirty="0"/>
+              <a:t>Lorem ipsum dolor sit amet, consectetur adipiscing elit. Etiam aliquet eu mi quis lacinia. Ut fermentum a magna ut.</a:t>
+            </a:r>
+          </a:p>
+        </p:txBody>
+      </p:sp>
+      <p:sp>
+        <p:nvSpPr>
+          <p:cNvPr id="29" name="Content Placeholder 28">
+            <a:extLst>
+              <a:ext uri="{FF2B5EF4-FFF2-40B4-BE49-F238E27FC236}">
+                <a16:creationId xmlns="" xmlns:a16="http://schemas.microsoft.com/office/drawing/2014/main" id="{07FF37F8-D747-444C-8664-2DF836965C77}"/>
+              </a:ext>
+            </a:extLst>
+          </p:cNvPr>
+          <p:cNvSpPr>
+            <a:spLocks noGrp="1"/>
+          </p:cNvSpPr>
+          <p:nvPr>
+            <p:ph sz="half" idx="1"/>
+          </p:nvPr>
+        </p:nvSpPr>
+        <p:spPr>
+          <a:xfrm>
+            <a:off x="432000" y="2556000"/>
+            <a:ext cx="5472000" cy="3600000"/>
+          </a:xfrm>
+        </p:spPr>
+        <p:txBody>
+          <a:bodyPr/>
+          <a:lstStyle/>
+          <a:p>
+            <a:pPr marL="0" indent="0">
+              <a:buNone/>
+            </a:pPr>
+            <a:r>
+              <a:rPr lang="en-US" sz="2800" dirty="0"/>
+              <a:t>Lorem ipsum dolor sit amet, consectetur adipiscing elit. </a:t>
+            </a:r>
+          </a:p>
+          <a:p>
+            <a:r>
+              <a:rPr lang="en-US" dirty="0"/>
+              <a:t>Ut fermentum a magna ut eleifend. Integer convallis suscipit ante eu varius. </a:t>
+            </a:r>
+          </a:p>
+          <a:p>
+            <a:r>
+              <a:rPr lang="en-US" dirty="0"/>
+              <a:t>Morbi a purus dolor. Suspendisse sit amet ipsum finibus justo viverra blandit. </a:t>
+            </a:r>
+          </a:p>
+          <a:p>
+            <a:r>
+              <a:rPr lang="en-US" dirty="0"/>
+              <a:t>Ut congue quis tortor eget sodales. </a:t>
+            </a:r>
+          </a:p>
+        </p:txBody>
+      </p:sp>
+      <p:pic>
+        <p:nvPicPr>
+          <p:cNvPr id="8" name="Picture Placeholder 7">
+            <a:extLst>
+              <a:ext uri="{FF2B5EF4-FFF2-40B4-BE49-F238E27FC236}">
+                <a16:creationId xmlns="" xmlns:a16="http://schemas.microsoft.com/office/drawing/2014/main" id="{C6CDA85C-88C0-6444-B1E8-D661956A20E8}"/>
+              </a:ext>
+            </a:extLst>
+          </p:cNvPr>
+          <p:cNvPicPr>
+            <a:picLocks noGrp="1" noChangeAspect="1"/>
+          </p:cNvPicPr>
+          <p:nvPr>
+            <p:ph type="pic" sz="quarter" idx="36"/>
+          </p:nvPr>
+        </p:nvPicPr>
+        <p:blipFill>
+          <a:blip r:embed="rId2">
+            <a:extLst>
+              <a:ext uri="{28A0092B-C50C-407E-A947-70E740481C1C}">
+                <a14:useLocalDpi xmlns:a14="http://schemas.microsoft.com/office/drawing/2010/main" val="0"/>
+              </a:ext>
+            </a:extLst>
+          </a:blip>
+          <a:stretch>
+            <a:fillRect/>
+          </a:stretch>
+        </p:blipFill>
+        <p:spPr>
+          <a:xfrm>
+            <a:off x="-104962" y="10758"/>
+            <a:ext cx="12017525" cy="6858000"/>
+          </a:xfrm>
+        </p:spPr>
+      </p:pic>
+      <p:sp>
+        <p:nvSpPr>
+          <p:cNvPr id="66" name="Freeform 5">
+            <a:extLst>
+              <a:ext uri="{FF2B5EF4-FFF2-40B4-BE49-F238E27FC236}">
+                <a16:creationId xmlns="" xmlns:a16="http://schemas.microsoft.com/office/drawing/2014/main" id="{3EEE5409-3F6C-485D-B4C2-5247917F1018}"/>
+              </a:ext>
+              <a:ext uri="{C183D7F6-B498-43B3-948B-1728B52AA6E4}">
+                <adec:decorative xmlns="" xmlns:adec="http://schemas.microsoft.com/office/drawing/2017/decorative" val="1"/>
+              </a:ext>
+            </a:extLst>
+          </p:cNvPr>
+          <p:cNvSpPr>
+            <a:spLocks noChangeAspect="1"/>
+          </p:cNvSpPr>
+          <p:nvPr/>
+        </p:nvSpPr>
+        <p:spPr bwMode="auto">
+          <a:xfrm>
+            <a:off x="5363366" y="4974898"/>
+            <a:ext cx="1838651" cy="1613506"/>
+          </a:xfrm>
+          <a:custGeom>
+            <a:avLst/>
+            <a:gdLst>
+              <a:gd name="T0" fmla="*/ 781 w 1099"/>
+              <a:gd name="T1" fmla="*/ 0 h 968"/>
+              <a:gd name="T2" fmla="*/ 318 w 1099"/>
+              <a:gd name="T3" fmla="*/ 0 h 968"/>
+              <a:gd name="T4" fmla="*/ 246 w 1099"/>
+              <a:gd name="T5" fmla="*/ 42 h 968"/>
+              <a:gd name="T6" fmla="*/ 15 w 1099"/>
+              <a:gd name="T7" fmla="*/ 443 h 968"/>
+              <a:gd name="T8" fmla="*/ 15 w 1099"/>
+              <a:gd name="T9" fmla="*/ 525 h 968"/>
+              <a:gd name="T10" fmla="*/ 246 w 1099"/>
+              <a:gd name="T11" fmla="*/ 926 h 968"/>
+              <a:gd name="T12" fmla="*/ 318 w 1099"/>
+              <a:gd name="T13" fmla="*/ 968 h 968"/>
+              <a:gd name="T14" fmla="*/ 781 w 1099"/>
+              <a:gd name="T15" fmla="*/ 968 h 968"/>
+              <a:gd name="T16" fmla="*/ 852 w 1099"/>
+              <a:gd name="T17" fmla="*/ 926 h 968"/>
+              <a:gd name="T18" fmla="*/ 1084 w 1099"/>
+              <a:gd name="T19" fmla="*/ 525 h 968"/>
+              <a:gd name="T20" fmla="*/ 1084 w 1099"/>
+              <a:gd name="T21" fmla="*/ 443 h 968"/>
+              <a:gd name="T22" fmla="*/ 852 w 1099"/>
+              <a:gd name="T23" fmla="*/ 42 h 968"/>
+              <a:gd name="T24" fmla="*/ 781 w 1099"/>
+              <a:gd name="T25" fmla="*/ 0 h 968"/>
+            </a:gdLst>
+            <a:ahLst/>
+            <a:cxnLst>
+              <a:cxn ang="0">
+                <a:pos x="T0" y="T1"/>
+              </a:cxn>
+              <a:cxn ang="0">
+                <a:pos x="T2" y="T3"/>
+              </a:cxn>
+              <a:cxn ang="0">
+                <a:pos x="T4" y="T5"/>
+              </a:cxn>
+              <a:cxn ang="0">
+                <a:pos x="T6" y="T7"/>
+              </a:cxn>
+              <a:cxn ang="0">
+                <a:pos x="T8" y="T9"/>
+              </a:cxn>
+              <a:cxn ang="0">
+                <a:pos x="T10" y="T11"/>
+              </a:cxn>
+              <a:cxn ang="0">
+                <a:pos x="T12" y="T13"/>
+              </a:cxn>
+              <a:cxn ang="0">
+                <a:pos x="T14" y="T15"/>
+              </a:cxn>
+              <a:cxn ang="0">
+                <a:pos x="T16" y="T17"/>
+              </a:cxn>
+              <a:cxn ang="0">
+                <a:pos x="T18" y="T19"/>
+              </a:cxn>
+              <a:cxn ang="0">
+                <a:pos x="T20" y="T21"/>
+              </a:cxn>
+              <a:cxn ang="0">
+                <a:pos x="T22" y="T23"/>
+              </a:cxn>
+              <a:cxn ang="0">
+                <a:pos x="T24" y="T25"/>
+              </a:cxn>
+            </a:cxnLst>
+            <a:rect l="0" t="0" r="r" b="b"/>
+            <a:pathLst>
+              <a:path w="1099" h="968">
+                <a:moveTo>
+                  <a:pt x="781" y="0"/>
+                </a:moveTo>
+                <a:cubicBezTo>
+                  <a:pt x="318" y="0"/>
+                  <a:pt x="318" y="0"/>
+                  <a:pt x="318" y="0"/>
+                </a:cubicBezTo>
+                <a:cubicBezTo>
+                  <a:pt x="288" y="0"/>
+                  <a:pt x="261" y="16"/>
+                  <a:pt x="246" y="42"/>
+                </a:cubicBezTo>
+                <a:cubicBezTo>
+                  <a:pt x="15" y="443"/>
+                  <a:pt x="15" y="443"/>
+                  <a:pt x="15" y="443"/>
+                </a:cubicBezTo>
+                <a:cubicBezTo>
+                  <a:pt x="0" y="468"/>
+                  <a:pt x="0" y="500"/>
+                  <a:pt x="15" y="525"/>
+                </a:cubicBezTo>
+                <a:cubicBezTo>
+                  <a:pt x="246" y="926"/>
+                  <a:pt x="246" y="926"/>
+                  <a:pt x="246" y="926"/>
+                </a:cubicBezTo>
+                <a:cubicBezTo>
+                  <a:pt x="261" y="952"/>
+                  <a:pt x="288" y="968"/>
+                  <a:pt x="318" y="968"/>
+                </a:cubicBezTo>
+                <a:cubicBezTo>
+                  <a:pt x="781" y="968"/>
+                  <a:pt x="781" y="968"/>
+                  <a:pt x="781" y="968"/>
+                </a:cubicBezTo>
+                <a:cubicBezTo>
+                  <a:pt x="810" y="968"/>
+                  <a:pt x="838" y="952"/>
+                  <a:pt x="852" y="926"/>
+                </a:cubicBezTo>
+                <a:cubicBezTo>
+                  <a:pt x="1084" y="525"/>
+                  <a:pt x="1084" y="525"/>
+                  <a:pt x="1084" y="525"/>
+                </a:cubicBezTo>
+                <a:cubicBezTo>
+                  <a:pt x="1099" y="500"/>
+                  <a:pt x="1099" y="468"/>
+                  <a:pt x="1084" y="443"/>
+                </a:cubicBezTo>
+                <a:cubicBezTo>
+                  <a:pt x="852" y="42"/>
+                  <a:pt x="852" y="42"/>
+                  <a:pt x="852" y="42"/>
+                </a:cubicBezTo>
+                <a:cubicBezTo>
+                  <a:pt x="838" y="16"/>
+                  <a:pt x="810" y="0"/>
+                  <a:pt x="781" y="0"/>
+                </a:cubicBezTo>
+                <a:close/>
+              </a:path>
+            </a:pathLst>
+          </a:custGeom>
+          <a:noFill/>
+          <a:ln w="63500" cap="flat">
+            <a:solidFill>
+              <a:schemeClr val="bg1"/>
+            </a:solidFill>
+            <a:prstDash val="solid"/>
+            <a:miter lim="800000"/>
+            <a:headEnd/>
+            <a:tailEnd/>
+          </a:ln>
+        </p:spPr>
+        <p:txBody>
+          <a:bodyPr vert="horz" wrap="square" lIns="91440" tIns="45720" rIns="91440" bIns="45720" numCol="1" anchor="t" anchorCtr="0" compatLnSpc="1">
+            <a:prstTxWarp prst="textNoShape">
+              <a:avLst/>
+            </a:prstTxWarp>
+          </a:bodyPr>
+          <a:lstStyle/>
+          <a:p>
+            <a:endParaRPr lang="en-US" dirty="0"/>
+          </a:p>
+        </p:txBody>
+      </p:sp>
+      <p:sp>
+        <p:nvSpPr>
+          <p:cNvPr id="67" name="Freeform 5">
+            <a:extLst>
+              <a:ext uri="{FF2B5EF4-FFF2-40B4-BE49-F238E27FC236}">
+                <a16:creationId xmlns="" xmlns:a16="http://schemas.microsoft.com/office/drawing/2014/main" id="{0D74D4D5-6A4C-4248-8A92-B8CA1C918EB6}"/>
+              </a:ext>
+              <a:ext uri="{C183D7F6-B498-43B3-948B-1728B52AA6E4}">
+                <adec:decorative xmlns="" xmlns:adec="http://schemas.microsoft.com/office/drawing/2017/decorative" val="1"/>
+              </a:ext>
+            </a:extLst>
+          </p:cNvPr>
+          <p:cNvSpPr>
+            <a:spLocks noChangeAspect="1"/>
+          </p:cNvSpPr>
+          <p:nvPr/>
+        </p:nvSpPr>
+        <p:spPr bwMode="auto">
+          <a:xfrm>
+            <a:off x="6650080" y="4752199"/>
+            <a:ext cx="1103873" cy="968702"/>
+          </a:xfrm>
+          <a:custGeom>
+            <a:avLst/>
+            <a:gdLst>
+              <a:gd name="T0" fmla="*/ 781 w 1099"/>
+              <a:gd name="T1" fmla="*/ 0 h 968"/>
+              <a:gd name="T2" fmla="*/ 318 w 1099"/>
+              <a:gd name="T3" fmla="*/ 0 h 968"/>
+              <a:gd name="T4" fmla="*/ 246 w 1099"/>
+              <a:gd name="T5" fmla="*/ 42 h 968"/>
+              <a:gd name="T6" fmla="*/ 15 w 1099"/>
+              <a:gd name="T7" fmla="*/ 443 h 968"/>
+              <a:gd name="T8" fmla="*/ 15 w 1099"/>
+              <a:gd name="T9" fmla="*/ 525 h 968"/>
+              <a:gd name="T10" fmla="*/ 246 w 1099"/>
+              <a:gd name="T11" fmla="*/ 926 h 968"/>
+              <a:gd name="T12" fmla="*/ 318 w 1099"/>
+              <a:gd name="T13" fmla="*/ 968 h 968"/>
+              <a:gd name="T14" fmla="*/ 781 w 1099"/>
+              <a:gd name="T15" fmla="*/ 968 h 968"/>
+              <a:gd name="T16" fmla="*/ 852 w 1099"/>
+              <a:gd name="T17" fmla="*/ 926 h 968"/>
+              <a:gd name="T18" fmla="*/ 1084 w 1099"/>
+              <a:gd name="T19" fmla="*/ 525 h 968"/>
+              <a:gd name="T20" fmla="*/ 1084 w 1099"/>
+              <a:gd name="T21" fmla="*/ 443 h 968"/>
+              <a:gd name="T22" fmla="*/ 852 w 1099"/>
+              <a:gd name="T23" fmla="*/ 42 h 968"/>
+              <a:gd name="T24" fmla="*/ 781 w 1099"/>
+              <a:gd name="T25" fmla="*/ 0 h 968"/>
+            </a:gdLst>
+            <a:ahLst/>
+            <a:cxnLst>
+              <a:cxn ang="0">
+                <a:pos x="T0" y="T1"/>
+              </a:cxn>
+              <a:cxn ang="0">
+                <a:pos x="T2" y="T3"/>
+              </a:cxn>
+              <a:cxn ang="0">
+                <a:pos x="T4" y="T5"/>
+              </a:cxn>
+              <a:cxn ang="0">
+                <a:pos x="T6" y="T7"/>
+              </a:cxn>
+              <a:cxn ang="0">
+                <a:pos x="T8" y="T9"/>
+              </a:cxn>
+              <a:cxn ang="0">
+                <a:pos x="T10" y="T11"/>
+              </a:cxn>
+              <a:cxn ang="0">
+                <a:pos x="T12" y="T13"/>
+              </a:cxn>
+              <a:cxn ang="0">
+                <a:pos x="T14" y="T15"/>
+              </a:cxn>
+              <a:cxn ang="0">
+                <a:pos x="T16" y="T17"/>
+              </a:cxn>
+              <a:cxn ang="0">
+                <a:pos x="T18" y="T19"/>
+              </a:cxn>
+              <a:cxn ang="0">
+                <a:pos x="T20" y="T21"/>
+              </a:cxn>
+              <a:cxn ang="0">
+                <a:pos x="T22" y="T23"/>
+              </a:cxn>
+              <a:cxn ang="0">
+                <a:pos x="T24" y="T25"/>
+              </a:cxn>
+            </a:cxnLst>
+            <a:rect l="0" t="0" r="r" b="b"/>
+            <a:pathLst>
+              <a:path w="1099" h="968">
+                <a:moveTo>
+                  <a:pt x="781" y="0"/>
+                </a:moveTo>
+                <a:cubicBezTo>
+                  <a:pt x="318" y="0"/>
+                  <a:pt x="318" y="0"/>
+                  <a:pt x="318" y="0"/>
+                </a:cubicBezTo>
+                <a:cubicBezTo>
+                  <a:pt x="288" y="0"/>
+                  <a:pt x="261" y="16"/>
+                  <a:pt x="246" y="42"/>
+                </a:cubicBezTo>
+                <a:cubicBezTo>
+                  <a:pt x="15" y="443"/>
+                  <a:pt x="15" y="443"/>
+                  <a:pt x="15" y="443"/>
+                </a:cubicBezTo>
+                <a:cubicBezTo>
+                  <a:pt x="0" y="468"/>
+                  <a:pt x="0" y="500"/>
+                  <a:pt x="15" y="525"/>
+                </a:cubicBezTo>
+                <a:cubicBezTo>
+                  <a:pt x="246" y="926"/>
+                  <a:pt x="246" y="926"/>
+                  <a:pt x="246" y="926"/>
+                </a:cubicBezTo>
+                <a:cubicBezTo>
+                  <a:pt x="261" y="952"/>
+                  <a:pt x="288" y="968"/>
+                  <a:pt x="318" y="968"/>
+                </a:cubicBezTo>
+                <a:cubicBezTo>
+                  <a:pt x="781" y="968"/>
+                  <a:pt x="781" y="968"/>
+                  <a:pt x="781" y="968"/>
+                </a:cubicBezTo>
+                <a:cubicBezTo>
+                  <a:pt x="810" y="968"/>
+                  <a:pt x="838" y="952"/>
+                  <a:pt x="852" y="926"/>
+                </a:cubicBezTo>
+                <a:cubicBezTo>
+                  <a:pt x="1084" y="525"/>
+                  <a:pt x="1084" y="525"/>
+                  <a:pt x="1084" y="525"/>
+                </a:cubicBezTo>
+                <a:cubicBezTo>
+                  <a:pt x="1099" y="500"/>
+                  <a:pt x="1099" y="468"/>
+                  <a:pt x="1084" y="443"/>
+                </a:cubicBezTo>
+                <a:cubicBezTo>
+                  <a:pt x="852" y="42"/>
+                  <a:pt x="852" y="42"/>
+                  <a:pt x="852" y="42"/>
+                </a:cubicBezTo>
+                <a:cubicBezTo>
+                  <a:pt x="838" y="16"/>
+                  <a:pt x="810" y="0"/>
+                  <a:pt x="781" y="0"/>
+                </a:cubicBezTo>
+                <a:close/>
+              </a:path>
+            </a:pathLst>
+          </a:custGeom>
+          <a:solidFill>
+            <a:schemeClr val="accent1"/>
+          </a:solidFill>
+          <a:ln w="63500" cap="flat">
+            <a:noFill/>
+            <a:prstDash val="solid"/>
+            <a:miter lim="800000"/>
+            <a:headEnd/>
+            <a:tailEnd/>
+          </a:ln>
+        </p:spPr>
+        <p:txBody>
+          <a:bodyPr vert="horz" wrap="square" lIns="91440" tIns="45720" rIns="91440" bIns="45720" numCol="1" anchor="t" anchorCtr="0" compatLnSpc="1">
+            <a:prstTxWarp prst="textNoShape">
+              <a:avLst/>
+            </a:prstTxWarp>
+          </a:bodyPr>
+          <a:lstStyle/>
+          <a:p>
+            <a:endParaRPr lang="en-US" dirty="0"/>
+          </a:p>
+        </p:txBody>
+      </p:sp>
+      <p:sp>
+        <p:nvSpPr>
+          <p:cNvPr id="6" name="Slide Number Placeholder 5">
+            <a:extLst>
+              <a:ext uri="{FF2B5EF4-FFF2-40B4-BE49-F238E27FC236}">
+                <a16:creationId xmlns="" xmlns:a16="http://schemas.microsoft.com/office/drawing/2014/main" id="{46D051DA-5DAD-43A7-A238-51C63BA59FEC}"/>
+              </a:ext>
+            </a:extLst>
+          </p:cNvPr>
+          <p:cNvSpPr>
+            <a:spLocks noGrp="1"/>
+          </p:cNvSpPr>
+          <p:nvPr>
+            <p:ph type="sldNum" sz="quarter" idx="33"/>
+          </p:nvPr>
+        </p:nvSpPr>
+        <p:spPr/>
+        <p:txBody>
+          <a:bodyPr/>
+          <a:lstStyle/>
+          <a:p>
+            <a:fld id="{19B51A1E-902D-48AF-9020-955120F399B6}" type="slidenum">
+              <a:rPr lang="en-US" smtClean="0"/>
+              <a:pPr/>
+              <a:t>10</a:t>
+            </a:fld>
+            <a:endParaRPr lang="en-US" dirty="0"/>
+          </a:p>
+        </p:txBody>
+      </p:sp>
+      <p:sp>
+        <p:nvSpPr>
+          <p:cNvPr id="10" name="Freeform 5" descr="Hollow accent block">
+            <a:extLst>
+              <a:ext uri="{FF2B5EF4-FFF2-40B4-BE49-F238E27FC236}">
+                <a16:creationId xmlns="" xmlns:a16="http://schemas.microsoft.com/office/drawing/2014/main" id="{E0D7A780-33BC-4E68-9763-AB62376D5024}"/>
+              </a:ext>
+              <a:ext uri="{C183D7F6-B498-43B3-948B-1728B52AA6E4}">
+                <adec:decorative xmlns="" xmlns:adec="http://schemas.microsoft.com/office/drawing/2017/decorative" val="1"/>
+              </a:ext>
+            </a:extLst>
+          </p:cNvPr>
+          <p:cNvSpPr>
+            <a:spLocks noChangeAspect="1"/>
+          </p:cNvSpPr>
+          <p:nvPr/>
+        </p:nvSpPr>
+        <p:spPr bwMode="auto">
+          <a:xfrm>
+            <a:off x="366382" y="2556000"/>
+            <a:ext cx="5468329" cy="4126822"/>
+          </a:xfrm>
+          <a:custGeom>
+            <a:avLst/>
+            <a:gdLst>
+              <a:gd name="T0" fmla="*/ 781 w 1099"/>
+              <a:gd name="T1" fmla="*/ 0 h 968"/>
+              <a:gd name="T2" fmla="*/ 318 w 1099"/>
+              <a:gd name="T3" fmla="*/ 0 h 968"/>
+              <a:gd name="T4" fmla="*/ 246 w 1099"/>
+              <a:gd name="T5" fmla="*/ 42 h 968"/>
+              <a:gd name="T6" fmla="*/ 15 w 1099"/>
+              <a:gd name="T7" fmla="*/ 443 h 968"/>
+              <a:gd name="T8" fmla="*/ 15 w 1099"/>
+              <a:gd name="T9" fmla="*/ 525 h 968"/>
+              <a:gd name="T10" fmla="*/ 246 w 1099"/>
+              <a:gd name="T11" fmla="*/ 926 h 968"/>
+              <a:gd name="T12" fmla="*/ 318 w 1099"/>
+              <a:gd name="T13" fmla="*/ 968 h 968"/>
+              <a:gd name="T14" fmla="*/ 781 w 1099"/>
+              <a:gd name="T15" fmla="*/ 968 h 968"/>
+              <a:gd name="T16" fmla="*/ 852 w 1099"/>
+              <a:gd name="T17" fmla="*/ 926 h 968"/>
+              <a:gd name="T18" fmla="*/ 1084 w 1099"/>
+              <a:gd name="T19" fmla="*/ 525 h 968"/>
+              <a:gd name="T20" fmla="*/ 1084 w 1099"/>
+              <a:gd name="T21" fmla="*/ 443 h 968"/>
+              <a:gd name="T22" fmla="*/ 852 w 1099"/>
+              <a:gd name="T23" fmla="*/ 42 h 968"/>
+              <a:gd name="T24" fmla="*/ 781 w 1099"/>
+              <a:gd name="T25" fmla="*/ 0 h 968"/>
+            </a:gdLst>
+            <a:ahLst/>
+            <a:cxnLst>
+              <a:cxn ang="0">
+                <a:pos x="T0" y="T1"/>
+              </a:cxn>
+              <a:cxn ang="0">
+                <a:pos x="T2" y="T3"/>
+              </a:cxn>
+              <a:cxn ang="0">
+                <a:pos x="T4" y="T5"/>
+              </a:cxn>
+              <a:cxn ang="0">
+                <a:pos x="T6" y="T7"/>
+              </a:cxn>
+              <a:cxn ang="0">
+                <a:pos x="T8" y="T9"/>
+              </a:cxn>
+              <a:cxn ang="0">
+                <a:pos x="T10" y="T11"/>
+              </a:cxn>
+              <a:cxn ang="0">
+                <a:pos x="T12" y="T13"/>
+              </a:cxn>
+              <a:cxn ang="0">
+                <a:pos x="T14" y="T15"/>
+              </a:cxn>
+              <a:cxn ang="0">
+                <a:pos x="T16" y="T17"/>
+              </a:cxn>
+              <a:cxn ang="0">
+                <a:pos x="T18" y="T19"/>
+              </a:cxn>
+              <a:cxn ang="0">
+                <a:pos x="T20" y="T21"/>
+              </a:cxn>
+              <a:cxn ang="0">
+                <a:pos x="T22" y="T23"/>
+              </a:cxn>
+              <a:cxn ang="0">
+                <a:pos x="T24" y="T25"/>
+              </a:cxn>
+            </a:cxnLst>
+            <a:rect l="0" t="0" r="r" b="b"/>
+            <a:pathLst>
+              <a:path w="1099" h="968">
+                <a:moveTo>
+                  <a:pt x="781" y="0"/>
+                </a:moveTo>
+                <a:cubicBezTo>
+                  <a:pt x="318" y="0"/>
+                  <a:pt x="318" y="0"/>
+                  <a:pt x="318" y="0"/>
+                </a:cubicBezTo>
+                <a:cubicBezTo>
+                  <a:pt x="288" y="0"/>
+                  <a:pt x="261" y="16"/>
+                  <a:pt x="246" y="42"/>
+                </a:cubicBezTo>
+                <a:cubicBezTo>
+                  <a:pt x="15" y="443"/>
+                  <a:pt x="15" y="443"/>
+                  <a:pt x="15" y="443"/>
+                </a:cubicBezTo>
+                <a:cubicBezTo>
+                  <a:pt x="0" y="468"/>
+                  <a:pt x="0" y="500"/>
+                  <a:pt x="15" y="525"/>
+                </a:cubicBezTo>
+                <a:cubicBezTo>
+                  <a:pt x="246" y="926"/>
+                  <a:pt x="246" y="926"/>
+                  <a:pt x="246" y="926"/>
+                </a:cubicBezTo>
+                <a:cubicBezTo>
+                  <a:pt x="261" y="952"/>
+                  <a:pt x="288" y="968"/>
+                  <a:pt x="318" y="968"/>
+                </a:cubicBezTo>
+                <a:cubicBezTo>
+                  <a:pt x="781" y="968"/>
+                  <a:pt x="781" y="968"/>
+                  <a:pt x="781" y="968"/>
+                </a:cubicBezTo>
+                <a:cubicBezTo>
+                  <a:pt x="810" y="968"/>
+                  <a:pt x="838" y="952"/>
+                  <a:pt x="852" y="926"/>
+                </a:cubicBezTo>
+                <a:cubicBezTo>
+                  <a:pt x="1084" y="525"/>
+                  <a:pt x="1084" y="525"/>
+                  <a:pt x="1084" y="525"/>
+                </a:cubicBezTo>
+                <a:cubicBezTo>
+                  <a:pt x="1099" y="500"/>
+                  <a:pt x="1099" y="468"/>
+                  <a:pt x="1084" y="443"/>
+                </a:cubicBezTo>
+                <a:cubicBezTo>
+                  <a:pt x="852" y="42"/>
+                  <a:pt x="852" y="42"/>
+                  <a:pt x="852" y="42"/>
+                </a:cubicBezTo>
+                <a:cubicBezTo>
+                  <a:pt x="838" y="16"/>
+                  <a:pt x="810" y="0"/>
+                  <a:pt x="781" y="0"/>
+                </a:cubicBezTo>
+                <a:close/>
+              </a:path>
+            </a:pathLst>
+          </a:custGeom>
+          <a:gradFill>
+            <a:gsLst>
+              <a:gs pos="0">
+                <a:schemeClr val="accent1">
+                  <a:lumMod val="67000"/>
+                  <a:alpha val="34000"/>
+                </a:schemeClr>
+              </a:gs>
+              <a:gs pos="48000">
+                <a:schemeClr val="accent1">
+                  <a:lumMod val="97000"/>
+                  <a:lumOff val="3000"/>
+                  <a:alpha val="30000"/>
+                </a:schemeClr>
+              </a:gs>
+              <a:gs pos="100000">
+                <a:schemeClr val="accent1">
+                  <a:lumMod val="60000"/>
+                  <a:lumOff val="40000"/>
+                  <a:alpha val="48000"/>
+                </a:schemeClr>
+              </a:gs>
+            </a:gsLst>
+            <a:lin ang="16200000" scaled="1"/>
+          </a:gradFill>
+          <a:ln>
+            <a:noFill/>
+            <a:headEnd/>
+            <a:tailEnd/>
+          </a:ln>
+        </p:spPr>
+        <p:style>
+          <a:lnRef idx="2">
+            <a:schemeClr val="accent1"/>
+          </a:lnRef>
+          <a:fillRef idx="1">
+            <a:schemeClr val="lt1"/>
+          </a:fillRef>
+          <a:effectRef idx="0">
+            <a:schemeClr val="accent1"/>
+          </a:effectRef>
+          <a:fontRef idx="minor">
+            <a:schemeClr val="dk1"/>
+          </a:fontRef>
+        </p:style>
+        <p:txBody>
+          <a:bodyPr vert="horz" wrap="square" lIns="91440" tIns="45720" rIns="91440" bIns="45720" numCol="1" anchor="t" anchorCtr="0" compatLnSpc="1">
+            <a:prstTxWarp prst="textNoShape">
+              <a:avLst/>
+            </a:prstTxWarp>
+          </a:bodyPr>
+          <a:lstStyle/>
+          <a:p>
+            <a:endParaRPr lang="en-US" dirty="0"/>
+          </a:p>
+        </p:txBody>
+      </p:sp>
+      <p:sp>
+        <p:nvSpPr>
+          <p:cNvPr id="4" name="Rectangle 3"/>
+          <p:cNvSpPr/>
+          <p:nvPr/>
+        </p:nvSpPr>
+        <p:spPr>
+          <a:xfrm>
+            <a:off x="502135" y="3786898"/>
+            <a:ext cx="5331332" cy="1077218"/>
+          </a:xfrm>
+          <a:prstGeom prst="rect">
+            <a:avLst/>
+          </a:prstGeom>
+          <a:noFill/>
+        </p:spPr>
+        <p:txBody>
+          <a:bodyPr wrap="none" lIns="91440" tIns="45720" rIns="91440" bIns="45720">
+            <a:spAutoFit/>
+          </a:bodyPr>
+          <a:lstStyle/>
+          <a:p>
+            <a:pPr algn="ctr"/>
+            <a:r>
+              <a:rPr lang="en-US" sz="2800" cap="none" spc="0" dirty="0" smtClean="0">
+                <a:ln w="0"/>
+                <a:solidFill>
+                  <a:schemeClr val="tx1">
+                    <a:lumMod val="75000"/>
+                    <a:lumOff val="25000"/>
+                  </a:schemeClr>
+                </a:solidFill>
+                <a:effectLst>
+                  <a:outerShdw blurRad="38100" dist="19050" dir="2700000" algn="tl" rotWithShape="0">
+                    <a:schemeClr val="dk1">
+                      <a:alpha val="40000"/>
+                    </a:schemeClr>
+                  </a:outerShdw>
+                </a:effectLst>
+                <a:latin typeface="Arial" panose="020B0604020202020204" pitchFamily="34" charset="0"/>
+                <a:cs typeface="Arial" panose="020B0604020202020204" pitchFamily="34" charset="0"/>
+              </a:rPr>
+              <a:t>Build your career </a:t>
+            </a:r>
+            <a:r>
+              <a:rPr lang="en-US" sz="2800" dirty="0">
+                <a:ln w="0"/>
+                <a:solidFill>
+                  <a:schemeClr val="tx1">
+                    <a:lumMod val="75000"/>
+                    <a:lumOff val="25000"/>
+                  </a:schemeClr>
+                </a:solidFill>
+                <a:effectLst>
+                  <a:outerShdw blurRad="38100" dist="19050" dir="2700000" algn="tl" rotWithShape="0">
+                    <a:schemeClr val="dk1">
+                      <a:alpha val="40000"/>
+                    </a:schemeClr>
+                  </a:outerShdw>
+                </a:effectLst>
+                <a:latin typeface="Arial" panose="020B0604020202020204" pitchFamily="34" charset="0"/>
+                <a:cs typeface="Arial" panose="020B0604020202020204" pitchFamily="34" charset="0"/>
+              </a:rPr>
+              <a:t>a</a:t>
+            </a:r>
+            <a:r>
+              <a:rPr lang="en-US" sz="2800" dirty="0" smtClean="0">
+                <a:ln w="0"/>
+                <a:solidFill>
+                  <a:schemeClr val="tx1">
+                    <a:lumMod val="75000"/>
+                    <a:lumOff val="25000"/>
+                  </a:schemeClr>
+                </a:solidFill>
+                <a:effectLst>
+                  <a:outerShdw blurRad="38100" dist="19050" dir="2700000" algn="tl" rotWithShape="0">
+                    <a:schemeClr val="dk1">
+                      <a:alpha val="40000"/>
+                    </a:schemeClr>
+                  </a:outerShdw>
+                </a:effectLst>
+                <a:latin typeface="Arial" panose="020B0604020202020204" pitchFamily="34" charset="0"/>
+                <a:cs typeface="Arial" panose="020B0604020202020204" pitchFamily="34" charset="0"/>
+              </a:rPr>
+              <a:t>s </a:t>
+            </a:r>
+            <a:br>
+              <a:rPr lang="en-US" sz="2800" dirty="0" smtClean="0">
+                <a:ln w="0"/>
+                <a:solidFill>
+                  <a:schemeClr val="tx1">
+                    <a:lumMod val="75000"/>
+                    <a:lumOff val="25000"/>
+                  </a:schemeClr>
+                </a:solidFill>
+                <a:effectLst>
+                  <a:outerShdw blurRad="38100" dist="19050" dir="2700000" algn="tl" rotWithShape="0">
+                    <a:schemeClr val="dk1">
+                      <a:alpha val="40000"/>
+                    </a:schemeClr>
+                  </a:outerShdw>
+                </a:effectLst>
+                <a:latin typeface="Arial" panose="020B0604020202020204" pitchFamily="34" charset="0"/>
+                <a:cs typeface="Arial" panose="020B0604020202020204" pitchFamily="34" charset="0"/>
+              </a:rPr>
+            </a:br>
+            <a:r>
+              <a:rPr lang="en-US" sz="3600" b="1" dirty="0" smtClean="0">
+                <a:ln w="0"/>
+                <a:effectLst>
+                  <a:outerShdw blurRad="38100" dist="19050" dir="2700000" algn="tl" rotWithShape="0">
+                    <a:schemeClr val="dk1">
+                      <a:alpha val="40000"/>
+                    </a:schemeClr>
+                  </a:outerShdw>
+                </a:effectLst>
+                <a:latin typeface="Arial" panose="020B0604020202020204" pitchFamily="34" charset="0"/>
+                <a:cs typeface="Arial" panose="020B0604020202020204" pitchFamily="34" charset="0"/>
+              </a:rPr>
+              <a:t>Medical Lab Technician</a:t>
+            </a:r>
+            <a:endParaRPr lang="en-US" sz="3600" b="1" cap="none" spc="0" dirty="0">
+              <a:ln w="0"/>
+              <a:solidFill>
+                <a:schemeClr val="tx1"/>
+              </a:solidFill>
+              <a:effectLst>
+                <a:outerShdw blurRad="38100" dist="19050" dir="2700000" algn="tl" rotWithShape="0">
+                  <a:schemeClr val="dk1">
+                    <a:alpha val="40000"/>
+                  </a:schemeClr>
+                </a:outerShdw>
+              </a:effectLst>
+              <a:latin typeface="Arial" panose="020B0604020202020204" pitchFamily="34" charset="0"/>
+              <a:cs typeface="Arial" panose="020B0604020202020204" pitchFamily="34" charset="0"/>
+            </a:endParaRPr>
+          </a:p>
+        </p:txBody>
+      </p:sp>
+      <p:sp>
+        <p:nvSpPr>
+          <p:cNvPr id="12" name="Rectangle 11"/>
+          <p:cNvSpPr/>
+          <p:nvPr/>
+        </p:nvSpPr>
+        <p:spPr>
+          <a:xfrm>
+            <a:off x="766261" y="4944180"/>
+            <a:ext cx="4668570" cy="954107"/>
+          </a:xfrm>
+          <a:prstGeom prst="rect">
+            <a:avLst/>
+          </a:prstGeom>
+          <a:noFill/>
+        </p:spPr>
+        <p:txBody>
+          <a:bodyPr wrap="square" lIns="91440" tIns="45720" rIns="91440" bIns="45720">
+            <a:spAutoFit/>
+          </a:bodyPr>
+          <a:lstStyle/>
+          <a:p>
+            <a:pPr algn="ctr"/>
+            <a:r>
+              <a:rPr lang="en-US" sz="2800" cap="none" spc="0" dirty="0" smtClean="0">
+                <a:ln w="0"/>
+                <a:solidFill>
+                  <a:schemeClr val="tx1">
+                    <a:lumMod val="75000"/>
+                    <a:lumOff val="25000"/>
+                  </a:schemeClr>
+                </a:solidFill>
+                <a:latin typeface="Arial" panose="020B0604020202020204" pitchFamily="34" charset="0"/>
+                <a:cs typeface="Arial" panose="020B0604020202020204" pitchFamily="34" charset="0"/>
+              </a:rPr>
+              <a:t>Best courses available with us after 12th</a:t>
+            </a:r>
+            <a:endParaRPr lang="en-US" sz="4000" cap="none" spc="0" dirty="0">
+              <a:ln w="0"/>
+              <a:latin typeface="Arial" panose="020B0604020202020204" pitchFamily="34" charset="0"/>
+              <a:cs typeface="Arial" panose="020B0604020202020204" pitchFamily="34" charset="0"/>
+            </a:endParaRPr>
+          </a:p>
+        </p:txBody>
+      </p:sp>
+      <p:cxnSp>
+        <p:nvCxnSpPr>
+          <p:cNvPr id="7" name="Straight Connector 6"/>
+          <p:cNvCxnSpPr/>
+          <p:nvPr/>
+        </p:nvCxnSpPr>
+        <p:spPr>
+          <a:xfrm>
+            <a:off x="920377" y="4810191"/>
+            <a:ext cx="4360338" cy="0"/>
+          </a:xfrm>
+          <a:prstGeom prst="line">
+            <a:avLst/>
+          </a:prstGeom>
+          <a:ln w="19050"/>
+        </p:spPr>
+        <p:style>
+          <a:lnRef idx="2">
+            <a:schemeClr val="accent6"/>
+          </a:lnRef>
+          <a:fillRef idx="0">
+            <a:schemeClr val="accent6"/>
+          </a:fillRef>
+          <a:effectRef idx="1">
+            <a:schemeClr val="accent6"/>
+          </a:effectRef>
+          <a:fontRef idx="minor">
+            <a:schemeClr val="tx1"/>
+          </a:fontRef>
+        </p:style>
+      </p:cxnSp>
+      <p:pic>
+        <p:nvPicPr>
+          <p:cNvPr id="15" name="Picture 14"/>
+          <p:cNvPicPr>
+            <a:picLocks noChangeAspect="1"/>
+          </p:cNvPicPr>
+          <p:nvPr/>
+        </p:nvPicPr>
+        <p:blipFill>
+          <a:blip r:embed="rId3">
+            <a:extLst>
+              <a:ext uri="{BEBA8EAE-BF5A-486C-A8C5-ECC9F3942E4B}">
+                <a14:imgProps xmlns:a14="http://schemas.microsoft.com/office/drawing/2010/main">
+                  <a14:imgLayer r:embed="rId4">
+                    <a14:imgEffect>
+                      <a14:sharpenSoften amount="50000"/>
+                    </a14:imgEffect>
+                  </a14:imgLayer>
+                </a14:imgProps>
+              </a:ext>
+              <a:ext uri="{28A0092B-C50C-407E-A947-70E740481C1C}">
+                <a14:useLocalDpi xmlns:a14="http://schemas.microsoft.com/office/drawing/2010/main" val="0"/>
+              </a:ext>
+            </a:extLst>
+          </a:blip>
+          <a:stretch>
+            <a:fillRect/>
+          </a:stretch>
+        </p:blipFill>
+        <p:spPr>
+          <a:xfrm>
+            <a:off x="1947304" y="2989698"/>
+            <a:ext cx="2306484" cy="755647"/>
+          </a:xfrm>
+          <a:prstGeom prst="rect">
+            <a:avLst/>
+          </a:prstGeom>
+        </p:spPr>
+      </p:pic>
+    </p:spTree>
+    <p:extLst>
+      <p:ext uri="{BB962C8B-B14F-4D97-AF65-F5344CB8AC3E}">
+        <p14:creationId xmlns:p14="http://schemas.microsoft.com/office/powerpoint/2010/main" val="3640701659"/>
+      </p:ext>
+    </p:extLst>
+  </p:cSld>
+  <p:clrMapOvr>
+    <a:masterClrMapping/>
+  </p:clrMapOvr>
+  <p:timing>
+    <p:tnLst>
+      <p:par>
+        <p:cTn id="1" dur="indefinite" restart="never" nodeType="tmRoot"/>
+      </p:par>
+    </p:tnLst>
+  </p:timing>
+</p:sld>
+</file>
+
+<file path=ppt/slides/slide11.xml><?xml version="1.0" encoding="utf-8"?>
+<p:sld xmlns:a="http://schemas.openxmlformats.org/drawingml/2006/main" xmlns:r="http://schemas.openxmlformats.org/officeDocument/2006/relationships" xmlns:p="http://schemas.openxmlformats.org/presentationml/2006/main">
+  <p:cSld>
+    <p:spTree>
+      <p:nvGrpSpPr>
+        <p:cNvPr id="1" name=""/>
+        <p:cNvGrpSpPr/>
+        <p:nvPr/>
+      </p:nvGrpSpPr>
+      <p:grpSpPr>
+        <a:xfrm>
+          <a:off x="0" y="0"/>
+          <a:ext cx="0" cy="0"/>
+          <a:chOff x="0" y="0"/>
+          <a:chExt cx="0" cy="0"/>
+        </a:xfrm>
+      </p:grpSpPr>
+      <p:pic>
+        <p:nvPicPr>
+          <p:cNvPr id="1030" name="Picture 6" descr="https://mrst1.latestly.com/wp-content/uploads/2020/04/Int-Health-day.jpg"/>
+          <p:cNvPicPr>
+            <a:picLocks noChangeAspect="1" noChangeArrowheads="1"/>
+          </p:cNvPicPr>
+          <p:nvPr/>
+        </p:nvPicPr>
+        <p:blipFill>
+          <a:blip r:embed="rId2">
+            <a:extLst>
+              <a:ext uri="{28A0092B-C50C-407E-A947-70E740481C1C}">
+                <a14:useLocalDpi xmlns:a14="http://schemas.microsoft.com/office/drawing/2010/main" val="0"/>
+              </a:ext>
+            </a:extLst>
+          </a:blip>
+          <a:srcRect/>
+          <a:stretch>
+            <a:fillRect/>
+          </a:stretch>
+        </p:blipFill>
+        <p:spPr bwMode="auto">
+          <a:xfrm>
+            <a:off x="-188259" y="-615424"/>
+            <a:ext cx="13578904" cy="7648236"/>
+          </a:xfrm>
+          <a:prstGeom prst="rect">
+            <a:avLst/>
+          </a:prstGeom>
+          <a:noFill/>
+          <a:extLst>
+            <a:ext uri="{909E8E84-426E-40DD-AFC4-6F175D3DCCD1}">
+              <a14:hiddenFill xmlns:a14="http://schemas.microsoft.com/office/drawing/2010/main">
+                <a:solidFill>
+                  <a:srgbClr val="FFFFFF"/>
+                </a:solidFill>
+              </a14:hiddenFill>
+            </a:ext>
+          </a:extLst>
+        </p:spPr>
+      </p:pic>
+      <p:pic>
+        <p:nvPicPr>
+          <p:cNvPr id="17" name="Picture Placeholder 16">
+            <a:extLst>
+              <a:ext uri="{FF2B5EF4-FFF2-40B4-BE49-F238E27FC236}">
+                <a16:creationId xmlns="" xmlns:a16="http://schemas.microsoft.com/office/drawing/2014/main" id="{893F9275-F9D8-C846-B8BE-3571B6BA9792}"/>
+              </a:ext>
+            </a:extLst>
+          </p:cNvPr>
+          <p:cNvPicPr>
+            <a:picLocks noGrp="1" noChangeAspect="1"/>
+          </p:cNvPicPr>
+          <p:nvPr>
+            <p:ph type="pic" sz="quarter" idx="34"/>
+          </p:nvPr>
+        </p:nvPicPr>
+        <p:blipFill rotWithShape="1">
+          <a:blip r:embed="rId3">
+            <a:extLst>
+              <a:ext uri="{28A0092B-C50C-407E-A947-70E740481C1C}">
+                <a14:useLocalDpi xmlns:a14="http://schemas.microsoft.com/office/drawing/2010/main" val="0"/>
+              </a:ext>
+            </a:extLst>
+          </a:blip>
+          <a:srcRect l="-6818" t="-9275" r="-6818" b="-9275"/>
+          <a:stretch/>
+        </p:blipFill>
+        <p:spPr>
+          <a:xfrm>
+            <a:off x="6118412" y="845021"/>
+            <a:ext cx="6481482" cy="5203340"/>
+          </a:xfrm>
+        </p:spPr>
+      </p:pic>
+      <p:sp>
+        <p:nvSpPr>
+          <p:cNvPr id="4" name="AutoShape 2" descr="World Health Day 2018: Inspiring Quotes, Theme, Slogans, Messages ..."/>
+          <p:cNvSpPr>
+            <a:spLocks noChangeAspect="1" noChangeArrowheads="1"/>
+          </p:cNvSpPr>
+          <p:nvPr/>
+        </p:nvSpPr>
+        <p:spPr bwMode="auto">
+          <a:xfrm>
+            <a:off x="156299" y="-152401"/>
+            <a:ext cx="304800" cy="304801"/>
+          </a:xfrm>
+          <a:prstGeom prst="rect">
+            <a:avLst/>
+          </a:prstGeom>
+          <a:noFill/>
+          <a:extLst>
+            <a:ext uri="{909E8E84-426E-40DD-AFC4-6F175D3DCCD1}">
+              <a14:hiddenFill xmlns:a14="http://schemas.microsoft.com/office/drawing/2010/main">
+                <a:solidFill>
+                  <a:srgbClr val="FFFFFF"/>
+                </a:solidFill>
+              </a14:hiddenFill>
+            </a:ext>
+          </a:extLst>
+        </p:spPr>
+        <p:txBody>
+          <a:bodyPr vert="horz" wrap="square" lIns="91440" tIns="45720" rIns="91440" bIns="45720" numCol="1" anchor="t" anchorCtr="0" compatLnSpc="1">
+            <a:prstTxWarp prst="textNoShape">
+              <a:avLst/>
+            </a:prstTxWarp>
+          </a:bodyPr>
+          <a:lstStyle/>
+          <a:p>
+            <a:endParaRPr lang="en-US"/>
+          </a:p>
+        </p:txBody>
+      </p:sp>
+      <p:pic>
+        <p:nvPicPr>
+          <p:cNvPr id="12" name="Picture 11"/>
+          <p:cNvPicPr>
+            <a:picLocks noChangeAspect="1"/>
+          </p:cNvPicPr>
+          <p:nvPr/>
+        </p:nvPicPr>
+        <p:blipFill>
+          <a:blip r:embed="rId4">
+            <a:extLst>
+              <a:ext uri="{28A0092B-C50C-407E-A947-70E740481C1C}">
+                <a14:useLocalDpi xmlns:a14="http://schemas.microsoft.com/office/drawing/2010/main" val="0"/>
+              </a:ext>
+            </a:extLst>
+          </a:blip>
+          <a:stretch>
+            <a:fillRect/>
+          </a:stretch>
+        </p:blipFill>
+        <p:spPr>
+          <a:xfrm>
+            <a:off x="169746" y="5963347"/>
+            <a:ext cx="1069857" cy="806350"/>
+          </a:xfrm>
+          <a:prstGeom prst="rect">
+            <a:avLst/>
+          </a:prstGeom>
+        </p:spPr>
+      </p:pic>
+    </p:spTree>
+    <p:extLst>
+      <p:ext uri="{BB962C8B-B14F-4D97-AF65-F5344CB8AC3E}">
+        <p14:creationId xmlns:p14="http://schemas.microsoft.com/office/powerpoint/2010/main" val="2893854554"/>
+      </p:ext>
+    </p:extLst>
+  </p:cSld>
+  <p:clrMapOvr>
+    <a:masterClrMapping/>
+  </p:clrMapOvr>
+  <p:timing>
+    <p:tnLst>
+      <p:par>
+        <p:cTn id="1" dur="indefinite" restart="never" nodeType="tmRoot"/>
+      </p:par>
+    </p:tnLst>
+  </p:timing>
+</p:sld>
+</file>
+
+<file path=ppt/slides/slide12.xml><?xml version="1.0" encoding="utf-8"?>
+<p:sld xmlns:a="http://schemas.openxmlformats.org/drawingml/2006/main" xmlns:r="http://schemas.openxmlformats.org/officeDocument/2006/relationships" xmlns:p="http://schemas.openxmlformats.org/presentationml/2006/main">
+  <p:cSld>
+    <p:spTree>
+      <p:nvGrpSpPr>
+        <p:cNvPr id="1" name=""/>
+        <p:cNvGrpSpPr/>
+        <p:nvPr/>
+      </p:nvGrpSpPr>
+      <p:grpSpPr>
+        <a:xfrm>
+          <a:off x="0" y="0"/>
+          <a:ext cx="0" cy="0"/>
+          <a:chOff x="0" y="0"/>
+          <a:chExt cx="0" cy="0"/>
+        </a:xfrm>
+      </p:grpSpPr>
+      <p:pic>
+        <p:nvPicPr>
+          <p:cNvPr id="1030" name="Picture 6"/>
+          <p:cNvPicPr>
+            <a:picLocks noChangeAspect="1" noChangeArrowheads="1"/>
+          </p:cNvPicPr>
+          <p:nvPr/>
+        </p:nvPicPr>
+        <p:blipFill>
+          <a:blip r:embed="rId2">
+            <a:extLst>
+              <a:ext uri="{28A0092B-C50C-407E-A947-70E740481C1C}">
+                <a14:useLocalDpi xmlns:a14="http://schemas.microsoft.com/office/drawing/2010/main" val="0"/>
+              </a:ext>
+            </a:extLst>
+          </a:blip>
+          <a:stretch>
+            <a:fillRect/>
+          </a:stretch>
+        </p:blipFill>
+        <p:spPr bwMode="auto">
+          <a:xfrm>
+            <a:off x="-188259" y="-355942"/>
+            <a:ext cx="13578904" cy="7129271"/>
+          </a:xfrm>
+          <a:prstGeom prst="rect">
+            <a:avLst/>
+          </a:prstGeom>
+          <a:noFill/>
+          <a:extLst>
+            <a:ext uri="{909E8E84-426E-40DD-AFC4-6F175D3DCCD1}">
+              <a14:hiddenFill xmlns:a14="http://schemas.microsoft.com/office/drawing/2010/main">
+                <a:solidFill>
+                  <a:srgbClr val="FFFFFF"/>
+                </a:solidFill>
+              </a14:hiddenFill>
+            </a:ext>
+          </a:extLst>
+        </p:spPr>
+      </p:pic>
+      <p:pic>
+        <p:nvPicPr>
+          <p:cNvPr id="17" name="Picture Placeholder 16">
+            <a:extLst>
+              <a:ext uri="{FF2B5EF4-FFF2-40B4-BE49-F238E27FC236}">
+                <a16:creationId xmlns="" xmlns:a16="http://schemas.microsoft.com/office/drawing/2014/main" id="{893F9275-F9D8-C846-B8BE-3571B6BA9792}"/>
+              </a:ext>
+            </a:extLst>
+          </p:cNvPr>
+          <p:cNvPicPr preferRelativeResize="0">
+            <a:picLocks noGrp="1"/>
+          </p:cNvPicPr>
+          <p:nvPr>
+            <p:ph type="pic" sz="quarter" idx="34"/>
+          </p:nvPr>
+        </p:nvPicPr>
+        <p:blipFill>
+          <a:blip r:embed="rId3">
+            <a:extLst>
+              <a:ext uri="{28A0092B-C50C-407E-A947-70E740481C1C}">
+                <a14:useLocalDpi xmlns:a14="http://schemas.microsoft.com/office/drawing/2010/main" val="0"/>
+              </a:ext>
+            </a:extLst>
+          </a:blip>
+          <a:stretch>
+            <a:fillRect/>
+          </a:stretch>
+        </p:blipFill>
+        <p:spPr>
+          <a:xfrm>
+            <a:off x="7004124" y="1219691"/>
+            <a:ext cx="4977205" cy="4011214"/>
+          </a:xfrm>
+        </p:spPr>
+      </p:pic>
+      <p:sp>
+        <p:nvSpPr>
+          <p:cNvPr id="4" name="AutoShape 2" descr="World Health Day 2018: Inspiring Quotes, Theme, Slogans, Messages ..."/>
+          <p:cNvSpPr>
+            <a:spLocks noChangeAspect="1" noChangeArrowheads="1"/>
+          </p:cNvSpPr>
+          <p:nvPr/>
+        </p:nvSpPr>
+        <p:spPr bwMode="auto">
+          <a:xfrm>
+            <a:off x="156299" y="-152401"/>
+            <a:ext cx="304800" cy="304801"/>
+          </a:xfrm>
+          <a:prstGeom prst="rect">
+            <a:avLst/>
+          </a:prstGeom>
+          <a:noFill/>
+          <a:extLst>
+            <a:ext uri="{909E8E84-426E-40DD-AFC4-6F175D3DCCD1}">
+              <a14:hiddenFill xmlns:a14="http://schemas.microsoft.com/office/drawing/2010/main">
+                <a:solidFill>
+                  <a:srgbClr val="FFFFFF"/>
+                </a:solidFill>
+              </a14:hiddenFill>
+            </a:ext>
+          </a:extLst>
+        </p:spPr>
+        <p:txBody>
+          <a:bodyPr vert="horz" wrap="square" lIns="91440" tIns="45720" rIns="91440" bIns="45720" numCol="1" anchor="t" anchorCtr="0" compatLnSpc="1">
+            <a:prstTxWarp prst="textNoShape">
+              <a:avLst/>
+            </a:prstTxWarp>
+          </a:bodyPr>
+          <a:lstStyle/>
+          <a:p>
+            <a:endParaRPr lang="en-US"/>
+          </a:p>
+        </p:txBody>
+      </p:sp>
+      <p:pic>
+        <p:nvPicPr>
+          <p:cNvPr id="12" name="Picture 11"/>
+          <p:cNvPicPr>
+            <a:picLocks noChangeAspect="1"/>
+          </p:cNvPicPr>
+          <p:nvPr/>
+        </p:nvPicPr>
+        <p:blipFill>
+          <a:blip r:embed="rId4">
+            <a:extLst>
+              <a:ext uri="{BEBA8EAE-BF5A-486C-A8C5-ECC9F3942E4B}">
+                <a14:imgProps xmlns:a14="http://schemas.microsoft.com/office/drawing/2010/main">
+                  <a14:imgLayer r:embed="rId5">
+                    <a14:imgEffect>
+                      <a14:artisticPlasticWrap/>
+                    </a14:imgEffect>
+                  </a14:imgLayer>
+                </a14:imgProps>
+              </a:ext>
+              <a:ext uri="{28A0092B-C50C-407E-A947-70E740481C1C}">
+                <a14:useLocalDpi xmlns:a14="http://schemas.microsoft.com/office/drawing/2010/main" val="0"/>
+              </a:ext>
+            </a:extLst>
+          </a:blip>
+          <a:stretch>
+            <a:fillRect/>
+          </a:stretch>
+        </p:blipFill>
+        <p:spPr>
+          <a:xfrm>
+            <a:off x="223534" y="5230905"/>
+            <a:ext cx="1819827" cy="1371601"/>
+          </a:xfrm>
+          <a:prstGeom prst="rect">
+            <a:avLst/>
+          </a:prstGeom>
+        </p:spPr>
+      </p:pic>
+    </p:spTree>
+    <p:extLst>
+      <p:ext uri="{BB962C8B-B14F-4D97-AF65-F5344CB8AC3E}">
+        <p14:creationId xmlns:p14="http://schemas.microsoft.com/office/powerpoint/2010/main" val="2022760165"/>
+      </p:ext>
+    </p:extLst>
+  </p:cSld>
+  <p:clrMapOvr>
+    <a:masterClrMapping/>
+  </p:clrMapOvr>
+  <p:timing>
+    <p:tnLst>
+      <p:par>
+        <p:cTn id="1" dur="indefinite" restart="never" nodeType="tmRoot"/>
+      </p:par>
+    </p:tnLst>
+  </p:timing>
+</p:sld>
+</file>
+
+<file path=ppt/slides/slide13.xml><?xml version="1.0" encoding="utf-8"?>
+<p:sld xmlns:a="http://schemas.openxmlformats.org/drawingml/2006/main" xmlns:r="http://schemas.openxmlformats.org/officeDocument/2006/relationships" xmlns:p="http://schemas.openxmlformats.org/presentationml/2006/main">
+  <p:cSld>
+    <p:spTree>
+      <p:nvGrpSpPr>
+        <p:cNvPr id="1" name=""/>
+        <p:cNvGrpSpPr/>
+        <p:nvPr/>
+      </p:nvGrpSpPr>
+      <p:grpSpPr>
+        <a:xfrm>
+          <a:off x="0" y="0"/>
+          <a:ext cx="0" cy="0"/>
+          <a:chOff x="0" y="0"/>
+          <a:chExt cx="0" cy="0"/>
+        </a:xfrm>
+      </p:grpSpPr>
+      <p:pic>
+        <p:nvPicPr>
+          <p:cNvPr id="1030" name="Picture 6"/>
+          <p:cNvPicPr>
+            <a:picLocks noChangeAspect="1" noChangeArrowheads="1"/>
+          </p:cNvPicPr>
+          <p:nvPr/>
+        </p:nvPicPr>
+        <p:blipFill>
+          <a:blip r:embed="rId2">
+            <a:extLst>
+              <a:ext uri="{28A0092B-C50C-407E-A947-70E740481C1C}">
+                <a14:useLocalDpi xmlns:a14="http://schemas.microsoft.com/office/drawing/2010/main" val="0"/>
+              </a:ext>
+            </a:extLst>
+          </a:blip>
+          <a:stretch>
+            <a:fillRect/>
+          </a:stretch>
+        </p:blipFill>
+        <p:spPr bwMode="auto">
+          <a:xfrm>
+            <a:off x="-295835" y="-355942"/>
+            <a:ext cx="13578904" cy="7129271"/>
+          </a:xfrm>
+          <a:prstGeom prst="rect">
+            <a:avLst/>
+          </a:prstGeom>
+          <a:noFill/>
+          <a:extLst>
+            <a:ext uri="{909E8E84-426E-40DD-AFC4-6F175D3DCCD1}">
+              <a14:hiddenFill xmlns:a14="http://schemas.microsoft.com/office/drawing/2010/main">
+                <a:solidFill>
+                  <a:srgbClr val="FFFFFF"/>
+                </a:solidFill>
+              </a14:hiddenFill>
+            </a:ext>
+          </a:extLst>
+        </p:spPr>
+      </p:pic>
+      <p:pic>
+        <p:nvPicPr>
+          <p:cNvPr id="17" name="Picture Placeholder 16">
+            <a:extLst>
+              <a:ext uri="{FF2B5EF4-FFF2-40B4-BE49-F238E27FC236}">
+                <a16:creationId xmlns="" xmlns:a16="http://schemas.microsoft.com/office/drawing/2014/main" id="{893F9275-F9D8-C846-B8BE-3571B6BA9792}"/>
+              </a:ext>
+            </a:extLst>
+          </p:cNvPr>
+          <p:cNvPicPr preferRelativeResize="0">
+            <a:picLocks noGrp="1"/>
+          </p:cNvPicPr>
+          <p:nvPr>
+            <p:ph type="pic" sz="quarter" idx="34"/>
+          </p:nvPr>
+        </p:nvPicPr>
+        <p:blipFill>
+          <a:blip r:embed="rId3">
+            <a:extLst>
+              <a:ext uri="{28A0092B-C50C-407E-A947-70E740481C1C}">
+                <a14:useLocalDpi xmlns:a14="http://schemas.microsoft.com/office/drawing/2010/main" val="0"/>
+              </a:ext>
+            </a:extLst>
+          </a:blip>
+          <a:stretch>
+            <a:fillRect/>
+          </a:stretch>
+        </p:blipFill>
+        <p:spPr>
+          <a:xfrm>
+            <a:off x="7169973" y="1407951"/>
+            <a:ext cx="4999617" cy="4011214"/>
+          </a:xfrm>
+        </p:spPr>
+      </p:pic>
+      <p:sp>
+        <p:nvSpPr>
+          <p:cNvPr id="4" name="AutoShape 2" descr="World Health Day 2018: Inspiring Quotes, Theme, Slogans, Messages ..."/>
+          <p:cNvSpPr>
+            <a:spLocks noChangeAspect="1" noChangeArrowheads="1"/>
+          </p:cNvSpPr>
+          <p:nvPr/>
+        </p:nvSpPr>
+        <p:spPr bwMode="auto">
+          <a:xfrm>
+            <a:off x="156299" y="-152401"/>
+            <a:ext cx="304800" cy="304801"/>
+          </a:xfrm>
+          <a:prstGeom prst="rect">
+            <a:avLst/>
+          </a:prstGeom>
+          <a:noFill/>
+          <a:extLst>
+            <a:ext uri="{909E8E84-426E-40DD-AFC4-6F175D3DCCD1}">
+              <a14:hiddenFill xmlns:a14="http://schemas.microsoft.com/office/drawing/2010/main">
+                <a:solidFill>
+                  <a:srgbClr val="FFFFFF"/>
+                </a:solidFill>
+              </a14:hiddenFill>
+            </a:ext>
+          </a:extLst>
+        </p:spPr>
+        <p:txBody>
+          <a:bodyPr vert="horz" wrap="square" lIns="91440" tIns="45720" rIns="91440" bIns="45720" numCol="1" anchor="t" anchorCtr="0" compatLnSpc="1">
+            <a:prstTxWarp prst="textNoShape">
+              <a:avLst/>
+            </a:prstTxWarp>
+          </a:bodyPr>
+          <a:lstStyle/>
+          <a:p>
+            <a:endParaRPr lang="en-US"/>
+          </a:p>
+        </p:txBody>
+      </p:sp>
+      <p:pic>
+        <p:nvPicPr>
+          <p:cNvPr id="12" name="Picture 11"/>
+          <p:cNvPicPr>
+            <a:picLocks noChangeAspect="1"/>
+          </p:cNvPicPr>
+          <p:nvPr/>
+        </p:nvPicPr>
+        <p:blipFill>
+          <a:blip r:embed="rId4">
+            <a:extLst>
+              <a:ext uri="{28A0092B-C50C-407E-A947-70E740481C1C}">
+                <a14:useLocalDpi xmlns:a14="http://schemas.microsoft.com/office/drawing/2010/main" val="0"/>
+              </a:ext>
+            </a:extLst>
+          </a:blip>
+          <a:stretch>
+            <a:fillRect/>
+          </a:stretch>
+        </p:blipFill>
+        <p:spPr>
+          <a:xfrm>
+            <a:off x="308699" y="5419165"/>
+            <a:ext cx="3124783" cy="1023737"/>
+          </a:xfrm>
+          <a:prstGeom prst="rect">
+            <a:avLst/>
+          </a:prstGeom>
+        </p:spPr>
+      </p:pic>
+    </p:spTree>
+    <p:extLst>
+      <p:ext uri="{BB962C8B-B14F-4D97-AF65-F5344CB8AC3E}">
+        <p14:creationId xmlns:p14="http://schemas.microsoft.com/office/powerpoint/2010/main" val="2755032348"/>
+      </p:ext>
+    </p:extLst>
+  </p:cSld>
+  <p:clrMapOvr>
+    <a:masterClrMapping/>
+  </p:clrMapOvr>
+  <p:timing>
+    <p:tnLst>
+      <p:par>
+        <p:cTn id="1" dur="indefinite" restart="never" nodeType="tmRoot"/>
+      </p:par>
+    </p:tnLst>
+  </p:timing>
+</p:sld>
+</file>
+
+<file path=ppt/slides/slide14.xml><?xml version="1.0" encoding="utf-8"?>
 <p:sld xmlns:a="http://schemas.openxmlformats.org/drawingml/2006/main" xmlns:r="http://schemas.openxmlformats.org/officeDocument/2006/relationships" xmlns:p="http://schemas.openxmlformats.org/presentationml/2006/main">
   <p:cSld>
     <p:bg>
@@ -26181,7 +27798,7 @@
           <p:cNvPr id="17" name="Picture Placeholder 16">
             <a:extLst>
               <a:ext uri="{FF2B5EF4-FFF2-40B4-BE49-F238E27FC236}">
-                <a16:creationId xmlns:a16="http://schemas.microsoft.com/office/drawing/2014/main" xmlns="" id="{893F9275-F9D8-C846-B8BE-3571B6BA9792}"/>
+                <a16:creationId xmlns="" xmlns:a16="http://schemas.microsoft.com/office/drawing/2014/main" id="{893F9275-F9D8-C846-B8BE-3571B6BA9792}"/>
               </a:ext>
             </a:extLst>
           </p:cNvPr>
@@ -26331,7 +27948,7 @@
 </p:sld>
 </file>
 
-<file path=ppt/slides/slide11.xml><?xml version="1.0" encoding="utf-8"?>
+<file path=ppt/slides/slide15.xml><?xml version="1.0" encoding="utf-8"?>
 <p:sld xmlns:a="http://schemas.openxmlformats.org/drawingml/2006/main" xmlns:r="http://schemas.openxmlformats.org/officeDocument/2006/relationships" xmlns:p="http://schemas.openxmlformats.org/presentationml/2006/main">
   <p:cSld>
     <p:bg>
@@ -26398,7 +28015,7 @@
           <p:cNvPr id="17" name="Picture Placeholder 16">
             <a:extLst>
               <a:ext uri="{FF2B5EF4-FFF2-40B4-BE49-F238E27FC236}">
-                <a16:creationId xmlns:a16="http://schemas.microsoft.com/office/drawing/2014/main" xmlns="" id="{893F9275-F9D8-C846-B8BE-3571B6BA9792}"/>
+                <a16:creationId xmlns="" xmlns:a16="http://schemas.microsoft.com/office/drawing/2014/main" id="{893F9275-F9D8-C846-B8BE-3571B6BA9792}"/>
               </a:ext>
             </a:extLst>
           </p:cNvPr>
@@ -26548,7 +28165,7 @@
 </p:sld>
 </file>
 
-<file path=ppt/slides/slide12.xml><?xml version="1.0" encoding="utf-8"?>
+<file path=ppt/slides/slide16.xml><?xml version="1.0" encoding="utf-8"?>
 <p:sld xmlns:a="http://schemas.openxmlformats.org/drawingml/2006/main" xmlns:r="http://schemas.openxmlformats.org/officeDocument/2006/relationships" xmlns:p="http://schemas.openxmlformats.org/presentationml/2006/main">
   <p:cSld>
     <p:spTree>
@@ -26570,7 +28187,7 @@
           <p:cNvPr id="2" name="Title 1">
             <a:extLst>
               <a:ext uri="{FF2B5EF4-FFF2-40B4-BE49-F238E27FC236}">
-                <a16:creationId xmlns:a16="http://schemas.microsoft.com/office/drawing/2014/main" xmlns="" id="{19304E83-A4F0-49C5-BB01-F5773509A2B3}"/>
+                <a16:creationId xmlns="" xmlns:a16="http://schemas.microsoft.com/office/drawing/2014/main" id="{19304E83-A4F0-49C5-BB01-F5773509A2B3}"/>
               </a:ext>
             </a:extLst>
           </p:cNvPr>
@@ -26598,7 +28215,7 @@
           <p:cNvPr id="3" name="Text Placeholder 2">
             <a:extLst>
               <a:ext uri="{FF2B5EF4-FFF2-40B4-BE49-F238E27FC236}">
-                <a16:creationId xmlns:a16="http://schemas.microsoft.com/office/drawing/2014/main" xmlns="" id="{7CA42D59-EAD6-4F95-84F1-32A30F057856}"/>
+                <a16:creationId xmlns="" xmlns:a16="http://schemas.microsoft.com/office/drawing/2014/main" id="{7CA42D59-EAD6-4F95-84F1-32A30F057856}"/>
               </a:ext>
             </a:extLst>
           </p:cNvPr>
@@ -26626,7 +28243,7 @@
           <p:cNvPr id="4" name="Text Placeholder 3">
             <a:extLst>
               <a:ext uri="{FF2B5EF4-FFF2-40B4-BE49-F238E27FC236}">
-                <a16:creationId xmlns:a16="http://schemas.microsoft.com/office/drawing/2014/main" xmlns="" id="{6AB259A0-0017-492F-A0DC-4B70C7052AE0}"/>
+                <a16:creationId xmlns="" xmlns:a16="http://schemas.microsoft.com/office/drawing/2014/main" id="{6AB259A0-0017-492F-A0DC-4B70C7052AE0}"/>
               </a:ext>
             </a:extLst>
           </p:cNvPr>
@@ -26659,7 +28276,7 @@
           <p:cNvPr id="6" name="Text Placeholder 5">
             <a:extLst>
               <a:ext uri="{FF2B5EF4-FFF2-40B4-BE49-F238E27FC236}">
-                <a16:creationId xmlns:a16="http://schemas.microsoft.com/office/drawing/2014/main" xmlns="" id="{B237D1CA-B91A-410E-A968-D017BBE99F99}"/>
+                <a16:creationId xmlns="" xmlns:a16="http://schemas.microsoft.com/office/drawing/2014/main" id="{B237D1CA-B91A-410E-A968-D017BBE99F99}"/>
               </a:ext>
             </a:extLst>
           </p:cNvPr>
@@ -26692,7 +28309,7 @@
           <p:cNvPr id="7" name="Text Placeholder 6">
             <a:extLst>
               <a:ext uri="{FF2B5EF4-FFF2-40B4-BE49-F238E27FC236}">
-                <a16:creationId xmlns:a16="http://schemas.microsoft.com/office/drawing/2014/main" xmlns="" id="{26A87885-D672-4CF9-A78D-CFE98385B03A}"/>
+                <a16:creationId xmlns="" xmlns:a16="http://schemas.microsoft.com/office/drawing/2014/main" id="{26A87885-D672-4CF9-A78D-CFE98385B03A}"/>
               </a:ext>
             </a:extLst>
           </p:cNvPr>
@@ -26739,7 +28356,7 @@
           <p:cNvPr id="8" name="Slide Number Placeholder 7">
             <a:extLst>
               <a:ext uri="{FF2B5EF4-FFF2-40B4-BE49-F238E27FC236}">
-                <a16:creationId xmlns:a16="http://schemas.microsoft.com/office/drawing/2014/main" xmlns="" id="{E6AC9832-FB01-464A-9824-61887B77997E}"/>
+                <a16:creationId xmlns="" xmlns:a16="http://schemas.microsoft.com/office/drawing/2014/main" id="{E6AC9832-FB01-464A-9824-61887B77997E}"/>
               </a:ext>
             </a:extLst>
           </p:cNvPr>
@@ -26758,7 +28375,7 @@
             <a:fld id="{19B51A1E-902D-48AF-9020-955120F399B6}" type="slidenum">
               <a:rPr lang="en-US" smtClean="0"/>
               <a:pPr/>
-              <a:t>12</a:t>
+              <a:t>16</a:t>
             </a:fld>
             <a:endParaRPr lang="en-US" dirty="0"/>
           </a:p>
@@ -26944,7 +28561,7 @@
 </p:sld>
 </file>
 
-<file path=ppt/slides/slide13.xml><?xml version="1.0" encoding="utf-8"?>
+<file path=ppt/slides/slide17.xml><?xml version="1.0" encoding="utf-8"?>
 <p:sld xmlns:a="http://schemas.openxmlformats.org/drawingml/2006/main" xmlns:r="http://schemas.openxmlformats.org/officeDocument/2006/relationships" xmlns:p="http://schemas.openxmlformats.org/presentationml/2006/main">
   <p:cSld>
     <p:spTree>
@@ -26966,7 +28583,7 @@
           <p:cNvPr id="2" name="Title 1">
             <a:extLst>
               <a:ext uri="{FF2B5EF4-FFF2-40B4-BE49-F238E27FC236}">
-                <a16:creationId xmlns:a16="http://schemas.microsoft.com/office/drawing/2014/main" xmlns="" id="{19304E83-A4F0-49C5-BB01-F5773509A2B3}"/>
+                <a16:creationId xmlns="" xmlns:a16="http://schemas.microsoft.com/office/drawing/2014/main" id="{19304E83-A4F0-49C5-BB01-F5773509A2B3}"/>
               </a:ext>
             </a:extLst>
           </p:cNvPr>
@@ -26994,7 +28611,7 @@
           <p:cNvPr id="3" name="Text Placeholder 2">
             <a:extLst>
               <a:ext uri="{FF2B5EF4-FFF2-40B4-BE49-F238E27FC236}">
-                <a16:creationId xmlns:a16="http://schemas.microsoft.com/office/drawing/2014/main" xmlns="" id="{7CA42D59-EAD6-4F95-84F1-32A30F057856}"/>
+                <a16:creationId xmlns="" xmlns:a16="http://schemas.microsoft.com/office/drawing/2014/main" id="{7CA42D59-EAD6-4F95-84F1-32A30F057856}"/>
               </a:ext>
             </a:extLst>
           </p:cNvPr>
@@ -27022,7 +28639,7 @@
           <p:cNvPr id="4" name="Text Placeholder 3">
             <a:extLst>
               <a:ext uri="{FF2B5EF4-FFF2-40B4-BE49-F238E27FC236}">
-                <a16:creationId xmlns:a16="http://schemas.microsoft.com/office/drawing/2014/main" xmlns="" id="{6AB259A0-0017-492F-A0DC-4B70C7052AE0}"/>
+                <a16:creationId xmlns="" xmlns:a16="http://schemas.microsoft.com/office/drawing/2014/main" id="{6AB259A0-0017-492F-A0DC-4B70C7052AE0}"/>
               </a:ext>
             </a:extLst>
           </p:cNvPr>
@@ -27055,7 +28672,7 @@
           <p:cNvPr id="6" name="Text Placeholder 5">
             <a:extLst>
               <a:ext uri="{FF2B5EF4-FFF2-40B4-BE49-F238E27FC236}">
-                <a16:creationId xmlns:a16="http://schemas.microsoft.com/office/drawing/2014/main" xmlns="" id="{B237D1CA-B91A-410E-A968-D017BBE99F99}"/>
+                <a16:creationId xmlns="" xmlns:a16="http://schemas.microsoft.com/office/drawing/2014/main" id="{B237D1CA-B91A-410E-A968-D017BBE99F99}"/>
               </a:ext>
             </a:extLst>
           </p:cNvPr>
@@ -27088,7 +28705,7 @@
           <p:cNvPr id="7" name="Text Placeholder 6">
             <a:extLst>
               <a:ext uri="{FF2B5EF4-FFF2-40B4-BE49-F238E27FC236}">
-                <a16:creationId xmlns:a16="http://schemas.microsoft.com/office/drawing/2014/main" xmlns="" id="{26A87885-D672-4CF9-A78D-CFE98385B03A}"/>
+                <a16:creationId xmlns="" xmlns:a16="http://schemas.microsoft.com/office/drawing/2014/main" id="{26A87885-D672-4CF9-A78D-CFE98385B03A}"/>
               </a:ext>
             </a:extLst>
           </p:cNvPr>
@@ -27135,7 +28752,7 @@
           <p:cNvPr id="8" name="Slide Number Placeholder 7">
             <a:extLst>
               <a:ext uri="{FF2B5EF4-FFF2-40B4-BE49-F238E27FC236}">
-                <a16:creationId xmlns:a16="http://schemas.microsoft.com/office/drawing/2014/main" xmlns="" id="{E6AC9832-FB01-464A-9824-61887B77997E}"/>
+                <a16:creationId xmlns="" xmlns:a16="http://schemas.microsoft.com/office/drawing/2014/main" id="{E6AC9832-FB01-464A-9824-61887B77997E}"/>
               </a:ext>
             </a:extLst>
           </p:cNvPr>
@@ -27154,7 +28771,7 @@
             <a:fld id="{19B51A1E-902D-48AF-9020-955120F399B6}" type="slidenum">
               <a:rPr lang="en-US" smtClean="0"/>
               <a:pPr/>
-              <a:t>13</a:t>
+              <a:t>17</a:t>
             </a:fld>
             <a:endParaRPr lang="en-US" dirty="0"/>
           </a:p>
@@ -27352,7 +28969,7 @@
 </p:sld>
 </file>
 
-<file path=ppt/slides/slide14.xml><?xml version="1.0" encoding="utf-8"?>
+<file path=ppt/slides/slide18.xml><?xml version="1.0" encoding="utf-8"?>
 <p:sld xmlns:a="http://schemas.openxmlformats.org/drawingml/2006/main" xmlns:r="http://schemas.openxmlformats.org/officeDocument/2006/relationships" xmlns:p="http://schemas.openxmlformats.org/presentationml/2006/main">
   <p:cSld>
     <p:spTree>
@@ -27374,7 +28991,7 @@
           <p:cNvPr id="2" name="Title 1">
             <a:extLst>
               <a:ext uri="{FF2B5EF4-FFF2-40B4-BE49-F238E27FC236}">
-                <a16:creationId xmlns:a16="http://schemas.microsoft.com/office/drawing/2014/main" xmlns="" id="{19304E83-A4F0-49C5-BB01-F5773509A2B3}"/>
+                <a16:creationId xmlns="" xmlns:a16="http://schemas.microsoft.com/office/drawing/2014/main" id="{19304E83-A4F0-49C5-BB01-F5773509A2B3}"/>
               </a:ext>
             </a:extLst>
           </p:cNvPr>
@@ -27402,7 +29019,7 @@
           <p:cNvPr id="3" name="Text Placeholder 2">
             <a:extLst>
               <a:ext uri="{FF2B5EF4-FFF2-40B4-BE49-F238E27FC236}">
-                <a16:creationId xmlns:a16="http://schemas.microsoft.com/office/drawing/2014/main" xmlns="" id="{7CA42D59-EAD6-4F95-84F1-32A30F057856}"/>
+                <a16:creationId xmlns="" xmlns:a16="http://schemas.microsoft.com/office/drawing/2014/main" id="{7CA42D59-EAD6-4F95-84F1-32A30F057856}"/>
               </a:ext>
             </a:extLst>
           </p:cNvPr>
@@ -27430,7 +29047,7 @@
           <p:cNvPr id="4" name="Text Placeholder 3">
             <a:extLst>
               <a:ext uri="{FF2B5EF4-FFF2-40B4-BE49-F238E27FC236}">
-                <a16:creationId xmlns:a16="http://schemas.microsoft.com/office/drawing/2014/main" xmlns="" id="{6AB259A0-0017-492F-A0DC-4B70C7052AE0}"/>
+                <a16:creationId xmlns="" xmlns:a16="http://schemas.microsoft.com/office/drawing/2014/main" id="{6AB259A0-0017-492F-A0DC-4B70C7052AE0}"/>
               </a:ext>
             </a:extLst>
           </p:cNvPr>
@@ -27463,7 +29080,7 @@
           <p:cNvPr id="6" name="Text Placeholder 5">
             <a:extLst>
               <a:ext uri="{FF2B5EF4-FFF2-40B4-BE49-F238E27FC236}">
-                <a16:creationId xmlns:a16="http://schemas.microsoft.com/office/drawing/2014/main" xmlns="" id="{B237D1CA-B91A-410E-A968-D017BBE99F99}"/>
+                <a16:creationId xmlns="" xmlns:a16="http://schemas.microsoft.com/office/drawing/2014/main" id="{B237D1CA-B91A-410E-A968-D017BBE99F99}"/>
               </a:ext>
             </a:extLst>
           </p:cNvPr>
@@ -27496,7 +29113,7 @@
           <p:cNvPr id="7" name="Text Placeholder 6">
             <a:extLst>
               <a:ext uri="{FF2B5EF4-FFF2-40B4-BE49-F238E27FC236}">
-                <a16:creationId xmlns:a16="http://schemas.microsoft.com/office/drawing/2014/main" xmlns="" id="{26A87885-D672-4CF9-A78D-CFE98385B03A}"/>
+                <a16:creationId xmlns="" xmlns:a16="http://schemas.microsoft.com/office/drawing/2014/main" id="{26A87885-D672-4CF9-A78D-CFE98385B03A}"/>
               </a:ext>
             </a:extLst>
           </p:cNvPr>
@@ -27543,7 +29160,7 @@
           <p:cNvPr id="8" name="Slide Number Placeholder 7">
             <a:extLst>
               <a:ext uri="{FF2B5EF4-FFF2-40B4-BE49-F238E27FC236}">
-                <a16:creationId xmlns:a16="http://schemas.microsoft.com/office/drawing/2014/main" xmlns="" id="{E6AC9832-FB01-464A-9824-61887B77997E}"/>
+                <a16:creationId xmlns="" xmlns:a16="http://schemas.microsoft.com/office/drawing/2014/main" id="{E6AC9832-FB01-464A-9824-61887B77997E}"/>
               </a:ext>
             </a:extLst>
           </p:cNvPr>
@@ -27562,7 +29179,7 @@
             <a:fld id="{19B51A1E-902D-48AF-9020-955120F399B6}" type="slidenum">
               <a:rPr lang="en-US" smtClean="0"/>
               <a:pPr/>
-              <a:t>14</a:t>
+              <a:t>18</a:t>
             </a:fld>
             <a:endParaRPr lang="en-US" dirty="0"/>
           </a:p>
@@ -27648,7 +29265,7 @@
 </p:sld>
 </file>
 
-<file path=ppt/slides/slide15.xml><?xml version="1.0" encoding="utf-8"?>
+<file path=ppt/slides/slide19.xml><?xml version="1.0" encoding="utf-8"?>
 <p:sld xmlns:a="http://schemas.openxmlformats.org/drawingml/2006/main" xmlns:r="http://schemas.openxmlformats.org/officeDocument/2006/relationships" xmlns:p="http://schemas.openxmlformats.org/presentationml/2006/main">
   <p:cSld>
     <p:spTree>
@@ -27670,7 +29287,7 @@
           <p:cNvPr id="3" name="Text Placeholder 2">
             <a:extLst>
               <a:ext uri="{FF2B5EF4-FFF2-40B4-BE49-F238E27FC236}">
-                <a16:creationId xmlns:a16="http://schemas.microsoft.com/office/drawing/2014/main" xmlns="" id="{7CA42D59-EAD6-4F95-84F1-32A30F057856}"/>
+                <a16:creationId xmlns="" xmlns:a16="http://schemas.microsoft.com/office/drawing/2014/main" id="{7CA42D59-EAD6-4F95-84F1-32A30F057856}"/>
               </a:ext>
             </a:extLst>
           </p:cNvPr>
@@ -27698,7 +29315,7 @@
           <p:cNvPr id="4" name="Text Placeholder 3">
             <a:extLst>
               <a:ext uri="{FF2B5EF4-FFF2-40B4-BE49-F238E27FC236}">
-                <a16:creationId xmlns:a16="http://schemas.microsoft.com/office/drawing/2014/main" xmlns="" id="{6AB259A0-0017-492F-A0DC-4B70C7052AE0}"/>
+                <a16:creationId xmlns="" xmlns:a16="http://schemas.microsoft.com/office/drawing/2014/main" id="{6AB259A0-0017-492F-A0DC-4B70C7052AE0}"/>
               </a:ext>
             </a:extLst>
           </p:cNvPr>
@@ -27731,7 +29348,7 @@
           <p:cNvPr id="6" name="Text Placeholder 5">
             <a:extLst>
               <a:ext uri="{FF2B5EF4-FFF2-40B4-BE49-F238E27FC236}">
-                <a16:creationId xmlns:a16="http://schemas.microsoft.com/office/drawing/2014/main" xmlns="" id="{B237D1CA-B91A-410E-A968-D017BBE99F99}"/>
+                <a16:creationId xmlns="" xmlns:a16="http://schemas.microsoft.com/office/drawing/2014/main" id="{B237D1CA-B91A-410E-A968-D017BBE99F99}"/>
               </a:ext>
             </a:extLst>
           </p:cNvPr>
@@ -27764,7 +29381,7 @@
           <p:cNvPr id="7" name="Text Placeholder 6">
             <a:extLst>
               <a:ext uri="{FF2B5EF4-FFF2-40B4-BE49-F238E27FC236}">
-                <a16:creationId xmlns:a16="http://schemas.microsoft.com/office/drawing/2014/main" xmlns="" id="{26A87885-D672-4CF9-A78D-CFE98385B03A}"/>
+                <a16:creationId xmlns="" xmlns:a16="http://schemas.microsoft.com/office/drawing/2014/main" id="{26A87885-D672-4CF9-A78D-CFE98385B03A}"/>
               </a:ext>
             </a:extLst>
           </p:cNvPr>
@@ -27811,7 +29428,7 @@
           <p:cNvPr id="8" name="Slide Number Placeholder 7">
             <a:extLst>
               <a:ext uri="{FF2B5EF4-FFF2-40B4-BE49-F238E27FC236}">
-                <a16:creationId xmlns:a16="http://schemas.microsoft.com/office/drawing/2014/main" xmlns="" id="{E6AC9832-FB01-464A-9824-61887B77997E}"/>
+                <a16:creationId xmlns="" xmlns:a16="http://schemas.microsoft.com/office/drawing/2014/main" id="{E6AC9832-FB01-464A-9824-61887B77997E}"/>
               </a:ext>
             </a:extLst>
           </p:cNvPr>
@@ -27830,7 +29447,7 @@
             <a:fld id="{19B51A1E-902D-48AF-9020-955120F399B6}" type="slidenum">
               <a:rPr lang="en-US" smtClean="0"/>
               <a:pPr/>
-              <a:t>15</a:t>
+              <a:t>19</a:t>
             </a:fld>
             <a:endParaRPr lang="en-US" dirty="0"/>
           </a:p>
@@ -27901,7 +29518,7 @@
           <p:cNvPr id="2" name="Title 1">
             <a:extLst>
               <a:ext uri="{FF2B5EF4-FFF2-40B4-BE49-F238E27FC236}">
-                <a16:creationId xmlns:a16="http://schemas.microsoft.com/office/drawing/2014/main" xmlns="" id="{19304E83-A4F0-49C5-BB01-F5773509A2B3}"/>
+                <a16:creationId xmlns="" xmlns:a16="http://schemas.microsoft.com/office/drawing/2014/main" id="{19304E83-A4F0-49C5-BB01-F5773509A2B3}"/>
               </a:ext>
             </a:extLst>
           </p:cNvPr>
@@ -28005,7 +29622,67 @@
 </p:sld>
 </file>
 
-<file path=ppt/slides/slide16.xml><?xml version="1.0" encoding="utf-8"?>
+<file path=ppt/slides/slide2.xml><?xml version="1.0" encoding="utf-8"?>
+<p:sld xmlns:a="http://schemas.openxmlformats.org/drawingml/2006/main" xmlns:r="http://schemas.openxmlformats.org/officeDocument/2006/relationships" xmlns:p="http://schemas.openxmlformats.org/presentationml/2006/main">
+  <p:cSld>
+    <p:spTree>
+      <p:nvGrpSpPr>
+        <p:cNvPr id="1" name=""/>
+        <p:cNvGrpSpPr/>
+        <p:nvPr/>
+      </p:nvGrpSpPr>
+      <p:grpSpPr>
+        <a:xfrm>
+          <a:off x="0" y="0"/>
+          <a:ext cx="0" cy="0"/>
+          <a:chOff x="0" y="0"/>
+          <a:chExt cx="0" cy="0"/>
+        </a:xfrm>
+      </p:grpSpPr>
+      <p:sp>
+        <p:nvSpPr>
+          <p:cNvPr id="5" name="TextBox 4"/>
+          <p:cNvSpPr txBox="1"/>
+          <p:nvPr/>
+        </p:nvSpPr>
+        <p:spPr>
+          <a:xfrm>
+            <a:off x="1210235" y="1573306"/>
+            <a:ext cx="3472361" cy="369332"/>
+          </a:xfrm>
+          <a:prstGeom prst="rect">
+            <a:avLst/>
+          </a:prstGeom>
+          <a:noFill/>
+        </p:spPr>
+        <p:txBody>
+          <a:bodyPr wrap="none" rtlCol="0">
+            <a:spAutoFit/>
+          </a:bodyPr>
+          <a:lstStyle/>
+          <a:p>
+            <a:r>
+              <a:rPr lang="en-US" dirty="0" smtClean="0"/>
+              <a:t>Classes by experienced MD Doctors</a:t>
+            </a:r>
+            <a:endParaRPr lang="en-US" dirty="0"/>
+          </a:p>
+        </p:txBody>
+      </p:sp>
+    </p:spTree>
+    <p:extLst>
+      <p:ext uri="{BB962C8B-B14F-4D97-AF65-F5344CB8AC3E}">
+        <p14:creationId xmlns:p14="http://schemas.microsoft.com/office/powerpoint/2010/main" val="535870749"/>
+      </p:ext>
+    </p:extLst>
+  </p:cSld>
+  <p:clrMapOvr>
+    <a:masterClrMapping/>
+  </p:clrMapOvr>
+</p:sld>
+</file>
+
+<file path=ppt/slides/slide20.xml><?xml version="1.0" encoding="utf-8"?>
 <p:sld xmlns:a="http://schemas.openxmlformats.org/drawingml/2006/main" xmlns:r="http://schemas.openxmlformats.org/officeDocument/2006/relationships" xmlns:p="http://schemas.openxmlformats.org/presentationml/2006/main">
   <p:cSld>
     <p:spTree>
@@ -28027,7 +29704,7 @@
           <p:cNvPr id="3" name="Text Placeholder 2">
             <a:extLst>
               <a:ext uri="{FF2B5EF4-FFF2-40B4-BE49-F238E27FC236}">
-                <a16:creationId xmlns:a16="http://schemas.microsoft.com/office/drawing/2014/main" xmlns="" id="{7CA42D59-EAD6-4F95-84F1-32A30F057856}"/>
+                <a16:creationId xmlns="" xmlns:a16="http://schemas.microsoft.com/office/drawing/2014/main" id="{7CA42D59-EAD6-4F95-84F1-32A30F057856}"/>
               </a:ext>
             </a:extLst>
           </p:cNvPr>
@@ -28055,7 +29732,7 @@
           <p:cNvPr id="4" name="Text Placeholder 3">
             <a:extLst>
               <a:ext uri="{FF2B5EF4-FFF2-40B4-BE49-F238E27FC236}">
-                <a16:creationId xmlns:a16="http://schemas.microsoft.com/office/drawing/2014/main" xmlns="" id="{6AB259A0-0017-492F-A0DC-4B70C7052AE0}"/>
+                <a16:creationId xmlns="" xmlns:a16="http://schemas.microsoft.com/office/drawing/2014/main" id="{6AB259A0-0017-492F-A0DC-4B70C7052AE0}"/>
               </a:ext>
             </a:extLst>
           </p:cNvPr>
@@ -28088,7 +29765,7 @@
           <p:cNvPr id="6" name="Text Placeholder 5">
             <a:extLst>
               <a:ext uri="{FF2B5EF4-FFF2-40B4-BE49-F238E27FC236}">
-                <a16:creationId xmlns:a16="http://schemas.microsoft.com/office/drawing/2014/main" xmlns="" id="{B237D1CA-B91A-410E-A968-D017BBE99F99}"/>
+                <a16:creationId xmlns="" xmlns:a16="http://schemas.microsoft.com/office/drawing/2014/main" id="{B237D1CA-B91A-410E-A968-D017BBE99F99}"/>
               </a:ext>
             </a:extLst>
           </p:cNvPr>
@@ -28121,7 +29798,7 @@
           <p:cNvPr id="7" name="Text Placeholder 6">
             <a:extLst>
               <a:ext uri="{FF2B5EF4-FFF2-40B4-BE49-F238E27FC236}">
-                <a16:creationId xmlns:a16="http://schemas.microsoft.com/office/drawing/2014/main" xmlns="" id="{26A87885-D672-4CF9-A78D-CFE98385B03A}"/>
+                <a16:creationId xmlns="" xmlns:a16="http://schemas.microsoft.com/office/drawing/2014/main" id="{26A87885-D672-4CF9-A78D-CFE98385B03A}"/>
               </a:ext>
             </a:extLst>
           </p:cNvPr>
@@ -28168,7 +29845,7 @@
           <p:cNvPr id="8" name="Slide Number Placeholder 7">
             <a:extLst>
               <a:ext uri="{FF2B5EF4-FFF2-40B4-BE49-F238E27FC236}">
-                <a16:creationId xmlns:a16="http://schemas.microsoft.com/office/drawing/2014/main" xmlns="" id="{E6AC9832-FB01-464A-9824-61887B77997E}"/>
+                <a16:creationId xmlns="" xmlns:a16="http://schemas.microsoft.com/office/drawing/2014/main" id="{E6AC9832-FB01-464A-9824-61887B77997E}"/>
               </a:ext>
             </a:extLst>
           </p:cNvPr>
@@ -28187,7 +29864,7 @@
             <a:fld id="{19B51A1E-902D-48AF-9020-955120F399B6}" type="slidenum">
               <a:rPr lang="en-US" smtClean="0"/>
               <a:pPr/>
-              <a:t>16</a:t>
+              <a:t>20</a:t>
             </a:fld>
             <a:endParaRPr lang="en-US" dirty="0"/>
           </a:p>
@@ -28228,7 +29905,7 @@
           <p:cNvPr id="2" name="Title 1">
             <a:extLst>
               <a:ext uri="{FF2B5EF4-FFF2-40B4-BE49-F238E27FC236}">
-                <a16:creationId xmlns:a16="http://schemas.microsoft.com/office/drawing/2014/main" xmlns="" id="{19304E83-A4F0-49C5-BB01-F5773509A2B3}"/>
+                <a16:creationId xmlns="" xmlns:a16="http://schemas.microsoft.com/office/drawing/2014/main" id="{19304E83-A4F0-49C5-BB01-F5773509A2B3}"/>
               </a:ext>
             </a:extLst>
           </p:cNvPr>
@@ -28362,7 +30039,7 @@
 </p:sld>
 </file>
 
-<file path=ppt/slides/slide17.xml><?xml version="1.0" encoding="utf-8"?>
+<file path=ppt/slides/slide21.xml><?xml version="1.0" encoding="utf-8"?>
 <p:sld xmlns:a="http://schemas.openxmlformats.org/drawingml/2006/main" xmlns:r="http://schemas.openxmlformats.org/officeDocument/2006/relationships" xmlns:p="http://schemas.openxmlformats.org/presentationml/2006/main">
   <p:cSld>
     <p:spTree>
@@ -28384,7 +30061,7 @@
           <p:cNvPr id="2" name="Title 1">
             <a:extLst>
               <a:ext uri="{FF2B5EF4-FFF2-40B4-BE49-F238E27FC236}">
-                <a16:creationId xmlns:a16="http://schemas.microsoft.com/office/drawing/2014/main" xmlns="" id="{19304E83-A4F0-49C5-BB01-F5773509A2B3}"/>
+                <a16:creationId xmlns="" xmlns:a16="http://schemas.microsoft.com/office/drawing/2014/main" id="{19304E83-A4F0-49C5-BB01-F5773509A2B3}"/>
               </a:ext>
             </a:extLst>
           </p:cNvPr>
@@ -28412,7 +30089,7 @@
           <p:cNvPr id="3" name="Text Placeholder 2">
             <a:extLst>
               <a:ext uri="{FF2B5EF4-FFF2-40B4-BE49-F238E27FC236}">
-                <a16:creationId xmlns:a16="http://schemas.microsoft.com/office/drawing/2014/main" xmlns="" id="{7CA42D59-EAD6-4F95-84F1-32A30F057856}"/>
+                <a16:creationId xmlns="" xmlns:a16="http://schemas.microsoft.com/office/drawing/2014/main" id="{7CA42D59-EAD6-4F95-84F1-32A30F057856}"/>
               </a:ext>
             </a:extLst>
           </p:cNvPr>
@@ -28440,7 +30117,7 @@
           <p:cNvPr id="4" name="Text Placeholder 3">
             <a:extLst>
               <a:ext uri="{FF2B5EF4-FFF2-40B4-BE49-F238E27FC236}">
-                <a16:creationId xmlns:a16="http://schemas.microsoft.com/office/drawing/2014/main" xmlns="" id="{6AB259A0-0017-492F-A0DC-4B70C7052AE0}"/>
+                <a16:creationId xmlns="" xmlns:a16="http://schemas.microsoft.com/office/drawing/2014/main" id="{6AB259A0-0017-492F-A0DC-4B70C7052AE0}"/>
               </a:ext>
             </a:extLst>
           </p:cNvPr>
@@ -28473,7 +30150,7 @@
           <p:cNvPr id="6" name="Text Placeholder 5">
             <a:extLst>
               <a:ext uri="{FF2B5EF4-FFF2-40B4-BE49-F238E27FC236}">
-                <a16:creationId xmlns:a16="http://schemas.microsoft.com/office/drawing/2014/main" xmlns="" id="{B237D1CA-B91A-410E-A968-D017BBE99F99}"/>
+                <a16:creationId xmlns="" xmlns:a16="http://schemas.microsoft.com/office/drawing/2014/main" id="{B237D1CA-B91A-410E-A968-D017BBE99F99}"/>
               </a:ext>
             </a:extLst>
           </p:cNvPr>
@@ -28506,7 +30183,7 @@
           <p:cNvPr id="7" name="Text Placeholder 6">
             <a:extLst>
               <a:ext uri="{FF2B5EF4-FFF2-40B4-BE49-F238E27FC236}">
-                <a16:creationId xmlns:a16="http://schemas.microsoft.com/office/drawing/2014/main" xmlns="" id="{26A87885-D672-4CF9-A78D-CFE98385B03A}"/>
+                <a16:creationId xmlns="" xmlns:a16="http://schemas.microsoft.com/office/drawing/2014/main" id="{26A87885-D672-4CF9-A78D-CFE98385B03A}"/>
               </a:ext>
             </a:extLst>
           </p:cNvPr>
@@ -28553,7 +30230,7 @@
           <p:cNvPr id="8" name="Slide Number Placeholder 7">
             <a:extLst>
               <a:ext uri="{FF2B5EF4-FFF2-40B4-BE49-F238E27FC236}">
-                <a16:creationId xmlns:a16="http://schemas.microsoft.com/office/drawing/2014/main" xmlns="" id="{E6AC9832-FB01-464A-9824-61887B77997E}"/>
+                <a16:creationId xmlns="" xmlns:a16="http://schemas.microsoft.com/office/drawing/2014/main" id="{E6AC9832-FB01-464A-9824-61887B77997E}"/>
               </a:ext>
             </a:extLst>
           </p:cNvPr>
@@ -28572,7 +30249,7 @@
             <a:fld id="{19B51A1E-902D-48AF-9020-955120F399B6}" type="slidenum">
               <a:rPr lang="en-US" smtClean="0"/>
               <a:pPr/>
-              <a:t>17</a:t>
+              <a:t>21</a:t>
             </a:fld>
             <a:endParaRPr lang="en-US" dirty="0"/>
           </a:p>
@@ -28658,7 +30335,7 @@
 </p:sld>
 </file>
 
-<file path=ppt/slides/slide18.xml><?xml version="1.0" encoding="utf-8"?>
+<file path=ppt/slides/slide22.xml><?xml version="1.0" encoding="utf-8"?>
 <p:sld xmlns:a="http://schemas.openxmlformats.org/drawingml/2006/main" xmlns:r="http://schemas.openxmlformats.org/officeDocument/2006/relationships" xmlns:p="http://schemas.openxmlformats.org/presentationml/2006/main">
   <p:cSld>
     <p:spTree>
@@ -28721,7 +30398,7 @@
           <p:cNvPr id="12" name="Title 11">
             <a:extLst>
               <a:ext uri="{FF2B5EF4-FFF2-40B4-BE49-F238E27FC236}">
-                <a16:creationId xmlns:a16="http://schemas.microsoft.com/office/drawing/2014/main" xmlns="" id="{D8744987-7958-44D9-AE6F-009CA4C08875}"/>
+                <a16:creationId xmlns="" xmlns:a16="http://schemas.microsoft.com/office/drawing/2014/main" id="{D8744987-7958-44D9-AE6F-009CA4C08875}"/>
               </a:ext>
             </a:extLst>
           </p:cNvPr>
@@ -28788,7 +30465,7 @@
           <p:cNvPr id="10" name="Title 11">
             <a:extLst>
               <a:ext uri="{FF2B5EF4-FFF2-40B4-BE49-F238E27FC236}">
-                <a16:creationId xmlns:a16="http://schemas.microsoft.com/office/drawing/2014/main" xmlns="" id="{D8744987-7958-44D9-AE6F-009CA4C08875}"/>
+                <a16:creationId xmlns="" xmlns:a16="http://schemas.microsoft.com/office/drawing/2014/main" id="{D8744987-7958-44D9-AE6F-009CA4C08875}"/>
               </a:ext>
             </a:extLst>
           </p:cNvPr>
@@ -28880,7 +30557,7 @@
           <p:cNvPr id="11" name="Title 11">
             <a:extLst>
               <a:ext uri="{FF2B5EF4-FFF2-40B4-BE49-F238E27FC236}">
-                <a16:creationId xmlns:a16="http://schemas.microsoft.com/office/drawing/2014/main" xmlns="" id="{D8744987-7958-44D9-AE6F-009CA4C08875}"/>
+                <a16:creationId xmlns="" xmlns:a16="http://schemas.microsoft.com/office/drawing/2014/main" id="{D8744987-7958-44D9-AE6F-009CA4C08875}"/>
               </a:ext>
             </a:extLst>
           </p:cNvPr>
@@ -28969,7 +30646,7 @@
           <p:cNvPr id="13" name="Title 11">
             <a:extLst>
               <a:ext uri="{FF2B5EF4-FFF2-40B4-BE49-F238E27FC236}">
-                <a16:creationId xmlns:a16="http://schemas.microsoft.com/office/drawing/2014/main" xmlns="" id="{D8744987-7958-44D9-AE6F-009CA4C08875}"/>
+                <a16:creationId xmlns="" xmlns:a16="http://schemas.microsoft.com/office/drawing/2014/main" id="{D8744987-7958-44D9-AE6F-009CA4C08875}"/>
               </a:ext>
             </a:extLst>
           </p:cNvPr>
@@ -29058,7 +30735,7 @@
           <p:cNvPr id="14" name="Title 11">
             <a:extLst>
               <a:ext uri="{FF2B5EF4-FFF2-40B4-BE49-F238E27FC236}">
-                <a16:creationId xmlns:a16="http://schemas.microsoft.com/office/drawing/2014/main" xmlns="" id="{D8744987-7958-44D9-AE6F-009CA4C08875}"/>
+                <a16:creationId xmlns="" xmlns:a16="http://schemas.microsoft.com/office/drawing/2014/main" id="{D8744987-7958-44D9-AE6F-009CA4C08875}"/>
               </a:ext>
             </a:extLst>
           </p:cNvPr>
@@ -29154,7 +30831,7 @@
           <p:cNvPr id="15" name="Title 11">
             <a:extLst>
               <a:ext uri="{FF2B5EF4-FFF2-40B4-BE49-F238E27FC236}">
-                <a16:creationId xmlns:a16="http://schemas.microsoft.com/office/drawing/2014/main" xmlns="" id="{D8744987-7958-44D9-AE6F-009CA4C08875}"/>
+                <a16:creationId xmlns="" xmlns:a16="http://schemas.microsoft.com/office/drawing/2014/main" id="{D8744987-7958-44D9-AE6F-009CA4C08875}"/>
               </a:ext>
             </a:extLst>
           </p:cNvPr>
@@ -29256,7 +30933,7 @@
           <p:cNvPr id="18" name="Title 11">
             <a:extLst>
               <a:ext uri="{FF2B5EF4-FFF2-40B4-BE49-F238E27FC236}">
-                <a16:creationId xmlns:a16="http://schemas.microsoft.com/office/drawing/2014/main" xmlns="" id="{D8744987-7958-44D9-AE6F-009CA4C08875}"/>
+                <a16:creationId xmlns="" xmlns:a16="http://schemas.microsoft.com/office/drawing/2014/main" id="{D8744987-7958-44D9-AE6F-009CA4C08875}"/>
               </a:ext>
             </a:extLst>
           </p:cNvPr>
@@ -29390,7 +31067,7 @@
 </p:sld>
 </file>
 
-<file path=ppt/slides/slide19.xml><?xml version="1.0" encoding="utf-8"?>
+<file path=ppt/slides/slide23.xml><?xml version="1.0" encoding="utf-8"?>
 <p:sld xmlns:a="http://schemas.openxmlformats.org/drawingml/2006/main" xmlns:r="http://schemas.openxmlformats.org/officeDocument/2006/relationships" xmlns:p="http://schemas.openxmlformats.org/presentationml/2006/main">
   <p:cSld>
     <p:spTree>
@@ -29453,7 +31130,7 @@
           <p:cNvPr id="12" name="Title 11">
             <a:extLst>
               <a:ext uri="{FF2B5EF4-FFF2-40B4-BE49-F238E27FC236}">
-                <a16:creationId xmlns:a16="http://schemas.microsoft.com/office/drawing/2014/main" xmlns="" id="{D8744987-7958-44D9-AE6F-009CA4C08875}"/>
+                <a16:creationId xmlns="" xmlns:a16="http://schemas.microsoft.com/office/drawing/2014/main" id="{D8744987-7958-44D9-AE6F-009CA4C08875}"/>
               </a:ext>
             </a:extLst>
           </p:cNvPr>
@@ -29524,7 +31201,7 @@
           <p:cNvPr id="10" name="Title 11">
             <a:extLst>
               <a:ext uri="{FF2B5EF4-FFF2-40B4-BE49-F238E27FC236}">
-                <a16:creationId xmlns:a16="http://schemas.microsoft.com/office/drawing/2014/main" xmlns="" id="{D8744987-7958-44D9-AE6F-009CA4C08875}"/>
+                <a16:creationId xmlns="" xmlns:a16="http://schemas.microsoft.com/office/drawing/2014/main" id="{D8744987-7958-44D9-AE6F-009CA4C08875}"/>
               </a:ext>
             </a:extLst>
           </p:cNvPr>
@@ -29616,7 +31293,7 @@
           <p:cNvPr id="11" name="Title 11">
             <a:extLst>
               <a:ext uri="{FF2B5EF4-FFF2-40B4-BE49-F238E27FC236}">
-                <a16:creationId xmlns:a16="http://schemas.microsoft.com/office/drawing/2014/main" xmlns="" id="{D8744987-7958-44D9-AE6F-009CA4C08875}"/>
+                <a16:creationId xmlns="" xmlns:a16="http://schemas.microsoft.com/office/drawing/2014/main" id="{D8744987-7958-44D9-AE6F-009CA4C08875}"/>
               </a:ext>
             </a:extLst>
           </p:cNvPr>
@@ -29705,7 +31382,7 @@
           <p:cNvPr id="13" name="Title 11">
             <a:extLst>
               <a:ext uri="{FF2B5EF4-FFF2-40B4-BE49-F238E27FC236}">
-                <a16:creationId xmlns:a16="http://schemas.microsoft.com/office/drawing/2014/main" xmlns="" id="{D8744987-7958-44D9-AE6F-009CA4C08875}"/>
+                <a16:creationId xmlns="" xmlns:a16="http://schemas.microsoft.com/office/drawing/2014/main" id="{D8744987-7958-44D9-AE6F-009CA4C08875}"/>
               </a:ext>
             </a:extLst>
           </p:cNvPr>
@@ -29794,7 +31471,7 @@
           <p:cNvPr id="14" name="Title 11">
             <a:extLst>
               <a:ext uri="{FF2B5EF4-FFF2-40B4-BE49-F238E27FC236}">
-                <a16:creationId xmlns:a16="http://schemas.microsoft.com/office/drawing/2014/main" xmlns="" id="{D8744987-7958-44D9-AE6F-009CA4C08875}"/>
+                <a16:creationId xmlns="" xmlns:a16="http://schemas.microsoft.com/office/drawing/2014/main" id="{D8744987-7958-44D9-AE6F-009CA4C08875}"/>
               </a:ext>
             </a:extLst>
           </p:cNvPr>
@@ -29890,7 +31567,7 @@
           <p:cNvPr id="15" name="Title 11">
             <a:extLst>
               <a:ext uri="{FF2B5EF4-FFF2-40B4-BE49-F238E27FC236}">
-                <a16:creationId xmlns:a16="http://schemas.microsoft.com/office/drawing/2014/main" xmlns="" id="{D8744987-7958-44D9-AE6F-009CA4C08875}"/>
+                <a16:creationId xmlns="" xmlns:a16="http://schemas.microsoft.com/office/drawing/2014/main" id="{D8744987-7958-44D9-AE6F-009CA4C08875}"/>
               </a:ext>
             </a:extLst>
           </p:cNvPr>
@@ -29992,7 +31669,7 @@
           <p:cNvPr id="18" name="Title 11">
             <a:extLst>
               <a:ext uri="{FF2B5EF4-FFF2-40B4-BE49-F238E27FC236}">
-                <a16:creationId xmlns:a16="http://schemas.microsoft.com/office/drawing/2014/main" xmlns="" id="{D8744987-7958-44D9-AE6F-009CA4C08875}"/>
+                <a16:creationId xmlns="" xmlns:a16="http://schemas.microsoft.com/office/drawing/2014/main" id="{D8744987-7958-44D9-AE6F-009CA4C08875}"/>
               </a:ext>
             </a:extLst>
           </p:cNvPr>
@@ -30126,788 +31803,7 @@
 </p:sld>
 </file>
 
-<file path=ppt/slides/slide2.xml><?xml version="1.0" encoding="utf-8"?>
-<p:sld xmlns:a="http://schemas.openxmlformats.org/drawingml/2006/main" xmlns:r="http://schemas.openxmlformats.org/officeDocument/2006/relationships" xmlns:p="http://schemas.openxmlformats.org/presentationml/2006/main">
-  <p:cSld>
-    <p:spTree>
-      <p:nvGrpSpPr>
-        <p:cNvPr id="1" name=""/>
-        <p:cNvGrpSpPr/>
-        <p:nvPr/>
-      </p:nvGrpSpPr>
-      <p:grpSpPr>
-        <a:xfrm>
-          <a:off x="0" y="0"/>
-          <a:ext cx="0" cy="0"/>
-          <a:chOff x="0" y="0"/>
-          <a:chExt cx="0" cy="0"/>
-        </a:xfrm>
-      </p:grpSpPr>
-      <p:pic>
-        <p:nvPicPr>
-          <p:cNvPr id="8" name="Picture Placeholder 7" descr="Divider slide image">
-            <a:extLst>
-              <a:ext uri="{FF2B5EF4-FFF2-40B4-BE49-F238E27FC236}">
-                <a16:creationId xmlns:a16="http://schemas.microsoft.com/office/drawing/2014/main" xmlns="" id="{177FEC3E-B2FE-9045-8D49-89B1E3D20CB1}"/>
-              </a:ext>
-            </a:extLst>
-          </p:cNvPr>
-          <p:cNvPicPr>
-            <a:picLocks noGrp="1" noChangeAspect="1"/>
-          </p:cNvPicPr>
-          <p:nvPr>
-            <p:ph type="pic" sz="quarter" idx="13"/>
-          </p:nvPr>
-        </p:nvPicPr>
-        <p:blipFill>
-          <a:blip r:embed="rId2" cstate="screen">
-            <a:extLst>
-              <a:ext uri="{28A0092B-C50C-407E-A947-70E740481C1C}">
-                <a14:useLocalDpi xmlns:a14="http://schemas.microsoft.com/office/drawing/2010/main"/>
-              </a:ext>
-            </a:extLst>
-          </a:blip>
-          <a:srcRect/>
-          <a:stretch>
-            <a:fillRect/>
-          </a:stretch>
-        </p:blipFill>
-        <p:spPr/>
-      </p:pic>
-      <p:sp>
-        <p:nvSpPr>
-          <p:cNvPr id="24" name="TextBox 23">
-            <a:extLst>
-              <a:ext uri="{FF2B5EF4-FFF2-40B4-BE49-F238E27FC236}">
-                <a16:creationId xmlns:a16="http://schemas.microsoft.com/office/drawing/2014/main" xmlns="" id="{993B1474-02E3-4509-B5C5-84427653BA68}"/>
-              </a:ext>
-              <a:ext uri="{C183D7F6-B498-43B3-948B-1728B52AA6E4}">
-                <adec:decorative xmlns:adec="http://schemas.microsoft.com/office/drawing/2017/decorative" xmlns="" val="1"/>
-              </a:ext>
-            </a:extLst>
-          </p:cNvPr>
-          <p:cNvSpPr txBox="1">
-            <a:spLocks/>
-          </p:cNvSpPr>
-          <p:nvPr/>
-        </p:nvSpPr>
-        <p:spPr>
-          <a:xfrm>
-            <a:off x="11387102" y="2928857"/>
-            <a:ext cx="804898" cy="3140150"/>
-          </a:xfrm>
-          <a:custGeom>
-            <a:avLst/>
-            <a:gdLst>
-              <a:gd name="connsiteX0" fmla="*/ 99480 w 804898"/>
-              <a:gd name="connsiteY0" fmla="*/ 0 h 3140150"/>
-              <a:gd name="connsiteX1" fmla="*/ 804898 w 804898"/>
-              <a:gd name="connsiteY1" fmla="*/ 0 h 3140150"/>
-              <a:gd name="connsiteX2" fmla="*/ 804898 w 804898"/>
-              <a:gd name="connsiteY2" fmla="*/ 357262 h 3140150"/>
-              <a:gd name="connsiteX3" fmla="*/ 804898 w 804898"/>
-              <a:gd name="connsiteY3" fmla="*/ 2782888 h 3140150"/>
-              <a:gd name="connsiteX4" fmla="*/ 804898 w 804898"/>
-              <a:gd name="connsiteY4" fmla="*/ 3140150 h 3140150"/>
-              <a:gd name="connsiteX5" fmla="*/ 99480 w 804898"/>
-              <a:gd name="connsiteY5" fmla="*/ 3140150 h 3140150"/>
-              <a:gd name="connsiteX6" fmla="*/ 0 w 804898"/>
-              <a:gd name="connsiteY6" fmla="*/ 3013250 h 3140150"/>
-              <a:gd name="connsiteX7" fmla="*/ 0 w 804898"/>
-              <a:gd name="connsiteY7" fmla="*/ 2655988 h 3140150"/>
-              <a:gd name="connsiteX8" fmla="*/ 0 w 804898"/>
-              <a:gd name="connsiteY8" fmla="*/ 484162 h 3140150"/>
-              <a:gd name="connsiteX9" fmla="*/ 0 w 804898"/>
-              <a:gd name="connsiteY9" fmla="*/ 126900 h 3140150"/>
-              <a:gd name="connsiteX10" fmla="*/ 99480 w 804898"/>
-              <a:gd name="connsiteY10" fmla="*/ 0 h 3140150"/>
-            </a:gdLst>
-            <a:ahLst/>
-            <a:cxnLst>
-              <a:cxn ang="0">
-                <a:pos x="connsiteX0" y="connsiteY0"/>
-              </a:cxn>
-              <a:cxn ang="0">
-                <a:pos x="connsiteX1" y="connsiteY1"/>
-              </a:cxn>
-              <a:cxn ang="0">
-                <a:pos x="connsiteX2" y="connsiteY2"/>
-              </a:cxn>
-              <a:cxn ang="0">
-                <a:pos x="connsiteX3" y="connsiteY3"/>
-              </a:cxn>
-              <a:cxn ang="0">
-                <a:pos x="connsiteX4" y="connsiteY4"/>
-              </a:cxn>
-              <a:cxn ang="0">
-                <a:pos x="connsiteX5" y="connsiteY5"/>
-              </a:cxn>
-              <a:cxn ang="0">
-                <a:pos x="connsiteX6" y="connsiteY6"/>
-              </a:cxn>
-              <a:cxn ang="0">
-                <a:pos x="connsiteX7" y="connsiteY7"/>
-              </a:cxn>
-              <a:cxn ang="0">
-                <a:pos x="connsiteX8" y="connsiteY8"/>
-              </a:cxn>
-              <a:cxn ang="0">
-                <a:pos x="connsiteX9" y="connsiteY9"/>
-              </a:cxn>
-              <a:cxn ang="0">
-                <a:pos x="connsiteX10" y="connsiteY10"/>
-              </a:cxn>
-            </a:cxnLst>
-            <a:rect l="l" t="t" r="r" b="b"/>
-            <a:pathLst>
-              <a:path w="804898" h="3140150">
-                <a:moveTo>
-                  <a:pt x="99480" y="0"/>
-                </a:moveTo>
-                <a:lnTo>
-                  <a:pt x="804898" y="0"/>
-                </a:lnTo>
-                <a:lnTo>
-                  <a:pt x="804898" y="357262"/>
-                </a:lnTo>
-                <a:lnTo>
-                  <a:pt x="804898" y="2782888"/>
-                </a:lnTo>
-                <a:lnTo>
-                  <a:pt x="804898" y="3140150"/>
-                </a:lnTo>
-                <a:lnTo>
-                  <a:pt x="99480" y="3140150"/>
-                </a:lnTo>
-                <a:cubicBezTo>
-                  <a:pt x="44539" y="3140150"/>
-                  <a:pt x="0" y="3083334"/>
-                  <a:pt x="0" y="3013250"/>
-                </a:cubicBezTo>
-                <a:lnTo>
-                  <a:pt x="0" y="2655988"/>
-                </a:lnTo>
-                <a:lnTo>
-                  <a:pt x="0" y="484162"/>
-                </a:lnTo>
-                <a:lnTo>
-                  <a:pt x="0" y="126900"/>
-                </a:lnTo>
-                <a:cubicBezTo>
-                  <a:pt x="0" y="56816"/>
-                  <a:pt x="44539" y="0"/>
-                  <a:pt x="99480" y="0"/>
-                </a:cubicBezTo>
-                <a:close/>
-              </a:path>
-            </a:pathLst>
-          </a:custGeom>
-          <a:gradFill>
-            <a:gsLst>
-              <a:gs pos="100000">
-                <a:schemeClr val="tx1">
-                  <a:lumMod val="75000"/>
-                  <a:lumOff val="25000"/>
-                </a:schemeClr>
-              </a:gs>
-              <a:gs pos="0">
-                <a:schemeClr val="tx1"/>
-              </a:gs>
-            </a:gsLst>
-            <a:lin ang="0" scaled="0"/>
-          </a:gradFill>
-          <a:ln w="3175">
-            <a:solidFill>
-              <a:schemeClr val="tx1">
-                <a:lumMod val="85000"/>
-                <a:lumOff val="15000"/>
-              </a:schemeClr>
-            </a:solidFill>
-          </a:ln>
-        </p:spPr>
-        <p:txBody>
-          <a:bodyPr vert="horz" wrap="square" lIns="180000" tIns="288000" rIns="180000" bIns="180000" rtlCol="0" anchor="t">
-            <a:noAutofit/>
-          </a:bodyPr>
-          <a:lstStyle>
-            <a:lvl1pPr algn="l" defTabSz="914400" rtl="0" eaLnBrk="1" latinLnBrk="0" hangingPunct="1">
-              <a:lnSpc>
-                <a:spcPts val="4000"/>
-              </a:lnSpc>
-              <a:spcBef>
-                <a:spcPct val="0"/>
-              </a:spcBef>
-              <a:buNone/>
-              <a:defRPr sz="5000" b="1" kern="1200" spc="-300">
-                <a:solidFill>
-                  <a:schemeClr val="bg1">
-                    <a:lumMod val="95000"/>
-                  </a:schemeClr>
-                </a:solidFill>
-                <a:latin typeface="+mj-lt"/>
-                <a:ea typeface="+mj-ea"/>
-                <a:cs typeface="+mj-cs"/>
-              </a:defRPr>
-            </a:lvl1pPr>
-          </a:lstStyle>
-          <a:p>
-            <a:endParaRPr lang="en-US" dirty="0"/>
-          </a:p>
-        </p:txBody>
-      </p:sp>
-      <p:sp>
-        <p:nvSpPr>
-          <p:cNvPr id="18" name="Isosceles Triangle 17">
-            <a:extLst>
-              <a:ext uri="{FF2B5EF4-FFF2-40B4-BE49-F238E27FC236}">
-                <a16:creationId xmlns:a16="http://schemas.microsoft.com/office/drawing/2014/main" xmlns="" id="{FAB4748B-F532-4C70-827A-5FEA8C084327}"/>
-              </a:ext>
-              <a:ext uri="{C183D7F6-B498-43B3-948B-1728B52AA6E4}">
-                <adec:decorative xmlns:adec="http://schemas.microsoft.com/office/drawing/2017/decorative" xmlns="" val="1"/>
-              </a:ext>
-            </a:extLst>
-          </p:cNvPr>
-          <p:cNvSpPr/>
-          <p:nvPr/>
-        </p:nvSpPr>
-        <p:spPr>
-          <a:xfrm rot="10800000">
-            <a:off x="11391864" y="5548307"/>
-            <a:ext cx="450092" cy="424971"/>
-          </a:xfrm>
-          <a:prstGeom prst="triangle">
-            <a:avLst>
-              <a:gd name="adj" fmla="val 100000"/>
-            </a:avLst>
-          </a:prstGeom>
-          <a:solidFill>
-            <a:schemeClr val="accent1"/>
-          </a:solidFill>
-          <a:ln w="3175">
-            <a:solidFill>
-              <a:schemeClr val="tx1">
-                <a:lumMod val="65000"/>
-                <a:lumOff val="35000"/>
-              </a:schemeClr>
-            </a:solidFill>
-          </a:ln>
-        </p:spPr>
-        <p:style>
-          <a:lnRef idx="2">
-            <a:schemeClr val="accent1">
-              <a:shade val="50000"/>
-            </a:schemeClr>
-          </a:lnRef>
-          <a:fillRef idx="1">
-            <a:schemeClr val="accent1"/>
-          </a:fillRef>
-          <a:effectRef idx="0">
-            <a:schemeClr val="accent1"/>
-          </a:effectRef>
-          <a:fontRef idx="minor">
-            <a:schemeClr val="lt1"/>
-          </a:fontRef>
-        </p:style>
-        <p:txBody>
-          <a:bodyPr rtlCol="0" anchor="ctr"/>
-          <a:lstStyle/>
-          <a:p>
-            <a:pPr algn="ctr"/>
-            <a:endParaRPr lang="en-US" dirty="0"/>
-          </a:p>
-        </p:txBody>
-      </p:sp>
-      <p:sp>
-        <p:nvSpPr>
-          <p:cNvPr id="3" name="Title 2">
-            <a:extLst>
-              <a:ext uri="{FF2B5EF4-FFF2-40B4-BE49-F238E27FC236}">
-                <a16:creationId xmlns:a16="http://schemas.microsoft.com/office/drawing/2014/main" xmlns="" id="{200B3D2B-613A-41BE-987D-E6A1324B456D}"/>
-              </a:ext>
-            </a:extLst>
-          </p:cNvPr>
-          <p:cNvSpPr>
-            <a:spLocks noGrp="1"/>
-          </p:cNvSpPr>
-          <p:nvPr>
-            <p:ph type="ctrTitle"/>
-          </p:nvPr>
-        </p:nvSpPr>
-        <p:spPr>
-          <a:xfrm>
-            <a:off x="7425293" y="2408157"/>
-            <a:ext cx="4459766" cy="3146839"/>
-          </a:xfrm>
-        </p:spPr>
-        <p:txBody>
-          <a:bodyPr/>
-          <a:lstStyle/>
-          <a:p>
-            <a:r>
-              <a:rPr lang="en-US" dirty="0"/>
-              <a:t>Section Divider Option 1</a:t>
-            </a:r>
-          </a:p>
-        </p:txBody>
-      </p:sp>
-      <p:sp>
-        <p:nvSpPr>
-          <p:cNvPr id="4" name="Subtitle 3">
-            <a:extLst>
-              <a:ext uri="{FF2B5EF4-FFF2-40B4-BE49-F238E27FC236}">
-                <a16:creationId xmlns:a16="http://schemas.microsoft.com/office/drawing/2014/main" xmlns="" id="{4772945D-CA91-4CFE-8EB7-941C7618C994}"/>
-              </a:ext>
-            </a:extLst>
-          </p:cNvPr>
-          <p:cNvSpPr>
-            <a:spLocks noGrp="1"/>
-          </p:cNvSpPr>
-          <p:nvPr>
-            <p:ph type="subTitle" idx="1"/>
-          </p:nvPr>
-        </p:nvSpPr>
-        <p:spPr/>
-        <p:txBody>
-          <a:bodyPr/>
-          <a:lstStyle/>
-          <a:p>
-            <a:r>
-              <a:rPr lang="en-US" dirty="0"/>
-              <a:t>Lorem ipsum dolor sit amet, consectetur adipiscing elit</a:t>
-            </a:r>
-          </a:p>
-        </p:txBody>
-      </p:sp>
-      <p:sp>
-        <p:nvSpPr>
-          <p:cNvPr id="15" name="Freeform 5">
-            <a:extLst>
-              <a:ext uri="{FF2B5EF4-FFF2-40B4-BE49-F238E27FC236}">
-                <a16:creationId xmlns:a16="http://schemas.microsoft.com/office/drawing/2014/main" xmlns="" id="{7746F873-A4ED-4E4C-BB89-CA0FBB9E9582}"/>
-              </a:ext>
-              <a:ext uri="{C183D7F6-B498-43B3-948B-1728B52AA6E4}">
-                <adec:decorative xmlns:adec="http://schemas.microsoft.com/office/drawing/2017/decorative" xmlns="" val="1"/>
-              </a:ext>
-            </a:extLst>
-          </p:cNvPr>
-          <p:cNvSpPr>
-            <a:spLocks noChangeAspect="1"/>
-          </p:cNvSpPr>
-          <p:nvPr/>
-        </p:nvSpPr>
-        <p:spPr bwMode="auto">
-          <a:xfrm>
-            <a:off x="456656" y="5118766"/>
-            <a:ext cx="751030" cy="659065"/>
-          </a:xfrm>
-          <a:custGeom>
-            <a:avLst/>
-            <a:gdLst>
-              <a:gd name="T0" fmla="*/ 781 w 1099"/>
-              <a:gd name="T1" fmla="*/ 0 h 968"/>
-              <a:gd name="T2" fmla="*/ 318 w 1099"/>
-              <a:gd name="T3" fmla="*/ 0 h 968"/>
-              <a:gd name="T4" fmla="*/ 246 w 1099"/>
-              <a:gd name="T5" fmla="*/ 42 h 968"/>
-              <a:gd name="T6" fmla="*/ 15 w 1099"/>
-              <a:gd name="T7" fmla="*/ 443 h 968"/>
-              <a:gd name="T8" fmla="*/ 15 w 1099"/>
-              <a:gd name="T9" fmla="*/ 525 h 968"/>
-              <a:gd name="T10" fmla="*/ 246 w 1099"/>
-              <a:gd name="T11" fmla="*/ 926 h 968"/>
-              <a:gd name="T12" fmla="*/ 318 w 1099"/>
-              <a:gd name="T13" fmla="*/ 968 h 968"/>
-              <a:gd name="T14" fmla="*/ 781 w 1099"/>
-              <a:gd name="T15" fmla="*/ 968 h 968"/>
-              <a:gd name="T16" fmla="*/ 852 w 1099"/>
-              <a:gd name="T17" fmla="*/ 926 h 968"/>
-              <a:gd name="T18" fmla="*/ 1084 w 1099"/>
-              <a:gd name="T19" fmla="*/ 525 h 968"/>
-              <a:gd name="T20" fmla="*/ 1084 w 1099"/>
-              <a:gd name="T21" fmla="*/ 443 h 968"/>
-              <a:gd name="T22" fmla="*/ 852 w 1099"/>
-              <a:gd name="T23" fmla="*/ 42 h 968"/>
-              <a:gd name="T24" fmla="*/ 781 w 1099"/>
-              <a:gd name="T25" fmla="*/ 0 h 968"/>
-            </a:gdLst>
-            <a:ahLst/>
-            <a:cxnLst>
-              <a:cxn ang="0">
-                <a:pos x="T0" y="T1"/>
-              </a:cxn>
-              <a:cxn ang="0">
-                <a:pos x="T2" y="T3"/>
-              </a:cxn>
-              <a:cxn ang="0">
-                <a:pos x="T4" y="T5"/>
-              </a:cxn>
-              <a:cxn ang="0">
-                <a:pos x="T6" y="T7"/>
-              </a:cxn>
-              <a:cxn ang="0">
-                <a:pos x="T8" y="T9"/>
-              </a:cxn>
-              <a:cxn ang="0">
-                <a:pos x="T10" y="T11"/>
-              </a:cxn>
-              <a:cxn ang="0">
-                <a:pos x="T12" y="T13"/>
-              </a:cxn>
-              <a:cxn ang="0">
-                <a:pos x="T14" y="T15"/>
-              </a:cxn>
-              <a:cxn ang="0">
-                <a:pos x="T16" y="T17"/>
-              </a:cxn>
-              <a:cxn ang="0">
-                <a:pos x="T18" y="T19"/>
-              </a:cxn>
-              <a:cxn ang="0">
-                <a:pos x="T20" y="T21"/>
-              </a:cxn>
-              <a:cxn ang="0">
-                <a:pos x="T22" y="T23"/>
-              </a:cxn>
-              <a:cxn ang="0">
-                <a:pos x="T24" y="T25"/>
-              </a:cxn>
-            </a:cxnLst>
-            <a:rect l="0" t="0" r="r" b="b"/>
-            <a:pathLst>
-              <a:path w="1099" h="968">
-                <a:moveTo>
-                  <a:pt x="781" y="0"/>
-                </a:moveTo>
-                <a:cubicBezTo>
-                  <a:pt x="318" y="0"/>
-                  <a:pt x="318" y="0"/>
-                  <a:pt x="318" y="0"/>
-                </a:cubicBezTo>
-                <a:cubicBezTo>
-                  <a:pt x="288" y="0"/>
-                  <a:pt x="261" y="16"/>
-                  <a:pt x="246" y="42"/>
-                </a:cubicBezTo>
-                <a:cubicBezTo>
-                  <a:pt x="15" y="443"/>
-                  <a:pt x="15" y="443"/>
-                  <a:pt x="15" y="443"/>
-                </a:cubicBezTo>
-                <a:cubicBezTo>
-                  <a:pt x="0" y="468"/>
-                  <a:pt x="0" y="500"/>
-                  <a:pt x="15" y="525"/>
-                </a:cubicBezTo>
-                <a:cubicBezTo>
-                  <a:pt x="246" y="926"/>
-                  <a:pt x="246" y="926"/>
-                  <a:pt x="246" y="926"/>
-                </a:cubicBezTo>
-                <a:cubicBezTo>
-                  <a:pt x="261" y="952"/>
-                  <a:pt x="288" y="968"/>
-                  <a:pt x="318" y="968"/>
-                </a:cubicBezTo>
-                <a:cubicBezTo>
-                  <a:pt x="781" y="968"/>
-                  <a:pt x="781" y="968"/>
-                  <a:pt x="781" y="968"/>
-                </a:cubicBezTo>
-                <a:cubicBezTo>
-                  <a:pt x="810" y="968"/>
-                  <a:pt x="838" y="952"/>
-                  <a:pt x="852" y="926"/>
-                </a:cubicBezTo>
-                <a:cubicBezTo>
-                  <a:pt x="1084" y="525"/>
-                  <a:pt x="1084" y="525"/>
-                  <a:pt x="1084" y="525"/>
-                </a:cubicBezTo>
-                <a:cubicBezTo>
-                  <a:pt x="1099" y="500"/>
-                  <a:pt x="1099" y="468"/>
-                  <a:pt x="1084" y="443"/>
-                </a:cubicBezTo>
-                <a:cubicBezTo>
-                  <a:pt x="852" y="42"/>
-                  <a:pt x="852" y="42"/>
-                  <a:pt x="852" y="42"/>
-                </a:cubicBezTo>
-                <a:cubicBezTo>
-                  <a:pt x="838" y="16"/>
-                  <a:pt x="810" y="0"/>
-                  <a:pt x="781" y="0"/>
-                </a:cubicBezTo>
-                <a:close/>
-              </a:path>
-            </a:pathLst>
-          </a:custGeom>
-          <a:solidFill>
-            <a:schemeClr val="bg1">
-              <a:lumMod val="95000"/>
-            </a:schemeClr>
-          </a:solidFill>
-          <a:ln w="63500" cap="flat">
-            <a:noFill/>
-            <a:prstDash val="solid"/>
-            <a:miter lim="800000"/>
-            <a:headEnd/>
-            <a:tailEnd/>
-          </a:ln>
-        </p:spPr>
-        <p:txBody>
-          <a:bodyPr vert="horz" wrap="square" lIns="91440" tIns="45720" rIns="91440" bIns="45720" numCol="1" anchor="t" anchorCtr="0" compatLnSpc="1">
-            <a:prstTxWarp prst="textNoShape">
-              <a:avLst/>
-            </a:prstTxWarp>
-          </a:bodyPr>
-          <a:lstStyle/>
-          <a:p>
-            <a:endParaRPr lang="en-US" dirty="0"/>
-          </a:p>
-        </p:txBody>
-      </p:sp>
-      <p:sp>
-        <p:nvSpPr>
-          <p:cNvPr id="16" name="Freeform 5" descr="Hollow accent block">
-            <a:extLst>
-              <a:ext uri="{FF2B5EF4-FFF2-40B4-BE49-F238E27FC236}">
-                <a16:creationId xmlns:a16="http://schemas.microsoft.com/office/drawing/2014/main" xmlns="" id="{E0D7A780-33BC-4E68-9763-AB62376D5024}"/>
-              </a:ext>
-              <a:ext uri="{C183D7F6-B498-43B3-948B-1728B52AA6E4}">
-                <adec:decorative xmlns:adec="http://schemas.microsoft.com/office/drawing/2017/decorative" xmlns="" val="1"/>
-              </a:ext>
-            </a:extLst>
-          </p:cNvPr>
-          <p:cNvSpPr>
-            <a:spLocks noChangeAspect="1"/>
-          </p:cNvSpPr>
-          <p:nvPr/>
-        </p:nvSpPr>
-        <p:spPr bwMode="auto">
-          <a:xfrm>
-            <a:off x="1779027" y="1160174"/>
-            <a:ext cx="1838651" cy="1613506"/>
-          </a:xfrm>
-          <a:custGeom>
-            <a:avLst/>
-            <a:gdLst>
-              <a:gd name="T0" fmla="*/ 781 w 1099"/>
-              <a:gd name="T1" fmla="*/ 0 h 968"/>
-              <a:gd name="T2" fmla="*/ 318 w 1099"/>
-              <a:gd name="T3" fmla="*/ 0 h 968"/>
-              <a:gd name="T4" fmla="*/ 246 w 1099"/>
-              <a:gd name="T5" fmla="*/ 42 h 968"/>
-              <a:gd name="T6" fmla="*/ 15 w 1099"/>
-              <a:gd name="T7" fmla="*/ 443 h 968"/>
-              <a:gd name="T8" fmla="*/ 15 w 1099"/>
-              <a:gd name="T9" fmla="*/ 525 h 968"/>
-              <a:gd name="T10" fmla="*/ 246 w 1099"/>
-              <a:gd name="T11" fmla="*/ 926 h 968"/>
-              <a:gd name="T12" fmla="*/ 318 w 1099"/>
-              <a:gd name="T13" fmla="*/ 968 h 968"/>
-              <a:gd name="T14" fmla="*/ 781 w 1099"/>
-              <a:gd name="T15" fmla="*/ 968 h 968"/>
-              <a:gd name="T16" fmla="*/ 852 w 1099"/>
-              <a:gd name="T17" fmla="*/ 926 h 968"/>
-              <a:gd name="T18" fmla="*/ 1084 w 1099"/>
-              <a:gd name="T19" fmla="*/ 525 h 968"/>
-              <a:gd name="T20" fmla="*/ 1084 w 1099"/>
-              <a:gd name="T21" fmla="*/ 443 h 968"/>
-              <a:gd name="T22" fmla="*/ 852 w 1099"/>
-              <a:gd name="T23" fmla="*/ 42 h 968"/>
-              <a:gd name="T24" fmla="*/ 781 w 1099"/>
-              <a:gd name="T25" fmla="*/ 0 h 968"/>
-            </a:gdLst>
-            <a:ahLst/>
-            <a:cxnLst>
-              <a:cxn ang="0">
-                <a:pos x="T0" y="T1"/>
-              </a:cxn>
-              <a:cxn ang="0">
-                <a:pos x="T2" y="T3"/>
-              </a:cxn>
-              <a:cxn ang="0">
-                <a:pos x="T4" y="T5"/>
-              </a:cxn>
-              <a:cxn ang="0">
-                <a:pos x="T6" y="T7"/>
-              </a:cxn>
-              <a:cxn ang="0">
-                <a:pos x="T8" y="T9"/>
-              </a:cxn>
-              <a:cxn ang="0">
-                <a:pos x="T10" y="T11"/>
-              </a:cxn>
-              <a:cxn ang="0">
-                <a:pos x="T12" y="T13"/>
-              </a:cxn>
-              <a:cxn ang="0">
-                <a:pos x="T14" y="T15"/>
-              </a:cxn>
-              <a:cxn ang="0">
-                <a:pos x="T16" y="T17"/>
-              </a:cxn>
-              <a:cxn ang="0">
-                <a:pos x="T18" y="T19"/>
-              </a:cxn>
-              <a:cxn ang="0">
-                <a:pos x="T20" y="T21"/>
-              </a:cxn>
-              <a:cxn ang="0">
-                <a:pos x="T22" y="T23"/>
-              </a:cxn>
-              <a:cxn ang="0">
-                <a:pos x="T24" y="T25"/>
-              </a:cxn>
-            </a:cxnLst>
-            <a:rect l="0" t="0" r="r" b="b"/>
-            <a:pathLst>
-              <a:path w="1099" h="968">
-                <a:moveTo>
-                  <a:pt x="781" y="0"/>
-                </a:moveTo>
-                <a:cubicBezTo>
-                  <a:pt x="318" y="0"/>
-                  <a:pt x="318" y="0"/>
-                  <a:pt x="318" y="0"/>
-                </a:cubicBezTo>
-                <a:cubicBezTo>
-                  <a:pt x="288" y="0"/>
-                  <a:pt x="261" y="16"/>
-                  <a:pt x="246" y="42"/>
-                </a:cubicBezTo>
-                <a:cubicBezTo>
-                  <a:pt x="15" y="443"/>
-                  <a:pt x="15" y="443"/>
-                  <a:pt x="15" y="443"/>
-                </a:cubicBezTo>
-                <a:cubicBezTo>
-                  <a:pt x="0" y="468"/>
-                  <a:pt x="0" y="500"/>
-                  <a:pt x="15" y="525"/>
-                </a:cubicBezTo>
-                <a:cubicBezTo>
-                  <a:pt x="246" y="926"/>
-                  <a:pt x="246" y="926"/>
-                  <a:pt x="246" y="926"/>
-                </a:cubicBezTo>
-                <a:cubicBezTo>
-                  <a:pt x="261" y="952"/>
-                  <a:pt x="288" y="968"/>
-                  <a:pt x="318" y="968"/>
-                </a:cubicBezTo>
-                <a:cubicBezTo>
-                  <a:pt x="781" y="968"/>
-                  <a:pt x="781" y="968"/>
-                  <a:pt x="781" y="968"/>
-                </a:cubicBezTo>
-                <a:cubicBezTo>
-                  <a:pt x="810" y="968"/>
-                  <a:pt x="838" y="952"/>
-                  <a:pt x="852" y="926"/>
-                </a:cubicBezTo>
-                <a:cubicBezTo>
-                  <a:pt x="1084" y="525"/>
-                  <a:pt x="1084" y="525"/>
-                  <a:pt x="1084" y="525"/>
-                </a:cubicBezTo>
-                <a:cubicBezTo>
-                  <a:pt x="1099" y="500"/>
-                  <a:pt x="1099" y="468"/>
-                  <a:pt x="1084" y="443"/>
-                </a:cubicBezTo>
-                <a:cubicBezTo>
-                  <a:pt x="852" y="42"/>
-                  <a:pt x="852" y="42"/>
-                  <a:pt x="852" y="42"/>
-                </a:cubicBezTo>
-                <a:cubicBezTo>
-                  <a:pt x="838" y="16"/>
-                  <a:pt x="810" y="0"/>
-                  <a:pt x="781" y="0"/>
-                </a:cubicBezTo>
-                <a:close/>
-              </a:path>
-            </a:pathLst>
-          </a:custGeom>
-          <a:noFill/>
-          <a:ln w="63500" cap="flat">
-            <a:solidFill>
-              <a:schemeClr val="tx1">
-                <a:lumMod val="75000"/>
-                <a:lumOff val="25000"/>
-              </a:schemeClr>
-            </a:solidFill>
-            <a:prstDash val="solid"/>
-            <a:miter lim="800000"/>
-            <a:headEnd/>
-            <a:tailEnd/>
-          </a:ln>
-        </p:spPr>
-        <p:txBody>
-          <a:bodyPr vert="horz" wrap="square" lIns="91440" tIns="45720" rIns="91440" bIns="45720" numCol="1" anchor="t" anchorCtr="0" compatLnSpc="1">
-            <a:prstTxWarp prst="textNoShape">
-              <a:avLst/>
-            </a:prstTxWarp>
-          </a:bodyPr>
-          <a:lstStyle/>
-          <a:p>
-            <a:endParaRPr lang="en-US" dirty="0"/>
-          </a:p>
-        </p:txBody>
-      </p:sp>
-      <p:sp>
-        <p:nvSpPr>
-          <p:cNvPr id="5" name="Slide Number Placeholder 4">
-            <a:extLst>
-              <a:ext uri="{FF2B5EF4-FFF2-40B4-BE49-F238E27FC236}">
-                <a16:creationId xmlns:a16="http://schemas.microsoft.com/office/drawing/2014/main" xmlns="" id="{BDD5A594-D852-43BB-B591-E9D9027253BD}"/>
-              </a:ext>
-            </a:extLst>
-          </p:cNvPr>
-          <p:cNvSpPr>
-            <a:spLocks noGrp="1"/>
-          </p:cNvSpPr>
-          <p:nvPr>
-            <p:ph type="sldNum" sz="quarter" idx="12"/>
-          </p:nvPr>
-        </p:nvSpPr>
-        <p:spPr/>
-        <p:txBody>
-          <a:bodyPr/>
-          <a:lstStyle/>
-          <a:p>
-            <a:fld id="{19B51A1E-902D-48AF-9020-955120F399B6}" type="slidenum">
-              <a:rPr lang="en-US" smtClean="0"/>
-              <a:pPr/>
-              <a:t>2</a:t>
-            </a:fld>
-            <a:endParaRPr lang="en-US" dirty="0"/>
-          </a:p>
-        </p:txBody>
-      </p:sp>
-    </p:spTree>
-    <p:extLst>
-      <p:ext uri="{BB962C8B-B14F-4D97-AF65-F5344CB8AC3E}">
-        <p14:creationId xmlns:p14="http://schemas.microsoft.com/office/powerpoint/2010/main" val="4091674644"/>
-      </p:ext>
-    </p:extLst>
-  </p:cSld>
-  <p:clrMapOvr>
-    <a:masterClrMapping/>
-  </p:clrMapOvr>
-  <p:timing>
-    <p:tnLst>
-      <p:par>
-        <p:cTn id="1" dur="indefinite" restart="never" nodeType="tmRoot"/>
-      </p:par>
-    </p:tnLst>
-  </p:timing>
-</p:sld>
-</file>
-
-<file path=ppt/slides/slide20.xml><?xml version="1.0" encoding="utf-8"?>
+<file path=ppt/slides/slide24.xml><?xml version="1.0" encoding="utf-8"?>
 <p:sld xmlns:a="http://schemas.openxmlformats.org/drawingml/2006/main" xmlns:r="http://schemas.openxmlformats.org/officeDocument/2006/relationships" xmlns:p="http://schemas.openxmlformats.org/presentationml/2006/main">
   <p:cSld>
     <p:spTree>
@@ -30929,7 +31825,7 @@
           <p:cNvPr id="2" name="Title 1">
             <a:extLst>
               <a:ext uri="{FF2B5EF4-FFF2-40B4-BE49-F238E27FC236}">
-                <a16:creationId xmlns:a16="http://schemas.microsoft.com/office/drawing/2014/main" xmlns="" id="{19304E83-A4F0-49C5-BB01-F5773509A2B3}"/>
+                <a16:creationId xmlns="" xmlns:a16="http://schemas.microsoft.com/office/drawing/2014/main" id="{19304E83-A4F0-49C5-BB01-F5773509A2B3}"/>
               </a:ext>
             </a:extLst>
           </p:cNvPr>
@@ -30957,7 +31853,7 @@
           <p:cNvPr id="3" name="Text Placeholder 2">
             <a:extLst>
               <a:ext uri="{FF2B5EF4-FFF2-40B4-BE49-F238E27FC236}">
-                <a16:creationId xmlns:a16="http://schemas.microsoft.com/office/drawing/2014/main" xmlns="" id="{7CA42D59-EAD6-4F95-84F1-32A30F057856}"/>
+                <a16:creationId xmlns="" xmlns:a16="http://schemas.microsoft.com/office/drawing/2014/main" id="{7CA42D59-EAD6-4F95-84F1-32A30F057856}"/>
               </a:ext>
             </a:extLst>
           </p:cNvPr>
@@ -30985,7 +31881,7 @@
           <p:cNvPr id="4" name="Text Placeholder 3">
             <a:extLst>
               <a:ext uri="{FF2B5EF4-FFF2-40B4-BE49-F238E27FC236}">
-                <a16:creationId xmlns:a16="http://schemas.microsoft.com/office/drawing/2014/main" xmlns="" id="{6AB259A0-0017-492F-A0DC-4B70C7052AE0}"/>
+                <a16:creationId xmlns="" xmlns:a16="http://schemas.microsoft.com/office/drawing/2014/main" id="{6AB259A0-0017-492F-A0DC-4B70C7052AE0}"/>
               </a:ext>
             </a:extLst>
           </p:cNvPr>
@@ -31018,7 +31914,7 @@
           <p:cNvPr id="6" name="Text Placeholder 5">
             <a:extLst>
               <a:ext uri="{FF2B5EF4-FFF2-40B4-BE49-F238E27FC236}">
-                <a16:creationId xmlns:a16="http://schemas.microsoft.com/office/drawing/2014/main" xmlns="" id="{B237D1CA-B91A-410E-A968-D017BBE99F99}"/>
+                <a16:creationId xmlns="" xmlns:a16="http://schemas.microsoft.com/office/drawing/2014/main" id="{B237D1CA-B91A-410E-A968-D017BBE99F99}"/>
               </a:ext>
             </a:extLst>
           </p:cNvPr>
@@ -31051,7 +31947,7 @@
           <p:cNvPr id="7" name="Text Placeholder 6">
             <a:extLst>
               <a:ext uri="{FF2B5EF4-FFF2-40B4-BE49-F238E27FC236}">
-                <a16:creationId xmlns:a16="http://schemas.microsoft.com/office/drawing/2014/main" xmlns="" id="{26A87885-D672-4CF9-A78D-CFE98385B03A}"/>
+                <a16:creationId xmlns="" xmlns:a16="http://schemas.microsoft.com/office/drawing/2014/main" id="{26A87885-D672-4CF9-A78D-CFE98385B03A}"/>
               </a:ext>
             </a:extLst>
           </p:cNvPr>
@@ -31098,7 +31994,7 @@
           <p:cNvPr id="8" name="Slide Number Placeholder 7">
             <a:extLst>
               <a:ext uri="{FF2B5EF4-FFF2-40B4-BE49-F238E27FC236}">
-                <a16:creationId xmlns:a16="http://schemas.microsoft.com/office/drawing/2014/main" xmlns="" id="{E6AC9832-FB01-464A-9824-61887B77997E}"/>
+                <a16:creationId xmlns="" xmlns:a16="http://schemas.microsoft.com/office/drawing/2014/main" id="{E6AC9832-FB01-464A-9824-61887B77997E}"/>
               </a:ext>
             </a:extLst>
           </p:cNvPr>
@@ -31117,7 +32013,7 @@
             <a:fld id="{19B51A1E-902D-48AF-9020-955120F399B6}" type="slidenum">
               <a:rPr lang="en-US" smtClean="0"/>
               <a:pPr/>
-              <a:t>20</a:t>
+              <a:t>24</a:t>
             </a:fld>
             <a:endParaRPr lang="en-US" dirty="0"/>
           </a:p>
@@ -31315,7 +32211,7 @@
 </p:sld>
 </file>
 
-<file path=ppt/slides/slide21.xml><?xml version="1.0" encoding="utf-8"?>
+<file path=ppt/slides/slide25.xml><?xml version="1.0" encoding="utf-8"?>
 <p:sld xmlns:a="http://schemas.openxmlformats.org/drawingml/2006/main" xmlns:r="http://schemas.openxmlformats.org/officeDocument/2006/relationships" xmlns:p="http://schemas.openxmlformats.org/presentationml/2006/main">
   <p:cSld>
     <p:spTree>
@@ -31445,7 +32341,7 @@
             <a:fld id="{19B51A1E-902D-48AF-9020-955120F399B6}" type="slidenum">
               <a:rPr lang="en-US" noProof="0" smtClean="0"/>
               <a:pPr/>
-              <a:t>21</a:t>
+              <a:t>25</a:t>
             </a:fld>
             <a:endParaRPr lang="en-US" noProof="0" dirty="0"/>
           </a:p>
@@ -31707,7 +32603,7 @@
 </p:sld>
 </file>
 
-<file path=ppt/slides/slide22.xml><?xml version="1.0" encoding="utf-8"?>
+<file path=ppt/slides/slide26.xml><?xml version="1.0" encoding="utf-8"?>
 <p:sld xmlns:a="http://schemas.openxmlformats.org/drawingml/2006/main" xmlns:r="http://schemas.openxmlformats.org/officeDocument/2006/relationships" xmlns:p="http://schemas.openxmlformats.org/presentationml/2006/main">
   <p:cSld>
     <p:spTree>
@@ -31837,7 +32733,7 @@
             <a:fld id="{19B51A1E-902D-48AF-9020-955120F399B6}" type="slidenum">
               <a:rPr lang="en-US" noProof="0" smtClean="0"/>
               <a:pPr/>
-              <a:t>22</a:t>
+              <a:t>26</a:t>
             </a:fld>
             <a:endParaRPr lang="en-US" noProof="0" dirty="0"/>
           </a:p>
@@ -32034,7 +32930,7 @@
 </p:sld>
 </file>
 
-<file path=ppt/slides/slide23.xml><?xml version="1.0" encoding="utf-8"?>
+<file path=ppt/slides/slide27.xml><?xml version="1.0" encoding="utf-8"?>
 <p:sld xmlns:a="http://schemas.openxmlformats.org/drawingml/2006/main" xmlns:r="http://schemas.openxmlformats.org/officeDocument/2006/relationships" xmlns:p="http://schemas.openxmlformats.org/presentationml/2006/main">
   <p:cSld>
     <p:spTree>
@@ -32056,7 +32952,7 @@
           <p:cNvPr id="2" name="Title 1">
             <a:extLst>
               <a:ext uri="{FF2B5EF4-FFF2-40B4-BE49-F238E27FC236}">
-                <a16:creationId xmlns:a16="http://schemas.microsoft.com/office/drawing/2014/main" xmlns="" id="{623FB4D5-DA14-4F29-9320-2DE0A6B571B9}"/>
+                <a16:creationId xmlns="" xmlns:a16="http://schemas.microsoft.com/office/drawing/2014/main" id="{623FB4D5-DA14-4F29-9320-2DE0A6B571B9}"/>
               </a:ext>
             </a:extLst>
           </p:cNvPr>
@@ -32084,7 +32980,7 @@
           <p:cNvPr id="3" name="Text Placeholder 2">
             <a:extLst>
               <a:ext uri="{FF2B5EF4-FFF2-40B4-BE49-F238E27FC236}">
-                <a16:creationId xmlns:a16="http://schemas.microsoft.com/office/drawing/2014/main" xmlns="" id="{DE9D0F75-42B5-4960-8C3A-291285872DAF}"/>
+                <a16:creationId xmlns="" xmlns:a16="http://schemas.microsoft.com/office/drawing/2014/main" id="{DE9D0F75-42B5-4960-8C3A-291285872DAF}"/>
               </a:ext>
             </a:extLst>
           </p:cNvPr>
@@ -32112,7 +33008,7 @@
           <p:cNvPr id="9" name="Slide Number Placeholder 8">
             <a:extLst>
               <a:ext uri="{FF2B5EF4-FFF2-40B4-BE49-F238E27FC236}">
-                <a16:creationId xmlns:a16="http://schemas.microsoft.com/office/drawing/2014/main" xmlns="" id="{00A34EBD-7DEA-4599-A81B-0A363A0E17FC}"/>
+                <a16:creationId xmlns="" xmlns:a16="http://schemas.microsoft.com/office/drawing/2014/main" id="{00A34EBD-7DEA-4599-A81B-0A363A0E17FC}"/>
               </a:ext>
             </a:extLst>
           </p:cNvPr>
@@ -32131,7 +33027,7 @@
             <a:fld id="{19B51A1E-902D-48AF-9020-955120F399B6}" type="slidenum">
               <a:rPr lang="en-US" smtClean="0"/>
               <a:pPr/>
-              <a:t>23</a:t>
+              <a:t>27</a:t>
             </a:fld>
             <a:endParaRPr lang="en-US" dirty="0"/>
           </a:p>
@@ -32142,7 +33038,7 @@
           <p:cNvPr id="11" name="Content Placeholder 10" title="Gross Revenue Placeholder Chart">
             <a:extLst>
               <a:ext uri="{FF2B5EF4-FFF2-40B4-BE49-F238E27FC236}">
-                <a16:creationId xmlns:a16="http://schemas.microsoft.com/office/drawing/2014/main" xmlns="" id="{1F685447-B604-40DF-90C6-AC58E2F6E16A}"/>
+                <a16:creationId xmlns="" xmlns:a16="http://schemas.microsoft.com/office/drawing/2014/main" id="{1F685447-B604-40DF-90C6-AC58E2F6E16A}"/>
               </a:ext>
             </a:extLst>
           </p:cNvPr>
@@ -32173,7 +33069,7 @@
           <p:cNvPr id="12" name="Content Placeholder 11" title="Gross Revenue Placeholder Chart">
             <a:extLst>
               <a:ext uri="{FF2B5EF4-FFF2-40B4-BE49-F238E27FC236}">
-                <a16:creationId xmlns:a16="http://schemas.microsoft.com/office/drawing/2014/main" xmlns="" id="{A0F4BB4A-48F2-43F4-A168-9FECE898C93D}"/>
+                <a16:creationId xmlns="" xmlns:a16="http://schemas.microsoft.com/office/drawing/2014/main" id="{A0F4BB4A-48F2-43F4-A168-9FECE898C93D}"/>
               </a:ext>
             </a:extLst>
           </p:cNvPr>
@@ -32204,7 +33100,7 @@
           <p:cNvPr id="13" name="Content Placeholder 12" title="Gross Revenue Placeholder Chart">
             <a:extLst>
               <a:ext uri="{FF2B5EF4-FFF2-40B4-BE49-F238E27FC236}">
-                <a16:creationId xmlns:a16="http://schemas.microsoft.com/office/drawing/2014/main" xmlns="" id="{D4063C29-62FA-4587-B743-C298C5AA2962}"/>
+                <a16:creationId xmlns="" xmlns:a16="http://schemas.microsoft.com/office/drawing/2014/main" id="{D4063C29-62FA-4587-B743-C298C5AA2962}"/>
               </a:ext>
             </a:extLst>
           </p:cNvPr>
@@ -32250,7 +33146,7 @@
 </p:sld>
 </file>
 
-<file path=ppt/slides/slide24.xml><?xml version="1.0" encoding="utf-8"?>
+<file path=ppt/slides/slide28.xml><?xml version="1.0" encoding="utf-8"?>
 <p:sld xmlns:a="http://schemas.openxmlformats.org/drawingml/2006/main" xmlns:r="http://schemas.openxmlformats.org/officeDocument/2006/relationships" xmlns:p="http://schemas.openxmlformats.org/presentationml/2006/main">
   <p:cSld>
     <p:spTree>
@@ -32272,7 +33168,7 @@
           <p:cNvPr id="2" name="Title 1">
             <a:extLst>
               <a:ext uri="{FF2B5EF4-FFF2-40B4-BE49-F238E27FC236}">
-                <a16:creationId xmlns:a16="http://schemas.microsoft.com/office/drawing/2014/main" xmlns="" id="{E7267129-D582-495A-8F4B-6B9075899DD6}"/>
+                <a16:creationId xmlns="" xmlns:a16="http://schemas.microsoft.com/office/drawing/2014/main" id="{E7267129-D582-495A-8F4B-6B9075899DD6}"/>
               </a:ext>
             </a:extLst>
           </p:cNvPr>
@@ -32300,7 +33196,7 @@
           <p:cNvPr id="3" name="Text Placeholder 2">
             <a:extLst>
               <a:ext uri="{FF2B5EF4-FFF2-40B4-BE49-F238E27FC236}">
-                <a16:creationId xmlns:a16="http://schemas.microsoft.com/office/drawing/2014/main" xmlns="" id="{F204AFD2-303D-4B48-AA3E-C96B74D8127A}"/>
+                <a16:creationId xmlns="" xmlns:a16="http://schemas.microsoft.com/office/drawing/2014/main" id="{F204AFD2-303D-4B48-AA3E-C96B74D8127A}"/>
               </a:ext>
             </a:extLst>
           </p:cNvPr>
@@ -32328,7 +33224,7 @@
           <p:cNvPr id="4" name="Table 3">
             <a:extLst>
               <a:ext uri="{FF2B5EF4-FFF2-40B4-BE49-F238E27FC236}">
-                <a16:creationId xmlns:a16="http://schemas.microsoft.com/office/drawing/2014/main" xmlns="" id="{BEE0921D-4C1D-4106-9AC0-F73F30E8DA3C}"/>
+                <a16:creationId xmlns="" xmlns:a16="http://schemas.microsoft.com/office/drawing/2014/main" id="{BEE0921D-4C1D-4106-9AC0-F73F30E8DA3C}"/>
               </a:ext>
             </a:extLst>
           </p:cNvPr>
@@ -32357,49 +33253,49 @@
                 <a:gridCol w="1618343">
                   <a:extLst>
                     <a:ext uri="{9D8B030D-6E8A-4147-A177-3AD203B41FA5}">
-                      <a16:colId xmlns:a16="http://schemas.microsoft.com/office/drawing/2014/main" xmlns="" val="1173992025"/>
+                      <a16:colId xmlns="" xmlns:a16="http://schemas.microsoft.com/office/drawing/2014/main" val="1173992025"/>
                     </a:ext>
                   </a:extLst>
                 </a:gridCol>
                 <a:gridCol w="1618343">
                   <a:extLst>
                     <a:ext uri="{9D8B030D-6E8A-4147-A177-3AD203B41FA5}">
-                      <a16:colId xmlns:a16="http://schemas.microsoft.com/office/drawing/2014/main" xmlns="" val="115202853"/>
+                      <a16:colId xmlns="" xmlns:a16="http://schemas.microsoft.com/office/drawing/2014/main" val="115202853"/>
                     </a:ext>
                   </a:extLst>
                 </a:gridCol>
                 <a:gridCol w="1618343">
                   <a:extLst>
                     <a:ext uri="{9D8B030D-6E8A-4147-A177-3AD203B41FA5}">
-                      <a16:colId xmlns:a16="http://schemas.microsoft.com/office/drawing/2014/main" xmlns="" val="1010693434"/>
+                      <a16:colId xmlns="" xmlns:a16="http://schemas.microsoft.com/office/drawing/2014/main" val="1010693434"/>
                     </a:ext>
                   </a:extLst>
                 </a:gridCol>
                 <a:gridCol w="1618343">
                   <a:extLst>
                     <a:ext uri="{9D8B030D-6E8A-4147-A177-3AD203B41FA5}">
-                      <a16:colId xmlns:a16="http://schemas.microsoft.com/office/drawing/2014/main" xmlns="" val="608292439"/>
+                      <a16:colId xmlns="" xmlns:a16="http://schemas.microsoft.com/office/drawing/2014/main" val="608292439"/>
                     </a:ext>
                   </a:extLst>
                 </a:gridCol>
                 <a:gridCol w="1618343">
                   <a:extLst>
                     <a:ext uri="{9D8B030D-6E8A-4147-A177-3AD203B41FA5}">
-                      <a16:colId xmlns:a16="http://schemas.microsoft.com/office/drawing/2014/main" xmlns="" val="1007882540"/>
+                      <a16:colId xmlns="" xmlns:a16="http://schemas.microsoft.com/office/drawing/2014/main" val="1007882540"/>
                     </a:ext>
                   </a:extLst>
                 </a:gridCol>
                 <a:gridCol w="1618343">
                   <a:extLst>
                     <a:ext uri="{9D8B030D-6E8A-4147-A177-3AD203B41FA5}">
-                      <a16:colId xmlns:a16="http://schemas.microsoft.com/office/drawing/2014/main" xmlns="" val="3778082769"/>
+                      <a16:colId xmlns="" xmlns:a16="http://schemas.microsoft.com/office/drawing/2014/main" val="3778082769"/>
                     </a:ext>
                   </a:extLst>
                 </a:gridCol>
                 <a:gridCol w="1618343">
                   <a:extLst>
                     <a:ext uri="{9D8B030D-6E8A-4147-A177-3AD203B41FA5}">
-                      <a16:colId xmlns:a16="http://schemas.microsoft.com/office/drawing/2014/main" xmlns="" val="1136644251"/>
+                      <a16:colId xmlns="" xmlns:a16="http://schemas.microsoft.com/office/drawing/2014/main" val="1136644251"/>
                     </a:ext>
                   </a:extLst>
                 </a:gridCol>
@@ -32854,7 +33750,7 @@
                 </a:tc>
                 <a:extLst>
                   <a:ext uri="{0D108BD9-81ED-4DB2-BD59-A6C34878D82A}">
-                    <a16:rowId xmlns:a16="http://schemas.microsoft.com/office/drawing/2014/main" xmlns="" val="1007223600"/>
+                    <a16:rowId xmlns="" xmlns:a16="http://schemas.microsoft.com/office/drawing/2014/main" val="1007223600"/>
                   </a:ext>
                 </a:extLst>
               </a:tr>
@@ -33362,7 +34258,7 @@
                 </a:tc>
                 <a:extLst>
                   <a:ext uri="{0D108BD9-81ED-4DB2-BD59-A6C34878D82A}">
-                    <a16:rowId xmlns:a16="http://schemas.microsoft.com/office/drawing/2014/main" xmlns="" val="3583495943"/>
+                    <a16:rowId xmlns="" xmlns:a16="http://schemas.microsoft.com/office/drawing/2014/main" val="3583495943"/>
                   </a:ext>
                 </a:extLst>
               </a:tr>
@@ -33896,7 +34792,7 @@
                 </a:tc>
                 <a:extLst>
                   <a:ext uri="{0D108BD9-81ED-4DB2-BD59-A6C34878D82A}">
-                    <a16:rowId xmlns:a16="http://schemas.microsoft.com/office/drawing/2014/main" xmlns="" val="2912132828"/>
+                    <a16:rowId xmlns="" xmlns:a16="http://schemas.microsoft.com/office/drawing/2014/main" val="2912132828"/>
                   </a:ext>
                 </a:extLst>
               </a:tr>
@@ -34430,7 +35326,7 @@
                 </a:tc>
                 <a:extLst>
                   <a:ext uri="{0D108BD9-81ED-4DB2-BD59-A6C34878D82A}">
-                    <a16:rowId xmlns:a16="http://schemas.microsoft.com/office/drawing/2014/main" xmlns="" val="1094300830"/>
+                    <a16:rowId xmlns="" xmlns:a16="http://schemas.microsoft.com/office/drawing/2014/main" val="1094300830"/>
                   </a:ext>
                 </a:extLst>
               </a:tr>
@@ -34964,7 +35860,7 @@
                 </a:tc>
                 <a:extLst>
                   <a:ext uri="{0D108BD9-81ED-4DB2-BD59-A6C34878D82A}">
-                    <a16:rowId xmlns:a16="http://schemas.microsoft.com/office/drawing/2014/main" xmlns="" val="1687728417"/>
+                    <a16:rowId xmlns="" xmlns:a16="http://schemas.microsoft.com/office/drawing/2014/main" val="1687728417"/>
                   </a:ext>
                 </a:extLst>
               </a:tr>
@@ -35500,7 +36396,7 @@
                 </a:tc>
                 <a:extLst>
                   <a:ext uri="{0D108BD9-81ED-4DB2-BD59-A6C34878D82A}">
-                    <a16:rowId xmlns:a16="http://schemas.microsoft.com/office/drawing/2014/main" xmlns="" val="3857078208"/>
+                    <a16:rowId xmlns="" xmlns:a16="http://schemas.microsoft.com/office/drawing/2014/main" val="3857078208"/>
                   </a:ext>
                 </a:extLst>
               </a:tr>
@@ -35513,7 +36409,7 @@
           <p:cNvPr id="6" name="Slide Number Placeholder 5">
             <a:extLst>
               <a:ext uri="{FF2B5EF4-FFF2-40B4-BE49-F238E27FC236}">
-                <a16:creationId xmlns:a16="http://schemas.microsoft.com/office/drawing/2014/main" xmlns="" id="{4B379698-AB4C-493D-BF95-F5781FDF2AC5}"/>
+                <a16:creationId xmlns="" xmlns:a16="http://schemas.microsoft.com/office/drawing/2014/main" id="{4B379698-AB4C-493D-BF95-F5781FDF2AC5}"/>
               </a:ext>
             </a:extLst>
           </p:cNvPr>
@@ -35532,7 +36428,7 @@
             <a:fld id="{19B51A1E-902D-48AF-9020-955120F399B6}" type="slidenum">
               <a:rPr lang="en-US" smtClean="0"/>
               <a:pPr/>
-              <a:t>24</a:t>
+              <a:t>28</a:t>
             </a:fld>
             <a:endParaRPr lang="en-US" dirty="0"/>
           </a:p>
@@ -35558,7 +36454,7 @@
 </p:sld>
 </file>
 
-<file path=ppt/slides/slide25.xml><?xml version="1.0" encoding="utf-8"?>
+<file path=ppt/slides/slide29.xml><?xml version="1.0" encoding="utf-8"?>
 <p:sld xmlns:a="http://schemas.openxmlformats.org/drawingml/2006/main" xmlns:r="http://schemas.openxmlformats.org/officeDocument/2006/relationships" xmlns:p="http://schemas.openxmlformats.org/presentationml/2006/main">
   <p:cSld>
     <p:spTree>
@@ -35580,7 +36476,7 @@
           <p:cNvPr id="12" name="Picture Placeholder 11" descr="Image placeholder">
             <a:extLst>
               <a:ext uri="{FF2B5EF4-FFF2-40B4-BE49-F238E27FC236}">
-                <a16:creationId xmlns:a16="http://schemas.microsoft.com/office/drawing/2014/main" xmlns="" id="{C4330FBA-FEA8-B941-8864-B3DEDDE80404}"/>
+                <a16:creationId xmlns="" xmlns:a16="http://schemas.microsoft.com/office/drawing/2014/main" id="{C4330FBA-FEA8-B941-8864-B3DEDDE80404}"/>
               </a:ext>
             </a:extLst>
           </p:cNvPr>
@@ -35611,10 +36507,10 @@
           <p:cNvPr id="38" name="TextBox 37">
             <a:extLst>
               <a:ext uri="{FF2B5EF4-FFF2-40B4-BE49-F238E27FC236}">
-                <a16:creationId xmlns:a16="http://schemas.microsoft.com/office/drawing/2014/main" xmlns="" id="{B231FB9C-F234-41D0-A4CE-8C29A5F2F553}"/>
+                <a16:creationId xmlns="" xmlns:a16="http://schemas.microsoft.com/office/drawing/2014/main" id="{B231FB9C-F234-41D0-A4CE-8C29A5F2F553}"/>
               </a:ext>
               <a:ext uri="{C183D7F6-B498-43B3-948B-1728B52AA6E4}">
-                <adec:decorative xmlns:adec="http://schemas.microsoft.com/office/drawing/2017/decorative" xmlns="" val="1"/>
+                <adec:decorative xmlns="" xmlns:adec="http://schemas.microsoft.com/office/drawing/2017/decorative" val="1"/>
               </a:ext>
             </a:extLst>
           </p:cNvPr>
@@ -35760,10 +36656,10 @@
           <p:cNvPr id="35" name="Isosceles Triangle 34">
             <a:extLst>
               <a:ext uri="{FF2B5EF4-FFF2-40B4-BE49-F238E27FC236}">
-                <a16:creationId xmlns:a16="http://schemas.microsoft.com/office/drawing/2014/main" xmlns="" id="{FE193317-B8BD-46CA-B0A6-8A7511B086D9}"/>
+                <a16:creationId xmlns="" xmlns:a16="http://schemas.microsoft.com/office/drawing/2014/main" id="{FE193317-B8BD-46CA-B0A6-8A7511B086D9}"/>
               </a:ext>
               <a:ext uri="{C183D7F6-B498-43B3-948B-1728B52AA6E4}">
-                <adec:decorative xmlns:adec="http://schemas.microsoft.com/office/drawing/2017/decorative" xmlns="" val="1"/>
+                <adec:decorative xmlns="" xmlns:adec="http://schemas.microsoft.com/office/drawing/2017/decorative" val="1"/>
               </a:ext>
             </a:extLst>
           </p:cNvPr>
@@ -35822,10 +36718,10 @@
           <p:cNvPr id="32" name="Freeform 5">
             <a:extLst>
               <a:ext uri="{FF2B5EF4-FFF2-40B4-BE49-F238E27FC236}">
-                <a16:creationId xmlns:a16="http://schemas.microsoft.com/office/drawing/2014/main" xmlns="" id="{85E0D4E1-E389-4671-B0E7-165A10A05425}"/>
+                <a16:creationId xmlns="" xmlns:a16="http://schemas.microsoft.com/office/drawing/2014/main" id="{85E0D4E1-E389-4671-B0E7-165A10A05425}"/>
               </a:ext>
               <a:ext uri="{C183D7F6-B498-43B3-948B-1728B52AA6E4}">
-                <adec:decorative xmlns:adec="http://schemas.microsoft.com/office/drawing/2017/decorative" xmlns="" val="1"/>
+                <adec:decorative xmlns="" xmlns:adec="http://schemas.microsoft.com/office/drawing/2017/decorative" val="1"/>
               </a:ext>
             </a:extLst>
           </p:cNvPr>
@@ -36011,10 +36907,10 @@
           <p:cNvPr id="33" name="Freeform 5">
             <a:extLst>
               <a:ext uri="{FF2B5EF4-FFF2-40B4-BE49-F238E27FC236}">
-                <a16:creationId xmlns:a16="http://schemas.microsoft.com/office/drawing/2014/main" xmlns="" id="{8186FEAF-6E1E-4258-94C3-5C589D4B5ADE}"/>
+                <a16:creationId xmlns="" xmlns:a16="http://schemas.microsoft.com/office/drawing/2014/main" id="{8186FEAF-6E1E-4258-94C3-5C589D4B5ADE}"/>
               </a:ext>
               <a:ext uri="{C183D7F6-B498-43B3-948B-1728B52AA6E4}">
-                <adec:decorative xmlns:adec="http://schemas.microsoft.com/office/drawing/2017/decorative" xmlns="" val="1"/>
+                <adec:decorative xmlns="" xmlns:adec="http://schemas.microsoft.com/office/drawing/2017/decorative" val="1"/>
               </a:ext>
             </a:extLst>
           </p:cNvPr>
@@ -36200,7 +37096,7 @@
           <p:cNvPr id="20" name="Title 19">
             <a:extLst>
               <a:ext uri="{FF2B5EF4-FFF2-40B4-BE49-F238E27FC236}">
-                <a16:creationId xmlns:a16="http://schemas.microsoft.com/office/drawing/2014/main" xmlns="" id="{7C11A64B-7EA5-442C-8405-73273A5331D1}"/>
+                <a16:creationId xmlns="" xmlns:a16="http://schemas.microsoft.com/office/drawing/2014/main" id="{7C11A64B-7EA5-442C-8405-73273A5331D1}"/>
               </a:ext>
             </a:extLst>
           </p:cNvPr>
@@ -36228,7 +37124,7 @@
           <p:cNvPr id="8" name="Graphic 7" descr="User" title="Icon - Presenter Name">
             <a:extLst>
               <a:ext uri="{FF2B5EF4-FFF2-40B4-BE49-F238E27FC236}">
-                <a16:creationId xmlns:a16="http://schemas.microsoft.com/office/drawing/2014/main" xmlns="" id="{111541C4-DB03-4E53-994D-499C7D73C4DF}"/>
+                <a16:creationId xmlns="" xmlns:a16="http://schemas.microsoft.com/office/drawing/2014/main" id="{111541C4-DB03-4E53-994D-499C7D73C4DF}"/>
               </a:ext>
             </a:extLst>
           </p:cNvPr>
@@ -36244,7 +37140,7 @@
                 <a14:useLocalDpi xmlns:a14="http://schemas.microsoft.com/office/drawing/2010/main"/>
               </a:ext>
               <a:ext uri="{96DAC541-7B7A-43D3-8B79-37D633B846F1}">
-                <asvg:svgBlip xmlns:asvg="http://schemas.microsoft.com/office/drawing/2016/SVG/main" xmlns="" r:embed="rId4"/>
+                <asvg:svgBlip xmlns="" xmlns:asvg="http://schemas.microsoft.com/office/drawing/2016/SVG/main" r:embed="rId4"/>
               </a:ext>
             </a:extLst>
           </a:blip>
@@ -36267,7 +37163,7 @@
           <p:cNvPr id="4" name="Text Placeholder 3">
             <a:extLst>
               <a:ext uri="{FF2B5EF4-FFF2-40B4-BE49-F238E27FC236}">
-                <a16:creationId xmlns:a16="http://schemas.microsoft.com/office/drawing/2014/main" xmlns="" id="{60828E04-9C2A-4859-8050-C2DF67A249CB}"/>
+                <a16:creationId xmlns="" xmlns:a16="http://schemas.microsoft.com/office/drawing/2014/main" id="{60828E04-9C2A-4859-8050-C2DF67A249CB}"/>
               </a:ext>
             </a:extLst>
           </p:cNvPr>
@@ -36295,7 +37191,7 @@
           <p:cNvPr id="10" name="Graphic 9" descr="Smart Phone" title="Icon - Presenter Phone Number">
             <a:extLst>
               <a:ext uri="{FF2B5EF4-FFF2-40B4-BE49-F238E27FC236}">
-                <a16:creationId xmlns:a16="http://schemas.microsoft.com/office/drawing/2014/main" xmlns="" id="{A29DE31C-E099-4579-BB03-675E0A40C5F2}"/>
+                <a16:creationId xmlns="" xmlns:a16="http://schemas.microsoft.com/office/drawing/2014/main" id="{A29DE31C-E099-4579-BB03-675E0A40C5F2}"/>
               </a:ext>
             </a:extLst>
           </p:cNvPr>
@@ -36311,7 +37207,7 @@
                 <a14:useLocalDpi xmlns:a14="http://schemas.microsoft.com/office/drawing/2010/main"/>
               </a:ext>
               <a:ext uri="{96DAC541-7B7A-43D3-8B79-37D633B846F1}">
-                <asvg:svgBlip xmlns:asvg="http://schemas.microsoft.com/office/drawing/2016/SVG/main" xmlns="" r:embed="rId6"/>
+                <asvg:svgBlip xmlns="" xmlns:asvg="http://schemas.microsoft.com/office/drawing/2016/SVG/main" r:embed="rId6"/>
               </a:ext>
             </a:extLst>
           </a:blip>
@@ -36334,7 +37230,7 @@
           <p:cNvPr id="5" name="Text Placeholder 4">
             <a:extLst>
               <a:ext uri="{FF2B5EF4-FFF2-40B4-BE49-F238E27FC236}">
-                <a16:creationId xmlns:a16="http://schemas.microsoft.com/office/drawing/2014/main" xmlns="" id="{11265965-2271-4C1C-BD0A-6F85F80FF9A6}"/>
+                <a16:creationId xmlns="" xmlns:a16="http://schemas.microsoft.com/office/drawing/2014/main" id="{11265965-2271-4C1C-BD0A-6F85F80FF9A6}"/>
               </a:ext>
             </a:extLst>
           </p:cNvPr>
@@ -36362,7 +37258,7 @@
           <p:cNvPr id="9" name="Graphic 8" descr="Envelope" title="Icon Presenter Email">
             <a:extLst>
               <a:ext uri="{FF2B5EF4-FFF2-40B4-BE49-F238E27FC236}">
-                <a16:creationId xmlns:a16="http://schemas.microsoft.com/office/drawing/2014/main" xmlns="" id="{773C1382-ACE1-460F-A1B6-AB761A7D2E6B}"/>
+                <a16:creationId xmlns="" xmlns:a16="http://schemas.microsoft.com/office/drawing/2014/main" id="{773C1382-ACE1-460F-A1B6-AB761A7D2E6B}"/>
               </a:ext>
             </a:extLst>
           </p:cNvPr>
@@ -36378,7 +37274,7 @@
                 <a14:useLocalDpi xmlns:a14="http://schemas.microsoft.com/office/drawing/2010/main"/>
               </a:ext>
               <a:ext uri="{96DAC541-7B7A-43D3-8B79-37D633B846F1}">
-                <asvg:svgBlip xmlns:asvg="http://schemas.microsoft.com/office/drawing/2016/SVG/main" xmlns="" r:embed="rId8"/>
+                <asvg:svgBlip xmlns="" xmlns:asvg="http://schemas.microsoft.com/office/drawing/2016/SVG/main" r:embed="rId8"/>
               </a:ext>
             </a:extLst>
           </a:blip>
@@ -36401,7 +37297,7 @@
           <p:cNvPr id="6" name="Text Placeholder 5">
             <a:extLst>
               <a:ext uri="{FF2B5EF4-FFF2-40B4-BE49-F238E27FC236}">
-                <a16:creationId xmlns:a16="http://schemas.microsoft.com/office/drawing/2014/main" xmlns="" id="{50A3BCC3-A277-4C0B-9EBA-EB53990D8EBD}"/>
+                <a16:creationId xmlns="" xmlns:a16="http://schemas.microsoft.com/office/drawing/2014/main" id="{50A3BCC3-A277-4C0B-9EBA-EB53990D8EBD}"/>
               </a:ext>
             </a:extLst>
           </p:cNvPr>
@@ -36429,7 +37325,7 @@
           <p:cNvPr id="11" name="Graphic 10" descr="Link">
             <a:extLst>
               <a:ext uri="{FF2B5EF4-FFF2-40B4-BE49-F238E27FC236}">
-                <a16:creationId xmlns:a16="http://schemas.microsoft.com/office/drawing/2014/main" xmlns="" id="{0718E6E0-05A2-479C-AEA8-1A385EB73474}"/>
+                <a16:creationId xmlns="" xmlns:a16="http://schemas.microsoft.com/office/drawing/2014/main" id="{0718E6E0-05A2-479C-AEA8-1A385EB73474}"/>
               </a:ext>
             </a:extLst>
           </p:cNvPr>
@@ -36445,7 +37341,7 @@
                 <a14:useLocalDpi xmlns:a14="http://schemas.microsoft.com/office/drawing/2010/main"/>
               </a:ext>
               <a:ext uri="{96DAC541-7B7A-43D3-8B79-37D633B846F1}">
-                <asvg:svgBlip xmlns:asvg="http://schemas.microsoft.com/office/drawing/2016/SVG/main" xmlns="" r:embed="rId10"/>
+                <asvg:svgBlip xmlns="" xmlns:asvg="http://schemas.microsoft.com/office/drawing/2016/SVG/main" r:embed="rId10"/>
               </a:ext>
             </a:extLst>
           </a:blip>
@@ -36468,7 +37364,7 @@
           <p:cNvPr id="22" name="Text Placeholder 21">
             <a:extLst>
               <a:ext uri="{FF2B5EF4-FFF2-40B4-BE49-F238E27FC236}">
-                <a16:creationId xmlns:a16="http://schemas.microsoft.com/office/drawing/2014/main" xmlns="" id="{43DBE4D9-1044-49A3-ABD5-477041FF2B63}"/>
+                <a16:creationId xmlns="" xmlns:a16="http://schemas.microsoft.com/office/drawing/2014/main" id="{43DBE4D9-1044-49A3-ABD5-477041FF2B63}"/>
               </a:ext>
             </a:extLst>
           </p:cNvPr>
@@ -36495,150 +37391,6 @@
     <p:extLst>
       <p:ext uri="{BB962C8B-B14F-4D97-AF65-F5344CB8AC3E}">
         <p14:creationId xmlns:p14="http://schemas.microsoft.com/office/powerpoint/2010/main" val="4153678306"/>
-      </p:ext>
-    </p:extLst>
-  </p:cSld>
-  <p:clrMapOvr>
-    <a:masterClrMapping/>
-  </p:clrMapOvr>
-  <p:timing>
-    <p:tnLst>
-      <p:par>
-        <p:cTn id="1" dur="indefinite" restart="never" nodeType="tmRoot"/>
-      </p:par>
-    </p:tnLst>
-  </p:timing>
-</p:sld>
-</file>
-
-<file path=ppt/slides/slide26.xml><?xml version="1.0" encoding="utf-8"?>
-<p:sld xmlns:a="http://schemas.openxmlformats.org/drawingml/2006/main" xmlns:r="http://schemas.openxmlformats.org/officeDocument/2006/relationships" xmlns:p="http://schemas.openxmlformats.org/presentationml/2006/main">
-  <p:cSld>
-    <p:spTree>
-      <p:nvGrpSpPr>
-        <p:cNvPr id="1" name=""/>
-        <p:cNvGrpSpPr/>
-        <p:nvPr/>
-      </p:nvGrpSpPr>
-      <p:grpSpPr>
-        <a:xfrm>
-          <a:off x="0" y="0"/>
-          <a:ext cx="0" cy="0"/>
-          <a:chOff x="0" y="0"/>
-          <a:chExt cx="0" cy="0"/>
-        </a:xfrm>
-      </p:grpSpPr>
-      <p:sp>
-        <p:nvSpPr>
-          <p:cNvPr id="4" name="Title 3">
-            <a:extLst>
-              <a:ext uri="{FF2B5EF4-FFF2-40B4-BE49-F238E27FC236}">
-                <a16:creationId xmlns:a16="http://schemas.microsoft.com/office/drawing/2014/main" xmlns="" id="{E98DCA46-603B-4178-8707-30E192CE6B8D}"/>
-              </a:ext>
-            </a:extLst>
-          </p:cNvPr>
-          <p:cNvSpPr>
-            <a:spLocks noGrp="1"/>
-          </p:cNvSpPr>
-          <p:nvPr>
-            <p:ph type="title"/>
-          </p:nvPr>
-        </p:nvSpPr>
-        <p:spPr/>
-        <p:txBody>
-          <a:bodyPr/>
-          <a:lstStyle/>
-          <a:p>
-            <a:r>
-              <a:rPr lang="en-US" dirty="0"/>
-              <a:t>Customize this Template</a:t>
-            </a:r>
-          </a:p>
-        </p:txBody>
-      </p:sp>
-      <p:sp>
-        <p:nvSpPr>
-          <p:cNvPr id="3" name="Text Placeholder 2">
-            <a:extLst>
-              <a:ext uri="{FF2B5EF4-FFF2-40B4-BE49-F238E27FC236}">
-                <a16:creationId xmlns:a16="http://schemas.microsoft.com/office/drawing/2014/main" xmlns="" id="{44C11960-E298-40D1-BBD6-3E621842A017}"/>
-              </a:ext>
-            </a:extLst>
-          </p:cNvPr>
-          <p:cNvSpPr>
-            <a:spLocks noGrp="1"/>
-          </p:cNvSpPr>
-          <p:nvPr>
-            <p:ph type="body" sz="quarter" idx="14"/>
-          </p:nvPr>
-        </p:nvSpPr>
-        <p:spPr/>
-        <p:txBody>
-          <a:bodyPr/>
-          <a:lstStyle/>
-          <a:p>
-            <a:pPr>
-              <a:lnSpc>
-                <a:spcPct val="100000"/>
-              </a:lnSpc>
-            </a:pPr>
-            <a:r>
-              <a:rPr lang="en-US" u="sng" dirty="0">
-                <a:solidFill>
-                  <a:srgbClr val="0070C0"/>
-                </a:solidFill>
-                <a:hlinkClick r:id="rId2">
-                  <a:extLst>
-                    <a:ext uri="{A12FA001-AC4F-418D-AE19-62706E023703}">
-                      <ahyp:hlinkClr xmlns:ahyp="http://schemas.microsoft.com/office/drawing/2018/hyperlinkcolor" xmlns="" val="tx"/>
-                    </a:ext>
-                  </a:extLst>
-                </a:hlinkClick>
-              </a:rPr>
-              <a:t>Template Editing Instructions and Feedback</a:t>
-            </a:r>
-            <a:endParaRPr lang="en-US" u="sng" dirty="0">
-              <a:solidFill>
-                <a:srgbClr val="0070C0"/>
-              </a:solidFill>
-            </a:endParaRPr>
-          </a:p>
-        </p:txBody>
-      </p:sp>
-      <p:sp>
-        <p:nvSpPr>
-          <p:cNvPr id="2" name="Slide Number Placeholder 1">
-            <a:extLst>
-              <a:ext uri="{FF2B5EF4-FFF2-40B4-BE49-F238E27FC236}">
-                <a16:creationId xmlns:a16="http://schemas.microsoft.com/office/drawing/2014/main" xmlns="" id="{5E0A2811-986E-4EBF-9612-8E79971C972D}"/>
-              </a:ext>
-            </a:extLst>
-          </p:cNvPr>
-          <p:cNvSpPr>
-            <a:spLocks noGrp="1"/>
-          </p:cNvSpPr>
-          <p:nvPr>
-            <p:ph type="sldNum" sz="quarter" idx="13"/>
-          </p:nvPr>
-        </p:nvSpPr>
-        <p:spPr/>
-        <p:txBody>
-          <a:bodyPr/>
-          <a:lstStyle/>
-          <a:p>
-            <a:fld id="{19B51A1E-902D-48AF-9020-955120F399B6}" type="slidenum">
-              <a:rPr lang="en-US" smtClean="0"/>
-              <a:pPr/>
-              <a:t>26</a:t>
-            </a:fld>
-            <a:endParaRPr lang="en-US" dirty="0"/>
-          </a:p>
-        </p:txBody>
-      </p:sp>
-    </p:spTree>
-    <p:extLst>
-      <p:ext uri="{BB962C8B-B14F-4D97-AF65-F5344CB8AC3E}">
-        <p14:creationId xmlns:p14="http://schemas.microsoft.com/office/powerpoint/2010/main" val="59582380"/>
       </p:ext>
     </p:extLst>
   </p:cSld>
@@ -36674,10 +37426,1752 @@
       </p:grpSpPr>
       <p:pic>
         <p:nvPicPr>
+          <p:cNvPr id="8" name="Picture Placeholder 7" descr="Divider slide image">
+            <a:extLst>
+              <a:ext uri="{FF2B5EF4-FFF2-40B4-BE49-F238E27FC236}">
+                <a16:creationId xmlns="" xmlns:a16="http://schemas.microsoft.com/office/drawing/2014/main" id="{177FEC3E-B2FE-9045-8D49-89B1E3D20CB1}"/>
+              </a:ext>
+            </a:extLst>
+          </p:cNvPr>
+          <p:cNvPicPr>
+            <a:picLocks noGrp="1" noChangeAspect="1"/>
+          </p:cNvPicPr>
+          <p:nvPr>
+            <p:ph type="pic" sz="quarter" idx="13"/>
+          </p:nvPr>
+        </p:nvPicPr>
+        <p:blipFill>
+          <a:blip r:embed="rId2" cstate="screen">
+            <a:extLst>
+              <a:ext uri="{28A0092B-C50C-407E-A947-70E740481C1C}">
+                <a14:useLocalDpi xmlns:a14="http://schemas.microsoft.com/office/drawing/2010/main"/>
+              </a:ext>
+            </a:extLst>
+          </a:blip>
+          <a:srcRect/>
+          <a:stretch>
+            <a:fillRect/>
+          </a:stretch>
+        </p:blipFill>
+        <p:spPr/>
+      </p:pic>
+      <p:sp>
+        <p:nvSpPr>
+          <p:cNvPr id="24" name="TextBox 23">
+            <a:extLst>
+              <a:ext uri="{FF2B5EF4-FFF2-40B4-BE49-F238E27FC236}">
+                <a16:creationId xmlns="" xmlns:a16="http://schemas.microsoft.com/office/drawing/2014/main" id="{993B1474-02E3-4509-B5C5-84427653BA68}"/>
+              </a:ext>
+              <a:ext uri="{C183D7F6-B498-43B3-948B-1728B52AA6E4}">
+                <adec:decorative xmlns="" xmlns:adec="http://schemas.microsoft.com/office/drawing/2017/decorative" val="1"/>
+              </a:ext>
+            </a:extLst>
+          </p:cNvPr>
+          <p:cNvSpPr txBox="1">
+            <a:spLocks/>
+          </p:cNvSpPr>
+          <p:nvPr/>
+        </p:nvSpPr>
+        <p:spPr>
+          <a:xfrm>
+            <a:off x="11387102" y="2928857"/>
+            <a:ext cx="804898" cy="3140150"/>
+          </a:xfrm>
+          <a:custGeom>
+            <a:avLst/>
+            <a:gdLst>
+              <a:gd name="connsiteX0" fmla="*/ 99480 w 804898"/>
+              <a:gd name="connsiteY0" fmla="*/ 0 h 3140150"/>
+              <a:gd name="connsiteX1" fmla="*/ 804898 w 804898"/>
+              <a:gd name="connsiteY1" fmla="*/ 0 h 3140150"/>
+              <a:gd name="connsiteX2" fmla="*/ 804898 w 804898"/>
+              <a:gd name="connsiteY2" fmla="*/ 357262 h 3140150"/>
+              <a:gd name="connsiteX3" fmla="*/ 804898 w 804898"/>
+              <a:gd name="connsiteY3" fmla="*/ 2782888 h 3140150"/>
+              <a:gd name="connsiteX4" fmla="*/ 804898 w 804898"/>
+              <a:gd name="connsiteY4" fmla="*/ 3140150 h 3140150"/>
+              <a:gd name="connsiteX5" fmla="*/ 99480 w 804898"/>
+              <a:gd name="connsiteY5" fmla="*/ 3140150 h 3140150"/>
+              <a:gd name="connsiteX6" fmla="*/ 0 w 804898"/>
+              <a:gd name="connsiteY6" fmla="*/ 3013250 h 3140150"/>
+              <a:gd name="connsiteX7" fmla="*/ 0 w 804898"/>
+              <a:gd name="connsiteY7" fmla="*/ 2655988 h 3140150"/>
+              <a:gd name="connsiteX8" fmla="*/ 0 w 804898"/>
+              <a:gd name="connsiteY8" fmla="*/ 484162 h 3140150"/>
+              <a:gd name="connsiteX9" fmla="*/ 0 w 804898"/>
+              <a:gd name="connsiteY9" fmla="*/ 126900 h 3140150"/>
+              <a:gd name="connsiteX10" fmla="*/ 99480 w 804898"/>
+              <a:gd name="connsiteY10" fmla="*/ 0 h 3140150"/>
+            </a:gdLst>
+            <a:ahLst/>
+            <a:cxnLst>
+              <a:cxn ang="0">
+                <a:pos x="connsiteX0" y="connsiteY0"/>
+              </a:cxn>
+              <a:cxn ang="0">
+                <a:pos x="connsiteX1" y="connsiteY1"/>
+              </a:cxn>
+              <a:cxn ang="0">
+                <a:pos x="connsiteX2" y="connsiteY2"/>
+              </a:cxn>
+              <a:cxn ang="0">
+                <a:pos x="connsiteX3" y="connsiteY3"/>
+              </a:cxn>
+              <a:cxn ang="0">
+                <a:pos x="connsiteX4" y="connsiteY4"/>
+              </a:cxn>
+              <a:cxn ang="0">
+                <a:pos x="connsiteX5" y="connsiteY5"/>
+              </a:cxn>
+              <a:cxn ang="0">
+                <a:pos x="connsiteX6" y="connsiteY6"/>
+              </a:cxn>
+              <a:cxn ang="0">
+                <a:pos x="connsiteX7" y="connsiteY7"/>
+              </a:cxn>
+              <a:cxn ang="0">
+                <a:pos x="connsiteX8" y="connsiteY8"/>
+              </a:cxn>
+              <a:cxn ang="0">
+                <a:pos x="connsiteX9" y="connsiteY9"/>
+              </a:cxn>
+              <a:cxn ang="0">
+                <a:pos x="connsiteX10" y="connsiteY10"/>
+              </a:cxn>
+            </a:cxnLst>
+            <a:rect l="l" t="t" r="r" b="b"/>
+            <a:pathLst>
+              <a:path w="804898" h="3140150">
+                <a:moveTo>
+                  <a:pt x="99480" y="0"/>
+                </a:moveTo>
+                <a:lnTo>
+                  <a:pt x="804898" y="0"/>
+                </a:lnTo>
+                <a:lnTo>
+                  <a:pt x="804898" y="357262"/>
+                </a:lnTo>
+                <a:lnTo>
+                  <a:pt x="804898" y="2782888"/>
+                </a:lnTo>
+                <a:lnTo>
+                  <a:pt x="804898" y="3140150"/>
+                </a:lnTo>
+                <a:lnTo>
+                  <a:pt x="99480" y="3140150"/>
+                </a:lnTo>
+                <a:cubicBezTo>
+                  <a:pt x="44539" y="3140150"/>
+                  <a:pt x="0" y="3083334"/>
+                  <a:pt x="0" y="3013250"/>
+                </a:cubicBezTo>
+                <a:lnTo>
+                  <a:pt x="0" y="2655988"/>
+                </a:lnTo>
+                <a:lnTo>
+                  <a:pt x="0" y="484162"/>
+                </a:lnTo>
+                <a:lnTo>
+                  <a:pt x="0" y="126900"/>
+                </a:lnTo>
+                <a:cubicBezTo>
+                  <a:pt x="0" y="56816"/>
+                  <a:pt x="44539" y="0"/>
+                  <a:pt x="99480" y="0"/>
+                </a:cubicBezTo>
+                <a:close/>
+              </a:path>
+            </a:pathLst>
+          </a:custGeom>
+          <a:gradFill>
+            <a:gsLst>
+              <a:gs pos="100000">
+                <a:schemeClr val="tx1">
+                  <a:lumMod val="75000"/>
+                  <a:lumOff val="25000"/>
+                </a:schemeClr>
+              </a:gs>
+              <a:gs pos="0">
+                <a:schemeClr val="tx1"/>
+              </a:gs>
+            </a:gsLst>
+            <a:lin ang="0" scaled="0"/>
+          </a:gradFill>
+          <a:ln w="3175">
+            <a:solidFill>
+              <a:schemeClr val="tx1">
+                <a:lumMod val="85000"/>
+                <a:lumOff val="15000"/>
+              </a:schemeClr>
+            </a:solidFill>
+          </a:ln>
+        </p:spPr>
+        <p:txBody>
+          <a:bodyPr vert="horz" wrap="square" lIns="180000" tIns="288000" rIns="180000" bIns="180000" rtlCol="0" anchor="t">
+            <a:noAutofit/>
+          </a:bodyPr>
+          <a:lstStyle>
+            <a:lvl1pPr algn="l" defTabSz="914400" rtl="0" eaLnBrk="1" latinLnBrk="0" hangingPunct="1">
+              <a:lnSpc>
+                <a:spcPts val="4000"/>
+              </a:lnSpc>
+              <a:spcBef>
+                <a:spcPct val="0"/>
+              </a:spcBef>
+              <a:buNone/>
+              <a:defRPr sz="5000" b="1" kern="1200" spc="-300">
+                <a:solidFill>
+                  <a:schemeClr val="bg1">
+                    <a:lumMod val="95000"/>
+                  </a:schemeClr>
+                </a:solidFill>
+                <a:latin typeface="+mj-lt"/>
+                <a:ea typeface="+mj-ea"/>
+                <a:cs typeface="+mj-cs"/>
+              </a:defRPr>
+            </a:lvl1pPr>
+          </a:lstStyle>
+          <a:p>
+            <a:endParaRPr lang="en-US" dirty="0"/>
+          </a:p>
+        </p:txBody>
+      </p:sp>
+      <p:sp>
+        <p:nvSpPr>
+          <p:cNvPr id="18" name="Isosceles Triangle 17">
+            <a:extLst>
+              <a:ext uri="{FF2B5EF4-FFF2-40B4-BE49-F238E27FC236}">
+                <a16:creationId xmlns="" xmlns:a16="http://schemas.microsoft.com/office/drawing/2014/main" id="{FAB4748B-F532-4C70-827A-5FEA8C084327}"/>
+              </a:ext>
+              <a:ext uri="{C183D7F6-B498-43B3-948B-1728B52AA6E4}">
+                <adec:decorative xmlns="" xmlns:adec="http://schemas.microsoft.com/office/drawing/2017/decorative" val="1"/>
+              </a:ext>
+            </a:extLst>
+          </p:cNvPr>
+          <p:cNvSpPr/>
+          <p:nvPr/>
+        </p:nvSpPr>
+        <p:spPr>
+          <a:xfrm rot="10800000">
+            <a:off x="11391864" y="5548307"/>
+            <a:ext cx="450092" cy="424971"/>
+          </a:xfrm>
+          <a:prstGeom prst="triangle">
+            <a:avLst>
+              <a:gd name="adj" fmla="val 100000"/>
+            </a:avLst>
+          </a:prstGeom>
+          <a:solidFill>
+            <a:schemeClr val="accent1"/>
+          </a:solidFill>
+          <a:ln w="3175">
+            <a:solidFill>
+              <a:schemeClr val="tx1">
+                <a:lumMod val="65000"/>
+                <a:lumOff val="35000"/>
+              </a:schemeClr>
+            </a:solidFill>
+          </a:ln>
+        </p:spPr>
+        <p:style>
+          <a:lnRef idx="2">
+            <a:schemeClr val="accent1">
+              <a:shade val="50000"/>
+            </a:schemeClr>
+          </a:lnRef>
+          <a:fillRef idx="1">
+            <a:schemeClr val="accent1"/>
+          </a:fillRef>
+          <a:effectRef idx="0">
+            <a:schemeClr val="accent1"/>
+          </a:effectRef>
+          <a:fontRef idx="minor">
+            <a:schemeClr val="lt1"/>
+          </a:fontRef>
+        </p:style>
+        <p:txBody>
+          <a:bodyPr rtlCol="0" anchor="ctr"/>
+          <a:lstStyle/>
+          <a:p>
+            <a:pPr algn="ctr"/>
+            <a:endParaRPr lang="en-US" dirty="0"/>
+          </a:p>
+        </p:txBody>
+      </p:sp>
+      <p:sp>
+        <p:nvSpPr>
+          <p:cNvPr id="3" name="Title 2">
+            <a:extLst>
+              <a:ext uri="{FF2B5EF4-FFF2-40B4-BE49-F238E27FC236}">
+                <a16:creationId xmlns="" xmlns:a16="http://schemas.microsoft.com/office/drawing/2014/main" id="{200B3D2B-613A-41BE-987D-E6A1324B456D}"/>
+              </a:ext>
+            </a:extLst>
+          </p:cNvPr>
+          <p:cNvSpPr>
+            <a:spLocks noGrp="1"/>
+          </p:cNvSpPr>
+          <p:nvPr>
+            <p:ph type="ctrTitle"/>
+          </p:nvPr>
+        </p:nvSpPr>
+        <p:spPr>
+          <a:xfrm>
+            <a:off x="7425293" y="2408157"/>
+            <a:ext cx="4459766" cy="3146839"/>
+          </a:xfrm>
+        </p:spPr>
+        <p:txBody>
+          <a:bodyPr/>
+          <a:lstStyle/>
+          <a:p>
+            <a:r>
+              <a:rPr lang="en-US" dirty="0"/>
+              <a:t>Section Divider Option 1</a:t>
+            </a:r>
+          </a:p>
+        </p:txBody>
+      </p:sp>
+      <p:sp>
+        <p:nvSpPr>
+          <p:cNvPr id="4" name="Subtitle 3">
+            <a:extLst>
+              <a:ext uri="{FF2B5EF4-FFF2-40B4-BE49-F238E27FC236}">
+                <a16:creationId xmlns="" xmlns:a16="http://schemas.microsoft.com/office/drawing/2014/main" id="{4772945D-CA91-4CFE-8EB7-941C7618C994}"/>
+              </a:ext>
+            </a:extLst>
+          </p:cNvPr>
+          <p:cNvSpPr>
+            <a:spLocks noGrp="1"/>
+          </p:cNvSpPr>
+          <p:nvPr>
+            <p:ph type="subTitle" idx="1"/>
+          </p:nvPr>
+        </p:nvSpPr>
+        <p:spPr/>
+        <p:txBody>
+          <a:bodyPr/>
+          <a:lstStyle/>
+          <a:p>
+            <a:r>
+              <a:rPr lang="en-US" dirty="0"/>
+              <a:t>Lorem ipsum dolor sit amet, consectetur adipiscing elit</a:t>
+            </a:r>
+          </a:p>
+        </p:txBody>
+      </p:sp>
+      <p:sp>
+        <p:nvSpPr>
+          <p:cNvPr id="15" name="Freeform 5">
+            <a:extLst>
+              <a:ext uri="{FF2B5EF4-FFF2-40B4-BE49-F238E27FC236}">
+                <a16:creationId xmlns="" xmlns:a16="http://schemas.microsoft.com/office/drawing/2014/main" id="{7746F873-A4ED-4E4C-BB89-CA0FBB9E9582}"/>
+              </a:ext>
+              <a:ext uri="{C183D7F6-B498-43B3-948B-1728B52AA6E4}">
+                <adec:decorative xmlns="" xmlns:adec="http://schemas.microsoft.com/office/drawing/2017/decorative" val="1"/>
+              </a:ext>
+            </a:extLst>
+          </p:cNvPr>
+          <p:cNvSpPr>
+            <a:spLocks noChangeAspect="1"/>
+          </p:cNvSpPr>
+          <p:nvPr/>
+        </p:nvSpPr>
+        <p:spPr bwMode="auto">
+          <a:xfrm>
+            <a:off x="456656" y="5118766"/>
+            <a:ext cx="751030" cy="659065"/>
+          </a:xfrm>
+          <a:custGeom>
+            <a:avLst/>
+            <a:gdLst>
+              <a:gd name="T0" fmla="*/ 781 w 1099"/>
+              <a:gd name="T1" fmla="*/ 0 h 968"/>
+              <a:gd name="T2" fmla="*/ 318 w 1099"/>
+              <a:gd name="T3" fmla="*/ 0 h 968"/>
+              <a:gd name="T4" fmla="*/ 246 w 1099"/>
+              <a:gd name="T5" fmla="*/ 42 h 968"/>
+              <a:gd name="T6" fmla="*/ 15 w 1099"/>
+              <a:gd name="T7" fmla="*/ 443 h 968"/>
+              <a:gd name="T8" fmla="*/ 15 w 1099"/>
+              <a:gd name="T9" fmla="*/ 525 h 968"/>
+              <a:gd name="T10" fmla="*/ 246 w 1099"/>
+              <a:gd name="T11" fmla="*/ 926 h 968"/>
+              <a:gd name="T12" fmla="*/ 318 w 1099"/>
+              <a:gd name="T13" fmla="*/ 968 h 968"/>
+              <a:gd name="T14" fmla="*/ 781 w 1099"/>
+              <a:gd name="T15" fmla="*/ 968 h 968"/>
+              <a:gd name="T16" fmla="*/ 852 w 1099"/>
+              <a:gd name="T17" fmla="*/ 926 h 968"/>
+              <a:gd name="T18" fmla="*/ 1084 w 1099"/>
+              <a:gd name="T19" fmla="*/ 525 h 968"/>
+              <a:gd name="T20" fmla="*/ 1084 w 1099"/>
+              <a:gd name="T21" fmla="*/ 443 h 968"/>
+              <a:gd name="T22" fmla="*/ 852 w 1099"/>
+              <a:gd name="T23" fmla="*/ 42 h 968"/>
+              <a:gd name="T24" fmla="*/ 781 w 1099"/>
+              <a:gd name="T25" fmla="*/ 0 h 968"/>
+            </a:gdLst>
+            <a:ahLst/>
+            <a:cxnLst>
+              <a:cxn ang="0">
+                <a:pos x="T0" y="T1"/>
+              </a:cxn>
+              <a:cxn ang="0">
+                <a:pos x="T2" y="T3"/>
+              </a:cxn>
+              <a:cxn ang="0">
+                <a:pos x="T4" y="T5"/>
+              </a:cxn>
+              <a:cxn ang="0">
+                <a:pos x="T6" y="T7"/>
+              </a:cxn>
+              <a:cxn ang="0">
+                <a:pos x="T8" y="T9"/>
+              </a:cxn>
+              <a:cxn ang="0">
+                <a:pos x="T10" y="T11"/>
+              </a:cxn>
+              <a:cxn ang="0">
+                <a:pos x="T12" y="T13"/>
+              </a:cxn>
+              <a:cxn ang="0">
+                <a:pos x="T14" y="T15"/>
+              </a:cxn>
+              <a:cxn ang="0">
+                <a:pos x="T16" y="T17"/>
+              </a:cxn>
+              <a:cxn ang="0">
+                <a:pos x="T18" y="T19"/>
+              </a:cxn>
+              <a:cxn ang="0">
+                <a:pos x="T20" y="T21"/>
+              </a:cxn>
+              <a:cxn ang="0">
+                <a:pos x="T22" y="T23"/>
+              </a:cxn>
+              <a:cxn ang="0">
+                <a:pos x="T24" y="T25"/>
+              </a:cxn>
+            </a:cxnLst>
+            <a:rect l="0" t="0" r="r" b="b"/>
+            <a:pathLst>
+              <a:path w="1099" h="968">
+                <a:moveTo>
+                  <a:pt x="781" y="0"/>
+                </a:moveTo>
+                <a:cubicBezTo>
+                  <a:pt x="318" y="0"/>
+                  <a:pt x="318" y="0"/>
+                  <a:pt x="318" y="0"/>
+                </a:cubicBezTo>
+                <a:cubicBezTo>
+                  <a:pt x="288" y="0"/>
+                  <a:pt x="261" y="16"/>
+                  <a:pt x="246" y="42"/>
+                </a:cubicBezTo>
+                <a:cubicBezTo>
+                  <a:pt x="15" y="443"/>
+                  <a:pt x="15" y="443"/>
+                  <a:pt x="15" y="443"/>
+                </a:cubicBezTo>
+                <a:cubicBezTo>
+                  <a:pt x="0" y="468"/>
+                  <a:pt x="0" y="500"/>
+                  <a:pt x="15" y="525"/>
+                </a:cubicBezTo>
+                <a:cubicBezTo>
+                  <a:pt x="246" y="926"/>
+                  <a:pt x="246" y="926"/>
+                  <a:pt x="246" y="926"/>
+                </a:cubicBezTo>
+                <a:cubicBezTo>
+                  <a:pt x="261" y="952"/>
+                  <a:pt x="288" y="968"/>
+                  <a:pt x="318" y="968"/>
+                </a:cubicBezTo>
+                <a:cubicBezTo>
+                  <a:pt x="781" y="968"/>
+                  <a:pt x="781" y="968"/>
+                  <a:pt x="781" y="968"/>
+                </a:cubicBezTo>
+                <a:cubicBezTo>
+                  <a:pt x="810" y="968"/>
+                  <a:pt x="838" y="952"/>
+                  <a:pt x="852" y="926"/>
+                </a:cubicBezTo>
+                <a:cubicBezTo>
+                  <a:pt x="1084" y="525"/>
+                  <a:pt x="1084" y="525"/>
+                  <a:pt x="1084" y="525"/>
+                </a:cubicBezTo>
+                <a:cubicBezTo>
+                  <a:pt x="1099" y="500"/>
+                  <a:pt x="1099" y="468"/>
+                  <a:pt x="1084" y="443"/>
+                </a:cubicBezTo>
+                <a:cubicBezTo>
+                  <a:pt x="852" y="42"/>
+                  <a:pt x="852" y="42"/>
+                  <a:pt x="852" y="42"/>
+                </a:cubicBezTo>
+                <a:cubicBezTo>
+                  <a:pt x="838" y="16"/>
+                  <a:pt x="810" y="0"/>
+                  <a:pt x="781" y="0"/>
+                </a:cubicBezTo>
+                <a:close/>
+              </a:path>
+            </a:pathLst>
+          </a:custGeom>
+          <a:solidFill>
+            <a:schemeClr val="bg1">
+              <a:lumMod val="95000"/>
+            </a:schemeClr>
+          </a:solidFill>
+          <a:ln w="63500" cap="flat">
+            <a:noFill/>
+            <a:prstDash val="solid"/>
+            <a:miter lim="800000"/>
+            <a:headEnd/>
+            <a:tailEnd/>
+          </a:ln>
+        </p:spPr>
+        <p:txBody>
+          <a:bodyPr vert="horz" wrap="square" lIns="91440" tIns="45720" rIns="91440" bIns="45720" numCol="1" anchor="t" anchorCtr="0" compatLnSpc="1">
+            <a:prstTxWarp prst="textNoShape">
+              <a:avLst/>
+            </a:prstTxWarp>
+          </a:bodyPr>
+          <a:lstStyle/>
+          <a:p>
+            <a:endParaRPr lang="en-US" dirty="0"/>
+          </a:p>
+        </p:txBody>
+      </p:sp>
+      <p:sp>
+        <p:nvSpPr>
+          <p:cNvPr id="16" name="Freeform 5" descr="Hollow accent block">
+            <a:extLst>
+              <a:ext uri="{FF2B5EF4-FFF2-40B4-BE49-F238E27FC236}">
+                <a16:creationId xmlns="" xmlns:a16="http://schemas.microsoft.com/office/drawing/2014/main" id="{E0D7A780-33BC-4E68-9763-AB62376D5024}"/>
+              </a:ext>
+              <a:ext uri="{C183D7F6-B498-43B3-948B-1728B52AA6E4}">
+                <adec:decorative xmlns="" xmlns:adec="http://schemas.microsoft.com/office/drawing/2017/decorative" val="1"/>
+              </a:ext>
+            </a:extLst>
+          </p:cNvPr>
+          <p:cNvSpPr>
+            <a:spLocks noChangeAspect="1"/>
+          </p:cNvSpPr>
+          <p:nvPr/>
+        </p:nvSpPr>
+        <p:spPr bwMode="auto">
+          <a:xfrm>
+            <a:off x="1779027" y="1160174"/>
+            <a:ext cx="1838651" cy="1613506"/>
+          </a:xfrm>
+          <a:custGeom>
+            <a:avLst/>
+            <a:gdLst>
+              <a:gd name="T0" fmla="*/ 781 w 1099"/>
+              <a:gd name="T1" fmla="*/ 0 h 968"/>
+              <a:gd name="T2" fmla="*/ 318 w 1099"/>
+              <a:gd name="T3" fmla="*/ 0 h 968"/>
+              <a:gd name="T4" fmla="*/ 246 w 1099"/>
+              <a:gd name="T5" fmla="*/ 42 h 968"/>
+              <a:gd name="T6" fmla="*/ 15 w 1099"/>
+              <a:gd name="T7" fmla="*/ 443 h 968"/>
+              <a:gd name="T8" fmla="*/ 15 w 1099"/>
+              <a:gd name="T9" fmla="*/ 525 h 968"/>
+              <a:gd name="T10" fmla="*/ 246 w 1099"/>
+              <a:gd name="T11" fmla="*/ 926 h 968"/>
+              <a:gd name="T12" fmla="*/ 318 w 1099"/>
+              <a:gd name="T13" fmla="*/ 968 h 968"/>
+              <a:gd name="T14" fmla="*/ 781 w 1099"/>
+              <a:gd name="T15" fmla="*/ 968 h 968"/>
+              <a:gd name="T16" fmla="*/ 852 w 1099"/>
+              <a:gd name="T17" fmla="*/ 926 h 968"/>
+              <a:gd name="T18" fmla="*/ 1084 w 1099"/>
+              <a:gd name="T19" fmla="*/ 525 h 968"/>
+              <a:gd name="T20" fmla="*/ 1084 w 1099"/>
+              <a:gd name="T21" fmla="*/ 443 h 968"/>
+              <a:gd name="T22" fmla="*/ 852 w 1099"/>
+              <a:gd name="T23" fmla="*/ 42 h 968"/>
+              <a:gd name="T24" fmla="*/ 781 w 1099"/>
+              <a:gd name="T25" fmla="*/ 0 h 968"/>
+            </a:gdLst>
+            <a:ahLst/>
+            <a:cxnLst>
+              <a:cxn ang="0">
+                <a:pos x="T0" y="T1"/>
+              </a:cxn>
+              <a:cxn ang="0">
+                <a:pos x="T2" y="T3"/>
+              </a:cxn>
+              <a:cxn ang="0">
+                <a:pos x="T4" y="T5"/>
+              </a:cxn>
+              <a:cxn ang="0">
+                <a:pos x="T6" y="T7"/>
+              </a:cxn>
+              <a:cxn ang="0">
+                <a:pos x="T8" y="T9"/>
+              </a:cxn>
+              <a:cxn ang="0">
+                <a:pos x="T10" y="T11"/>
+              </a:cxn>
+              <a:cxn ang="0">
+                <a:pos x="T12" y="T13"/>
+              </a:cxn>
+              <a:cxn ang="0">
+                <a:pos x="T14" y="T15"/>
+              </a:cxn>
+              <a:cxn ang="0">
+                <a:pos x="T16" y="T17"/>
+              </a:cxn>
+              <a:cxn ang="0">
+                <a:pos x="T18" y="T19"/>
+              </a:cxn>
+              <a:cxn ang="0">
+                <a:pos x="T20" y="T21"/>
+              </a:cxn>
+              <a:cxn ang="0">
+                <a:pos x="T22" y="T23"/>
+              </a:cxn>
+              <a:cxn ang="0">
+                <a:pos x="T24" y="T25"/>
+              </a:cxn>
+            </a:cxnLst>
+            <a:rect l="0" t="0" r="r" b="b"/>
+            <a:pathLst>
+              <a:path w="1099" h="968">
+                <a:moveTo>
+                  <a:pt x="781" y="0"/>
+                </a:moveTo>
+                <a:cubicBezTo>
+                  <a:pt x="318" y="0"/>
+                  <a:pt x="318" y="0"/>
+                  <a:pt x="318" y="0"/>
+                </a:cubicBezTo>
+                <a:cubicBezTo>
+                  <a:pt x="288" y="0"/>
+                  <a:pt x="261" y="16"/>
+                  <a:pt x="246" y="42"/>
+                </a:cubicBezTo>
+                <a:cubicBezTo>
+                  <a:pt x="15" y="443"/>
+                  <a:pt x="15" y="443"/>
+                  <a:pt x="15" y="443"/>
+                </a:cubicBezTo>
+                <a:cubicBezTo>
+                  <a:pt x="0" y="468"/>
+                  <a:pt x="0" y="500"/>
+                  <a:pt x="15" y="525"/>
+                </a:cubicBezTo>
+                <a:cubicBezTo>
+                  <a:pt x="246" y="926"/>
+                  <a:pt x="246" y="926"/>
+                  <a:pt x="246" y="926"/>
+                </a:cubicBezTo>
+                <a:cubicBezTo>
+                  <a:pt x="261" y="952"/>
+                  <a:pt x="288" y="968"/>
+                  <a:pt x="318" y="968"/>
+                </a:cubicBezTo>
+                <a:cubicBezTo>
+                  <a:pt x="781" y="968"/>
+                  <a:pt x="781" y="968"/>
+                  <a:pt x="781" y="968"/>
+                </a:cubicBezTo>
+                <a:cubicBezTo>
+                  <a:pt x="810" y="968"/>
+                  <a:pt x="838" y="952"/>
+                  <a:pt x="852" y="926"/>
+                </a:cubicBezTo>
+                <a:cubicBezTo>
+                  <a:pt x="1084" y="525"/>
+                  <a:pt x="1084" y="525"/>
+                  <a:pt x="1084" y="525"/>
+                </a:cubicBezTo>
+                <a:cubicBezTo>
+                  <a:pt x="1099" y="500"/>
+                  <a:pt x="1099" y="468"/>
+                  <a:pt x="1084" y="443"/>
+                </a:cubicBezTo>
+                <a:cubicBezTo>
+                  <a:pt x="852" y="42"/>
+                  <a:pt x="852" y="42"/>
+                  <a:pt x="852" y="42"/>
+                </a:cubicBezTo>
+                <a:cubicBezTo>
+                  <a:pt x="838" y="16"/>
+                  <a:pt x="810" y="0"/>
+                  <a:pt x="781" y="0"/>
+                </a:cubicBezTo>
+                <a:close/>
+              </a:path>
+            </a:pathLst>
+          </a:custGeom>
+          <a:noFill/>
+          <a:ln w="63500" cap="flat">
+            <a:solidFill>
+              <a:schemeClr val="tx1">
+                <a:lumMod val="75000"/>
+                <a:lumOff val="25000"/>
+              </a:schemeClr>
+            </a:solidFill>
+            <a:prstDash val="solid"/>
+            <a:miter lim="800000"/>
+            <a:headEnd/>
+            <a:tailEnd/>
+          </a:ln>
+        </p:spPr>
+        <p:txBody>
+          <a:bodyPr vert="horz" wrap="square" lIns="91440" tIns="45720" rIns="91440" bIns="45720" numCol="1" anchor="t" anchorCtr="0" compatLnSpc="1">
+            <a:prstTxWarp prst="textNoShape">
+              <a:avLst/>
+            </a:prstTxWarp>
+          </a:bodyPr>
+          <a:lstStyle/>
+          <a:p>
+            <a:endParaRPr lang="en-US" dirty="0"/>
+          </a:p>
+        </p:txBody>
+      </p:sp>
+      <p:sp>
+        <p:nvSpPr>
+          <p:cNvPr id="5" name="Slide Number Placeholder 4">
+            <a:extLst>
+              <a:ext uri="{FF2B5EF4-FFF2-40B4-BE49-F238E27FC236}">
+                <a16:creationId xmlns="" xmlns:a16="http://schemas.microsoft.com/office/drawing/2014/main" id="{BDD5A594-D852-43BB-B591-E9D9027253BD}"/>
+              </a:ext>
+            </a:extLst>
+          </p:cNvPr>
+          <p:cNvSpPr>
+            <a:spLocks noGrp="1"/>
+          </p:cNvSpPr>
+          <p:nvPr>
+            <p:ph type="sldNum" sz="quarter" idx="12"/>
+          </p:nvPr>
+        </p:nvSpPr>
+        <p:spPr/>
+        <p:txBody>
+          <a:bodyPr/>
+          <a:lstStyle/>
+          <a:p>
+            <a:fld id="{19B51A1E-902D-48AF-9020-955120F399B6}" type="slidenum">
+              <a:rPr lang="en-US" smtClean="0"/>
+              <a:pPr/>
+              <a:t>3</a:t>
+            </a:fld>
+            <a:endParaRPr lang="en-US" dirty="0"/>
+          </a:p>
+        </p:txBody>
+      </p:sp>
+    </p:spTree>
+    <p:extLst>
+      <p:ext uri="{BB962C8B-B14F-4D97-AF65-F5344CB8AC3E}">
+        <p14:creationId xmlns:p14="http://schemas.microsoft.com/office/powerpoint/2010/main" val="4091674644"/>
+      </p:ext>
+    </p:extLst>
+  </p:cSld>
+  <p:clrMapOvr>
+    <a:masterClrMapping/>
+  </p:clrMapOvr>
+  <p:timing>
+    <p:tnLst>
+      <p:par>
+        <p:cTn id="1" dur="indefinite" restart="never" nodeType="tmRoot"/>
+      </p:par>
+    </p:tnLst>
+  </p:timing>
+</p:sld>
+</file>
+
+<file path=ppt/slides/slide30.xml><?xml version="1.0" encoding="utf-8"?>
+<p:sld xmlns:a="http://schemas.openxmlformats.org/drawingml/2006/main" xmlns:r="http://schemas.openxmlformats.org/officeDocument/2006/relationships" xmlns:p="http://schemas.openxmlformats.org/presentationml/2006/main">
+  <p:cSld>
+    <p:spTree>
+      <p:nvGrpSpPr>
+        <p:cNvPr id="1" name=""/>
+        <p:cNvGrpSpPr/>
+        <p:nvPr/>
+      </p:nvGrpSpPr>
+      <p:grpSpPr>
+        <a:xfrm>
+          <a:off x="0" y="0"/>
+          <a:ext cx="0" cy="0"/>
+          <a:chOff x="0" y="0"/>
+          <a:chExt cx="0" cy="0"/>
+        </a:xfrm>
+      </p:grpSpPr>
+      <p:sp>
+        <p:nvSpPr>
+          <p:cNvPr id="4" name="Title 3">
+            <a:extLst>
+              <a:ext uri="{FF2B5EF4-FFF2-40B4-BE49-F238E27FC236}">
+                <a16:creationId xmlns="" xmlns:a16="http://schemas.microsoft.com/office/drawing/2014/main" id="{E98DCA46-603B-4178-8707-30E192CE6B8D}"/>
+              </a:ext>
+            </a:extLst>
+          </p:cNvPr>
+          <p:cNvSpPr>
+            <a:spLocks noGrp="1"/>
+          </p:cNvSpPr>
+          <p:nvPr>
+            <p:ph type="title"/>
+          </p:nvPr>
+        </p:nvSpPr>
+        <p:spPr/>
+        <p:txBody>
+          <a:bodyPr/>
+          <a:lstStyle/>
+          <a:p>
+            <a:r>
+              <a:rPr lang="en-US" dirty="0"/>
+              <a:t>Customize this Template</a:t>
+            </a:r>
+          </a:p>
+        </p:txBody>
+      </p:sp>
+      <p:sp>
+        <p:nvSpPr>
+          <p:cNvPr id="3" name="Text Placeholder 2">
+            <a:extLst>
+              <a:ext uri="{FF2B5EF4-FFF2-40B4-BE49-F238E27FC236}">
+                <a16:creationId xmlns="" xmlns:a16="http://schemas.microsoft.com/office/drawing/2014/main" id="{44C11960-E298-40D1-BBD6-3E621842A017}"/>
+              </a:ext>
+            </a:extLst>
+          </p:cNvPr>
+          <p:cNvSpPr>
+            <a:spLocks noGrp="1"/>
+          </p:cNvSpPr>
+          <p:nvPr>
+            <p:ph type="body" sz="quarter" idx="14"/>
+          </p:nvPr>
+        </p:nvSpPr>
+        <p:spPr/>
+        <p:txBody>
+          <a:bodyPr/>
+          <a:lstStyle/>
+          <a:p>
+            <a:pPr>
+              <a:lnSpc>
+                <a:spcPct val="100000"/>
+              </a:lnSpc>
+            </a:pPr>
+            <a:r>
+              <a:rPr lang="en-US" u="sng" dirty="0">
+                <a:solidFill>
+                  <a:srgbClr val="0070C0"/>
+                </a:solidFill>
+                <a:hlinkClick r:id="rId2">
+                  <a:extLst>
+                    <a:ext uri="{A12FA001-AC4F-418D-AE19-62706E023703}">
+                      <ahyp:hlinkClr xmlns="" xmlns:ahyp="http://schemas.microsoft.com/office/drawing/2018/hyperlinkcolor" val="tx"/>
+                    </a:ext>
+                  </a:extLst>
+                </a:hlinkClick>
+              </a:rPr>
+              <a:t>Template Editing Instructions and Feedback</a:t>
+            </a:r>
+            <a:endParaRPr lang="en-US" u="sng" dirty="0">
+              <a:solidFill>
+                <a:srgbClr val="0070C0"/>
+              </a:solidFill>
+            </a:endParaRPr>
+          </a:p>
+        </p:txBody>
+      </p:sp>
+      <p:sp>
+        <p:nvSpPr>
+          <p:cNvPr id="2" name="Slide Number Placeholder 1">
+            <a:extLst>
+              <a:ext uri="{FF2B5EF4-FFF2-40B4-BE49-F238E27FC236}">
+                <a16:creationId xmlns="" xmlns:a16="http://schemas.microsoft.com/office/drawing/2014/main" id="{5E0A2811-986E-4EBF-9612-8E79971C972D}"/>
+              </a:ext>
+            </a:extLst>
+          </p:cNvPr>
+          <p:cNvSpPr>
+            <a:spLocks noGrp="1"/>
+          </p:cNvSpPr>
+          <p:nvPr>
+            <p:ph type="sldNum" sz="quarter" idx="13"/>
+          </p:nvPr>
+        </p:nvSpPr>
+        <p:spPr/>
+        <p:txBody>
+          <a:bodyPr/>
+          <a:lstStyle/>
+          <a:p>
+            <a:fld id="{19B51A1E-902D-48AF-9020-955120F399B6}" type="slidenum">
+              <a:rPr lang="en-US" smtClean="0"/>
+              <a:pPr/>
+              <a:t>30</a:t>
+            </a:fld>
+            <a:endParaRPr lang="en-US" dirty="0"/>
+          </a:p>
+        </p:txBody>
+      </p:sp>
+    </p:spTree>
+    <p:extLst>
+      <p:ext uri="{BB962C8B-B14F-4D97-AF65-F5344CB8AC3E}">
+        <p14:creationId xmlns:p14="http://schemas.microsoft.com/office/powerpoint/2010/main" val="59582380"/>
+      </p:ext>
+    </p:extLst>
+  </p:cSld>
+  <p:clrMapOvr>
+    <a:masterClrMapping/>
+  </p:clrMapOvr>
+  <p:timing>
+    <p:tnLst>
+      <p:par>
+        <p:cTn id="1" dur="indefinite" restart="never" nodeType="tmRoot"/>
+      </p:par>
+    </p:tnLst>
+  </p:timing>
+</p:sld>
+</file>
+
+<file path=ppt/slides/slide4.xml><?xml version="1.0" encoding="utf-8"?>
+<p:sld xmlns:a="http://schemas.openxmlformats.org/drawingml/2006/main" xmlns:r="http://schemas.openxmlformats.org/officeDocument/2006/relationships" xmlns:p="http://schemas.openxmlformats.org/presentationml/2006/main">
+  <p:cSld>
+    <p:spTree>
+      <p:nvGrpSpPr>
+        <p:cNvPr id="1" name=""/>
+        <p:cNvGrpSpPr/>
+        <p:nvPr/>
+      </p:nvGrpSpPr>
+      <p:grpSpPr>
+        <a:xfrm>
+          <a:off x="0" y="0"/>
+          <a:ext cx="0" cy="0"/>
+          <a:chOff x="0" y="0"/>
+          <a:chExt cx="0" cy="0"/>
+        </a:xfrm>
+      </p:grpSpPr>
+      <p:sp>
+        <p:nvSpPr>
+          <p:cNvPr id="3" name="Slide Number Placeholder 2"/>
+          <p:cNvSpPr>
+            <a:spLocks noGrp="1"/>
+          </p:cNvSpPr>
+          <p:nvPr>
+            <p:ph type="sldNum" sz="quarter" idx="15"/>
+          </p:nvPr>
+        </p:nvSpPr>
+        <p:spPr/>
+        <p:txBody>
+          <a:bodyPr/>
+          <a:lstStyle/>
+          <a:p>
+            <a:fld id="{19B51A1E-902D-48AF-9020-955120F399B6}" type="slidenum">
+              <a:rPr lang="en-US" noProof="0" smtClean="0"/>
+              <a:pPr/>
+              <a:t>4</a:t>
+            </a:fld>
+            <a:endParaRPr lang="en-US" noProof="0" dirty="0"/>
+          </a:p>
+        </p:txBody>
+      </p:sp>
+      <p:sp>
+        <p:nvSpPr>
+          <p:cNvPr id="4" name="Title 3"/>
+          <p:cNvSpPr>
+            <a:spLocks noGrp="1"/>
+          </p:cNvSpPr>
+          <p:nvPr>
+            <p:ph type="ctrTitle"/>
+          </p:nvPr>
+        </p:nvSpPr>
+        <p:spPr/>
+        <p:txBody>
+          <a:bodyPr/>
+          <a:lstStyle/>
+          <a:p>
+            <a:endParaRPr lang="en-US"/>
+          </a:p>
+        </p:txBody>
+      </p:sp>
+      <p:sp>
+        <p:nvSpPr>
+          <p:cNvPr id="5" name="Picture Placeholder 4"/>
+          <p:cNvSpPr>
+            <a:spLocks noGrp="1"/>
+          </p:cNvSpPr>
+          <p:nvPr>
+            <p:ph type="pic" sz="quarter" idx="14"/>
+          </p:nvPr>
+        </p:nvSpPr>
+        <p:spPr>
+          <a:xfrm>
+            <a:off x="161365" y="-712694"/>
+            <a:ext cx="12030635" cy="9278470"/>
+          </a:xfrm>
+          <a:gradFill>
+            <a:gsLst>
+              <a:gs pos="0">
+                <a:schemeClr val="tx2">
+                  <a:lumMod val="40000"/>
+                  <a:lumOff val="60000"/>
+                </a:schemeClr>
+              </a:gs>
+              <a:gs pos="0">
+                <a:schemeClr val="bg1">
+                  <a:lumMod val="85000"/>
+                </a:schemeClr>
+              </a:gs>
+              <a:gs pos="80000">
+                <a:schemeClr val="bg1">
+                  <a:lumMod val="95000"/>
+                </a:schemeClr>
+              </a:gs>
+              <a:gs pos="0">
+                <a:schemeClr val="accent4">
+                  <a:lumMod val="20000"/>
+                  <a:lumOff val="80000"/>
+                </a:schemeClr>
+              </a:gs>
+            </a:gsLst>
+            <a:lin ang="5400000" scaled="1"/>
+          </a:gradFill>
+        </p:spPr>
+      </p:sp>
+      <p:pic>
+        <p:nvPicPr>
+          <p:cNvPr id="1028" name="Picture 4" descr="Know a Local Student In Need of Financial Aid? - Henry W. Moore School"/>
+          <p:cNvPicPr>
+            <a:picLocks noChangeAspect="1" noChangeArrowheads="1"/>
+          </p:cNvPicPr>
+          <p:nvPr/>
+        </p:nvPicPr>
+        <p:blipFill>
+          <a:blip r:embed="rId2">
+            <a:extLst>
+              <a:ext uri="{28A0092B-C50C-407E-A947-70E740481C1C}">
+                <a14:useLocalDpi xmlns:a14="http://schemas.microsoft.com/office/drawing/2010/main" val="0"/>
+              </a:ext>
+            </a:extLst>
+          </a:blip>
+          <a:srcRect/>
+          <a:stretch>
+            <a:fillRect/>
+          </a:stretch>
+        </p:blipFill>
+        <p:spPr bwMode="auto">
+          <a:xfrm>
+            <a:off x="2207559" y="-119848"/>
+            <a:ext cx="7620000" cy="5238750"/>
+          </a:xfrm>
+          <a:prstGeom prst="rect">
+            <a:avLst/>
+          </a:prstGeom>
+          <a:noFill/>
+          <a:extLst>
+            <a:ext uri="{909E8E84-426E-40DD-AFC4-6F175D3DCCD1}">
+              <a14:hiddenFill xmlns:a14="http://schemas.microsoft.com/office/drawing/2010/main">
+                <a:solidFill>
+                  <a:srgbClr val="FFFFFF"/>
+                </a:solidFill>
+              </a14:hiddenFill>
+            </a:ext>
+          </a:extLst>
+        </p:spPr>
+      </p:pic>
+      <p:sp>
+        <p:nvSpPr>
+          <p:cNvPr id="7" name="Down Ribbon 6"/>
+          <p:cNvSpPr/>
+          <p:nvPr/>
+        </p:nvSpPr>
+        <p:spPr>
+          <a:xfrm>
+            <a:off x="878541" y="5066452"/>
+            <a:ext cx="10596282" cy="2084294"/>
+          </a:xfrm>
+          <a:prstGeom prst="ribbon">
+            <a:avLst>
+              <a:gd name="adj1" fmla="val 21828"/>
+              <a:gd name="adj2" fmla="val 67313"/>
+            </a:avLst>
+          </a:prstGeom>
+          <a:gradFill flip="none" rotWithShape="1">
+            <a:gsLst>
+              <a:gs pos="0">
+                <a:srgbClr val="02A69B">
+                  <a:alpha val="84000"/>
+                </a:srgbClr>
+              </a:gs>
+              <a:gs pos="99000">
+                <a:srgbClr val="02A69B">
+                  <a:alpha val="57000"/>
+                </a:srgbClr>
+              </a:gs>
+              <a:gs pos="60000">
+                <a:srgbClr val="02A69B">
+                  <a:alpha val="67000"/>
+                </a:srgbClr>
+              </a:gs>
+            </a:gsLst>
+            <a:lin ang="16200000" scaled="1"/>
+            <a:tileRect/>
+          </a:gradFill>
+          <a:ln>
+            <a:noFill/>
+          </a:ln>
+        </p:spPr>
+        <p:style>
+          <a:lnRef idx="2">
+            <a:schemeClr val="accent1">
+              <a:shade val="50000"/>
+            </a:schemeClr>
+          </a:lnRef>
+          <a:fillRef idx="1">
+            <a:schemeClr val="accent1"/>
+          </a:fillRef>
+          <a:effectRef idx="0">
+            <a:schemeClr val="accent1"/>
+          </a:effectRef>
+          <a:fontRef idx="minor">
+            <a:schemeClr val="lt1"/>
+          </a:fontRef>
+        </p:style>
+        <p:txBody>
+          <a:bodyPr rtlCol="0" anchor="ctr"/>
+          <a:lstStyle/>
+          <a:p>
+            <a:pPr algn="ctr"/>
+            <a:r>
+              <a:rPr lang="en-US" sz="3200" b="1" dirty="0" smtClean="0">
+                <a:ln w="0"/>
+                <a:solidFill>
+                  <a:schemeClr val="tx1"/>
+                </a:solidFill>
+                <a:latin typeface="Verdana" panose="020B0604030504040204" pitchFamily="34" charset="0"/>
+                <a:ea typeface="Verdana" panose="020B0604030504040204" pitchFamily="34" charset="0"/>
+                <a:cs typeface="Verdana" panose="020B0604030504040204" pitchFamily="34" charset="0"/>
+              </a:rPr>
+              <a:t>Health IQ Offers up to </a:t>
+            </a:r>
+            <a:br>
+              <a:rPr lang="en-US" sz="3200" b="1" dirty="0" smtClean="0">
+                <a:ln w="0"/>
+                <a:solidFill>
+                  <a:schemeClr val="tx1"/>
+                </a:solidFill>
+                <a:latin typeface="Verdana" panose="020B0604030504040204" pitchFamily="34" charset="0"/>
+                <a:ea typeface="Verdana" panose="020B0604030504040204" pitchFamily="34" charset="0"/>
+                <a:cs typeface="Verdana" panose="020B0604030504040204" pitchFamily="34" charset="0"/>
+              </a:rPr>
+            </a:br>
+            <a:r>
+              <a:rPr lang="en-US" sz="3200" b="1" dirty="0" smtClean="0">
+                <a:ln w="0"/>
+                <a:solidFill>
+                  <a:schemeClr val="tx1"/>
+                </a:solidFill>
+                <a:latin typeface="Verdana" panose="020B0604030504040204" pitchFamily="34" charset="0"/>
+                <a:ea typeface="Verdana" panose="020B0604030504040204" pitchFamily="34" charset="0"/>
+                <a:cs typeface="Verdana" panose="020B0604030504040204" pitchFamily="34" charset="0"/>
+              </a:rPr>
+              <a:t>50% Scholarships</a:t>
+            </a:r>
+            <a:endParaRPr lang="en-US" sz="3200" b="1" dirty="0">
+              <a:ln w="0"/>
+              <a:solidFill>
+                <a:schemeClr val="tx1"/>
+              </a:solidFill>
+              <a:latin typeface="Verdana" panose="020B0604030504040204" pitchFamily="34" charset="0"/>
+              <a:ea typeface="Verdana" panose="020B0604030504040204" pitchFamily="34" charset="0"/>
+              <a:cs typeface="Verdana" panose="020B0604030504040204" pitchFamily="34" charset="0"/>
+            </a:endParaRPr>
+          </a:p>
+        </p:txBody>
+      </p:sp>
+      <p:pic>
+        <p:nvPicPr>
+          <p:cNvPr id="13" name="Picture 12"/>
+          <p:cNvPicPr>
+            <a:picLocks noChangeAspect="1"/>
+          </p:cNvPicPr>
+          <p:nvPr/>
+        </p:nvPicPr>
+        <p:blipFill>
+          <a:blip r:embed="rId3">
+            <a:extLst>
+              <a:ext uri="{BEBA8EAE-BF5A-486C-A8C5-ECC9F3942E4B}">
+                <a14:imgProps xmlns:a14="http://schemas.microsoft.com/office/drawing/2010/main">
+                  <a14:imgLayer r:embed="rId4">
+                    <a14:imgEffect>
+                      <a14:sharpenSoften amount="50000"/>
+                    </a14:imgEffect>
+                  </a14:imgLayer>
+                </a14:imgProps>
+              </a:ext>
+              <a:ext uri="{28A0092B-C50C-407E-A947-70E740481C1C}">
+                <a14:useLocalDpi xmlns:a14="http://schemas.microsoft.com/office/drawing/2010/main" val="0"/>
+              </a:ext>
+            </a:extLst>
+          </a:blip>
+          <a:stretch>
+            <a:fillRect/>
+          </a:stretch>
+        </p:blipFill>
+        <p:spPr>
+          <a:xfrm>
+            <a:off x="878541" y="-119848"/>
+            <a:ext cx="2306484" cy="755647"/>
+          </a:xfrm>
+          <a:prstGeom prst="rect">
+            <a:avLst/>
+          </a:prstGeom>
+        </p:spPr>
+      </p:pic>
+    </p:spTree>
+    <p:extLst>
+      <p:ext uri="{BB962C8B-B14F-4D97-AF65-F5344CB8AC3E}">
+        <p14:creationId xmlns:p14="http://schemas.microsoft.com/office/powerpoint/2010/main" val="2878695330"/>
+      </p:ext>
+    </p:extLst>
+  </p:cSld>
+  <p:clrMapOvr>
+    <a:masterClrMapping/>
+  </p:clrMapOvr>
+  <p:timing>
+    <p:tnLst>
+      <p:par>
+        <p:cTn id="1" dur="indefinite" restart="never" nodeType="tmRoot"/>
+      </p:par>
+    </p:tnLst>
+  </p:timing>
+</p:sld>
+</file>
+
+<file path=ppt/slides/slide5.xml><?xml version="1.0" encoding="utf-8"?>
+<p:sld xmlns:a="http://schemas.openxmlformats.org/drawingml/2006/main" xmlns:r="http://schemas.openxmlformats.org/officeDocument/2006/relationships" xmlns:p="http://schemas.openxmlformats.org/presentationml/2006/main">
+  <p:cSld>
+    <p:spTree>
+      <p:nvGrpSpPr>
+        <p:cNvPr id="1" name=""/>
+        <p:cNvGrpSpPr/>
+        <p:nvPr/>
+      </p:nvGrpSpPr>
+      <p:grpSpPr>
+        <a:xfrm>
+          <a:off x="0" y="0"/>
+          <a:ext cx="0" cy="0"/>
+          <a:chOff x="0" y="0"/>
+          <a:chExt cx="0" cy="0"/>
+        </a:xfrm>
+      </p:grpSpPr>
+      <p:sp>
+        <p:nvSpPr>
+          <p:cNvPr id="3" name="Slide Number Placeholder 2"/>
+          <p:cNvSpPr>
+            <a:spLocks noGrp="1"/>
+          </p:cNvSpPr>
+          <p:nvPr>
+            <p:ph type="sldNum" sz="quarter" idx="15"/>
+          </p:nvPr>
+        </p:nvSpPr>
+        <p:spPr/>
+        <p:txBody>
+          <a:bodyPr/>
+          <a:lstStyle/>
+          <a:p>
+            <a:fld id="{19B51A1E-902D-48AF-9020-955120F399B6}" type="slidenum">
+              <a:rPr lang="en-US" noProof="0" smtClean="0"/>
+              <a:pPr/>
+              <a:t>5</a:t>
+            </a:fld>
+            <a:endParaRPr lang="en-US" noProof="0" dirty="0"/>
+          </a:p>
+        </p:txBody>
+      </p:sp>
+      <p:sp>
+        <p:nvSpPr>
+          <p:cNvPr id="4" name="Title 3"/>
+          <p:cNvSpPr>
+            <a:spLocks noGrp="1"/>
+          </p:cNvSpPr>
+          <p:nvPr>
+            <p:ph type="ctrTitle"/>
+          </p:nvPr>
+        </p:nvSpPr>
+        <p:spPr/>
+        <p:txBody>
+          <a:bodyPr/>
+          <a:lstStyle/>
+          <a:p>
+            <a:endParaRPr lang="en-US"/>
+          </a:p>
+        </p:txBody>
+      </p:sp>
+      <p:sp>
+        <p:nvSpPr>
+          <p:cNvPr id="5" name="Picture Placeholder 4"/>
+          <p:cNvSpPr>
+            <a:spLocks noGrp="1"/>
+          </p:cNvSpPr>
+          <p:nvPr>
+            <p:ph type="pic" sz="quarter" idx="14"/>
+          </p:nvPr>
+        </p:nvSpPr>
+        <p:spPr>
+          <a:xfrm>
+            <a:off x="161365" y="-712694"/>
+            <a:ext cx="12030635" cy="9278470"/>
+          </a:xfrm>
+          <a:gradFill>
+            <a:gsLst>
+              <a:gs pos="0">
+                <a:schemeClr val="tx2">
+                  <a:lumMod val="40000"/>
+                  <a:lumOff val="60000"/>
+                </a:schemeClr>
+              </a:gs>
+              <a:gs pos="0">
+                <a:schemeClr val="bg1">
+                  <a:lumMod val="85000"/>
+                </a:schemeClr>
+              </a:gs>
+              <a:gs pos="80000">
+                <a:schemeClr val="bg1">
+                  <a:lumMod val="95000"/>
+                </a:schemeClr>
+              </a:gs>
+              <a:gs pos="0">
+                <a:schemeClr val="accent4">
+                  <a:lumMod val="20000"/>
+                  <a:lumOff val="80000"/>
+                </a:schemeClr>
+              </a:gs>
+            </a:gsLst>
+            <a:lin ang="5400000" scaled="1"/>
+          </a:gradFill>
+        </p:spPr>
+      </p:sp>
+      <p:pic>
+        <p:nvPicPr>
+          <p:cNvPr id="1028" name="Picture 4" descr="Know a Local Student In Need of Financial Aid? - Henry W. Moore School"/>
+          <p:cNvPicPr>
+            <a:picLocks noChangeAspect="1" noChangeArrowheads="1"/>
+          </p:cNvPicPr>
+          <p:nvPr/>
+        </p:nvPicPr>
+        <p:blipFill>
+          <a:blip r:embed="rId2">
+            <a:extLst>
+              <a:ext uri="{28A0092B-C50C-407E-A947-70E740481C1C}">
+                <a14:useLocalDpi xmlns:a14="http://schemas.microsoft.com/office/drawing/2010/main" val="0"/>
+              </a:ext>
+            </a:extLst>
+          </a:blip>
+          <a:srcRect/>
+          <a:stretch>
+            <a:fillRect/>
+          </a:stretch>
+        </p:blipFill>
+        <p:spPr bwMode="auto">
+          <a:xfrm>
+            <a:off x="2207559" y="-119848"/>
+            <a:ext cx="7620000" cy="5238750"/>
+          </a:xfrm>
+          <a:prstGeom prst="rect">
+            <a:avLst/>
+          </a:prstGeom>
+          <a:noFill/>
+          <a:extLst>
+            <a:ext uri="{909E8E84-426E-40DD-AFC4-6F175D3DCCD1}">
+              <a14:hiddenFill xmlns:a14="http://schemas.microsoft.com/office/drawing/2010/main">
+                <a:solidFill>
+                  <a:srgbClr val="FFFFFF"/>
+                </a:solidFill>
+              </a14:hiddenFill>
+            </a:ext>
+          </a:extLst>
+        </p:spPr>
+      </p:pic>
+      <p:sp>
+        <p:nvSpPr>
+          <p:cNvPr id="7" name="Down Ribbon 6"/>
+          <p:cNvSpPr/>
+          <p:nvPr/>
+        </p:nvSpPr>
+        <p:spPr>
+          <a:xfrm>
+            <a:off x="878541" y="5066452"/>
+            <a:ext cx="10596282" cy="2084294"/>
+          </a:xfrm>
+          <a:prstGeom prst="ribbon">
+            <a:avLst>
+              <a:gd name="adj1" fmla="val 21828"/>
+              <a:gd name="adj2" fmla="val 67313"/>
+            </a:avLst>
+          </a:prstGeom>
+          <a:gradFill flip="none" rotWithShape="1">
+            <a:gsLst>
+              <a:gs pos="0">
+                <a:srgbClr val="C00000">
+                  <a:alpha val="82000"/>
+                </a:srgbClr>
+              </a:gs>
+              <a:gs pos="99000">
+                <a:srgbClr val="C00000">
+                  <a:alpha val="82000"/>
+                </a:srgbClr>
+              </a:gs>
+              <a:gs pos="60000">
+                <a:srgbClr val="E7282B">
+                  <a:alpha val="75000"/>
+                </a:srgbClr>
+              </a:gs>
+            </a:gsLst>
+            <a:lin ang="16200000" scaled="1"/>
+            <a:tileRect/>
+          </a:gradFill>
+          <a:ln>
+            <a:noFill/>
+          </a:ln>
+        </p:spPr>
+        <p:style>
+          <a:lnRef idx="2">
+            <a:schemeClr val="accent1">
+              <a:shade val="50000"/>
+            </a:schemeClr>
+          </a:lnRef>
+          <a:fillRef idx="1">
+            <a:schemeClr val="accent1"/>
+          </a:fillRef>
+          <a:effectRef idx="0">
+            <a:schemeClr val="accent1"/>
+          </a:effectRef>
+          <a:fontRef idx="minor">
+            <a:schemeClr val="lt1"/>
+          </a:fontRef>
+        </p:style>
+        <p:txBody>
+          <a:bodyPr rtlCol="0" anchor="ctr"/>
+          <a:lstStyle/>
+          <a:p>
+            <a:pPr algn="ctr"/>
+            <a:r>
+              <a:rPr lang="en-US" sz="3200" b="1" dirty="0" smtClean="0">
+                <a:ln w="0"/>
+                <a:solidFill>
+                  <a:schemeClr val="bg1">
+                    <a:lumMod val="95000"/>
+                  </a:schemeClr>
+                </a:solidFill>
+                <a:latin typeface="Verdana" panose="020B0604030504040204" pitchFamily="34" charset="0"/>
+                <a:ea typeface="Verdana" panose="020B0604030504040204" pitchFamily="34" charset="0"/>
+                <a:cs typeface="Verdana" panose="020B0604030504040204" pitchFamily="34" charset="0"/>
+              </a:rPr>
+              <a:t>Health IQ Offers up to </a:t>
+            </a:r>
+            <a:br>
+              <a:rPr lang="en-US" sz="3200" b="1" dirty="0" smtClean="0">
+                <a:ln w="0"/>
+                <a:solidFill>
+                  <a:schemeClr val="bg1">
+                    <a:lumMod val="95000"/>
+                  </a:schemeClr>
+                </a:solidFill>
+                <a:latin typeface="Verdana" panose="020B0604030504040204" pitchFamily="34" charset="0"/>
+                <a:ea typeface="Verdana" panose="020B0604030504040204" pitchFamily="34" charset="0"/>
+                <a:cs typeface="Verdana" panose="020B0604030504040204" pitchFamily="34" charset="0"/>
+              </a:rPr>
+            </a:br>
+            <a:r>
+              <a:rPr lang="en-US" sz="3200" b="1" dirty="0" smtClean="0">
+                <a:ln w="0"/>
+                <a:solidFill>
+                  <a:schemeClr val="bg1">
+                    <a:lumMod val="95000"/>
+                  </a:schemeClr>
+                </a:solidFill>
+                <a:latin typeface="Verdana" panose="020B0604030504040204" pitchFamily="34" charset="0"/>
+                <a:ea typeface="Verdana" panose="020B0604030504040204" pitchFamily="34" charset="0"/>
+                <a:cs typeface="Verdana" panose="020B0604030504040204" pitchFamily="34" charset="0"/>
+              </a:rPr>
+              <a:t>50% Scholarships</a:t>
+            </a:r>
+            <a:endParaRPr lang="en-US" sz="3200" b="1" dirty="0">
+              <a:ln w="0"/>
+              <a:solidFill>
+                <a:schemeClr val="bg1">
+                  <a:lumMod val="95000"/>
+                </a:schemeClr>
+              </a:solidFill>
+              <a:latin typeface="Verdana" panose="020B0604030504040204" pitchFamily="34" charset="0"/>
+              <a:ea typeface="Verdana" panose="020B0604030504040204" pitchFamily="34" charset="0"/>
+              <a:cs typeface="Verdana" panose="020B0604030504040204" pitchFamily="34" charset="0"/>
+            </a:endParaRPr>
+          </a:p>
+        </p:txBody>
+      </p:sp>
+    </p:spTree>
+    <p:extLst>
+      <p:ext uri="{BB962C8B-B14F-4D97-AF65-F5344CB8AC3E}">
+        <p14:creationId xmlns:p14="http://schemas.microsoft.com/office/powerpoint/2010/main" val="3992224186"/>
+      </p:ext>
+    </p:extLst>
+  </p:cSld>
+  <p:clrMapOvr>
+    <a:masterClrMapping/>
+  </p:clrMapOvr>
+  <p:timing>
+    <p:tnLst>
+      <p:par>
+        <p:cTn id="1" dur="indefinite" restart="never" nodeType="tmRoot"/>
+      </p:par>
+    </p:tnLst>
+  </p:timing>
+</p:sld>
+</file>
+
+<file path=ppt/slides/slide6.xml><?xml version="1.0" encoding="utf-8"?>
+<p:sld xmlns:a="http://schemas.openxmlformats.org/drawingml/2006/main" xmlns:r="http://schemas.openxmlformats.org/officeDocument/2006/relationships" xmlns:p="http://schemas.openxmlformats.org/presentationml/2006/main">
+  <p:cSld>
+    <p:spTree>
+      <p:nvGrpSpPr>
+        <p:cNvPr id="1" name=""/>
+        <p:cNvGrpSpPr/>
+        <p:nvPr/>
+      </p:nvGrpSpPr>
+      <p:grpSpPr>
+        <a:xfrm>
+          <a:off x="0" y="0"/>
+          <a:ext cx="0" cy="0"/>
+          <a:chOff x="0" y="0"/>
+          <a:chExt cx="0" cy="0"/>
+        </a:xfrm>
+      </p:grpSpPr>
+      <p:sp>
+        <p:nvSpPr>
+          <p:cNvPr id="2" name="Picture Placeholder 1"/>
+          <p:cNvSpPr>
+            <a:spLocks noGrp="1"/>
+          </p:cNvSpPr>
+          <p:nvPr>
+            <p:ph type="pic" sz="quarter" idx="14"/>
+          </p:nvPr>
+        </p:nvSpPr>
+        <p:spPr/>
+      </p:sp>
+      <p:sp>
+        <p:nvSpPr>
+          <p:cNvPr id="3" name="Slide Number Placeholder 2"/>
+          <p:cNvSpPr>
+            <a:spLocks noGrp="1"/>
+          </p:cNvSpPr>
+          <p:nvPr>
+            <p:ph type="sldNum" sz="quarter" idx="15"/>
+          </p:nvPr>
+        </p:nvSpPr>
+        <p:spPr/>
+        <p:txBody>
+          <a:bodyPr/>
+          <a:lstStyle/>
+          <a:p>
+            <a:fld id="{19B51A1E-902D-48AF-9020-955120F399B6}" type="slidenum">
+              <a:rPr lang="en-US" noProof="0" smtClean="0"/>
+              <a:pPr/>
+              <a:t>6</a:t>
+            </a:fld>
+            <a:endParaRPr lang="en-US" noProof="0" dirty="0"/>
+          </a:p>
+        </p:txBody>
+      </p:sp>
+      <p:sp>
+        <p:nvSpPr>
+          <p:cNvPr id="4" name="Title 3"/>
+          <p:cNvSpPr>
+            <a:spLocks noGrp="1"/>
+          </p:cNvSpPr>
+          <p:nvPr>
+            <p:ph type="ctrTitle"/>
+          </p:nvPr>
+        </p:nvSpPr>
+        <p:spPr>
+          <a:xfrm>
+            <a:off x="972016" y="2350147"/>
+            <a:ext cx="10350407" cy="1123302"/>
+          </a:xfrm>
+          <a:prstGeom prst="roundRect">
+            <a:avLst>
+              <a:gd name="adj" fmla="val 0"/>
+            </a:avLst>
+          </a:prstGeom>
+          <a:solidFill>
+            <a:schemeClr val="tx2">
+              <a:lumMod val="75000"/>
+            </a:schemeClr>
+          </a:solidFill>
+          <a:ln>
+            <a:noFill/>
+          </a:ln>
+        </p:spPr>
+        <p:style>
+          <a:lnRef idx="2">
+            <a:schemeClr val="dk1">
+              <a:shade val="50000"/>
+            </a:schemeClr>
+          </a:lnRef>
+          <a:fillRef idx="1">
+            <a:schemeClr val="dk1"/>
+          </a:fillRef>
+          <a:effectRef idx="0">
+            <a:schemeClr val="dk1"/>
+          </a:effectRef>
+          <a:fontRef idx="minor">
+            <a:schemeClr val="lt1"/>
+          </a:fontRef>
+        </p:style>
+        <p:txBody>
+          <a:bodyPr/>
+          <a:lstStyle/>
+          <a:p>
+            <a:r>
+              <a:rPr lang="en-US" dirty="0" smtClean="0"/>
+              <a:t> </a:t>
+            </a:r>
+            <a:endParaRPr lang="en-US" dirty="0"/>
+          </a:p>
+        </p:txBody>
+      </p:sp>
+      <p:pic>
+        <p:nvPicPr>
+          <p:cNvPr id="5" name="Picture 4"/>
+          <p:cNvPicPr>
+            <a:picLocks noChangeAspect="1"/>
+          </p:cNvPicPr>
+          <p:nvPr/>
+        </p:nvPicPr>
+        <p:blipFill>
+          <a:blip r:embed="rId2">
+            <a:extLst>
+              <a:ext uri="{BEBA8EAE-BF5A-486C-A8C5-ECC9F3942E4B}">
+                <a14:imgProps xmlns:a14="http://schemas.microsoft.com/office/drawing/2010/main">
+                  <a14:imgLayer r:embed="rId3">
+                    <a14:imgEffect>
+                      <a14:sharpenSoften amount="50000"/>
+                    </a14:imgEffect>
+                    <a14:imgEffect>
+                      <a14:colorTemperature colorTemp="11200"/>
+                    </a14:imgEffect>
+                  </a14:imgLayer>
+                </a14:imgProps>
+              </a:ext>
+              <a:ext uri="{28A0092B-C50C-407E-A947-70E740481C1C}">
+                <a14:useLocalDpi xmlns:a14="http://schemas.microsoft.com/office/drawing/2010/main" val="0"/>
+              </a:ext>
+            </a:extLst>
+          </a:blip>
+          <a:stretch>
+            <a:fillRect/>
+          </a:stretch>
+        </p:blipFill>
+        <p:spPr>
+          <a:xfrm>
+            <a:off x="1113587" y="2533974"/>
+            <a:ext cx="2306484" cy="755647"/>
+          </a:xfrm>
+          <a:prstGeom prst="rect">
+            <a:avLst/>
+          </a:prstGeom>
+        </p:spPr>
+      </p:pic>
+      <p:sp>
+        <p:nvSpPr>
+          <p:cNvPr id="6" name="TextBox 5"/>
+          <p:cNvSpPr txBox="1"/>
+          <p:nvPr/>
+        </p:nvSpPr>
+        <p:spPr>
+          <a:xfrm>
+            <a:off x="8565776" y="2727131"/>
+            <a:ext cx="2650901" cy="369332"/>
+          </a:xfrm>
+          <a:prstGeom prst="rect">
+            <a:avLst/>
+          </a:prstGeom>
+          <a:noFill/>
+        </p:spPr>
+        <p:txBody>
+          <a:bodyPr wrap="square" rtlCol="0">
+            <a:spAutoFit/>
+          </a:bodyPr>
+          <a:lstStyle/>
+          <a:p>
+            <a:r>
+              <a:rPr lang="en-US" b="1" dirty="0" smtClean="0">
+                <a:solidFill>
+                  <a:schemeClr val="bg1">
+                    <a:lumMod val="95000"/>
+                  </a:schemeClr>
+                </a:solidFill>
+                <a:latin typeface="Verdana" panose="020B0604030504040204" pitchFamily="34" charset="0"/>
+                <a:ea typeface="Verdana" panose="020B0604030504040204" pitchFamily="34" charset="0"/>
+                <a:cs typeface="Verdana" panose="020B0604030504040204" pitchFamily="34" charset="0"/>
+              </a:rPr>
+              <a:t>Improve Yourself</a:t>
+            </a:r>
+            <a:endParaRPr lang="en-US" b="1" dirty="0">
+              <a:solidFill>
+                <a:schemeClr val="bg1">
+                  <a:lumMod val="95000"/>
+                </a:schemeClr>
+              </a:solidFill>
+              <a:latin typeface="Verdana" panose="020B0604030504040204" pitchFamily="34" charset="0"/>
+              <a:ea typeface="Verdana" panose="020B0604030504040204" pitchFamily="34" charset="0"/>
+              <a:cs typeface="Verdana" panose="020B0604030504040204" pitchFamily="34" charset="0"/>
+            </a:endParaRPr>
+          </a:p>
+        </p:txBody>
+      </p:sp>
+    </p:spTree>
+    <p:extLst>
+      <p:ext uri="{BB962C8B-B14F-4D97-AF65-F5344CB8AC3E}">
+        <p14:creationId xmlns:p14="http://schemas.microsoft.com/office/powerpoint/2010/main" val="980697878"/>
+      </p:ext>
+    </p:extLst>
+  </p:cSld>
+  <p:clrMapOvr>
+    <a:masterClrMapping/>
+  </p:clrMapOvr>
+  <p:timing>
+    <p:tnLst>
+      <p:par>
+        <p:cTn id="1" dur="indefinite" restart="never" nodeType="tmRoot"/>
+      </p:par>
+    </p:tnLst>
+  </p:timing>
+</p:sld>
+</file>
+
+<file path=ppt/slides/slide7.xml><?xml version="1.0" encoding="utf-8"?>
+<p:sld xmlns:a="http://schemas.openxmlformats.org/drawingml/2006/main" xmlns:r="http://schemas.openxmlformats.org/officeDocument/2006/relationships" xmlns:p="http://schemas.openxmlformats.org/presentationml/2006/main">
+  <p:cSld>
+    <p:spTree>
+      <p:nvGrpSpPr>
+        <p:cNvPr id="1" name=""/>
+        <p:cNvGrpSpPr/>
+        <p:nvPr/>
+      </p:nvGrpSpPr>
+      <p:grpSpPr>
+        <a:xfrm>
+          <a:off x="0" y="0"/>
+          <a:ext cx="0" cy="0"/>
+          <a:chOff x="0" y="0"/>
+          <a:chExt cx="0" cy="0"/>
+        </a:xfrm>
+      </p:grpSpPr>
+      <p:pic>
+        <p:nvPicPr>
           <p:cNvPr id="13" name="Picture Placeholder 12" descr="Picture placeholder">
             <a:extLst>
               <a:ext uri="{FF2B5EF4-FFF2-40B4-BE49-F238E27FC236}">
-                <a16:creationId xmlns:a16="http://schemas.microsoft.com/office/drawing/2014/main" xmlns="" id="{588C9C3E-7C4B-EA46-9848-A17249AC33B1}"/>
+                <a16:creationId xmlns="" xmlns:a16="http://schemas.microsoft.com/office/drawing/2014/main" id="{588C9C3E-7C4B-EA46-9848-A17249AC33B1}"/>
               </a:ext>
             </a:extLst>
           </p:cNvPr>
@@ -36708,10 +39202,10 @@
           <p:cNvPr id="15" name="Freeform 5">
             <a:extLst>
               <a:ext uri="{FF2B5EF4-FFF2-40B4-BE49-F238E27FC236}">
-                <a16:creationId xmlns:a16="http://schemas.microsoft.com/office/drawing/2014/main" xmlns="" id="{10117390-DCFE-4FAE-B3FD-DAECFE779A27}"/>
+                <a16:creationId xmlns="" xmlns:a16="http://schemas.microsoft.com/office/drawing/2014/main" id="{10117390-DCFE-4FAE-B3FD-DAECFE779A27}"/>
               </a:ext>
               <a:ext uri="{C183D7F6-B498-43B3-948B-1728B52AA6E4}">
-                <adec:decorative xmlns:adec="http://schemas.microsoft.com/office/drawing/2017/decorative" xmlns="" val="1"/>
+                <adec:decorative xmlns="" xmlns:adec="http://schemas.microsoft.com/office/drawing/2017/decorative" val="1"/>
               </a:ext>
             </a:extLst>
           </p:cNvPr>
@@ -36897,10 +39391,10 @@
           <p:cNvPr id="31" name="TextBox 30">
             <a:extLst>
               <a:ext uri="{FF2B5EF4-FFF2-40B4-BE49-F238E27FC236}">
-                <a16:creationId xmlns:a16="http://schemas.microsoft.com/office/drawing/2014/main" xmlns="" id="{8FC2E368-898A-440B-A15C-4C5FB13C57D2}"/>
+                <a16:creationId xmlns="" xmlns:a16="http://schemas.microsoft.com/office/drawing/2014/main" id="{8FC2E368-898A-440B-A15C-4C5FB13C57D2}"/>
               </a:ext>
               <a:ext uri="{C183D7F6-B498-43B3-948B-1728B52AA6E4}">
-                <adec:decorative xmlns:adec="http://schemas.microsoft.com/office/drawing/2017/decorative" xmlns="" val="1"/>
+                <adec:decorative xmlns="" xmlns:adec="http://schemas.microsoft.com/office/drawing/2017/decorative" val="1"/>
               </a:ext>
             </a:extLst>
           </p:cNvPr>
@@ -37273,10 +39767,10 @@
           <p:cNvPr id="21" name="Isosceles Triangle 20">
             <a:extLst>
               <a:ext uri="{FF2B5EF4-FFF2-40B4-BE49-F238E27FC236}">
-                <a16:creationId xmlns:a16="http://schemas.microsoft.com/office/drawing/2014/main" xmlns="" id="{59A98ED3-718C-409B-BC1D-07842F9F58EB}"/>
+                <a16:creationId xmlns="" xmlns:a16="http://schemas.microsoft.com/office/drawing/2014/main" id="{59A98ED3-718C-409B-BC1D-07842F9F58EB}"/>
               </a:ext>
               <a:ext uri="{C183D7F6-B498-43B3-948B-1728B52AA6E4}">
-                <adec:decorative xmlns:adec="http://schemas.microsoft.com/office/drawing/2017/decorative" xmlns="" val="1"/>
+                <adec:decorative xmlns="" xmlns:adec="http://schemas.microsoft.com/office/drawing/2017/decorative" val="1"/>
               </a:ext>
             </a:extLst>
           </p:cNvPr>
@@ -37335,7 +39829,7 @@
           <p:cNvPr id="3" name="Title 2">
             <a:extLst>
               <a:ext uri="{FF2B5EF4-FFF2-40B4-BE49-F238E27FC236}">
-                <a16:creationId xmlns:a16="http://schemas.microsoft.com/office/drawing/2014/main" xmlns="" id="{200B3D2B-613A-41BE-987D-E6A1324B456D}"/>
+                <a16:creationId xmlns="" xmlns:a16="http://schemas.microsoft.com/office/drawing/2014/main" id="{200B3D2B-613A-41BE-987D-E6A1324B456D}"/>
               </a:ext>
             </a:extLst>
           </p:cNvPr>
@@ -37368,7 +39862,7 @@
           <p:cNvPr id="4" name="Subtitle 3">
             <a:extLst>
               <a:ext uri="{FF2B5EF4-FFF2-40B4-BE49-F238E27FC236}">
-                <a16:creationId xmlns:a16="http://schemas.microsoft.com/office/drawing/2014/main" xmlns="" id="{4772945D-CA91-4CFE-8EB7-941C7618C994}"/>
+                <a16:creationId xmlns="" xmlns:a16="http://schemas.microsoft.com/office/drawing/2014/main" id="{4772945D-CA91-4CFE-8EB7-941C7618C994}"/>
               </a:ext>
             </a:extLst>
           </p:cNvPr>
@@ -37401,7 +39895,7 @@
           <p:cNvPr id="5" name="Slide Number Placeholder 4">
             <a:extLst>
               <a:ext uri="{FF2B5EF4-FFF2-40B4-BE49-F238E27FC236}">
-                <a16:creationId xmlns:a16="http://schemas.microsoft.com/office/drawing/2014/main" xmlns="" id="{F6964141-6F81-4947-A236-746D94ED3F6F}"/>
+                <a16:creationId xmlns="" xmlns:a16="http://schemas.microsoft.com/office/drawing/2014/main" id="{F6964141-6F81-4947-A236-746D94ED3F6F}"/>
               </a:ext>
             </a:extLst>
           </p:cNvPr>
@@ -37425,7 +39919,7 @@
             <a:fld id="{19B51A1E-902D-48AF-9020-955120F399B6}" type="slidenum">
               <a:rPr lang="en-US" smtClean="0"/>
               <a:pPr/>
-              <a:t>3</a:t>
+              <a:t>7</a:t>
             </a:fld>
             <a:endParaRPr lang="en-US" dirty="0"/>
           </a:p>
@@ -37451,7 +39945,7 @@
 </p:sld>
 </file>
 
-<file path=ppt/slides/slide4.xml><?xml version="1.0" encoding="utf-8"?>
+<file path=ppt/slides/slide8.xml><?xml version="1.0" encoding="utf-8"?>
 <p:sld xmlns:a="http://schemas.openxmlformats.org/drawingml/2006/main" xmlns:r="http://schemas.openxmlformats.org/officeDocument/2006/relationships" xmlns:p="http://schemas.openxmlformats.org/presentationml/2006/main">
   <p:cSld>
     <p:bg>
@@ -37503,7 +39997,7 @@
           <p:cNvPr id="4" name="Content Placeholder 3">
             <a:extLst>
               <a:ext uri="{FF2B5EF4-FFF2-40B4-BE49-F238E27FC236}">
-                <a16:creationId xmlns:a16="http://schemas.microsoft.com/office/drawing/2014/main" xmlns="" id="{D355C61F-C8F1-4977-8E1F-F16C0D9EA88C}"/>
+                <a16:creationId xmlns="" xmlns:a16="http://schemas.microsoft.com/office/drawing/2014/main" id="{D355C61F-C8F1-4977-8E1F-F16C0D9EA88C}"/>
               </a:ext>
             </a:extLst>
           </p:cNvPr>
@@ -37582,7 +40076,7 @@
           <p:cNvPr id="9" name="Picture Placeholder 8">
             <a:extLst>
               <a:ext uri="{FF2B5EF4-FFF2-40B4-BE49-F238E27FC236}">
-                <a16:creationId xmlns:a16="http://schemas.microsoft.com/office/drawing/2014/main" xmlns="" id="{52FD3342-E198-5348-9EE9-579E8FFF9DDC}"/>
+                <a16:creationId xmlns="" xmlns:a16="http://schemas.microsoft.com/office/drawing/2014/main" id="{52FD3342-E198-5348-9EE9-579E8FFF9DDC}"/>
               </a:ext>
             </a:extLst>
           </p:cNvPr>
@@ -37617,10 +40111,10 @@
           <p:cNvPr id="15" name="Freeform 5">
             <a:extLst>
               <a:ext uri="{FF2B5EF4-FFF2-40B4-BE49-F238E27FC236}">
-                <a16:creationId xmlns:a16="http://schemas.microsoft.com/office/drawing/2014/main" xmlns="" id="{764DA446-807B-4C83-BB5A-59E3FABC93F3}"/>
+                <a16:creationId xmlns="" xmlns:a16="http://schemas.microsoft.com/office/drawing/2014/main" id="{764DA446-807B-4C83-BB5A-59E3FABC93F3}"/>
               </a:ext>
               <a:ext uri="{C183D7F6-B498-43B3-948B-1728B52AA6E4}">
-                <adec:decorative xmlns:adec="http://schemas.microsoft.com/office/drawing/2017/decorative" xmlns="" val="1"/>
+                <adec:decorative xmlns="" xmlns:adec="http://schemas.microsoft.com/office/drawing/2017/decorative" val="1"/>
               </a:ext>
             </a:extLst>
           </p:cNvPr>
@@ -37807,7 +40301,7 @@
           <p:cNvPr id="6" name="Slide Number Placeholder 5">
             <a:extLst>
               <a:ext uri="{FF2B5EF4-FFF2-40B4-BE49-F238E27FC236}">
-                <a16:creationId xmlns:a16="http://schemas.microsoft.com/office/drawing/2014/main" xmlns="" id="{1C554D9F-1895-486E-BFBA-905BB2D29E08}"/>
+                <a16:creationId xmlns="" xmlns:a16="http://schemas.microsoft.com/office/drawing/2014/main" id="{1C554D9F-1895-486E-BFBA-905BB2D29E08}"/>
               </a:ext>
             </a:extLst>
           </p:cNvPr>
@@ -37826,7 +40320,7 @@
             <a:fld id="{19B51A1E-902D-48AF-9020-955120F399B6}" type="slidenum">
               <a:rPr lang="en-US" smtClean="0"/>
               <a:pPr/>
-              <a:t>4</a:t>
+              <a:t>8</a:t>
             </a:fld>
             <a:endParaRPr lang="en-US" dirty="0"/>
           </a:p>
@@ -37909,7 +40403,7 @@
           <p:cNvPr id="14" name="Content Placeholder 3">
             <a:extLst>
               <a:ext uri="{FF2B5EF4-FFF2-40B4-BE49-F238E27FC236}">
-                <a16:creationId xmlns:a16="http://schemas.microsoft.com/office/drawing/2014/main" xmlns="" id="{D355C61F-C8F1-4977-8E1F-F16C0D9EA88C}"/>
+                <a16:creationId xmlns="" xmlns:a16="http://schemas.microsoft.com/office/drawing/2014/main" id="{D355C61F-C8F1-4977-8E1F-F16C0D9EA88C}"/>
               </a:ext>
             </a:extLst>
           </p:cNvPr>
@@ -38083,7 +40577,7 @@
           <p:cNvPr id="17" name="Content Placeholder 3">
             <a:extLst>
               <a:ext uri="{FF2B5EF4-FFF2-40B4-BE49-F238E27FC236}">
-                <a16:creationId xmlns:a16="http://schemas.microsoft.com/office/drawing/2014/main" xmlns="" id="{D355C61F-C8F1-4977-8E1F-F16C0D9EA88C}"/>
+                <a16:creationId xmlns="" xmlns:a16="http://schemas.microsoft.com/office/drawing/2014/main" id="{D355C61F-C8F1-4977-8E1F-F16C0D9EA88C}"/>
               </a:ext>
             </a:extLst>
           </p:cNvPr>
@@ -38260,7 +40754,7 @@
           <p:cNvPr id="18" name="Content Placeholder 3">
             <a:extLst>
               <a:ext uri="{FF2B5EF4-FFF2-40B4-BE49-F238E27FC236}">
-                <a16:creationId xmlns:a16="http://schemas.microsoft.com/office/drawing/2014/main" xmlns="" id="{D355C61F-C8F1-4977-8E1F-F16C0D9EA88C}"/>
+                <a16:creationId xmlns="" xmlns:a16="http://schemas.microsoft.com/office/drawing/2014/main" id="{D355C61F-C8F1-4977-8E1F-F16C0D9EA88C}"/>
               </a:ext>
             </a:extLst>
           </p:cNvPr>
@@ -38482,7 +40976,7 @@
 </p:sld>
 </file>
 
-<file path=ppt/slides/slide5.xml><?xml version="1.0" encoding="utf-8"?>
+<file path=ppt/slides/slide9.xml><?xml version="1.0" encoding="utf-8"?>
 <p:sld xmlns:a="http://schemas.openxmlformats.org/drawingml/2006/main" xmlns:r="http://schemas.openxmlformats.org/officeDocument/2006/relationships" xmlns:p="http://schemas.openxmlformats.org/presentationml/2006/main">
   <p:cSld>
     <p:bg>
@@ -38534,7 +41028,7 @@
           <p:cNvPr id="4" name="Content Placeholder 3">
             <a:extLst>
               <a:ext uri="{FF2B5EF4-FFF2-40B4-BE49-F238E27FC236}">
-                <a16:creationId xmlns:a16="http://schemas.microsoft.com/office/drawing/2014/main" xmlns="" id="{D355C61F-C8F1-4977-8E1F-F16C0D9EA88C}"/>
+                <a16:creationId xmlns="" xmlns:a16="http://schemas.microsoft.com/office/drawing/2014/main" id="{D355C61F-C8F1-4977-8E1F-F16C0D9EA88C}"/>
               </a:ext>
             </a:extLst>
           </p:cNvPr>
@@ -38613,7 +41107,7 @@
           <p:cNvPr id="9" name="Picture Placeholder 8">
             <a:extLst>
               <a:ext uri="{FF2B5EF4-FFF2-40B4-BE49-F238E27FC236}">
-                <a16:creationId xmlns:a16="http://schemas.microsoft.com/office/drawing/2014/main" xmlns="" id="{52FD3342-E198-5348-9EE9-579E8FFF9DDC}"/>
+                <a16:creationId xmlns="" xmlns:a16="http://schemas.microsoft.com/office/drawing/2014/main" id="{52FD3342-E198-5348-9EE9-579E8FFF9DDC}"/>
               </a:ext>
             </a:extLst>
           </p:cNvPr>
@@ -38648,10 +41142,10 @@
           <p:cNvPr id="15" name="Freeform 5">
             <a:extLst>
               <a:ext uri="{FF2B5EF4-FFF2-40B4-BE49-F238E27FC236}">
-                <a16:creationId xmlns:a16="http://schemas.microsoft.com/office/drawing/2014/main" xmlns="" id="{764DA446-807B-4C83-BB5A-59E3FABC93F3}"/>
+                <a16:creationId xmlns="" xmlns:a16="http://schemas.microsoft.com/office/drawing/2014/main" id="{764DA446-807B-4C83-BB5A-59E3FABC93F3}"/>
               </a:ext>
               <a:ext uri="{C183D7F6-B498-43B3-948B-1728B52AA6E4}">
-                <adec:decorative xmlns:adec="http://schemas.microsoft.com/office/drawing/2017/decorative" xmlns="" val="1"/>
+                <adec:decorative xmlns="" xmlns:adec="http://schemas.microsoft.com/office/drawing/2017/decorative" val="1"/>
               </a:ext>
             </a:extLst>
           </p:cNvPr>
@@ -38838,7 +41332,7 @@
           <p:cNvPr id="6" name="Slide Number Placeholder 5">
             <a:extLst>
               <a:ext uri="{FF2B5EF4-FFF2-40B4-BE49-F238E27FC236}">
-                <a16:creationId xmlns:a16="http://schemas.microsoft.com/office/drawing/2014/main" xmlns="" id="{1C554D9F-1895-486E-BFBA-905BB2D29E08}"/>
+                <a16:creationId xmlns="" xmlns:a16="http://schemas.microsoft.com/office/drawing/2014/main" id="{1C554D9F-1895-486E-BFBA-905BB2D29E08}"/>
               </a:ext>
             </a:extLst>
           </p:cNvPr>
@@ -38857,7 +41351,7 @@
             <a:fld id="{19B51A1E-902D-48AF-9020-955120F399B6}" type="slidenum">
               <a:rPr lang="en-US" smtClean="0"/>
               <a:pPr/>
-              <a:t>5</a:t>
+              <a:t>9</a:t>
             </a:fld>
             <a:endParaRPr lang="en-US" dirty="0"/>
           </a:p>
@@ -38940,7 +41434,7 @@
           <p:cNvPr id="14" name="Content Placeholder 3">
             <a:extLst>
               <a:ext uri="{FF2B5EF4-FFF2-40B4-BE49-F238E27FC236}">
-                <a16:creationId xmlns:a16="http://schemas.microsoft.com/office/drawing/2014/main" xmlns="" id="{D355C61F-C8F1-4977-8E1F-F16C0D9EA88C}"/>
+                <a16:creationId xmlns="" xmlns:a16="http://schemas.microsoft.com/office/drawing/2014/main" id="{D355C61F-C8F1-4977-8E1F-F16C0D9EA88C}"/>
               </a:ext>
             </a:extLst>
           </p:cNvPr>
@@ -39114,7 +41608,7 @@
           <p:cNvPr id="17" name="Content Placeholder 3">
             <a:extLst>
               <a:ext uri="{FF2B5EF4-FFF2-40B4-BE49-F238E27FC236}">
-                <a16:creationId xmlns:a16="http://schemas.microsoft.com/office/drawing/2014/main" xmlns="" id="{D355C61F-C8F1-4977-8E1F-F16C0D9EA88C}"/>
+                <a16:creationId xmlns="" xmlns:a16="http://schemas.microsoft.com/office/drawing/2014/main" id="{D355C61F-C8F1-4977-8E1F-F16C0D9EA88C}"/>
               </a:ext>
             </a:extLst>
           </p:cNvPr>
@@ -39291,7 +41785,7 @@
           <p:cNvPr id="18" name="Content Placeholder 3">
             <a:extLst>
               <a:ext uri="{FF2B5EF4-FFF2-40B4-BE49-F238E27FC236}">
-                <a16:creationId xmlns:a16="http://schemas.microsoft.com/office/drawing/2014/main" xmlns="" id="{D355C61F-C8F1-4977-8E1F-F16C0D9EA88C}"/>
+                <a16:creationId xmlns="" xmlns:a16="http://schemas.microsoft.com/office/drawing/2014/main" id="{D355C61F-C8F1-4977-8E1F-F16C0D9EA88C}"/>
               </a:ext>
             </a:extLst>
           </p:cNvPr>
@@ -39506,1619 +42000,6 @@
     <p:extLst>
       <p:ext uri="{BB962C8B-B14F-4D97-AF65-F5344CB8AC3E}">
         <p14:creationId xmlns:p14="http://schemas.microsoft.com/office/powerpoint/2010/main" val="4137156905"/>
-      </p:ext>
-    </p:extLst>
-  </p:cSld>
-  <p:clrMapOvr>
-    <a:masterClrMapping/>
-  </p:clrMapOvr>
-  <p:timing>
-    <p:tnLst>
-      <p:par>
-        <p:cTn id="1" dur="indefinite" restart="never" nodeType="tmRoot"/>
-      </p:par>
-    </p:tnLst>
-  </p:timing>
-</p:sld>
-</file>
-
-<file path=ppt/slides/slide6.xml><?xml version="1.0" encoding="utf-8"?>
-<p:sld xmlns:a="http://schemas.openxmlformats.org/drawingml/2006/main" xmlns:r="http://schemas.openxmlformats.org/officeDocument/2006/relationships" xmlns:p="http://schemas.openxmlformats.org/presentationml/2006/main">
-  <p:cSld>
-    <p:spTree>
-      <p:nvGrpSpPr>
-        <p:cNvPr id="1" name=""/>
-        <p:cNvGrpSpPr/>
-        <p:nvPr/>
-      </p:nvGrpSpPr>
-      <p:grpSpPr>
-        <a:xfrm>
-          <a:off x="0" y="0"/>
-          <a:ext cx="0" cy="0"/>
-          <a:chOff x="0" y="0"/>
-          <a:chExt cx="0" cy="0"/>
-        </a:xfrm>
-      </p:grpSpPr>
-      <p:sp>
-        <p:nvSpPr>
-          <p:cNvPr id="2" name="Title 1">
-            <a:extLst>
-              <a:ext uri="{FF2B5EF4-FFF2-40B4-BE49-F238E27FC236}">
-                <a16:creationId xmlns:a16="http://schemas.microsoft.com/office/drawing/2014/main" xmlns="" id="{AEA5083B-CC27-4F1C-AD03-E3DBEC1C9E78}"/>
-              </a:ext>
-            </a:extLst>
-          </p:cNvPr>
-          <p:cNvSpPr>
-            <a:spLocks noGrp="1"/>
-          </p:cNvSpPr>
-          <p:nvPr>
-            <p:ph type="title"/>
-          </p:nvPr>
-        </p:nvSpPr>
-        <p:spPr/>
-        <p:txBody>
-          <a:bodyPr/>
-          <a:lstStyle/>
-          <a:p>
-            <a:r>
-              <a:rPr lang="en-US" dirty="0"/>
-              <a:t>Our Promise</a:t>
-            </a:r>
-          </a:p>
-        </p:txBody>
-      </p:sp>
-      <p:sp>
-        <p:nvSpPr>
-          <p:cNvPr id="3" name="Text Placeholder 2">
-            <a:extLst>
-              <a:ext uri="{FF2B5EF4-FFF2-40B4-BE49-F238E27FC236}">
-                <a16:creationId xmlns:a16="http://schemas.microsoft.com/office/drawing/2014/main" xmlns="" id="{97C06D93-65F2-4552-88CF-83318CBE2CFC}"/>
-              </a:ext>
-            </a:extLst>
-          </p:cNvPr>
-          <p:cNvSpPr>
-            <a:spLocks noGrp="1"/>
-          </p:cNvSpPr>
-          <p:nvPr>
-            <p:ph type="body" sz="quarter" idx="32"/>
-          </p:nvPr>
-        </p:nvSpPr>
-        <p:spPr/>
-        <p:txBody>
-          <a:bodyPr/>
-          <a:lstStyle/>
-          <a:p>
-            <a:r>
-              <a:rPr lang="en-US" dirty="0"/>
-              <a:t>Lorem ipsum dolor sit amet, consectetur adipiscing elit. Etiam aliquet eu mi quis lacinia. Ut fermentum a magna ut.</a:t>
-            </a:r>
-          </a:p>
-        </p:txBody>
-      </p:sp>
-      <p:sp>
-        <p:nvSpPr>
-          <p:cNvPr id="29" name="Content Placeholder 28">
-            <a:extLst>
-              <a:ext uri="{FF2B5EF4-FFF2-40B4-BE49-F238E27FC236}">
-                <a16:creationId xmlns:a16="http://schemas.microsoft.com/office/drawing/2014/main" xmlns="" id="{07FF37F8-D747-444C-8664-2DF836965C77}"/>
-              </a:ext>
-            </a:extLst>
-          </p:cNvPr>
-          <p:cNvSpPr>
-            <a:spLocks noGrp="1"/>
-          </p:cNvSpPr>
-          <p:nvPr>
-            <p:ph sz="half" idx="1"/>
-          </p:nvPr>
-        </p:nvSpPr>
-        <p:spPr>
-          <a:xfrm>
-            <a:off x="432000" y="2556000"/>
-            <a:ext cx="5472000" cy="3600000"/>
-          </a:xfrm>
-        </p:spPr>
-        <p:txBody>
-          <a:bodyPr/>
-          <a:lstStyle/>
-          <a:p>
-            <a:pPr marL="0" indent="0">
-              <a:buNone/>
-            </a:pPr>
-            <a:r>
-              <a:rPr lang="en-US" sz="2800" dirty="0"/>
-              <a:t>Lorem ipsum dolor sit amet, consectetur adipiscing elit. </a:t>
-            </a:r>
-          </a:p>
-          <a:p>
-            <a:r>
-              <a:rPr lang="en-US" dirty="0"/>
-              <a:t>Ut fermentum a magna ut eleifend. Integer convallis suscipit ante eu varius. </a:t>
-            </a:r>
-          </a:p>
-          <a:p>
-            <a:r>
-              <a:rPr lang="en-US" dirty="0"/>
-              <a:t>Morbi a purus dolor. Suspendisse sit amet ipsum finibus justo viverra blandit. </a:t>
-            </a:r>
-          </a:p>
-          <a:p>
-            <a:r>
-              <a:rPr lang="en-US" dirty="0"/>
-              <a:t>Ut congue quis tortor eget sodales. </a:t>
-            </a:r>
-          </a:p>
-        </p:txBody>
-      </p:sp>
-      <p:pic>
-        <p:nvPicPr>
-          <p:cNvPr id="8" name="Picture Placeholder 7">
-            <a:extLst>
-              <a:ext uri="{FF2B5EF4-FFF2-40B4-BE49-F238E27FC236}">
-                <a16:creationId xmlns:a16="http://schemas.microsoft.com/office/drawing/2014/main" xmlns="" id="{C6CDA85C-88C0-6444-B1E8-D661956A20E8}"/>
-              </a:ext>
-            </a:extLst>
-          </p:cNvPr>
-          <p:cNvPicPr>
-            <a:picLocks noGrp="1" noChangeAspect="1"/>
-          </p:cNvPicPr>
-          <p:nvPr>
-            <p:ph type="pic" sz="quarter" idx="36"/>
-          </p:nvPr>
-        </p:nvPicPr>
-        <p:blipFill>
-          <a:blip r:embed="rId2">
-            <a:extLst>
-              <a:ext uri="{28A0092B-C50C-407E-A947-70E740481C1C}">
-                <a14:useLocalDpi xmlns:a14="http://schemas.microsoft.com/office/drawing/2010/main" val="0"/>
-              </a:ext>
-            </a:extLst>
-          </a:blip>
-          <a:stretch>
-            <a:fillRect/>
-          </a:stretch>
-        </p:blipFill>
-        <p:spPr>
-          <a:xfrm>
-            <a:off x="-104962" y="10758"/>
-            <a:ext cx="12017525" cy="6858000"/>
-          </a:xfrm>
-        </p:spPr>
-      </p:pic>
-      <p:sp>
-        <p:nvSpPr>
-          <p:cNvPr id="66" name="Freeform 5">
-            <a:extLst>
-              <a:ext uri="{FF2B5EF4-FFF2-40B4-BE49-F238E27FC236}">
-                <a16:creationId xmlns:a16="http://schemas.microsoft.com/office/drawing/2014/main" xmlns="" id="{3EEE5409-3F6C-485D-B4C2-5247917F1018}"/>
-              </a:ext>
-              <a:ext uri="{C183D7F6-B498-43B3-948B-1728B52AA6E4}">
-                <adec:decorative xmlns:adec="http://schemas.microsoft.com/office/drawing/2017/decorative" xmlns="" val="1"/>
-              </a:ext>
-            </a:extLst>
-          </p:cNvPr>
-          <p:cNvSpPr>
-            <a:spLocks noChangeAspect="1"/>
-          </p:cNvSpPr>
-          <p:nvPr/>
-        </p:nvSpPr>
-        <p:spPr bwMode="auto">
-          <a:xfrm>
-            <a:off x="5363366" y="4974898"/>
-            <a:ext cx="1838651" cy="1613506"/>
-          </a:xfrm>
-          <a:custGeom>
-            <a:avLst/>
-            <a:gdLst>
-              <a:gd name="T0" fmla="*/ 781 w 1099"/>
-              <a:gd name="T1" fmla="*/ 0 h 968"/>
-              <a:gd name="T2" fmla="*/ 318 w 1099"/>
-              <a:gd name="T3" fmla="*/ 0 h 968"/>
-              <a:gd name="T4" fmla="*/ 246 w 1099"/>
-              <a:gd name="T5" fmla="*/ 42 h 968"/>
-              <a:gd name="T6" fmla="*/ 15 w 1099"/>
-              <a:gd name="T7" fmla="*/ 443 h 968"/>
-              <a:gd name="T8" fmla="*/ 15 w 1099"/>
-              <a:gd name="T9" fmla="*/ 525 h 968"/>
-              <a:gd name="T10" fmla="*/ 246 w 1099"/>
-              <a:gd name="T11" fmla="*/ 926 h 968"/>
-              <a:gd name="T12" fmla="*/ 318 w 1099"/>
-              <a:gd name="T13" fmla="*/ 968 h 968"/>
-              <a:gd name="T14" fmla="*/ 781 w 1099"/>
-              <a:gd name="T15" fmla="*/ 968 h 968"/>
-              <a:gd name="T16" fmla="*/ 852 w 1099"/>
-              <a:gd name="T17" fmla="*/ 926 h 968"/>
-              <a:gd name="T18" fmla="*/ 1084 w 1099"/>
-              <a:gd name="T19" fmla="*/ 525 h 968"/>
-              <a:gd name="T20" fmla="*/ 1084 w 1099"/>
-              <a:gd name="T21" fmla="*/ 443 h 968"/>
-              <a:gd name="T22" fmla="*/ 852 w 1099"/>
-              <a:gd name="T23" fmla="*/ 42 h 968"/>
-              <a:gd name="T24" fmla="*/ 781 w 1099"/>
-              <a:gd name="T25" fmla="*/ 0 h 968"/>
-            </a:gdLst>
-            <a:ahLst/>
-            <a:cxnLst>
-              <a:cxn ang="0">
-                <a:pos x="T0" y="T1"/>
-              </a:cxn>
-              <a:cxn ang="0">
-                <a:pos x="T2" y="T3"/>
-              </a:cxn>
-              <a:cxn ang="0">
-                <a:pos x="T4" y="T5"/>
-              </a:cxn>
-              <a:cxn ang="0">
-                <a:pos x="T6" y="T7"/>
-              </a:cxn>
-              <a:cxn ang="0">
-                <a:pos x="T8" y="T9"/>
-              </a:cxn>
-              <a:cxn ang="0">
-                <a:pos x="T10" y="T11"/>
-              </a:cxn>
-              <a:cxn ang="0">
-                <a:pos x="T12" y="T13"/>
-              </a:cxn>
-              <a:cxn ang="0">
-                <a:pos x="T14" y="T15"/>
-              </a:cxn>
-              <a:cxn ang="0">
-                <a:pos x="T16" y="T17"/>
-              </a:cxn>
-              <a:cxn ang="0">
-                <a:pos x="T18" y="T19"/>
-              </a:cxn>
-              <a:cxn ang="0">
-                <a:pos x="T20" y="T21"/>
-              </a:cxn>
-              <a:cxn ang="0">
-                <a:pos x="T22" y="T23"/>
-              </a:cxn>
-              <a:cxn ang="0">
-                <a:pos x="T24" y="T25"/>
-              </a:cxn>
-            </a:cxnLst>
-            <a:rect l="0" t="0" r="r" b="b"/>
-            <a:pathLst>
-              <a:path w="1099" h="968">
-                <a:moveTo>
-                  <a:pt x="781" y="0"/>
-                </a:moveTo>
-                <a:cubicBezTo>
-                  <a:pt x="318" y="0"/>
-                  <a:pt x="318" y="0"/>
-                  <a:pt x="318" y="0"/>
-                </a:cubicBezTo>
-                <a:cubicBezTo>
-                  <a:pt x="288" y="0"/>
-                  <a:pt x="261" y="16"/>
-                  <a:pt x="246" y="42"/>
-                </a:cubicBezTo>
-                <a:cubicBezTo>
-                  <a:pt x="15" y="443"/>
-                  <a:pt x="15" y="443"/>
-                  <a:pt x="15" y="443"/>
-                </a:cubicBezTo>
-                <a:cubicBezTo>
-                  <a:pt x="0" y="468"/>
-                  <a:pt x="0" y="500"/>
-                  <a:pt x="15" y="525"/>
-                </a:cubicBezTo>
-                <a:cubicBezTo>
-                  <a:pt x="246" y="926"/>
-                  <a:pt x="246" y="926"/>
-                  <a:pt x="246" y="926"/>
-                </a:cubicBezTo>
-                <a:cubicBezTo>
-                  <a:pt x="261" y="952"/>
-                  <a:pt x="288" y="968"/>
-                  <a:pt x="318" y="968"/>
-                </a:cubicBezTo>
-                <a:cubicBezTo>
-                  <a:pt x="781" y="968"/>
-                  <a:pt x="781" y="968"/>
-                  <a:pt x="781" y="968"/>
-                </a:cubicBezTo>
-                <a:cubicBezTo>
-                  <a:pt x="810" y="968"/>
-                  <a:pt x="838" y="952"/>
-                  <a:pt x="852" y="926"/>
-                </a:cubicBezTo>
-                <a:cubicBezTo>
-                  <a:pt x="1084" y="525"/>
-                  <a:pt x="1084" y="525"/>
-                  <a:pt x="1084" y="525"/>
-                </a:cubicBezTo>
-                <a:cubicBezTo>
-                  <a:pt x="1099" y="500"/>
-                  <a:pt x="1099" y="468"/>
-                  <a:pt x="1084" y="443"/>
-                </a:cubicBezTo>
-                <a:cubicBezTo>
-                  <a:pt x="852" y="42"/>
-                  <a:pt x="852" y="42"/>
-                  <a:pt x="852" y="42"/>
-                </a:cubicBezTo>
-                <a:cubicBezTo>
-                  <a:pt x="838" y="16"/>
-                  <a:pt x="810" y="0"/>
-                  <a:pt x="781" y="0"/>
-                </a:cubicBezTo>
-                <a:close/>
-              </a:path>
-            </a:pathLst>
-          </a:custGeom>
-          <a:noFill/>
-          <a:ln w="63500" cap="flat">
-            <a:solidFill>
-              <a:schemeClr val="bg1"/>
-            </a:solidFill>
-            <a:prstDash val="solid"/>
-            <a:miter lim="800000"/>
-            <a:headEnd/>
-            <a:tailEnd/>
-          </a:ln>
-        </p:spPr>
-        <p:txBody>
-          <a:bodyPr vert="horz" wrap="square" lIns="91440" tIns="45720" rIns="91440" bIns="45720" numCol="1" anchor="t" anchorCtr="0" compatLnSpc="1">
-            <a:prstTxWarp prst="textNoShape">
-              <a:avLst/>
-            </a:prstTxWarp>
-          </a:bodyPr>
-          <a:lstStyle/>
-          <a:p>
-            <a:endParaRPr lang="en-US" dirty="0"/>
-          </a:p>
-        </p:txBody>
-      </p:sp>
-      <p:sp>
-        <p:nvSpPr>
-          <p:cNvPr id="67" name="Freeform 5">
-            <a:extLst>
-              <a:ext uri="{FF2B5EF4-FFF2-40B4-BE49-F238E27FC236}">
-                <a16:creationId xmlns:a16="http://schemas.microsoft.com/office/drawing/2014/main" xmlns="" id="{0D74D4D5-6A4C-4248-8A92-B8CA1C918EB6}"/>
-              </a:ext>
-              <a:ext uri="{C183D7F6-B498-43B3-948B-1728B52AA6E4}">
-                <adec:decorative xmlns:adec="http://schemas.microsoft.com/office/drawing/2017/decorative" xmlns="" val="1"/>
-              </a:ext>
-            </a:extLst>
-          </p:cNvPr>
-          <p:cNvSpPr>
-            <a:spLocks noChangeAspect="1"/>
-          </p:cNvSpPr>
-          <p:nvPr/>
-        </p:nvSpPr>
-        <p:spPr bwMode="auto">
-          <a:xfrm>
-            <a:off x="6650080" y="4752199"/>
-            <a:ext cx="1103873" cy="968702"/>
-          </a:xfrm>
-          <a:custGeom>
-            <a:avLst/>
-            <a:gdLst>
-              <a:gd name="T0" fmla="*/ 781 w 1099"/>
-              <a:gd name="T1" fmla="*/ 0 h 968"/>
-              <a:gd name="T2" fmla="*/ 318 w 1099"/>
-              <a:gd name="T3" fmla="*/ 0 h 968"/>
-              <a:gd name="T4" fmla="*/ 246 w 1099"/>
-              <a:gd name="T5" fmla="*/ 42 h 968"/>
-              <a:gd name="T6" fmla="*/ 15 w 1099"/>
-              <a:gd name="T7" fmla="*/ 443 h 968"/>
-              <a:gd name="T8" fmla="*/ 15 w 1099"/>
-              <a:gd name="T9" fmla="*/ 525 h 968"/>
-              <a:gd name="T10" fmla="*/ 246 w 1099"/>
-              <a:gd name="T11" fmla="*/ 926 h 968"/>
-              <a:gd name="T12" fmla="*/ 318 w 1099"/>
-              <a:gd name="T13" fmla="*/ 968 h 968"/>
-              <a:gd name="T14" fmla="*/ 781 w 1099"/>
-              <a:gd name="T15" fmla="*/ 968 h 968"/>
-              <a:gd name="T16" fmla="*/ 852 w 1099"/>
-              <a:gd name="T17" fmla="*/ 926 h 968"/>
-              <a:gd name="T18" fmla="*/ 1084 w 1099"/>
-              <a:gd name="T19" fmla="*/ 525 h 968"/>
-              <a:gd name="T20" fmla="*/ 1084 w 1099"/>
-              <a:gd name="T21" fmla="*/ 443 h 968"/>
-              <a:gd name="T22" fmla="*/ 852 w 1099"/>
-              <a:gd name="T23" fmla="*/ 42 h 968"/>
-              <a:gd name="T24" fmla="*/ 781 w 1099"/>
-              <a:gd name="T25" fmla="*/ 0 h 968"/>
-            </a:gdLst>
-            <a:ahLst/>
-            <a:cxnLst>
-              <a:cxn ang="0">
-                <a:pos x="T0" y="T1"/>
-              </a:cxn>
-              <a:cxn ang="0">
-                <a:pos x="T2" y="T3"/>
-              </a:cxn>
-              <a:cxn ang="0">
-                <a:pos x="T4" y="T5"/>
-              </a:cxn>
-              <a:cxn ang="0">
-                <a:pos x="T6" y="T7"/>
-              </a:cxn>
-              <a:cxn ang="0">
-                <a:pos x="T8" y="T9"/>
-              </a:cxn>
-              <a:cxn ang="0">
-                <a:pos x="T10" y="T11"/>
-              </a:cxn>
-              <a:cxn ang="0">
-                <a:pos x="T12" y="T13"/>
-              </a:cxn>
-              <a:cxn ang="0">
-                <a:pos x="T14" y="T15"/>
-              </a:cxn>
-              <a:cxn ang="0">
-                <a:pos x="T16" y="T17"/>
-              </a:cxn>
-              <a:cxn ang="0">
-                <a:pos x="T18" y="T19"/>
-              </a:cxn>
-              <a:cxn ang="0">
-                <a:pos x="T20" y="T21"/>
-              </a:cxn>
-              <a:cxn ang="0">
-                <a:pos x="T22" y="T23"/>
-              </a:cxn>
-              <a:cxn ang="0">
-                <a:pos x="T24" y="T25"/>
-              </a:cxn>
-            </a:cxnLst>
-            <a:rect l="0" t="0" r="r" b="b"/>
-            <a:pathLst>
-              <a:path w="1099" h="968">
-                <a:moveTo>
-                  <a:pt x="781" y="0"/>
-                </a:moveTo>
-                <a:cubicBezTo>
-                  <a:pt x="318" y="0"/>
-                  <a:pt x="318" y="0"/>
-                  <a:pt x="318" y="0"/>
-                </a:cubicBezTo>
-                <a:cubicBezTo>
-                  <a:pt x="288" y="0"/>
-                  <a:pt x="261" y="16"/>
-                  <a:pt x="246" y="42"/>
-                </a:cubicBezTo>
-                <a:cubicBezTo>
-                  <a:pt x="15" y="443"/>
-                  <a:pt x="15" y="443"/>
-                  <a:pt x="15" y="443"/>
-                </a:cubicBezTo>
-                <a:cubicBezTo>
-                  <a:pt x="0" y="468"/>
-                  <a:pt x="0" y="500"/>
-                  <a:pt x="15" y="525"/>
-                </a:cubicBezTo>
-                <a:cubicBezTo>
-                  <a:pt x="246" y="926"/>
-                  <a:pt x="246" y="926"/>
-                  <a:pt x="246" y="926"/>
-                </a:cubicBezTo>
-                <a:cubicBezTo>
-                  <a:pt x="261" y="952"/>
-                  <a:pt x="288" y="968"/>
-                  <a:pt x="318" y="968"/>
-                </a:cubicBezTo>
-                <a:cubicBezTo>
-                  <a:pt x="781" y="968"/>
-                  <a:pt x="781" y="968"/>
-                  <a:pt x="781" y="968"/>
-                </a:cubicBezTo>
-                <a:cubicBezTo>
-                  <a:pt x="810" y="968"/>
-                  <a:pt x="838" y="952"/>
-                  <a:pt x="852" y="926"/>
-                </a:cubicBezTo>
-                <a:cubicBezTo>
-                  <a:pt x="1084" y="525"/>
-                  <a:pt x="1084" y="525"/>
-                  <a:pt x="1084" y="525"/>
-                </a:cubicBezTo>
-                <a:cubicBezTo>
-                  <a:pt x="1099" y="500"/>
-                  <a:pt x="1099" y="468"/>
-                  <a:pt x="1084" y="443"/>
-                </a:cubicBezTo>
-                <a:cubicBezTo>
-                  <a:pt x="852" y="42"/>
-                  <a:pt x="852" y="42"/>
-                  <a:pt x="852" y="42"/>
-                </a:cubicBezTo>
-                <a:cubicBezTo>
-                  <a:pt x="838" y="16"/>
-                  <a:pt x="810" y="0"/>
-                  <a:pt x="781" y="0"/>
-                </a:cubicBezTo>
-                <a:close/>
-              </a:path>
-            </a:pathLst>
-          </a:custGeom>
-          <a:solidFill>
-            <a:schemeClr val="accent1"/>
-          </a:solidFill>
-          <a:ln w="63500" cap="flat">
-            <a:noFill/>
-            <a:prstDash val="solid"/>
-            <a:miter lim="800000"/>
-            <a:headEnd/>
-            <a:tailEnd/>
-          </a:ln>
-        </p:spPr>
-        <p:txBody>
-          <a:bodyPr vert="horz" wrap="square" lIns="91440" tIns="45720" rIns="91440" bIns="45720" numCol="1" anchor="t" anchorCtr="0" compatLnSpc="1">
-            <a:prstTxWarp prst="textNoShape">
-              <a:avLst/>
-            </a:prstTxWarp>
-          </a:bodyPr>
-          <a:lstStyle/>
-          <a:p>
-            <a:endParaRPr lang="en-US" dirty="0"/>
-          </a:p>
-        </p:txBody>
-      </p:sp>
-      <p:sp>
-        <p:nvSpPr>
-          <p:cNvPr id="6" name="Slide Number Placeholder 5">
-            <a:extLst>
-              <a:ext uri="{FF2B5EF4-FFF2-40B4-BE49-F238E27FC236}">
-                <a16:creationId xmlns:a16="http://schemas.microsoft.com/office/drawing/2014/main" xmlns="" id="{46D051DA-5DAD-43A7-A238-51C63BA59FEC}"/>
-              </a:ext>
-            </a:extLst>
-          </p:cNvPr>
-          <p:cNvSpPr>
-            <a:spLocks noGrp="1"/>
-          </p:cNvSpPr>
-          <p:nvPr>
-            <p:ph type="sldNum" sz="quarter" idx="33"/>
-          </p:nvPr>
-        </p:nvSpPr>
-        <p:spPr/>
-        <p:txBody>
-          <a:bodyPr/>
-          <a:lstStyle/>
-          <a:p>
-            <a:fld id="{19B51A1E-902D-48AF-9020-955120F399B6}" type="slidenum">
-              <a:rPr lang="en-US" smtClean="0"/>
-              <a:pPr/>
-              <a:t>6</a:t>
-            </a:fld>
-            <a:endParaRPr lang="en-US" dirty="0"/>
-          </a:p>
-        </p:txBody>
-      </p:sp>
-      <p:sp>
-        <p:nvSpPr>
-          <p:cNvPr id="10" name="Freeform 5" descr="Hollow accent block">
-            <a:extLst>
-              <a:ext uri="{FF2B5EF4-FFF2-40B4-BE49-F238E27FC236}">
-                <a16:creationId xmlns:a16="http://schemas.microsoft.com/office/drawing/2014/main" xmlns="" id="{E0D7A780-33BC-4E68-9763-AB62376D5024}"/>
-              </a:ext>
-              <a:ext uri="{C183D7F6-B498-43B3-948B-1728B52AA6E4}">
-                <adec:decorative xmlns:adec="http://schemas.microsoft.com/office/drawing/2017/decorative" xmlns="" val="1"/>
-              </a:ext>
-            </a:extLst>
-          </p:cNvPr>
-          <p:cNvSpPr>
-            <a:spLocks noChangeAspect="1"/>
-          </p:cNvSpPr>
-          <p:nvPr/>
-        </p:nvSpPr>
-        <p:spPr bwMode="auto">
-          <a:xfrm>
-            <a:off x="366382" y="2556000"/>
-            <a:ext cx="5468329" cy="4126822"/>
-          </a:xfrm>
-          <a:custGeom>
-            <a:avLst/>
-            <a:gdLst>
-              <a:gd name="T0" fmla="*/ 781 w 1099"/>
-              <a:gd name="T1" fmla="*/ 0 h 968"/>
-              <a:gd name="T2" fmla="*/ 318 w 1099"/>
-              <a:gd name="T3" fmla="*/ 0 h 968"/>
-              <a:gd name="T4" fmla="*/ 246 w 1099"/>
-              <a:gd name="T5" fmla="*/ 42 h 968"/>
-              <a:gd name="T6" fmla="*/ 15 w 1099"/>
-              <a:gd name="T7" fmla="*/ 443 h 968"/>
-              <a:gd name="T8" fmla="*/ 15 w 1099"/>
-              <a:gd name="T9" fmla="*/ 525 h 968"/>
-              <a:gd name="T10" fmla="*/ 246 w 1099"/>
-              <a:gd name="T11" fmla="*/ 926 h 968"/>
-              <a:gd name="T12" fmla="*/ 318 w 1099"/>
-              <a:gd name="T13" fmla="*/ 968 h 968"/>
-              <a:gd name="T14" fmla="*/ 781 w 1099"/>
-              <a:gd name="T15" fmla="*/ 968 h 968"/>
-              <a:gd name="T16" fmla="*/ 852 w 1099"/>
-              <a:gd name="T17" fmla="*/ 926 h 968"/>
-              <a:gd name="T18" fmla="*/ 1084 w 1099"/>
-              <a:gd name="T19" fmla="*/ 525 h 968"/>
-              <a:gd name="T20" fmla="*/ 1084 w 1099"/>
-              <a:gd name="T21" fmla="*/ 443 h 968"/>
-              <a:gd name="T22" fmla="*/ 852 w 1099"/>
-              <a:gd name="T23" fmla="*/ 42 h 968"/>
-              <a:gd name="T24" fmla="*/ 781 w 1099"/>
-              <a:gd name="T25" fmla="*/ 0 h 968"/>
-            </a:gdLst>
-            <a:ahLst/>
-            <a:cxnLst>
-              <a:cxn ang="0">
-                <a:pos x="T0" y="T1"/>
-              </a:cxn>
-              <a:cxn ang="0">
-                <a:pos x="T2" y="T3"/>
-              </a:cxn>
-              <a:cxn ang="0">
-                <a:pos x="T4" y="T5"/>
-              </a:cxn>
-              <a:cxn ang="0">
-                <a:pos x="T6" y="T7"/>
-              </a:cxn>
-              <a:cxn ang="0">
-                <a:pos x="T8" y="T9"/>
-              </a:cxn>
-              <a:cxn ang="0">
-                <a:pos x="T10" y="T11"/>
-              </a:cxn>
-              <a:cxn ang="0">
-                <a:pos x="T12" y="T13"/>
-              </a:cxn>
-              <a:cxn ang="0">
-                <a:pos x="T14" y="T15"/>
-              </a:cxn>
-              <a:cxn ang="0">
-                <a:pos x="T16" y="T17"/>
-              </a:cxn>
-              <a:cxn ang="0">
-                <a:pos x="T18" y="T19"/>
-              </a:cxn>
-              <a:cxn ang="0">
-                <a:pos x="T20" y="T21"/>
-              </a:cxn>
-              <a:cxn ang="0">
-                <a:pos x="T22" y="T23"/>
-              </a:cxn>
-              <a:cxn ang="0">
-                <a:pos x="T24" y="T25"/>
-              </a:cxn>
-            </a:cxnLst>
-            <a:rect l="0" t="0" r="r" b="b"/>
-            <a:pathLst>
-              <a:path w="1099" h="968">
-                <a:moveTo>
-                  <a:pt x="781" y="0"/>
-                </a:moveTo>
-                <a:cubicBezTo>
-                  <a:pt x="318" y="0"/>
-                  <a:pt x="318" y="0"/>
-                  <a:pt x="318" y="0"/>
-                </a:cubicBezTo>
-                <a:cubicBezTo>
-                  <a:pt x="288" y="0"/>
-                  <a:pt x="261" y="16"/>
-                  <a:pt x="246" y="42"/>
-                </a:cubicBezTo>
-                <a:cubicBezTo>
-                  <a:pt x="15" y="443"/>
-                  <a:pt x="15" y="443"/>
-                  <a:pt x="15" y="443"/>
-                </a:cubicBezTo>
-                <a:cubicBezTo>
-                  <a:pt x="0" y="468"/>
-                  <a:pt x="0" y="500"/>
-                  <a:pt x="15" y="525"/>
-                </a:cubicBezTo>
-                <a:cubicBezTo>
-                  <a:pt x="246" y="926"/>
-                  <a:pt x="246" y="926"/>
-                  <a:pt x="246" y="926"/>
-                </a:cubicBezTo>
-                <a:cubicBezTo>
-                  <a:pt x="261" y="952"/>
-                  <a:pt x="288" y="968"/>
-                  <a:pt x="318" y="968"/>
-                </a:cubicBezTo>
-                <a:cubicBezTo>
-                  <a:pt x="781" y="968"/>
-                  <a:pt x="781" y="968"/>
-                  <a:pt x="781" y="968"/>
-                </a:cubicBezTo>
-                <a:cubicBezTo>
-                  <a:pt x="810" y="968"/>
-                  <a:pt x="838" y="952"/>
-                  <a:pt x="852" y="926"/>
-                </a:cubicBezTo>
-                <a:cubicBezTo>
-                  <a:pt x="1084" y="525"/>
-                  <a:pt x="1084" y="525"/>
-                  <a:pt x="1084" y="525"/>
-                </a:cubicBezTo>
-                <a:cubicBezTo>
-                  <a:pt x="1099" y="500"/>
-                  <a:pt x="1099" y="468"/>
-                  <a:pt x="1084" y="443"/>
-                </a:cubicBezTo>
-                <a:cubicBezTo>
-                  <a:pt x="852" y="42"/>
-                  <a:pt x="852" y="42"/>
-                  <a:pt x="852" y="42"/>
-                </a:cubicBezTo>
-                <a:cubicBezTo>
-                  <a:pt x="838" y="16"/>
-                  <a:pt x="810" y="0"/>
-                  <a:pt x="781" y="0"/>
-                </a:cubicBezTo>
-                <a:close/>
-              </a:path>
-            </a:pathLst>
-          </a:custGeom>
-          <a:gradFill>
-            <a:gsLst>
-              <a:gs pos="0">
-                <a:schemeClr val="accent1">
-                  <a:lumMod val="67000"/>
-                  <a:alpha val="34000"/>
-                </a:schemeClr>
-              </a:gs>
-              <a:gs pos="48000">
-                <a:schemeClr val="accent1">
-                  <a:lumMod val="97000"/>
-                  <a:lumOff val="3000"/>
-                  <a:alpha val="30000"/>
-                </a:schemeClr>
-              </a:gs>
-              <a:gs pos="100000">
-                <a:schemeClr val="accent1">
-                  <a:lumMod val="60000"/>
-                  <a:lumOff val="40000"/>
-                  <a:alpha val="48000"/>
-                </a:schemeClr>
-              </a:gs>
-            </a:gsLst>
-            <a:lin ang="16200000" scaled="1"/>
-          </a:gradFill>
-          <a:ln>
-            <a:noFill/>
-            <a:headEnd/>
-            <a:tailEnd/>
-          </a:ln>
-        </p:spPr>
-        <p:style>
-          <a:lnRef idx="2">
-            <a:schemeClr val="accent1"/>
-          </a:lnRef>
-          <a:fillRef idx="1">
-            <a:schemeClr val="lt1"/>
-          </a:fillRef>
-          <a:effectRef idx="0">
-            <a:schemeClr val="accent1"/>
-          </a:effectRef>
-          <a:fontRef idx="minor">
-            <a:schemeClr val="dk1"/>
-          </a:fontRef>
-        </p:style>
-        <p:txBody>
-          <a:bodyPr vert="horz" wrap="square" lIns="91440" tIns="45720" rIns="91440" bIns="45720" numCol="1" anchor="t" anchorCtr="0" compatLnSpc="1">
-            <a:prstTxWarp prst="textNoShape">
-              <a:avLst/>
-            </a:prstTxWarp>
-          </a:bodyPr>
-          <a:lstStyle/>
-          <a:p>
-            <a:endParaRPr lang="en-US" dirty="0"/>
-          </a:p>
-        </p:txBody>
-      </p:sp>
-      <p:sp>
-        <p:nvSpPr>
-          <p:cNvPr id="4" name="Rectangle 3"/>
-          <p:cNvSpPr/>
-          <p:nvPr/>
-        </p:nvSpPr>
-        <p:spPr>
-          <a:xfrm>
-            <a:off x="502135" y="3786898"/>
-            <a:ext cx="5331332" cy="1077218"/>
-          </a:xfrm>
-          <a:prstGeom prst="rect">
-            <a:avLst/>
-          </a:prstGeom>
-          <a:noFill/>
-        </p:spPr>
-        <p:txBody>
-          <a:bodyPr wrap="none" lIns="91440" tIns="45720" rIns="91440" bIns="45720">
-            <a:spAutoFit/>
-          </a:bodyPr>
-          <a:lstStyle/>
-          <a:p>
-            <a:pPr algn="ctr"/>
-            <a:r>
-              <a:rPr lang="en-US" sz="2800" cap="none" spc="0" dirty="0" smtClean="0">
-                <a:ln w="0"/>
-                <a:solidFill>
-                  <a:schemeClr val="tx1">
-                    <a:lumMod val="75000"/>
-                    <a:lumOff val="25000"/>
-                  </a:schemeClr>
-                </a:solidFill>
-                <a:effectLst>
-                  <a:outerShdw blurRad="38100" dist="19050" dir="2700000" algn="tl" rotWithShape="0">
-                    <a:schemeClr val="dk1">
-                      <a:alpha val="40000"/>
-                    </a:schemeClr>
-                  </a:outerShdw>
-                </a:effectLst>
-                <a:latin typeface="Arial" panose="020B0604020202020204" pitchFamily="34" charset="0"/>
-                <a:cs typeface="Arial" panose="020B0604020202020204" pitchFamily="34" charset="0"/>
-              </a:rPr>
-              <a:t>Build your career </a:t>
-            </a:r>
-            <a:r>
-              <a:rPr lang="en-US" sz="2800" dirty="0">
-                <a:ln w="0"/>
-                <a:solidFill>
-                  <a:schemeClr val="tx1">
-                    <a:lumMod val="75000"/>
-                    <a:lumOff val="25000"/>
-                  </a:schemeClr>
-                </a:solidFill>
-                <a:effectLst>
-                  <a:outerShdw blurRad="38100" dist="19050" dir="2700000" algn="tl" rotWithShape="0">
-                    <a:schemeClr val="dk1">
-                      <a:alpha val="40000"/>
-                    </a:schemeClr>
-                  </a:outerShdw>
-                </a:effectLst>
-                <a:latin typeface="Arial" panose="020B0604020202020204" pitchFamily="34" charset="0"/>
-                <a:cs typeface="Arial" panose="020B0604020202020204" pitchFamily="34" charset="0"/>
-              </a:rPr>
-              <a:t>a</a:t>
-            </a:r>
-            <a:r>
-              <a:rPr lang="en-US" sz="2800" dirty="0" smtClean="0">
-                <a:ln w="0"/>
-                <a:solidFill>
-                  <a:schemeClr val="tx1">
-                    <a:lumMod val="75000"/>
-                    <a:lumOff val="25000"/>
-                  </a:schemeClr>
-                </a:solidFill>
-                <a:effectLst>
-                  <a:outerShdw blurRad="38100" dist="19050" dir="2700000" algn="tl" rotWithShape="0">
-                    <a:schemeClr val="dk1">
-                      <a:alpha val="40000"/>
-                    </a:schemeClr>
-                  </a:outerShdw>
-                </a:effectLst>
-                <a:latin typeface="Arial" panose="020B0604020202020204" pitchFamily="34" charset="0"/>
-                <a:cs typeface="Arial" panose="020B0604020202020204" pitchFamily="34" charset="0"/>
-              </a:rPr>
-              <a:t>s </a:t>
-            </a:r>
-            <a:br>
-              <a:rPr lang="en-US" sz="2800" dirty="0" smtClean="0">
-                <a:ln w="0"/>
-                <a:solidFill>
-                  <a:schemeClr val="tx1">
-                    <a:lumMod val="75000"/>
-                    <a:lumOff val="25000"/>
-                  </a:schemeClr>
-                </a:solidFill>
-                <a:effectLst>
-                  <a:outerShdw blurRad="38100" dist="19050" dir="2700000" algn="tl" rotWithShape="0">
-                    <a:schemeClr val="dk1">
-                      <a:alpha val="40000"/>
-                    </a:schemeClr>
-                  </a:outerShdw>
-                </a:effectLst>
-                <a:latin typeface="Arial" panose="020B0604020202020204" pitchFamily="34" charset="0"/>
-                <a:cs typeface="Arial" panose="020B0604020202020204" pitchFamily="34" charset="0"/>
-              </a:rPr>
-            </a:br>
-            <a:r>
-              <a:rPr lang="en-US" sz="3600" b="1" dirty="0" smtClean="0">
-                <a:ln w="0"/>
-                <a:effectLst>
-                  <a:outerShdw blurRad="38100" dist="19050" dir="2700000" algn="tl" rotWithShape="0">
-                    <a:schemeClr val="dk1">
-                      <a:alpha val="40000"/>
-                    </a:schemeClr>
-                  </a:outerShdw>
-                </a:effectLst>
-                <a:latin typeface="Arial" panose="020B0604020202020204" pitchFamily="34" charset="0"/>
-                <a:cs typeface="Arial" panose="020B0604020202020204" pitchFamily="34" charset="0"/>
-              </a:rPr>
-              <a:t>Medical Lab Technician</a:t>
-            </a:r>
-            <a:endParaRPr lang="en-US" sz="3600" b="1" cap="none" spc="0" dirty="0">
-              <a:ln w="0"/>
-              <a:solidFill>
-                <a:schemeClr val="tx1"/>
-              </a:solidFill>
-              <a:effectLst>
-                <a:outerShdw blurRad="38100" dist="19050" dir="2700000" algn="tl" rotWithShape="0">
-                  <a:schemeClr val="dk1">
-                    <a:alpha val="40000"/>
-                  </a:schemeClr>
-                </a:outerShdw>
-              </a:effectLst>
-              <a:latin typeface="Arial" panose="020B0604020202020204" pitchFamily="34" charset="0"/>
-              <a:cs typeface="Arial" panose="020B0604020202020204" pitchFamily="34" charset="0"/>
-            </a:endParaRPr>
-          </a:p>
-        </p:txBody>
-      </p:sp>
-      <p:sp>
-        <p:nvSpPr>
-          <p:cNvPr id="12" name="Rectangle 11"/>
-          <p:cNvSpPr/>
-          <p:nvPr/>
-        </p:nvSpPr>
-        <p:spPr>
-          <a:xfrm>
-            <a:off x="766261" y="4944180"/>
-            <a:ext cx="4668570" cy="954107"/>
-          </a:xfrm>
-          <a:prstGeom prst="rect">
-            <a:avLst/>
-          </a:prstGeom>
-          <a:noFill/>
-        </p:spPr>
-        <p:txBody>
-          <a:bodyPr wrap="square" lIns="91440" tIns="45720" rIns="91440" bIns="45720">
-            <a:spAutoFit/>
-          </a:bodyPr>
-          <a:lstStyle/>
-          <a:p>
-            <a:pPr algn="ctr"/>
-            <a:r>
-              <a:rPr lang="en-US" sz="2800" cap="none" spc="0" dirty="0" smtClean="0">
-                <a:ln w="0"/>
-                <a:solidFill>
-                  <a:schemeClr val="tx1">
-                    <a:lumMod val="75000"/>
-                    <a:lumOff val="25000"/>
-                  </a:schemeClr>
-                </a:solidFill>
-                <a:latin typeface="Arial" panose="020B0604020202020204" pitchFamily="34" charset="0"/>
-                <a:cs typeface="Arial" panose="020B0604020202020204" pitchFamily="34" charset="0"/>
-              </a:rPr>
-              <a:t>Best courses available with us after 12th</a:t>
-            </a:r>
-            <a:endParaRPr lang="en-US" sz="4000" cap="none" spc="0" dirty="0">
-              <a:ln w="0"/>
-              <a:latin typeface="Arial" panose="020B0604020202020204" pitchFamily="34" charset="0"/>
-              <a:cs typeface="Arial" panose="020B0604020202020204" pitchFamily="34" charset="0"/>
-            </a:endParaRPr>
-          </a:p>
-        </p:txBody>
-      </p:sp>
-      <p:cxnSp>
-        <p:nvCxnSpPr>
-          <p:cNvPr id="7" name="Straight Connector 6"/>
-          <p:cNvCxnSpPr/>
-          <p:nvPr/>
-        </p:nvCxnSpPr>
-        <p:spPr>
-          <a:xfrm>
-            <a:off x="920377" y="4810191"/>
-            <a:ext cx="4360338" cy="0"/>
-          </a:xfrm>
-          <a:prstGeom prst="line">
-            <a:avLst/>
-          </a:prstGeom>
-          <a:ln w="19050"/>
-        </p:spPr>
-        <p:style>
-          <a:lnRef idx="2">
-            <a:schemeClr val="accent6"/>
-          </a:lnRef>
-          <a:fillRef idx="0">
-            <a:schemeClr val="accent6"/>
-          </a:fillRef>
-          <a:effectRef idx="1">
-            <a:schemeClr val="accent6"/>
-          </a:effectRef>
-          <a:fontRef idx="minor">
-            <a:schemeClr val="tx1"/>
-          </a:fontRef>
-        </p:style>
-      </p:cxnSp>
-      <p:pic>
-        <p:nvPicPr>
-          <p:cNvPr id="15" name="Picture 14"/>
-          <p:cNvPicPr>
-            <a:picLocks noChangeAspect="1"/>
-          </p:cNvPicPr>
-          <p:nvPr/>
-        </p:nvPicPr>
-        <p:blipFill>
-          <a:blip r:embed="rId3">
-            <a:extLst>
-              <a:ext uri="{BEBA8EAE-BF5A-486C-A8C5-ECC9F3942E4B}">
-                <a14:imgProps xmlns:a14="http://schemas.microsoft.com/office/drawing/2010/main">
-                  <a14:imgLayer r:embed="rId4">
-                    <a14:imgEffect>
-                      <a14:sharpenSoften amount="50000"/>
-                    </a14:imgEffect>
-                  </a14:imgLayer>
-                </a14:imgProps>
-              </a:ext>
-              <a:ext uri="{28A0092B-C50C-407E-A947-70E740481C1C}">
-                <a14:useLocalDpi xmlns:a14="http://schemas.microsoft.com/office/drawing/2010/main" val="0"/>
-              </a:ext>
-            </a:extLst>
-          </a:blip>
-          <a:stretch>
-            <a:fillRect/>
-          </a:stretch>
-        </p:blipFill>
-        <p:spPr>
-          <a:xfrm>
-            <a:off x="1947304" y="2989698"/>
-            <a:ext cx="2306484" cy="755647"/>
-          </a:xfrm>
-          <a:prstGeom prst="rect">
-            <a:avLst/>
-          </a:prstGeom>
-        </p:spPr>
-      </p:pic>
-    </p:spTree>
-    <p:extLst>
-      <p:ext uri="{BB962C8B-B14F-4D97-AF65-F5344CB8AC3E}">
-        <p14:creationId xmlns:p14="http://schemas.microsoft.com/office/powerpoint/2010/main" val="3640701659"/>
-      </p:ext>
-    </p:extLst>
-  </p:cSld>
-  <p:clrMapOvr>
-    <a:masterClrMapping/>
-  </p:clrMapOvr>
-  <p:timing>
-    <p:tnLst>
-      <p:par>
-        <p:cTn id="1" dur="indefinite" restart="never" nodeType="tmRoot"/>
-      </p:par>
-    </p:tnLst>
-  </p:timing>
-</p:sld>
-</file>
-
-<file path=ppt/slides/slide7.xml><?xml version="1.0" encoding="utf-8"?>
-<p:sld xmlns:a="http://schemas.openxmlformats.org/drawingml/2006/main" xmlns:r="http://schemas.openxmlformats.org/officeDocument/2006/relationships" xmlns:p="http://schemas.openxmlformats.org/presentationml/2006/main">
-  <p:cSld>
-    <p:spTree>
-      <p:nvGrpSpPr>
-        <p:cNvPr id="1" name=""/>
-        <p:cNvGrpSpPr/>
-        <p:nvPr/>
-      </p:nvGrpSpPr>
-      <p:grpSpPr>
-        <a:xfrm>
-          <a:off x="0" y="0"/>
-          <a:ext cx="0" cy="0"/>
-          <a:chOff x="0" y="0"/>
-          <a:chExt cx="0" cy="0"/>
-        </a:xfrm>
-      </p:grpSpPr>
-      <p:pic>
-        <p:nvPicPr>
-          <p:cNvPr id="1030" name="Picture 6" descr="https://mrst1.latestly.com/wp-content/uploads/2020/04/Int-Health-day.jpg"/>
-          <p:cNvPicPr>
-            <a:picLocks noChangeAspect="1" noChangeArrowheads="1"/>
-          </p:cNvPicPr>
-          <p:nvPr/>
-        </p:nvPicPr>
-        <p:blipFill>
-          <a:blip r:embed="rId2">
-            <a:extLst>
-              <a:ext uri="{28A0092B-C50C-407E-A947-70E740481C1C}">
-                <a14:useLocalDpi xmlns:a14="http://schemas.microsoft.com/office/drawing/2010/main" val="0"/>
-              </a:ext>
-            </a:extLst>
-          </a:blip>
-          <a:srcRect/>
-          <a:stretch>
-            <a:fillRect/>
-          </a:stretch>
-        </p:blipFill>
-        <p:spPr bwMode="auto">
-          <a:xfrm>
-            <a:off x="-188259" y="-615424"/>
-            <a:ext cx="13578904" cy="7648236"/>
-          </a:xfrm>
-          <a:prstGeom prst="rect">
-            <a:avLst/>
-          </a:prstGeom>
-          <a:noFill/>
-          <a:extLst>
-            <a:ext uri="{909E8E84-426E-40DD-AFC4-6F175D3DCCD1}">
-              <a14:hiddenFill xmlns:a14="http://schemas.microsoft.com/office/drawing/2010/main">
-                <a:solidFill>
-                  <a:srgbClr val="FFFFFF"/>
-                </a:solidFill>
-              </a14:hiddenFill>
-            </a:ext>
-          </a:extLst>
-        </p:spPr>
-      </p:pic>
-      <p:pic>
-        <p:nvPicPr>
-          <p:cNvPr id="17" name="Picture Placeholder 16">
-            <a:extLst>
-              <a:ext uri="{FF2B5EF4-FFF2-40B4-BE49-F238E27FC236}">
-                <a16:creationId xmlns:a16="http://schemas.microsoft.com/office/drawing/2014/main" xmlns="" id="{893F9275-F9D8-C846-B8BE-3571B6BA9792}"/>
-              </a:ext>
-            </a:extLst>
-          </p:cNvPr>
-          <p:cNvPicPr>
-            <a:picLocks noGrp="1" noChangeAspect="1"/>
-          </p:cNvPicPr>
-          <p:nvPr>
-            <p:ph type="pic" sz="quarter" idx="34"/>
-          </p:nvPr>
-        </p:nvPicPr>
-        <p:blipFill rotWithShape="1">
-          <a:blip r:embed="rId3">
-            <a:extLst>
-              <a:ext uri="{28A0092B-C50C-407E-A947-70E740481C1C}">
-                <a14:useLocalDpi xmlns:a14="http://schemas.microsoft.com/office/drawing/2010/main" val="0"/>
-              </a:ext>
-            </a:extLst>
-          </a:blip>
-          <a:srcRect l="-6818" t="-9275" r="-6818" b="-9275"/>
-          <a:stretch/>
-        </p:blipFill>
-        <p:spPr>
-          <a:xfrm>
-            <a:off x="6118412" y="845021"/>
-            <a:ext cx="6481482" cy="5203340"/>
-          </a:xfrm>
-        </p:spPr>
-      </p:pic>
-      <p:sp>
-        <p:nvSpPr>
-          <p:cNvPr id="4" name="AutoShape 2" descr="World Health Day 2018: Inspiring Quotes, Theme, Slogans, Messages ..."/>
-          <p:cNvSpPr>
-            <a:spLocks noChangeAspect="1" noChangeArrowheads="1"/>
-          </p:cNvSpPr>
-          <p:nvPr/>
-        </p:nvSpPr>
-        <p:spPr bwMode="auto">
-          <a:xfrm>
-            <a:off x="156299" y="-152401"/>
-            <a:ext cx="304800" cy="304801"/>
-          </a:xfrm>
-          <a:prstGeom prst="rect">
-            <a:avLst/>
-          </a:prstGeom>
-          <a:noFill/>
-          <a:extLst>
-            <a:ext uri="{909E8E84-426E-40DD-AFC4-6F175D3DCCD1}">
-              <a14:hiddenFill xmlns:a14="http://schemas.microsoft.com/office/drawing/2010/main">
-                <a:solidFill>
-                  <a:srgbClr val="FFFFFF"/>
-                </a:solidFill>
-              </a14:hiddenFill>
-            </a:ext>
-          </a:extLst>
-        </p:spPr>
-        <p:txBody>
-          <a:bodyPr vert="horz" wrap="square" lIns="91440" tIns="45720" rIns="91440" bIns="45720" numCol="1" anchor="t" anchorCtr="0" compatLnSpc="1">
-            <a:prstTxWarp prst="textNoShape">
-              <a:avLst/>
-            </a:prstTxWarp>
-          </a:bodyPr>
-          <a:lstStyle/>
-          <a:p>
-            <a:endParaRPr lang="en-US"/>
-          </a:p>
-        </p:txBody>
-      </p:sp>
-      <p:pic>
-        <p:nvPicPr>
-          <p:cNvPr id="12" name="Picture 11"/>
-          <p:cNvPicPr>
-            <a:picLocks noChangeAspect="1"/>
-          </p:cNvPicPr>
-          <p:nvPr/>
-        </p:nvPicPr>
-        <p:blipFill>
-          <a:blip r:embed="rId4">
-            <a:extLst>
-              <a:ext uri="{28A0092B-C50C-407E-A947-70E740481C1C}">
-                <a14:useLocalDpi xmlns:a14="http://schemas.microsoft.com/office/drawing/2010/main" val="0"/>
-              </a:ext>
-            </a:extLst>
-          </a:blip>
-          <a:stretch>
-            <a:fillRect/>
-          </a:stretch>
-        </p:blipFill>
-        <p:spPr>
-          <a:xfrm>
-            <a:off x="169746" y="5963347"/>
-            <a:ext cx="1069857" cy="806350"/>
-          </a:xfrm>
-          <a:prstGeom prst="rect">
-            <a:avLst/>
-          </a:prstGeom>
-        </p:spPr>
-      </p:pic>
-    </p:spTree>
-    <p:extLst>
-      <p:ext uri="{BB962C8B-B14F-4D97-AF65-F5344CB8AC3E}">
-        <p14:creationId xmlns:p14="http://schemas.microsoft.com/office/powerpoint/2010/main" val="2893854554"/>
-      </p:ext>
-    </p:extLst>
-  </p:cSld>
-  <p:clrMapOvr>
-    <a:masterClrMapping/>
-  </p:clrMapOvr>
-  <p:timing>
-    <p:tnLst>
-      <p:par>
-        <p:cTn id="1" dur="indefinite" restart="never" nodeType="tmRoot"/>
-      </p:par>
-    </p:tnLst>
-  </p:timing>
-</p:sld>
-</file>
-
-<file path=ppt/slides/slide8.xml><?xml version="1.0" encoding="utf-8"?>
-<p:sld xmlns:a="http://schemas.openxmlformats.org/drawingml/2006/main" xmlns:r="http://schemas.openxmlformats.org/officeDocument/2006/relationships" xmlns:p="http://schemas.openxmlformats.org/presentationml/2006/main">
-  <p:cSld>
-    <p:spTree>
-      <p:nvGrpSpPr>
-        <p:cNvPr id="1" name=""/>
-        <p:cNvGrpSpPr/>
-        <p:nvPr/>
-      </p:nvGrpSpPr>
-      <p:grpSpPr>
-        <a:xfrm>
-          <a:off x="0" y="0"/>
-          <a:ext cx="0" cy="0"/>
-          <a:chOff x="0" y="0"/>
-          <a:chExt cx="0" cy="0"/>
-        </a:xfrm>
-      </p:grpSpPr>
-      <p:pic>
-        <p:nvPicPr>
-          <p:cNvPr id="1030" name="Picture 6"/>
-          <p:cNvPicPr>
-            <a:picLocks noChangeAspect="1" noChangeArrowheads="1"/>
-          </p:cNvPicPr>
-          <p:nvPr/>
-        </p:nvPicPr>
-        <p:blipFill>
-          <a:blip r:embed="rId2">
-            <a:extLst>
-              <a:ext uri="{28A0092B-C50C-407E-A947-70E740481C1C}">
-                <a14:useLocalDpi xmlns:a14="http://schemas.microsoft.com/office/drawing/2010/main" val="0"/>
-              </a:ext>
-            </a:extLst>
-          </a:blip>
-          <a:stretch>
-            <a:fillRect/>
-          </a:stretch>
-        </p:blipFill>
-        <p:spPr bwMode="auto">
-          <a:xfrm>
-            <a:off x="-188259" y="-355942"/>
-            <a:ext cx="13578904" cy="7129271"/>
-          </a:xfrm>
-          <a:prstGeom prst="rect">
-            <a:avLst/>
-          </a:prstGeom>
-          <a:noFill/>
-          <a:extLst>
-            <a:ext uri="{909E8E84-426E-40DD-AFC4-6F175D3DCCD1}">
-              <a14:hiddenFill xmlns:a14="http://schemas.microsoft.com/office/drawing/2010/main">
-                <a:solidFill>
-                  <a:srgbClr val="FFFFFF"/>
-                </a:solidFill>
-              </a14:hiddenFill>
-            </a:ext>
-          </a:extLst>
-        </p:spPr>
-      </p:pic>
-      <p:pic>
-        <p:nvPicPr>
-          <p:cNvPr id="17" name="Picture Placeholder 16">
-            <a:extLst>
-              <a:ext uri="{FF2B5EF4-FFF2-40B4-BE49-F238E27FC236}">
-                <a16:creationId xmlns:a16="http://schemas.microsoft.com/office/drawing/2014/main" xmlns="" id="{893F9275-F9D8-C846-B8BE-3571B6BA9792}"/>
-              </a:ext>
-            </a:extLst>
-          </p:cNvPr>
-          <p:cNvPicPr preferRelativeResize="0">
-            <a:picLocks noGrp="1"/>
-          </p:cNvPicPr>
-          <p:nvPr>
-            <p:ph type="pic" sz="quarter" idx="34"/>
-          </p:nvPr>
-        </p:nvPicPr>
-        <p:blipFill>
-          <a:blip r:embed="rId3">
-            <a:extLst>
-              <a:ext uri="{28A0092B-C50C-407E-A947-70E740481C1C}">
-                <a14:useLocalDpi xmlns:a14="http://schemas.microsoft.com/office/drawing/2010/main" val="0"/>
-              </a:ext>
-            </a:extLst>
-          </a:blip>
-          <a:stretch>
-            <a:fillRect/>
-          </a:stretch>
-        </p:blipFill>
-        <p:spPr>
-          <a:xfrm>
-            <a:off x="7004124" y="1219691"/>
-            <a:ext cx="4977205" cy="4011214"/>
-          </a:xfrm>
-        </p:spPr>
-      </p:pic>
-      <p:sp>
-        <p:nvSpPr>
-          <p:cNvPr id="4" name="AutoShape 2" descr="World Health Day 2018: Inspiring Quotes, Theme, Slogans, Messages ..."/>
-          <p:cNvSpPr>
-            <a:spLocks noChangeAspect="1" noChangeArrowheads="1"/>
-          </p:cNvSpPr>
-          <p:nvPr/>
-        </p:nvSpPr>
-        <p:spPr bwMode="auto">
-          <a:xfrm>
-            <a:off x="156299" y="-152401"/>
-            <a:ext cx="304800" cy="304801"/>
-          </a:xfrm>
-          <a:prstGeom prst="rect">
-            <a:avLst/>
-          </a:prstGeom>
-          <a:noFill/>
-          <a:extLst>
-            <a:ext uri="{909E8E84-426E-40DD-AFC4-6F175D3DCCD1}">
-              <a14:hiddenFill xmlns:a14="http://schemas.microsoft.com/office/drawing/2010/main">
-                <a:solidFill>
-                  <a:srgbClr val="FFFFFF"/>
-                </a:solidFill>
-              </a14:hiddenFill>
-            </a:ext>
-          </a:extLst>
-        </p:spPr>
-        <p:txBody>
-          <a:bodyPr vert="horz" wrap="square" lIns="91440" tIns="45720" rIns="91440" bIns="45720" numCol="1" anchor="t" anchorCtr="0" compatLnSpc="1">
-            <a:prstTxWarp prst="textNoShape">
-              <a:avLst/>
-            </a:prstTxWarp>
-          </a:bodyPr>
-          <a:lstStyle/>
-          <a:p>
-            <a:endParaRPr lang="en-US"/>
-          </a:p>
-        </p:txBody>
-      </p:sp>
-      <p:pic>
-        <p:nvPicPr>
-          <p:cNvPr id="12" name="Picture 11"/>
-          <p:cNvPicPr>
-            <a:picLocks noChangeAspect="1"/>
-          </p:cNvPicPr>
-          <p:nvPr/>
-        </p:nvPicPr>
-        <p:blipFill>
-          <a:blip r:embed="rId4">
-            <a:extLst>
-              <a:ext uri="{BEBA8EAE-BF5A-486C-A8C5-ECC9F3942E4B}">
-                <a14:imgProps xmlns:a14="http://schemas.microsoft.com/office/drawing/2010/main">
-                  <a14:imgLayer r:embed="rId5">
-                    <a14:imgEffect>
-                      <a14:artisticPlasticWrap/>
-                    </a14:imgEffect>
-                  </a14:imgLayer>
-                </a14:imgProps>
-              </a:ext>
-              <a:ext uri="{28A0092B-C50C-407E-A947-70E740481C1C}">
-                <a14:useLocalDpi xmlns:a14="http://schemas.microsoft.com/office/drawing/2010/main" val="0"/>
-              </a:ext>
-            </a:extLst>
-          </a:blip>
-          <a:stretch>
-            <a:fillRect/>
-          </a:stretch>
-        </p:blipFill>
-        <p:spPr>
-          <a:xfrm>
-            <a:off x="223534" y="5230905"/>
-            <a:ext cx="1819827" cy="1371601"/>
-          </a:xfrm>
-          <a:prstGeom prst="rect">
-            <a:avLst/>
-          </a:prstGeom>
-        </p:spPr>
-      </p:pic>
-    </p:spTree>
-    <p:extLst>
-      <p:ext uri="{BB962C8B-B14F-4D97-AF65-F5344CB8AC3E}">
-        <p14:creationId xmlns:p14="http://schemas.microsoft.com/office/powerpoint/2010/main" val="2022760165"/>
-      </p:ext>
-    </p:extLst>
-  </p:cSld>
-  <p:clrMapOvr>
-    <a:masterClrMapping/>
-  </p:clrMapOvr>
-  <p:timing>
-    <p:tnLst>
-      <p:par>
-        <p:cTn id="1" dur="indefinite" restart="never" nodeType="tmRoot"/>
-      </p:par>
-    </p:tnLst>
-  </p:timing>
-</p:sld>
-</file>
-
-<file path=ppt/slides/slide9.xml><?xml version="1.0" encoding="utf-8"?>
-<p:sld xmlns:a="http://schemas.openxmlformats.org/drawingml/2006/main" xmlns:r="http://schemas.openxmlformats.org/officeDocument/2006/relationships" xmlns:p="http://schemas.openxmlformats.org/presentationml/2006/main">
-  <p:cSld>
-    <p:spTree>
-      <p:nvGrpSpPr>
-        <p:cNvPr id="1" name=""/>
-        <p:cNvGrpSpPr/>
-        <p:nvPr/>
-      </p:nvGrpSpPr>
-      <p:grpSpPr>
-        <a:xfrm>
-          <a:off x="0" y="0"/>
-          <a:ext cx="0" cy="0"/>
-          <a:chOff x="0" y="0"/>
-          <a:chExt cx="0" cy="0"/>
-        </a:xfrm>
-      </p:grpSpPr>
-      <p:pic>
-        <p:nvPicPr>
-          <p:cNvPr id="1030" name="Picture 6"/>
-          <p:cNvPicPr>
-            <a:picLocks noChangeAspect="1" noChangeArrowheads="1"/>
-          </p:cNvPicPr>
-          <p:nvPr/>
-        </p:nvPicPr>
-        <p:blipFill>
-          <a:blip r:embed="rId2">
-            <a:extLst>
-              <a:ext uri="{28A0092B-C50C-407E-A947-70E740481C1C}">
-                <a14:useLocalDpi xmlns:a14="http://schemas.microsoft.com/office/drawing/2010/main" val="0"/>
-              </a:ext>
-            </a:extLst>
-          </a:blip>
-          <a:stretch>
-            <a:fillRect/>
-          </a:stretch>
-        </p:blipFill>
-        <p:spPr bwMode="auto">
-          <a:xfrm>
-            <a:off x="-295835" y="-355942"/>
-            <a:ext cx="13578904" cy="7129271"/>
-          </a:xfrm>
-          <a:prstGeom prst="rect">
-            <a:avLst/>
-          </a:prstGeom>
-          <a:noFill/>
-          <a:extLst>
-            <a:ext uri="{909E8E84-426E-40DD-AFC4-6F175D3DCCD1}">
-              <a14:hiddenFill xmlns:a14="http://schemas.microsoft.com/office/drawing/2010/main">
-                <a:solidFill>
-                  <a:srgbClr val="FFFFFF"/>
-                </a:solidFill>
-              </a14:hiddenFill>
-            </a:ext>
-          </a:extLst>
-        </p:spPr>
-      </p:pic>
-      <p:pic>
-        <p:nvPicPr>
-          <p:cNvPr id="17" name="Picture Placeholder 16">
-            <a:extLst>
-              <a:ext uri="{FF2B5EF4-FFF2-40B4-BE49-F238E27FC236}">
-                <a16:creationId xmlns:a16="http://schemas.microsoft.com/office/drawing/2014/main" xmlns="" id="{893F9275-F9D8-C846-B8BE-3571B6BA9792}"/>
-              </a:ext>
-            </a:extLst>
-          </p:cNvPr>
-          <p:cNvPicPr preferRelativeResize="0">
-            <a:picLocks noGrp="1"/>
-          </p:cNvPicPr>
-          <p:nvPr>
-            <p:ph type="pic" sz="quarter" idx="34"/>
-          </p:nvPr>
-        </p:nvPicPr>
-        <p:blipFill>
-          <a:blip r:embed="rId3">
-            <a:extLst>
-              <a:ext uri="{28A0092B-C50C-407E-A947-70E740481C1C}">
-                <a14:useLocalDpi xmlns:a14="http://schemas.microsoft.com/office/drawing/2010/main" val="0"/>
-              </a:ext>
-            </a:extLst>
-          </a:blip>
-          <a:stretch>
-            <a:fillRect/>
-          </a:stretch>
-        </p:blipFill>
-        <p:spPr>
-          <a:xfrm>
-            <a:off x="7169973" y="1407951"/>
-            <a:ext cx="4999617" cy="4011214"/>
-          </a:xfrm>
-        </p:spPr>
-      </p:pic>
-      <p:sp>
-        <p:nvSpPr>
-          <p:cNvPr id="4" name="AutoShape 2" descr="World Health Day 2018: Inspiring Quotes, Theme, Slogans, Messages ..."/>
-          <p:cNvSpPr>
-            <a:spLocks noChangeAspect="1" noChangeArrowheads="1"/>
-          </p:cNvSpPr>
-          <p:nvPr/>
-        </p:nvSpPr>
-        <p:spPr bwMode="auto">
-          <a:xfrm>
-            <a:off x="156299" y="-152401"/>
-            <a:ext cx="304800" cy="304801"/>
-          </a:xfrm>
-          <a:prstGeom prst="rect">
-            <a:avLst/>
-          </a:prstGeom>
-          <a:noFill/>
-          <a:extLst>
-            <a:ext uri="{909E8E84-426E-40DD-AFC4-6F175D3DCCD1}">
-              <a14:hiddenFill xmlns:a14="http://schemas.microsoft.com/office/drawing/2010/main">
-                <a:solidFill>
-                  <a:srgbClr val="FFFFFF"/>
-                </a:solidFill>
-              </a14:hiddenFill>
-            </a:ext>
-          </a:extLst>
-        </p:spPr>
-        <p:txBody>
-          <a:bodyPr vert="horz" wrap="square" lIns="91440" tIns="45720" rIns="91440" bIns="45720" numCol="1" anchor="t" anchorCtr="0" compatLnSpc="1">
-            <a:prstTxWarp prst="textNoShape">
-              <a:avLst/>
-            </a:prstTxWarp>
-          </a:bodyPr>
-          <a:lstStyle/>
-          <a:p>
-            <a:endParaRPr lang="en-US"/>
-          </a:p>
-        </p:txBody>
-      </p:sp>
-      <p:pic>
-        <p:nvPicPr>
-          <p:cNvPr id="12" name="Picture 11"/>
-          <p:cNvPicPr>
-            <a:picLocks noChangeAspect="1"/>
-          </p:cNvPicPr>
-          <p:nvPr/>
-        </p:nvPicPr>
-        <p:blipFill>
-          <a:blip r:embed="rId4">
-            <a:extLst>
-              <a:ext uri="{28A0092B-C50C-407E-A947-70E740481C1C}">
-                <a14:useLocalDpi xmlns:a14="http://schemas.microsoft.com/office/drawing/2010/main" val="0"/>
-              </a:ext>
-            </a:extLst>
-          </a:blip>
-          <a:stretch>
-            <a:fillRect/>
-          </a:stretch>
-        </p:blipFill>
-        <p:spPr>
-          <a:xfrm>
-            <a:off x="308699" y="5419165"/>
-            <a:ext cx="3124783" cy="1023737"/>
-          </a:xfrm>
-          <a:prstGeom prst="rect">
-            <a:avLst/>
-          </a:prstGeom>
-        </p:spPr>
-      </p:pic>
-    </p:spTree>
-    <p:extLst>
-      <p:ext uri="{BB962C8B-B14F-4D97-AF65-F5344CB8AC3E}">
-        <p14:creationId xmlns:p14="http://schemas.microsoft.com/office/powerpoint/2010/main" val="2755032348"/>
       </p:ext>
     </p:extLst>
   </p:cSld>
@@ -41957,15 +42838,6 @@
 </file>
 
 <file path=customXml/item1.xml><?xml version="1.0" encoding="utf-8"?>
-<?mso-contentType ?>
-<FormTemplates xmlns="http://schemas.microsoft.com/sharepoint/v3/contenttype/forms">
-  <Display>DocumentLibraryForm</Display>
-  <Edit>DocumentLibraryForm</Edit>
-  <New>DocumentLibraryForm</New>
-</FormTemplates>
-</file>
-
-<file path=customXml/item2.xml><?xml version="1.0" encoding="utf-8"?>
 <ct:contentTypeSchema xmlns:ct="http://schemas.microsoft.com/office/2006/metadata/contentType" xmlns:ma="http://schemas.microsoft.com/office/2006/metadata/properties/metaAttributes" ct:_="" ma:_="" ma:contentTypeName="Document" ma:contentTypeID="0x01010079F111ED35F8CC479449609E8A0923A6" ma:contentTypeVersion="11" ma:contentTypeDescription="Create a new document." ma:contentTypeScope="" ma:versionID="96291512c1ee715ab617f4c07df79fc1">
   <xsd:schema xmlns:xsd="http://www.w3.org/2001/XMLSchema" xmlns:xs="http://www.w3.org/2001/XMLSchema" xmlns:p="http://schemas.microsoft.com/office/2006/metadata/properties" xmlns:ns2="71af3243-3dd4-4a8d-8c0d-dd76da1f02a5" xmlns:ns3="16c05727-aa75-4e4a-9b5f-8a80a1165891" targetNamespace="http://schemas.microsoft.com/office/2006/metadata/properties" ma:root="true" ma:fieldsID="8256c27c40ca5c40ce1cf6c44f0205df" ns2:_="" ns3:_="">
     <xsd:import namespace="71af3243-3dd4-4a8d-8c0d-dd76da1f02a5"/>
@@ -42176,6 +43048,15 @@
 </ct:contentTypeSchema>
 </file>
 
+<file path=customXml/item2.xml><?xml version="1.0" encoding="utf-8"?>
+<?mso-contentType ?>
+<FormTemplates xmlns="http://schemas.microsoft.com/sharepoint/v3/contenttype/forms">
+  <Display>DocumentLibraryForm</Display>
+  <Edit>DocumentLibraryForm</Edit>
+  <New>DocumentLibraryForm</New>
+</FormTemplates>
+</file>
+
 <file path=customXml/item3.xml><?xml version="1.0" encoding="utf-8"?>
 <p:properties xmlns:p="http://schemas.microsoft.com/office/2006/metadata/properties" xmlns:xsi="http://www.w3.org/2001/XMLSchema-instance" xmlns:pc="http://schemas.microsoft.com/office/infopath/2007/PartnerControls">
   <documentManagement>
@@ -42185,14 +43066,6 @@
 </file>
 
 <file path=customXml/itemProps1.xml><?xml version="1.0" encoding="utf-8"?>
-<ds:datastoreItem xmlns:ds="http://schemas.openxmlformats.org/officeDocument/2006/customXml" ds:itemID="{8A930687-51F2-44C8-9CE6-D1B3D6E17522}">
-  <ds:schemaRefs>
-    <ds:schemaRef ds:uri="http://schemas.microsoft.com/sharepoint/v3/contenttype/forms"/>
-  </ds:schemaRefs>
-</ds:datastoreItem>
-</file>
-
-<file path=customXml/itemProps2.xml><?xml version="1.0" encoding="utf-8"?>
 <ds:datastoreItem xmlns:ds="http://schemas.openxmlformats.org/officeDocument/2006/customXml" ds:itemID="{29AE7CBC-C35C-4FA9-B339-59E31F30C6AC}">
   <ds:schemaRefs>
     <ds:schemaRef ds:uri="http://schemas.microsoft.com/office/2006/metadata/contentType"/>
@@ -42211,6 +43084,14 @@
 </ds:datastoreItem>
 </file>
 
+<file path=customXml/itemProps2.xml><?xml version="1.0" encoding="utf-8"?>
+<ds:datastoreItem xmlns:ds="http://schemas.openxmlformats.org/officeDocument/2006/customXml" ds:itemID="{8A930687-51F2-44C8-9CE6-D1B3D6E17522}">
+  <ds:schemaRefs>
+    <ds:schemaRef ds:uri="http://schemas.microsoft.com/sharepoint/v3/contenttype/forms"/>
+  </ds:schemaRefs>
+</ds:datastoreItem>
+</file>
+
 <file path=customXml/itemProps3.xml><?xml version="1.0" encoding="utf-8"?>
 <ds:datastoreItem xmlns:ds="http://schemas.openxmlformats.org/officeDocument/2006/customXml" ds:itemID="{A861FE8A-8F15-409F-AF62-619C69C0D537}">
   <ds:schemaRefs>
